--- a/trunk/Documentacion/Presentación Regularidad/Presentación Regularidad.pptx
+++ b/trunk/Documentacion/Presentación Regularidad/Presentación Regularidad.pptx
@@ -1477,8 +1477,8 @@
     <dgm:cxn modelId="{A6CA9D31-B860-4EFB-8631-C97AED7DA17C}" type="presOf" srcId="{22FE0BF8-4876-418D-9477-507DBE9657DB}" destId="{847150E7-A1A9-4A6A-94B1-79AB50249590}" srcOrd="0" destOrd="0" presId="urn:microsoft.com/office/officeart/2008/layout/VerticalCurvedList"/>
     <dgm:cxn modelId="{2EBAF2E5-00F7-4341-A7C6-7FB1113DD1C3}" type="presOf" srcId="{717C6B32-CC3A-42CA-9641-D0AFE779ACC4}" destId="{E692D962-4A0C-4FDE-8884-EC514208681B}" srcOrd="0" destOrd="0" presId="urn:microsoft.com/office/officeart/2008/layout/VerticalCurvedList"/>
     <dgm:cxn modelId="{5F551111-A843-46D4-BC9C-9F8F25D08C4A}" srcId="{64E87455-F7B0-4C67-ABF2-0E04EBA750FC}" destId="{B5A037AA-85F0-46B9-A092-AFD429B4A5B6}" srcOrd="2" destOrd="0" parTransId="{BB8F02CA-4A7F-4587-90C6-AED87179EC57}" sibTransId="{96FB850B-B335-48CE-B430-B6081AEAE01B}"/>
+    <dgm:cxn modelId="{5D8ED6D6-264E-47B8-8E70-D359E6EDD66E}" type="presOf" srcId="{9B46FB77-198D-4EC6-9DA4-BC2E541BB76C}" destId="{72F87903-AB29-4042-9FF7-239E4F8EF834}" srcOrd="0" destOrd="0" presId="urn:microsoft.com/office/officeart/2008/layout/VerticalCurvedList"/>
     <dgm:cxn modelId="{99FC8A66-89BF-4A50-970C-D3129196FABD}" srcId="{64E87455-F7B0-4C67-ABF2-0E04EBA750FC}" destId="{9B5DF424-1289-4802-BA54-BA3B9ACBF6EA}" srcOrd="1" destOrd="0" parTransId="{11927786-6B02-452F-A041-6DA1B50143EE}" sibTransId="{F2944476-7AA4-4DBB-B01E-E931158E4E8C}"/>
-    <dgm:cxn modelId="{5D8ED6D6-264E-47B8-8E70-D359E6EDD66E}" type="presOf" srcId="{9B46FB77-198D-4EC6-9DA4-BC2E541BB76C}" destId="{72F87903-AB29-4042-9FF7-239E4F8EF834}" srcOrd="0" destOrd="0" presId="urn:microsoft.com/office/officeart/2008/layout/VerticalCurvedList"/>
     <dgm:cxn modelId="{2F9C2669-FE65-4550-8CA8-ABB9AFB43C4E}" type="presParOf" srcId="{3CD02DF9-80AF-4AD5-B1CB-993D52D0A69A}" destId="{7E052B8F-579C-4EE1-91A6-E74A9D35A66A}" srcOrd="0" destOrd="0" presId="urn:microsoft.com/office/officeart/2008/layout/VerticalCurvedList"/>
     <dgm:cxn modelId="{87D3D001-5D63-4B9A-8B5E-3943E1ABE049}" type="presParOf" srcId="{7E052B8F-579C-4EE1-91A6-E74A9D35A66A}" destId="{9E3B78E5-51D4-4FEB-8740-AA91F7A747C4}" srcOrd="0" destOrd="0" presId="urn:microsoft.com/office/officeart/2008/layout/VerticalCurvedList"/>
     <dgm:cxn modelId="{6334739D-0FB7-4C22-BD3D-CBD055771732}" type="presParOf" srcId="{9E3B78E5-51D4-4FEB-8740-AA91F7A747C4}" destId="{F0F89AAC-07D3-4C7E-B40C-1DF411FFB196}" srcOrd="0" destOrd="0" presId="urn:microsoft.com/office/officeart/2008/layout/VerticalCurvedList"/>
@@ -1519,774 +1519,6 @@
       <dsp:cNvGrpSpPr/>
     </dsp:nvGrpSpPr>
     <dsp:grpSpPr/>
-    <dsp:sp modelId="{847150E7-A1A9-4A6A-94B1-79AB50249590}">
-      <dsp:nvSpPr>
-        <dsp:cNvPr id="0" name=""/>
-        <dsp:cNvSpPr/>
-      </dsp:nvSpPr>
-      <dsp:spPr>
-        <a:xfrm>
-          <a:off x="-5720250" y="-875576"/>
-          <a:ext cx="6810321" cy="6810321"/>
-        </a:xfrm>
-        <a:prstGeom prst="blockArc">
-          <a:avLst>
-            <a:gd name="adj1" fmla="val 18900000"/>
-            <a:gd name="adj2" fmla="val 2700000"/>
-            <a:gd name="adj3" fmla="val 317"/>
-          </a:avLst>
-        </a:prstGeom>
-        <a:noFill/>
-        <a:ln w="19050" cap="rnd" cmpd="sng" algn="ctr">
-          <a:solidFill>
-            <a:schemeClr val="accent1">
-              <a:shade val="60000"/>
-              <a:hueOff val="0"/>
-              <a:satOff val="0"/>
-              <a:lumOff val="0"/>
-              <a:alphaOff val="0"/>
-            </a:schemeClr>
-          </a:solidFill>
-          <a:prstDash val="solid"/>
-        </a:ln>
-        <a:effectLst/>
-      </dsp:spPr>
-      <dsp:style>
-        <a:lnRef idx="2">
-          <a:scrgbClr r="0" g="0" b="0"/>
-        </a:lnRef>
-        <a:fillRef idx="0">
-          <a:scrgbClr r="0" g="0" b="0"/>
-        </a:fillRef>
-        <a:effectRef idx="0">
-          <a:scrgbClr r="0" g="0" b="0"/>
-        </a:effectRef>
-        <a:fontRef idx="minor"/>
-      </dsp:style>
-    </dsp:sp>
-    <dsp:sp modelId="{E692D962-4A0C-4FDE-8884-EC514208681B}">
-      <dsp:nvSpPr>
-        <dsp:cNvPr id="0" name=""/>
-        <dsp:cNvSpPr/>
-      </dsp:nvSpPr>
-      <dsp:spPr>
-        <a:xfrm>
-          <a:off x="476497" y="316096"/>
-          <a:ext cx="6005076" cy="632598"/>
-        </a:xfrm>
-        <a:prstGeom prst="rect">
-          <a:avLst/>
-        </a:prstGeom>
-        <a:solidFill>
-          <a:schemeClr val="accent1">
-            <a:hueOff val="0"/>
-            <a:satOff val="0"/>
-            <a:lumOff val="0"/>
-            <a:alphaOff val="0"/>
-          </a:schemeClr>
-        </a:solidFill>
-        <a:ln w="19050" cap="rnd" cmpd="sng" algn="ctr">
-          <a:solidFill>
-            <a:schemeClr val="lt1">
-              <a:hueOff val="0"/>
-              <a:satOff val="0"/>
-              <a:lumOff val="0"/>
-              <a:alphaOff val="0"/>
-            </a:schemeClr>
-          </a:solidFill>
-          <a:prstDash val="solid"/>
-        </a:ln>
-        <a:effectLst/>
-      </dsp:spPr>
-      <dsp:style>
-        <a:lnRef idx="2">
-          <a:scrgbClr r="0" g="0" b="0"/>
-        </a:lnRef>
-        <a:fillRef idx="1">
-          <a:scrgbClr r="0" g="0" b="0"/>
-        </a:fillRef>
-        <a:effectRef idx="0">
-          <a:scrgbClr r="0" g="0" b="0"/>
-        </a:effectRef>
-        <a:fontRef idx="minor">
-          <a:schemeClr val="lt1"/>
-        </a:fontRef>
-      </dsp:style>
-      <dsp:txBody>
-        <a:bodyPr spcFirstLastPara="0" vert="horz" wrap="square" lIns="502125" tIns="60960" rIns="60960" bIns="60960" numCol="1" spcCol="1270" anchor="ctr" anchorCtr="0">
-          <a:noAutofit/>
-        </a:bodyPr>
-        <a:lstStyle/>
-        <a:p>
-          <a:pPr lvl="0" algn="l" defTabSz="1066800">
-            <a:lnSpc>
-              <a:spcPct val="90000"/>
-            </a:lnSpc>
-            <a:spcBef>
-              <a:spcPct val="0"/>
-            </a:spcBef>
-            <a:spcAft>
-              <a:spcPct val="35000"/>
-            </a:spcAft>
-          </a:pPr>
-          <a:r>
-            <a:rPr lang="es-AR" sz="2400" b="1" kern="1200" dirty="0" smtClean="0">
-              <a:effectLst>
-                <a:outerShdw blurRad="38100" dist="38100" dir="2700000" algn="tl">
-                  <a:srgbClr val="000000">
-                    <a:alpha val="43137"/>
-                  </a:srgbClr>
-                </a:outerShdw>
-              </a:effectLst>
-              <a:latin typeface="+mj-lt"/>
-            </a:rPr>
-            <a:t>¿Dónde Estamos?</a:t>
-          </a:r>
-          <a:endParaRPr lang="es-AR" sz="2400" b="1" kern="1200" dirty="0">
-            <a:effectLst>
-              <a:outerShdw blurRad="38100" dist="38100" dir="2700000" algn="tl">
-                <a:srgbClr val="000000">
-                  <a:alpha val="43137"/>
-                </a:srgbClr>
-              </a:outerShdw>
-            </a:effectLst>
-            <a:latin typeface="+mj-lt"/>
-          </a:endParaRPr>
-        </a:p>
-      </dsp:txBody>
-      <dsp:txXfrm>
-        <a:off x="476497" y="316096"/>
-        <a:ext cx="6005076" cy="632598"/>
-      </dsp:txXfrm>
-    </dsp:sp>
-    <dsp:sp modelId="{DAD2847C-C4D4-4029-B52A-864C55881E2F}">
-      <dsp:nvSpPr>
-        <dsp:cNvPr id="0" name=""/>
-        <dsp:cNvSpPr/>
-      </dsp:nvSpPr>
-      <dsp:spPr>
-        <a:xfrm>
-          <a:off x="81123" y="237022"/>
-          <a:ext cx="790747" cy="790747"/>
-        </a:xfrm>
-        <a:prstGeom prst="ellipse">
-          <a:avLst/>
-        </a:prstGeom>
-        <a:solidFill>
-          <a:schemeClr val="lt1">
-            <a:hueOff val="0"/>
-            <a:satOff val="0"/>
-            <a:lumOff val="0"/>
-            <a:alphaOff val="0"/>
-          </a:schemeClr>
-        </a:solidFill>
-        <a:ln w="19050" cap="rnd" cmpd="sng" algn="ctr">
-          <a:solidFill>
-            <a:schemeClr val="accent1">
-              <a:hueOff val="0"/>
-              <a:satOff val="0"/>
-              <a:lumOff val="0"/>
-              <a:alphaOff val="0"/>
-            </a:schemeClr>
-          </a:solidFill>
-          <a:prstDash val="solid"/>
-        </a:ln>
-        <a:effectLst/>
-      </dsp:spPr>
-      <dsp:style>
-        <a:lnRef idx="2">
-          <a:scrgbClr r="0" g="0" b="0"/>
-        </a:lnRef>
-        <a:fillRef idx="1">
-          <a:scrgbClr r="0" g="0" b="0"/>
-        </a:fillRef>
-        <a:effectRef idx="0">
-          <a:scrgbClr r="0" g="0" b="0"/>
-        </a:effectRef>
-        <a:fontRef idx="minor"/>
-      </dsp:style>
-    </dsp:sp>
-    <dsp:sp modelId="{07272EF7-AE1F-4ACE-8BB3-F011A254CD75}">
-      <dsp:nvSpPr>
-        <dsp:cNvPr id="0" name=""/>
-        <dsp:cNvSpPr/>
-      </dsp:nvSpPr>
-      <dsp:spPr>
-        <a:xfrm>
-          <a:off x="929799" y="1264690"/>
-          <a:ext cx="5551774" cy="632598"/>
-        </a:xfrm>
-        <a:prstGeom prst="rect">
-          <a:avLst/>
-        </a:prstGeom>
-        <a:solidFill>
-          <a:schemeClr val="accent1">
-            <a:hueOff val="0"/>
-            <a:satOff val="0"/>
-            <a:lumOff val="0"/>
-            <a:alphaOff val="0"/>
-          </a:schemeClr>
-        </a:solidFill>
-        <a:ln w="19050" cap="rnd" cmpd="sng" algn="ctr">
-          <a:solidFill>
-            <a:schemeClr val="lt1">
-              <a:hueOff val="0"/>
-              <a:satOff val="0"/>
-              <a:lumOff val="0"/>
-              <a:alphaOff val="0"/>
-            </a:schemeClr>
-          </a:solidFill>
-          <a:prstDash val="solid"/>
-        </a:ln>
-        <a:effectLst/>
-      </dsp:spPr>
-      <dsp:style>
-        <a:lnRef idx="2">
-          <a:scrgbClr r="0" g="0" b="0"/>
-        </a:lnRef>
-        <a:fillRef idx="1">
-          <a:scrgbClr r="0" g="0" b="0"/>
-        </a:fillRef>
-        <a:effectRef idx="0">
-          <a:scrgbClr r="0" g="0" b="0"/>
-        </a:effectRef>
-        <a:fontRef idx="minor">
-          <a:schemeClr val="lt1"/>
-        </a:fontRef>
-      </dsp:style>
-      <dsp:txBody>
-        <a:bodyPr spcFirstLastPara="0" vert="horz" wrap="square" lIns="502125" tIns="60960" rIns="60960" bIns="60960" numCol="1" spcCol="1270" anchor="ctr" anchorCtr="0">
-          <a:noAutofit/>
-        </a:bodyPr>
-        <a:lstStyle/>
-        <a:p>
-          <a:pPr lvl="0" algn="l" defTabSz="1066800">
-            <a:lnSpc>
-              <a:spcPct val="90000"/>
-            </a:lnSpc>
-            <a:spcBef>
-              <a:spcPct val="0"/>
-            </a:spcBef>
-            <a:spcAft>
-              <a:spcPct val="35000"/>
-            </a:spcAft>
-          </a:pPr>
-          <a:r>
-            <a:rPr lang="es-AR" sz="2400" b="1" kern="1200" dirty="0" smtClean="0">
-              <a:effectLst>
-                <a:outerShdw blurRad="38100" dist="38100" dir="2700000" algn="tl">
-                  <a:srgbClr val="000000">
-                    <a:alpha val="43137"/>
-                  </a:srgbClr>
-                </a:outerShdw>
-              </a:effectLst>
-              <a:latin typeface="+mj-lt"/>
-            </a:rPr>
-            <a:t>Funcionalidad de </a:t>
-          </a:r>
-          <a:r>
-            <a:rPr lang="es-AR" sz="2400" b="1" kern="1200" dirty="0" err="1" smtClean="0">
-              <a:effectLst>
-                <a:outerShdw blurRad="38100" dist="38100" dir="2700000" algn="tl">
-                  <a:srgbClr val="000000">
-                    <a:alpha val="43137"/>
-                  </a:srgbClr>
-                </a:outerShdw>
-              </a:effectLst>
-              <a:latin typeface="+mj-lt"/>
-            </a:rPr>
-            <a:t>Release</a:t>
-          </a:r>
-          <a:endParaRPr lang="es-AR" sz="2400" b="1" kern="1200" dirty="0">
-            <a:effectLst>
-              <a:outerShdw blurRad="38100" dist="38100" dir="2700000" algn="tl">
-                <a:srgbClr val="000000">
-                  <a:alpha val="43137"/>
-                </a:srgbClr>
-              </a:outerShdw>
-            </a:effectLst>
-            <a:latin typeface="+mj-lt"/>
-          </a:endParaRPr>
-        </a:p>
-      </dsp:txBody>
-      <dsp:txXfrm>
-        <a:off x="929799" y="1264690"/>
-        <a:ext cx="5551774" cy="632598"/>
-      </dsp:txXfrm>
-    </dsp:sp>
-    <dsp:sp modelId="{432F1E89-EA1F-494C-89F5-C81C8636C930}">
-      <dsp:nvSpPr>
-        <dsp:cNvPr id="0" name=""/>
-        <dsp:cNvSpPr/>
-      </dsp:nvSpPr>
-      <dsp:spPr>
-        <a:xfrm>
-          <a:off x="534425" y="1185616"/>
-          <a:ext cx="790747" cy="790747"/>
-        </a:xfrm>
-        <a:prstGeom prst="ellipse">
-          <a:avLst/>
-        </a:prstGeom>
-        <a:solidFill>
-          <a:schemeClr val="lt1">
-            <a:hueOff val="0"/>
-            <a:satOff val="0"/>
-            <a:lumOff val="0"/>
-            <a:alphaOff val="0"/>
-          </a:schemeClr>
-        </a:solidFill>
-        <a:ln w="19050" cap="rnd" cmpd="sng" algn="ctr">
-          <a:solidFill>
-            <a:schemeClr val="accent1">
-              <a:hueOff val="0"/>
-              <a:satOff val="0"/>
-              <a:lumOff val="0"/>
-              <a:alphaOff val="0"/>
-            </a:schemeClr>
-          </a:solidFill>
-          <a:prstDash val="solid"/>
-        </a:ln>
-        <a:effectLst/>
-      </dsp:spPr>
-      <dsp:style>
-        <a:lnRef idx="2">
-          <a:scrgbClr r="0" g="0" b="0"/>
-        </a:lnRef>
-        <a:fillRef idx="1">
-          <a:scrgbClr r="0" g="0" b="0"/>
-        </a:fillRef>
-        <a:effectRef idx="0">
-          <a:scrgbClr r="0" g="0" b="0"/>
-        </a:effectRef>
-        <a:fontRef idx="minor"/>
-      </dsp:style>
-    </dsp:sp>
-    <dsp:sp modelId="{8F2C8565-F182-4327-A321-0AE7CB8A5D0A}">
-      <dsp:nvSpPr>
-        <dsp:cNvPr id="0" name=""/>
-        <dsp:cNvSpPr/>
-      </dsp:nvSpPr>
-      <dsp:spPr>
-        <a:xfrm>
-          <a:off x="1068926" y="2213284"/>
-          <a:ext cx="5412647" cy="632598"/>
-        </a:xfrm>
-        <a:prstGeom prst="rect">
-          <a:avLst/>
-        </a:prstGeom>
-        <a:solidFill>
-          <a:schemeClr val="accent1">
-            <a:hueOff val="0"/>
-            <a:satOff val="0"/>
-            <a:lumOff val="0"/>
-            <a:alphaOff val="0"/>
-          </a:schemeClr>
-        </a:solidFill>
-        <a:ln w="19050" cap="rnd" cmpd="sng" algn="ctr">
-          <a:solidFill>
-            <a:schemeClr val="lt1">
-              <a:hueOff val="0"/>
-              <a:satOff val="0"/>
-              <a:lumOff val="0"/>
-              <a:alphaOff val="0"/>
-            </a:schemeClr>
-          </a:solidFill>
-          <a:prstDash val="solid"/>
-        </a:ln>
-        <a:effectLst/>
-      </dsp:spPr>
-      <dsp:style>
-        <a:lnRef idx="2">
-          <a:scrgbClr r="0" g="0" b="0"/>
-        </a:lnRef>
-        <a:fillRef idx="1">
-          <a:scrgbClr r="0" g="0" b="0"/>
-        </a:fillRef>
-        <a:effectRef idx="0">
-          <a:scrgbClr r="0" g="0" b="0"/>
-        </a:effectRef>
-        <a:fontRef idx="minor">
-          <a:schemeClr val="lt1"/>
-        </a:fontRef>
-      </dsp:style>
-      <dsp:txBody>
-        <a:bodyPr spcFirstLastPara="0" vert="horz" wrap="square" lIns="502125" tIns="60960" rIns="60960" bIns="60960" numCol="1" spcCol="1270" anchor="ctr" anchorCtr="0">
-          <a:noAutofit/>
-        </a:bodyPr>
-        <a:lstStyle/>
-        <a:p>
-          <a:pPr lvl="0" algn="l" defTabSz="1066800">
-            <a:lnSpc>
-              <a:spcPct val="90000"/>
-            </a:lnSpc>
-            <a:spcBef>
-              <a:spcPct val="0"/>
-            </a:spcBef>
-            <a:spcAft>
-              <a:spcPct val="35000"/>
-            </a:spcAft>
-          </a:pPr>
-          <a:r>
-            <a:rPr lang="es-AR" sz="2400" b="1" kern="1200" dirty="0" smtClean="0">
-              <a:effectLst>
-                <a:outerShdw blurRad="38100" dist="38100" dir="2700000" algn="tl">
-                  <a:srgbClr val="000000">
-                    <a:alpha val="43137"/>
-                  </a:srgbClr>
-                </a:outerShdw>
-              </a:effectLst>
-              <a:latin typeface="+mj-lt"/>
-            </a:rPr>
-            <a:t>Documentación</a:t>
-          </a:r>
-          <a:endParaRPr lang="es-AR" sz="2400" b="1" kern="1200" dirty="0">
-            <a:effectLst>
-              <a:outerShdw blurRad="38100" dist="38100" dir="2700000" algn="tl">
-                <a:srgbClr val="000000">
-                  <a:alpha val="43137"/>
-                </a:srgbClr>
-              </a:outerShdw>
-            </a:effectLst>
-            <a:latin typeface="+mj-lt"/>
-          </a:endParaRPr>
-        </a:p>
-      </dsp:txBody>
-      <dsp:txXfrm>
-        <a:off x="1068926" y="2213284"/>
-        <a:ext cx="5412647" cy="632598"/>
-      </dsp:txXfrm>
-    </dsp:sp>
-    <dsp:sp modelId="{5370C170-BC8E-4796-9B1D-0F2A2424D39E}">
-      <dsp:nvSpPr>
-        <dsp:cNvPr id="0" name=""/>
-        <dsp:cNvSpPr/>
-      </dsp:nvSpPr>
-      <dsp:spPr>
-        <a:xfrm>
-          <a:off x="673552" y="2134210"/>
-          <a:ext cx="790747" cy="790747"/>
-        </a:xfrm>
-        <a:prstGeom prst="ellipse">
-          <a:avLst/>
-        </a:prstGeom>
-        <a:solidFill>
-          <a:schemeClr val="lt1">
-            <a:hueOff val="0"/>
-            <a:satOff val="0"/>
-            <a:lumOff val="0"/>
-            <a:alphaOff val="0"/>
-          </a:schemeClr>
-        </a:solidFill>
-        <a:ln w="19050" cap="rnd" cmpd="sng" algn="ctr">
-          <a:solidFill>
-            <a:schemeClr val="accent1">
-              <a:hueOff val="0"/>
-              <a:satOff val="0"/>
-              <a:lumOff val="0"/>
-              <a:alphaOff val="0"/>
-            </a:schemeClr>
-          </a:solidFill>
-          <a:prstDash val="solid"/>
-        </a:ln>
-        <a:effectLst/>
-      </dsp:spPr>
-      <dsp:style>
-        <a:lnRef idx="2">
-          <a:scrgbClr r="0" g="0" b="0"/>
-        </a:lnRef>
-        <a:fillRef idx="1">
-          <a:scrgbClr r="0" g="0" b="0"/>
-        </a:fillRef>
-        <a:effectRef idx="0">
-          <a:scrgbClr r="0" g="0" b="0"/>
-        </a:effectRef>
-        <a:fontRef idx="minor"/>
-      </dsp:style>
-    </dsp:sp>
-    <dsp:sp modelId="{BB4FB179-01BB-41C6-81AD-9D71D847F81B}">
-      <dsp:nvSpPr>
-        <dsp:cNvPr id="0" name=""/>
-        <dsp:cNvSpPr/>
-      </dsp:nvSpPr>
-      <dsp:spPr>
-        <a:xfrm>
-          <a:off x="929799" y="3161878"/>
-          <a:ext cx="5551774" cy="632598"/>
-        </a:xfrm>
-        <a:prstGeom prst="rect">
-          <a:avLst/>
-        </a:prstGeom>
-        <a:solidFill>
-          <a:schemeClr val="accent1">
-            <a:hueOff val="0"/>
-            <a:satOff val="0"/>
-            <a:lumOff val="0"/>
-            <a:alphaOff val="0"/>
-          </a:schemeClr>
-        </a:solidFill>
-        <a:ln w="19050" cap="rnd" cmpd="sng" algn="ctr">
-          <a:solidFill>
-            <a:schemeClr val="lt1">
-              <a:hueOff val="0"/>
-              <a:satOff val="0"/>
-              <a:lumOff val="0"/>
-              <a:alphaOff val="0"/>
-            </a:schemeClr>
-          </a:solidFill>
-          <a:prstDash val="solid"/>
-        </a:ln>
-        <a:effectLst/>
-      </dsp:spPr>
-      <dsp:style>
-        <a:lnRef idx="2">
-          <a:scrgbClr r="0" g="0" b="0"/>
-        </a:lnRef>
-        <a:fillRef idx="1">
-          <a:scrgbClr r="0" g="0" b="0"/>
-        </a:fillRef>
-        <a:effectRef idx="0">
-          <a:scrgbClr r="0" g="0" b="0"/>
-        </a:effectRef>
-        <a:fontRef idx="minor">
-          <a:schemeClr val="lt1"/>
-        </a:fontRef>
-      </dsp:style>
-      <dsp:txBody>
-        <a:bodyPr spcFirstLastPara="0" vert="horz" wrap="square" lIns="502125" tIns="60960" rIns="60960" bIns="60960" numCol="1" spcCol="1270" anchor="ctr" anchorCtr="0">
-          <a:noAutofit/>
-        </a:bodyPr>
-        <a:lstStyle/>
-        <a:p>
-          <a:pPr lvl="0" algn="l" defTabSz="1066800">
-            <a:lnSpc>
-              <a:spcPct val="90000"/>
-            </a:lnSpc>
-            <a:spcBef>
-              <a:spcPct val="0"/>
-            </a:spcBef>
-            <a:spcAft>
-              <a:spcPct val="35000"/>
-            </a:spcAft>
-          </a:pPr>
-          <a:r>
-            <a:rPr lang="es-AR" sz="2400" b="1" kern="1200" dirty="0" smtClean="0">
-              <a:effectLst>
-                <a:outerShdw blurRad="38100" dist="38100" dir="2700000" algn="tl">
-                  <a:srgbClr val="000000">
-                    <a:alpha val="43137"/>
-                  </a:srgbClr>
-                </a:outerShdw>
-              </a:effectLst>
-              <a:latin typeface="+mj-lt"/>
-            </a:rPr>
-            <a:t>Demo del Sistema</a:t>
-          </a:r>
-          <a:endParaRPr lang="es-AR" sz="2400" b="1" kern="1200" dirty="0">
-            <a:effectLst>
-              <a:outerShdw blurRad="38100" dist="38100" dir="2700000" algn="tl">
-                <a:srgbClr val="000000">
-                  <a:alpha val="43137"/>
-                </a:srgbClr>
-              </a:outerShdw>
-            </a:effectLst>
-            <a:latin typeface="+mj-lt"/>
-          </a:endParaRPr>
-        </a:p>
-      </dsp:txBody>
-      <dsp:txXfrm>
-        <a:off x="929799" y="3161878"/>
-        <a:ext cx="5551774" cy="632598"/>
-      </dsp:txXfrm>
-    </dsp:sp>
-    <dsp:sp modelId="{F298C79F-DD07-4C5F-BDDC-E37D8AE87E2C}">
-      <dsp:nvSpPr>
-        <dsp:cNvPr id="0" name=""/>
-        <dsp:cNvSpPr/>
-      </dsp:nvSpPr>
-      <dsp:spPr>
-        <a:xfrm>
-          <a:off x="534425" y="3082804"/>
-          <a:ext cx="790747" cy="790747"/>
-        </a:xfrm>
-        <a:prstGeom prst="ellipse">
-          <a:avLst/>
-        </a:prstGeom>
-        <a:solidFill>
-          <a:schemeClr val="lt1">
-            <a:hueOff val="0"/>
-            <a:satOff val="0"/>
-            <a:lumOff val="0"/>
-            <a:alphaOff val="0"/>
-          </a:schemeClr>
-        </a:solidFill>
-        <a:ln w="19050" cap="rnd" cmpd="sng" algn="ctr">
-          <a:solidFill>
-            <a:schemeClr val="accent1">
-              <a:hueOff val="0"/>
-              <a:satOff val="0"/>
-              <a:lumOff val="0"/>
-              <a:alphaOff val="0"/>
-            </a:schemeClr>
-          </a:solidFill>
-          <a:prstDash val="solid"/>
-        </a:ln>
-        <a:effectLst/>
-      </dsp:spPr>
-      <dsp:style>
-        <a:lnRef idx="2">
-          <a:scrgbClr r="0" g="0" b="0"/>
-        </a:lnRef>
-        <a:fillRef idx="1">
-          <a:scrgbClr r="0" g="0" b="0"/>
-        </a:fillRef>
-        <a:effectRef idx="0">
-          <a:scrgbClr r="0" g="0" b="0"/>
-        </a:effectRef>
-        <a:fontRef idx="minor"/>
-      </dsp:style>
-    </dsp:sp>
-    <dsp:sp modelId="{72F87903-AB29-4042-9FF7-239E4F8EF834}">
-      <dsp:nvSpPr>
-        <dsp:cNvPr id="0" name=""/>
-        <dsp:cNvSpPr/>
-      </dsp:nvSpPr>
-      <dsp:spPr>
-        <a:xfrm>
-          <a:off x="476497" y="4110472"/>
-          <a:ext cx="6005076" cy="632598"/>
-        </a:xfrm>
-        <a:prstGeom prst="rect">
-          <a:avLst/>
-        </a:prstGeom>
-        <a:solidFill>
-          <a:schemeClr val="accent1">
-            <a:hueOff val="0"/>
-            <a:satOff val="0"/>
-            <a:lumOff val="0"/>
-            <a:alphaOff val="0"/>
-          </a:schemeClr>
-        </a:solidFill>
-        <a:ln w="19050" cap="rnd" cmpd="sng" algn="ctr">
-          <a:solidFill>
-            <a:schemeClr val="lt1">
-              <a:hueOff val="0"/>
-              <a:satOff val="0"/>
-              <a:lumOff val="0"/>
-              <a:alphaOff val="0"/>
-            </a:schemeClr>
-          </a:solidFill>
-          <a:prstDash val="solid"/>
-        </a:ln>
-        <a:effectLst/>
-      </dsp:spPr>
-      <dsp:style>
-        <a:lnRef idx="2">
-          <a:scrgbClr r="0" g="0" b="0"/>
-        </a:lnRef>
-        <a:fillRef idx="1">
-          <a:scrgbClr r="0" g="0" b="0"/>
-        </a:fillRef>
-        <a:effectRef idx="0">
-          <a:scrgbClr r="0" g="0" b="0"/>
-        </a:effectRef>
-        <a:fontRef idx="minor">
-          <a:schemeClr val="lt1"/>
-        </a:fontRef>
-      </dsp:style>
-      <dsp:txBody>
-        <a:bodyPr spcFirstLastPara="0" vert="horz" wrap="square" lIns="502125" tIns="60960" rIns="60960" bIns="60960" numCol="1" spcCol="1270" anchor="ctr" anchorCtr="0">
-          <a:noAutofit/>
-        </a:bodyPr>
-        <a:lstStyle/>
-        <a:p>
-          <a:pPr lvl="0" algn="l" defTabSz="1066800">
-            <a:lnSpc>
-              <a:spcPct val="90000"/>
-            </a:lnSpc>
-            <a:spcBef>
-              <a:spcPct val="0"/>
-            </a:spcBef>
-            <a:spcAft>
-              <a:spcPct val="35000"/>
-            </a:spcAft>
-          </a:pPr>
-          <a:r>
-            <a:rPr lang="es-AR" sz="2400" b="1" kern="1200" dirty="0" smtClean="0">
-              <a:effectLst>
-                <a:outerShdw blurRad="38100" dist="38100" dir="2700000" algn="tl">
-                  <a:srgbClr val="000000">
-                    <a:alpha val="43137"/>
-                  </a:srgbClr>
-                </a:outerShdw>
-              </a:effectLst>
-              <a:latin typeface="+mj-lt"/>
-            </a:rPr>
-            <a:t>¿Cómo Seguimos?</a:t>
-          </a:r>
-          <a:endParaRPr lang="es-AR" sz="2400" b="1" kern="1200" dirty="0">
-            <a:effectLst>
-              <a:outerShdw blurRad="38100" dist="38100" dir="2700000" algn="tl">
-                <a:srgbClr val="000000">
-                  <a:alpha val="43137"/>
-                </a:srgbClr>
-              </a:outerShdw>
-            </a:effectLst>
-            <a:latin typeface="+mj-lt"/>
-          </a:endParaRPr>
-        </a:p>
-      </dsp:txBody>
-      <dsp:txXfrm>
-        <a:off x="476497" y="4110472"/>
-        <a:ext cx="6005076" cy="632598"/>
-      </dsp:txXfrm>
-    </dsp:sp>
-    <dsp:sp modelId="{1BBBCDAA-629F-4ED9-B89C-AF0815CF7756}">
-      <dsp:nvSpPr>
-        <dsp:cNvPr id="0" name=""/>
-        <dsp:cNvSpPr/>
-      </dsp:nvSpPr>
-      <dsp:spPr>
-        <a:xfrm>
-          <a:off x="81123" y="4031398"/>
-          <a:ext cx="790747" cy="790747"/>
-        </a:xfrm>
-        <a:prstGeom prst="ellipse">
-          <a:avLst/>
-        </a:prstGeom>
-        <a:solidFill>
-          <a:schemeClr val="lt1">
-            <a:hueOff val="0"/>
-            <a:satOff val="0"/>
-            <a:lumOff val="0"/>
-            <a:alphaOff val="0"/>
-          </a:schemeClr>
-        </a:solidFill>
-        <a:ln w="19050" cap="rnd" cmpd="sng" algn="ctr">
-          <a:solidFill>
-            <a:schemeClr val="accent1">
-              <a:hueOff val="0"/>
-              <a:satOff val="0"/>
-              <a:lumOff val="0"/>
-              <a:alphaOff val="0"/>
-            </a:schemeClr>
-          </a:solidFill>
-          <a:prstDash val="solid"/>
-        </a:ln>
-        <a:effectLst/>
-      </dsp:spPr>
-      <dsp:style>
-        <a:lnRef idx="2">
-          <a:scrgbClr r="0" g="0" b="0"/>
-        </a:lnRef>
-        <a:fillRef idx="1">
-          <a:scrgbClr r="0" g="0" b="0"/>
-        </a:fillRef>
-        <a:effectRef idx="0">
-          <a:scrgbClr r="0" g="0" b="0"/>
-        </a:effectRef>
-        <a:fontRef idx="minor"/>
-      </dsp:style>
-    </dsp:sp>
   </dsp:spTree>
 </dsp:drawing>
 </file>
@@ -4685,7 +3917,7 @@
           <a:p>
             <a:fld id="{11DAAD16-308F-41D8-9C6A-2D9DB39F0E79}" type="datetimeFigureOut">
               <a:rPr lang="es-ES" smtClean="0"/>
-              <a:t>25/10/2014</a:t>
+              <a:t>27/10/2014</a:t>
             </a:fld>
             <a:endParaRPr lang="es-ES"/>
           </a:p>
@@ -6837,7 +6069,7 @@
             <a:fld id="{08B9EBBA-996F-894A-B54A-D6246ED52CEA}" type="datetimeFigureOut">
               <a:rPr lang="en-US" smtClean="0"/>
               <a:pPr/>
-              <a:t>10/25/2014</a:t>
+              <a:t>10/27/2014</a:t>
             </a:fld>
             <a:endParaRPr lang="en-US" dirty="0"/>
           </a:p>
@@ -7124,7 +6356,7 @@
             <a:fld id="{09B482E8-6E0E-1B4F-B1FD-C69DB9E858D9}" type="datetimeFigureOut">
               <a:rPr lang="en-US" smtClean="0"/>
               <a:pPr/>
-              <a:t>10/25/2014</a:t>
+              <a:t>10/27/2014</a:t>
             </a:fld>
             <a:endParaRPr lang="en-US" dirty="0"/>
           </a:p>
@@ -7328,7 +6560,7 @@
             <a:fld id="{09B482E8-6E0E-1B4F-B1FD-C69DB9E858D9}" type="datetimeFigureOut">
               <a:rPr lang="en-US" smtClean="0"/>
               <a:pPr/>
-              <a:t>10/25/2014</a:t>
+              <a:t>10/27/2014</a:t>
             </a:fld>
             <a:endParaRPr lang="en-US" dirty="0"/>
           </a:p>
@@ -7606,7 +6838,7 @@
             <a:fld id="{09B482E8-6E0E-1B4F-B1FD-C69DB9E858D9}" type="datetimeFigureOut">
               <a:rPr lang="en-US" smtClean="0"/>
               <a:pPr/>
-              <a:t>10/25/2014</a:t>
+              <a:t>10/27/2014</a:t>
             </a:fld>
             <a:endParaRPr lang="en-US" dirty="0"/>
           </a:p>
@@ -7948,7 +7180,7 @@
             <a:fld id="{09B482E8-6E0E-1B4F-B1FD-C69DB9E858D9}" type="datetimeFigureOut">
               <a:rPr lang="en-US" smtClean="0"/>
               <a:pPr/>
-              <a:t>10/25/2014</a:t>
+              <a:t>10/27/2014</a:t>
             </a:fld>
             <a:endParaRPr lang="en-US" dirty="0"/>
           </a:p>
@@ -8568,7 +7800,7 @@
             <a:fld id="{09B482E8-6E0E-1B4F-B1FD-C69DB9E858D9}" type="datetimeFigureOut">
               <a:rPr lang="en-US" smtClean="0"/>
               <a:pPr/>
-              <a:t>10/25/2014</a:t>
+              <a:t>10/27/2014</a:t>
             </a:fld>
             <a:endParaRPr lang="en-US" dirty="0"/>
           </a:p>
@@ -9425,7 +8657,7 @@
             <a:fld id="{09B482E8-6E0E-1B4F-B1FD-C69DB9E858D9}" type="datetimeFigureOut">
               <a:rPr lang="en-US" smtClean="0"/>
               <a:pPr/>
-              <a:t>10/25/2014</a:t>
+              <a:t>10/27/2014</a:t>
             </a:fld>
             <a:endParaRPr lang="en-US" dirty="0"/>
           </a:p>
@@ -9605,7 +8837,7 @@
             <a:fld id="{C6C52C72-DE31-F449-A4ED-4C594FD91407}" type="datetimeFigureOut">
               <a:rPr lang="en-US" smtClean="0"/>
               <a:pPr/>
-              <a:t>10/25/2014</a:t>
+              <a:t>10/27/2014</a:t>
             </a:fld>
             <a:endParaRPr lang="en-US" dirty="0"/>
           </a:p>
@@ -9797,7 +9029,7 @@
             <a:fld id="{ED62726E-379B-B349-9EED-81ED093FA806}" type="datetimeFigureOut">
               <a:rPr lang="en-US" smtClean="0"/>
               <a:pPr/>
-              <a:t>10/25/2014</a:t>
+              <a:t>10/27/2014</a:t>
             </a:fld>
             <a:endParaRPr lang="en-US" dirty="0"/>
           </a:p>
@@ -9979,7 +9211,7 @@
             <a:fld id="{9B3A1323-8D79-1946-B0D7-40001CF92E9D}" type="datetimeFigureOut">
               <a:rPr lang="en-US" smtClean="0"/>
               <a:pPr/>
-              <a:t>10/25/2014</a:t>
+              <a:t>10/27/2014</a:t>
             </a:fld>
             <a:endParaRPr lang="en-US" dirty="0"/>
           </a:p>
@@ -10235,7 +9467,7 @@
             <a:fld id="{8DFA1846-DA80-1C48-A609-854EA85C59AD}" type="datetimeFigureOut">
               <a:rPr lang="en-US" smtClean="0"/>
               <a:pPr/>
-              <a:t>10/25/2014</a:t>
+              <a:t>10/27/2014</a:t>
             </a:fld>
             <a:endParaRPr lang="en-US" dirty="0"/>
           </a:p>
@@ -10539,7 +9771,7 @@
             <a:fld id="{57302355-E14B-8545-A8F8-0FE83CC9D524}" type="datetimeFigureOut">
               <a:rPr lang="en-US" smtClean="0"/>
               <a:pPr/>
-              <a:t>10/25/2014</a:t>
+              <a:t>10/27/2014</a:t>
             </a:fld>
             <a:endParaRPr lang="en-US" dirty="0"/>
           </a:p>
@@ -10989,7 +10221,7 @@
             <a:fld id="{02640F58-564D-2B4F-AE67-E407BA4FCF45}" type="datetimeFigureOut">
               <a:rPr lang="en-US" smtClean="0"/>
               <a:pPr/>
-              <a:t>10/25/2014</a:t>
+              <a:t>10/27/2014</a:t>
             </a:fld>
             <a:endParaRPr lang="en-US" dirty="0"/>
           </a:p>
@@ -11119,7 +10351,7 @@
             <a:fld id="{F13A34C8-038E-2045-AF43-DF7DBB8E0E9E}" type="datetimeFigureOut">
               <a:rPr lang="en-US" smtClean="0"/>
               <a:pPr/>
-              <a:t>10/25/2014</a:t>
+              <a:t>10/27/2014</a:t>
             </a:fld>
             <a:endParaRPr lang="en-US" dirty="0"/>
           </a:p>
@@ -11226,7 +10458,7 @@
             <a:fld id="{8818C68F-D26B-8F47-958C-23B49CF8A634}" type="datetimeFigureOut">
               <a:rPr lang="en-US" smtClean="0"/>
               <a:pPr/>
-              <a:t>10/25/2014</a:t>
+              <a:t>10/27/2014</a:t>
             </a:fld>
             <a:endParaRPr lang="en-US" dirty="0"/>
           </a:p>
@@ -11517,7 +10749,7 @@
             <a:fld id="{D0DF5E60-9974-AC48-9591-99C2BB44B7CF}" type="datetimeFigureOut">
               <a:rPr lang="en-US" smtClean="0"/>
               <a:pPr/>
-              <a:t>10/25/2014</a:t>
+              <a:t>10/27/2014</a:t>
             </a:fld>
             <a:endParaRPr lang="en-US" dirty="0"/>
           </a:p>
@@ -11804,7 +11036,7 @@
             <a:fld id="{18C79C5D-2A6F-F04D-97DA-BEF2467B64E4}" type="datetimeFigureOut">
               <a:rPr lang="en-US" smtClean="0"/>
               <a:pPr/>
-              <a:t>10/25/2014</a:t>
+              <a:t>10/27/2014</a:t>
             </a:fld>
             <a:endParaRPr lang="en-US" dirty="0"/>
           </a:p>
@@ -12245,7 +11477,7 @@
             <a:fld id="{09B482E8-6E0E-1B4F-B1FD-C69DB9E858D9}" type="datetimeFigureOut">
               <a:rPr lang="en-US" smtClean="0"/>
               <a:pPr/>
-              <a:t>10/25/2014</a:t>
+              <a:t>10/27/2014</a:t>
             </a:fld>
             <a:endParaRPr lang="en-US" dirty="0"/>
           </a:p>
@@ -13053,20 +12285,6 @@
               </a:rPr>
               <a:t>[</a:t>
             </a:r>
-            <a:endParaRPr lang="en-US" sz="8000" dirty="0">
-              <a:solidFill>
-                <a:schemeClr val="tx1">
-                  <a:lumMod val="95000"/>
-                </a:schemeClr>
-              </a:solidFill>
-              <a:effectLst>
-                <a:outerShdw blurRad="38100" dist="38100" dir="2700000" algn="tl">
-                  <a:srgbClr val="000000">
-                    <a:alpha val="43137"/>
-                  </a:srgbClr>
-                </a:outerShdw>
-              </a:effectLst>
-            </a:endParaRPr>
           </a:p>
         </p:txBody>
       </p:sp>
@@ -13170,13 +12388,13 @@
   <p:clrMapOvr>
     <a:masterClrMapping/>
   </p:clrMapOvr>
-  <mc:AlternateContent xmlns:mc="http://schemas.openxmlformats.org/markup-compatibility/2006">
-    <mc:Choice xmlns:p14="http://schemas.microsoft.com/office/powerpoint/2010/main" Requires="p14">
+  <mc:AlternateContent xmlns:mc="http://schemas.openxmlformats.org/markup-compatibility/2006" xmlns:p14="http://schemas.microsoft.com/office/powerpoint/2010/main">
+    <mc:Choice Requires="p14">
       <p:transition spd="slow" p14:dur="800">
         <p14:flythrough/>
       </p:transition>
     </mc:Choice>
-    <mc:Fallback>
+    <mc:Fallback xmlns="">
       <p:transition spd="slow">
         <p:fade/>
       </p:transition>
@@ -14639,11 +13857,7 @@
               <a:pPr algn="ctr"/>
               <a:r>
                 <a:rPr lang="es-AR" sz="2800" dirty="0" smtClean="0"/>
-                <a:t>Sitio </a:t>
-              </a:r>
-              <a:r>
-                <a:rPr lang="es-AR" sz="2800" dirty="0" smtClean="0"/>
-                <a:t>Web</a:t>
+                <a:t>Sitio Web</a:t>
               </a:r>
             </a:p>
             <a:p>
@@ -14747,11 +13961,7 @@
             <a:p>
               <a:r>
                 <a:rPr lang="es-AR" sz="2000" dirty="0" smtClean="0"/>
-                <a:t>Administrar </a:t>
-              </a:r>
-              <a:r>
-                <a:rPr lang="es-AR" sz="2000" dirty="0" smtClean="0"/>
-                <a:t>Sanciones</a:t>
+                <a:t>Administrar Sanciones</a:t>
               </a:r>
               <a:endParaRPr lang="es-ES" sz="2000" dirty="0"/>
             </a:p>
@@ -15038,13 +14248,13 @@
   <p:clrMapOvr>
     <a:masterClrMapping/>
   </p:clrMapOvr>
-  <mc:AlternateContent xmlns:mc="http://schemas.openxmlformats.org/markup-compatibility/2006">
-    <mc:Choice xmlns:p14="http://schemas.microsoft.com/office/powerpoint/2010/main" Requires="p14">
+  <mc:AlternateContent xmlns:mc="http://schemas.openxmlformats.org/markup-compatibility/2006" xmlns:p14="http://schemas.microsoft.com/office/powerpoint/2010/main">
+    <mc:Choice Requires="p14">
       <p:transition spd="slow" p14:dur="800">
         <p14:flythrough/>
       </p:transition>
     </mc:Choice>
-    <mc:Fallback>
+    <mc:Fallback xmlns="">
       <p:transition spd="slow">
         <p:fade/>
       </p:transition>
@@ -15350,20 +14560,6 @@
               </a:rPr>
               <a:t>]</a:t>
             </a:r>
-            <a:endParaRPr lang="en-US" sz="6000" dirty="0">
-              <a:solidFill>
-                <a:schemeClr val="tx1">
-                  <a:lumMod val="95000"/>
-                </a:schemeClr>
-              </a:solidFill>
-              <a:effectLst>
-                <a:outerShdw blurRad="38100" dist="38100" dir="2700000" algn="tl">
-                  <a:srgbClr val="000000">
-                    <a:alpha val="43137"/>
-                  </a:srgbClr>
-                </a:outerShdw>
-              </a:effectLst>
-            </a:endParaRPr>
           </a:p>
         </p:txBody>
       </p:sp>
@@ -15377,13 +14573,13 @@
   <p:clrMapOvr>
     <a:masterClrMapping/>
   </p:clrMapOvr>
-  <mc:AlternateContent xmlns:mc="http://schemas.openxmlformats.org/markup-compatibility/2006">
-    <mc:Choice xmlns:p14="http://schemas.microsoft.com/office/powerpoint/2010/main" Requires="p14">
+  <mc:AlternateContent xmlns:mc="http://schemas.openxmlformats.org/markup-compatibility/2006" xmlns:p14="http://schemas.microsoft.com/office/powerpoint/2010/main">
+    <mc:Choice Requires="p14">
       <p:transition spd="slow" p14:dur="800">
         <p14:flythrough/>
       </p:transition>
     </mc:Choice>
-    <mc:Fallback>
+    <mc:Fallback xmlns="">
       <p:transition spd="slow">
         <p:fade/>
       </p:transition>
@@ -16085,20 +15281,6 @@
               </a:rPr>
               <a:t>]</a:t>
             </a:r>
-            <a:endParaRPr lang="en-US" sz="19900" dirty="0">
-              <a:solidFill>
-                <a:schemeClr val="tx1">
-                  <a:lumMod val="95000"/>
-                </a:schemeClr>
-              </a:solidFill>
-              <a:effectLst>
-                <a:outerShdw blurRad="38100" dist="38100" dir="2700000" algn="tl">
-                  <a:srgbClr val="000000">
-                    <a:alpha val="43137"/>
-                  </a:srgbClr>
-                </a:outerShdw>
-              </a:effectLst>
-            </a:endParaRPr>
           </a:p>
         </p:txBody>
       </p:sp>
@@ -16112,13 +15294,13 @@
   <p:clrMapOvr>
     <a:masterClrMapping/>
   </p:clrMapOvr>
-  <mc:AlternateContent xmlns:mc="http://schemas.openxmlformats.org/markup-compatibility/2006">
-    <mc:Choice xmlns:p14="http://schemas.microsoft.com/office/powerpoint/2010/main" Requires="p14">
+  <mc:AlternateContent xmlns:mc="http://schemas.openxmlformats.org/markup-compatibility/2006" xmlns:p14="http://schemas.microsoft.com/office/powerpoint/2010/main">
+    <mc:Choice Requires="p14">
       <p:transition spd="slow" p14:dur="800">
         <p14:flythrough/>
       </p:transition>
     </mc:Choice>
-    <mc:Fallback>
+    <mc:Fallback xmlns="">
       <p:transition spd="slow">
         <p:fade/>
       </p:transition>
@@ -16873,13 +16055,13 @@
   <p:clrMapOvr>
     <a:masterClrMapping/>
   </p:clrMapOvr>
-  <mc:AlternateContent xmlns:mc="http://schemas.openxmlformats.org/markup-compatibility/2006">
-    <mc:Choice xmlns:p14="http://schemas.microsoft.com/office/powerpoint/2010/main" Requires="p14">
+  <mc:AlternateContent xmlns:mc="http://schemas.openxmlformats.org/markup-compatibility/2006" xmlns:p14="http://schemas.microsoft.com/office/powerpoint/2010/main">
+    <mc:Choice Requires="p14">
       <p:transition spd="slow" p14:dur="800">
         <p14:flythrough/>
       </p:transition>
     </mc:Choice>
-    <mc:Fallback>
+    <mc:Fallback xmlns="">
       <p:transition spd="slow">
         <p:fade/>
       </p:transition>
@@ -17459,18 +16641,7 @@
                 </a:solidFill>
                 <a:latin typeface="Arial Black" panose="020B0A04020102020204" pitchFamily="34" charset="0"/>
               </a:rPr>
-              <a:t>7</a:t>
-            </a:r>
-            <a:r>
-              <a:rPr lang="es-AR" sz="3200" b="1" dirty="0" smtClean="0">
-                <a:solidFill>
-                  <a:schemeClr val="tx1">
-                    <a:lumMod val="95000"/>
-                  </a:schemeClr>
-                </a:solidFill>
-                <a:latin typeface="Arial Black" panose="020B0A04020102020204" pitchFamily="34" charset="0"/>
-              </a:rPr>
-              <a:t> </a:t>
+              <a:t>7 </a:t>
             </a:r>
             <a:r>
               <a:rPr lang="es-AR" sz="3200" b="1" dirty="0" err="1" smtClean="0">
@@ -18085,13 +17256,13 @@
   <p:clrMapOvr>
     <a:masterClrMapping/>
   </p:clrMapOvr>
-  <mc:AlternateContent xmlns:mc="http://schemas.openxmlformats.org/markup-compatibility/2006">
-    <mc:Choice xmlns:p14="http://schemas.microsoft.com/office/powerpoint/2010/main" Requires="p14">
+  <mc:AlternateContent xmlns:mc="http://schemas.openxmlformats.org/markup-compatibility/2006" xmlns:p14="http://schemas.microsoft.com/office/powerpoint/2010/main">
+    <mc:Choice Requires="p14">
       <p:transition spd="slow" p14:dur="800">
         <p14:flythrough/>
       </p:transition>
     </mc:Choice>
-    <mc:Fallback>
+    <mc:Fallback xmlns="">
       <p:transition spd="slow">
         <p:fade/>
       </p:transition>
@@ -18202,8 +17373,24 @@
           <a:lstStyle/>
           <a:p>
             <a:r>
+              <a:rPr lang="es-AR" dirty="0">
+                <a:latin typeface="Calibri" panose="020F0502020204030204" pitchFamily="34" charset="0"/>
+              </a:rPr>
+              <a:t>¿</a:t>
+            </a:r>
+            <a:r>
               <a:rPr lang="es-AR" dirty="0"/>
-              <a:t>¿Dónde Estamos? - </a:t>
+              <a:t>Dónde Estamos</a:t>
+            </a:r>
+            <a:r>
+              <a:rPr lang="es-AR" dirty="0">
+                <a:latin typeface="Calibri" panose="020F0502020204030204" pitchFamily="34" charset="0"/>
+              </a:rPr>
+              <a:t>?</a:t>
+            </a:r>
+            <a:r>
+              <a:rPr lang="es-AR" dirty="0"/>
+              <a:t> - </a:t>
             </a:r>
             <a:r>
               <a:rPr lang="es-AR" dirty="0" smtClean="0"/>
@@ -18221,7 +17408,7 @@
         </p:nvSpPr>
         <p:spPr>
           <a:xfrm>
-            <a:off x="117987" y="2141264"/>
+            <a:off x="60199" y="2152826"/>
             <a:ext cx="6880767" cy="4367051"/>
           </a:xfrm>
           <a:prstGeom prst="roundRect">
@@ -18261,743 +17448,803 @@
       </p:sp>
       <p:grpSp>
         <p:nvGrpSpPr>
-          <p:cNvPr id="62" name="Grupo 61"/>
+          <p:cNvPr id="5" name="Grupo 4"/>
           <p:cNvGrpSpPr/>
           <p:nvPr/>
         </p:nvGrpSpPr>
         <p:grpSpPr>
           <a:xfrm>
-            <a:off x="258732" y="3407109"/>
-            <a:ext cx="2118334" cy="918436"/>
-            <a:chOff x="808383" y="2186610"/>
-            <a:chExt cx="1741048" cy="754858"/>
+            <a:off x="273285" y="2261859"/>
+            <a:ext cx="2259564" cy="1017264"/>
+            <a:chOff x="258732" y="3308281"/>
+            <a:chExt cx="2259564" cy="1017264"/>
           </a:xfrm>
         </p:grpSpPr>
-        <p:sp>
-          <p:nvSpPr>
-            <p:cNvPr id="65" name="Rectángulo redondeado 64"/>
-            <p:cNvSpPr/>
+        <p:grpSp>
+          <p:nvGrpSpPr>
+            <p:cNvPr id="62" name="Grupo 61"/>
+            <p:cNvGrpSpPr/>
             <p:nvPr/>
-          </p:nvSpPr>
-          <p:spPr>
+          </p:nvGrpSpPr>
+          <p:grpSpPr>
             <a:xfrm>
-              <a:off x="808383" y="2186610"/>
-              <a:ext cx="1741048" cy="754858"/>
+              <a:off x="258732" y="3407109"/>
+              <a:ext cx="2118334" cy="918436"/>
+              <a:chOff x="808383" y="2186610"/>
+              <a:chExt cx="1741048" cy="754858"/>
             </a:xfrm>
-            <a:prstGeom prst="roundRect">
-              <a:avLst/>
-            </a:prstGeom>
-            <a:ln w="38100">
+          </p:grpSpPr>
+          <p:sp>
+            <p:nvSpPr>
+              <p:cNvPr id="65" name="Rectángulo redondeado 64"/>
+              <p:cNvSpPr/>
+              <p:nvPr/>
+            </p:nvSpPr>
+            <p:spPr>
+              <a:xfrm>
+                <a:off x="808383" y="2186610"/>
+                <a:ext cx="1741048" cy="754858"/>
+              </a:xfrm>
+              <a:prstGeom prst="roundRect">
+                <a:avLst/>
+              </a:prstGeom>
+              <a:ln w="38100">
+                <a:solidFill>
+                  <a:schemeClr val="tx1">
+                    <a:lumMod val="75000"/>
+                  </a:schemeClr>
+                </a:solidFill>
+              </a:ln>
+            </p:spPr>
+            <p:style>
+              <a:lnRef idx="1">
+                <a:schemeClr val="accent1"/>
+              </a:lnRef>
+              <a:fillRef idx="3">
+                <a:schemeClr val="accent1"/>
+              </a:fillRef>
+              <a:effectRef idx="2">
+                <a:schemeClr val="accent1"/>
+              </a:effectRef>
+              <a:fontRef idx="minor">
+                <a:schemeClr val="lt1"/>
+              </a:fontRef>
+            </p:style>
+            <p:txBody>
+              <a:bodyPr rtlCol="0" anchor="ctr"/>
+              <a:lstStyle/>
+              <a:p>
+                <a:pPr algn="ctr"/>
+                <a:endParaRPr lang="es-ES" dirty="0"/>
+              </a:p>
+            </p:txBody>
+          </p:sp>
+          <p:sp>
+            <p:nvSpPr>
+              <p:cNvPr id="66" name="CuadroTexto 65"/>
+              <p:cNvSpPr txBox="1"/>
+              <p:nvPr/>
+            </p:nvSpPr>
+            <p:spPr>
+              <a:xfrm>
+                <a:off x="892009" y="2217741"/>
+                <a:ext cx="1555518" cy="581808"/>
+              </a:xfrm>
+              <a:prstGeom prst="rect">
+                <a:avLst/>
+              </a:prstGeom>
+              <a:noFill/>
+            </p:spPr>
+            <p:txBody>
+              <a:bodyPr wrap="square" rtlCol="0">
+                <a:spAutoFit/>
+              </a:bodyPr>
+              <a:lstStyle/>
+              <a:p>
+                <a:r>
+                  <a:rPr lang="es-AR" sz="2000" dirty="0" smtClean="0"/>
+                  <a:t>Gestión </a:t>
+                </a:r>
+              </a:p>
+              <a:p>
+                <a:r>
+                  <a:rPr lang="es-AR" sz="2000" dirty="0" smtClean="0"/>
+                  <a:t>de Usuarios</a:t>
+                </a:r>
+                <a:endParaRPr lang="es-ES" sz="2000" dirty="0"/>
+              </a:p>
+            </p:txBody>
+          </p:sp>
+        </p:grpSp>
+        <p:grpSp>
+          <p:nvGrpSpPr>
+            <p:cNvPr id="115" name="Grupo 114"/>
+            <p:cNvGrpSpPr/>
+            <p:nvPr/>
+          </p:nvGrpSpPr>
+          <p:grpSpPr>
+            <a:xfrm>
+              <a:off x="1848005" y="3308281"/>
+              <a:ext cx="670291" cy="642314"/>
+              <a:chOff x="10780589" y="2884572"/>
+              <a:chExt cx="670291" cy="642314"/>
+            </a:xfrm>
+          </p:grpSpPr>
+          <p:sp>
+            <p:nvSpPr>
+              <p:cNvPr id="63" name="Elipse 62"/>
+              <p:cNvSpPr/>
+              <p:nvPr/>
+            </p:nvSpPr>
+            <p:spPr>
+              <a:xfrm>
+                <a:off x="10780589" y="2884572"/>
+                <a:ext cx="670291" cy="642314"/>
+              </a:xfrm>
+              <a:prstGeom prst="ellipse">
+                <a:avLst/>
+              </a:prstGeom>
               <a:solidFill>
                 <a:schemeClr val="tx1">
-                  <a:lumMod val="75000"/>
+                  <a:lumMod val="85000"/>
                 </a:schemeClr>
               </a:solidFill>
-            </a:ln>
-          </p:spPr>
-          <p:style>
-            <a:lnRef idx="1">
-              <a:schemeClr val="accent1"/>
-            </a:lnRef>
-            <a:fillRef idx="3">
-              <a:schemeClr val="accent1"/>
-            </a:fillRef>
-            <a:effectRef idx="2">
-              <a:schemeClr val="accent1"/>
-            </a:effectRef>
-            <a:fontRef idx="minor">
-              <a:schemeClr val="lt1"/>
-            </a:fontRef>
-          </p:style>
-          <p:txBody>
-            <a:bodyPr rtlCol="0" anchor="ctr"/>
-            <a:lstStyle/>
-            <a:p>
-              <a:pPr algn="ctr"/>
-              <a:endParaRPr lang="es-ES" dirty="0"/>
-            </a:p>
-          </p:txBody>
-        </p:sp>
-        <p:sp>
-          <p:nvSpPr>
-            <p:cNvPr id="66" name="CuadroTexto 65"/>
-            <p:cNvSpPr txBox="1"/>
-            <p:nvPr/>
-          </p:nvSpPr>
-          <p:spPr>
-            <a:xfrm>
-              <a:off x="892009" y="2217741"/>
-              <a:ext cx="1555518" cy="581808"/>
-            </a:xfrm>
-            <a:prstGeom prst="rect">
-              <a:avLst/>
-            </a:prstGeom>
-            <a:noFill/>
-          </p:spPr>
-          <p:txBody>
-            <a:bodyPr wrap="square" rtlCol="0">
-              <a:spAutoFit/>
-            </a:bodyPr>
-            <a:lstStyle/>
-            <a:p>
-              <a:r>
-                <a:rPr lang="es-AR" sz="2000" dirty="0" smtClean="0"/>
-                <a:t>Gestión </a:t>
-              </a:r>
-            </a:p>
-            <a:p>
-              <a:r>
-                <a:rPr lang="es-AR" sz="2000" dirty="0" smtClean="0"/>
-                <a:t>de Usuarios</a:t>
-              </a:r>
-              <a:endParaRPr lang="es-ES" sz="2000" dirty="0"/>
-            </a:p>
-          </p:txBody>
-        </p:sp>
+            </p:spPr>
+            <p:style>
+              <a:lnRef idx="2">
+                <a:schemeClr val="accent1">
+                  <a:shade val="50000"/>
+                </a:schemeClr>
+              </a:lnRef>
+              <a:fillRef idx="1">
+                <a:schemeClr val="accent1"/>
+              </a:fillRef>
+              <a:effectRef idx="0">
+                <a:schemeClr val="accent1"/>
+              </a:effectRef>
+              <a:fontRef idx="minor">
+                <a:schemeClr val="lt1"/>
+              </a:fontRef>
+            </p:style>
+            <p:txBody>
+              <a:bodyPr rtlCol="0" anchor="ctr"/>
+              <a:lstStyle/>
+              <a:p>
+                <a:pPr algn="ctr"/>
+                <a:endParaRPr lang="es-ES" dirty="0"/>
+              </a:p>
+            </p:txBody>
+          </p:sp>
+          <p:pic>
+            <p:nvPicPr>
+              <p:cNvPr id="64" name="Imagen 63"/>
+              <p:cNvPicPr>
+                <a:picLocks noChangeAspect="1"/>
+              </p:cNvPicPr>
+              <p:nvPr/>
+            </p:nvPicPr>
+            <p:blipFill>
+              <a:blip r:embed="rId3">
+                <a:extLst>
+                  <a:ext uri="{28A0092B-C50C-407E-A947-70E740481C1C}">
+                    <a14:useLocalDpi xmlns:a14="http://schemas.microsoft.com/office/drawing/2010/main" val="0"/>
+                  </a:ext>
+                </a:extLst>
+              </a:blip>
+              <a:stretch>
+                <a:fillRect/>
+              </a:stretch>
+            </p:blipFill>
+            <p:spPr>
+              <a:xfrm>
+                <a:off x="10876518" y="2957012"/>
+                <a:ext cx="493128" cy="493128"/>
+              </a:xfrm>
+              <a:prstGeom prst="rect">
+                <a:avLst/>
+              </a:prstGeom>
+            </p:spPr>
+          </p:pic>
+        </p:grpSp>
       </p:grpSp>
       <p:grpSp>
         <p:nvGrpSpPr>
-          <p:cNvPr id="115" name="Grupo 114"/>
+          <p:cNvPr id="6" name="Grupo 5"/>
           <p:cNvGrpSpPr/>
           <p:nvPr/>
         </p:nvGrpSpPr>
         <p:grpSpPr>
           <a:xfrm>
-            <a:off x="1848005" y="3308281"/>
-            <a:ext cx="670291" cy="642314"/>
-            <a:chOff x="10780589" y="2884572"/>
-            <a:chExt cx="670291" cy="642314"/>
+            <a:off x="326179" y="5509224"/>
+            <a:ext cx="2264885" cy="902418"/>
+            <a:chOff x="251662" y="4364392"/>
+            <a:chExt cx="2264885" cy="902418"/>
           </a:xfrm>
         </p:grpSpPr>
-        <p:sp>
-          <p:nvSpPr>
-            <p:cNvPr id="63" name="Elipse 62"/>
-            <p:cNvSpPr/>
+        <p:grpSp>
+          <p:nvGrpSpPr>
+            <p:cNvPr id="68" name="Grupo 67"/>
+            <p:cNvGrpSpPr/>
             <p:nvPr/>
-          </p:nvSpPr>
-          <p:spPr>
+          </p:nvGrpSpPr>
+          <p:grpSpPr>
             <a:xfrm>
-              <a:off x="10780589" y="2884572"/>
-              <a:ext cx="670291" cy="642314"/>
+              <a:off x="251662" y="4431113"/>
+              <a:ext cx="2076913" cy="835697"/>
+              <a:chOff x="808382" y="2186610"/>
+              <a:chExt cx="1707004" cy="686856"/>
             </a:xfrm>
-            <a:prstGeom prst="ellipse">
-              <a:avLst/>
-            </a:prstGeom>
-            <a:solidFill>
-              <a:schemeClr val="tx1">
-                <a:lumMod val="85000"/>
-              </a:schemeClr>
-            </a:solidFill>
-          </p:spPr>
-          <p:style>
-            <a:lnRef idx="2">
-              <a:schemeClr val="accent1">
-                <a:shade val="50000"/>
-              </a:schemeClr>
-            </a:lnRef>
-            <a:fillRef idx="1">
-              <a:schemeClr val="accent1"/>
-            </a:fillRef>
-            <a:effectRef idx="0">
-              <a:schemeClr val="accent1"/>
-            </a:effectRef>
-            <a:fontRef idx="minor">
-              <a:schemeClr val="lt1"/>
-            </a:fontRef>
-          </p:style>
-          <p:txBody>
-            <a:bodyPr rtlCol="0" anchor="ctr"/>
-            <a:lstStyle/>
-            <a:p>
-              <a:pPr algn="ctr"/>
-              <a:endParaRPr lang="es-ES" dirty="0"/>
-            </a:p>
-          </p:txBody>
-        </p:sp>
-        <p:pic>
-          <p:nvPicPr>
-            <p:cNvPr id="64" name="Imagen 63"/>
-            <p:cNvPicPr>
-              <a:picLocks noChangeAspect="1"/>
-            </p:cNvPicPr>
+          </p:grpSpPr>
+          <p:sp>
+            <p:nvSpPr>
+              <p:cNvPr id="71" name="Rectángulo redondeado 70"/>
+              <p:cNvSpPr/>
+              <p:nvPr/>
+            </p:nvSpPr>
+            <p:spPr>
+              <a:xfrm>
+                <a:off x="808382" y="2186610"/>
+                <a:ext cx="1707004" cy="686856"/>
+              </a:xfrm>
+              <a:prstGeom prst="roundRect">
+                <a:avLst/>
+              </a:prstGeom>
+              <a:ln w="38100">
+                <a:solidFill>
+                  <a:schemeClr val="tx1">
+                    <a:lumMod val="75000"/>
+                  </a:schemeClr>
+                </a:solidFill>
+              </a:ln>
+            </p:spPr>
+            <p:style>
+              <a:lnRef idx="1">
+                <a:schemeClr val="accent1"/>
+              </a:lnRef>
+              <a:fillRef idx="3">
+                <a:schemeClr val="accent1"/>
+              </a:fillRef>
+              <a:effectRef idx="2">
+                <a:schemeClr val="accent1"/>
+              </a:effectRef>
+              <a:fontRef idx="minor">
+                <a:schemeClr val="lt1"/>
+              </a:fontRef>
+            </p:style>
+            <p:txBody>
+              <a:bodyPr rtlCol="0" anchor="ctr"/>
+              <a:lstStyle/>
+              <a:p>
+                <a:pPr algn="ctr"/>
+                <a:endParaRPr lang="es-ES" dirty="0"/>
+              </a:p>
+            </p:txBody>
+          </p:sp>
+          <p:sp>
+            <p:nvSpPr>
+              <p:cNvPr id="72" name="CuadroTexto 71"/>
+              <p:cNvSpPr txBox="1"/>
+              <p:nvPr/>
+            </p:nvSpPr>
+            <p:spPr>
+              <a:xfrm>
+                <a:off x="892011" y="2192265"/>
+                <a:ext cx="1502999" cy="581808"/>
+              </a:xfrm>
+              <a:prstGeom prst="rect">
+                <a:avLst/>
+              </a:prstGeom>
+              <a:noFill/>
+            </p:spPr>
+            <p:txBody>
+              <a:bodyPr wrap="square" rtlCol="0">
+                <a:spAutoFit/>
+              </a:bodyPr>
+              <a:lstStyle/>
+              <a:p>
+                <a:r>
+                  <a:rPr lang="es-AR" sz="2000" dirty="0" smtClean="0"/>
+                  <a:t>Administrar Equipos</a:t>
+                </a:r>
+                <a:endParaRPr lang="es-ES" sz="2000" dirty="0"/>
+              </a:p>
+            </p:txBody>
+          </p:sp>
+        </p:grpSp>
+        <p:grpSp>
+          <p:nvGrpSpPr>
+            <p:cNvPr id="116" name="Grupo 115"/>
+            <p:cNvGrpSpPr/>
             <p:nvPr/>
-          </p:nvPicPr>
-          <p:blipFill>
-            <a:blip r:embed="rId3">
-              <a:extLst>
-                <a:ext uri="{28A0092B-C50C-407E-A947-70E740481C1C}">
-                  <a14:useLocalDpi xmlns:a14="http://schemas.microsoft.com/office/drawing/2010/main" val="0"/>
-                </a:ext>
-              </a:extLst>
-            </a:blip>
-            <a:stretch>
-              <a:fillRect/>
-            </a:stretch>
-          </p:blipFill>
-          <p:spPr>
+          </p:nvGrpSpPr>
+          <p:grpSpPr>
             <a:xfrm>
-              <a:off x="10876518" y="2957012"/>
-              <a:ext cx="493128" cy="493128"/>
+              <a:off x="1900764" y="4364392"/>
+              <a:ext cx="615783" cy="590081"/>
+              <a:chOff x="10744012" y="4099327"/>
+              <a:chExt cx="615783" cy="590081"/>
             </a:xfrm>
-            <a:prstGeom prst="rect">
-              <a:avLst/>
-            </a:prstGeom>
-          </p:spPr>
-        </p:pic>
+          </p:grpSpPr>
+          <p:sp>
+            <p:nvSpPr>
+              <p:cNvPr id="69" name="Elipse 68"/>
+              <p:cNvSpPr/>
+              <p:nvPr/>
+            </p:nvSpPr>
+            <p:spPr>
+              <a:xfrm>
+                <a:off x="10744012" y="4099327"/>
+                <a:ext cx="615783" cy="590081"/>
+              </a:xfrm>
+              <a:prstGeom prst="ellipse">
+                <a:avLst/>
+              </a:prstGeom>
+              <a:solidFill>
+                <a:schemeClr val="tx1">
+                  <a:lumMod val="85000"/>
+                </a:schemeClr>
+              </a:solidFill>
+            </p:spPr>
+            <p:style>
+              <a:lnRef idx="2">
+                <a:schemeClr val="accent1">
+                  <a:shade val="50000"/>
+                </a:schemeClr>
+              </a:lnRef>
+              <a:fillRef idx="1">
+                <a:schemeClr val="accent1"/>
+              </a:fillRef>
+              <a:effectRef idx="0">
+                <a:schemeClr val="accent1"/>
+              </a:effectRef>
+              <a:fontRef idx="minor">
+                <a:schemeClr val="lt1"/>
+              </a:fontRef>
+            </p:style>
+            <p:txBody>
+              <a:bodyPr rtlCol="0" anchor="ctr"/>
+              <a:lstStyle/>
+              <a:p>
+                <a:pPr algn="ctr"/>
+                <a:endParaRPr lang="es-ES" dirty="0"/>
+              </a:p>
+            </p:txBody>
+          </p:sp>
+          <p:pic>
+            <p:nvPicPr>
+              <p:cNvPr id="70" name="Imagen 69"/>
+              <p:cNvPicPr>
+                <a:picLocks noChangeAspect="1"/>
+              </p:cNvPicPr>
+              <p:nvPr/>
+            </p:nvPicPr>
+            <p:blipFill>
+              <a:blip r:embed="rId4">
+                <a:extLst>
+                  <a:ext uri="{28A0092B-C50C-407E-A947-70E740481C1C}">
+                    <a14:useLocalDpi xmlns:a14="http://schemas.microsoft.com/office/drawing/2010/main" val="0"/>
+                  </a:ext>
+                </a:extLst>
+              </a:blip>
+              <a:stretch>
+                <a:fillRect/>
+              </a:stretch>
+            </p:blipFill>
+            <p:spPr>
+              <a:xfrm>
+                <a:off x="10806197" y="4148090"/>
+                <a:ext cx="505775" cy="505775"/>
+              </a:xfrm>
+              <a:prstGeom prst="rect">
+                <a:avLst/>
+              </a:prstGeom>
+            </p:spPr>
+          </p:pic>
+        </p:grpSp>
       </p:grpSp>
       <p:grpSp>
         <p:nvGrpSpPr>
-          <p:cNvPr id="68" name="Grupo 67"/>
+          <p:cNvPr id="3" name="Grupo 2"/>
           <p:cNvGrpSpPr/>
           <p:nvPr/>
         </p:nvGrpSpPr>
         <p:grpSpPr>
           <a:xfrm>
-            <a:off x="251662" y="4431113"/>
-            <a:ext cx="2076913" cy="835697"/>
-            <a:chOff x="808382" y="2186610"/>
-            <a:chExt cx="1707004" cy="686856"/>
+            <a:off x="282105" y="3343206"/>
+            <a:ext cx="2408098" cy="1025498"/>
+            <a:chOff x="291946" y="2248367"/>
+            <a:chExt cx="2408098" cy="1025498"/>
           </a:xfrm>
         </p:grpSpPr>
-        <p:sp>
-          <p:nvSpPr>
-            <p:cNvPr id="71" name="Rectángulo redondeado 70"/>
-            <p:cNvSpPr/>
+        <p:grpSp>
+          <p:nvGrpSpPr>
+            <p:cNvPr id="73" name="Grupo 72"/>
+            <p:cNvGrpSpPr/>
             <p:nvPr/>
-          </p:nvSpPr>
-          <p:spPr>
+          </p:nvGrpSpPr>
+          <p:grpSpPr>
             <a:xfrm>
-              <a:off x="808382" y="2186610"/>
-              <a:ext cx="1707004" cy="686856"/>
+              <a:off x="291946" y="2411486"/>
+              <a:ext cx="2408098" cy="862379"/>
+              <a:chOff x="808383" y="2186610"/>
+              <a:chExt cx="1979202" cy="708785"/>
             </a:xfrm>
-            <a:prstGeom prst="roundRect">
-              <a:avLst/>
-            </a:prstGeom>
-            <a:ln w="38100">
+          </p:grpSpPr>
+          <p:sp>
+            <p:nvSpPr>
+              <p:cNvPr id="74" name="Rectángulo redondeado 73"/>
+              <p:cNvSpPr/>
+              <p:nvPr/>
+            </p:nvSpPr>
+            <p:spPr>
+              <a:xfrm>
+                <a:off x="808383" y="2186610"/>
+                <a:ext cx="1725012" cy="708785"/>
+              </a:xfrm>
+              <a:prstGeom prst="roundRect">
+                <a:avLst/>
+              </a:prstGeom>
+              <a:ln w="38100">
+                <a:solidFill>
+                  <a:schemeClr val="tx1">
+                    <a:lumMod val="75000"/>
+                  </a:schemeClr>
+                </a:solidFill>
+              </a:ln>
+            </p:spPr>
+            <p:style>
+              <a:lnRef idx="1">
+                <a:schemeClr val="accent1"/>
+              </a:lnRef>
+              <a:fillRef idx="3">
+                <a:schemeClr val="accent1"/>
+              </a:fillRef>
+              <a:effectRef idx="2">
+                <a:schemeClr val="accent1"/>
+              </a:effectRef>
+              <a:fontRef idx="minor">
+                <a:schemeClr val="lt1"/>
+              </a:fontRef>
+            </p:style>
+            <p:txBody>
+              <a:bodyPr rtlCol="0" anchor="ctr"/>
+              <a:lstStyle/>
+              <a:p>
+                <a:pPr algn="ctr"/>
+                <a:endParaRPr lang="es-ES" dirty="0"/>
+              </a:p>
+            </p:txBody>
+          </p:sp>
+          <p:sp>
+            <p:nvSpPr>
+              <p:cNvPr id="75" name="CuadroTexto 74"/>
+              <p:cNvSpPr txBox="1"/>
+              <p:nvPr/>
+            </p:nvSpPr>
+            <p:spPr>
+              <a:xfrm>
+                <a:off x="879272" y="2230479"/>
+                <a:ext cx="1908313" cy="581808"/>
+              </a:xfrm>
+              <a:prstGeom prst="rect">
+                <a:avLst/>
+              </a:prstGeom>
+              <a:noFill/>
+            </p:spPr>
+            <p:txBody>
+              <a:bodyPr wrap="square" rtlCol="0">
+                <a:spAutoFit/>
+              </a:bodyPr>
+              <a:lstStyle/>
+              <a:p>
+                <a:r>
+                  <a:rPr lang="es-AR" sz="2000" dirty="0" smtClean="0"/>
+                  <a:t>Administrar </a:t>
+                </a:r>
+                <a:endParaRPr lang="es-AR" sz="2000" dirty="0"/>
+              </a:p>
+              <a:p>
+                <a:r>
+                  <a:rPr lang="es-AR" sz="2000" dirty="0" smtClean="0"/>
+                  <a:t>Torneos</a:t>
+                </a:r>
+                <a:endParaRPr lang="es-ES" sz="2000" dirty="0"/>
+              </a:p>
+            </p:txBody>
+          </p:sp>
+        </p:grpSp>
+        <p:grpSp>
+          <p:nvGrpSpPr>
+            <p:cNvPr id="41" name="Grupo 40"/>
+            <p:cNvGrpSpPr/>
+            <p:nvPr/>
+          </p:nvGrpSpPr>
+          <p:grpSpPr>
+            <a:xfrm>
+              <a:off x="1888191" y="2248367"/>
+              <a:ext cx="670291" cy="642314"/>
+              <a:chOff x="7288910" y="2381096"/>
+              <a:chExt cx="670291" cy="642314"/>
+            </a:xfrm>
+          </p:grpSpPr>
+          <p:sp>
+            <p:nvSpPr>
+              <p:cNvPr id="76" name="Elipse 75"/>
+              <p:cNvSpPr/>
+              <p:nvPr/>
+            </p:nvSpPr>
+            <p:spPr>
+              <a:xfrm>
+                <a:off x="7288910" y="2381096"/>
+                <a:ext cx="670291" cy="642314"/>
+              </a:xfrm>
+              <a:prstGeom prst="ellipse">
+                <a:avLst/>
+              </a:prstGeom>
               <a:solidFill>
                 <a:schemeClr val="tx1">
-                  <a:lumMod val="75000"/>
+                  <a:lumMod val="85000"/>
                 </a:schemeClr>
               </a:solidFill>
-            </a:ln>
-          </p:spPr>
-          <p:style>
-            <a:lnRef idx="1">
-              <a:schemeClr val="accent1"/>
-            </a:lnRef>
-            <a:fillRef idx="3">
-              <a:schemeClr val="accent1"/>
-            </a:fillRef>
-            <a:effectRef idx="2">
-              <a:schemeClr val="accent1"/>
-            </a:effectRef>
-            <a:fontRef idx="minor">
-              <a:schemeClr val="lt1"/>
-            </a:fontRef>
-          </p:style>
-          <p:txBody>
-            <a:bodyPr rtlCol="0" anchor="ctr"/>
-            <a:lstStyle/>
-            <a:p>
-              <a:pPr algn="ctr"/>
-              <a:endParaRPr lang="es-ES" dirty="0"/>
-            </a:p>
-          </p:txBody>
-        </p:sp>
-        <p:sp>
-          <p:nvSpPr>
-            <p:cNvPr id="72" name="CuadroTexto 71"/>
-            <p:cNvSpPr txBox="1"/>
-            <p:nvPr/>
-          </p:nvSpPr>
-          <p:spPr>
-            <a:xfrm>
-              <a:off x="892011" y="2192265"/>
-              <a:ext cx="1502999" cy="581808"/>
-            </a:xfrm>
-            <a:prstGeom prst="rect">
-              <a:avLst/>
-            </a:prstGeom>
-            <a:noFill/>
-          </p:spPr>
-          <p:txBody>
-            <a:bodyPr wrap="square" rtlCol="0">
-              <a:spAutoFit/>
-            </a:bodyPr>
-            <a:lstStyle/>
-            <a:p>
-              <a:r>
-                <a:rPr lang="es-AR" sz="2000" dirty="0" smtClean="0"/>
-                <a:t>Administrar Equipos</a:t>
-              </a:r>
-              <a:endParaRPr lang="es-ES" sz="2000" dirty="0"/>
-            </a:p>
-          </p:txBody>
-        </p:sp>
+            </p:spPr>
+            <p:style>
+              <a:lnRef idx="2">
+                <a:schemeClr val="accent1">
+                  <a:shade val="50000"/>
+                </a:schemeClr>
+              </a:lnRef>
+              <a:fillRef idx="1">
+                <a:schemeClr val="accent1"/>
+              </a:fillRef>
+              <a:effectRef idx="0">
+                <a:schemeClr val="accent1"/>
+              </a:effectRef>
+              <a:fontRef idx="minor">
+                <a:schemeClr val="lt1"/>
+              </a:fontRef>
+            </p:style>
+            <p:txBody>
+              <a:bodyPr rtlCol="0" anchor="ctr"/>
+              <a:lstStyle/>
+              <a:p>
+                <a:pPr algn="ctr"/>
+                <a:endParaRPr lang="es-ES" dirty="0"/>
+              </a:p>
+            </p:txBody>
+          </p:sp>
+          <p:pic>
+            <p:nvPicPr>
+              <p:cNvPr id="77" name="Imagen 76"/>
+              <p:cNvPicPr>
+                <a:picLocks noChangeAspect="1"/>
+              </p:cNvPicPr>
+              <p:nvPr/>
+            </p:nvPicPr>
+            <p:blipFill>
+              <a:blip r:embed="rId5">
+                <a:extLst>
+                  <a:ext uri="{28A0092B-C50C-407E-A947-70E740481C1C}">
+                    <a14:useLocalDpi xmlns:a14="http://schemas.microsoft.com/office/drawing/2010/main" val="0"/>
+                  </a:ext>
+                </a:extLst>
+              </a:blip>
+              <a:stretch>
+                <a:fillRect/>
+              </a:stretch>
+            </p:blipFill>
+            <p:spPr>
+              <a:xfrm>
+                <a:off x="7394155" y="2431923"/>
+                <a:ext cx="493128" cy="493128"/>
+              </a:xfrm>
+              <a:prstGeom prst="rect">
+                <a:avLst/>
+              </a:prstGeom>
+            </p:spPr>
+          </p:pic>
+        </p:grpSp>
       </p:grpSp>
       <p:grpSp>
         <p:nvGrpSpPr>
-          <p:cNvPr id="116" name="Grupo 115"/>
+          <p:cNvPr id="9" name="Grupo 8"/>
           <p:cNvGrpSpPr/>
           <p:nvPr/>
         </p:nvGrpSpPr>
         <p:grpSpPr>
           <a:xfrm>
-            <a:off x="1900764" y="4364392"/>
-            <a:ext cx="615783" cy="590081"/>
-            <a:chOff x="10744012" y="4099327"/>
-            <a:chExt cx="615783" cy="590081"/>
+            <a:off x="305919" y="4407911"/>
+            <a:ext cx="2408098" cy="1025498"/>
+            <a:chOff x="297297" y="5246015"/>
+            <a:chExt cx="2408098" cy="1025498"/>
           </a:xfrm>
         </p:grpSpPr>
-        <p:sp>
-          <p:nvSpPr>
-            <p:cNvPr id="69" name="Elipse 68"/>
-            <p:cNvSpPr/>
+        <p:grpSp>
+          <p:nvGrpSpPr>
+            <p:cNvPr id="119" name="Grupo 118"/>
+            <p:cNvGrpSpPr/>
             <p:nvPr/>
-          </p:nvSpPr>
-          <p:spPr>
+          </p:nvGrpSpPr>
+          <p:grpSpPr>
             <a:xfrm>
-              <a:off x="10744012" y="4099327"/>
-              <a:ext cx="615783" cy="590081"/>
+              <a:off x="297297" y="5409134"/>
+              <a:ext cx="2408098" cy="862379"/>
+              <a:chOff x="808383" y="2186610"/>
+              <a:chExt cx="1979202" cy="708785"/>
             </a:xfrm>
-            <a:prstGeom prst="ellipse">
-              <a:avLst/>
-            </a:prstGeom>
-            <a:solidFill>
-              <a:schemeClr val="tx1">
-                <a:lumMod val="85000"/>
-              </a:schemeClr>
-            </a:solidFill>
-          </p:spPr>
-          <p:style>
-            <a:lnRef idx="2">
-              <a:schemeClr val="accent1">
-                <a:shade val="50000"/>
-              </a:schemeClr>
-            </a:lnRef>
-            <a:fillRef idx="1">
-              <a:schemeClr val="accent1"/>
-            </a:fillRef>
-            <a:effectRef idx="0">
-              <a:schemeClr val="accent1"/>
-            </a:effectRef>
-            <a:fontRef idx="minor">
-              <a:schemeClr val="lt1"/>
-            </a:fontRef>
-          </p:style>
-          <p:txBody>
-            <a:bodyPr rtlCol="0" anchor="ctr"/>
-            <a:lstStyle/>
-            <a:p>
-              <a:pPr algn="ctr"/>
-              <a:endParaRPr lang="es-ES" dirty="0"/>
-            </a:p>
-          </p:txBody>
-        </p:sp>
-        <p:pic>
-          <p:nvPicPr>
-            <p:cNvPr id="70" name="Imagen 69"/>
-            <p:cNvPicPr>
-              <a:picLocks noChangeAspect="1"/>
-            </p:cNvPicPr>
+          </p:grpSpPr>
+          <p:sp>
+            <p:nvSpPr>
+              <p:cNvPr id="120" name="Rectángulo redondeado 119"/>
+              <p:cNvSpPr/>
+              <p:nvPr/>
+            </p:nvSpPr>
+            <p:spPr>
+              <a:xfrm>
+                <a:off x="808383" y="2186610"/>
+                <a:ext cx="1725012" cy="708785"/>
+              </a:xfrm>
+              <a:prstGeom prst="roundRect">
+                <a:avLst/>
+              </a:prstGeom>
+              <a:ln w="38100">
+                <a:solidFill>
+                  <a:schemeClr val="tx1">
+                    <a:lumMod val="75000"/>
+                  </a:schemeClr>
+                </a:solidFill>
+              </a:ln>
+            </p:spPr>
+            <p:style>
+              <a:lnRef idx="1">
+                <a:schemeClr val="accent1"/>
+              </a:lnRef>
+              <a:fillRef idx="3">
+                <a:schemeClr val="accent1"/>
+              </a:fillRef>
+              <a:effectRef idx="2">
+                <a:schemeClr val="accent1"/>
+              </a:effectRef>
+              <a:fontRef idx="minor">
+                <a:schemeClr val="lt1"/>
+              </a:fontRef>
+            </p:style>
+            <p:txBody>
+              <a:bodyPr rtlCol="0" anchor="ctr"/>
+              <a:lstStyle/>
+              <a:p>
+                <a:pPr algn="ctr"/>
+                <a:endParaRPr lang="es-ES" dirty="0"/>
+              </a:p>
+            </p:txBody>
+          </p:sp>
+          <p:sp>
+            <p:nvSpPr>
+              <p:cNvPr id="121" name="CuadroTexto 120"/>
+              <p:cNvSpPr txBox="1"/>
+              <p:nvPr/>
+            </p:nvSpPr>
+            <p:spPr>
+              <a:xfrm>
+                <a:off x="879272" y="2230479"/>
+                <a:ext cx="1908313" cy="581808"/>
+              </a:xfrm>
+              <a:prstGeom prst="rect">
+                <a:avLst/>
+              </a:prstGeom>
+              <a:noFill/>
+            </p:spPr>
+            <p:txBody>
+              <a:bodyPr wrap="square" rtlCol="0">
+                <a:spAutoFit/>
+              </a:bodyPr>
+              <a:lstStyle/>
+              <a:p>
+                <a:r>
+                  <a:rPr lang="es-AR" sz="2000" dirty="0" smtClean="0"/>
+                  <a:t>Administrar </a:t>
+                </a:r>
+                <a:endParaRPr lang="es-AR" sz="2000" dirty="0"/>
+              </a:p>
+              <a:p>
+                <a:r>
+                  <a:rPr lang="es-AR" sz="2000" dirty="0" smtClean="0"/>
+                  <a:t>Ediciones</a:t>
+                </a:r>
+                <a:endParaRPr lang="es-ES" sz="2000" dirty="0"/>
+              </a:p>
+            </p:txBody>
+          </p:sp>
+        </p:grpSp>
+        <p:grpSp>
+          <p:nvGrpSpPr>
+            <p:cNvPr id="122" name="Grupo 121"/>
+            <p:cNvGrpSpPr/>
             <p:nvPr/>
-          </p:nvPicPr>
-          <p:blipFill>
-            <a:blip r:embed="rId4">
-              <a:extLst>
-                <a:ext uri="{28A0092B-C50C-407E-A947-70E740481C1C}">
-                  <a14:useLocalDpi xmlns:a14="http://schemas.microsoft.com/office/drawing/2010/main" val="0"/>
-                </a:ext>
-              </a:extLst>
-            </a:blip>
-            <a:stretch>
-              <a:fillRect/>
-            </a:stretch>
-          </p:blipFill>
-          <p:spPr>
+          </p:nvGrpSpPr>
+          <p:grpSpPr>
             <a:xfrm>
-              <a:off x="10806197" y="4148090"/>
-              <a:ext cx="505775" cy="505775"/>
+              <a:off x="1893542" y="5246015"/>
+              <a:ext cx="670291" cy="642314"/>
+              <a:chOff x="7288910" y="2381096"/>
+              <a:chExt cx="670291" cy="642314"/>
             </a:xfrm>
-            <a:prstGeom prst="rect">
-              <a:avLst/>
-            </a:prstGeom>
-          </p:spPr>
-        </p:pic>
-      </p:grpSp>
-      <p:grpSp>
-        <p:nvGrpSpPr>
-          <p:cNvPr id="73" name="Grupo 72"/>
-          <p:cNvGrpSpPr/>
-          <p:nvPr/>
-        </p:nvGrpSpPr>
-        <p:grpSpPr>
-          <a:xfrm>
-            <a:off x="291946" y="2411486"/>
-            <a:ext cx="2408098" cy="862379"/>
-            <a:chOff x="808383" y="2186610"/>
-            <a:chExt cx="1979202" cy="708785"/>
-          </a:xfrm>
-        </p:grpSpPr>
-        <p:sp>
-          <p:nvSpPr>
-            <p:cNvPr id="74" name="Rectángulo redondeado 73"/>
-            <p:cNvSpPr/>
-            <p:nvPr/>
-          </p:nvSpPr>
-          <p:spPr>
-            <a:xfrm>
-              <a:off x="808383" y="2186610"/>
-              <a:ext cx="1725012" cy="708785"/>
-            </a:xfrm>
-            <a:prstGeom prst="roundRect">
-              <a:avLst/>
-            </a:prstGeom>
-            <a:ln w="38100">
+          </p:grpSpPr>
+          <p:sp>
+            <p:nvSpPr>
+              <p:cNvPr id="123" name="Elipse 122"/>
+              <p:cNvSpPr/>
+              <p:nvPr/>
+            </p:nvSpPr>
+            <p:spPr>
+              <a:xfrm>
+                <a:off x="7288910" y="2381096"/>
+                <a:ext cx="670291" cy="642314"/>
+              </a:xfrm>
+              <a:prstGeom prst="ellipse">
+                <a:avLst/>
+              </a:prstGeom>
               <a:solidFill>
                 <a:schemeClr val="tx1">
-                  <a:lumMod val="75000"/>
+                  <a:lumMod val="85000"/>
                 </a:schemeClr>
               </a:solidFill>
-            </a:ln>
-          </p:spPr>
-          <p:style>
-            <a:lnRef idx="1">
-              <a:schemeClr val="accent1"/>
-            </a:lnRef>
-            <a:fillRef idx="3">
-              <a:schemeClr val="accent1"/>
-            </a:fillRef>
-            <a:effectRef idx="2">
-              <a:schemeClr val="accent1"/>
-            </a:effectRef>
-            <a:fontRef idx="minor">
-              <a:schemeClr val="lt1"/>
-            </a:fontRef>
-          </p:style>
-          <p:txBody>
-            <a:bodyPr rtlCol="0" anchor="ctr"/>
-            <a:lstStyle/>
-            <a:p>
-              <a:pPr algn="ctr"/>
-              <a:endParaRPr lang="es-ES" dirty="0"/>
-            </a:p>
-          </p:txBody>
-        </p:sp>
-        <p:sp>
-          <p:nvSpPr>
-            <p:cNvPr id="75" name="CuadroTexto 74"/>
-            <p:cNvSpPr txBox="1"/>
-            <p:nvPr/>
-          </p:nvSpPr>
-          <p:spPr>
-            <a:xfrm>
-              <a:off x="879272" y="2230479"/>
-              <a:ext cx="1908313" cy="581808"/>
-            </a:xfrm>
-            <a:prstGeom prst="rect">
-              <a:avLst/>
-            </a:prstGeom>
-            <a:noFill/>
-          </p:spPr>
-          <p:txBody>
-            <a:bodyPr wrap="square" rtlCol="0">
-              <a:spAutoFit/>
-            </a:bodyPr>
-            <a:lstStyle/>
-            <a:p>
-              <a:r>
-                <a:rPr lang="es-AR" sz="2000" dirty="0" smtClean="0"/>
-                <a:t>Administrar </a:t>
-              </a:r>
-              <a:endParaRPr lang="es-AR" sz="2000" dirty="0"/>
-            </a:p>
-            <a:p>
-              <a:r>
-                <a:rPr lang="es-AR" sz="2000" dirty="0" smtClean="0"/>
-                <a:t>Torneos</a:t>
-              </a:r>
-              <a:endParaRPr lang="es-ES" sz="2000" dirty="0"/>
-            </a:p>
-          </p:txBody>
-        </p:sp>
-      </p:grpSp>
-      <p:grpSp>
-        <p:nvGrpSpPr>
-          <p:cNvPr id="41" name="Grupo 40"/>
-          <p:cNvGrpSpPr/>
-          <p:nvPr/>
-        </p:nvGrpSpPr>
-        <p:grpSpPr>
-          <a:xfrm>
-            <a:off x="1888191" y="2248367"/>
-            <a:ext cx="670291" cy="642314"/>
-            <a:chOff x="7288910" y="2381096"/>
-            <a:chExt cx="670291" cy="642314"/>
-          </a:xfrm>
-        </p:grpSpPr>
-        <p:sp>
-          <p:nvSpPr>
-            <p:cNvPr id="76" name="Elipse 75"/>
-            <p:cNvSpPr/>
-            <p:nvPr/>
-          </p:nvSpPr>
-          <p:spPr>
-            <a:xfrm>
-              <a:off x="7288910" y="2381096"/>
-              <a:ext cx="670291" cy="642314"/>
-            </a:xfrm>
-            <a:prstGeom prst="ellipse">
-              <a:avLst/>
-            </a:prstGeom>
-            <a:solidFill>
-              <a:schemeClr val="tx1">
-                <a:lumMod val="85000"/>
-              </a:schemeClr>
-            </a:solidFill>
-          </p:spPr>
-          <p:style>
-            <a:lnRef idx="2">
-              <a:schemeClr val="accent1">
-                <a:shade val="50000"/>
-              </a:schemeClr>
-            </a:lnRef>
-            <a:fillRef idx="1">
-              <a:schemeClr val="accent1"/>
-            </a:fillRef>
-            <a:effectRef idx="0">
-              <a:schemeClr val="accent1"/>
-            </a:effectRef>
-            <a:fontRef idx="minor">
-              <a:schemeClr val="lt1"/>
-            </a:fontRef>
-          </p:style>
-          <p:txBody>
-            <a:bodyPr rtlCol="0" anchor="ctr"/>
-            <a:lstStyle/>
-            <a:p>
-              <a:pPr algn="ctr"/>
-              <a:endParaRPr lang="es-ES" dirty="0"/>
-            </a:p>
-          </p:txBody>
-        </p:sp>
-        <p:pic>
-          <p:nvPicPr>
-            <p:cNvPr id="77" name="Imagen 76"/>
-            <p:cNvPicPr>
-              <a:picLocks noChangeAspect="1"/>
-            </p:cNvPicPr>
-            <p:nvPr/>
-          </p:nvPicPr>
-          <p:blipFill>
-            <a:blip r:embed="rId5">
-              <a:extLst>
-                <a:ext uri="{28A0092B-C50C-407E-A947-70E740481C1C}">
-                  <a14:useLocalDpi xmlns:a14="http://schemas.microsoft.com/office/drawing/2010/main" val="0"/>
-                </a:ext>
-              </a:extLst>
-            </a:blip>
-            <a:stretch>
-              <a:fillRect/>
-            </a:stretch>
-          </p:blipFill>
-          <p:spPr>
-            <a:xfrm>
-              <a:off x="7394155" y="2431923"/>
-              <a:ext cx="493128" cy="493128"/>
-            </a:xfrm>
-            <a:prstGeom prst="rect">
-              <a:avLst/>
-            </a:prstGeom>
-          </p:spPr>
-        </p:pic>
-      </p:grpSp>
-      <p:grpSp>
-        <p:nvGrpSpPr>
-          <p:cNvPr id="119" name="Grupo 118"/>
-          <p:cNvGrpSpPr/>
-          <p:nvPr/>
-        </p:nvGrpSpPr>
-        <p:grpSpPr>
-          <a:xfrm>
-            <a:off x="297297" y="5409134"/>
-            <a:ext cx="2408098" cy="862379"/>
-            <a:chOff x="808383" y="2186610"/>
-            <a:chExt cx="1979202" cy="708785"/>
-          </a:xfrm>
-        </p:grpSpPr>
-        <p:sp>
-          <p:nvSpPr>
-            <p:cNvPr id="120" name="Rectángulo redondeado 119"/>
-            <p:cNvSpPr/>
-            <p:nvPr/>
-          </p:nvSpPr>
-          <p:spPr>
-            <a:xfrm>
-              <a:off x="808383" y="2186610"/>
-              <a:ext cx="1725012" cy="708785"/>
-            </a:xfrm>
-            <a:prstGeom prst="roundRect">
-              <a:avLst/>
-            </a:prstGeom>
-            <a:ln w="38100">
-              <a:solidFill>
-                <a:schemeClr val="tx1">
-                  <a:lumMod val="75000"/>
+            </p:spPr>
+            <p:style>
+              <a:lnRef idx="2">
+                <a:schemeClr val="accent1">
+                  <a:shade val="50000"/>
                 </a:schemeClr>
-              </a:solidFill>
-            </a:ln>
-          </p:spPr>
-          <p:style>
-            <a:lnRef idx="1">
-              <a:schemeClr val="accent1"/>
-            </a:lnRef>
-            <a:fillRef idx="3">
-              <a:schemeClr val="accent1"/>
-            </a:fillRef>
-            <a:effectRef idx="2">
-              <a:schemeClr val="accent1"/>
-            </a:effectRef>
-            <a:fontRef idx="minor">
-              <a:schemeClr val="lt1"/>
-            </a:fontRef>
-          </p:style>
-          <p:txBody>
-            <a:bodyPr rtlCol="0" anchor="ctr"/>
-            <a:lstStyle/>
-            <a:p>
-              <a:pPr algn="ctr"/>
-              <a:endParaRPr lang="es-ES" dirty="0"/>
-            </a:p>
-          </p:txBody>
-        </p:sp>
-        <p:sp>
-          <p:nvSpPr>
-            <p:cNvPr id="121" name="CuadroTexto 120"/>
-            <p:cNvSpPr txBox="1"/>
-            <p:nvPr/>
-          </p:nvSpPr>
-          <p:spPr>
-            <a:xfrm>
-              <a:off x="879272" y="2230479"/>
-              <a:ext cx="1908313" cy="581808"/>
-            </a:xfrm>
-            <a:prstGeom prst="rect">
-              <a:avLst/>
-            </a:prstGeom>
-            <a:noFill/>
-          </p:spPr>
-          <p:txBody>
-            <a:bodyPr wrap="square" rtlCol="0">
-              <a:spAutoFit/>
-            </a:bodyPr>
-            <a:lstStyle/>
-            <a:p>
-              <a:r>
-                <a:rPr lang="es-AR" sz="2000" dirty="0" smtClean="0"/>
-                <a:t>Administrar </a:t>
-              </a:r>
-              <a:endParaRPr lang="es-AR" sz="2000" dirty="0"/>
-            </a:p>
-            <a:p>
-              <a:r>
-                <a:rPr lang="es-AR" sz="2000" dirty="0" smtClean="0"/>
-                <a:t>Ediciones</a:t>
-              </a:r>
-              <a:endParaRPr lang="es-ES" sz="2000" dirty="0"/>
-            </a:p>
-          </p:txBody>
-        </p:sp>
-      </p:grpSp>
-      <p:grpSp>
-        <p:nvGrpSpPr>
-          <p:cNvPr id="122" name="Grupo 121"/>
-          <p:cNvGrpSpPr/>
-          <p:nvPr/>
-        </p:nvGrpSpPr>
-        <p:grpSpPr>
-          <a:xfrm>
-            <a:off x="1893542" y="5246015"/>
-            <a:ext cx="670291" cy="642314"/>
-            <a:chOff x="7288910" y="2381096"/>
-            <a:chExt cx="670291" cy="642314"/>
-          </a:xfrm>
-        </p:grpSpPr>
-        <p:sp>
-          <p:nvSpPr>
-            <p:cNvPr id="123" name="Elipse 122"/>
-            <p:cNvSpPr/>
-            <p:nvPr/>
-          </p:nvSpPr>
-          <p:spPr>
-            <a:xfrm>
-              <a:off x="7288910" y="2381096"/>
-              <a:ext cx="670291" cy="642314"/>
-            </a:xfrm>
-            <a:prstGeom prst="ellipse">
-              <a:avLst/>
-            </a:prstGeom>
-            <a:solidFill>
-              <a:schemeClr val="tx1">
-                <a:lumMod val="85000"/>
-              </a:schemeClr>
-            </a:solidFill>
-          </p:spPr>
-          <p:style>
-            <a:lnRef idx="2">
-              <a:schemeClr val="accent1">
-                <a:shade val="50000"/>
-              </a:schemeClr>
-            </a:lnRef>
-            <a:fillRef idx="1">
-              <a:schemeClr val="accent1"/>
-            </a:fillRef>
-            <a:effectRef idx="0">
-              <a:schemeClr val="accent1"/>
-            </a:effectRef>
-            <a:fontRef idx="minor">
-              <a:schemeClr val="lt1"/>
-            </a:fontRef>
-          </p:style>
-          <p:txBody>
-            <a:bodyPr rtlCol="0" anchor="ctr"/>
-            <a:lstStyle/>
-            <a:p>
-              <a:pPr algn="ctr"/>
-              <a:endParaRPr lang="es-ES" dirty="0"/>
-            </a:p>
-          </p:txBody>
-        </p:sp>
-        <p:pic>
-          <p:nvPicPr>
-            <p:cNvPr id="124" name="Imagen 123"/>
-            <p:cNvPicPr>
-              <a:picLocks noChangeAspect="1"/>
-            </p:cNvPicPr>
-            <p:nvPr/>
-          </p:nvPicPr>
-          <p:blipFill>
-            <a:blip r:embed="rId5">
-              <a:extLst>
-                <a:ext uri="{28A0092B-C50C-407E-A947-70E740481C1C}">
-                  <a14:useLocalDpi xmlns:a14="http://schemas.microsoft.com/office/drawing/2010/main" val="0"/>
-                </a:ext>
-              </a:extLst>
-            </a:blip>
-            <a:stretch>
-              <a:fillRect/>
-            </a:stretch>
-          </p:blipFill>
-          <p:spPr>
-            <a:xfrm>
-              <a:off x="7394155" y="2431923"/>
-              <a:ext cx="493128" cy="493128"/>
-            </a:xfrm>
-            <a:prstGeom prst="rect">
-              <a:avLst/>
-            </a:prstGeom>
-          </p:spPr>
-        </p:pic>
+              </a:lnRef>
+              <a:fillRef idx="1">
+                <a:schemeClr val="accent1"/>
+              </a:fillRef>
+              <a:effectRef idx="0">
+                <a:schemeClr val="accent1"/>
+              </a:effectRef>
+              <a:fontRef idx="minor">
+                <a:schemeClr val="lt1"/>
+              </a:fontRef>
+            </p:style>
+            <p:txBody>
+              <a:bodyPr rtlCol="0" anchor="ctr"/>
+              <a:lstStyle/>
+              <a:p>
+                <a:pPr algn="ctr"/>
+                <a:endParaRPr lang="es-ES" dirty="0"/>
+              </a:p>
+            </p:txBody>
+          </p:sp>
+          <p:pic>
+            <p:nvPicPr>
+              <p:cNvPr id="124" name="Imagen 123"/>
+              <p:cNvPicPr>
+                <a:picLocks noChangeAspect="1"/>
+              </p:cNvPicPr>
+              <p:nvPr/>
+            </p:nvPicPr>
+            <p:blipFill>
+              <a:blip r:embed="rId5">
+                <a:extLst>
+                  <a:ext uri="{28A0092B-C50C-407E-A947-70E740481C1C}">
+                    <a14:useLocalDpi xmlns:a14="http://schemas.microsoft.com/office/drawing/2010/main" val="0"/>
+                  </a:ext>
+                </a:extLst>
+              </a:blip>
+              <a:stretch>
+                <a:fillRect/>
+              </a:stretch>
+            </p:blipFill>
+            <p:spPr>
+              <a:xfrm>
+                <a:off x="7394155" y="2431923"/>
+                <a:ext cx="493128" cy="493128"/>
+              </a:xfrm>
+              <a:prstGeom prst="rect">
+                <a:avLst/>
+              </a:prstGeom>
+            </p:spPr>
+          </p:pic>
+        </p:grpSp>
       </p:grpSp>
       <p:sp>
         <p:nvSpPr>
@@ -19094,7 +18341,7 @@
         </p:nvGrpSpPr>
         <p:grpSpPr>
           <a:xfrm>
-            <a:off x="2730200" y="5381436"/>
+            <a:off x="2699996" y="5545568"/>
             <a:ext cx="2408098" cy="839723"/>
             <a:chOff x="808383" y="2186610"/>
             <a:chExt cx="1979202" cy="708785"/>
@@ -19265,363 +18512,393 @@
       </p:sp>
       <p:grpSp>
         <p:nvGrpSpPr>
-          <p:cNvPr id="137" name="Grupo 136"/>
+          <p:cNvPr id="10" name="Grupo 9"/>
           <p:cNvGrpSpPr/>
           <p:nvPr/>
         </p:nvGrpSpPr>
         <p:grpSpPr>
           <a:xfrm>
-            <a:off x="2609472" y="2345377"/>
-            <a:ext cx="2146931" cy="885248"/>
-            <a:chOff x="808384" y="2186610"/>
-            <a:chExt cx="1764552" cy="727581"/>
+            <a:off x="5022211" y="3317875"/>
+            <a:ext cx="1918753" cy="1045913"/>
+            <a:chOff x="2609472" y="2184712"/>
+            <a:chExt cx="2319117" cy="1045913"/>
           </a:xfrm>
         </p:grpSpPr>
-        <p:sp>
-          <p:nvSpPr>
-            <p:cNvPr id="139" name="Rectángulo redondeado 138"/>
-            <p:cNvSpPr/>
+        <p:grpSp>
+          <p:nvGrpSpPr>
+            <p:cNvPr id="137" name="Grupo 136"/>
+            <p:cNvGrpSpPr/>
             <p:nvPr/>
-          </p:nvSpPr>
-          <p:spPr>
+          </p:nvGrpSpPr>
+          <p:grpSpPr>
             <a:xfrm>
-              <a:off x="808384" y="2186610"/>
-              <a:ext cx="1764552" cy="727581"/>
+              <a:off x="2609472" y="2345377"/>
+              <a:ext cx="2146931" cy="885248"/>
+              <a:chOff x="808384" y="2186610"/>
+              <a:chExt cx="1764552" cy="727581"/>
             </a:xfrm>
-            <a:prstGeom prst="roundRect">
-              <a:avLst/>
-            </a:prstGeom>
-            <a:ln w="38100">
+          </p:grpSpPr>
+          <p:sp>
+            <p:nvSpPr>
+              <p:cNvPr id="139" name="Rectángulo redondeado 138"/>
+              <p:cNvSpPr/>
+              <p:nvPr/>
+            </p:nvSpPr>
+            <p:spPr>
+              <a:xfrm>
+                <a:off x="808384" y="2186610"/>
+                <a:ext cx="1764552" cy="727581"/>
+              </a:xfrm>
+              <a:prstGeom prst="roundRect">
+                <a:avLst/>
+              </a:prstGeom>
+              <a:ln w="38100">
+                <a:solidFill>
+                  <a:schemeClr val="tx1">
+                    <a:lumMod val="75000"/>
+                  </a:schemeClr>
+                </a:solidFill>
+              </a:ln>
+            </p:spPr>
+            <p:style>
+              <a:lnRef idx="1">
+                <a:schemeClr val="accent1"/>
+              </a:lnRef>
+              <a:fillRef idx="3">
+                <a:schemeClr val="accent1"/>
+              </a:fillRef>
+              <a:effectRef idx="2">
+                <a:schemeClr val="accent1"/>
+              </a:effectRef>
+              <a:fontRef idx="minor">
+                <a:schemeClr val="lt1"/>
+              </a:fontRef>
+            </p:style>
+            <p:txBody>
+              <a:bodyPr rtlCol="0" anchor="ctr"/>
+              <a:lstStyle/>
+              <a:p>
+                <a:pPr algn="ctr"/>
+                <a:endParaRPr lang="es-ES" dirty="0"/>
+              </a:p>
+            </p:txBody>
+          </p:sp>
+          <p:sp>
+            <p:nvSpPr>
+              <p:cNvPr id="153" name="CuadroTexto 152"/>
+              <p:cNvSpPr txBox="1"/>
+              <p:nvPr/>
+            </p:nvSpPr>
+            <p:spPr>
+              <a:xfrm>
+                <a:off x="819784" y="2255955"/>
+                <a:ext cx="1422035" cy="531216"/>
+              </a:xfrm>
+              <a:prstGeom prst="rect">
+                <a:avLst/>
+              </a:prstGeom>
+              <a:noFill/>
+            </p:spPr>
+            <p:txBody>
+              <a:bodyPr wrap="square" rtlCol="0">
+                <a:spAutoFit/>
+              </a:bodyPr>
+              <a:lstStyle/>
+              <a:p>
+                <a:r>
+                  <a:rPr lang="es-AR" dirty="0" smtClean="0"/>
+                  <a:t>Administrar Árbitros</a:t>
+                </a:r>
+                <a:endParaRPr lang="es-ES" dirty="0"/>
+              </a:p>
+            </p:txBody>
+          </p:sp>
+        </p:grpSp>
+        <p:grpSp>
+          <p:nvGrpSpPr>
+            <p:cNvPr id="154" name="Grupo 153"/>
+            <p:cNvGrpSpPr/>
+            <p:nvPr/>
+          </p:nvGrpSpPr>
+          <p:grpSpPr>
+            <a:xfrm>
+              <a:off x="4312806" y="2184712"/>
+              <a:ext cx="615783" cy="590081"/>
+              <a:chOff x="2281583" y="2157919"/>
+              <a:chExt cx="615783" cy="590081"/>
+            </a:xfrm>
+          </p:grpSpPr>
+          <p:sp>
+            <p:nvSpPr>
+              <p:cNvPr id="155" name="Elipse 154"/>
+              <p:cNvSpPr/>
+              <p:nvPr/>
+            </p:nvSpPr>
+            <p:spPr>
+              <a:xfrm>
+                <a:off x="2281583" y="2157919"/>
+                <a:ext cx="615783" cy="590081"/>
+              </a:xfrm>
+              <a:prstGeom prst="ellipse">
+                <a:avLst/>
+              </a:prstGeom>
               <a:solidFill>
                 <a:schemeClr val="tx1">
-                  <a:lumMod val="75000"/>
+                  <a:lumMod val="85000"/>
                 </a:schemeClr>
               </a:solidFill>
-            </a:ln>
-          </p:spPr>
-          <p:style>
-            <a:lnRef idx="1">
-              <a:schemeClr val="accent1"/>
-            </a:lnRef>
-            <a:fillRef idx="3">
-              <a:schemeClr val="accent1"/>
-            </a:fillRef>
-            <a:effectRef idx="2">
-              <a:schemeClr val="accent1"/>
-            </a:effectRef>
-            <a:fontRef idx="minor">
-              <a:schemeClr val="lt1"/>
-            </a:fontRef>
-          </p:style>
-          <p:txBody>
-            <a:bodyPr rtlCol="0" anchor="ctr"/>
-            <a:lstStyle/>
-            <a:p>
-              <a:pPr algn="ctr"/>
-              <a:endParaRPr lang="es-ES" dirty="0"/>
-            </a:p>
-          </p:txBody>
-        </p:sp>
-        <p:sp>
-          <p:nvSpPr>
-            <p:cNvPr id="153" name="CuadroTexto 152"/>
-            <p:cNvSpPr txBox="1"/>
-            <p:nvPr/>
-          </p:nvSpPr>
-          <p:spPr>
-            <a:xfrm>
-              <a:off x="892009" y="2255955"/>
-              <a:ext cx="1552873" cy="581808"/>
-            </a:xfrm>
-            <a:prstGeom prst="rect">
-              <a:avLst/>
-            </a:prstGeom>
-            <a:noFill/>
-          </p:spPr>
-          <p:txBody>
-            <a:bodyPr wrap="square" rtlCol="0">
-              <a:spAutoFit/>
-            </a:bodyPr>
-            <a:lstStyle/>
-            <a:p>
-              <a:r>
-                <a:rPr lang="es-AR" sz="2000" dirty="0" smtClean="0"/>
-                <a:t>Administrar Árbitros</a:t>
-              </a:r>
-              <a:endParaRPr lang="es-ES" sz="2000" dirty="0"/>
-            </a:p>
-          </p:txBody>
-        </p:sp>
+            </p:spPr>
+            <p:style>
+              <a:lnRef idx="2">
+                <a:schemeClr val="accent1">
+                  <a:shade val="50000"/>
+                </a:schemeClr>
+              </a:lnRef>
+              <a:fillRef idx="1">
+                <a:schemeClr val="accent1"/>
+              </a:fillRef>
+              <a:effectRef idx="0">
+                <a:schemeClr val="accent1"/>
+              </a:effectRef>
+              <a:fontRef idx="minor">
+                <a:schemeClr val="lt1"/>
+              </a:fontRef>
+            </p:style>
+            <p:txBody>
+              <a:bodyPr rtlCol="0" anchor="ctr"/>
+              <a:lstStyle/>
+              <a:p>
+                <a:pPr algn="ctr"/>
+                <a:endParaRPr lang="es-ES" dirty="0"/>
+              </a:p>
+            </p:txBody>
+          </p:sp>
+          <p:pic>
+            <p:nvPicPr>
+              <p:cNvPr id="156" name="Imagen 155"/>
+              <p:cNvPicPr>
+                <a:picLocks noChangeAspect="1"/>
+              </p:cNvPicPr>
+              <p:nvPr/>
+            </p:nvPicPr>
+            <p:blipFill>
+              <a:blip r:embed="rId8">
+                <a:extLst>
+                  <a:ext uri="{28A0092B-C50C-407E-A947-70E740481C1C}">
+                    <a14:useLocalDpi xmlns:a14="http://schemas.microsoft.com/office/drawing/2010/main" val="0"/>
+                  </a:ext>
+                </a:extLst>
+              </a:blip>
+              <a:stretch>
+                <a:fillRect/>
+              </a:stretch>
+            </p:blipFill>
+            <p:spPr>
+              <a:xfrm>
+                <a:off x="2300283" y="2159138"/>
+                <a:ext cx="555873" cy="555873"/>
+              </a:xfrm>
+              <a:prstGeom prst="rect">
+                <a:avLst/>
+              </a:prstGeom>
+            </p:spPr>
+          </p:pic>
+        </p:grpSp>
       </p:grpSp>
       <p:grpSp>
         <p:nvGrpSpPr>
-          <p:cNvPr id="154" name="Grupo 153"/>
+          <p:cNvPr id="11" name="Grupo 10"/>
           <p:cNvGrpSpPr/>
           <p:nvPr/>
         </p:nvGrpSpPr>
         <p:grpSpPr>
           <a:xfrm>
-            <a:off x="4219184" y="2253417"/>
-            <a:ext cx="615783" cy="604125"/>
-            <a:chOff x="2187961" y="2226624"/>
-            <a:chExt cx="615783" cy="604125"/>
+            <a:off x="2645613" y="2256413"/>
+            <a:ext cx="2237572" cy="1010852"/>
+            <a:chOff x="2618553" y="3379074"/>
+            <a:chExt cx="2237572" cy="921323"/>
           </a:xfrm>
         </p:grpSpPr>
-        <p:sp>
-          <p:nvSpPr>
-            <p:cNvPr id="155" name="Elipse 154"/>
-            <p:cNvSpPr/>
+        <p:grpSp>
+          <p:nvGrpSpPr>
+            <p:cNvPr id="157" name="Grupo 156"/>
+            <p:cNvGrpSpPr/>
             <p:nvPr/>
-          </p:nvSpPr>
-          <p:spPr>
+          </p:nvGrpSpPr>
+          <p:grpSpPr>
             <a:xfrm>
-              <a:off x="2187961" y="2240668"/>
+              <a:off x="2618553" y="3452725"/>
+              <a:ext cx="2191077" cy="847672"/>
+              <a:chOff x="808382" y="2186610"/>
+              <a:chExt cx="1800835" cy="696697"/>
+            </a:xfrm>
+          </p:grpSpPr>
+          <p:sp>
+            <p:nvSpPr>
+              <p:cNvPr id="158" name="Rectángulo redondeado 157"/>
+              <p:cNvSpPr/>
+              <p:nvPr/>
+            </p:nvSpPr>
+            <p:spPr>
+              <a:xfrm>
+                <a:off x="808382" y="2186610"/>
+                <a:ext cx="1800835" cy="696697"/>
+              </a:xfrm>
+              <a:prstGeom prst="roundRect">
+                <a:avLst/>
+              </a:prstGeom>
+              <a:ln w="38100">
+                <a:solidFill>
+                  <a:schemeClr val="tx1">
+                    <a:lumMod val="75000"/>
+                  </a:schemeClr>
+                </a:solidFill>
+              </a:ln>
+            </p:spPr>
+            <p:style>
+              <a:lnRef idx="1">
+                <a:schemeClr val="accent1"/>
+              </a:lnRef>
+              <a:fillRef idx="3">
+                <a:schemeClr val="accent1"/>
+              </a:fillRef>
+              <a:effectRef idx="2">
+                <a:schemeClr val="accent1"/>
+              </a:effectRef>
+              <a:fontRef idx="minor">
+                <a:schemeClr val="lt1"/>
+              </a:fontRef>
+            </p:style>
+            <p:txBody>
+              <a:bodyPr rtlCol="0" anchor="ctr"/>
+              <a:lstStyle/>
+              <a:p>
+                <a:pPr algn="ctr"/>
+                <a:endParaRPr lang="es-ES" dirty="0"/>
+              </a:p>
+            </p:txBody>
+          </p:sp>
+          <p:sp>
+            <p:nvSpPr>
+              <p:cNvPr id="159" name="CuadroTexto 158"/>
+              <p:cNvSpPr txBox="1"/>
+              <p:nvPr/>
+            </p:nvSpPr>
+            <p:spPr>
+              <a:xfrm>
+                <a:off x="917485" y="2255957"/>
+                <a:ext cx="1497451" cy="581808"/>
+              </a:xfrm>
+              <a:prstGeom prst="rect">
+                <a:avLst/>
+              </a:prstGeom>
+              <a:noFill/>
+            </p:spPr>
+            <p:txBody>
+              <a:bodyPr wrap="square" rtlCol="0">
+                <a:spAutoFit/>
+              </a:bodyPr>
+              <a:lstStyle/>
+              <a:p>
+                <a:r>
+                  <a:rPr lang="es-AR" sz="2000" dirty="0" smtClean="0"/>
+                  <a:t>Administrar Jugadores</a:t>
+                </a:r>
+                <a:endParaRPr lang="es-ES" sz="2000" dirty="0"/>
+              </a:p>
+            </p:txBody>
+          </p:sp>
+        </p:grpSp>
+        <p:grpSp>
+          <p:nvGrpSpPr>
+            <p:cNvPr id="160" name="Grupo 159"/>
+            <p:cNvGrpSpPr/>
+            <p:nvPr/>
+          </p:nvGrpSpPr>
+          <p:grpSpPr>
+            <a:xfrm>
+              <a:off x="4240342" y="3379074"/>
               <a:ext cx="615783" cy="590081"/>
+              <a:chOff x="2119962" y="3375598"/>
+              <a:chExt cx="615783" cy="590081"/>
             </a:xfrm>
-            <a:prstGeom prst="ellipse">
-              <a:avLst/>
-            </a:prstGeom>
-            <a:solidFill>
-              <a:schemeClr val="tx1">
-                <a:lumMod val="85000"/>
-              </a:schemeClr>
-            </a:solidFill>
-          </p:spPr>
-          <p:style>
-            <a:lnRef idx="2">
-              <a:schemeClr val="accent1">
-                <a:shade val="50000"/>
-              </a:schemeClr>
-            </a:lnRef>
-            <a:fillRef idx="1">
-              <a:schemeClr val="accent1"/>
-            </a:fillRef>
-            <a:effectRef idx="0">
-              <a:schemeClr val="accent1"/>
-            </a:effectRef>
-            <a:fontRef idx="minor">
-              <a:schemeClr val="lt1"/>
-            </a:fontRef>
-          </p:style>
-          <p:txBody>
-            <a:bodyPr rtlCol="0" anchor="ctr"/>
-            <a:lstStyle/>
-            <a:p>
-              <a:pPr algn="ctr"/>
-              <a:endParaRPr lang="es-ES" dirty="0"/>
-            </a:p>
-          </p:txBody>
-        </p:sp>
-        <p:pic>
-          <p:nvPicPr>
-            <p:cNvPr id="156" name="Imagen 155"/>
-            <p:cNvPicPr>
-              <a:picLocks noChangeAspect="1"/>
-            </p:cNvPicPr>
-            <p:nvPr/>
-          </p:nvPicPr>
-          <p:blipFill>
-            <a:blip r:embed="rId8">
-              <a:extLst>
-                <a:ext uri="{28A0092B-C50C-407E-A947-70E740481C1C}">
-                  <a14:useLocalDpi xmlns:a14="http://schemas.microsoft.com/office/drawing/2010/main" val="0"/>
-                </a:ext>
-              </a:extLst>
-            </a:blip>
-            <a:stretch>
-              <a:fillRect/>
-            </a:stretch>
-          </p:blipFill>
-          <p:spPr>
-            <a:xfrm>
-              <a:off x="2222534" y="2226624"/>
-              <a:ext cx="555873" cy="555873"/>
-            </a:xfrm>
-            <a:prstGeom prst="rect">
-              <a:avLst/>
-            </a:prstGeom>
-          </p:spPr>
-        </p:pic>
-      </p:grpSp>
-      <p:grpSp>
-        <p:nvGrpSpPr>
-          <p:cNvPr id="157" name="Grupo 156"/>
-          <p:cNvGrpSpPr/>
-          <p:nvPr/>
-        </p:nvGrpSpPr>
-        <p:grpSpPr>
-          <a:xfrm>
-            <a:off x="2618553" y="3452725"/>
-            <a:ext cx="2191077" cy="847672"/>
-            <a:chOff x="808382" y="2186610"/>
-            <a:chExt cx="1800835" cy="696697"/>
-          </a:xfrm>
-        </p:grpSpPr>
-        <p:sp>
-          <p:nvSpPr>
-            <p:cNvPr id="158" name="Rectángulo redondeado 157"/>
-            <p:cNvSpPr/>
-            <p:nvPr/>
-          </p:nvSpPr>
-          <p:spPr>
-            <a:xfrm>
-              <a:off x="808382" y="2186610"/>
-              <a:ext cx="1800835" cy="696697"/>
-            </a:xfrm>
-            <a:prstGeom prst="roundRect">
-              <a:avLst/>
-            </a:prstGeom>
-            <a:ln w="38100">
+          </p:grpSpPr>
+          <p:sp>
+            <p:nvSpPr>
+              <p:cNvPr id="161" name="Elipse 160"/>
+              <p:cNvSpPr/>
+              <p:nvPr/>
+            </p:nvSpPr>
+            <p:spPr>
+              <a:xfrm>
+                <a:off x="2119962" y="3375598"/>
+                <a:ext cx="615783" cy="590081"/>
+              </a:xfrm>
+              <a:prstGeom prst="ellipse">
+                <a:avLst/>
+              </a:prstGeom>
               <a:solidFill>
                 <a:schemeClr val="tx1">
-                  <a:lumMod val="75000"/>
+                  <a:lumMod val="85000"/>
                 </a:schemeClr>
               </a:solidFill>
-            </a:ln>
-          </p:spPr>
-          <p:style>
-            <a:lnRef idx="1">
-              <a:schemeClr val="accent1"/>
-            </a:lnRef>
-            <a:fillRef idx="3">
-              <a:schemeClr val="accent1"/>
-            </a:fillRef>
-            <a:effectRef idx="2">
-              <a:schemeClr val="accent1"/>
-            </a:effectRef>
-            <a:fontRef idx="minor">
-              <a:schemeClr val="lt1"/>
-            </a:fontRef>
-          </p:style>
-          <p:txBody>
-            <a:bodyPr rtlCol="0" anchor="ctr"/>
-            <a:lstStyle/>
-            <a:p>
-              <a:pPr algn="ctr"/>
-              <a:endParaRPr lang="es-ES" dirty="0"/>
-            </a:p>
-          </p:txBody>
-        </p:sp>
-        <p:sp>
-          <p:nvSpPr>
-            <p:cNvPr id="159" name="CuadroTexto 158"/>
-            <p:cNvSpPr txBox="1"/>
-            <p:nvPr/>
-          </p:nvSpPr>
-          <p:spPr>
-            <a:xfrm>
-              <a:off x="917485" y="2255957"/>
-              <a:ext cx="1497451" cy="581808"/>
-            </a:xfrm>
-            <a:prstGeom prst="rect">
-              <a:avLst/>
-            </a:prstGeom>
-            <a:noFill/>
-          </p:spPr>
-          <p:txBody>
-            <a:bodyPr wrap="square" rtlCol="0">
-              <a:spAutoFit/>
-            </a:bodyPr>
-            <a:lstStyle/>
-            <a:p>
-              <a:r>
-                <a:rPr lang="es-AR" sz="2000" dirty="0" smtClean="0"/>
-                <a:t>Administrar Jugadores</a:t>
-              </a:r>
-              <a:endParaRPr lang="es-ES" sz="2000" dirty="0"/>
-            </a:p>
-          </p:txBody>
-        </p:sp>
-      </p:grpSp>
-      <p:grpSp>
-        <p:nvGrpSpPr>
-          <p:cNvPr id="160" name="Grupo 159"/>
-          <p:cNvGrpSpPr/>
-          <p:nvPr/>
-        </p:nvGrpSpPr>
-        <p:grpSpPr>
-          <a:xfrm>
-            <a:off x="4240342" y="3379074"/>
-            <a:ext cx="615783" cy="590081"/>
-            <a:chOff x="2119962" y="3375598"/>
-            <a:chExt cx="615783" cy="590081"/>
-          </a:xfrm>
-        </p:grpSpPr>
-        <p:sp>
-          <p:nvSpPr>
-            <p:cNvPr id="161" name="Elipse 160"/>
-            <p:cNvSpPr/>
-            <p:nvPr/>
-          </p:nvSpPr>
-          <p:spPr>
-            <a:xfrm>
-              <a:off x="2119962" y="3375598"/>
-              <a:ext cx="615783" cy="590081"/>
-            </a:xfrm>
-            <a:prstGeom prst="ellipse">
-              <a:avLst/>
-            </a:prstGeom>
-            <a:solidFill>
-              <a:schemeClr val="tx1">
-                <a:lumMod val="85000"/>
-              </a:schemeClr>
-            </a:solidFill>
-          </p:spPr>
-          <p:style>
-            <a:lnRef idx="2">
-              <a:schemeClr val="accent1">
-                <a:shade val="50000"/>
-              </a:schemeClr>
-            </a:lnRef>
-            <a:fillRef idx="1">
-              <a:schemeClr val="accent1"/>
-            </a:fillRef>
-            <a:effectRef idx="0">
-              <a:schemeClr val="accent1"/>
-            </a:effectRef>
-            <a:fontRef idx="minor">
-              <a:schemeClr val="lt1"/>
-            </a:fontRef>
-          </p:style>
-          <p:txBody>
-            <a:bodyPr rtlCol="0" anchor="ctr"/>
-            <a:lstStyle/>
-            <a:p>
-              <a:pPr algn="ctr"/>
-              <a:endParaRPr lang="es-ES" dirty="0"/>
-            </a:p>
-          </p:txBody>
-        </p:sp>
-        <p:pic>
-          <p:nvPicPr>
-            <p:cNvPr id="162" name="Imagen 161"/>
-            <p:cNvPicPr>
-              <a:picLocks noChangeAspect="1"/>
-            </p:cNvPicPr>
-            <p:nvPr/>
-          </p:nvPicPr>
-          <p:blipFill>
-            <a:blip r:embed="rId9">
-              <a:extLst>
-                <a:ext uri="{28A0092B-C50C-407E-A947-70E740481C1C}">
-                  <a14:useLocalDpi xmlns:a14="http://schemas.microsoft.com/office/drawing/2010/main" val="0"/>
-                </a:ext>
-              </a:extLst>
-            </a:blip>
-            <a:stretch>
-              <a:fillRect/>
-            </a:stretch>
-          </p:blipFill>
-          <p:spPr>
-            <a:xfrm>
-              <a:off x="2215870" y="3435267"/>
-              <a:ext cx="453027" cy="453027"/>
-            </a:xfrm>
-            <a:prstGeom prst="rect">
-              <a:avLst/>
-            </a:prstGeom>
-          </p:spPr>
-        </p:pic>
+            </p:spPr>
+            <p:style>
+              <a:lnRef idx="2">
+                <a:schemeClr val="accent1">
+                  <a:shade val="50000"/>
+                </a:schemeClr>
+              </a:lnRef>
+              <a:fillRef idx="1">
+                <a:schemeClr val="accent1"/>
+              </a:fillRef>
+              <a:effectRef idx="0">
+                <a:schemeClr val="accent1"/>
+              </a:effectRef>
+              <a:fontRef idx="minor">
+                <a:schemeClr val="lt1"/>
+              </a:fontRef>
+            </p:style>
+            <p:txBody>
+              <a:bodyPr rtlCol="0" anchor="ctr"/>
+              <a:lstStyle/>
+              <a:p>
+                <a:pPr algn="ctr"/>
+                <a:endParaRPr lang="es-ES" dirty="0"/>
+              </a:p>
+            </p:txBody>
+          </p:sp>
+          <p:pic>
+            <p:nvPicPr>
+              <p:cNvPr id="162" name="Imagen 161"/>
+              <p:cNvPicPr>
+                <a:picLocks noChangeAspect="1"/>
+              </p:cNvPicPr>
+              <p:nvPr/>
+            </p:nvPicPr>
+            <p:blipFill>
+              <a:blip r:embed="rId9">
+                <a:extLst>
+                  <a:ext uri="{28A0092B-C50C-407E-A947-70E740481C1C}">
+                    <a14:useLocalDpi xmlns:a14="http://schemas.microsoft.com/office/drawing/2010/main" val="0"/>
+                  </a:ext>
+                </a:extLst>
+              </a:blip>
+              <a:stretch>
+                <a:fillRect/>
+              </a:stretch>
+            </p:blipFill>
+            <p:spPr>
+              <a:xfrm>
+                <a:off x="2215870" y="3435267"/>
+                <a:ext cx="453027" cy="453027"/>
+              </a:xfrm>
+              <a:prstGeom prst="rect">
+                <a:avLst/>
+              </a:prstGeom>
+            </p:spPr>
+          </p:pic>
+        </p:grpSp>
       </p:grpSp>
       <p:grpSp>
         <p:nvGrpSpPr>
@@ -19631,7 +18908,7 @@
         </p:nvGrpSpPr>
         <p:grpSpPr>
           <a:xfrm>
-            <a:off x="2694388" y="4433442"/>
+            <a:off x="2695433" y="4509488"/>
             <a:ext cx="2157497" cy="840966"/>
             <a:chOff x="808383" y="2186610"/>
             <a:chExt cx="1773236" cy="691186"/>
@@ -19721,7 +18998,7 @@
         </p:nvGrpSpPr>
         <p:grpSpPr>
           <a:xfrm>
-            <a:off x="4301637" y="4304296"/>
+            <a:off x="4329945" y="4439807"/>
             <a:ext cx="615783" cy="590081"/>
             <a:chOff x="2216493" y="4461139"/>
             <a:chExt cx="615783" cy="590081"/>
@@ -19805,183 +19082,198 @@
       </p:grpSp>
       <p:grpSp>
         <p:nvGrpSpPr>
-          <p:cNvPr id="169" name="Grupo 168"/>
+          <p:cNvPr id="14" name="Grupo 13"/>
           <p:cNvGrpSpPr/>
           <p:nvPr/>
         </p:nvGrpSpPr>
         <p:grpSpPr>
           <a:xfrm>
-            <a:off x="9749644" y="5357731"/>
-            <a:ext cx="2126343" cy="809599"/>
-            <a:chOff x="672018" y="2186610"/>
-            <a:chExt cx="1909601" cy="665405"/>
+            <a:off x="9749645" y="5085796"/>
+            <a:ext cx="2173202" cy="1145495"/>
+            <a:chOff x="9749644" y="5021835"/>
+            <a:chExt cx="2173202" cy="1145495"/>
           </a:xfrm>
         </p:grpSpPr>
-        <p:sp>
-          <p:nvSpPr>
-            <p:cNvPr id="170" name="Rectángulo redondeado 169"/>
-            <p:cNvSpPr/>
+        <p:grpSp>
+          <p:nvGrpSpPr>
+            <p:cNvPr id="169" name="Grupo 168"/>
+            <p:cNvGrpSpPr/>
             <p:nvPr/>
-          </p:nvSpPr>
-          <p:spPr>
+          </p:nvGrpSpPr>
+          <p:grpSpPr>
             <a:xfrm>
-              <a:off x="672018" y="2186610"/>
-              <a:ext cx="1909601" cy="665405"/>
+              <a:off x="9749644" y="5357731"/>
+              <a:ext cx="2126343" cy="809599"/>
+              <a:chOff x="672018" y="2186610"/>
+              <a:chExt cx="1909601" cy="665405"/>
             </a:xfrm>
-            <a:prstGeom prst="roundRect">
-              <a:avLst/>
-            </a:prstGeom>
-            <a:ln w="38100">
+          </p:grpSpPr>
+          <p:sp>
+            <p:nvSpPr>
+              <p:cNvPr id="170" name="Rectángulo redondeado 169"/>
+              <p:cNvSpPr/>
+              <p:nvPr/>
+            </p:nvSpPr>
+            <p:spPr>
+              <a:xfrm>
+                <a:off x="672018" y="2186610"/>
+                <a:ext cx="1909601" cy="665405"/>
+              </a:xfrm>
+              <a:prstGeom prst="roundRect">
+                <a:avLst/>
+              </a:prstGeom>
+              <a:ln w="38100">
+                <a:solidFill>
+                  <a:schemeClr val="tx1">
+                    <a:lumMod val="75000"/>
+                  </a:schemeClr>
+                </a:solidFill>
+              </a:ln>
+            </p:spPr>
+            <p:style>
+              <a:lnRef idx="1">
+                <a:schemeClr val="accent1"/>
+              </a:lnRef>
+              <a:fillRef idx="3">
+                <a:schemeClr val="accent1"/>
+              </a:fillRef>
+              <a:effectRef idx="2">
+                <a:schemeClr val="accent1"/>
+              </a:effectRef>
+              <a:fontRef idx="minor">
+                <a:schemeClr val="lt1"/>
+              </a:fontRef>
+            </p:style>
+            <p:txBody>
+              <a:bodyPr rtlCol="0" anchor="ctr"/>
+              <a:lstStyle/>
+              <a:p>
+                <a:pPr algn="ctr"/>
+                <a:endParaRPr lang="es-ES" dirty="0"/>
+              </a:p>
+            </p:txBody>
+          </p:sp>
+          <p:sp>
+            <p:nvSpPr>
+              <p:cNvPr id="171" name="CuadroTexto 170"/>
+              <p:cNvSpPr txBox="1"/>
+              <p:nvPr/>
+            </p:nvSpPr>
+            <p:spPr>
+              <a:xfrm>
+                <a:off x="853795" y="2243217"/>
+                <a:ext cx="1533540" cy="581808"/>
+              </a:xfrm>
+              <a:prstGeom prst="rect">
+                <a:avLst/>
+              </a:prstGeom>
+              <a:noFill/>
+            </p:spPr>
+            <p:txBody>
+              <a:bodyPr wrap="square" rtlCol="0">
+                <a:spAutoFit/>
+              </a:bodyPr>
+              <a:lstStyle/>
+              <a:p>
+                <a:r>
+                  <a:rPr lang="es-AR" sz="2000" dirty="0" smtClean="0"/>
+                  <a:t>Administrar Estadísticas</a:t>
+                </a:r>
+                <a:endParaRPr lang="es-ES" sz="2000" dirty="0"/>
+              </a:p>
+            </p:txBody>
+          </p:sp>
+        </p:grpSp>
+        <p:grpSp>
+          <p:nvGrpSpPr>
+            <p:cNvPr id="172" name="Grupo 171"/>
+            <p:cNvGrpSpPr/>
+            <p:nvPr/>
+          </p:nvGrpSpPr>
+          <p:grpSpPr>
+            <a:xfrm>
+              <a:off x="11306545" y="5021835"/>
+              <a:ext cx="616301" cy="590081"/>
+              <a:chOff x="2196257" y="5395872"/>
+              <a:chExt cx="616301" cy="590081"/>
+            </a:xfrm>
+          </p:grpSpPr>
+          <p:sp>
+            <p:nvSpPr>
+              <p:cNvPr id="173" name="Elipse 172"/>
+              <p:cNvSpPr/>
+              <p:nvPr/>
+            </p:nvSpPr>
+            <p:spPr>
+              <a:xfrm>
+                <a:off x="2196257" y="5395872"/>
+                <a:ext cx="615783" cy="590081"/>
+              </a:xfrm>
+              <a:prstGeom prst="ellipse">
+                <a:avLst/>
+              </a:prstGeom>
               <a:solidFill>
                 <a:schemeClr val="tx1">
-                  <a:lumMod val="75000"/>
+                  <a:lumMod val="85000"/>
                 </a:schemeClr>
               </a:solidFill>
-            </a:ln>
-          </p:spPr>
-          <p:style>
-            <a:lnRef idx="1">
-              <a:schemeClr val="accent1"/>
-            </a:lnRef>
-            <a:fillRef idx="3">
-              <a:schemeClr val="accent1"/>
-            </a:fillRef>
-            <a:effectRef idx="2">
-              <a:schemeClr val="accent1"/>
-            </a:effectRef>
-            <a:fontRef idx="minor">
-              <a:schemeClr val="lt1"/>
-            </a:fontRef>
-          </p:style>
-          <p:txBody>
-            <a:bodyPr rtlCol="0" anchor="ctr"/>
-            <a:lstStyle/>
-            <a:p>
-              <a:pPr algn="ctr"/>
-              <a:endParaRPr lang="es-ES" dirty="0"/>
-            </a:p>
-          </p:txBody>
-        </p:sp>
-        <p:sp>
-          <p:nvSpPr>
-            <p:cNvPr id="171" name="CuadroTexto 170"/>
-            <p:cNvSpPr txBox="1"/>
-            <p:nvPr/>
-          </p:nvSpPr>
-          <p:spPr>
-            <a:xfrm>
-              <a:off x="853795" y="2243217"/>
-              <a:ext cx="1533540" cy="581808"/>
-            </a:xfrm>
-            <a:prstGeom prst="rect">
-              <a:avLst/>
-            </a:prstGeom>
-            <a:noFill/>
-          </p:spPr>
-          <p:txBody>
-            <a:bodyPr wrap="square" rtlCol="0">
-              <a:spAutoFit/>
-            </a:bodyPr>
-            <a:lstStyle/>
-            <a:p>
-              <a:r>
-                <a:rPr lang="es-AR" sz="2000" dirty="0" smtClean="0"/>
-                <a:t>Administrar Estadísticas</a:t>
-              </a:r>
-              <a:endParaRPr lang="es-ES" sz="2000" dirty="0"/>
-            </a:p>
-          </p:txBody>
-        </p:sp>
-      </p:grpSp>
-      <p:grpSp>
-        <p:nvGrpSpPr>
-          <p:cNvPr id="172" name="Grupo 171"/>
-          <p:cNvGrpSpPr/>
-          <p:nvPr/>
-        </p:nvGrpSpPr>
-        <p:grpSpPr>
-          <a:xfrm>
-            <a:off x="11306545" y="5021835"/>
-            <a:ext cx="616301" cy="590081"/>
-            <a:chOff x="2196257" y="5395872"/>
-            <a:chExt cx="616301" cy="590081"/>
-          </a:xfrm>
-        </p:grpSpPr>
-        <p:sp>
-          <p:nvSpPr>
-            <p:cNvPr id="173" name="Elipse 172"/>
-            <p:cNvSpPr/>
-            <p:nvPr/>
-          </p:nvSpPr>
-          <p:spPr>
-            <a:xfrm>
-              <a:off x="2196257" y="5395872"/>
-              <a:ext cx="615783" cy="590081"/>
-            </a:xfrm>
-            <a:prstGeom prst="ellipse">
-              <a:avLst/>
-            </a:prstGeom>
-            <a:solidFill>
-              <a:schemeClr val="tx1">
-                <a:lumMod val="85000"/>
-              </a:schemeClr>
-            </a:solidFill>
-          </p:spPr>
-          <p:style>
-            <a:lnRef idx="2">
-              <a:schemeClr val="accent1">
-                <a:shade val="50000"/>
-              </a:schemeClr>
-            </a:lnRef>
-            <a:fillRef idx="1">
-              <a:schemeClr val="accent1"/>
-            </a:fillRef>
-            <a:effectRef idx="0">
-              <a:schemeClr val="accent1"/>
-            </a:effectRef>
-            <a:fontRef idx="minor">
-              <a:schemeClr val="lt1"/>
-            </a:fontRef>
-          </p:style>
-          <p:txBody>
-            <a:bodyPr rtlCol="0" anchor="ctr"/>
-            <a:lstStyle/>
-            <a:p>
-              <a:pPr algn="ctr"/>
-              <a:endParaRPr lang="es-ES" dirty="0"/>
-            </a:p>
-          </p:txBody>
-        </p:sp>
-        <p:pic>
-          <p:nvPicPr>
-            <p:cNvPr id="174" name="Imagen 173"/>
-            <p:cNvPicPr>
-              <a:picLocks noChangeAspect="1"/>
-            </p:cNvPicPr>
-            <p:nvPr/>
-          </p:nvPicPr>
-          <p:blipFill>
-            <a:blip r:embed="rId11">
-              <a:extLst>
-                <a:ext uri="{28A0092B-C50C-407E-A947-70E740481C1C}">
-                  <a14:useLocalDpi xmlns:a14="http://schemas.microsoft.com/office/drawing/2010/main" val="0"/>
-                </a:ext>
-              </a:extLst>
-            </a:blip>
-            <a:stretch>
-              <a:fillRect/>
-            </a:stretch>
-          </p:blipFill>
-          <p:spPr>
-            <a:xfrm>
-              <a:off x="2278153" y="5426888"/>
-              <a:ext cx="534405" cy="534405"/>
-            </a:xfrm>
-            <a:prstGeom prst="rect">
-              <a:avLst/>
-            </a:prstGeom>
-          </p:spPr>
-        </p:pic>
+            </p:spPr>
+            <p:style>
+              <a:lnRef idx="2">
+                <a:schemeClr val="accent1">
+                  <a:shade val="50000"/>
+                </a:schemeClr>
+              </a:lnRef>
+              <a:fillRef idx="1">
+                <a:schemeClr val="accent1"/>
+              </a:fillRef>
+              <a:effectRef idx="0">
+                <a:schemeClr val="accent1"/>
+              </a:effectRef>
+              <a:fontRef idx="minor">
+                <a:schemeClr val="lt1"/>
+              </a:fontRef>
+            </p:style>
+            <p:txBody>
+              <a:bodyPr rtlCol="0" anchor="ctr"/>
+              <a:lstStyle/>
+              <a:p>
+                <a:pPr algn="ctr"/>
+                <a:endParaRPr lang="es-ES" dirty="0"/>
+              </a:p>
+            </p:txBody>
+          </p:sp>
+          <p:pic>
+            <p:nvPicPr>
+              <p:cNvPr id="174" name="Imagen 173"/>
+              <p:cNvPicPr>
+                <a:picLocks noChangeAspect="1"/>
+              </p:cNvPicPr>
+              <p:nvPr/>
+            </p:nvPicPr>
+            <p:blipFill>
+              <a:blip r:embed="rId11">
+                <a:extLst>
+                  <a:ext uri="{28A0092B-C50C-407E-A947-70E740481C1C}">
+                    <a14:useLocalDpi xmlns:a14="http://schemas.microsoft.com/office/drawing/2010/main" val="0"/>
+                  </a:ext>
+                </a:extLst>
+              </a:blip>
+              <a:stretch>
+                <a:fillRect/>
+              </a:stretch>
+            </p:blipFill>
+            <p:spPr>
+              <a:xfrm>
+                <a:off x="2278153" y="5426888"/>
+                <a:ext cx="534405" cy="534405"/>
+              </a:xfrm>
+              <a:prstGeom prst="rect">
+                <a:avLst/>
+              </a:prstGeom>
+            </p:spPr>
+          </p:pic>
+        </p:grpSp>
       </p:grpSp>
       <p:grpSp>
         <p:nvGrpSpPr>
@@ -20514,11 +19806,7 @@
             <a:pPr algn="ctr"/>
             <a:r>
               <a:rPr lang="es-AR" sz="2800" dirty="0" smtClean="0"/>
-              <a:t>Sitio </a:t>
-            </a:r>
-            <a:r>
-              <a:rPr lang="es-AR" sz="2800" dirty="0" smtClean="0"/>
-              <a:t>Web</a:t>
+              <a:t>Sitio Web</a:t>
             </a:r>
           </a:p>
           <a:p>
@@ -20546,7 +19834,7 @@
         </p:nvSpPr>
         <p:spPr>
           <a:xfrm>
-            <a:off x="4160671" y="5274408"/>
+            <a:off x="4275437" y="5410982"/>
             <a:ext cx="670291" cy="642314"/>
           </a:xfrm>
           <a:prstGeom prst="ellipse">
@@ -20591,7 +19879,7 @@
         </p:nvGrpSpPr>
         <p:grpSpPr>
           <a:xfrm>
-            <a:off x="4291853" y="5397571"/>
+            <a:off x="4413934" y="5521620"/>
             <a:ext cx="440371" cy="369569"/>
             <a:chOff x="7067550" y="3630372"/>
             <a:chExt cx="521309" cy="437494"/>
@@ -21002,100 +20290,6 @@
       </p:grpSp>
       <p:grpSp>
         <p:nvGrpSpPr>
-          <p:cNvPr id="191" name="Grupo 190"/>
-          <p:cNvGrpSpPr/>
-          <p:nvPr/>
-        </p:nvGrpSpPr>
-        <p:grpSpPr>
-          <a:xfrm>
-            <a:off x="4973377" y="2390432"/>
-            <a:ext cx="1933521" cy="883433"/>
-            <a:chOff x="2589645" y="2098383"/>
-            <a:chExt cx="1764552" cy="727581"/>
-          </a:xfrm>
-        </p:grpSpPr>
-        <p:sp>
-          <p:nvSpPr>
-            <p:cNvPr id="192" name="Rectángulo redondeado 191"/>
-            <p:cNvSpPr/>
-            <p:nvPr/>
-          </p:nvSpPr>
-          <p:spPr>
-            <a:xfrm>
-              <a:off x="2589645" y="2098383"/>
-              <a:ext cx="1764552" cy="727581"/>
-            </a:xfrm>
-            <a:prstGeom prst="roundRect">
-              <a:avLst/>
-            </a:prstGeom>
-            <a:ln w="38100">
-              <a:solidFill>
-                <a:schemeClr val="tx1">
-                  <a:lumMod val="75000"/>
-                </a:schemeClr>
-              </a:solidFill>
-            </a:ln>
-          </p:spPr>
-          <p:style>
-            <a:lnRef idx="1">
-              <a:schemeClr val="accent1"/>
-            </a:lnRef>
-            <a:fillRef idx="3">
-              <a:schemeClr val="accent1"/>
-            </a:fillRef>
-            <a:effectRef idx="2">
-              <a:schemeClr val="accent1"/>
-            </a:effectRef>
-            <a:fontRef idx="minor">
-              <a:schemeClr val="lt1"/>
-            </a:fontRef>
-          </p:style>
-          <p:txBody>
-            <a:bodyPr rtlCol="0" anchor="ctr"/>
-            <a:lstStyle/>
-            <a:p>
-              <a:pPr algn="ctr"/>
-              <a:endParaRPr lang="es-ES" dirty="0"/>
-            </a:p>
-          </p:txBody>
-        </p:sp>
-        <p:sp>
-          <p:nvSpPr>
-            <p:cNvPr id="193" name="CuadroTexto 192"/>
-            <p:cNvSpPr txBox="1"/>
-            <p:nvPr/>
-          </p:nvSpPr>
-          <p:spPr>
-            <a:xfrm>
-              <a:off x="2592516" y="2167729"/>
-              <a:ext cx="1552873" cy="581808"/>
-            </a:xfrm>
-            <a:prstGeom prst="rect">
-              <a:avLst/>
-            </a:prstGeom>
-            <a:noFill/>
-          </p:spPr>
-          <p:txBody>
-            <a:bodyPr wrap="square" rtlCol="0">
-              <a:spAutoFit/>
-            </a:bodyPr>
-            <a:lstStyle/>
-            <a:p>
-              <a:r>
-                <a:rPr lang="es-AR" sz="2000" dirty="0" smtClean="0"/>
-                <a:t>Administrar </a:t>
-              </a:r>
-              <a:r>
-                <a:rPr lang="es-AR" sz="2000" dirty="0" smtClean="0"/>
-                <a:t>Complejos</a:t>
-              </a:r>
-              <a:endParaRPr lang="es-ES" sz="2000" dirty="0"/>
-            </a:p>
-          </p:txBody>
-        </p:sp>
-      </p:grpSp>
-      <p:grpSp>
-        <p:nvGrpSpPr>
           <p:cNvPr id="194" name="Grupo 193"/>
           <p:cNvGrpSpPr/>
           <p:nvPr/>
@@ -21177,11 +20371,7 @@
             <a:p>
               <a:r>
                 <a:rPr lang="es-AR" sz="2000" dirty="0" smtClean="0"/>
-                <a:t>Administrar </a:t>
-              </a:r>
-              <a:r>
-                <a:rPr lang="es-AR" sz="2000" dirty="0" smtClean="0"/>
-                <a:t>Sanciones</a:t>
+                <a:t>Administrar Sanciones</a:t>
               </a:r>
               <a:endParaRPr lang="es-ES" sz="2000" dirty="0"/>
             </a:p>
@@ -21190,189 +20380,204 @@
       </p:grpSp>
       <p:grpSp>
         <p:nvGrpSpPr>
-          <p:cNvPr id="197" name="Grupo 196"/>
+          <p:cNvPr id="15" name="Grupo 14"/>
           <p:cNvGrpSpPr/>
           <p:nvPr/>
         </p:nvGrpSpPr>
         <p:grpSpPr>
           <a:xfrm>
-            <a:off x="4988907" y="3432039"/>
-            <a:ext cx="1865529" cy="809599"/>
-            <a:chOff x="672018" y="2186610"/>
-            <a:chExt cx="1909601" cy="665405"/>
+            <a:off x="4997976" y="2141264"/>
+            <a:ext cx="1963919" cy="1126002"/>
+            <a:chOff x="4988907" y="3216283"/>
+            <a:chExt cx="1963919" cy="1025355"/>
           </a:xfrm>
         </p:grpSpPr>
-        <p:sp>
-          <p:nvSpPr>
-            <p:cNvPr id="198" name="Rectángulo redondeado 197"/>
-            <p:cNvSpPr/>
+        <p:grpSp>
+          <p:nvGrpSpPr>
+            <p:cNvPr id="197" name="Grupo 196"/>
+            <p:cNvGrpSpPr/>
             <p:nvPr/>
-          </p:nvSpPr>
-          <p:spPr>
+          </p:nvGrpSpPr>
+          <p:grpSpPr>
             <a:xfrm>
-              <a:off x="672018" y="2186610"/>
-              <a:ext cx="1909601" cy="665405"/>
+              <a:off x="4988907" y="3432039"/>
+              <a:ext cx="1865529" cy="809599"/>
+              <a:chOff x="672018" y="2186610"/>
+              <a:chExt cx="1909601" cy="665405"/>
             </a:xfrm>
-            <a:prstGeom prst="roundRect">
-              <a:avLst/>
-            </a:prstGeom>
-            <a:ln w="38100">
+          </p:grpSpPr>
+          <p:sp>
+            <p:nvSpPr>
+              <p:cNvPr id="198" name="Rectángulo redondeado 197"/>
+              <p:cNvSpPr/>
+              <p:nvPr/>
+            </p:nvSpPr>
+            <p:spPr>
+              <a:xfrm>
+                <a:off x="672018" y="2186610"/>
+                <a:ext cx="1909601" cy="665405"/>
+              </a:xfrm>
+              <a:prstGeom prst="roundRect">
+                <a:avLst/>
+              </a:prstGeom>
+              <a:ln w="38100">
+                <a:solidFill>
+                  <a:schemeClr val="tx1">
+                    <a:lumMod val="75000"/>
+                  </a:schemeClr>
+                </a:solidFill>
+              </a:ln>
+            </p:spPr>
+            <p:style>
+              <a:lnRef idx="1">
+                <a:schemeClr val="accent1"/>
+              </a:lnRef>
+              <a:fillRef idx="3">
+                <a:schemeClr val="accent1"/>
+              </a:fillRef>
+              <a:effectRef idx="2">
+                <a:schemeClr val="accent1"/>
+              </a:effectRef>
+              <a:fontRef idx="minor">
+                <a:schemeClr val="lt1"/>
+              </a:fontRef>
+            </p:style>
+            <p:txBody>
+              <a:bodyPr rtlCol="0" anchor="ctr"/>
+              <a:lstStyle/>
+              <a:p>
+                <a:pPr algn="ctr"/>
+                <a:endParaRPr lang="es-ES" dirty="0"/>
+              </a:p>
+            </p:txBody>
+          </p:sp>
+          <p:sp>
+            <p:nvSpPr>
+              <p:cNvPr id="199" name="CuadroTexto 198"/>
+              <p:cNvSpPr txBox="1"/>
+              <p:nvPr/>
+            </p:nvSpPr>
+            <p:spPr>
+              <a:xfrm>
+                <a:off x="674762" y="2239118"/>
+                <a:ext cx="1624065" cy="529803"/>
+              </a:xfrm>
+              <a:prstGeom prst="rect">
+                <a:avLst/>
+              </a:prstGeom>
+              <a:noFill/>
+            </p:spPr>
+            <p:txBody>
+              <a:bodyPr wrap="square" rtlCol="0">
+                <a:spAutoFit/>
+              </a:bodyPr>
+              <a:lstStyle/>
+              <a:p>
+                <a:r>
+                  <a:rPr lang="es-AR" sz="2000" dirty="0" smtClean="0"/>
+                  <a:t>Estadísticas</a:t>
+                </a:r>
+              </a:p>
+              <a:p>
+                <a:r>
+                  <a:rPr lang="es-AR" sz="2000" dirty="0" smtClean="0"/>
+                  <a:t>Básicas</a:t>
+                </a:r>
+                <a:endParaRPr lang="es-ES" sz="2000" dirty="0"/>
+              </a:p>
+            </p:txBody>
+          </p:sp>
+        </p:grpSp>
+        <p:grpSp>
+          <p:nvGrpSpPr>
+            <p:cNvPr id="200" name="Grupo 199"/>
+            <p:cNvGrpSpPr/>
+            <p:nvPr/>
+          </p:nvGrpSpPr>
+          <p:grpSpPr>
+            <a:xfrm>
+              <a:off x="6458930" y="3216283"/>
+              <a:ext cx="493896" cy="472884"/>
+              <a:chOff x="2196257" y="5395872"/>
+              <a:chExt cx="616301" cy="590081"/>
+            </a:xfrm>
+          </p:grpSpPr>
+          <p:sp>
+            <p:nvSpPr>
+              <p:cNvPr id="201" name="Elipse 200"/>
+              <p:cNvSpPr/>
+              <p:nvPr/>
+            </p:nvSpPr>
+            <p:spPr>
+              <a:xfrm>
+                <a:off x="2196257" y="5395872"/>
+                <a:ext cx="615783" cy="590081"/>
+              </a:xfrm>
+              <a:prstGeom prst="ellipse">
+                <a:avLst/>
+              </a:prstGeom>
               <a:solidFill>
                 <a:schemeClr val="tx1">
-                  <a:lumMod val="75000"/>
+                  <a:lumMod val="85000"/>
                 </a:schemeClr>
               </a:solidFill>
-            </a:ln>
-          </p:spPr>
-          <p:style>
-            <a:lnRef idx="1">
-              <a:schemeClr val="accent1"/>
-            </a:lnRef>
-            <a:fillRef idx="3">
-              <a:schemeClr val="accent1"/>
-            </a:fillRef>
-            <a:effectRef idx="2">
-              <a:schemeClr val="accent1"/>
-            </a:effectRef>
-            <a:fontRef idx="minor">
-              <a:schemeClr val="lt1"/>
-            </a:fontRef>
-          </p:style>
-          <p:txBody>
-            <a:bodyPr rtlCol="0" anchor="ctr"/>
-            <a:lstStyle/>
-            <a:p>
-              <a:pPr algn="ctr"/>
-              <a:endParaRPr lang="es-ES" dirty="0"/>
-            </a:p>
-          </p:txBody>
-        </p:sp>
-        <p:sp>
-          <p:nvSpPr>
-            <p:cNvPr id="199" name="CuadroTexto 198"/>
-            <p:cNvSpPr txBox="1"/>
-            <p:nvPr/>
-          </p:nvSpPr>
-          <p:spPr>
-            <a:xfrm>
-              <a:off x="674762" y="2239118"/>
-              <a:ext cx="1624065" cy="581808"/>
-            </a:xfrm>
-            <a:prstGeom prst="rect">
-              <a:avLst/>
-            </a:prstGeom>
-            <a:noFill/>
-          </p:spPr>
-          <p:txBody>
-            <a:bodyPr wrap="square" rtlCol="0">
-              <a:spAutoFit/>
-            </a:bodyPr>
-            <a:lstStyle/>
-            <a:p>
-              <a:r>
-                <a:rPr lang="es-AR" sz="2000" dirty="0" smtClean="0"/>
-                <a:t>Estadísticas</a:t>
-              </a:r>
-            </a:p>
-            <a:p>
-              <a:r>
-                <a:rPr lang="es-AR" sz="2000" dirty="0" smtClean="0"/>
-                <a:t>Simples</a:t>
-              </a:r>
-              <a:endParaRPr lang="es-ES" sz="2000" dirty="0"/>
-            </a:p>
-          </p:txBody>
-        </p:sp>
-      </p:grpSp>
-      <p:grpSp>
-        <p:nvGrpSpPr>
-          <p:cNvPr id="200" name="Grupo 199"/>
-          <p:cNvGrpSpPr/>
-          <p:nvPr/>
-        </p:nvGrpSpPr>
-        <p:grpSpPr>
-          <a:xfrm>
-            <a:off x="6458930" y="3216283"/>
-            <a:ext cx="493896" cy="472884"/>
-            <a:chOff x="2196257" y="5395872"/>
-            <a:chExt cx="616301" cy="590081"/>
-          </a:xfrm>
-        </p:grpSpPr>
-        <p:sp>
-          <p:nvSpPr>
-            <p:cNvPr id="201" name="Elipse 200"/>
-            <p:cNvSpPr/>
-            <p:nvPr/>
-          </p:nvSpPr>
-          <p:spPr>
-            <a:xfrm>
-              <a:off x="2196257" y="5395872"/>
-              <a:ext cx="615783" cy="590081"/>
-            </a:xfrm>
-            <a:prstGeom prst="ellipse">
-              <a:avLst/>
-            </a:prstGeom>
-            <a:solidFill>
-              <a:schemeClr val="tx1">
-                <a:lumMod val="85000"/>
-              </a:schemeClr>
-            </a:solidFill>
-          </p:spPr>
-          <p:style>
-            <a:lnRef idx="2">
-              <a:schemeClr val="accent1">
-                <a:shade val="50000"/>
-              </a:schemeClr>
-            </a:lnRef>
-            <a:fillRef idx="1">
-              <a:schemeClr val="accent1"/>
-            </a:fillRef>
-            <a:effectRef idx="0">
-              <a:schemeClr val="accent1"/>
-            </a:effectRef>
-            <a:fontRef idx="minor">
-              <a:schemeClr val="lt1"/>
-            </a:fontRef>
-          </p:style>
-          <p:txBody>
-            <a:bodyPr rtlCol="0" anchor="ctr"/>
-            <a:lstStyle/>
-            <a:p>
-              <a:pPr algn="ctr"/>
-              <a:endParaRPr lang="es-ES" dirty="0"/>
-            </a:p>
-          </p:txBody>
-        </p:sp>
-        <p:pic>
-          <p:nvPicPr>
-            <p:cNvPr id="202" name="Imagen 201"/>
-            <p:cNvPicPr>
-              <a:picLocks noChangeAspect="1"/>
-            </p:cNvPicPr>
-            <p:nvPr/>
-          </p:nvPicPr>
-          <p:blipFill>
-            <a:blip r:embed="rId11">
-              <a:extLst>
-                <a:ext uri="{28A0092B-C50C-407E-A947-70E740481C1C}">
-                  <a14:useLocalDpi xmlns:a14="http://schemas.microsoft.com/office/drawing/2010/main" val="0"/>
-                </a:ext>
-              </a:extLst>
-            </a:blip>
-            <a:stretch>
-              <a:fillRect/>
-            </a:stretch>
-          </p:blipFill>
-          <p:spPr>
-            <a:xfrm>
-              <a:off x="2278153" y="5426888"/>
-              <a:ext cx="534405" cy="534405"/>
-            </a:xfrm>
-            <a:prstGeom prst="rect">
-              <a:avLst/>
-            </a:prstGeom>
-          </p:spPr>
-        </p:pic>
+            </p:spPr>
+            <p:style>
+              <a:lnRef idx="2">
+                <a:schemeClr val="accent1">
+                  <a:shade val="50000"/>
+                </a:schemeClr>
+              </a:lnRef>
+              <a:fillRef idx="1">
+                <a:schemeClr val="accent1"/>
+              </a:fillRef>
+              <a:effectRef idx="0">
+                <a:schemeClr val="accent1"/>
+              </a:effectRef>
+              <a:fontRef idx="minor">
+                <a:schemeClr val="lt1"/>
+              </a:fontRef>
+            </p:style>
+            <p:txBody>
+              <a:bodyPr rtlCol="0" anchor="ctr"/>
+              <a:lstStyle/>
+              <a:p>
+                <a:pPr algn="ctr"/>
+                <a:endParaRPr lang="es-ES" dirty="0"/>
+              </a:p>
+            </p:txBody>
+          </p:sp>
+          <p:pic>
+            <p:nvPicPr>
+              <p:cNvPr id="202" name="Imagen 201"/>
+              <p:cNvPicPr>
+                <a:picLocks noChangeAspect="1"/>
+              </p:cNvPicPr>
+              <p:nvPr/>
+            </p:nvPicPr>
+            <p:blipFill>
+              <a:blip r:embed="rId11">
+                <a:extLst>
+                  <a:ext uri="{28A0092B-C50C-407E-A947-70E740481C1C}">
+                    <a14:useLocalDpi xmlns:a14="http://schemas.microsoft.com/office/drawing/2010/main" val="0"/>
+                  </a:ext>
+                </a:extLst>
+              </a:blip>
+              <a:stretch>
+                <a:fillRect/>
+              </a:stretch>
+            </p:blipFill>
+            <p:spPr>
+              <a:xfrm>
+                <a:off x="2278153" y="5426888"/>
+                <a:ext cx="534405" cy="534405"/>
+              </a:xfrm>
+              <a:prstGeom prst="rect">
+                <a:avLst/>
+              </a:prstGeom>
+            </p:spPr>
+          </p:pic>
+        </p:grpSp>
       </p:grpSp>
       <p:grpSp>
         <p:nvGrpSpPr>
@@ -21464,81 +20669,201 @@
           </p:spPr>
         </p:pic>
       </p:grpSp>
-      <p:sp>
-        <p:nvSpPr>
-          <p:cNvPr id="207" name="Elipse 206"/>
-          <p:cNvSpPr/>
+      <p:grpSp>
+        <p:nvGrpSpPr>
+          <p:cNvPr id="13" name="Grupo 12"/>
+          <p:cNvGrpSpPr/>
           <p:nvPr/>
-        </p:nvSpPr>
-        <p:spPr>
+        </p:nvGrpSpPr>
+        <p:grpSpPr>
           <a:xfrm>
-            <a:off x="6422603" y="2219209"/>
-            <a:ext cx="615783" cy="590081"/>
+            <a:off x="2675302" y="3276401"/>
+            <a:ext cx="2239799" cy="1054656"/>
+            <a:chOff x="2675302" y="3276401"/>
+            <a:chExt cx="2239799" cy="1054656"/>
           </a:xfrm>
-          <a:prstGeom prst="ellipse">
-            <a:avLst/>
-          </a:prstGeom>
-          <a:solidFill>
-            <a:schemeClr val="tx1">
-              <a:lumMod val="85000"/>
-            </a:schemeClr>
-          </a:solidFill>
-        </p:spPr>
-        <p:style>
-          <a:lnRef idx="2">
-            <a:schemeClr val="accent1">
-              <a:shade val="50000"/>
-            </a:schemeClr>
-          </a:lnRef>
-          <a:fillRef idx="1">
-            <a:schemeClr val="accent1"/>
-          </a:fillRef>
-          <a:effectRef idx="0">
-            <a:schemeClr val="accent1"/>
-          </a:effectRef>
-          <a:fontRef idx="minor">
-            <a:schemeClr val="lt1"/>
-          </a:fontRef>
-        </p:style>
-        <p:txBody>
-          <a:bodyPr rtlCol="0" anchor="ctr"/>
-          <a:lstStyle/>
-          <a:p>
-            <a:pPr algn="ctr"/>
-            <a:endParaRPr lang="es-ES" dirty="0"/>
-          </a:p>
-        </p:txBody>
-      </p:sp>
-      <p:pic>
-        <p:nvPicPr>
-          <p:cNvPr id="8" name="Imagen 7"/>
-          <p:cNvPicPr>
-            <a:picLocks noChangeAspect="1"/>
-          </p:cNvPicPr>
-          <p:nvPr/>
-        </p:nvPicPr>
-        <p:blipFill>
-          <a:blip r:embed="rId10">
-            <a:extLst>
-              <a:ext uri="{28A0092B-C50C-407E-A947-70E740481C1C}">
-                <a14:useLocalDpi xmlns:a14="http://schemas.microsoft.com/office/drawing/2010/main" val="0"/>
-              </a:ext>
-            </a:extLst>
-          </a:blip>
-          <a:stretch>
-            <a:fillRect/>
-          </a:stretch>
-        </p:blipFill>
-        <p:spPr>
-          <a:xfrm>
-            <a:off x="6491379" y="2247874"/>
-            <a:ext cx="495789" cy="495789"/>
-          </a:xfrm>
-          <a:prstGeom prst="rect">
-            <a:avLst/>
-          </a:prstGeom>
-        </p:spPr>
-      </p:pic>
+        </p:grpSpPr>
+        <p:grpSp>
+          <p:nvGrpSpPr>
+            <p:cNvPr id="12" name="Grupo 11"/>
+            <p:cNvGrpSpPr/>
+            <p:nvPr/>
+          </p:nvGrpSpPr>
+          <p:grpSpPr>
+            <a:xfrm>
+              <a:off x="2675302" y="3276401"/>
+              <a:ext cx="2239799" cy="1054656"/>
+              <a:chOff x="4973377" y="2219209"/>
+              <a:chExt cx="2065009" cy="1054656"/>
+            </a:xfrm>
+          </p:grpSpPr>
+          <p:grpSp>
+            <p:nvGrpSpPr>
+              <p:cNvPr id="191" name="Grupo 190"/>
+              <p:cNvGrpSpPr/>
+              <p:nvPr/>
+            </p:nvGrpSpPr>
+            <p:grpSpPr>
+              <a:xfrm>
+                <a:off x="4973377" y="2390432"/>
+                <a:ext cx="1933521" cy="883433"/>
+                <a:chOff x="2589645" y="2098383"/>
+                <a:chExt cx="1764552" cy="727581"/>
+              </a:xfrm>
+            </p:grpSpPr>
+            <p:sp>
+              <p:nvSpPr>
+                <p:cNvPr id="192" name="Rectángulo redondeado 191"/>
+                <p:cNvSpPr/>
+                <p:nvPr/>
+              </p:nvSpPr>
+              <p:spPr>
+                <a:xfrm>
+                  <a:off x="2589645" y="2098383"/>
+                  <a:ext cx="1764552" cy="727581"/>
+                </a:xfrm>
+                <a:prstGeom prst="roundRect">
+                  <a:avLst/>
+                </a:prstGeom>
+                <a:ln w="38100">
+                  <a:solidFill>
+                    <a:schemeClr val="tx1">
+                      <a:lumMod val="75000"/>
+                    </a:schemeClr>
+                  </a:solidFill>
+                </a:ln>
+              </p:spPr>
+              <p:style>
+                <a:lnRef idx="1">
+                  <a:schemeClr val="accent1"/>
+                </a:lnRef>
+                <a:fillRef idx="3">
+                  <a:schemeClr val="accent1"/>
+                </a:fillRef>
+                <a:effectRef idx="2">
+                  <a:schemeClr val="accent1"/>
+                </a:effectRef>
+                <a:fontRef idx="minor">
+                  <a:schemeClr val="lt1"/>
+                </a:fontRef>
+              </p:style>
+              <p:txBody>
+                <a:bodyPr rtlCol="0" anchor="ctr"/>
+                <a:lstStyle/>
+                <a:p>
+                  <a:pPr algn="ctr"/>
+                  <a:endParaRPr lang="es-ES" dirty="0"/>
+                </a:p>
+              </p:txBody>
+            </p:sp>
+            <p:sp>
+              <p:nvSpPr>
+                <p:cNvPr id="193" name="CuadroTexto 192"/>
+                <p:cNvSpPr txBox="1"/>
+                <p:nvPr/>
+              </p:nvSpPr>
+              <p:spPr>
+                <a:xfrm>
+                  <a:off x="2664282" y="2167842"/>
+                  <a:ext cx="1552873" cy="581808"/>
+                </a:xfrm>
+                <a:prstGeom prst="rect">
+                  <a:avLst/>
+                </a:prstGeom>
+                <a:noFill/>
+              </p:spPr>
+              <p:txBody>
+                <a:bodyPr wrap="square" rtlCol="0">
+                  <a:spAutoFit/>
+                </a:bodyPr>
+                <a:lstStyle/>
+                <a:p>
+                  <a:r>
+                    <a:rPr lang="es-AR" sz="2000" dirty="0" smtClean="0"/>
+                    <a:t>Administrar Complejos</a:t>
+                  </a:r>
+                  <a:endParaRPr lang="es-ES" sz="2000" dirty="0"/>
+                </a:p>
+              </p:txBody>
+            </p:sp>
+          </p:grpSp>
+          <p:sp>
+            <p:nvSpPr>
+              <p:cNvPr id="207" name="Elipse 206"/>
+              <p:cNvSpPr/>
+              <p:nvPr/>
+            </p:nvSpPr>
+            <p:spPr>
+              <a:xfrm>
+                <a:off x="6422603" y="2219209"/>
+                <a:ext cx="615783" cy="590081"/>
+              </a:xfrm>
+              <a:prstGeom prst="ellipse">
+                <a:avLst/>
+              </a:prstGeom>
+              <a:solidFill>
+                <a:schemeClr val="tx1">
+                  <a:lumMod val="85000"/>
+                </a:schemeClr>
+              </a:solidFill>
+            </p:spPr>
+            <p:style>
+              <a:lnRef idx="2">
+                <a:schemeClr val="accent1">
+                  <a:shade val="50000"/>
+                </a:schemeClr>
+              </a:lnRef>
+              <a:fillRef idx="1">
+                <a:schemeClr val="accent1"/>
+              </a:fillRef>
+              <a:effectRef idx="0">
+                <a:schemeClr val="accent1"/>
+              </a:effectRef>
+              <a:fontRef idx="minor">
+                <a:schemeClr val="lt1"/>
+              </a:fontRef>
+            </p:style>
+            <p:txBody>
+              <a:bodyPr rtlCol="0" anchor="ctr"/>
+              <a:lstStyle/>
+              <a:p>
+                <a:pPr algn="ctr"/>
+                <a:endParaRPr lang="es-ES" dirty="0"/>
+              </a:p>
+            </p:txBody>
+          </p:sp>
+        </p:grpSp>
+        <p:pic>
+          <p:nvPicPr>
+            <p:cNvPr id="8" name="Imagen 7"/>
+            <p:cNvPicPr>
+              <a:picLocks noChangeAspect="1"/>
+            </p:cNvPicPr>
+            <p:nvPr/>
+          </p:nvPicPr>
+          <p:blipFill>
+            <a:blip r:embed="rId10">
+              <a:extLst>
+                <a:ext uri="{28A0092B-C50C-407E-A947-70E740481C1C}">
+                  <a14:useLocalDpi xmlns:a14="http://schemas.microsoft.com/office/drawing/2010/main" val="0"/>
+                </a:ext>
+              </a:extLst>
+            </a:blip>
+            <a:stretch>
+              <a:fillRect/>
+            </a:stretch>
+          </p:blipFill>
+          <p:spPr>
+            <a:xfrm>
+              <a:off x="4330243" y="3321388"/>
+              <a:ext cx="495789" cy="495789"/>
+            </a:xfrm>
+            <a:prstGeom prst="rect">
+              <a:avLst/>
+            </a:prstGeom>
+          </p:spPr>
+        </p:pic>
+      </p:grpSp>
     </p:spTree>
     <p:extLst>
       <p:ext uri="{BB962C8B-B14F-4D97-AF65-F5344CB8AC3E}">
@@ -21549,13 +20874,13 @@
   <p:clrMapOvr>
     <a:masterClrMapping/>
   </p:clrMapOvr>
-  <mc:AlternateContent xmlns:mc="http://schemas.openxmlformats.org/markup-compatibility/2006">
-    <mc:Choice xmlns:p14="http://schemas.microsoft.com/office/powerpoint/2010/main" Requires="p14">
+  <mc:AlternateContent xmlns:mc="http://schemas.openxmlformats.org/markup-compatibility/2006" xmlns:p14="http://schemas.microsoft.com/office/powerpoint/2010/main">
+    <mc:Choice Requires="p14">
       <p:transition spd="slow" p14:dur="800">
         <p14:flythrough/>
       </p:transition>
     </mc:Choice>
-    <mc:Fallback>
+    <mc:Fallback xmlns="">
       <p:transition spd="slow">
         <p:fade/>
       </p:transition>
@@ -21655,8 +20980,8 @@
         </p:nvSpPr>
         <p:spPr>
           <a:xfrm>
-            <a:off x="1695449" y="192581"/>
-            <a:ext cx="7600952" cy="783264"/>
+            <a:off x="1405163" y="161673"/>
+            <a:ext cx="8748714" cy="783264"/>
           </a:xfrm>
         </p:spPr>
         <p:txBody>
@@ -21665,7 +20990,11 @@
           <a:p>
             <a:r>
               <a:rPr lang="es-AR" sz="3600" dirty="0" smtClean="0"/>
-              <a:t>Funcionalidad Destacada</a:t>
+              <a:t>Funcionalidad Destacada del </a:t>
+            </a:r>
+            <a:r>
+              <a:rPr lang="es-AR" sz="3600" dirty="0" err="1" smtClean="0"/>
+              <a:t>Release</a:t>
             </a:r>
             <a:endParaRPr lang="es-AR" sz="3600" dirty="0"/>
           </a:p>
@@ -21710,7 +21039,7 @@
         </p:nvSpPr>
         <p:spPr>
           <a:xfrm>
-            <a:off x="1192794" y="1689483"/>
+            <a:off x="1192795" y="1448114"/>
             <a:ext cx="2561861" cy="845428"/>
           </a:xfrm>
           <a:prstGeom prst="roundRect">
@@ -21748,21 +21077,35 @@
           <a:p>
             <a:pPr algn="ctr"/>
             <a:r>
-              <a:rPr lang="es-ES" dirty="0" smtClean="0">
+              <a:rPr lang="es-ES" sz="2000" b="1" dirty="0" smtClean="0">
                 <a:solidFill>
                   <a:schemeClr val="accent1">
                     <a:lumMod val="50000"/>
                   </a:schemeClr>
                 </a:solidFill>
+                <a:effectLst>
+                  <a:outerShdw blurRad="38100" dist="38100" dir="2700000" algn="tl">
+                    <a:srgbClr val="000000">
+                      <a:alpha val="43137"/>
+                    </a:srgbClr>
+                  </a:outerShdw>
+                </a:effectLst>
               </a:rPr>
-              <a:t>Administrar Edición</a:t>
+              <a:t>Administración de Edición</a:t>
             </a:r>
-            <a:endParaRPr lang="es-ES" dirty="0">
+            <a:endParaRPr lang="es-ES" sz="2000" b="1" dirty="0">
               <a:solidFill>
                 <a:schemeClr val="accent1">
                   <a:lumMod val="50000"/>
                 </a:schemeClr>
               </a:solidFill>
+              <a:effectLst>
+                <a:outerShdw blurRad="38100" dist="38100" dir="2700000" algn="tl">
+                  <a:srgbClr val="000000">
+                    <a:alpha val="43137"/>
+                  </a:srgbClr>
+                </a:outerShdw>
+              </a:effectLst>
             </a:endParaRPr>
           </a:p>
         </p:txBody>
@@ -21775,7 +21118,7 @@
         </p:nvSpPr>
         <p:spPr>
           <a:xfrm>
-            <a:off x="1192796" y="3509868"/>
+            <a:off x="1192795" y="2863799"/>
             <a:ext cx="2561861" cy="845428"/>
           </a:xfrm>
           <a:prstGeom prst="roundRect">
@@ -21813,21 +21156,35 @@
           <a:p>
             <a:pPr algn="ctr"/>
             <a:r>
-              <a:rPr lang="es-ES" dirty="0" smtClean="0">
+              <a:rPr lang="es-ES" sz="2000" b="1" dirty="0" smtClean="0">
                 <a:solidFill>
                   <a:schemeClr val="accent1">
                     <a:lumMod val="50000"/>
                   </a:schemeClr>
                 </a:solidFill>
+                <a:effectLst>
+                  <a:outerShdw blurRad="38100" dist="38100" dir="2700000" algn="tl">
+                    <a:srgbClr val="000000">
+                      <a:alpha val="43137"/>
+                    </a:srgbClr>
+                  </a:outerShdw>
+                </a:effectLst>
               </a:rPr>
-              <a:t>Administrar Partidos</a:t>
+              <a:t>Administración de Partidos</a:t>
             </a:r>
-            <a:endParaRPr lang="es-ES" dirty="0">
+            <a:endParaRPr lang="es-ES" sz="2000" b="1" dirty="0">
               <a:solidFill>
                 <a:schemeClr val="accent1">
                   <a:lumMod val="50000"/>
                 </a:schemeClr>
               </a:solidFill>
+              <a:effectLst>
+                <a:outerShdw blurRad="38100" dist="38100" dir="2700000" algn="tl">
+                  <a:srgbClr val="000000">
+                    <a:alpha val="43137"/>
+                  </a:srgbClr>
+                </a:outerShdw>
+              </a:effectLst>
             </a:endParaRPr>
           </a:p>
         </p:txBody>
@@ -21840,7 +21197,7 @@
         </p:nvSpPr>
         <p:spPr>
           <a:xfrm>
-            <a:off x="1192795" y="5348325"/>
+            <a:off x="1192795" y="4306696"/>
             <a:ext cx="2561861" cy="845428"/>
           </a:xfrm>
           <a:prstGeom prst="roundRect">
@@ -21878,21 +21235,35 @@
           <a:p>
             <a:pPr algn="ctr"/>
             <a:r>
-              <a:rPr lang="es-ES" dirty="0" smtClean="0">
+              <a:rPr lang="es-ES" sz="2000" b="1" dirty="0" smtClean="0">
                 <a:solidFill>
                   <a:schemeClr val="accent1">
                     <a:lumMod val="50000"/>
                   </a:schemeClr>
                 </a:solidFill>
+                <a:effectLst>
+                  <a:outerShdw blurRad="38100" dist="38100" dir="2700000" algn="tl">
+                    <a:srgbClr val="000000">
+                      <a:alpha val="43137"/>
+                    </a:srgbClr>
+                  </a:outerShdw>
+                </a:effectLst>
               </a:rPr>
-              <a:t>Estadísticas Simples</a:t>
+              <a:t>Estadísticas Básicas</a:t>
             </a:r>
-            <a:endParaRPr lang="es-ES" dirty="0">
+            <a:endParaRPr lang="es-ES" sz="2000" b="1" dirty="0">
               <a:solidFill>
                 <a:schemeClr val="accent1">
                   <a:lumMod val="50000"/>
                 </a:schemeClr>
               </a:solidFill>
+              <a:effectLst>
+                <a:outerShdw blurRad="38100" dist="38100" dir="2700000" algn="tl">
+                  <a:srgbClr val="000000">
+                    <a:alpha val="43137"/>
+                  </a:srgbClr>
+                </a:outerShdw>
+              </a:effectLst>
             </a:endParaRPr>
           </a:p>
         </p:txBody>
@@ -21905,7 +21276,7 @@
         </p:nvSpPr>
         <p:spPr>
           <a:xfrm>
-            <a:off x="4457699" y="1662370"/>
+            <a:off x="4457699" y="1462545"/>
             <a:ext cx="7200901" cy="830997"/>
           </a:xfrm>
           <a:prstGeom prst="rect">
@@ -21927,7 +21298,7 @@
                   </a:schemeClr>
                 </a:solidFill>
               </a:rPr>
-              <a:t>Configurar Preferencias de Edición</a:t>
+              <a:t>Configuración de Preferencias</a:t>
             </a:r>
           </a:p>
           <a:p>
@@ -21939,17 +21310,7 @@
                   </a:schemeClr>
                 </a:solidFill>
               </a:rPr>
-              <a:t>Definir Estructura de la edición, y armar </a:t>
-            </a:r>
-            <a:r>
-              <a:rPr lang="es-ES" sz="2400" dirty="0" err="1" smtClean="0">
-                <a:solidFill>
-                  <a:schemeClr val="tx1">
-                    <a:lumMod val="85000"/>
-                  </a:schemeClr>
-                </a:solidFill>
-              </a:rPr>
-              <a:t>Fixture</a:t>
+              <a:t>Definición de Estructura, y Armado de Fixture.</a:t>
             </a:r>
             <a:endParaRPr lang="es-ES" sz="2400" dirty="0">
               <a:solidFill>
@@ -21969,8 +21330,8 @@
         </p:nvSpPr>
         <p:spPr>
           <a:xfrm>
-            <a:off x="4457699" y="3475699"/>
-            <a:ext cx="7067551" cy="830997"/>
+            <a:off x="4122057" y="3007937"/>
+            <a:ext cx="8229600" cy="830997"/>
           </a:xfrm>
           <a:prstGeom prst="rect">
             <a:avLst/>
@@ -21991,7 +21352,29 @@
                   </a:schemeClr>
                 </a:solidFill>
               </a:rPr>
-              <a:t>Definir </a:t>
+              <a:t>Definir resultado, fecha, hora, cancha, árbitro.</a:t>
+            </a:r>
+          </a:p>
+          <a:p>
+            <a:r>
+              <a:rPr lang="es-ES" sz="2400" dirty="0" smtClean="0">
+                <a:solidFill>
+                  <a:schemeClr val="tx1">
+                    <a:lumMod val="85000"/>
+                  </a:schemeClr>
+                </a:solidFill>
+              </a:rPr>
+              <a:t>Registrar Goles, Penales, Tarjetas, Cambios</a:t>
+            </a:r>
+            <a:r>
+              <a:rPr lang="es-ES" sz="2400" dirty="0">
+                <a:solidFill>
+                  <a:schemeClr val="tx1">
+                    <a:lumMod val="85000"/>
+                  </a:schemeClr>
+                </a:solidFill>
+              </a:rPr>
+              <a:t> </a:t>
             </a:r>
             <a:r>
               <a:rPr lang="es-ES" sz="2400" dirty="0" smtClean="0">
@@ -22001,39 +21384,7 @@
                   </a:schemeClr>
                 </a:solidFill>
               </a:rPr>
-              <a:t>resultado, fecha</a:t>
-            </a:r>
-            <a:r>
-              <a:rPr lang="es-ES" sz="2400" dirty="0" smtClean="0">
-                <a:solidFill>
-                  <a:schemeClr val="tx1">
-                    <a:lumMod val="85000"/>
-                  </a:schemeClr>
-                </a:solidFill>
-              </a:rPr>
-              <a:t>, hora, cancha, árbitro.</a:t>
-            </a:r>
-          </a:p>
-          <a:p>
-            <a:r>
-              <a:rPr lang="es-ES" sz="2400" dirty="0" smtClean="0">
-                <a:solidFill>
-                  <a:schemeClr val="tx1">
-                    <a:lumMod val="85000"/>
-                  </a:schemeClr>
-                </a:solidFill>
-              </a:rPr>
-              <a:t>Registrar </a:t>
-            </a:r>
-            <a:r>
-              <a:rPr lang="es-ES" sz="2400" dirty="0" smtClean="0">
-                <a:solidFill>
-                  <a:schemeClr val="tx1">
-                    <a:lumMod val="85000"/>
-                  </a:schemeClr>
-                </a:solidFill>
-              </a:rPr>
-              <a:t>Goles, Penales, Tarjetas y Cambios</a:t>
+              <a:t>y Titulares</a:t>
             </a:r>
             <a:endParaRPr lang="es-ES" sz="2000" dirty="0">
               <a:solidFill>
@@ -22053,7 +21404,7 @@
         </p:nvSpPr>
         <p:spPr>
           <a:xfrm>
-            <a:off x="4457699" y="5348325"/>
+            <a:off x="4498697" y="4402773"/>
             <a:ext cx="6811368" cy="830997"/>
           </a:xfrm>
           <a:prstGeom prst="rect">
@@ -22075,7 +21426,29 @@
                   </a:schemeClr>
                 </a:solidFill>
               </a:rPr>
-              <a:t>Tabla de </a:t>
+              <a:t>Tabla de Posiciones, Tabla de Goleadores</a:t>
+            </a:r>
+          </a:p>
+          <a:p>
+            <a:r>
+              <a:rPr lang="es-ES" sz="2400" dirty="0" smtClean="0">
+                <a:solidFill>
+                  <a:schemeClr val="tx1">
+                    <a:lumMod val="85000"/>
+                  </a:schemeClr>
+                </a:solidFill>
+              </a:rPr>
+              <a:t>Indicadores de </a:t>
+            </a:r>
+            <a:r>
+              <a:rPr lang="es-ES" sz="2400" dirty="0">
+                <a:solidFill>
+                  <a:schemeClr val="tx1">
+                    <a:lumMod val="85000"/>
+                  </a:schemeClr>
+                </a:solidFill>
+              </a:rPr>
+              <a:t>A</a:t>
             </a:r>
             <a:r>
               <a:rPr lang="es-ES" sz="2400" dirty="0" smtClean="0">
@@ -22085,7 +21458,17 @@
                   </a:schemeClr>
                 </a:solidFill>
               </a:rPr>
-              <a:t>Posiciones, Tabla </a:t>
+              <a:t>vance </a:t>
+            </a:r>
+            <a:r>
+              <a:rPr lang="es-ES" sz="2400" dirty="0">
+                <a:solidFill>
+                  <a:schemeClr val="tx1">
+                    <a:lumMod val="85000"/>
+                  </a:schemeClr>
+                </a:solidFill>
+              </a:rPr>
+              <a:t>de Edición y </a:t>
             </a:r>
             <a:r>
               <a:rPr lang="es-ES" sz="2400" dirty="0" smtClean="0">
@@ -22095,49 +21478,7 @@
                   </a:schemeClr>
                 </a:solidFill>
               </a:rPr>
-              <a:t>de Goleadores</a:t>
-            </a:r>
-          </a:p>
-          <a:p>
-            <a:r>
-              <a:rPr lang="es-ES" sz="2400" dirty="0" smtClean="0">
-                <a:solidFill>
-                  <a:schemeClr val="tx1">
-                    <a:lumMod val="85000"/>
-                  </a:schemeClr>
-                </a:solidFill>
-              </a:rPr>
-              <a:t>Indicadores </a:t>
-            </a:r>
-            <a:r>
-              <a:rPr lang="es-ES" sz="2400" dirty="0" smtClean="0">
-                <a:solidFill>
-                  <a:schemeClr val="tx1">
-                    <a:lumMod val="85000"/>
-                  </a:schemeClr>
-                </a:solidFill>
-              </a:rPr>
-              <a:t>de </a:t>
-            </a:r>
-            <a:r>
-              <a:rPr lang="es-ES" sz="2400" dirty="0">
-                <a:solidFill>
-                  <a:schemeClr val="tx1">
-                    <a:lumMod val="85000"/>
-                  </a:schemeClr>
-                </a:solidFill>
-              </a:rPr>
-              <a:t>avance de Edición y </a:t>
-            </a:r>
-            <a:r>
-              <a:rPr lang="es-ES" sz="2400" dirty="0" smtClean="0">
-                <a:solidFill>
-                  <a:schemeClr val="tx1">
-                    <a:lumMod val="85000"/>
-                  </a:schemeClr>
-                </a:solidFill>
-              </a:rPr>
-              <a:t>Fecha </a:t>
+              <a:t>Fecha. </a:t>
             </a:r>
             <a:endParaRPr lang="es-ES" sz="2400" dirty="0">
               <a:solidFill>
@@ -22157,7 +21498,7 @@
         </p:nvSpPr>
         <p:spPr>
           <a:xfrm>
-            <a:off x="7020309" y="1448114"/>
+            <a:off x="7020309" y="1248289"/>
             <a:ext cx="481222" cy="1107996"/>
           </a:xfrm>
           <a:prstGeom prst="rect">
@@ -22213,7 +21554,7 @@
         </p:nvSpPr>
         <p:spPr>
           <a:xfrm>
-            <a:off x="7423159" y="1448114"/>
+            <a:off x="7423159" y="1248289"/>
             <a:ext cx="481222" cy="1107996"/>
           </a:xfrm>
           <a:prstGeom prst="rect">
@@ -22244,20 +21585,6 @@
               </a:rPr>
               <a:t>]</a:t>
             </a:r>
-            <a:endParaRPr lang="en-US" sz="6600" dirty="0">
-              <a:solidFill>
-                <a:schemeClr val="tx1">
-                  <a:lumMod val="95000"/>
-                </a:schemeClr>
-              </a:solidFill>
-              <a:effectLst>
-                <a:outerShdw blurRad="38100" dist="38100" dir="2700000" algn="tl">
-                  <a:srgbClr val="000000">
-                    <a:alpha val="43137"/>
-                  </a:srgbClr>
-                </a:outerShdw>
-              </a:effectLst>
-            </a:endParaRPr>
           </a:p>
         </p:txBody>
       </p:sp>
@@ -22269,7 +21596,7 @@
         </p:nvSpPr>
         <p:spPr>
           <a:xfrm>
-            <a:off x="7098681" y="3286513"/>
+            <a:off x="7139679" y="2817762"/>
             <a:ext cx="481222" cy="1107996"/>
           </a:xfrm>
           <a:prstGeom prst="rect">
@@ -22325,7 +21652,7 @@
         </p:nvSpPr>
         <p:spPr>
           <a:xfrm>
-            <a:off x="7501531" y="3286513"/>
+            <a:off x="7576927" y="2817762"/>
             <a:ext cx="481222" cy="1107996"/>
           </a:xfrm>
           <a:prstGeom prst="rect">
@@ -22356,20 +21683,6 @@
               </a:rPr>
               <a:t>]</a:t>
             </a:r>
-            <a:endParaRPr lang="en-US" sz="6600" dirty="0">
-              <a:solidFill>
-                <a:schemeClr val="tx1">
-                  <a:lumMod val="95000"/>
-                </a:schemeClr>
-              </a:solidFill>
-              <a:effectLst>
-                <a:outerShdw blurRad="38100" dist="38100" dir="2700000" algn="tl">
-                  <a:srgbClr val="000000">
-                    <a:alpha val="43137"/>
-                  </a:srgbClr>
-                </a:outerShdw>
-              </a:effectLst>
-            </a:endParaRPr>
           </a:p>
         </p:txBody>
       </p:sp>
@@ -22381,7 +21694,7 @@
         </p:nvSpPr>
         <p:spPr>
           <a:xfrm>
-            <a:off x="7098681" y="5131561"/>
+            <a:off x="7139679" y="4186009"/>
             <a:ext cx="481222" cy="1107996"/>
           </a:xfrm>
           <a:prstGeom prst="rect">
@@ -22437,7 +21750,7 @@
         </p:nvSpPr>
         <p:spPr>
           <a:xfrm>
-            <a:off x="7501531" y="5131561"/>
+            <a:off x="7542529" y="4186009"/>
             <a:ext cx="481222" cy="1107996"/>
           </a:xfrm>
           <a:prstGeom prst="rect">
@@ -22468,6 +21781,189 @@
               </a:rPr>
               <a:t>]</a:t>
             </a:r>
+          </a:p>
+        </p:txBody>
+      </p:sp>
+      <p:sp>
+        <p:nvSpPr>
+          <p:cNvPr id="17" name="Rectángulo redondeado 16"/>
+          <p:cNvSpPr/>
+          <p:nvPr/>
+        </p:nvSpPr>
+        <p:spPr>
+          <a:xfrm>
+            <a:off x="1192795" y="5624182"/>
+            <a:ext cx="2561861" cy="845428"/>
+          </a:xfrm>
+          <a:prstGeom prst="roundRect">
+            <a:avLst/>
+          </a:prstGeom>
+          <a:solidFill>
+            <a:schemeClr val="accent1">
+              <a:lumMod val="20000"/>
+              <a:lumOff val="80000"/>
+            </a:schemeClr>
+          </a:solidFill>
+          <a:ln w="38100">
+            <a:solidFill>
+              <a:srgbClr val="92D050"/>
+            </a:solidFill>
+          </a:ln>
+        </p:spPr>
+        <p:style>
+          <a:lnRef idx="1">
+            <a:schemeClr val="accent1"/>
+          </a:lnRef>
+          <a:fillRef idx="3">
+            <a:schemeClr val="accent1"/>
+          </a:fillRef>
+          <a:effectRef idx="2">
+            <a:schemeClr val="accent1"/>
+          </a:effectRef>
+          <a:fontRef idx="minor">
+            <a:schemeClr val="lt1"/>
+          </a:fontRef>
+        </p:style>
+        <p:txBody>
+          <a:bodyPr rtlCol="0" anchor="ctr"/>
+          <a:lstStyle/>
+          <a:p>
+            <a:pPr algn="ctr"/>
+            <a:r>
+              <a:rPr lang="es-ES" sz="2000" b="1" dirty="0" smtClean="0">
+                <a:solidFill>
+                  <a:schemeClr val="accent1">
+                    <a:lumMod val="50000"/>
+                  </a:schemeClr>
+                </a:solidFill>
+                <a:effectLst>
+                  <a:outerShdw blurRad="38100" dist="38100" dir="2700000" algn="tl">
+                    <a:srgbClr val="000000">
+                      <a:alpha val="43137"/>
+                    </a:srgbClr>
+                  </a:outerShdw>
+                </a:effectLst>
+              </a:rPr>
+              <a:t>Seguridad</a:t>
+            </a:r>
+            <a:endParaRPr lang="es-ES" sz="2000" b="1" dirty="0">
+              <a:solidFill>
+                <a:schemeClr val="accent1">
+                  <a:lumMod val="50000"/>
+                </a:schemeClr>
+              </a:solidFill>
+              <a:effectLst>
+                <a:outerShdw blurRad="38100" dist="38100" dir="2700000" algn="tl">
+                  <a:srgbClr val="000000">
+                    <a:alpha val="43137"/>
+                  </a:srgbClr>
+                </a:outerShdw>
+              </a:effectLst>
+            </a:endParaRPr>
+          </a:p>
+        </p:txBody>
+      </p:sp>
+      <p:sp>
+        <p:nvSpPr>
+          <p:cNvPr id="18" name="CuadroTexto 17"/>
+          <p:cNvSpPr txBox="1"/>
+          <p:nvPr/>
+        </p:nvSpPr>
+        <p:spPr>
+          <a:xfrm>
+            <a:off x="4498697" y="5624182"/>
+            <a:ext cx="6811368" cy="830997"/>
+          </a:xfrm>
+          <a:prstGeom prst="rect">
+            <a:avLst/>
+          </a:prstGeom>
+          <a:noFill/>
+        </p:spPr>
+        <p:txBody>
+          <a:bodyPr wrap="square" rtlCol="0">
+            <a:spAutoFit/>
+          </a:bodyPr>
+          <a:lstStyle/>
+          <a:p>
+            <a:r>
+              <a:rPr lang="es-AR" sz="2400" dirty="0" smtClean="0">
+                <a:solidFill>
+                  <a:schemeClr val="tx1">
+                    <a:lumMod val="85000"/>
+                  </a:schemeClr>
+                </a:solidFill>
+              </a:rPr>
+              <a:t>Encriptado de </a:t>
+            </a:r>
+            <a:r>
+              <a:rPr lang="es-AR" sz="2400" dirty="0" smtClean="0">
+                <a:solidFill>
+                  <a:schemeClr val="tx1">
+                    <a:lumMod val="85000"/>
+                  </a:schemeClr>
+                </a:solidFill>
+              </a:rPr>
+              <a:t>Contraseña, Validación de Mail, Activación y Recuperación </a:t>
+            </a:r>
+            <a:r>
+              <a:rPr lang="es-AR" sz="2400" dirty="0" smtClean="0">
+                <a:solidFill>
+                  <a:schemeClr val="tx1">
+                    <a:lumMod val="85000"/>
+                  </a:schemeClr>
+                </a:solidFill>
+              </a:rPr>
+              <a:t>de Cuenta.</a:t>
+            </a:r>
+            <a:endParaRPr lang="es-ES" sz="2400" dirty="0">
+              <a:solidFill>
+                <a:schemeClr val="tx1">
+                  <a:lumMod val="85000"/>
+                </a:schemeClr>
+              </a:solidFill>
+            </a:endParaRPr>
+          </a:p>
+        </p:txBody>
+      </p:sp>
+      <p:sp>
+        <p:nvSpPr>
+          <p:cNvPr id="19" name="Left Bracket"/>
+          <p:cNvSpPr txBox="1"/>
+          <p:nvPr/>
+        </p:nvSpPr>
+        <p:spPr>
+          <a:xfrm>
+            <a:off x="7139679" y="5407418"/>
+            <a:ext cx="481222" cy="1107996"/>
+          </a:xfrm>
+          <a:prstGeom prst="rect">
+            <a:avLst/>
+          </a:prstGeom>
+          <a:noFill/>
+        </p:spPr>
+        <p:txBody>
+          <a:bodyPr wrap="none" rtlCol="0">
+            <a:spAutoFit/>
+          </a:bodyPr>
+          <a:lstStyle/>
+          <a:p>
+            <a:r>
+              <a:rPr lang="en-US" sz="6600" dirty="0" smtClean="0">
+                <a:solidFill>
+                  <a:schemeClr val="tx1">
+                    <a:lumMod val="95000"/>
+                  </a:schemeClr>
+                </a:solidFill>
+                <a:effectLst>
+                  <a:outerShdw blurRad="38100" dist="38100" dir="2700000" algn="tl">
+                    <a:srgbClr val="000000">
+                      <a:alpha val="43137"/>
+                    </a:srgbClr>
+                  </a:outerShdw>
+                </a:effectLst>
+              </a:rPr>
+              <a:t>[</a:t>
+            </a:r>
             <a:endParaRPr lang="en-US" sz="6600" dirty="0">
               <a:solidFill>
                 <a:schemeClr val="tx1">
@@ -22485,6 +21981,48 @@
           </a:p>
         </p:txBody>
       </p:sp>
+      <p:sp>
+        <p:nvSpPr>
+          <p:cNvPr id="20" name="Right Bracket"/>
+          <p:cNvSpPr txBox="1"/>
+          <p:nvPr/>
+        </p:nvSpPr>
+        <p:spPr>
+          <a:xfrm>
+            <a:off x="7542529" y="5407418"/>
+            <a:ext cx="481222" cy="1107996"/>
+          </a:xfrm>
+          <a:prstGeom prst="rect">
+            <a:avLst/>
+          </a:prstGeom>
+          <a:noFill/>
+        </p:spPr>
+        <p:txBody>
+          <a:bodyPr wrap="none" rtlCol="0">
+            <a:spAutoFit/>
+          </a:bodyPr>
+          <a:lstStyle/>
+          <a:p>
+            <a:r>
+              <a:rPr lang="en-US" sz="6600" dirty="0">
+                <a:solidFill>
+                  <a:schemeClr val="tx1">
+                    <a:lumMod val="95000"/>
+                  </a:schemeClr>
+                </a:solidFill>
+                <a:effectLst>
+                  <a:outerShdw blurRad="38100" dist="38100" dir="2700000" algn="tl">
+                    <a:srgbClr val="000000">
+                      <a:alpha val="43137"/>
+                    </a:srgbClr>
+                  </a:outerShdw>
+                </a:effectLst>
+              </a:rPr>
+              <a:t>]</a:t>
+            </a:r>
+          </a:p>
+        </p:txBody>
+      </p:sp>
     </p:spTree>
     <p:extLst>
       <p:ext uri="{BB962C8B-B14F-4D97-AF65-F5344CB8AC3E}">
@@ -22495,13 +22033,13 @@
   <p:clrMapOvr>
     <a:masterClrMapping/>
   </p:clrMapOvr>
-  <mc:AlternateContent xmlns:mc="http://schemas.openxmlformats.org/markup-compatibility/2006">
-    <mc:Choice xmlns:p14="http://schemas.microsoft.com/office/powerpoint/2010/main" Requires="p14">
+  <mc:AlternateContent xmlns:mc="http://schemas.openxmlformats.org/markup-compatibility/2006" xmlns:p14="http://schemas.microsoft.com/office/powerpoint/2010/main">
+    <mc:Choice Requires="p14">
       <p:transition spd="slow" p14:dur="800">
         <p14:flythrough/>
       </p:transition>
     </mc:Choice>
-    <mc:Fallback>
+    <mc:Fallback xmlns="">
       <p:transition spd="slow">
         <p:fade/>
       </p:transition>
@@ -22788,7 +22326,7 @@
                                     <p:cond delay="0"/>
                                   </p:stCondLst>
                                   <p:childTnLst>
-                                    <p:animMotion origin="layout" path="M -0.0026 -3.7037E-6 L -0.24843 0.00255 " pathEditMode="relative" rAng="0" ptsTypes="AA">
+                                    <p:animMotion origin="layout" path="M -0.00261 3.33333E-6 L -0.27318 -0.0007 " pathEditMode="relative" rAng="0" ptsTypes="AA">
                                       <p:cBhvr>
                                         <p:cTn id="29" dur="1000" fill="hold"/>
                                         <p:tgtEl>
@@ -22799,7 +22337,7 @@
                                           <p:attrName>ppt_y</p:attrName>
                                         </p:attrNameLst>
                                       </p:cBhvr>
-                                      <p:rCtr x="-12292" y="116"/>
+                                      <p:rCtr x="-13529" y="-46"/>
                                     </p:animMotion>
                                   </p:childTnLst>
                                 </p:cTn>
@@ -22810,7 +22348,7 @@
                                     <p:cond delay="0"/>
                                   </p:stCondLst>
                                   <p:childTnLst>
-                                    <p:animMotion origin="layout" path="M 3.95833E-6 -3.7037E-6 L 0.31705 0.00232 " pathEditMode="relative" rAng="0" ptsTypes="AA">
+                                    <p:animMotion origin="layout" path="M 0.04179 3.33333E-6 L 0.35052 0.00347 " pathEditMode="relative" rAng="0" ptsTypes="AA">
                                       <p:cBhvr>
                                         <p:cTn id="31" dur="1100" fill="hold"/>
                                         <p:tgtEl>
@@ -22821,7 +22359,7 @@
                                           <p:attrName>ppt_y</p:attrName>
                                         </p:attrNameLst>
                                       </p:cBhvr>
-                                      <p:rCtr x="15846" y="116"/>
+                                      <p:rCtr x="15430" y="162"/>
                                     </p:animMotion>
                                   </p:childTnLst>
                                 </p:cTn>
@@ -23043,6 +22581,182 @@
                       </p:childTnLst>
                     </p:cTn>
                   </p:par>
+                  <p:par>
+                    <p:cTn id="51" fill="hold">
+                      <p:stCondLst>
+                        <p:cond delay="indefinite"/>
+                      </p:stCondLst>
+                      <p:childTnLst>
+                        <p:par>
+                          <p:cTn id="52" fill="hold">
+                            <p:stCondLst>
+                              <p:cond delay="0"/>
+                            </p:stCondLst>
+                            <p:childTnLst>
+                              <p:par>
+                                <p:cTn id="53" presetID="10" presetClass="entr" presetSubtype="0" fill="hold" grpId="0" nodeType="clickEffect">
+                                  <p:stCondLst>
+                                    <p:cond delay="0"/>
+                                  </p:stCondLst>
+                                  <p:childTnLst>
+                                    <p:set>
+                                      <p:cBhvr>
+                                        <p:cTn id="54" dur="1" fill="hold">
+                                          <p:stCondLst>
+                                            <p:cond delay="0"/>
+                                          </p:stCondLst>
+                                        </p:cTn>
+                                        <p:tgtEl>
+                                          <p:spTgt spid="20"/>
+                                        </p:tgtEl>
+                                        <p:attrNameLst>
+                                          <p:attrName>style.visibility</p:attrName>
+                                        </p:attrNameLst>
+                                      </p:cBhvr>
+                                      <p:to>
+                                        <p:strVal val="visible"/>
+                                      </p:to>
+                                    </p:set>
+                                    <p:animEffect transition="in" filter="fade">
+                                      <p:cBhvr>
+                                        <p:cTn id="55" dur="500"/>
+                                        <p:tgtEl>
+                                          <p:spTgt spid="20"/>
+                                        </p:tgtEl>
+                                      </p:cBhvr>
+                                    </p:animEffect>
+                                  </p:childTnLst>
+                                </p:cTn>
+                              </p:par>
+                              <p:par>
+                                <p:cTn id="56" presetID="10" presetClass="entr" presetSubtype="0" fill="hold" grpId="1" nodeType="withEffect">
+                                  <p:stCondLst>
+                                    <p:cond delay="0"/>
+                                  </p:stCondLst>
+                                  <p:childTnLst>
+                                    <p:set>
+                                      <p:cBhvr>
+                                        <p:cTn id="57" dur="1" fill="hold">
+                                          <p:stCondLst>
+                                            <p:cond delay="0"/>
+                                          </p:stCondLst>
+                                        </p:cTn>
+                                        <p:tgtEl>
+                                          <p:spTgt spid="19"/>
+                                        </p:tgtEl>
+                                        <p:attrNameLst>
+                                          <p:attrName>style.visibility</p:attrName>
+                                        </p:attrNameLst>
+                                      </p:cBhvr>
+                                      <p:to>
+                                        <p:strVal val="visible"/>
+                                      </p:to>
+                                    </p:set>
+                                    <p:animEffect transition="in" filter="fade">
+                                      <p:cBhvr>
+                                        <p:cTn id="58" dur="500"/>
+                                        <p:tgtEl>
+                                          <p:spTgt spid="19"/>
+                                        </p:tgtEl>
+                                      </p:cBhvr>
+                                    </p:animEffect>
+                                  </p:childTnLst>
+                                </p:cTn>
+                              </p:par>
+                            </p:childTnLst>
+                          </p:cTn>
+                        </p:par>
+                        <p:par>
+                          <p:cTn id="59" fill="hold">
+                            <p:stCondLst>
+                              <p:cond delay="500"/>
+                            </p:stCondLst>
+                            <p:childTnLst>
+                              <p:par>
+                                <p:cTn id="60" presetID="42" presetClass="path" presetSubtype="0" accel="50000" decel="50000" fill="hold" grpId="0" nodeType="afterEffect">
+                                  <p:stCondLst>
+                                    <p:cond delay="0"/>
+                                  </p:stCondLst>
+                                  <p:childTnLst>
+                                    <p:animMotion origin="layout" path="M -0.0026 4.81481E-6 L -0.24843 0.00254 " pathEditMode="relative" rAng="0" ptsTypes="AA">
+                                      <p:cBhvr>
+                                        <p:cTn id="61" dur="1000" fill="hold"/>
+                                        <p:tgtEl>
+                                          <p:spTgt spid="19"/>
+                                        </p:tgtEl>
+                                        <p:attrNameLst>
+                                          <p:attrName>ppt_x</p:attrName>
+                                          <p:attrName>ppt_y</p:attrName>
+                                        </p:attrNameLst>
+                                      </p:cBhvr>
+                                      <p:rCtr x="-12292" y="116"/>
+                                    </p:animMotion>
+                                  </p:childTnLst>
+                                </p:cTn>
+                              </p:par>
+                              <p:par>
+                                <p:cTn id="62" presetID="42" presetClass="path" presetSubtype="0" accel="50000" decel="50000" fill="hold" grpId="1" nodeType="withEffect">
+                                  <p:stCondLst>
+                                    <p:cond delay="0"/>
+                                  </p:stCondLst>
+                                  <p:childTnLst>
+                                    <p:animMotion origin="layout" path="M 3.95833E-6 4.81481E-6 L 0.28932 0.00486 " pathEditMode="relative" rAng="0" ptsTypes="AA">
+                                      <p:cBhvr>
+                                        <p:cTn id="63" dur="1100" fill="hold"/>
+                                        <p:tgtEl>
+                                          <p:spTgt spid="20"/>
+                                        </p:tgtEl>
+                                        <p:attrNameLst>
+                                          <p:attrName>ppt_x</p:attrName>
+                                          <p:attrName>ppt_y</p:attrName>
+                                        </p:attrNameLst>
+                                      </p:cBhvr>
+                                      <p:rCtr x="14466" y="231"/>
+                                    </p:animMotion>
+                                  </p:childTnLst>
+                                </p:cTn>
+                              </p:par>
+                              <p:par>
+                                <p:cTn id="64" presetID="16" presetClass="entr" presetSubtype="37" fill="hold" grpId="0" nodeType="withEffect">
+                                  <p:stCondLst>
+                                    <p:cond delay="300"/>
+                                  </p:stCondLst>
+                                  <p:childTnLst>
+                                    <p:set>
+                                      <p:cBhvr>
+                                        <p:cTn id="65" dur="1" fill="hold">
+                                          <p:stCondLst>
+                                            <p:cond delay="0"/>
+                                          </p:stCondLst>
+                                        </p:cTn>
+                                        <p:tgtEl>
+                                          <p:spTgt spid="18"/>
+                                        </p:tgtEl>
+                                        <p:attrNameLst>
+                                          <p:attrName>style.visibility</p:attrName>
+                                        </p:attrNameLst>
+                                      </p:cBhvr>
+                                      <p:to>
+                                        <p:strVal val="visible"/>
+                                      </p:to>
+                                    </p:set>
+                                    <p:animEffect transition="in" filter="barn(outVertical)">
+                                      <p:cBhvr>
+                                        <p:cTn id="66" dur="800"/>
+                                        <p:tgtEl>
+                                          <p:spTgt spid="18"/>
+                                        </p:tgtEl>
+                                      </p:cBhvr>
+                                    </p:animEffect>
+                                  </p:childTnLst>
+                                </p:cTn>
+                              </p:par>
+                            </p:childTnLst>
+                          </p:cTn>
+                        </p:par>
+                      </p:childTnLst>
+                    </p:cTn>
+                  </p:par>
                 </p:childTnLst>
               </p:cTn>
               <p:prevCondLst>
@@ -23080,6 +22794,11 @@
       <p:bldP spid="73" grpId="1"/>
       <p:bldP spid="74" grpId="0"/>
       <p:bldP spid="74" grpId="1"/>
+      <p:bldP spid="18" grpId="0"/>
+      <p:bldP spid="19" grpId="0"/>
+      <p:bldP spid="19" grpId="1"/>
+      <p:bldP spid="20" grpId="0"/>
+      <p:bldP spid="20" grpId="1"/>
     </p:bldLst>
   </p:timing>
 </p:sld>
@@ -23990,18 +23709,6 @@
               </a:rPr>
               <a:t>IMPACTO </a:t>
             </a:r>
-            <a:endParaRPr lang="es-AR" sz="2000" b="1" dirty="0" smtClean="0">
-              <a:effectLst>
-                <a:outerShdw blurRad="38100" dist="38100" dir="2700000" algn="tl">
-                  <a:srgbClr val="000000">
-                    <a:alpha val="43137"/>
-                  </a:srgbClr>
-                </a:outerShdw>
-              </a:effectLst>
-              <a:latin typeface="Segoe UI" panose="020B0502040204020203" pitchFamily="34" charset="0"/>
-              <a:ea typeface="Segoe UI" panose="020B0502040204020203" pitchFamily="34" charset="0"/>
-              <a:cs typeface="Segoe UI" panose="020B0502040204020203" pitchFamily="34" charset="0"/>
-            </a:endParaRPr>
           </a:p>
           <a:p>
             <a:pPr algn="ctr"/>
@@ -24071,22 +23778,7 @@
                 <a:ea typeface="Segoe UI" panose="020B0502040204020203" pitchFamily="34" charset="0"/>
                 <a:cs typeface="Segoe UI" panose="020B0502040204020203" pitchFamily="34" charset="0"/>
               </a:rPr>
-              <a:t>SEGUIMIENTO DE </a:t>
-            </a:r>
-            <a:r>
-              <a:rPr lang="es-AR" sz="2000" b="1" dirty="0" smtClean="0">
-                <a:effectLst>
-                  <a:outerShdw blurRad="38100" dist="38100" dir="2700000" algn="tl">
-                    <a:srgbClr val="000000">
-                      <a:alpha val="43137"/>
-                    </a:srgbClr>
-                  </a:outerShdw>
-                </a:effectLst>
-                <a:latin typeface="Segoe UI" panose="020B0502040204020203" pitchFamily="34" charset="0"/>
-                <a:ea typeface="Segoe UI" panose="020B0502040204020203" pitchFamily="34" charset="0"/>
-                <a:cs typeface="Segoe UI" panose="020B0502040204020203" pitchFamily="34" charset="0"/>
-              </a:rPr>
-              <a:t>PROYECTO</a:t>
+              <a:t>SEGUIMIENTO DE PROYECTO</a:t>
             </a:r>
             <a:endParaRPr lang="es-ES" sz="2000" b="1" dirty="0">
               <a:effectLst>
@@ -24868,13 +24560,13 @@
   <p:clrMapOvr>
     <a:masterClrMapping/>
   </p:clrMapOvr>
-  <mc:AlternateContent xmlns:mc="http://schemas.openxmlformats.org/markup-compatibility/2006">
-    <mc:Choice xmlns:p14="http://schemas.microsoft.com/office/powerpoint/2010/main" Requires="p14">
+  <mc:AlternateContent xmlns:mc="http://schemas.openxmlformats.org/markup-compatibility/2006" xmlns:p14="http://schemas.microsoft.com/office/powerpoint/2010/main">
+    <mc:Choice Requires="p14">
       <p:transition spd="slow" p14:dur="800">
         <p14:flythrough/>
       </p:transition>
     </mc:Choice>
-    <mc:Fallback>
+    <mc:Fallback xmlns="">
       <p:transition spd="slow">
         <p:fade/>
       </p:transition>
@@ -26535,13 +26227,13 @@
   <p:clrMapOvr>
     <a:masterClrMapping/>
   </p:clrMapOvr>
-  <mc:AlternateContent xmlns:mc="http://schemas.openxmlformats.org/markup-compatibility/2006">
-    <mc:Choice xmlns:p14="http://schemas.microsoft.com/office/powerpoint/2010/main" Requires="p14">
+  <mc:AlternateContent xmlns:mc="http://schemas.openxmlformats.org/markup-compatibility/2006" xmlns:p14="http://schemas.microsoft.com/office/powerpoint/2010/main">
+    <mc:Choice Requires="p14">
       <p:transition spd="slow" p14:dur="800">
         <p14:flythrough/>
       </p:transition>
     </mc:Choice>
-    <mc:Fallback>
+    <mc:Fallback xmlns="">
       <p:transition spd="slow">
         <p:fade/>
       </p:transition>
@@ -26989,20 +26681,6 @@
               </a:rPr>
               <a:t>]</a:t>
             </a:r>
-            <a:endParaRPr lang="en-US" sz="19900" dirty="0">
-              <a:solidFill>
-                <a:schemeClr val="tx1">
-                  <a:lumMod val="95000"/>
-                </a:schemeClr>
-              </a:solidFill>
-              <a:effectLst>
-                <a:outerShdw blurRad="38100" dist="38100" dir="2700000" algn="tl">
-                  <a:srgbClr val="000000">
-                    <a:alpha val="43137"/>
-                  </a:srgbClr>
-                </a:outerShdw>
-              </a:effectLst>
-            </a:endParaRPr>
           </a:p>
         </p:txBody>
       </p:sp>
@@ -27016,13 +26694,13 @@
   <p:clrMapOvr>
     <a:masterClrMapping/>
   </p:clrMapOvr>
-  <mc:AlternateContent xmlns:mc="http://schemas.openxmlformats.org/markup-compatibility/2006">
-    <mc:Choice xmlns:p14="http://schemas.microsoft.com/office/powerpoint/2010/main" Requires="p14">
+  <mc:AlternateContent xmlns:mc="http://schemas.openxmlformats.org/markup-compatibility/2006" xmlns:p14="http://schemas.microsoft.com/office/powerpoint/2010/main">
+    <mc:Choice Requires="p14">
       <p:transition spd="slow" p14:dur="800">
         <p14:flythrough/>
       </p:transition>
     </mc:Choice>
-    <mc:Fallback>
+    <mc:Fallback xmlns="">
       <p:transition spd="slow">
         <p:fade/>
       </p:transition>

--- a/trunk/Documentacion/Presentación Regularidad/Presentación Regularidad.pptx
+++ b/trunk/Documentacion/Presentación Regularidad/Presentación Regularidad.pptx
@@ -5,7 +5,7 @@
     <p:sldMasterId id="2147484788" r:id="rId1"/>
   </p:sldMasterIdLst>
   <p:notesMasterIdLst>
-    <p:notesMasterId r:id="rId13"/>
+    <p:notesMasterId r:id="rId14"/>
   </p:notesMasterIdLst>
   <p:sldIdLst>
     <p:sldId id="297" r:id="rId2"/>
@@ -16,9 +16,10 @@
     <p:sldId id="302" r:id="rId7"/>
     <p:sldId id="281" r:id="rId8"/>
     <p:sldId id="301" r:id="rId9"/>
-    <p:sldId id="303" r:id="rId10"/>
-    <p:sldId id="282" r:id="rId11"/>
-    <p:sldId id="274" r:id="rId12"/>
+    <p:sldId id="304" r:id="rId10"/>
+    <p:sldId id="303" r:id="rId11"/>
+    <p:sldId id="282" r:id="rId12"/>
+    <p:sldId id="274" r:id="rId13"/>
   </p:sldIdLst>
   <p:sldSz cx="12192000" cy="6858000"/>
   <p:notesSz cx="6858000" cy="9144000"/>
@@ -4336,6 +4337,90 @@
               <a:rPr lang="es-ES" smtClean="0"/>
               <a:t>11</a:t>
             </a:fld>
+            <a:endParaRPr lang="es-ES" dirty="0"/>
+          </a:p>
+        </p:txBody>
+      </p:sp>
+    </p:spTree>
+    <p:extLst>
+      <p:ext uri="{BB962C8B-B14F-4D97-AF65-F5344CB8AC3E}">
+        <p14:creationId xmlns:p14="http://schemas.microsoft.com/office/powerpoint/2010/main" val="2354830964"/>
+      </p:ext>
+    </p:extLst>
+  </p:cSld>
+  <p:clrMapOvr>
+    <a:masterClrMapping/>
+  </p:clrMapOvr>
+</p:notes>
+</file>
+
+<file path=ppt/notesSlides/notesSlide11.xml><?xml version="1.0" encoding="utf-8"?>
+<p:notes xmlns:a="http://schemas.openxmlformats.org/drawingml/2006/main" xmlns:r="http://schemas.openxmlformats.org/officeDocument/2006/relationships" xmlns:p="http://schemas.openxmlformats.org/presentationml/2006/main">
+  <p:cSld>
+    <p:spTree>
+      <p:nvGrpSpPr>
+        <p:cNvPr id="1" name=""/>
+        <p:cNvGrpSpPr/>
+        <p:nvPr/>
+      </p:nvGrpSpPr>
+      <p:grpSpPr>
+        <a:xfrm>
+          <a:off x="0" y="0"/>
+          <a:ext cx="0" cy="0"/>
+          <a:chOff x="0" y="0"/>
+          <a:chExt cx="0" cy="0"/>
+        </a:xfrm>
+      </p:grpSpPr>
+      <p:sp>
+        <p:nvSpPr>
+          <p:cNvPr id="2" name="Marcador de imagen de diapositiva 1"/>
+          <p:cNvSpPr>
+            <a:spLocks noGrp="1" noRot="1" noChangeAspect="1"/>
+          </p:cNvSpPr>
+          <p:nvPr>
+            <p:ph type="sldImg"/>
+          </p:nvPr>
+        </p:nvSpPr>
+        <p:spPr/>
+      </p:sp>
+      <p:sp>
+        <p:nvSpPr>
+          <p:cNvPr id="3" name="Marcador de notas 2"/>
+          <p:cNvSpPr>
+            <a:spLocks noGrp="1"/>
+          </p:cNvSpPr>
+          <p:nvPr>
+            <p:ph type="body" idx="1"/>
+          </p:nvPr>
+        </p:nvSpPr>
+        <p:spPr/>
+        <p:txBody>
+          <a:bodyPr/>
+          <a:lstStyle/>
+          <a:p>
+            <a:endParaRPr lang="es-ES" dirty="0"/>
+          </a:p>
+        </p:txBody>
+      </p:sp>
+      <p:sp>
+        <p:nvSpPr>
+          <p:cNvPr id="4" name="Marcador de número de diapositiva 3"/>
+          <p:cNvSpPr>
+            <a:spLocks noGrp="1"/>
+          </p:cNvSpPr>
+          <p:nvPr>
+            <p:ph type="sldNum" sz="quarter" idx="10"/>
+          </p:nvPr>
+        </p:nvSpPr>
+        <p:spPr/>
+        <p:txBody>
+          <a:bodyPr/>
+          <a:lstStyle/>
+          <a:p>
+            <a:fld id="{C1D7BF53-A8BD-41DF-AC66-90ABD219E666}" type="slidenum">
+              <a:rPr lang="es-ES" smtClean="0"/>
+              <a:t>12</a:t>
+            </a:fld>
             <a:endParaRPr lang="es-ES"/>
           </a:p>
         </p:txBody>
@@ -5761,6 +5846,221 @@
           <a:bodyPr/>
           <a:lstStyle/>
           <a:p>
+            <a:r>
+              <a:rPr lang="es-ES" dirty="0" smtClean="0"/>
+              <a:t>Administrar Campeonato: incluye gestionar</a:t>
+            </a:r>
+            <a:r>
+              <a:rPr lang="es-ES" baseline="0" dirty="0" smtClean="0"/>
+              <a:t> un campeonato y sus ediciones, tipos de cancha, generar distintas diagramaciones (fixture todos contra todos, por zonas, </a:t>
+            </a:r>
+            <a:r>
+              <a:rPr lang="es-ES" baseline="0" dirty="0" err="1" smtClean="0"/>
+              <a:t>etc</a:t>
+            </a:r>
+            <a:r>
+              <a:rPr lang="es-ES" baseline="0" dirty="0" smtClean="0"/>
+              <a:t>)</a:t>
+            </a:r>
+          </a:p>
+          <a:p>
+            <a:endParaRPr lang="es-ES" baseline="0" dirty="0" smtClean="0"/>
+          </a:p>
+          <a:p>
+            <a:r>
+              <a:rPr lang="es-ES" dirty="0" smtClean="0"/>
+              <a:t>Administrar</a:t>
+            </a:r>
+            <a:r>
+              <a:rPr lang="es-ES" baseline="0" dirty="0" smtClean="0"/>
+              <a:t> Partidos:</a:t>
+            </a:r>
+            <a:r>
+              <a:rPr lang="es-AR" sz="1200" kern="1200" dirty="0" smtClean="0">
+                <a:solidFill>
+                  <a:schemeClr val="tx1"/>
+                </a:solidFill>
+                <a:effectLst/>
+                <a:latin typeface="+mn-lt"/>
+                <a:ea typeface="+mn-ea"/>
+                <a:cs typeface="+mn-cs"/>
+              </a:rPr>
+              <a:t>Registrar resultado de los partidos: cantidad de goles convertidos, tipos de goles, tarjetas, tiempo de juego y faltas cometidas por jugador, desempeño de árbitros</a:t>
+            </a:r>
+          </a:p>
+          <a:p>
+            <a:endParaRPr lang="es-AR" sz="1200" kern="1200" dirty="0" smtClean="0">
+              <a:solidFill>
+                <a:schemeClr val="tx1"/>
+              </a:solidFill>
+              <a:effectLst/>
+              <a:latin typeface="+mn-lt"/>
+              <a:ea typeface="+mn-ea"/>
+              <a:cs typeface="+mn-cs"/>
+            </a:endParaRPr>
+          </a:p>
+          <a:p>
+            <a:pPr lvl="0"/>
+            <a:r>
+              <a:rPr lang="es-AR" sz="1200" kern="1200" dirty="0" smtClean="0">
+                <a:solidFill>
+                  <a:schemeClr val="tx1"/>
+                </a:solidFill>
+                <a:effectLst/>
+                <a:latin typeface="+mn-lt"/>
+                <a:ea typeface="+mn-ea"/>
+                <a:cs typeface="+mn-cs"/>
+              </a:rPr>
+              <a:t>Generar</a:t>
+            </a:r>
+            <a:r>
+              <a:rPr lang="es-AR" sz="1200" kern="1200" baseline="0" dirty="0" smtClean="0">
+                <a:solidFill>
+                  <a:schemeClr val="tx1"/>
+                </a:solidFill>
+                <a:effectLst/>
+                <a:latin typeface="+mn-lt"/>
+                <a:ea typeface="+mn-ea"/>
+                <a:cs typeface="+mn-cs"/>
+              </a:rPr>
+              <a:t> todo tipo de estadísticas</a:t>
+            </a:r>
+            <a:r>
+              <a:rPr lang="es-AR" sz="1200" kern="1200" dirty="0" smtClean="0">
+                <a:solidFill>
+                  <a:schemeClr val="tx1"/>
+                </a:solidFill>
+                <a:effectLst/>
+                <a:latin typeface="+mn-lt"/>
+                <a:ea typeface="+mn-ea"/>
+                <a:cs typeface="+mn-cs"/>
+              </a:rPr>
+              <a:t> por equipo: tabla de posiciones (partidos jugados, partidos ganados, partidos empatados, partidos perdidos, goles a favor, goles en contra, puntos obtenidos), tipo de goles convertidos, resultados de local y de visitante. </a:t>
+            </a:r>
+            <a:endParaRPr lang="es-ES" sz="1200" kern="1200" dirty="0" smtClean="0">
+              <a:solidFill>
+                <a:schemeClr val="tx1"/>
+              </a:solidFill>
+              <a:effectLst/>
+              <a:latin typeface="+mn-lt"/>
+              <a:ea typeface="+mn-ea"/>
+              <a:cs typeface="+mn-cs"/>
+            </a:endParaRPr>
+          </a:p>
+          <a:p>
+            <a:pPr lvl="0"/>
+            <a:r>
+              <a:rPr lang="es-AR" sz="1200" kern="1200" dirty="0" smtClean="0">
+                <a:solidFill>
+                  <a:schemeClr val="tx1"/>
+                </a:solidFill>
+                <a:effectLst/>
+                <a:latin typeface="+mn-lt"/>
+                <a:ea typeface="+mn-ea"/>
+                <a:cs typeface="+mn-cs"/>
+              </a:rPr>
+              <a:t>Consultar resultados por cada fecha.</a:t>
+            </a:r>
+            <a:endParaRPr lang="es-ES" sz="1200" kern="1200" dirty="0" smtClean="0">
+              <a:solidFill>
+                <a:schemeClr val="tx1"/>
+              </a:solidFill>
+              <a:effectLst/>
+              <a:latin typeface="+mn-lt"/>
+              <a:ea typeface="+mn-ea"/>
+              <a:cs typeface="+mn-cs"/>
+            </a:endParaRPr>
+          </a:p>
+          <a:p>
+            <a:pPr lvl="0"/>
+            <a:r>
+              <a:rPr lang="es-AR" sz="1200" kern="1200" dirty="0" smtClean="0">
+                <a:solidFill>
+                  <a:schemeClr val="tx1"/>
+                </a:solidFill>
+                <a:effectLst/>
+                <a:latin typeface="+mn-lt"/>
+                <a:ea typeface="+mn-ea"/>
+                <a:cs typeface="+mn-cs"/>
+              </a:rPr>
+              <a:t>Generación de estadísticas por jugador: ranking de jugadores, goleadores, tarjetas rojas y amarillas obtenidas.</a:t>
+            </a:r>
+            <a:endParaRPr lang="es-ES" sz="1200" kern="1200" dirty="0" smtClean="0">
+              <a:solidFill>
+                <a:schemeClr val="tx1"/>
+              </a:solidFill>
+              <a:effectLst/>
+              <a:latin typeface="+mn-lt"/>
+              <a:ea typeface="+mn-ea"/>
+              <a:cs typeface="+mn-cs"/>
+            </a:endParaRPr>
+          </a:p>
+          <a:p>
+            <a:endParaRPr lang="es-ES" dirty="0" smtClean="0"/>
+          </a:p>
+          <a:p>
+            <a:r>
+              <a:rPr lang="es-AR" sz="1200" kern="1200" dirty="0" smtClean="0">
+                <a:solidFill>
+                  <a:schemeClr val="tx1"/>
+                </a:solidFill>
+                <a:effectLst/>
+                <a:latin typeface="+mn-lt"/>
+                <a:ea typeface="+mn-ea"/>
+                <a:cs typeface="+mn-cs"/>
+              </a:rPr>
+              <a:t>Generación de un portal de noticias que cada torneo podrá administrar.</a:t>
+            </a:r>
+          </a:p>
+          <a:p>
+            <a:endParaRPr lang="es-AR" sz="1200" kern="1200" dirty="0" smtClean="0">
+              <a:solidFill>
+                <a:schemeClr val="tx1"/>
+              </a:solidFill>
+              <a:effectLst/>
+              <a:latin typeface="+mn-lt"/>
+              <a:ea typeface="+mn-ea"/>
+              <a:cs typeface="+mn-cs"/>
+            </a:endParaRPr>
+          </a:p>
+          <a:p>
+            <a:r>
+              <a:rPr lang="es-AR" sz="1200" kern="1200" dirty="0" smtClean="0">
+                <a:solidFill>
+                  <a:schemeClr val="tx1"/>
+                </a:solidFill>
+                <a:effectLst/>
+                <a:latin typeface="+mn-lt"/>
+                <a:ea typeface="+mn-ea"/>
+                <a:cs typeface="+mn-cs"/>
+              </a:rPr>
+              <a:t>Gestión de usuarios, administrar los distintos accesos</a:t>
+            </a:r>
+            <a:r>
+              <a:rPr lang="es-AR" sz="1200" kern="1200" baseline="0" dirty="0" smtClean="0">
+                <a:solidFill>
+                  <a:schemeClr val="tx1"/>
+                </a:solidFill>
+                <a:effectLst/>
+                <a:latin typeface="+mn-lt"/>
+                <a:ea typeface="+mn-ea"/>
+                <a:cs typeface="+mn-cs"/>
+              </a:rPr>
+              <a:t> a la información, para cada tipo de usuario.</a:t>
+            </a:r>
+          </a:p>
+          <a:p>
+            <a:endParaRPr lang="es-AR" sz="1200" kern="1200" baseline="0" dirty="0" smtClean="0">
+              <a:solidFill>
+                <a:schemeClr val="tx1"/>
+              </a:solidFill>
+              <a:effectLst/>
+              <a:latin typeface="+mn-lt"/>
+              <a:ea typeface="+mn-ea"/>
+              <a:cs typeface="+mn-cs"/>
+            </a:endParaRPr>
+          </a:p>
+          <a:p>
             <a:endParaRPr lang="es-ES" dirty="0"/>
           </a:p>
         </p:txBody>
@@ -5784,14 +6084,14 @@
               <a:rPr lang="es-ES" smtClean="0"/>
               <a:t>9</a:t>
             </a:fld>
-            <a:endParaRPr lang="es-ES" dirty="0"/>
+            <a:endParaRPr lang="es-ES"/>
           </a:p>
         </p:txBody>
       </p:sp>
     </p:spTree>
     <p:extLst>
       <p:ext uri="{BB962C8B-B14F-4D97-AF65-F5344CB8AC3E}">
-        <p14:creationId xmlns:p14="http://schemas.microsoft.com/office/powerpoint/2010/main" val="43387650"/>
+        <p14:creationId xmlns:p14="http://schemas.microsoft.com/office/powerpoint/2010/main" val="1485502202"/>
       </p:ext>
     </p:extLst>
   </p:cSld>
@@ -5875,7 +6175,7 @@
     </p:spTree>
     <p:extLst>
       <p:ext uri="{BB962C8B-B14F-4D97-AF65-F5344CB8AC3E}">
-        <p14:creationId xmlns:p14="http://schemas.microsoft.com/office/powerpoint/2010/main" val="2354830964"/>
+        <p14:creationId xmlns:p14="http://schemas.microsoft.com/office/powerpoint/2010/main" val="43387650"/>
       </p:ext>
     </p:extLst>
   </p:cSld>
@@ -12933,6 +13233,679 @@
       </p:grpSpPr>
       <p:sp>
         <p:nvSpPr>
+          <p:cNvPr id="26" name="Rectángulo 25"/>
+          <p:cNvSpPr/>
+          <p:nvPr/>
+        </p:nvSpPr>
+        <p:spPr>
+          <a:xfrm>
+            <a:off x="1" y="1"/>
+            <a:ext cx="10444162" cy="1152000"/>
+          </a:xfrm>
+          <a:prstGeom prst="rect">
+            <a:avLst/>
+          </a:prstGeom>
+          <a:solidFill>
+            <a:schemeClr val="accent1">
+              <a:alpha val="37000"/>
+            </a:schemeClr>
+          </a:solidFill>
+          <a:ln>
+            <a:noFill/>
+          </a:ln>
+          <a:effectLst>
+            <a:outerShdw blurRad="50800" dist="38100" dir="2700000" algn="tl" rotWithShape="0">
+              <a:prstClr val="black">
+                <a:alpha val="40000"/>
+              </a:prstClr>
+            </a:outerShdw>
+          </a:effectLst>
+        </p:spPr>
+        <p:style>
+          <a:lnRef idx="2">
+            <a:schemeClr val="accent1">
+              <a:shade val="50000"/>
+            </a:schemeClr>
+          </a:lnRef>
+          <a:fillRef idx="1">
+            <a:schemeClr val="accent1"/>
+          </a:fillRef>
+          <a:effectRef idx="0">
+            <a:schemeClr val="accent1"/>
+          </a:effectRef>
+          <a:fontRef idx="minor">
+            <a:schemeClr val="lt1"/>
+          </a:fontRef>
+        </p:style>
+        <p:txBody>
+          <a:bodyPr rtlCol="0" anchor="ctr"/>
+          <a:lstStyle/>
+          <a:p>
+            <a:pPr algn="ctr"/>
+            <a:endParaRPr lang="es-ES"/>
+          </a:p>
+        </p:txBody>
+      </p:sp>
+      <p:sp>
+        <p:nvSpPr>
+          <p:cNvPr id="28" name="Título 1"/>
+          <p:cNvSpPr txBox="1">
+            <a:spLocks/>
+          </p:cNvSpPr>
+          <p:nvPr/>
+        </p:nvSpPr>
+        <p:spPr>
+          <a:xfrm>
+            <a:off x="1607517" y="228600"/>
+            <a:ext cx="8836646" cy="813148"/>
+          </a:xfrm>
+          <a:prstGeom prst="rect">
+            <a:avLst/>
+          </a:prstGeom>
+        </p:spPr>
+        <p:txBody>
+          <a:bodyPr vert="horz" lIns="91440" tIns="45720" rIns="91440" bIns="45720" rtlCol="0" anchor="t">
+            <a:noAutofit/>
+          </a:bodyPr>
+          <a:lstStyle>
+            <a:lvl1pPr algn="l" defTabSz="457200" rtl="0" eaLnBrk="1" latinLnBrk="0" hangingPunct="1">
+              <a:spcBef>
+                <a:spcPct val="0"/>
+              </a:spcBef>
+              <a:buNone/>
+              <a:defRPr sz="4200" b="0" i="0" kern="1200">
+                <a:solidFill>
+                  <a:schemeClr val="tx2"/>
+                </a:solidFill>
+                <a:latin typeface="+mj-lt"/>
+                <a:ea typeface="+mj-ea"/>
+                <a:cs typeface="+mj-cs"/>
+              </a:defRPr>
+            </a:lvl1pPr>
+            <a:lvl2pPr eaLnBrk="1" hangingPunct="1">
+              <a:defRPr>
+                <a:solidFill>
+                  <a:schemeClr val="tx2"/>
+                </a:solidFill>
+              </a:defRPr>
+            </a:lvl2pPr>
+            <a:lvl3pPr eaLnBrk="1" hangingPunct="1">
+              <a:defRPr>
+                <a:solidFill>
+                  <a:schemeClr val="tx2"/>
+                </a:solidFill>
+              </a:defRPr>
+            </a:lvl3pPr>
+            <a:lvl4pPr eaLnBrk="1" hangingPunct="1">
+              <a:defRPr>
+                <a:solidFill>
+                  <a:schemeClr val="tx2"/>
+                </a:solidFill>
+              </a:defRPr>
+            </a:lvl4pPr>
+            <a:lvl5pPr eaLnBrk="1" hangingPunct="1">
+              <a:defRPr>
+                <a:solidFill>
+                  <a:schemeClr val="tx2"/>
+                </a:solidFill>
+              </a:defRPr>
+            </a:lvl5pPr>
+            <a:lvl6pPr eaLnBrk="1" hangingPunct="1">
+              <a:defRPr>
+                <a:solidFill>
+                  <a:schemeClr val="tx2"/>
+                </a:solidFill>
+              </a:defRPr>
+            </a:lvl6pPr>
+            <a:lvl7pPr eaLnBrk="1" hangingPunct="1">
+              <a:defRPr>
+                <a:solidFill>
+                  <a:schemeClr val="tx2"/>
+                </a:solidFill>
+              </a:defRPr>
+            </a:lvl7pPr>
+            <a:lvl8pPr eaLnBrk="1" hangingPunct="1">
+              <a:defRPr>
+                <a:solidFill>
+                  <a:schemeClr val="tx2"/>
+                </a:solidFill>
+              </a:defRPr>
+            </a:lvl8pPr>
+            <a:lvl9pPr eaLnBrk="1" hangingPunct="1">
+              <a:defRPr>
+                <a:solidFill>
+                  <a:schemeClr val="tx2"/>
+                </a:solidFill>
+              </a:defRPr>
+            </a:lvl9pPr>
+          </a:lstStyle>
+          <a:p>
+            <a:r>
+              <a:rPr lang="es-AR" dirty="0" smtClean="0"/>
+              <a:t>Demo del sistema</a:t>
+            </a:r>
+            <a:endParaRPr lang="es-AR" dirty="0"/>
+          </a:p>
+        </p:txBody>
+      </p:sp>
+      <p:pic>
+        <p:nvPicPr>
+          <p:cNvPr id="29" name="Imagen 28"/>
+          <p:cNvPicPr>
+            <a:picLocks noChangeAspect="1"/>
+          </p:cNvPicPr>
+          <p:nvPr/>
+        </p:nvPicPr>
+        <p:blipFill>
+          <a:blip r:embed="rId3">
+            <a:grayscl/>
+            <a:extLst>
+              <a:ext uri="{28A0092B-C50C-407E-A947-70E740481C1C}">
+                <a14:useLocalDpi xmlns:a14="http://schemas.microsoft.com/office/drawing/2010/main" val="0"/>
+              </a:ext>
+            </a:extLst>
+          </a:blip>
+          <a:stretch>
+            <a:fillRect/>
+          </a:stretch>
+        </p:blipFill>
+        <p:spPr>
+          <a:xfrm>
+            <a:off x="289301" y="0"/>
+            <a:ext cx="1151372" cy="1163031"/>
+          </a:xfrm>
+          <a:prstGeom prst="rect">
+            <a:avLst/>
+          </a:prstGeom>
+        </p:spPr>
+      </p:pic>
+      <p:sp>
+        <p:nvSpPr>
+          <p:cNvPr id="46" name="Título 1"/>
+          <p:cNvSpPr txBox="1">
+            <a:spLocks/>
+          </p:cNvSpPr>
+          <p:nvPr/>
+        </p:nvSpPr>
+        <p:spPr>
+          <a:xfrm>
+            <a:off x="2061029" y="2257795"/>
+            <a:ext cx="8157028" cy="2342410"/>
+          </a:xfrm>
+          <a:prstGeom prst="rect">
+            <a:avLst/>
+          </a:prstGeom>
+          <a:effectLst>
+            <a:outerShdw blurRad="50800" dir="14400000">
+              <a:srgbClr val="000000">
+                <a:alpha val="60000"/>
+              </a:srgbClr>
+            </a:outerShdw>
+          </a:effectLst>
+        </p:spPr>
+        <p:txBody>
+          <a:bodyPr vert="horz" lIns="91440" tIns="45720" rIns="91440" bIns="45720" rtlCol="0" anchor="b">
+            <a:noAutofit/>
+          </a:bodyPr>
+          <a:lstStyle>
+            <a:lvl1pPr algn="l" defTabSz="457200" rtl="0" eaLnBrk="1" latinLnBrk="0" hangingPunct="1">
+              <a:spcBef>
+                <a:spcPct val="0"/>
+              </a:spcBef>
+              <a:buNone/>
+              <a:defRPr sz="5400" b="1" kern="1200">
+                <a:solidFill>
+                  <a:srgbClr val="FEFEFE"/>
+                </a:solidFill>
+                <a:latin typeface="+mj-lt"/>
+                <a:ea typeface="+mj-ea"/>
+                <a:cs typeface="+mj-cs"/>
+              </a:defRPr>
+            </a:lvl1pPr>
+            <a:lvl2pPr eaLnBrk="1" hangingPunct="1">
+              <a:defRPr>
+                <a:solidFill>
+                  <a:schemeClr val="tx2"/>
+                </a:solidFill>
+              </a:defRPr>
+            </a:lvl2pPr>
+            <a:lvl3pPr eaLnBrk="1" hangingPunct="1">
+              <a:defRPr>
+                <a:solidFill>
+                  <a:schemeClr val="tx2"/>
+                </a:solidFill>
+              </a:defRPr>
+            </a:lvl3pPr>
+            <a:lvl4pPr eaLnBrk="1" hangingPunct="1">
+              <a:defRPr>
+                <a:solidFill>
+                  <a:schemeClr val="tx2"/>
+                </a:solidFill>
+              </a:defRPr>
+            </a:lvl4pPr>
+            <a:lvl5pPr eaLnBrk="1" hangingPunct="1">
+              <a:defRPr>
+                <a:solidFill>
+                  <a:schemeClr val="tx2"/>
+                </a:solidFill>
+              </a:defRPr>
+            </a:lvl5pPr>
+            <a:lvl6pPr eaLnBrk="1" hangingPunct="1">
+              <a:defRPr>
+                <a:solidFill>
+                  <a:schemeClr val="tx2"/>
+                </a:solidFill>
+              </a:defRPr>
+            </a:lvl6pPr>
+            <a:lvl7pPr eaLnBrk="1" hangingPunct="1">
+              <a:defRPr>
+                <a:solidFill>
+                  <a:schemeClr val="tx2"/>
+                </a:solidFill>
+              </a:defRPr>
+            </a:lvl7pPr>
+            <a:lvl8pPr eaLnBrk="1" hangingPunct="1">
+              <a:defRPr>
+                <a:solidFill>
+                  <a:schemeClr val="tx2"/>
+                </a:solidFill>
+              </a:defRPr>
+            </a:lvl8pPr>
+            <a:lvl9pPr eaLnBrk="1" hangingPunct="1">
+              <a:defRPr>
+                <a:solidFill>
+                  <a:schemeClr val="tx2"/>
+                </a:solidFill>
+              </a:defRPr>
+            </a:lvl9pPr>
+          </a:lstStyle>
+          <a:p>
+            <a:pPr algn="ctr"/>
+            <a:r>
+              <a:rPr lang="es-AR" sz="7200" spc="300" dirty="0" smtClean="0">
+                <a:solidFill>
+                  <a:schemeClr val="tx1"/>
+                </a:solidFill>
+                <a:effectLst>
+                  <a:outerShdw blurRad="38100" dist="38100" dir="2700000" algn="tl">
+                    <a:srgbClr val="000000">
+                      <a:alpha val="43137"/>
+                    </a:srgbClr>
+                  </a:outerShdw>
+                </a:effectLst>
+              </a:rPr>
+              <a:t>Presentación de Funcionalidad </a:t>
+            </a:r>
+            <a:endParaRPr lang="es-AR" sz="7200" spc="300" dirty="0">
+              <a:solidFill>
+                <a:schemeClr val="tx1"/>
+              </a:solidFill>
+              <a:effectLst>
+                <a:outerShdw blurRad="38100" dist="38100" dir="2700000" algn="tl">
+                  <a:srgbClr val="000000">
+                    <a:alpha val="43137"/>
+                  </a:srgbClr>
+                </a:outerShdw>
+              </a:effectLst>
+            </a:endParaRPr>
+          </a:p>
+        </p:txBody>
+      </p:sp>
+      <p:sp>
+        <p:nvSpPr>
+          <p:cNvPr id="47" name="Left Bracket"/>
+          <p:cNvSpPr txBox="1"/>
+          <p:nvPr/>
+        </p:nvSpPr>
+        <p:spPr>
+          <a:xfrm>
+            <a:off x="5163590" y="1741534"/>
+            <a:ext cx="1080745" cy="3154710"/>
+          </a:xfrm>
+          <a:prstGeom prst="rect">
+            <a:avLst/>
+          </a:prstGeom>
+          <a:noFill/>
+        </p:spPr>
+        <p:txBody>
+          <a:bodyPr wrap="none" rtlCol="0">
+            <a:spAutoFit/>
+          </a:bodyPr>
+          <a:lstStyle/>
+          <a:p>
+            <a:r>
+              <a:rPr lang="en-US" sz="19900" dirty="0" smtClean="0">
+                <a:solidFill>
+                  <a:schemeClr val="tx1">
+                    <a:lumMod val="95000"/>
+                  </a:schemeClr>
+                </a:solidFill>
+                <a:effectLst>
+                  <a:outerShdw blurRad="38100" dist="38100" dir="2700000" algn="tl">
+                    <a:srgbClr val="000000">
+                      <a:alpha val="43137"/>
+                    </a:srgbClr>
+                  </a:outerShdw>
+                </a:effectLst>
+              </a:rPr>
+              <a:t>[</a:t>
+            </a:r>
+            <a:endParaRPr lang="en-US" sz="19900" dirty="0">
+              <a:solidFill>
+                <a:schemeClr val="tx1">
+                  <a:lumMod val="95000"/>
+                </a:schemeClr>
+              </a:solidFill>
+              <a:effectLst>
+                <a:outerShdw blurRad="38100" dist="38100" dir="2700000" algn="tl">
+                  <a:srgbClr val="000000">
+                    <a:alpha val="43137"/>
+                  </a:srgbClr>
+                </a:outerShdw>
+              </a:effectLst>
+            </a:endParaRPr>
+          </a:p>
+        </p:txBody>
+      </p:sp>
+      <p:sp>
+        <p:nvSpPr>
+          <p:cNvPr id="48" name="Right Bracket"/>
+          <p:cNvSpPr txBox="1"/>
+          <p:nvPr/>
+        </p:nvSpPr>
+        <p:spPr>
+          <a:xfrm>
+            <a:off x="6230113" y="1741534"/>
+            <a:ext cx="1080745" cy="3154710"/>
+          </a:xfrm>
+          <a:prstGeom prst="rect">
+            <a:avLst/>
+          </a:prstGeom>
+          <a:noFill/>
+        </p:spPr>
+        <p:txBody>
+          <a:bodyPr wrap="none" rtlCol="0">
+            <a:spAutoFit/>
+          </a:bodyPr>
+          <a:lstStyle/>
+          <a:p>
+            <a:r>
+              <a:rPr lang="en-US" sz="19900" dirty="0">
+                <a:solidFill>
+                  <a:schemeClr val="tx1">
+                    <a:lumMod val="95000"/>
+                  </a:schemeClr>
+                </a:solidFill>
+                <a:effectLst>
+                  <a:outerShdw blurRad="38100" dist="38100" dir="2700000" algn="tl">
+                    <a:srgbClr val="000000">
+                      <a:alpha val="43137"/>
+                    </a:srgbClr>
+                  </a:outerShdw>
+                </a:effectLst>
+              </a:rPr>
+              <a:t>]</a:t>
+            </a:r>
+          </a:p>
+        </p:txBody>
+      </p:sp>
+    </p:spTree>
+    <p:extLst>
+      <p:ext uri="{BB962C8B-B14F-4D97-AF65-F5344CB8AC3E}">
+        <p14:creationId xmlns:p14="http://schemas.microsoft.com/office/powerpoint/2010/main" val="3189637303"/>
+      </p:ext>
+    </p:extLst>
+  </p:cSld>
+  <p:clrMapOvr>
+    <a:masterClrMapping/>
+  </p:clrMapOvr>
+  <mc:AlternateContent xmlns:mc="http://schemas.openxmlformats.org/markup-compatibility/2006" xmlns:p14="http://schemas.microsoft.com/office/powerpoint/2010/main">
+    <mc:Choice Requires="p14">
+      <p:transition spd="slow" p14:dur="800">
+        <p14:flythrough/>
+      </p:transition>
+    </mc:Choice>
+    <mc:Fallback xmlns="">
+      <p:transition spd="slow">
+        <p:fade/>
+      </p:transition>
+    </mc:Fallback>
+  </mc:AlternateContent>
+  <p:timing>
+    <p:tnLst>
+      <p:par>
+        <p:cTn id="1" dur="indefinite" restart="never" nodeType="tmRoot">
+          <p:childTnLst>
+            <p:seq concurrent="1" nextAc="seek">
+              <p:cTn id="2" dur="indefinite" nodeType="mainSeq">
+                <p:childTnLst>
+                  <p:par>
+                    <p:cTn id="3" fill="hold">
+                      <p:stCondLst>
+                        <p:cond delay="indefinite"/>
+                      </p:stCondLst>
+                      <p:childTnLst>
+                        <p:par>
+                          <p:cTn id="4" fill="hold">
+                            <p:stCondLst>
+                              <p:cond delay="0"/>
+                            </p:stCondLst>
+                            <p:childTnLst>
+                              <p:par>
+                                <p:cTn id="5" presetID="10" presetClass="entr" presetSubtype="0" fill="hold" grpId="0" nodeType="clickEffect">
+                                  <p:stCondLst>
+                                    <p:cond delay="500"/>
+                                  </p:stCondLst>
+                                  <p:childTnLst>
+                                    <p:set>
+                                      <p:cBhvr>
+                                        <p:cTn id="6" dur="1" fill="hold">
+                                          <p:stCondLst>
+                                            <p:cond delay="0"/>
+                                          </p:stCondLst>
+                                        </p:cTn>
+                                        <p:tgtEl>
+                                          <p:spTgt spid="48"/>
+                                        </p:tgtEl>
+                                        <p:attrNameLst>
+                                          <p:attrName>style.visibility</p:attrName>
+                                        </p:attrNameLst>
+                                      </p:cBhvr>
+                                      <p:to>
+                                        <p:strVal val="visible"/>
+                                      </p:to>
+                                    </p:set>
+                                    <p:animEffect transition="in" filter="fade">
+                                      <p:cBhvr>
+                                        <p:cTn id="7" dur="500"/>
+                                        <p:tgtEl>
+                                          <p:spTgt spid="48"/>
+                                        </p:tgtEl>
+                                      </p:cBhvr>
+                                    </p:animEffect>
+                                  </p:childTnLst>
+                                </p:cTn>
+                              </p:par>
+                              <p:par>
+                                <p:cTn id="8" presetID="10" presetClass="entr" presetSubtype="0" fill="hold" grpId="1" nodeType="withEffect">
+                                  <p:stCondLst>
+                                    <p:cond delay="500"/>
+                                  </p:stCondLst>
+                                  <p:childTnLst>
+                                    <p:set>
+                                      <p:cBhvr>
+                                        <p:cTn id="9" dur="1" fill="hold">
+                                          <p:stCondLst>
+                                            <p:cond delay="0"/>
+                                          </p:stCondLst>
+                                        </p:cTn>
+                                        <p:tgtEl>
+                                          <p:spTgt spid="47"/>
+                                        </p:tgtEl>
+                                        <p:attrNameLst>
+                                          <p:attrName>style.visibility</p:attrName>
+                                        </p:attrNameLst>
+                                      </p:cBhvr>
+                                      <p:to>
+                                        <p:strVal val="visible"/>
+                                      </p:to>
+                                    </p:set>
+                                    <p:animEffect transition="in" filter="fade">
+                                      <p:cBhvr>
+                                        <p:cTn id="10" dur="500"/>
+                                        <p:tgtEl>
+                                          <p:spTgt spid="47"/>
+                                        </p:tgtEl>
+                                      </p:cBhvr>
+                                    </p:animEffect>
+                                  </p:childTnLst>
+                                </p:cTn>
+                              </p:par>
+                            </p:childTnLst>
+                          </p:cTn>
+                        </p:par>
+                        <p:par>
+                          <p:cTn id="11" fill="hold">
+                            <p:stCondLst>
+                              <p:cond delay="1000"/>
+                            </p:stCondLst>
+                            <p:childTnLst>
+                              <p:par>
+                                <p:cTn id="12" presetID="42" presetClass="path" presetSubtype="0" accel="50000" decel="50000" fill="hold" grpId="0" nodeType="afterEffect">
+                                  <p:stCondLst>
+                                    <p:cond delay="0"/>
+                                  </p:stCondLst>
+                                  <p:childTnLst>
+                                    <p:animMotion origin="layout" path="M 1.45833E-6 3.7037E-6 L -0.3069 -0.00324 " pathEditMode="relative" rAng="0" ptsTypes="AA">
+                                      <p:cBhvr>
+                                        <p:cTn id="13" dur="1000" fill="hold"/>
+                                        <p:tgtEl>
+                                          <p:spTgt spid="47"/>
+                                        </p:tgtEl>
+                                        <p:attrNameLst>
+                                          <p:attrName>ppt_x</p:attrName>
+                                          <p:attrName>ppt_y</p:attrName>
+                                        </p:attrNameLst>
+                                      </p:cBhvr>
+                                      <p:rCtr x="-15352" y="-162"/>
+                                    </p:animMotion>
+                                  </p:childTnLst>
+                                </p:cTn>
+                              </p:par>
+                              <p:par>
+                                <p:cTn id="14" presetID="42" presetClass="path" presetSubtype="0" accel="50000" decel="50000" fill="hold" grpId="1" nodeType="withEffect">
+                                  <p:stCondLst>
+                                    <p:cond delay="0"/>
+                                  </p:stCondLst>
+                                  <p:childTnLst>
+                                    <p:animMotion origin="layout" path="M 1.66667E-6 3.7037E-6 L 0.28698 0.00231 " pathEditMode="relative" rAng="0" ptsTypes="AA">
+                                      <p:cBhvr>
+                                        <p:cTn id="15" dur="1100" fill="hold"/>
+                                        <p:tgtEl>
+                                          <p:spTgt spid="48"/>
+                                        </p:tgtEl>
+                                        <p:attrNameLst>
+                                          <p:attrName>ppt_x</p:attrName>
+                                          <p:attrName>ppt_y</p:attrName>
+                                        </p:attrNameLst>
+                                      </p:cBhvr>
+                                      <p:rCtr x="14349" y="116"/>
+                                    </p:animMotion>
+                                  </p:childTnLst>
+                                </p:cTn>
+                              </p:par>
+                              <p:par>
+                                <p:cTn id="16" presetID="16" presetClass="entr" presetSubtype="37" fill="hold" grpId="0" nodeType="withEffect">
+                                  <p:stCondLst>
+                                    <p:cond delay="200"/>
+                                  </p:stCondLst>
+                                  <p:childTnLst>
+                                    <p:set>
+                                      <p:cBhvr>
+                                        <p:cTn id="17" dur="1" fill="hold">
+                                          <p:stCondLst>
+                                            <p:cond delay="0"/>
+                                          </p:stCondLst>
+                                        </p:cTn>
+                                        <p:tgtEl>
+                                          <p:spTgt spid="46"/>
+                                        </p:tgtEl>
+                                        <p:attrNameLst>
+                                          <p:attrName>style.visibility</p:attrName>
+                                        </p:attrNameLst>
+                                      </p:cBhvr>
+                                      <p:to>
+                                        <p:strVal val="visible"/>
+                                      </p:to>
+                                    </p:set>
+                                    <p:animEffect transition="in" filter="barn(outVertical)">
+                                      <p:cBhvr>
+                                        <p:cTn id="18" dur="800"/>
+                                        <p:tgtEl>
+                                          <p:spTgt spid="46"/>
+                                        </p:tgtEl>
+                                      </p:cBhvr>
+                                    </p:animEffect>
+                                  </p:childTnLst>
+                                </p:cTn>
+                              </p:par>
+                            </p:childTnLst>
+                          </p:cTn>
+                        </p:par>
+                      </p:childTnLst>
+                    </p:cTn>
+                  </p:par>
+                </p:childTnLst>
+              </p:cTn>
+              <p:prevCondLst>
+                <p:cond evt="onPrev" delay="0">
+                  <p:tgtEl>
+                    <p:sldTgt/>
+                  </p:tgtEl>
+                </p:cond>
+              </p:prevCondLst>
+              <p:nextCondLst>
+                <p:cond evt="onNext" delay="0">
+                  <p:tgtEl>
+                    <p:sldTgt/>
+                  </p:tgtEl>
+                </p:cond>
+              </p:nextCondLst>
+            </p:seq>
+          </p:childTnLst>
+        </p:cTn>
+      </p:par>
+    </p:tnLst>
+    <p:bldLst>
+      <p:bldP spid="46" grpId="0"/>
+      <p:bldP spid="47" grpId="0"/>
+      <p:bldP spid="47" grpId="1"/>
+      <p:bldP spid="48" grpId="0"/>
+      <p:bldP spid="48" grpId="1"/>
+    </p:bldLst>
+  </p:timing>
+</p:sld>
+</file>
+
+<file path=ppt/slides/slide11.xml><?xml version="1.0" encoding="utf-8"?>
+<p:sld xmlns:a="http://schemas.openxmlformats.org/drawingml/2006/main" xmlns:r="http://schemas.openxmlformats.org/officeDocument/2006/relationships" xmlns:p="http://schemas.openxmlformats.org/presentationml/2006/main">
+  <p:cSld>
+    <p:spTree>
+      <p:nvGrpSpPr>
+        <p:cNvPr id="1" name=""/>
+        <p:cNvGrpSpPr/>
+        <p:nvPr/>
+      </p:nvGrpSpPr>
+      <p:grpSpPr>
+        <a:xfrm>
+          <a:off x="0" y="0"/>
+          <a:ext cx="0" cy="0"/>
+          <a:chOff x="0" y="0"/>
+          <a:chExt cx="0" cy="0"/>
+        </a:xfrm>
+      </p:grpSpPr>
+      <p:sp>
+        <p:nvSpPr>
           <p:cNvPr id="2" name="Título 1"/>
           <p:cNvSpPr>
             <a:spLocks noGrp="1"/>
@@ -13593,10 +14566,10 @@
         </p:nvGrpSpPr>
         <p:grpSpPr>
           <a:xfrm>
-            <a:off x="5958592" y="4727530"/>
-            <a:ext cx="2436795" cy="881611"/>
-            <a:chOff x="709557" y="2186610"/>
-            <a:chExt cx="2061498" cy="710591"/>
+            <a:off x="6002516" y="4727530"/>
+            <a:ext cx="2392871" cy="881611"/>
+            <a:chOff x="746716" y="2186610"/>
+            <a:chExt cx="2024339" cy="710591"/>
           </a:xfrm>
         </p:grpSpPr>
         <p:sp>
@@ -13652,7 +14625,7 @@
           </p:nvSpPr>
           <p:spPr>
             <a:xfrm>
-              <a:off x="709557" y="2266911"/>
+              <a:off x="746716" y="2286054"/>
               <a:ext cx="2005471" cy="598724"/>
             </a:xfrm>
             <a:prstGeom prst="rect">
@@ -14270,7 +15243,7 @@
 </p:sld>
 </file>
 
-<file path=ppt/slides/slide11.xml><?xml version="1.0" encoding="utf-8"?>
+<file path=ppt/slides/slide12.xml><?xml version="1.0" encoding="utf-8"?>
 <p:sld xmlns:a="http://schemas.openxmlformats.org/drawingml/2006/main" xmlns:r="http://schemas.openxmlformats.org/officeDocument/2006/relationships" xmlns:p="http://schemas.openxmlformats.org/presentationml/2006/main">
   <p:cSld>
     <p:spTree>
@@ -21893,27 +22866,7 @@
                   </a:schemeClr>
                 </a:solidFill>
               </a:rPr>
-              <a:t>Encriptado de </a:t>
-            </a:r>
-            <a:r>
-              <a:rPr lang="es-AR" sz="2400" dirty="0" smtClean="0">
-                <a:solidFill>
-                  <a:schemeClr val="tx1">
-                    <a:lumMod val="85000"/>
-                  </a:schemeClr>
-                </a:solidFill>
-              </a:rPr>
-              <a:t>Contraseña, Validación de Mail, Activación y Recuperación </a:t>
-            </a:r>
-            <a:r>
-              <a:rPr lang="es-AR" sz="2400" dirty="0" smtClean="0">
-                <a:solidFill>
-                  <a:schemeClr val="tx1">
-                    <a:lumMod val="85000"/>
-                  </a:schemeClr>
-                </a:solidFill>
-              </a:rPr>
-              <a:t>de Cuenta.</a:t>
+              <a:t>Encriptado de Contraseña, Validación de Mail, Activación y Recuperación de Cuenta.</a:t>
             </a:r>
             <a:endParaRPr lang="es-ES" sz="2400" dirty="0">
               <a:solidFill>
@@ -26268,7 +27221,7 @@
       </p:grpSpPr>
       <p:sp>
         <p:nvSpPr>
-          <p:cNvPr id="26" name="Rectángulo 25"/>
+          <p:cNvPr id="55" name="Rectángulo 54"/>
           <p:cNvSpPr/>
           <p:nvPr/>
         </p:nvSpPr>
@@ -26323,109 +27276,39 @@
       </p:sp>
       <p:sp>
         <p:nvSpPr>
-          <p:cNvPr id="28" name="Título 1"/>
-          <p:cNvSpPr txBox="1">
-            <a:spLocks/>
+          <p:cNvPr id="2" name="Título 1"/>
+          <p:cNvSpPr>
+            <a:spLocks noGrp="1"/>
           </p:cNvSpPr>
-          <p:nvPr/>
+          <p:nvPr>
+            <p:ph type="title"/>
+          </p:nvPr>
         </p:nvSpPr>
         <p:spPr>
           <a:xfrm>
-            <a:off x="1607517" y="228600"/>
-            <a:ext cx="8836646" cy="813148"/>
+            <a:off x="1695449" y="192581"/>
+            <a:ext cx="7600952" cy="783264"/>
           </a:xfrm>
-          <a:prstGeom prst="rect">
-            <a:avLst/>
-          </a:prstGeom>
         </p:spPr>
         <p:txBody>
-          <a:bodyPr vert="horz" lIns="91440" tIns="45720" rIns="91440" bIns="45720" rtlCol="0" anchor="t">
-            <a:noAutofit/>
-          </a:bodyPr>
-          <a:lstStyle>
-            <a:lvl1pPr algn="l" defTabSz="457200" rtl="0" eaLnBrk="1" latinLnBrk="0" hangingPunct="1">
-              <a:spcBef>
-                <a:spcPct val="0"/>
-              </a:spcBef>
-              <a:buNone/>
-              <a:defRPr sz="4200" b="0" i="0" kern="1200">
-                <a:solidFill>
-                  <a:schemeClr val="tx2"/>
-                </a:solidFill>
-                <a:latin typeface="+mj-lt"/>
-                <a:ea typeface="+mj-ea"/>
-                <a:cs typeface="+mj-cs"/>
-              </a:defRPr>
-            </a:lvl1pPr>
-            <a:lvl2pPr eaLnBrk="1" hangingPunct="1">
-              <a:defRPr>
-                <a:solidFill>
-                  <a:schemeClr val="tx2"/>
-                </a:solidFill>
-              </a:defRPr>
-            </a:lvl2pPr>
-            <a:lvl3pPr eaLnBrk="1" hangingPunct="1">
-              <a:defRPr>
-                <a:solidFill>
-                  <a:schemeClr val="tx2"/>
-                </a:solidFill>
-              </a:defRPr>
-            </a:lvl3pPr>
-            <a:lvl4pPr eaLnBrk="1" hangingPunct="1">
-              <a:defRPr>
-                <a:solidFill>
-                  <a:schemeClr val="tx2"/>
-                </a:solidFill>
-              </a:defRPr>
-            </a:lvl4pPr>
-            <a:lvl5pPr eaLnBrk="1" hangingPunct="1">
-              <a:defRPr>
-                <a:solidFill>
-                  <a:schemeClr val="tx2"/>
-                </a:solidFill>
-              </a:defRPr>
-            </a:lvl5pPr>
-            <a:lvl6pPr eaLnBrk="1" hangingPunct="1">
-              <a:defRPr>
-                <a:solidFill>
-                  <a:schemeClr val="tx2"/>
-                </a:solidFill>
-              </a:defRPr>
-            </a:lvl6pPr>
-            <a:lvl7pPr eaLnBrk="1" hangingPunct="1">
-              <a:defRPr>
-                <a:solidFill>
-                  <a:schemeClr val="tx2"/>
-                </a:solidFill>
-              </a:defRPr>
-            </a:lvl7pPr>
-            <a:lvl8pPr eaLnBrk="1" hangingPunct="1">
-              <a:defRPr>
-                <a:solidFill>
-                  <a:schemeClr val="tx2"/>
-                </a:solidFill>
-              </a:defRPr>
-            </a:lvl8pPr>
-            <a:lvl9pPr eaLnBrk="1" hangingPunct="1">
-              <a:defRPr>
-                <a:solidFill>
-                  <a:schemeClr val="tx2"/>
-                </a:solidFill>
-              </a:defRPr>
-            </a:lvl9pPr>
-          </a:lstStyle>
-          <a:p>
-            <a:r>
-              <a:rPr lang="es-AR" dirty="0" smtClean="0"/>
-              <a:t>Demo del sistema</a:t>
-            </a:r>
-            <a:endParaRPr lang="es-AR" dirty="0"/>
+          <a:bodyPr/>
+          <a:lstStyle/>
+          <a:p>
+            <a:r>
+              <a:rPr lang="es-AR" sz="3600" dirty="0" err="1" smtClean="0"/>
+              <a:t>Restrospectiva</a:t>
+            </a:r>
+            <a:r>
+              <a:rPr lang="es-AR" sz="3600" dirty="0" smtClean="0"/>
+              <a:t>  (Reflexión o Experiencias)</a:t>
+            </a:r>
+            <a:endParaRPr lang="es-AR" sz="3600" dirty="0"/>
           </a:p>
         </p:txBody>
       </p:sp>
       <p:pic>
         <p:nvPicPr>
-          <p:cNvPr id="29" name="Imagen 28"/>
+          <p:cNvPr id="56" name="Imagen 55"/>
           <p:cNvPicPr>
             <a:picLocks noChangeAspect="1"/>
           </p:cNvPicPr>
@@ -26446,7 +27329,7 @@
         </p:blipFill>
         <p:spPr>
           <a:xfrm>
-            <a:off x="289301" y="0"/>
+            <a:off x="365501" y="0"/>
             <a:ext cx="1151372" cy="1163031"/>
           </a:xfrm>
           <a:prstGeom prst="rect">
@@ -26456,146 +27339,60 @@
       </p:pic>
       <p:sp>
         <p:nvSpPr>
-          <p:cNvPr id="46" name="Título 1"/>
-          <p:cNvSpPr txBox="1">
-            <a:spLocks/>
-          </p:cNvSpPr>
+          <p:cNvPr id="101" name="Rectángulo redondeado 100"/>
+          <p:cNvSpPr/>
           <p:nvPr/>
         </p:nvSpPr>
         <p:spPr>
           <a:xfrm>
-            <a:off x="2061029" y="2257795"/>
-            <a:ext cx="8157028" cy="2342410"/>
+            <a:off x="1112397" y="1355611"/>
+            <a:ext cx="10397613" cy="5839536"/>
           </a:xfrm>
-          <a:prstGeom prst="rect">
-            <a:avLst/>
+          <a:prstGeom prst="roundRect">
+            <a:avLst>
+              <a:gd name="adj" fmla="val 2548"/>
+            </a:avLst>
           </a:prstGeom>
-          <a:effectLst>
-            <a:outerShdw blurRad="50800" dir="14400000">
-              <a:srgbClr val="000000">
-                <a:alpha val="60000"/>
-              </a:srgbClr>
-            </a:outerShdw>
-          </a:effectLst>
+          <a:solidFill>
+            <a:schemeClr val="tx2"/>
+          </a:solidFill>
+          <a:ln w="38100"/>
         </p:spPr>
+        <p:style>
+          <a:lnRef idx="2">
+            <a:schemeClr val="accent1">
+              <a:shade val="50000"/>
+            </a:schemeClr>
+          </a:lnRef>
+          <a:fillRef idx="1">
+            <a:schemeClr val="accent1"/>
+          </a:fillRef>
+          <a:effectRef idx="0">
+            <a:schemeClr val="accent1"/>
+          </a:effectRef>
+          <a:fontRef idx="minor">
+            <a:schemeClr val="lt1"/>
+          </a:fontRef>
+        </p:style>
         <p:txBody>
-          <a:bodyPr vert="horz" lIns="91440" tIns="45720" rIns="91440" bIns="45720" rtlCol="0" anchor="b">
-            <a:noAutofit/>
-          </a:bodyPr>
-          <a:lstStyle>
-            <a:lvl1pPr algn="l" defTabSz="457200" rtl="0" eaLnBrk="1" latinLnBrk="0" hangingPunct="1">
-              <a:spcBef>
-                <a:spcPct val="0"/>
-              </a:spcBef>
-              <a:buNone/>
-              <a:defRPr sz="5400" b="1" kern="1200">
-                <a:solidFill>
-                  <a:srgbClr val="FEFEFE"/>
-                </a:solidFill>
-                <a:latin typeface="+mj-lt"/>
-                <a:ea typeface="+mj-ea"/>
-                <a:cs typeface="+mj-cs"/>
-              </a:defRPr>
-            </a:lvl1pPr>
-            <a:lvl2pPr eaLnBrk="1" hangingPunct="1">
-              <a:defRPr>
-                <a:solidFill>
-                  <a:schemeClr val="tx2"/>
-                </a:solidFill>
-              </a:defRPr>
-            </a:lvl2pPr>
-            <a:lvl3pPr eaLnBrk="1" hangingPunct="1">
-              <a:defRPr>
-                <a:solidFill>
-                  <a:schemeClr val="tx2"/>
-                </a:solidFill>
-              </a:defRPr>
-            </a:lvl3pPr>
-            <a:lvl4pPr eaLnBrk="1" hangingPunct="1">
-              <a:defRPr>
-                <a:solidFill>
-                  <a:schemeClr val="tx2"/>
-                </a:solidFill>
-              </a:defRPr>
-            </a:lvl4pPr>
-            <a:lvl5pPr eaLnBrk="1" hangingPunct="1">
-              <a:defRPr>
-                <a:solidFill>
-                  <a:schemeClr val="tx2"/>
-                </a:solidFill>
-              </a:defRPr>
-            </a:lvl5pPr>
-            <a:lvl6pPr eaLnBrk="1" hangingPunct="1">
-              <a:defRPr>
-                <a:solidFill>
-                  <a:schemeClr val="tx2"/>
-                </a:solidFill>
-              </a:defRPr>
-            </a:lvl6pPr>
-            <a:lvl7pPr eaLnBrk="1" hangingPunct="1">
-              <a:defRPr>
-                <a:solidFill>
-                  <a:schemeClr val="tx2"/>
-                </a:solidFill>
-              </a:defRPr>
-            </a:lvl7pPr>
-            <a:lvl8pPr eaLnBrk="1" hangingPunct="1">
-              <a:defRPr>
-                <a:solidFill>
-                  <a:schemeClr val="tx2"/>
-                </a:solidFill>
-              </a:defRPr>
-            </a:lvl8pPr>
-            <a:lvl9pPr eaLnBrk="1" hangingPunct="1">
-              <a:defRPr>
-                <a:solidFill>
-                  <a:schemeClr val="tx2"/>
-                </a:solidFill>
-              </a:defRPr>
-            </a:lvl9pPr>
-          </a:lstStyle>
+          <a:bodyPr rtlCol="0" anchor="ctr"/>
+          <a:lstStyle/>
           <a:p>
             <a:pPr algn="ctr"/>
-            <a:r>
-              <a:rPr lang="es-AR" sz="7200" spc="300" dirty="0" smtClean="0">
-                <a:solidFill>
-                  <a:schemeClr val="tx1"/>
-                </a:solidFill>
-                <a:effectLst>
-                  <a:outerShdw blurRad="38100" dist="38100" dir="2700000" algn="tl">
-                    <a:srgbClr val="000000">
-                      <a:alpha val="43137"/>
-                    </a:srgbClr>
-                  </a:outerShdw>
-                </a:effectLst>
-              </a:rPr>
-              <a:t>Presentación de Funcionalidad </a:t>
-            </a:r>
-            <a:endParaRPr lang="es-AR" sz="7200" spc="300" dirty="0">
-              <a:solidFill>
-                <a:schemeClr val="tx1"/>
-              </a:solidFill>
-              <a:effectLst>
-                <a:outerShdw blurRad="38100" dist="38100" dir="2700000" algn="tl">
-                  <a:srgbClr val="000000">
-                    <a:alpha val="43137"/>
-                  </a:srgbClr>
-                </a:outerShdw>
-              </a:effectLst>
-            </a:endParaRPr>
+            <a:endParaRPr lang="es-ES"/>
           </a:p>
         </p:txBody>
       </p:sp>
       <p:sp>
         <p:nvSpPr>
-          <p:cNvPr id="47" name="Left Bracket"/>
+          <p:cNvPr id="3" name="CuadroTexto 2"/>
           <p:cNvSpPr txBox="1"/>
           <p:nvPr/>
         </p:nvSpPr>
         <p:spPr>
           <a:xfrm>
-            <a:off x="5163590" y="1741534"/>
-            <a:ext cx="1080745" cy="3154710"/>
+            <a:off x="1516873" y="1366641"/>
+            <a:ext cx="9588662" cy="7140416"/>
           </a:xfrm>
           <a:prstGeom prst="rect">
             <a:avLst/>
@@ -26603,104 +27400,442 @@
           <a:noFill/>
         </p:spPr>
         <p:txBody>
-          <a:bodyPr wrap="none" rtlCol="0">
+          <a:bodyPr wrap="square" rtlCol="0">
             <a:spAutoFit/>
           </a:bodyPr>
           <a:lstStyle/>
           <a:p>
-            <a:r>
-              <a:rPr lang="en-US" sz="19900" dirty="0" smtClean="0">
+            <a:pPr marL="285750" indent="-285750">
+              <a:buFont typeface="Arial" panose="020B0604020202020204" pitchFamily="34" charset="0"/>
+              <a:buChar char="•"/>
+            </a:pPr>
+            <a:r>
+              <a:rPr lang="es-AR" sz="1600" b="1" dirty="0" smtClean="0">
                 <a:solidFill>
-                  <a:schemeClr val="tx1">
-                    <a:lumMod val="95000"/>
-                  </a:schemeClr>
+                  <a:schemeClr val="bg1"/>
                 </a:solidFill>
-                <a:effectLst>
-                  <a:outerShdw blurRad="38100" dist="38100" dir="2700000" algn="tl">
-                    <a:srgbClr val="000000">
-                      <a:alpha val="43137"/>
-                    </a:srgbClr>
-                  </a:outerShdw>
-                </a:effectLst>
               </a:rPr>
-              <a:t>[</a:t>
-            </a:r>
-            <a:endParaRPr lang="en-US" sz="19900" dirty="0">
+              <a:t>(+)Cantidad Horas trabajadas</a:t>
+            </a:r>
+          </a:p>
+          <a:p>
+            <a:pPr marL="285750" indent="-285750">
+              <a:buFont typeface="Arial" panose="020B0604020202020204" pitchFamily="34" charset="0"/>
+              <a:buChar char="•"/>
+            </a:pPr>
+            <a:r>
+              <a:rPr lang="es-AR" sz="1600" b="1" dirty="0" smtClean="0">
+                <a:solidFill>
+                  <a:schemeClr val="bg1"/>
+                </a:solidFill>
+              </a:rPr>
+              <a:t>Metodología -&gt; </a:t>
+            </a:r>
+            <a:r>
+              <a:rPr lang="es-AR" sz="1600" b="1" dirty="0" err="1" smtClean="0">
+                <a:solidFill>
+                  <a:schemeClr val="bg1"/>
+                </a:solidFill>
+              </a:rPr>
+              <a:t>Scrum</a:t>
+            </a:r>
+            <a:r>
+              <a:rPr lang="es-AR" sz="1600" b="1" dirty="0" smtClean="0">
+                <a:solidFill>
+                  <a:schemeClr val="bg1"/>
+                </a:solidFill>
+              </a:rPr>
+              <a:t>. Tomamos las practicas que nos servían a nosotros.</a:t>
+            </a:r>
+          </a:p>
+          <a:p>
+            <a:pPr marL="285750" indent="-285750">
+              <a:buFont typeface="Arial" panose="020B0604020202020204" pitchFamily="34" charset="0"/>
+              <a:buChar char="•"/>
+            </a:pPr>
+            <a:r>
+              <a:rPr lang="es-AR" sz="1600" b="1" dirty="0" smtClean="0">
+                <a:solidFill>
+                  <a:schemeClr val="bg1"/>
+                </a:solidFill>
+              </a:rPr>
+              <a:t>TRABAJO EN EQUIPO! COMPROMISO! Mejoro la comunicación, siempre estuvimos juntos físicamente en el mismo lugar. -&gt; Avanzar mucho mas rápido y reduce el re trabajo. </a:t>
+            </a:r>
+          </a:p>
+          <a:p>
+            <a:pPr marL="285750" indent="-285750">
+              <a:buFont typeface="Arial" panose="020B0604020202020204" pitchFamily="34" charset="0"/>
+              <a:buChar char="•"/>
+            </a:pPr>
+            <a:r>
+              <a:rPr lang="es-AR" sz="1600" b="1" dirty="0" smtClean="0">
+                <a:solidFill>
+                  <a:schemeClr val="bg1"/>
+                </a:solidFill>
+              </a:rPr>
+              <a:t>Se respetó la planificación. Se le dedico las horas </a:t>
+            </a:r>
+            <a:r>
+              <a:rPr lang="es-AR" sz="1600" b="1" dirty="0" err="1" smtClean="0">
+                <a:solidFill>
+                  <a:schemeClr val="bg1"/>
+                </a:solidFill>
+              </a:rPr>
+              <a:t>semanals</a:t>
+            </a:r>
+            <a:r>
+              <a:rPr lang="es-AR" sz="1600" b="1" dirty="0" smtClean="0">
+                <a:solidFill>
+                  <a:schemeClr val="bg1"/>
+                </a:solidFill>
+              </a:rPr>
+              <a:t> acordadas</a:t>
+            </a:r>
+          </a:p>
+          <a:p>
+            <a:pPr marL="285750" indent="-285750">
+              <a:buFont typeface="Arial" panose="020B0604020202020204" pitchFamily="34" charset="0"/>
+              <a:buChar char="•"/>
+            </a:pPr>
+            <a:r>
+              <a:rPr lang="es-AR" sz="1600" b="1" dirty="0" smtClean="0">
+                <a:solidFill>
+                  <a:schemeClr val="bg1"/>
+                </a:solidFill>
+              </a:rPr>
+              <a:t>Nos sirvió realizar el estudio inicial y analizar los </a:t>
+            </a:r>
+            <a:r>
+              <a:rPr lang="es-AR" sz="1600" b="1" dirty="0" err="1" smtClean="0">
+                <a:solidFill>
+                  <a:schemeClr val="bg1"/>
+                </a:solidFill>
+              </a:rPr>
+              <a:t>rqs</a:t>
+            </a:r>
+            <a:r>
+              <a:rPr lang="es-AR" sz="1600" b="1" dirty="0" smtClean="0">
+                <a:solidFill>
+                  <a:schemeClr val="bg1"/>
+                </a:solidFill>
+              </a:rPr>
+              <a:t> antes de programar (analizar bien el dominio, </a:t>
+            </a:r>
+            <a:r>
+              <a:rPr lang="es-AR" sz="1600" b="1" dirty="0" err="1" smtClean="0">
+                <a:solidFill>
+                  <a:schemeClr val="bg1"/>
+                </a:solidFill>
+              </a:rPr>
+              <a:t>nors</a:t>
+            </a:r>
+            <a:r>
+              <a:rPr lang="es-AR" sz="1600" b="1" dirty="0" smtClean="0">
+                <a:solidFill>
+                  <a:schemeClr val="bg1"/>
+                </a:solidFill>
+              </a:rPr>
+              <a:t> sirvió tomarnos dos meses – sprint 0) ANALIZAR NECESIDADES, RQS, COMO ENCARAR LA SOLUCION.. </a:t>
+            </a:r>
+          </a:p>
+          <a:p>
+            <a:pPr marL="285750" indent="-285750">
+              <a:buFont typeface="Arial" panose="020B0604020202020204" pitchFamily="34" charset="0"/>
+              <a:buChar char="•"/>
+            </a:pPr>
+            <a:r>
+              <a:rPr lang="es-AR" sz="1600" b="1" dirty="0" err="1" smtClean="0">
+                <a:solidFill>
+                  <a:schemeClr val="bg1"/>
+                </a:solidFill>
+              </a:rPr>
+              <a:t>Restruccturacion</a:t>
+            </a:r>
+            <a:r>
+              <a:rPr lang="es-AR" sz="1600" b="1" dirty="0" smtClean="0">
+                <a:solidFill>
+                  <a:schemeClr val="bg1"/>
+                </a:solidFill>
+              </a:rPr>
+              <a:t> de código -&gt; se le dedico tiempo. Un sprint</a:t>
+            </a:r>
+          </a:p>
+          <a:p>
+            <a:pPr marL="285750" indent="-285750">
+              <a:buFont typeface="Arial" panose="020B0604020202020204" pitchFamily="34" charset="0"/>
+              <a:buChar char="•"/>
+            </a:pPr>
+            <a:r>
+              <a:rPr lang="es-AR" sz="1600" b="1" dirty="0" smtClean="0">
+                <a:solidFill>
+                  <a:schemeClr val="bg1"/>
+                </a:solidFill>
+              </a:rPr>
+              <a:t>Tenemos la </a:t>
+            </a:r>
+            <a:r>
+              <a:rPr lang="es-AR" sz="1600" b="1" dirty="0" err="1" smtClean="0">
+                <a:solidFill>
+                  <a:schemeClr val="bg1"/>
+                </a:solidFill>
+              </a:rPr>
+              <a:t>doc</a:t>
+            </a:r>
+            <a:r>
+              <a:rPr lang="es-AR" sz="1600" b="1" dirty="0" smtClean="0">
+                <a:solidFill>
+                  <a:schemeClr val="bg1"/>
+                </a:solidFill>
+              </a:rPr>
+              <a:t> actualizada y consistente nos facilito la construcción de nuestro producto y eso va a ayudarnos en un futuro para el mantenimiento.</a:t>
+            </a:r>
+          </a:p>
+          <a:p>
+            <a:pPr marL="285750" indent="-285750">
+              <a:buFont typeface="Arial" panose="020B0604020202020204" pitchFamily="34" charset="0"/>
+              <a:buChar char="•"/>
+            </a:pPr>
+            <a:endParaRPr lang="es-AR" b="1" dirty="0">
               <a:solidFill>
-                <a:schemeClr val="tx1">
-                  <a:lumMod val="95000"/>
-                </a:schemeClr>
+                <a:schemeClr val="bg1"/>
               </a:solidFill>
-              <a:effectLst>
-                <a:outerShdw blurRad="38100" dist="38100" dir="2700000" algn="tl">
-                  <a:srgbClr val="000000">
-                    <a:alpha val="43137"/>
-                  </a:srgbClr>
-                </a:outerShdw>
-              </a:effectLst>
             </a:endParaRPr>
           </a:p>
-        </p:txBody>
-      </p:sp>
-      <p:sp>
-        <p:nvSpPr>
-          <p:cNvPr id="48" name="Right Bracket"/>
-          <p:cNvSpPr txBox="1"/>
-          <p:nvPr/>
-        </p:nvSpPr>
-        <p:spPr>
-          <a:xfrm>
-            <a:off x="6230113" y="1741534"/>
-            <a:ext cx="1080745" cy="3154710"/>
-          </a:xfrm>
-          <a:prstGeom prst="rect">
-            <a:avLst/>
-          </a:prstGeom>
-          <a:noFill/>
-        </p:spPr>
-        <p:txBody>
-          <a:bodyPr wrap="none" rtlCol="0">
-            <a:spAutoFit/>
-          </a:bodyPr>
-          <a:lstStyle/>
-          <a:p>
-            <a:r>
-              <a:rPr lang="en-US" sz="19900" dirty="0">
+          <a:p>
+            <a:pPr marL="285750" indent="-285750">
+              <a:buFont typeface="Arial" panose="020B0604020202020204" pitchFamily="34" charset="0"/>
+              <a:buChar char="•"/>
+            </a:pPr>
+            <a:r>
+              <a:rPr lang="es-AR" sz="1600" b="1" dirty="0" smtClean="0">
                 <a:solidFill>
-                  <a:schemeClr val="tx1">
-                    <a:lumMod val="95000"/>
-                  </a:schemeClr>
+                  <a:schemeClr val="bg1"/>
                 </a:solidFill>
-                <a:effectLst>
-                  <a:outerShdw blurRad="38100" dist="38100" dir="2700000" algn="tl">
-                    <a:srgbClr val="000000">
-                      <a:alpha val="43137"/>
-                    </a:srgbClr>
-                  </a:outerShdw>
-                </a:effectLst>
               </a:rPr>
-              <a:t>]</a:t>
-            </a:r>
+              <a:t>(-)Nos falto definir con detalle un Criterio de Hecho (Nos faltó un </a:t>
+            </a:r>
+            <a:r>
+              <a:rPr lang="es-AR" sz="1600" b="1" dirty="0" err="1" smtClean="0">
+                <a:solidFill>
+                  <a:schemeClr val="bg1"/>
+                </a:solidFill>
+              </a:rPr>
+              <a:t>product</a:t>
+            </a:r>
+            <a:r>
+              <a:rPr lang="es-AR" sz="1600" b="1" dirty="0" smtClean="0">
+                <a:solidFill>
+                  <a:schemeClr val="bg1"/>
+                </a:solidFill>
+              </a:rPr>
+              <a:t> </a:t>
+            </a:r>
+            <a:r>
+              <a:rPr lang="es-AR" sz="1600" b="1" dirty="0" err="1" smtClean="0">
+                <a:solidFill>
+                  <a:schemeClr val="bg1"/>
+                </a:solidFill>
+              </a:rPr>
+              <a:t>owner</a:t>
+            </a:r>
+            <a:r>
+              <a:rPr lang="es-AR" sz="1600" b="1" dirty="0" smtClean="0">
+                <a:solidFill>
+                  <a:schemeClr val="bg1"/>
+                </a:solidFill>
+              </a:rPr>
+              <a:t> mas formal). Definir un punto de cuando las cosas están listas.</a:t>
+            </a:r>
+          </a:p>
+          <a:p>
+            <a:pPr marL="285750" indent="-285750">
+              <a:buFont typeface="Arial" panose="020B0604020202020204" pitchFamily="34" charset="0"/>
+              <a:buChar char="•"/>
+            </a:pPr>
+            <a:r>
+              <a:rPr lang="es-AR" sz="1600" b="1" dirty="0" err="1" smtClean="0">
+                <a:solidFill>
+                  <a:schemeClr val="bg1"/>
+                </a:solidFill>
+              </a:rPr>
+              <a:t>Testing</a:t>
+            </a:r>
+            <a:r>
+              <a:rPr lang="es-AR" sz="1600" b="1" dirty="0" smtClean="0">
+                <a:solidFill>
+                  <a:schemeClr val="bg1"/>
+                </a:solidFill>
+              </a:rPr>
+              <a:t>!!!!!! No le dedicamos tiempo a la automatización de CP que era la idea inicial. Hicimos </a:t>
+            </a:r>
+            <a:r>
+              <a:rPr lang="es-AR" sz="1600" b="1" dirty="0" err="1" smtClean="0">
+                <a:solidFill>
+                  <a:schemeClr val="bg1"/>
+                </a:solidFill>
+              </a:rPr>
+              <a:t>testing</a:t>
+            </a:r>
+            <a:r>
+              <a:rPr lang="es-AR" sz="1600" b="1" dirty="0" smtClean="0">
+                <a:solidFill>
+                  <a:schemeClr val="bg1"/>
+                </a:solidFill>
+              </a:rPr>
+              <a:t> manual solo. </a:t>
+            </a:r>
+          </a:p>
+          <a:p>
+            <a:pPr marL="285750" indent="-285750">
+              <a:buFont typeface="Arial" panose="020B0604020202020204" pitchFamily="34" charset="0"/>
+              <a:buChar char="•"/>
+            </a:pPr>
+            <a:r>
+              <a:rPr lang="es-AR" sz="1600" b="1" dirty="0" smtClean="0">
+                <a:solidFill>
+                  <a:schemeClr val="bg1"/>
+                </a:solidFill>
+              </a:rPr>
+              <a:t>Le deberíamos haber dado más importancia a las inspecciones de </a:t>
+            </a:r>
+            <a:r>
+              <a:rPr lang="es-AR" sz="1600" b="1" smtClean="0">
+                <a:solidFill>
+                  <a:schemeClr val="bg1"/>
+                </a:solidFill>
+              </a:rPr>
+              <a:t>código.</a:t>
+            </a:r>
+            <a:endParaRPr lang="es-AR" sz="1600" b="1" dirty="0">
+              <a:solidFill>
+                <a:schemeClr val="bg1"/>
+              </a:solidFill>
+            </a:endParaRPr>
+          </a:p>
+          <a:p>
+            <a:pPr marL="285750" indent="-285750">
+              <a:buFont typeface="Arial" panose="020B0604020202020204" pitchFamily="34" charset="0"/>
+              <a:buChar char="•"/>
+            </a:pPr>
+            <a:endParaRPr lang="es-AR" sz="1600" b="1" dirty="0" smtClean="0">
+              <a:solidFill>
+                <a:schemeClr val="bg1"/>
+              </a:solidFill>
+            </a:endParaRPr>
+          </a:p>
+          <a:p>
+            <a:pPr marL="285750" indent="-285750">
+              <a:buFont typeface="Arial" panose="020B0604020202020204" pitchFamily="34" charset="0"/>
+              <a:buChar char="•"/>
+            </a:pPr>
+            <a:r>
+              <a:rPr lang="es-AR" sz="1600" b="1" dirty="0" smtClean="0">
+                <a:solidFill>
+                  <a:schemeClr val="bg1"/>
+                </a:solidFill>
+              </a:rPr>
+              <a:t>Mejorar (++)</a:t>
+            </a:r>
+          </a:p>
+          <a:p>
+            <a:pPr marL="285750" indent="-285750">
+              <a:buFont typeface="Arial" panose="020B0604020202020204" pitchFamily="34" charset="0"/>
+              <a:buChar char="•"/>
+            </a:pPr>
+            <a:r>
+              <a:rPr lang="es-AR" sz="1600" b="1" dirty="0" smtClean="0">
+                <a:solidFill>
+                  <a:schemeClr val="bg1"/>
+                </a:solidFill>
+              </a:rPr>
+              <a:t>Como vamos a seguir.. Como forma de trabajo.. Dedicarle mas horas a trabajar juntos (Seguir trabajando con las cosas positivas y tratar de mejorar en los aspectos negativos)</a:t>
+            </a:r>
+          </a:p>
+          <a:p>
+            <a:pPr marL="285750" indent="-285750">
+              <a:buFont typeface="Arial" panose="020B0604020202020204" pitchFamily="34" charset="0"/>
+              <a:buChar char="•"/>
+            </a:pPr>
+            <a:r>
+              <a:rPr lang="es-AR" sz="1600" b="1" dirty="0" smtClean="0">
+                <a:solidFill>
+                  <a:schemeClr val="bg1"/>
+                </a:solidFill>
+              </a:rPr>
+              <a:t>Hoy lo vemos como algo mucho mas factible y nos gustaría arrancar un emprendimiento propio y por tal motivo hicimos un PLAN DE NEGOCIO!!!! (</a:t>
+            </a:r>
+            <a:r>
+              <a:rPr lang="es-AR" sz="1600" b="1" dirty="0" err="1" smtClean="0">
+                <a:solidFill>
+                  <a:schemeClr val="bg1"/>
+                </a:solidFill>
+              </a:rPr>
+              <a:t>fACU</a:t>
+            </a:r>
+            <a:r>
+              <a:rPr lang="es-AR" sz="1600" b="1" dirty="0" smtClean="0">
+                <a:solidFill>
+                  <a:schemeClr val="bg1"/>
+                </a:solidFill>
+              </a:rPr>
+              <a:t>)</a:t>
+            </a:r>
+          </a:p>
+          <a:p>
+            <a:pPr marL="285750" indent="-285750">
+              <a:buFont typeface="Arial" panose="020B0604020202020204" pitchFamily="34" charset="0"/>
+              <a:buChar char="•"/>
+            </a:pPr>
+            <a:endParaRPr lang="es-AR" b="1" dirty="0" smtClean="0">
+              <a:solidFill>
+                <a:schemeClr val="bg1"/>
+              </a:solidFill>
+            </a:endParaRPr>
+          </a:p>
+          <a:p>
+            <a:pPr marL="285750" indent="-285750">
+              <a:buFont typeface="Arial" panose="020B0604020202020204" pitchFamily="34" charset="0"/>
+              <a:buChar char="•"/>
+            </a:pPr>
+            <a:endParaRPr lang="es-AR" b="1" dirty="0" smtClean="0">
+              <a:solidFill>
+                <a:schemeClr val="bg1"/>
+              </a:solidFill>
+            </a:endParaRPr>
+          </a:p>
+          <a:p>
+            <a:pPr marL="285750" indent="-285750">
+              <a:buFont typeface="Arial" panose="020B0604020202020204" pitchFamily="34" charset="0"/>
+              <a:buChar char="•"/>
+            </a:pPr>
+            <a:endParaRPr lang="es-AR" dirty="0" smtClean="0"/>
+          </a:p>
+          <a:p>
+            <a:pPr marL="285750" indent="-285750">
+              <a:buFont typeface="Arial" panose="020B0604020202020204" pitchFamily="34" charset="0"/>
+              <a:buChar char="•"/>
+            </a:pPr>
+            <a:endParaRPr lang="es-ES" dirty="0"/>
           </a:p>
         </p:txBody>
       </p:sp>
     </p:spTree>
     <p:extLst>
       <p:ext uri="{BB962C8B-B14F-4D97-AF65-F5344CB8AC3E}">
-        <p14:creationId xmlns:p14="http://schemas.microsoft.com/office/powerpoint/2010/main" val="3189637303"/>
+        <p14:creationId xmlns:p14="http://schemas.microsoft.com/office/powerpoint/2010/main" val="704355331"/>
       </p:ext>
     </p:extLst>
   </p:cSld>
   <p:clrMapOvr>
     <a:masterClrMapping/>
   </p:clrMapOvr>
-  <mc:AlternateContent xmlns:mc="http://schemas.openxmlformats.org/markup-compatibility/2006" xmlns:p14="http://schemas.microsoft.com/office/powerpoint/2010/main">
-    <mc:Choice Requires="p14">
+  <mc:AlternateContent xmlns:mc="http://schemas.openxmlformats.org/markup-compatibility/2006">
+    <mc:Choice xmlns:p14="http://schemas.microsoft.com/office/powerpoint/2010/main" Requires="p14">
       <p:transition spd="slow" p14:dur="800">
         <p14:flythrough/>
       </p:transition>
     </mc:Choice>
-    <mc:Fallback xmlns="">
+    <mc:Fallback>
       <p:transition spd="slow">
         <p:fade/>
       </p:transition>
@@ -26709,215 +27844,9 @@
   <p:timing>
     <p:tnLst>
       <p:par>
-        <p:cTn id="1" dur="indefinite" restart="never" nodeType="tmRoot">
-          <p:childTnLst>
-            <p:seq concurrent="1" nextAc="seek">
-              <p:cTn id="2" dur="indefinite" nodeType="mainSeq">
-                <p:childTnLst>
-                  <p:par>
-                    <p:cTn id="3" fill="hold">
-                      <p:stCondLst>
-                        <p:cond delay="indefinite"/>
-                      </p:stCondLst>
-                      <p:childTnLst>
-                        <p:par>
-                          <p:cTn id="4" fill="hold">
-                            <p:stCondLst>
-                              <p:cond delay="0"/>
-                            </p:stCondLst>
-                            <p:childTnLst>
-                              <p:par>
-                                <p:cTn id="5" presetID="10" presetClass="entr" presetSubtype="0" fill="hold" grpId="0" nodeType="clickEffect">
-                                  <p:stCondLst>
-                                    <p:cond delay="500"/>
-                                  </p:stCondLst>
-                                  <p:childTnLst>
-                                    <p:set>
-                                      <p:cBhvr>
-                                        <p:cTn id="6" dur="1" fill="hold">
-                                          <p:stCondLst>
-                                            <p:cond delay="0"/>
-                                          </p:stCondLst>
-                                        </p:cTn>
-                                        <p:tgtEl>
-                                          <p:spTgt spid="48"/>
-                                        </p:tgtEl>
-                                        <p:attrNameLst>
-                                          <p:attrName>style.visibility</p:attrName>
-                                        </p:attrNameLst>
-                                      </p:cBhvr>
-                                      <p:to>
-                                        <p:strVal val="visible"/>
-                                      </p:to>
-                                    </p:set>
-                                    <p:animEffect transition="in" filter="fade">
-                                      <p:cBhvr>
-                                        <p:cTn id="7" dur="500"/>
-                                        <p:tgtEl>
-                                          <p:spTgt spid="48"/>
-                                        </p:tgtEl>
-                                      </p:cBhvr>
-                                    </p:animEffect>
-                                  </p:childTnLst>
-                                </p:cTn>
-                              </p:par>
-                              <p:par>
-                                <p:cTn id="8" presetID="10" presetClass="entr" presetSubtype="0" fill="hold" grpId="1" nodeType="withEffect">
-                                  <p:stCondLst>
-                                    <p:cond delay="500"/>
-                                  </p:stCondLst>
-                                  <p:childTnLst>
-                                    <p:set>
-                                      <p:cBhvr>
-                                        <p:cTn id="9" dur="1" fill="hold">
-                                          <p:stCondLst>
-                                            <p:cond delay="0"/>
-                                          </p:stCondLst>
-                                        </p:cTn>
-                                        <p:tgtEl>
-                                          <p:spTgt spid="47"/>
-                                        </p:tgtEl>
-                                        <p:attrNameLst>
-                                          <p:attrName>style.visibility</p:attrName>
-                                        </p:attrNameLst>
-                                      </p:cBhvr>
-                                      <p:to>
-                                        <p:strVal val="visible"/>
-                                      </p:to>
-                                    </p:set>
-                                    <p:animEffect transition="in" filter="fade">
-                                      <p:cBhvr>
-                                        <p:cTn id="10" dur="500"/>
-                                        <p:tgtEl>
-                                          <p:spTgt spid="47"/>
-                                        </p:tgtEl>
-                                      </p:cBhvr>
-                                    </p:animEffect>
-                                  </p:childTnLst>
-                                </p:cTn>
-                              </p:par>
-                            </p:childTnLst>
-                          </p:cTn>
-                        </p:par>
-                        <p:par>
-                          <p:cTn id="11" fill="hold">
-                            <p:stCondLst>
-                              <p:cond delay="1000"/>
-                            </p:stCondLst>
-                            <p:childTnLst>
-                              <p:par>
-                                <p:cTn id="12" presetID="42" presetClass="path" presetSubtype="0" accel="50000" decel="50000" fill="hold" grpId="0" nodeType="afterEffect">
-                                  <p:stCondLst>
-                                    <p:cond delay="0"/>
-                                  </p:stCondLst>
-                                  <p:childTnLst>
-                                    <p:animMotion origin="layout" path="M 1.45833E-6 3.7037E-6 L -0.3069 -0.00324 " pathEditMode="relative" rAng="0" ptsTypes="AA">
-                                      <p:cBhvr>
-                                        <p:cTn id="13" dur="1000" fill="hold"/>
-                                        <p:tgtEl>
-                                          <p:spTgt spid="47"/>
-                                        </p:tgtEl>
-                                        <p:attrNameLst>
-                                          <p:attrName>ppt_x</p:attrName>
-                                          <p:attrName>ppt_y</p:attrName>
-                                        </p:attrNameLst>
-                                      </p:cBhvr>
-                                      <p:rCtr x="-15352" y="-162"/>
-                                    </p:animMotion>
-                                  </p:childTnLst>
-                                </p:cTn>
-                              </p:par>
-                              <p:par>
-                                <p:cTn id="14" presetID="42" presetClass="path" presetSubtype="0" accel="50000" decel="50000" fill="hold" grpId="1" nodeType="withEffect">
-                                  <p:stCondLst>
-                                    <p:cond delay="0"/>
-                                  </p:stCondLst>
-                                  <p:childTnLst>
-                                    <p:animMotion origin="layout" path="M 1.66667E-6 3.7037E-6 L 0.28698 0.00231 " pathEditMode="relative" rAng="0" ptsTypes="AA">
-                                      <p:cBhvr>
-                                        <p:cTn id="15" dur="1100" fill="hold"/>
-                                        <p:tgtEl>
-                                          <p:spTgt spid="48"/>
-                                        </p:tgtEl>
-                                        <p:attrNameLst>
-                                          <p:attrName>ppt_x</p:attrName>
-                                          <p:attrName>ppt_y</p:attrName>
-                                        </p:attrNameLst>
-                                      </p:cBhvr>
-                                      <p:rCtr x="14349" y="116"/>
-                                    </p:animMotion>
-                                  </p:childTnLst>
-                                </p:cTn>
-                              </p:par>
-                              <p:par>
-                                <p:cTn id="16" presetID="16" presetClass="entr" presetSubtype="37" fill="hold" grpId="0" nodeType="withEffect">
-                                  <p:stCondLst>
-                                    <p:cond delay="200"/>
-                                  </p:stCondLst>
-                                  <p:childTnLst>
-                                    <p:set>
-                                      <p:cBhvr>
-                                        <p:cTn id="17" dur="1" fill="hold">
-                                          <p:stCondLst>
-                                            <p:cond delay="0"/>
-                                          </p:stCondLst>
-                                        </p:cTn>
-                                        <p:tgtEl>
-                                          <p:spTgt spid="46"/>
-                                        </p:tgtEl>
-                                        <p:attrNameLst>
-                                          <p:attrName>style.visibility</p:attrName>
-                                        </p:attrNameLst>
-                                      </p:cBhvr>
-                                      <p:to>
-                                        <p:strVal val="visible"/>
-                                      </p:to>
-                                    </p:set>
-                                    <p:animEffect transition="in" filter="barn(outVertical)">
-                                      <p:cBhvr>
-                                        <p:cTn id="18" dur="800"/>
-                                        <p:tgtEl>
-                                          <p:spTgt spid="46"/>
-                                        </p:tgtEl>
-                                      </p:cBhvr>
-                                    </p:animEffect>
-                                  </p:childTnLst>
-                                </p:cTn>
-                              </p:par>
-                            </p:childTnLst>
-                          </p:cTn>
-                        </p:par>
-                      </p:childTnLst>
-                    </p:cTn>
-                  </p:par>
-                </p:childTnLst>
-              </p:cTn>
-              <p:prevCondLst>
-                <p:cond evt="onPrev" delay="0">
-                  <p:tgtEl>
-                    <p:sldTgt/>
-                  </p:tgtEl>
-                </p:cond>
-              </p:prevCondLst>
-              <p:nextCondLst>
-                <p:cond evt="onNext" delay="0">
-                  <p:tgtEl>
-                    <p:sldTgt/>
-                  </p:tgtEl>
-                </p:cond>
-              </p:nextCondLst>
-            </p:seq>
-          </p:childTnLst>
-        </p:cTn>
+        <p:cTn id="1" dur="indefinite" restart="never" nodeType="tmRoot"/>
       </p:par>
     </p:tnLst>
-    <p:bldLst>
-      <p:bldP spid="46" grpId="0"/>
-      <p:bldP spid="47" grpId="0"/>
-      <p:bldP spid="47" grpId="1"/>
-      <p:bldP spid="48" grpId="0"/>
-      <p:bldP spid="48" grpId="1"/>
-    </p:bldLst>
   </p:timing>
 </p:sld>
 </file>

--- a/trunk/Documentacion/Presentación Regularidad/Presentación Regularidad.pptx
+++ b/trunk/Documentacion/Presentación Regularidad/Presentación Regularidad.pptx
@@ -5,7 +5,7 @@
     <p:sldMasterId id="2147484788" r:id="rId1"/>
   </p:sldMasterIdLst>
   <p:notesMasterIdLst>
-    <p:notesMasterId r:id="rId14"/>
+    <p:notesMasterId r:id="rId13"/>
   </p:notesMasterIdLst>
   <p:sldIdLst>
     <p:sldId id="297" r:id="rId2"/>
@@ -14,12 +14,11 @@
     <p:sldId id="299" r:id="rId5"/>
     <p:sldId id="267" r:id="rId6"/>
     <p:sldId id="302" r:id="rId7"/>
-    <p:sldId id="281" r:id="rId8"/>
-    <p:sldId id="301" r:id="rId9"/>
+    <p:sldId id="303" r:id="rId8"/>
+    <p:sldId id="305" r:id="rId9"/>
     <p:sldId id="304" r:id="rId10"/>
-    <p:sldId id="303" r:id="rId11"/>
-    <p:sldId id="282" r:id="rId12"/>
-    <p:sldId id="274" r:id="rId13"/>
+    <p:sldId id="282" r:id="rId11"/>
+    <p:sldId id="274" r:id="rId12"/>
   </p:sldIdLst>
   <p:sldSz cx="12192000" cy="6858000"/>
   <p:notesSz cx="6858000" cy="9144000"/>
@@ -1520,6 +1519,774 @@
       <dsp:cNvGrpSpPr/>
     </dsp:nvGrpSpPr>
     <dsp:grpSpPr/>
+    <dsp:sp modelId="{847150E7-A1A9-4A6A-94B1-79AB50249590}">
+      <dsp:nvSpPr>
+        <dsp:cNvPr id="0" name=""/>
+        <dsp:cNvSpPr/>
+      </dsp:nvSpPr>
+      <dsp:spPr>
+        <a:xfrm>
+          <a:off x="-5720250" y="-875576"/>
+          <a:ext cx="6810321" cy="6810321"/>
+        </a:xfrm>
+        <a:prstGeom prst="blockArc">
+          <a:avLst>
+            <a:gd name="adj1" fmla="val 18900000"/>
+            <a:gd name="adj2" fmla="val 2700000"/>
+            <a:gd name="adj3" fmla="val 317"/>
+          </a:avLst>
+        </a:prstGeom>
+        <a:noFill/>
+        <a:ln w="19050" cap="rnd" cmpd="sng" algn="ctr">
+          <a:solidFill>
+            <a:schemeClr val="accent1">
+              <a:shade val="60000"/>
+              <a:hueOff val="0"/>
+              <a:satOff val="0"/>
+              <a:lumOff val="0"/>
+              <a:alphaOff val="0"/>
+            </a:schemeClr>
+          </a:solidFill>
+          <a:prstDash val="solid"/>
+        </a:ln>
+        <a:effectLst/>
+      </dsp:spPr>
+      <dsp:style>
+        <a:lnRef idx="2">
+          <a:scrgbClr r="0" g="0" b="0"/>
+        </a:lnRef>
+        <a:fillRef idx="0">
+          <a:scrgbClr r="0" g="0" b="0"/>
+        </a:fillRef>
+        <a:effectRef idx="0">
+          <a:scrgbClr r="0" g="0" b="0"/>
+        </a:effectRef>
+        <a:fontRef idx="minor"/>
+      </dsp:style>
+    </dsp:sp>
+    <dsp:sp modelId="{E692D962-4A0C-4FDE-8884-EC514208681B}">
+      <dsp:nvSpPr>
+        <dsp:cNvPr id="0" name=""/>
+        <dsp:cNvSpPr/>
+      </dsp:nvSpPr>
+      <dsp:spPr>
+        <a:xfrm>
+          <a:off x="476497" y="316096"/>
+          <a:ext cx="6005076" cy="632598"/>
+        </a:xfrm>
+        <a:prstGeom prst="rect">
+          <a:avLst/>
+        </a:prstGeom>
+        <a:solidFill>
+          <a:schemeClr val="accent1">
+            <a:hueOff val="0"/>
+            <a:satOff val="0"/>
+            <a:lumOff val="0"/>
+            <a:alphaOff val="0"/>
+          </a:schemeClr>
+        </a:solidFill>
+        <a:ln w="19050" cap="rnd" cmpd="sng" algn="ctr">
+          <a:solidFill>
+            <a:schemeClr val="lt1">
+              <a:hueOff val="0"/>
+              <a:satOff val="0"/>
+              <a:lumOff val="0"/>
+              <a:alphaOff val="0"/>
+            </a:schemeClr>
+          </a:solidFill>
+          <a:prstDash val="solid"/>
+        </a:ln>
+        <a:effectLst/>
+      </dsp:spPr>
+      <dsp:style>
+        <a:lnRef idx="2">
+          <a:scrgbClr r="0" g="0" b="0"/>
+        </a:lnRef>
+        <a:fillRef idx="1">
+          <a:scrgbClr r="0" g="0" b="0"/>
+        </a:fillRef>
+        <a:effectRef idx="0">
+          <a:scrgbClr r="0" g="0" b="0"/>
+        </a:effectRef>
+        <a:fontRef idx="minor">
+          <a:schemeClr val="lt1"/>
+        </a:fontRef>
+      </dsp:style>
+      <dsp:txBody>
+        <a:bodyPr spcFirstLastPara="0" vert="horz" wrap="square" lIns="502125" tIns="60960" rIns="60960" bIns="60960" numCol="1" spcCol="1270" anchor="ctr" anchorCtr="0">
+          <a:noAutofit/>
+        </a:bodyPr>
+        <a:lstStyle/>
+        <a:p>
+          <a:pPr lvl="0" algn="l" defTabSz="1066800">
+            <a:lnSpc>
+              <a:spcPct val="90000"/>
+            </a:lnSpc>
+            <a:spcBef>
+              <a:spcPct val="0"/>
+            </a:spcBef>
+            <a:spcAft>
+              <a:spcPct val="35000"/>
+            </a:spcAft>
+          </a:pPr>
+          <a:r>
+            <a:rPr lang="es-AR" sz="2400" b="1" kern="1200" dirty="0" smtClean="0">
+              <a:effectLst>
+                <a:outerShdw blurRad="38100" dist="38100" dir="2700000" algn="tl">
+                  <a:srgbClr val="000000">
+                    <a:alpha val="43137"/>
+                  </a:srgbClr>
+                </a:outerShdw>
+              </a:effectLst>
+              <a:latin typeface="+mj-lt"/>
+            </a:rPr>
+            <a:t>¿Dónde Estamos?</a:t>
+          </a:r>
+          <a:endParaRPr lang="es-AR" sz="2400" b="1" kern="1200" dirty="0">
+            <a:effectLst>
+              <a:outerShdw blurRad="38100" dist="38100" dir="2700000" algn="tl">
+                <a:srgbClr val="000000">
+                  <a:alpha val="43137"/>
+                </a:srgbClr>
+              </a:outerShdw>
+            </a:effectLst>
+            <a:latin typeface="+mj-lt"/>
+          </a:endParaRPr>
+        </a:p>
+      </dsp:txBody>
+      <dsp:txXfrm>
+        <a:off x="476497" y="316096"/>
+        <a:ext cx="6005076" cy="632598"/>
+      </dsp:txXfrm>
+    </dsp:sp>
+    <dsp:sp modelId="{DAD2847C-C4D4-4029-B52A-864C55881E2F}">
+      <dsp:nvSpPr>
+        <dsp:cNvPr id="0" name=""/>
+        <dsp:cNvSpPr/>
+      </dsp:nvSpPr>
+      <dsp:spPr>
+        <a:xfrm>
+          <a:off x="81123" y="237022"/>
+          <a:ext cx="790747" cy="790747"/>
+        </a:xfrm>
+        <a:prstGeom prst="ellipse">
+          <a:avLst/>
+        </a:prstGeom>
+        <a:solidFill>
+          <a:schemeClr val="lt1">
+            <a:hueOff val="0"/>
+            <a:satOff val="0"/>
+            <a:lumOff val="0"/>
+            <a:alphaOff val="0"/>
+          </a:schemeClr>
+        </a:solidFill>
+        <a:ln w="19050" cap="rnd" cmpd="sng" algn="ctr">
+          <a:solidFill>
+            <a:schemeClr val="accent1">
+              <a:hueOff val="0"/>
+              <a:satOff val="0"/>
+              <a:lumOff val="0"/>
+              <a:alphaOff val="0"/>
+            </a:schemeClr>
+          </a:solidFill>
+          <a:prstDash val="solid"/>
+        </a:ln>
+        <a:effectLst/>
+      </dsp:spPr>
+      <dsp:style>
+        <a:lnRef idx="2">
+          <a:scrgbClr r="0" g="0" b="0"/>
+        </a:lnRef>
+        <a:fillRef idx="1">
+          <a:scrgbClr r="0" g="0" b="0"/>
+        </a:fillRef>
+        <a:effectRef idx="0">
+          <a:scrgbClr r="0" g="0" b="0"/>
+        </a:effectRef>
+        <a:fontRef idx="minor"/>
+      </dsp:style>
+    </dsp:sp>
+    <dsp:sp modelId="{07272EF7-AE1F-4ACE-8BB3-F011A254CD75}">
+      <dsp:nvSpPr>
+        <dsp:cNvPr id="0" name=""/>
+        <dsp:cNvSpPr/>
+      </dsp:nvSpPr>
+      <dsp:spPr>
+        <a:xfrm>
+          <a:off x="929799" y="1264690"/>
+          <a:ext cx="5551774" cy="632598"/>
+        </a:xfrm>
+        <a:prstGeom prst="rect">
+          <a:avLst/>
+        </a:prstGeom>
+        <a:solidFill>
+          <a:schemeClr val="accent1">
+            <a:hueOff val="0"/>
+            <a:satOff val="0"/>
+            <a:lumOff val="0"/>
+            <a:alphaOff val="0"/>
+          </a:schemeClr>
+        </a:solidFill>
+        <a:ln w="19050" cap="rnd" cmpd="sng" algn="ctr">
+          <a:solidFill>
+            <a:schemeClr val="lt1">
+              <a:hueOff val="0"/>
+              <a:satOff val="0"/>
+              <a:lumOff val="0"/>
+              <a:alphaOff val="0"/>
+            </a:schemeClr>
+          </a:solidFill>
+          <a:prstDash val="solid"/>
+        </a:ln>
+        <a:effectLst/>
+      </dsp:spPr>
+      <dsp:style>
+        <a:lnRef idx="2">
+          <a:scrgbClr r="0" g="0" b="0"/>
+        </a:lnRef>
+        <a:fillRef idx="1">
+          <a:scrgbClr r="0" g="0" b="0"/>
+        </a:fillRef>
+        <a:effectRef idx="0">
+          <a:scrgbClr r="0" g="0" b="0"/>
+        </a:effectRef>
+        <a:fontRef idx="minor">
+          <a:schemeClr val="lt1"/>
+        </a:fontRef>
+      </dsp:style>
+      <dsp:txBody>
+        <a:bodyPr spcFirstLastPara="0" vert="horz" wrap="square" lIns="502125" tIns="60960" rIns="60960" bIns="60960" numCol="1" spcCol="1270" anchor="ctr" anchorCtr="0">
+          <a:noAutofit/>
+        </a:bodyPr>
+        <a:lstStyle/>
+        <a:p>
+          <a:pPr lvl="0" algn="l" defTabSz="1066800">
+            <a:lnSpc>
+              <a:spcPct val="90000"/>
+            </a:lnSpc>
+            <a:spcBef>
+              <a:spcPct val="0"/>
+            </a:spcBef>
+            <a:spcAft>
+              <a:spcPct val="35000"/>
+            </a:spcAft>
+          </a:pPr>
+          <a:r>
+            <a:rPr lang="es-AR" sz="2400" b="1" kern="1200" dirty="0" smtClean="0">
+              <a:effectLst>
+                <a:outerShdw blurRad="38100" dist="38100" dir="2700000" algn="tl">
+                  <a:srgbClr val="000000">
+                    <a:alpha val="43137"/>
+                  </a:srgbClr>
+                </a:outerShdw>
+              </a:effectLst>
+              <a:latin typeface="+mj-lt"/>
+            </a:rPr>
+            <a:t>Funcionalidad de </a:t>
+          </a:r>
+          <a:r>
+            <a:rPr lang="es-AR" sz="2400" b="1" kern="1200" dirty="0" err="1" smtClean="0">
+              <a:effectLst>
+                <a:outerShdw blurRad="38100" dist="38100" dir="2700000" algn="tl">
+                  <a:srgbClr val="000000">
+                    <a:alpha val="43137"/>
+                  </a:srgbClr>
+                </a:outerShdw>
+              </a:effectLst>
+              <a:latin typeface="+mj-lt"/>
+            </a:rPr>
+            <a:t>Release</a:t>
+          </a:r>
+          <a:endParaRPr lang="es-AR" sz="2400" b="1" kern="1200" dirty="0">
+            <a:effectLst>
+              <a:outerShdw blurRad="38100" dist="38100" dir="2700000" algn="tl">
+                <a:srgbClr val="000000">
+                  <a:alpha val="43137"/>
+                </a:srgbClr>
+              </a:outerShdw>
+            </a:effectLst>
+            <a:latin typeface="+mj-lt"/>
+          </a:endParaRPr>
+        </a:p>
+      </dsp:txBody>
+      <dsp:txXfrm>
+        <a:off x="929799" y="1264690"/>
+        <a:ext cx="5551774" cy="632598"/>
+      </dsp:txXfrm>
+    </dsp:sp>
+    <dsp:sp modelId="{432F1E89-EA1F-494C-89F5-C81C8636C930}">
+      <dsp:nvSpPr>
+        <dsp:cNvPr id="0" name=""/>
+        <dsp:cNvSpPr/>
+      </dsp:nvSpPr>
+      <dsp:spPr>
+        <a:xfrm>
+          <a:off x="534425" y="1185616"/>
+          <a:ext cx="790747" cy="790747"/>
+        </a:xfrm>
+        <a:prstGeom prst="ellipse">
+          <a:avLst/>
+        </a:prstGeom>
+        <a:solidFill>
+          <a:schemeClr val="lt1">
+            <a:hueOff val="0"/>
+            <a:satOff val="0"/>
+            <a:lumOff val="0"/>
+            <a:alphaOff val="0"/>
+          </a:schemeClr>
+        </a:solidFill>
+        <a:ln w="19050" cap="rnd" cmpd="sng" algn="ctr">
+          <a:solidFill>
+            <a:schemeClr val="accent1">
+              <a:hueOff val="0"/>
+              <a:satOff val="0"/>
+              <a:lumOff val="0"/>
+              <a:alphaOff val="0"/>
+            </a:schemeClr>
+          </a:solidFill>
+          <a:prstDash val="solid"/>
+        </a:ln>
+        <a:effectLst/>
+      </dsp:spPr>
+      <dsp:style>
+        <a:lnRef idx="2">
+          <a:scrgbClr r="0" g="0" b="0"/>
+        </a:lnRef>
+        <a:fillRef idx="1">
+          <a:scrgbClr r="0" g="0" b="0"/>
+        </a:fillRef>
+        <a:effectRef idx="0">
+          <a:scrgbClr r="0" g="0" b="0"/>
+        </a:effectRef>
+        <a:fontRef idx="minor"/>
+      </dsp:style>
+    </dsp:sp>
+    <dsp:sp modelId="{8F2C8565-F182-4327-A321-0AE7CB8A5D0A}">
+      <dsp:nvSpPr>
+        <dsp:cNvPr id="0" name=""/>
+        <dsp:cNvSpPr/>
+      </dsp:nvSpPr>
+      <dsp:spPr>
+        <a:xfrm>
+          <a:off x="1068926" y="2213284"/>
+          <a:ext cx="5412647" cy="632598"/>
+        </a:xfrm>
+        <a:prstGeom prst="rect">
+          <a:avLst/>
+        </a:prstGeom>
+        <a:solidFill>
+          <a:schemeClr val="accent1">
+            <a:hueOff val="0"/>
+            <a:satOff val="0"/>
+            <a:lumOff val="0"/>
+            <a:alphaOff val="0"/>
+          </a:schemeClr>
+        </a:solidFill>
+        <a:ln w="19050" cap="rnd" cmpd="sng" algn="ctr">
+          <a:solidFill>
+            <a:schemeClr val="lt1">
+              <a:hueOff val="0"/>
+              <a:satOff val="0"/>
+              <a:lumOff val="0"/>
+              <a:alphaOff val="0"/>
+            </a:schemeClr>
+          </a:solidFill>
+          <a:prstDash val="solid"/>
+        </a:ln>
+        <a:effectLst/>
+      </dsp:spPr>
+      <dsp:style>
+        <a:lnRef idx="2">
+          <a:scrgbClr r="0" g="0" b="0"/>
+        </a:lnRef>
+        <a:fillRef idx="1">
+          <a:scrgbClr r="0" g="0" b="0"/>
+        </a:fillRef>
+        <a:effectRef idx="0">
+          <a:scrgbClr r="0" g="0" b="0"/>
+        </a:effectRef>
+        <a:fontRef idx="minor">
+          <a:schemeClr val="lt1"/>
+        </a:fontRef>
+      </dsp:style>
+      <dsp:txBody>
+        <a:bodyPr spcFirstLastPara="0" vert="horz" wrap="square" lIns="502125" tIns="60960" rIns="60960" bIns="60960" numCol="1" spcCol="1270" anchor="ctr" anchorCtr="0">
+          <a:noAutofit/>
+        </a:bodyPr>
+        <a:lstStyle/>
+        <a:p>
+          <a:pPr lvl="0" algn="l" defTabSz="1066800">
+            <a:lnSpc>
+              <a:spcPct val="90000"/>
+            </a:lnSpc>
+            <a:spcBef>
+              <a:spcPct val="0"/>
+            </a:spcBef>
+            <a:spcAft>
+              <a:spcPct val="35000"/>
+            </a:spcAft>
+          </a:pPr>
+          <a:r>
+            <a:rPr lang="es-AR" sz="2400" b="1" kern="1200" dirty="0" smtClean="0">
+              <a:effectLst>
+                <a:outerShdw blurRad="38100" dist="38100" dir="2700000" algn="tl">
+                  <a:srgbClr val="000000">
+                    <a:alpha val="43137"/>
+                  </a:srgbClr>
+                </a:outerShdw>
+              </a:effectLst>
+              <a:latin typeface="+mj-lt"/>
+            </a:rPr>
+            <a:t>Documentación</a:t>
+          </a:r>
+          <a:endParaRPr lang="es-AR" sz="2400" b="1" kern="1200" dirty="0">
+            <a:effectLst>
+              <a:outerShdw blurRad="38100" dist="38100" dir="2700000" algn="tl">
+                <a:srgbClr val="000000">
+                  <a:alpha val="43137"/>
+                </a:srgbClr>
+              </a:outerShdw>
+            </a:effectLst>
+            <a:latin typeface="+mj-lt"/>
+          </a:endParaRPr>
+        </a:p>
+      </dsp:txBody>
+      <dsp:txXfrm>
+        <a:off x="1068926" y="2213284"/>
+        <a:ext cx="5412647" cy="632598"/>
+      </dsp:txXfrm>
+    </dsp:sp>
+    <dsp:sp modelId="{5370C170-BC8E-4796-9B1D-0F2A2424D39E}">
+      <dsp:nvSpPr>
+        <dsp:cNvPr id="0" name=""/>
+        <dsp:cNvSpPr/>
+      </dsp:nvSpPr>
+      <dsp:spPr>
+        <a:xfrm>
+          <a:off x="673552" y="2134210"/>
+          <a:ext cx="790747" cy="790747"/>
+        </a:xfrm>
+        <a:prstGeom prst="ellipse">
+          <a:avLst/>
+        </a:prstGeom>
+        <a:solidFill>
+          <a:schemeClr val="lt1">
+            <a:hueOff val="0"/>
+            <a:satOff val="0"/>
+            <a:lumOff val="0"/>
+            <a:alphaOff val="0"/>
+          </a:schemeClr>
+        </a:solidFill>
+        <a:ln w="19050" cap="rnd" cmpd="sng" algn="ctr">
+          <a:solidFill>
+            <a:schemeClr val="accent1">
+              <a:hueOff val="0"/>
+              <a:satOff val="0"/>
+              <a:lumOff val="0"/>
+              <a:alphaOff val="0"/>
+            </a:schemeClr>
+          </a:solidFill>
+          <a:prstDash val="solid"/>
+        </a:ln>
+        <a:effectLst/>
+      </dsp:spPr>
+      <dsp:style>
+        <a:lnRef idx="2">
+          <a:scrgbClr r="0" g="0" b="0"/>
+        </a:lnRef>
+        <a:fillRef idx="1">
+          <a:scrgbClr r="0" g="0" b="0"/>
+        </a:fillRef>
+        <a:effectRef idx="0">
+          <a:scrgbClr r="0" g="0" b="0"/>
+        </a:effectRef>
+        <a:fontRef idx="minor"/>
+      </dsp:style>
+    </dsp:sp>
+    <dsp:sp modelId="{BB4FB179-01BB-41C6-81AD-9D71D847F81B}">
+      <dsp:nvSpPr>
+        <dsp:cNvPr id="0" name=""/>
+        <dsp:cNvSpPr/>
+      </dsp:nvSpPr>
+      <dsp:spPr>
+        <a:xfrm>
+          <a:off x="929799" y="3161878"/>
+          <a:ext cx="5551774" cy="632598"/>
+        </a:xfrm>
+        <a:prstGeom prst="rect">
+          <a:avLst/>
+        </a:prstGeom>
+        <a:solidFill>
+          <a:schemeClr val="accent1">
+            <a:hueOff val="0"/>
+            <a:satOff val="0"/>
+            <a:lumOff val="0"/>
+            <a:alphaOff val="0"/>
+          </a:schemeClr>
+        </a:solidFill>
+        <a:ln w="19050" cap="rnd" cmpd="sng" algn="ctr">
+          <a:solidFill>
+            <a:schemeClr val="lt1">
+              <a:hueOff val="0"/>
+              <a:satOff val="0"/>
+              <a:lumOff val="0"/>
+              <a:alphaOff val="0"/>
+            </a:schemeClr>
+          </a:solidFill>
+          <a:prstDash val="solid"/>
+        </a:ln>
+        <a:effectLst/>
+      </dsp:spPr>
+      <dsp:style>
+        <a:lnRef idx="2">
+          <a:scrgbClr r="0" g="0" b="0"/>
+        </a:lnRef>
+        <a:fillRef idx="1">
+          <a:scrgbClr r="0" g="0" b="0"/>
+        </a:fillRef>
+        <a:effectRef idx="0">
+          <a:scrgbClr r="0" g="0" b="0"/>
+        </a:effectRef>
+        <a:fontRef idx="minor">
+          <a:schemeClr val="lt1"/>
+        </a:fontRef>
+      </dsp:style>
+      <dsp:txBody>
+        <a:bodyPr spcFirstLastPara="0" vert="horz" wrap="square" lIns="502125" tIns="60960" rIns="60960" bIns="60960" numCol="1" spcCol="1270" anchor="ctr" anchorCtr="0">
+          <a:noAutofit/>
+        </a:bodyPr>
+        <a:lstStyle/>
+        <a:p>
+          <a:pPr lvl="0" algn="l" defTabSz="1066800">
+            <a:lnSpc>
+              <a:spcPct val="90000"/>
+            </a:lnSpc>
+            <a:spcBef>
+              <a:spcPct val="0"/>
+            </a:spcBef>
+            <a:spcAft>
+              <a:spcPct val="35000"/>
+            </a:spcAft>
+          </a:pPr>
+          <a:r>
+            <a:rPr lang="es-AR" sz="2400" b="1" kern="1200" dirty="0" smtClean="0">
+              <a:effectLst>
+                <a:outerShdw blurRad="38100" dist="38100" dir="2700000" algn="tl">
+                  <a:srgbClr val="000000">
+                    <a:alpha val="43137"/>
+                  </a:srgbClr>
+                </a:outerShdw>
+              </a:effectLst>
+              <a:latin typeface="+mj-lt"/>
+            </a:rPr>
+            <a:t>Demo del Sistema</a:t>
+          </a:r>
+          <a:endParaRPr lang="es-AR" sz="2400" b="1" kern="1200" dirty="0">
+            <a:effectLst>
+              <a:outerShdw blurRad="38100" dist="38100" dir="2700000" algn="tl">
+                <a:srgbClr val="000000">
+                  <a:alpha val="43137"/>
+                </a:srgbClr>
+              </a:outerShdw>
+            </a:effectLst>
+            <a:latin typeface="+mj-lt"/>
+          </a:endParaRPr>
+        </a:p>
+      </dsp:txBody>
+      <dsp:txXfrm>
+        <a:off x="929799" y="3161878"/>
+        <a:ext cx="5551774" cy="632598"/>
+      </dsp:txXfrm>
+    </dsp:sp>
+    <dsp:sp modelId="{F298C79F-DD07-4C5F-BDDC-E37D8AE87E2C}">
+      <dsp:nvSpPr>
+        <dsp:cNvPr id="0" name=""/>
+        <dsp:cNvSpPr/>
+      </dsp:nvSpPr>
+      <dsp:spPr>
+        <a:xfrm>
+          <a:off x="534425" y="3082804"/>
+          <a:ext cx="790747" cy="790747"/>
+        </a:xfrm>
+        <a:prstGeom prst="ellipse">
+          <a:avLst/>
+        </a:prstGeom>
+        <a:solidFill>
+          <a:schemeClr val="lt1">
+            <a:hueOff val="0"/>
+            <a:satOff val="0"/>
+            <a:lumOff val="0"/>
+            <a:alphaOff val="0"/>
+          </a:schemeClr>
+        </a:solidFill>
+        <a:ln w="19050" cap="rnd" cmpd="sng" algn="ctr">
+          <a:solidFill>
+            <a:schemeClr val="accent1">
+              <a:hueOff val="0"/>
+              <a:satOff val="0"/>
+              <a:lumOff val="0"/>
+              <a:alphaOff val="0"/>
+            </a:schemeClr>
+          </a:solidFill>
+          <a:prstDash val="solid"/>
+        </a:ln>
+        <a:effectLst/>
+      </dsp:spPr>
+      <dsp:style>
+        <a:lnRef idx="2">
+          <a:scrgbClr r="0" g="0" b="0"/>
+        </a:lnRef>
+        <a:fillRef idx="1">
+          <a:scrgbClr r="0" g="0" b="0"/>
+        </a:fillRef>
+        <a:effectRef idx="0">
+          <a:scrgbClr r="0" g="0" b="0"/>
+        </a:effectRef>
+        <a:fontRef idx="minor"/>
+      </dsp:style>
+    </dsp:sp>
+    <dsp:sp modelId="{72F87903-AB29-4042-9FF7-239E4F8EF834}">
+      <dsp:nvSpPr>
+        <dsp:cNvPr id="0" name=""/>
+        <dsp:cNvSpPr/>
+      </dsp:nvSpPr>
+      <dsp:spPr>
+        <a:xfrm>
+          <a:off x="476497" y="4110472"/>
+          <a:ext cx="6005076" cy="632598"/>
+        </a:xfrm>
+        <a:prstGeom prst="rect">
+          <a:avLst/>
+        </a:prstGeom>
+        <a:solidFill>
+          <a:schemeClr val="accent1">
+            <a:hueOff val="0"/>
+            <a:satOff val="0"/>
+            <a:lumOff val="0"/>
+            <a:alphaOff val="0"/>
+          </a:schemeClr>
+        </a:solidFill>
+        <a:ln w="19050" cap="rnd" cmpd="sng" algn="ctr">
+          <a:solidFill>
+            <a:schemeClr val="lt1">
+              <a:hueOff val="0"/>
+              <a:satOff val="0"/>
+              <a:lumOff val="0"/>
+              <a:alphaOff val="0"/>
+            </a:schemeClr>
+          </a:solidFill>
+          <a:prstDash val="solid"/>
+        </a:ln>
+        <a:effectLst/>
+      </dsp:spPr>
+      <dsp:style>
+        <a:lnRef idx="2">
+          <a:scrgbClr r="0" g="0" b="0"/>
+        </a:lnRef>
+        <a:fillRef idx="1">
+          <a:scrgbClr r="0" g="0" b="0"/>
+        </a:fillRef>
+        <a:effectRef idx="0">
+          <a:scrgbClr r="0" g="0" b="0"/>
+        </a:effectRef>
+        <a:fontRef idx="minor">
+          <a:schemeClr val="lt1"/>
+        </a:fontRef>
+      </dsp:style>
+      <dsp:txBody>
+        <a:bodyPr spcFirstLastPara="0" vert="horz" wrap="square" lIns="502125" tIns="60960" rIns="60960" bIns="60960" numCol="1" spcCol="1270" anchor="ctr" anchorCtr="0">
+          <a:noAutofit/>
+        </a:bodyPr>
+        <a:lstStyle/>
+        <a:p>
+          <a:pPr lvl="0" algn="l" defTabSz="1066800">
+            <a:lnSpc>
+              <a:spcPct val="90000"/>
+            </a:lnSpc>
+            <a:spcBef>
+              <a:spcPct val="0"/>
+            </a:spcBef>
+            <a:spcAft>
+              <a:spcPct val="35000"/>
+            </a:spcAft>
+          </a:pPr>
+          <a:r>
+            <a:rPr lang="es-AR" sz="2400" b="1" kern="1200" dirty="0" smtClean="0">
+              <a:effectLst>
+                <a:outerShdw blurRad="38100" dist="38100" dir="2700000" algn="tl">
+                  <a:srgbClr val="000000">
+                    <a:alpha val="43137"/>
+                  </a:srgbClr>
+                </a:outerShdw>
+              </a:effectLst>
+              <a:latin typeface="+mj-lt"/>
+            </a:rPr>
+            <a:t>¿Cómo Seguimos?</a:t>
+          </a:r>
+          <a:endParaRPr lang="es-AR" sz="2400" b="1" kern="1200" dirty="0">
+            <a:effectLst>
+              <a:outerShdw blurRad="38100" dist="38100" dir="2700000" algn="tl">
+                <a:srgbClr val="000000">
+                  <a:alpha val="43137"/>
+                </a:srgbClr>
+              </a:outerShdw>
+            </a:effectLst>
+            <a:latin typeface="+mj-lt"/>
+          </a:endParaRPr>
+        </a:p>
+      </dsp:txBody>
+      <dsp:txXfrm>
+        <a:off x="476497" y="4110472"/>
+        <a:ext cx="6005076" cy="632598"/>
+      </dsp:txXfrm>
+    </dsp:sp>
+    <dsp:sp modelId="{1BBBCDAA-629F-4ED9-B89C-AF0815CF7756}">
+      <dsp:nvSpPr>
+        <dsp:cNvPr id="0" name=""/>
+        <dsp:cNvSpPr/>
+      </dsp:nvSpPr>
+      <dsp:spPr>
+        <a:xfrm>
+          <a:off x="81123" y="4031398"/>
+          <a:ext cx="790747" cy="790747"/>
+        </a:xfrm>
+        <a:prstGeom prst="ellipse">
+          <a:avLst/>
+        </a:prstGeom>
+        <a:solidFill>
+          <a:schemeClr val="lt1">
+            <a:hueOff val="0"/>
+            <a:satOff val="0"/>
+            <a:lumOff val="0"/>
+            <a:alphaOff val="0"/>
+          </a:schemeClr>
+        </a:solidFill>
+        <a:ln w="19050" cap="rnd" cmpd="sng" algn="ctr">
+          <a:solidFill>
+            <a:schemeClr val="accent1">
+              <a:hueOff val="0"/>
+              <a:satOff val="0"/>
+              <a:lumOff val="0"/>
+              <a:alphaOff val="0"/>
+            </a:schemeClr>
+          </a:solidFill>
+          <a:prstDash val="solid"/>
+        </a:ln>
+        <a:effectLst/>
+      </dsp:spPr>
+      <dsp:style>
+        <a:lnRef idx="2">
+          <a:scrgbClr r="0" g="0" b="0"/>
+        </a:lnRef>
+        <a:fillRef idx="1">
+          <a:scrgbClr r="0" g="0" b="0"/>
+        </a:fillRef>
+        <a:effectRef idx="0">
+          <a:scrgbClr r="0" g="0" b="0"/>
+        </a:effectRef>
+        <a:fontRef idx="minor"/>
+      </dsp:style>
+    </dsp:sp>
   </dsp:spTree>
 </dsp:drawing>
 </file>
@@ -3918,7 +4685,7 @@
           <a:p>
             <a:fld id="{11DAAD16-308F-41D8-9C6A-2D9DB39F0E79}" type="datetimeFigureOut">
               <a:rPr lang="es-ES" smtClean="0"/>
-              <a:t>27/10/2014</a:t>
+              <a:t>28/10/2014</a:t>
             </a:fld>
             <a:endParaRPr lang="es-ES"/>
           </a:p>
@@ -4337,90 +5104,6 @@
               <a:rPr lang="es-ES" smtClean="0"/>
               <a:t>11</a:t>
             </a:fld>
-            <a:endParaRPr lang="es-ES" dirty="0"/>
-          </a:p>
-        </p:txBody>
-      </p:sp>
-    </p:spTree>
-    <p:extLst>
-      <p:ext uri="{BB962C8B-B14F-4D97-AF65-F5344CB8AC3E}">
-        <p14:creationId xmlns:p14="http://schemas.microsoft.com/office/powerpoint/2010/main" val="2354830964"/>
-      </p:ext>
-    </p:extLst>
-  </p:cSld>
-  <p:clrMapOvr>
-    <a:masterClrMapping/>
-  </p:clrMapOvr>
-</p:notes>
-</file>
-
-<file path=ppt/notesSlides/notesSlide11.xml><?xml version="1.0" encoding="utf-8"?>
-<p:notes xmlns:a="http://schemas.openxmlformats.org/drawingml/2006/main" xmlns:r="http://schemas.openxmlformats.org/officeDocument/2006/relationships" xmlns:p="http://schemas.openxmlformats.org/presentationml/2006/main">
-  <p:cSld>
-    <p:spTree>
-      <p:nvGrpSpPr>
-        <p:cNvPr id="1" name=""/>
-        <p:cNvGrpSpPr/>
-        <p:nvPr/>
-      </p:nvGrpSpPr>
-      <p:grpSpPr>
-        <a:xfrm>
-          <a:off x="0" y="0"/>
-          <a:ext cx="0" cy="0"/>
-          <a:chOff x="0" y="0"/>
-          <a:chExt cx="0" cy="0"/>
-        </a:xfrm>
-      </p:grpSpPr>
-      <p:sp>
-        <p:nvSpPr>
-          <p:cNvPr id="2" name="Marcador de imagen de diapositiva 1"/>
-          <p:cNvSpPr>
-            <a:spLocks noGrp="1" noRot="1" noChangeAspect="1"/>
-          </p:cNvSpPr>
-          <p:nvPr>
-            <p:ph type="sldImg"/>
-          </p:nvPr>
-        </p:nvSpPr>
-        <p:spPr/>
-      </p:sp>
-      <p:sp>
-        <p:nvSpPr>
-          <p:cNvPr id="3" name="Marcador de notas 2"/>
-          <p:cNvSpPr>
-            <a:spLocks noGrp="1"/>
-          </p:cNvSpPr>
-          <p:nvPr>
-            <p:ph type="body" idx="1"/>
-          </p:nvPr>
-        </p:nvSpPr>
-        <p:spPr/>
-        <p:txBody>
-          <a:bodyPr/>
-          <a:lstStyle/>
-          <a:p>
-            <a:endParaRPr lang="es-ES" dirty="0"/>
-          </a:p>
-        </p:txBody>
-      </p:sp>
-      <p:sp>
-        <p:nvSpPr>
-          <p:cNvPr id="4" name="Marcador de número de diapositiva 3"/>
-          <p:cNvSpPr>
-            <a:spLocks noGrp="1"/>
-          </p:cNvSpPr>
-          <p:nvPr>
-            <p:ph type="sldNum" sz="quarter" idx="10"/>
-          </p:nvPr>
-        </p:nvSpPr>
-        <p:spPr/>
-        <p:txBody>
-          <a:bodyPr/>
-          <a:lstStyle/>
-          <a:p>
-            <a:fld id="{C1D7BF53-A8BD-41DF-AC66-90ABD219E666}" type="slidenum">
-              <a:rPr lang="es-ES" smtClean="0"/>
-              <a:t>12</a:t>
-            </a:fld>
             <a:endParaRPr lang="es-ES"/>
           </a:p>
         </p:txBody>
@@ -5248,221 +5931,6 @@
           <a:bodyPr/>
           <a:lstStyle/>
           <a:p>
-            <a:r>
-              <a:rPr lang="es-ES" dirty="0" smtClean="0"/>
-              <a:t>Administrar Campeonato: incluye gestionar</a:t>
-            </a:r>
-            <a:r>
-              <a:rPr lang="es-ES" baseline="0" dirty="0" smtClean="0"/>
-              <a:t> un campeonato y sus ediciones, tipos de cancha, generar distintas diagramaciones (fixture todos contra todos, por zonas, </a:t>
-            </a:r>
-            <a:r>
-              <a:rPr lang="es-ES" baseline="0" dirty="0" err="1" smtClean="0"/>
-              <a:t>etc</a:t>
-            </a:r>
-            <a:r>
-              <a:rPr lang="es-ES" baseline="0" dirty="0" smtClean="0"/>
-              <a:t>)</a:t>
-            </a:r>
-          </a:p>
-          <a:p>
-            <a:endParaRPr lang="es-ES" baseline="0" dirty="0" smtClean="0"/>
-          </a:p>
-          <a:p>
-            <a:r>
-              <a:rPr lang="es-ES" dirty="0" smtClean="0"/>
-              <a:t>Administrar</a:t>
-            </a:r>
-            <a:r>
-              <a:rPr lang="es-ES" baseline="0" dirty="0" smtClean="0"/>
-              <a:t> Partidos:</a:t>
-            </a:r>
-            <a:r>
-              <a:rPr lang="es-AR" sz="1200" kern="1200" dirty="0" smtClean="0">
-                <a:solidFill>
-                  <a:schemeClr val="tx1"/>
-                </a:solidFill>
-                <a:effectLst/>
-                <a:latin typeface="+mn-lt"/>
-                <a:ea typeface="+mn-ea"/>
-                <a:cs typeface="+mn-cs"/>
-              </a:rPr>
-              <a:t>Registrar resultado de los partidos: cantidad de goles convertidos, tipos de goles, tarjetas, tiempo de juego y faltas cometidas por jugador, desempeño de árbitros</a:t>
-            </a:r>
-          </a:p>
-          <a:p>
-            <a:endParaRPr lang="es-AR" sz="1200" kern="1200" dirty="0" smtClean="0">
-              <a:solidFill>
-                <a:schemeClr val="tx1"/>
-              </a:solidFill>
-              <a:effectLst/>
-              <a:latin typeface="+mn-lt"/>
-              <a:ea typeface="+mn-ea"/>
-              <a:cs typeface="+mn-cs"/>
-            </a:endParaRPr>
-          </a:p>
-          <a:p>
-            <a:pPr lvl="0"/>
-            <a:r>
-              <a:rPr lang="es-AR" sz="1200" kern="1200" dirty="0" smtClean="0">
-                <a:solidFill>
-                  <a:schemeClr val="tx1"/>
-                </a:solidFill>
-                <a:effectLst/>
-                <a:latin typeface="+mn-lt"/>
-                <a:ea typeface="+mn-ea"/>
-                <a:cs typeface="+mn-cs"/>
-              </a:rPr>
-              <a:t>Generar</a:t>
-            </a:r>
-            <a:r>
-              <a:rPr lang="es-AR" sz="1200" kern="1200" baseline="0" dirty="0" smtClean="0">
-                <a:solidFill>
-                  <a:schemeClr val="tx1"/>
-                </a:solidFill>
-                <a:effectLst/>
-                <a:latin typeface="+mn-lt"/>
-                <a:ea typeface="+mn-ea"/>
-                <a:cs typeface="+mn-cs"/>
-              </a:rPr>
-              <a:t> todo tipo de estadísticas</a:t>
-            </a:r>
-            <a:r>
-              <a:rPr lang="es-AR" sz="1200" kern="1200" dirty="0" smtClean="0">
-                <a:solidFill>
-                  <a:schemeClr val="tx1"/>
-                </a:solidFill>
-                <a:effectLst/>
-                <a:latin typeface="+mn-lt"/>
-                <a:ea typeface="+mn-ea"/>
-                <a:cs typeface="+mn-cs"/>
-              </a:rPr>
-              <a:t> por equipo: tabla de posiciones (partidos jugados, partidos ganados, partidos empatados, partidos perdidos, goles a favor, goles en contra, puntos obtenidos), tipo de goles convertidos, resultados de local y de visitante. </a:t>
-            </a:r>
-            <a:endParaRPr lang="es-ES" sz="1200" kern="1200" dirty="0" smtClean="0">
-              <a:solidFill>
-                <a:schemeClr val="tx1"/>
-              </a:solidFill>
-              <a:effectLst/>
-              <a:latin typeface="+mn-lt"/>
-              <a:ea typeface="+mn-ea"/>
-              <a:cs typeface="+mn-cs"/>
-            </a:endParaRPr>
-          </a:p>
-          <a:p>
-            <a:pPr lvl="0"/>
-            <a:r>
-              <a:rPr lang="es-AR" sz="1200" kern="1200" dirty="0" smtClean="0">
-                <a:solidFill>
-                  <a:schemeClr val="tx1"/>
-                </a:solidFill>
-                <a:effectLst/>
-                <a:latin typeface="+mn-lt"/>
-                <a:ea typeface="+mn-ea"/>
-                <a:cs typeface="+mn-cs"/>
-              </a:rPr>
-              <a:t>Consultar resultados por cada fecha.</a:t>
-            </a:r>
-            <a:endParaRPr lang="es-ES" sz="1200" kern="1200" dirty="0" smtClean="0">
-              <a:solidFill>
-                <a:schemeClr val="tx1"/>
-              </a:solidFill>
-              <a:effectLst/>
-              <a:latin typeface="+mn-lt"/>
-              <a:ea typeface="+mn-ea"/>
-              <a:cs typeface="+mn-cs"/>
-            </a:endParaRPr>
-          </a:p>
-          <a:p>
-            <a:pPr lvl="0"/>
-            <a:r>
-              <a:rPr lang="es-AR" sz="1200" kern="1200" dirty="0" smtClean="0">
-                <a:solidFill>
-                  <a:schemeClr val="tx1"/>
-                </a:solidFill>
-                <a:effectLst/>
-                <a:latin typeface="+mn-lt"/>
-                <a:ea typeface="+mn-ea"/>
-                <a:cs typeface="+mn-cs"/>
-              </a:rPr>
-              <a:t>Generación de estadísticas por jugador: ranking de jugadores, goleadores, tarjetas rojas y amarillas obtenidas.</a:t>
-            </a:r>
-            <a:endParaRPr lang="es-ES" sz="1200" kern="1200" dirty="0" smtClean="0">
-              <a:solidFill>
-                <a:schemeClr val="tx1"/>
-              </a:solidFill>
-              <a:effectLst/>
-              <a:latin typeface="+mn-lt"/>
-              <a:ea typeface="+mn-ea"/>
-              <a:cs typeface="+mn-cs"/>
-            </a:endParaRPr>
-          </a:p>
-          <a:p>
-            <a:endParaRPr lang="es-ES" dirty="0" smtClean="0"/>
-          </a:p>
-          <a:p>
-            <a:r>
-              <a:rPr lang="es-AR" sz="1200" kern="1200" dirty="0" smtClean="0">
-                <a:solidFill>
-                  <a:schemeClr val="tx1"/>
-                </a:solidFill>
-                <a:effectLst/>
-                <a:latin typeface="+mn-lt"/>
-                <a:ea typeface="+mn-ea"/>
-                <a:cs typeface="+mn-cs"/>
-              </a:rPr>
-              <a:t>Generación de un portal de noticias que cada torneo podrá administrar.</a:t>
-            </a:r>
-          </a:p>
-          <a:p>
-            <a:endParaRPr lang="es-AR" sz="1200" kern="1200" dirty="0" smtClean="0">
-              <a:solidFill>
-                <a:schemeClr val="tx1"/>
-              </a:solidFill>
-              <a:effectLst/>
-              <a:latin typeface="+mn-lt"/>
-              <a:ea typeface="+mn-ea"/>
-              <a:cs typeface="+mn-cs"/>
-            </a:endParaRPr>
-          </a:p>
-          <a:p>
-            <a:r>
-              <a:rPr lang="es-AR" sz="1200" kern="1200" dirty="0" smtClean="0">
-                <a:solidFill>
-                  <a:schemeClr val="tx1"/>
-                </a:solidFill>
-                <a:effectLst/>
-                <a:latin typeface="+mn-lt"/>
-                <a:ea typeface="+mn-ea"/>
-                <a:cs typeface="+mn-cs"/>
-              </a:rPr>
-              <a:t>Gestión de usuarios, administrar los distintos accesos</a:t>
-            </a:r>
-            <a:r>
-              <a:rPr lang="es-AR" sz="1200" kern="1200" baseline="0" dirty="0" smtClean="0">
-                <a:solidFill>
-                  <a:schemeClr val="tx1"/>
-                </a:solidFill>
-                <a:effectLst/>
-                <a:latin typeface="+mn-lt"/>
-                <a:ea typeface="+mn-ea"/>
-                <a:cs typeface="+mn-cs"/>
-              </a:rPr>
-              <a:t> a la información, para cada tipo de usuario.</a:t>
-            </a:r>
-          </a:p>
-          <a:p>
-            <a:endParaRPr lang="es-AR" sz="1200" kern="1200" baseline="0" dirty="0" smtClean="0">
-              <a:solidFill>
-                <a:schemeClr val="tx1"/>
-              </a:solidFill>
-              <a:effectLst/>
-              <a:latin typeface="+mn-lt"/>
-              <a:ea typeface="+mn-ea"/>
-              <a:cs typeface="+mn-cs"/>
-            </a:endParaRPr>
-          </a:p>
-          <a:p>
             <a:endParaRPr lang="es-ES" dirty="0"/>
           </a:p>
         </p:txBody>
@@ -5486,14 +5954,14 @@
               <a:rPr lang="es-ES" smtClean="0"/>
               <a:t>7</a:t>
             </a:fld>
-            <a:endParaRPr lang="es-ES"/>
+            <a:endParaRPr lang="es-ES" dirty="0"/>
           </a:p>
         </p:txBody>
       </p:sp>
     </p:spTree>
     <p:extLst>
       <p:ext uri="{BB962C8B-B14F-4D97-AF65-F5344CB8AC3E}">
-        <p14:creationId xmlns:p14="http://schemas.microsoft.com/office/powerpoint/2010/main" val="1596929424"/>
+        <p14:creationId xmlns:p14="http://schemas.microsoft.com/office/powerpoint/2010/main" val="43387650"/>
       </p:ext>
     </p:extLst>
   </p:cSld>
@@ -5547,222 +6015,7 @@
           <a:bodyPr/>
           <a:lstStyle/>
           <a:p>
-            <a:r>
-              <a:rPr lang="es-ES" dirty="0" smtClean="0"/>
-              <a:t>Administrar Campeonato: incluye gestionar</a:t>
-            </a:r>
-            <a:r>
-              <a:rPr lang="es-ES" baseline="0" dirty="0" smtClean="0"/>
-              <a:t> un campeonato y sus ediciones, tipos de cancha, generar distintas diagramaciones (fixture todos contra todos, por zonas, </a:t>
-            </a:r>
-            <a:r>
-              <a:rPr lang="es-ES" baseline="0" dirty="0" err="1" smtClean="0"/>
-              <a:t>etc</a:t>
-            </a:r>
-            <a:r>
-              <a:rPr lang="es-ES" baseline="0" dirty="0" smtClean="0"/>
-              <a:t>)</a:t>
-            </a:r>
-          </a:p>
-          <a:p>
-            <a:endParaRPr lang="es-ES" baseline="0" dirty="0" smtClean="0"/>
-          </a:p>
-          <a:p>
-            <a:r>
-              <a:rPr lang="es-ES" dirty="0" smtClean="0"/>
-              <a:t>Administrar</a:t>
-            </a:r>
-            <a:r>
-              <a:rPr lang="es-ES" baseline="0" dirty="0" smtClean="0"/>
-              <a:t> Partidos:</a:t>
-            </a:r>
-            <a:r>
-              <a:rPr lang="es-AR" sz="1200" kern="1200" dirty="0" smtClean="0">
-                <a:solidFill>
-                  <a:schemeClr val="tx1"/>
-                </a:solidFill>
-                <a:effectLst/>
-                <a:latin typeface="+mn-lt"/>
-                <a:ea typeface="+mn-ea"/>
-                <a:cs typeface="+mn-cs"/>
-              </a:rPr>
-              <a:t>Registrar resultado de los partidos: cantidad de goles convertidos, tipos de goles, tarjetas, tiempo de juego y faltas cometidas por jugador, desempeño de árbitros</a:t>
-            </a:r>
-          </a:p>
-          <a:p>
-            <a:endParaRPr lang="es-AR" sz="1200" kern="1200" dirty="0" smtClean="0">
-              <a:solidFill>
-                <a:schemeClr val="tx1"/>
-              </a:solidFill>
-              <a:effectLst/>
-              <a:latin typeface="+mn-lt"/>
-              <a:ea typeface="+mn-ea"/>
-              <a:cs typeface="+mn-cs"/>
-            </a:endParaRPr>
-          </a:p>
-          <a:p>
-            <a:pPr lvl="0"/>
-            <a:r>
-              <a:rPr lang="es-AR" sz="1200" kern="1200" dirty="0" smtClean="0">
-                <a:solidFill>
-                  <a:schemeClr val="tx1"/>
-                </a:solidFill>
-                <a:effectLst/>
-                <a:latin typeface="+mn-lt"/>
-                <a:ea typeface="+mn-ea"/>
-                <a:cs typeface="+mn-cs"/>
-              </a:rPr>
-              <a:t>Generar</a:t>
-            </a:r>
-            <a:r>
-              <a:rPr lang="es-AR" sz="1200" kern="1200" baseline="0" dirty="0" smtClean="0">
-                <a:solidFill>
-                  <a:schemeClr val="tx1"/>
-                </a:solidFill>
-                <a:effectLst/>
-                <a:latin typeface="+mn-lt"/>
-                <a:ea typeface="+mn-ea"/>
-                <a:cs typeface="+mn-cs"/>
-              </a:rPr>
-              <a:t> todo tipo de estadísticas</a:t>
-            </a:r>
-            <a:r>
-              <a:rPr lang="es-AR" sz="1200" kern="1200" dirty="0" smtClean="0">
-                <a:solidFill>
-                  <a:schemeClr val="tx1"/>
-                </a:solidFill>
-                <a:effectLst/>
-                <a:latin typeface="+mn-lt"/>
-                <a:ea typeface="+mn-ea"/>
-                <a:cs typeface="+mn-cs"/>
-              </a:rPr>
-              <a:t> por equipo: tabla de posiciones (partidos jugados, partidos ganados, partidos empatados, partidos perdidos, goles a favor, goles en contra, puntos obtenidos), tipo de goles convertidos, resultados de local y de visitante. </a:t>
-            </a:r>
-            <a:endParaRPr lang="es-ES" sz="1200" kern="1200" dirty="0" smtClean="0">
-              <a:solidFill>
-                <a:schemeClr val="tx1"/>
-              </a:solidFill>
-              <a:effectLst/>
-              <a:latin typeface="+mn-lt"/>
-              <a:ea typeface="+mn-ea"/>
-              <a:cs typeface="+mn-cs"/>
-            </a:endParaRPr>
-          </a:p>
-          <a:p>
-            <a:pPr lvl="0"/>
-            <a:r>
-              <a:rPr lang="es-AR" sz="1200" kern="1200" dirty="0" smtClean="0">
-                <a:solidFill>
-                  <a:schemeClr val="tx1"/>
-                </a:solidFill>
-                <a:effectLst/>
-                <a:latin typeface="+mn-lt"/>
-                <a:ea typeface="+mn-ea"/>
-                <a:cs typeface="+mn-cs"/>
-              </a:rPr>
-              <a:t>Consultar resultados por cada fecha.</a:t>
-            </a:r>
-            <a:endParaRPr lang="es-ES" sz="1200" kern="1200" dirty="0" smtClean="0">
-              <a:solidFill>
-                <a:schemeClr val="tx1"/>
-              </a:solidFill>
-              <a:effectLst/>
-              <a:latin typeface="+mn-lt"/>
-              <a:ea typeface="+mn-ea"/>
-              <a:cs typeface="+mn-cs"/>
-            </a:endParaRPr>
-          </a:p>
-          <a:p>
-            <a:pPr lvl="0"/>
-            <a:r>
-              <a:rPr lang="es-AR" sz="1200" kern="1200" dirty="0" smtClean="0">
-                <a:solidFill>
-                  <a:schemeClr val="tx1"/>
-                </a:solidFill>
-                <a:effectLst/>
-                <a:latin typeface="+mn-lt"/>
-                <a:ea typeface="+mn-ea"/>
-                <a:cs typeface="+mn-cs"/>
-              </a:rPr>
-              <a:t>Generación de estadísticas por jugador: ranking de jugadores, goleadores, tarjetas rojas y amarillas obtenidas.</a:t>
-            </a:r>
-            <a:endParaRPr lang="es-ES" sz="1200" kern="1200" dirty="0" smtClean="0">
-              <a:solidFill>
-                <a:schemeClr val="tx1"/>
-              </a:solidFill>
-              <a:effectLst/>
-              <a:latin typeface="+mn-lt"/>
-              <a:ea typeface="+mn-ea"/>
-              <a:cs typeface="+mn-cs"/>
-            </a:endParaRPr>
-          </a:p>
-          <a:p>
-            <a:endParaRPr lang="es-ES" dirty="0" smtClean="0"/>
-          </a:p>
-          <a:p>
-            <a:r>
-              <a:rPr lang="es-AR" sz="1200" kern="1200" dirty="0" smtClean="0">
-                <a:solidFill>
-                  <a:schemeClr val="tx1"/>
-                </a:solidFill>
-                <a:effectLst/>
-                <a:latin typeface="+mn-lt"/>
-                <a:ea typeface="+mn-ea"/>
-                <a:cs typeface="+mn-cs"/>
-              </a:rPr>
-              <a:t>Generación de un portal de noticias que cada torneo podrá administrar.</a:t>
-            </a:r>
-          </a:p>
-          <a:p>
-            <a:endParaRPr lang="es-AR" sz="1200" kern="1200" dirty="0" smtClean="0">
-              <a:solidFill>
-                <a:schemeClr val="tx1"/>
-              </a:solidFill>
-              <a:effectLst/>
-              <a:latin typeface="+mn-lt"/>
-              <a:ea typeface="+mn-ea"/>
-              <a:cs typeface="+mn-cs"/>
-            </a:endParaRPr>
-          </a:p>
-          <a:p>
-            <a:r>
-              <a:rPr lang="es-AR" sz="1200" kern="1200" dirty="0" smtClean="0">
-                <a:solidFill>
-                  <a:schemeClr val="tx1"/>
-                </a:solidFill>
-                <a:effectLst/>
-                <a:latin typeface="+mn-lt"/>
-                <a:ea typeface="+mn-ea"/>
-                <a:cs typeface="+mn-cs"/>
-              </a:rPr>
-              <a:t>Gestión de usuarios, administrar los distintos accesos</a:t>
-            </a:r>
-            <a:r>
-              <a:rPr lang="es-AR" sz="1200" kern="1200" baseline="0" dirty="0" smtClean="0">
-                <a:solidFill>
-                  <a:schemeClr val="tx1"/>
-                </a:solidFill>
-                <a:effectLst/>
-                <a:latin typeface="+mn-lt"/>
-                <a:ea typeface="+mn-ea"/>
-                <a:cs typeface="+mn-cs"/>
-              </a:rPr>
-              <a:t> a la información, para cada tipo de usuario.</a:t>
-            </a:r>
-          </a:p>
-          <a:p>
-            <a:endParaRPr lang="es-AR" sz="1200" kern="1200" baseline="0" dirty="0" smtClean="0">
-              <a:solidFill>
-                <a:schemeClr val="tx1"/>
-              </a:solidFill>
-              <a:effectLst/>
-              <a:latin typeface="+mn-lt"/>
-              <a:ea typeface="+mn-ea"/>
-              <a:cs typeface="+mn-cs"/>
-            </a:endParaRPr>
-          </a:p>
-          <a:p>
-            <a:endParaRPr lang="es-ES" dirty="0"/>
+            <a:endParaRPr lang="es-ES"/>
           </a:p>
         </p:txBody>
       </p:sp>
@@ -5792,7 +6045,7 @@
     </p:spTree>
     <p:extLst>
       <p:ext uri="{BB962C8B-B14F-4D97-AF65-F5344CB8AC3E}">
-        <p14:creationId xmlns:p14="http://schemas.microsoft.com/office/powerpoint/2010/main" val="2924189411"/>
+        <p14:creationId xmlns:p14="http://schemas.microsoft.com/office/powerpoint/2010/main" val="2042071367"/>
       </p:ext>
     </p:extLst>
   </p:cSld>
@@ -6175,7 +6428,7 @@
     </p:spTree>
     <p:extLst>
       <p:ext uri="{BB962C8B-B14F-4D97-AF65-F5344CB8AC3E}">
-        <p14:creationId xmlns:p14="http://schemas.microsoft.com/office/powerpoint/2010/main" val="43387650"/>
+        <p14:creationId xmlns:p14="http://schemas.microsoft.com/office/powerpoint/2010/main" val="2354830964"/>
       </p:ext>
     </p:extLst>
   </p:cSld>
@@ -6369,7 +6622,7 @@
             <a:fld id="{08B9EBBA-996F-894A-B54A-D6246ED52CEA}" type="datetimeFigureOut">
               <a:rPr lang="en-US" smtClean="0"/>
               <a:pPr/>
-              <a:t>10/27/2014</a:t>
+              <a:t>10/28/2014</a:t>
             </a:fld>
             <a:endParaRPr lang="en-US" dirty="0"/>
           </a:p>
@@ -6656,7 +6909,7 @@
             <a:fld id="{09B482E8-6E0E-1B4F-B1FD-C69DB9E858D9}" type="datetimeFigureOut">
               <a:rPr lang="en-US" smtClean="0"/>
               <a:pPr/>
-              <a:t>10/27/2014</a:t>
+              <a:t>10/28/2014</a:t>
             </a:fld>
             <a:endParaRPr lang="en-US" dirty="0"/>
           </a:p>
@@ -6860,7 +7113,7 @@
             <a:fld id="{09B482E8-6E0E-1B4F-B1FD-C69DB9E858D9}" type="datetimeFigureOut">
               <a:rPr lang="en-US" smtClean="0"/>
               <a:pPr/>
-              <a:t>10/27/2014</a:t>
+              <a:t>10/28/2014</a:t>
             </a:fld>
             <a:endParaRPr lang="en-US" dirty="0"/>
           </a:p>
@@ -7138,7 +7391,7 @@
             <a:fld id="{09B482E8-6E0E-1B4F-B1FD-C69DB9E858D9}" type="datetimeFigureOut">
               <a:rPr lang="en-US" smtClean="0"/>
               <a:pPr/>
-              <a:t>10/27/2014</a:t>
+              <a:t>10/28/2014</a:t>
             </a:fld>
             <a:endParaRPr lang="en-US" dirty="0"/>
           </a:p>
@@ -7480,7 +7733,7 @@
             <a:fld id="{09B482E8-6E0E-1B4F-B1FD-C69DB9E858D9}" type="datetimeFigureOut">
               <a:rPr lang="en-US" smtClean="0"/>
               <a:pPr/>
-              <a:t>10/27/2014</a:t>
+              <a:t>10/28/2014</a:t>
             </a:fld>
             <a:endParaRPr lang="en-US" dirty="0"/>
           </a:p>
@@ -8100,7 +8353,7 @@
             <a:fld id="{09B482E8-6E0E-1B4F-B1FD-C69DB9E858D9}" type="datetimeFigureOut">
               <a:rPr lang="en-US" smtClean="0"/>
               <a:pPr/>
-              <a:t>10/27/2014</a:t>
+              <a:t>10/28/2014</a:t>
             </a:fld>
             <a:endParaRPr lang="en-US" dirty="0"/>
           </a:p>
@@ -8957,7 +9210,7 @@
             <a:fld id="{09B482E8-6E0E-1B4F-B1FD-C69DB9E858D9}" type="datetimeFigureOut">
               <a:rPr lang="en-US" smtClean="0"/>
               <a:pPr/>
-              <a:t>10/27/2014</a:t>
+              <a:t>10/28/2014</a:t>
             </a:fld>
             <a:endParaRPr lang="en-US" dirty="0"/>
           </a:p>
@@ -9137,7 +9390,7 @@
             <a:fld id="{C6C52C72-DE31-F449-A4ED-4C594FD91407}" type="datetimeFigureOut">
               <a:rPr lang="en-US" smtClean="0"/>
               <a:pPr/>
-              <a:t>10/27/2014</a:t>
+              <a:t>10/28/2014</a:t>
             </a:fld>
             <a:endParaRPr lang="en-US" dirty="0"/>
           </a:p>
@@ -9329,7 +9582,7 @@
             <a:fld id="{ED62726E-379B-B349-9EED-81ED093FA806}" type="datetimeFigureOut">
               <a:rPr lang="en-US" smtClean="0"/>
               <a:pPr/>
-              <a:t>10/27/2014</a:t>
+              <a:t>10/28/2014</a:t>
             </a:fld>
             <a:endParaRPr lang="en-US" dirty="0"/>
           </a:p>
@@ -9511,7 +9764,7 @@
             <a:fld id="{9B3A1323-8D79-1946-B0D7-40001CF92E9D}" type="datetimeFigureOut">
               <a:rPr lang="en-US" smtClean="0"/>
               <a:pPr/>
-              <a:t>10/27/2014</a:t>
+              <a:t>10/28/2014</a:t>
             </a:fld>
             <a:endParaRPr lang="en-US" dirty="0"/>
           </a:p>
@@ -9767,7 +10020,7 @@
             <a:fld id="{8DFA1846-DA80-1C48-A609-854EA85C59AD}" type="datetimeFigureOut">
               <a:rPr lang="en-US" smtClean="0"/>
               <a:pPr/>
-              <a:t>10/27/2014</a:t>
+              <a:t>10/28/2014</a:t>
             </a:fld>
             <a:endParaRPr lang="en-US" dirty="0"/>
           </a:p>
@@ -10071,7 +10324,7 @@
             <a:fld id="{57302355-E14B-8545-A8F8-0FE83CC9D524}" type="datetimeFigureOut">
               <a:rPr lang="en-US" smtClean="0"/>
               <a:pPr/>
-              <a:t>10/27/2014</a:t>
+              <a:t>10/28/2014</a:t>
             </a:fld>
             <a:endParaRPr lang="en-US" dirty="0"/>
           </a:p>
@@ -10521,7 +10774,7 @@
             <a:fld id="{02640F58-564D-2B4F-AE67-E407BA4FCF45}" type="datetimeFigureOut">
               <a:rPr lang="en-US" smtClean="0"/>
               <a:pPr/>
-              <a:t>10/27/2014</a:t>
+              <a:t>10/28/2014</a:t>
             </a:fld>
             <a:endParaRPr lang="en-US" dirty="0"/>
           </a:p>
@@ -10651,7 +10904,7 @@
             <a:fld id="{F13A34C8-038E-2045-AF43-DF7DBB8E0E9E}" type="datetimeFigureOut">
               <a:rPr lang="en-US" smtClean="0"/>
               <a:pPr/>
-              <a:t>10/27/2014</a:t>
+              <a:t>10/28/2014</a:t>
             </a:fld>
             <a:endParaRPr lang="en-US" dirty="0"/>
           </a:p>
@@ -10758,7 +11011,7 @@
             <a:fld id="{8818C68F-D26B-8F47-958C-23B49CF8A634}" type="datetimeFigureOut">
               <a:rPr lang="en-US" smtClean="0"/>
               <a:pPr/>
-              <a:t>10/27/2014</a:t>
+              <a:t>10/28/2014</a:t>
             </a:fld>
             <a:endParaRPr lang="en-US" dirty="0"/>
           </a:p>
@@ -11049,7 +11302,7 @@
             <a:fld id="{D0DF5E60-9974-AC48-9591-99C2BB44B7CF}" type="datetimeFigureOut">
               <a:rPr lang="en-US" smtClean="0"/>
               <a:pPr/>
-              <a:t>10/27/2014</a:t>
+              <a:t>10/28/2014</a:t>
             </a:fld>
             <a:endParaRPr lang="en-US" dirty="0"/>
           </a:p>
@@ -11336,7 +11589,7 @@
             <a:fld id="{18C79C5D-2A6F-F04D-97DA-BEF2467B64E4}" type="datetimeFigureOut">
               <a:rPr lang="en-US" smtClean="0"/>
               <a:pPr/>
-              <a:t>10/27/2014</a:t>
+              <a:t>10/28/2014</a:t>
             </a:fld>
             <a:endParaRPr lang="en-US" dirty="0"/>
           </a:p>
@@ -11777,7 +12030,7 @@
             <a:fld id="{09B482E8-6E0E-1B4F-B1FD-C69DB9E858D9}" type="datetimeFigureOut">
               <a:rPr lang="en-US" smtClean="0"/>
               <a:pPr/>
-              <a:t>10/27/2014</a:t>
+              <a:t>10/28/2014</a:t>
             </a:fld>
             <a:endParaRPr lang="en-US" dirty="0"/>
           </a:p>
@@ -13215,679 +13468,6 @@
 </file>
 
 <file path=ppt/slides/slide10.xml><?xml version="1.0" encoding="utf-8"?>
-<p:sld xmlns:a="http://schemas.openxmlformats.org/drawingml/2006/main" xmlns:r="http://schemas.openxmlformats.org/officeDocument/2006/relationships" xmlns:p="http://schemas.openxmlformats.org/presentationml/2006/main">
-  <p:cSld>
-    <p:spTree>
-      <p:nvGrpSpPr>
-        <p:cNvPr id="1" name=""/>
-        <p:cNvGrpSpPr/>
-        <p:nvPr/>
-      </p:nvGrpSpPr>
-      <p:grpSpPr>
-        <a:xfrm>
-          <a:off x="0" y="0"/>
-          <a:ext cx="0" cy="0"/>
-          <a:chOff x="0" y="0"/>
-          <a:chExt cx="0" cy="0"/>
-        </a:xfrm>
-      </p:grpSpPr>
-      <p:sp>
-        <p:nvSpPr>
-          <p:cNvPr id="26" name="Rectángulo 25"/>
-          <p:cNvSpPr/>
-          <p:nvPr/>
-        </p:nvSpPr>
-        <p:spPr>
-          <a:xfrm>
-            <a:off x="1" y="1"/>
-            <a:ext cx="10444162" cy="1152000"/>
-          </a:xfrm>
-          <a:prstGeom prst="rect">
-            <a:avLst/>
-          </a:prstGeom>
-          <a:solidFill>
-            <a:schemeClr val="accent1">
-              <a:alpha val="37000"/>
-            </a:schemeClr>
-          </a:solidFill>
-          <a:ln>
-            <a:noFill/>
-          </a:ln>
-          <a:effectLst>
-            <a:outerShdw blurRad="50800" dist="38100" dir="2700000" algn="tl" rotWithShape="0">
-              <a:prstClr val="black">
-                <a:alpha val="40000"/>
-              </a:prstClr>
-            </a:outerShdw>
-          </a:effectLst>
-        </p:spPr>
-        <p:style>
-          <a:lnRef idx="2">
-            <a:schemeClr val="accent1">
-              <a:shade val="50000"/>
-            </a:schemeClr>
-          </a:lnRef>
-          <a:fillRef idx="1">
-            <a:schemeClr val="accent1"/>
-          </a:fillRef>
-          <a:effectRef idx="0">
-            <a:schemeClr val="accent1"/>
-          </a:effectRef>
-          <a:fontRef idx="minor">
-            <a:schemeClr val="lt1"/>
-          </a:fontRef>
-        </p:style>
-        <p:txBody>
-          <a:bodyPr rtlCol="0" anchor="ctr"/>
-          <a:lstStyle/>
-          <a:p>
-            <a:pPr algn="ctr"/>
-            <a:endParaRPr lang="es-ES"/>
-          </a:p>
-        </p:txBody>
-      </p:sp>
-      <p:sp>
-        <p:nvSpPr>
-          <p:cNvPr id="28" name="Título 1"/>
-          <p:cNvSpPr txBox="1">
-            <a:spLocks/>
-          </p:cNvSpPr>
-          <p:nvPr/>
-        </p:nvSpPr>
-        <p:spPr>
-          <a:xfrm>
-            <a:off x="1607517" y="228600"/>
-            <a:ext cx="8836646" cy="813148"/>
-          </a:xfrm>
-          <a:prstGeom prst="rect">
-            <a:avLst/>
-          </a:prstGeom>
-        </p:spPr>
-        <p:txBody>
-          <a:bodyPr vert="horz" lIns="91440" tIns="45720" rIns="91440" bIns="45720" rtlCol="0" anchor="t">
-            <a:noAutofit/>
-          </a:bodyPr>
-          <a:lstStyle>
-            <a:lvl1pPr algn="l" defTabSz="457200" rtl="0" eaLnBrk="1" latinLnBrk="0" hangingPunct="1">
-              <a:spcBef>
-                <a:spcPct val="0"/>
-              </a:spcBef>
-              <a:buNone/>
-              <a:defRPr sz="4200" b="0" i="0" kern="1200">
-                <a:solidFill>
-                  <a:schemeClr val="tx2"/>
-                </a:solidFill>
-                <a:latin typeface="+mj-lt"/>
-                <a:ea typeface="+mj-ea"/>
-                <a:cs typeface="+mj-cs"/>
-              </a:defRPr>
-            </a:lvl1pPr>
-            <a:lvl2pPr eaLnBrk="1" hangingPunct="1">
-              <a:defRPr>
-                <a:solidFill>
-                  <a:schemeClr val="tx2"/>
-                </a:solidFill>
-              </a:defRPr>
-            </a:lvl2pPr>
-            <a:lvl3pPr eaLnBrk="1" hangingPunct="1">
-              <a:defRPr>
-                <a:solidFill>
-                  <a:schemeClr val="tx2"/>
-                </a:solidFill>
-              </a:defRPr>
-            </a:lvl3pPr>
-            <a:lvl4pPr eaLnBrk="1" hangingPunct="1">
-              <a:defRPr>
-                <a:solidFill>
-                  <a:schemeClr val="tx2"/>
-                </a:solidFill>
-              </a:defRPr>
-            </a:lvl4pPr>
-            <a:lvl5pPr eaLnBrk="1" hangingPunct="1">
-              <a:defRPr>
-                <a:solidFill>
-                  <a:schemeClr val="tx2"/>
-                </a:solidFill>
-              </a:defRPr>
-            </a:lvl5pPr>
-            <a:lvl6pPr eaLnBrk="1" hangingPunct="1">
-              <a:defRPr>
-                <a:solidFill>
-                  <a:schemeClr val="tx2"/>
-                </a:solidFill>
-              </a:defRPr>
-            </a:lvl6pPr>
-            <a:lvl7pPr eaLnBrk="1" hangingPunct="1">
-              <a:defRPr>
-                <a:solidFill>
-                  <a:schemeClr val="tx2"/>
-                </a:solidFill>
-              </a:defRPr>
-            </a:lvl7pPr>
-            <a:lvl8pPr eaLnBrk="1" hangingPunct="1">
-              <a:defRPr>
-                <a:solidFill>
-                  <a:schemeClr val="tx2"/>
-                </a:solidFill>
-              </a:defRPr>
-            </a:lvl8pPr>
-            <a:lvl9pPr eaLnBrk="1" hangingPunct="1">
-              <a:defRPr>
-                <a:solidFill>
-                  <a:schemeClr val="tx2"/>
-                </a:solidFill>
-              </a:defRPr>
-            </a:lvl9pPr>
-          </a:lstStyle>
-          <a:p>
-            <a:r>
-              <a:rPr lang="es-AR" dirty="0" smtClean="0"/>
-              <a:t>Demo del sistema</a:t>
-            </a:r>
-            <a:endParaRPr lang="es-AR" dirty="0"/>
-          </a:p>
-        </p:txBody>
-      </p:sp>
-      <p:pic>
-        <p:nvPicPr>
-          <p:cNvPr id="29" name="Imagen 28"/>
-          <p:cNvPicPr>
-            <a:picLocks noChangeAspect="1"/>
-          </p:cNvPicPr>
-          <p:nvPr/>
-        </p:nvPicPr>
-        <p:blipFill>
-          <a:blip r:embed="rId3">
-            <a:grayscl/>
-            <a:extLst>
-              <a:ext uri="{28A0092B-C50C-407E-A947-70E740481C1C}">
-                <a14:useLocalDpi xmlns:a14="http://schemas.microsoft.com/office/drawing/2010/main" val="0"/>
-              </a:ext>
-            </a:extLst>
-          </a:blip>
-          <a:stretch>
-            <a:fillRect/>
-          </a:stretch>
-        </p:blipFill>
-        <p:spPr>
-          <a:xfrm>
-            <a:off x="289301" y="0"/>
-            <a:ext cx="1151372" cy="1163031"/>
-          </a:xfrm>
-          <a:prstGeom prst="rect">
-            <a:avLst/>
-          </a:prstGeom>
-        </p:spPr>
-      </p:pic>
-      <p:sp>
-        <p:nvSpPr>
-          <p:cNvPr id="46" name="Título 1"/>
-          <p:cNvSpPr txBox="1">
-            <a:spLocks/>
-          </p:cNvSpPr>
-          <p:nvPr/>
-        </p:nvSpPr>
-        <p:spPr>
-          <a:xfrm>
-            <a:off x="2061029" y="2257795"/>
-            <a:ext cx="8157028" cy="2342410"/>
-          </a:xfrm>
-          <a:prstGeom prst="rect">
-            <a:avLst/>
-          </a:prstGeom>
-          <a:effectLst>
-            <a:outerShdw blurRad="50800" dir="14400000">
-              <a:srgbClr val="000000">
-                <a:alpha val="60000"/>
-              </a:srgbClr>
-            </a:outerShdw>
-          </a:effectLst>
-        </p:spPr>
-        <p:txBody>
-          <a:bodyPr vert="horz" lIns="91440" tIns="45720" rIns="91440" bIns="45720" rtlCol="0" anchor="b">
-            <a:noAutofit/>
-          </a:bodyPr>
-          <a:lstStyle>
-            <a:lvl1pPr algn="l" defTabSz="457200" rtl="0" eaLnBrk="1" latinLnBrk="0" hangingPunct="1">
-              <a:spcBef>
-                <a:spcPct val="0"/>
-              </a:spcBef>
-              <a:buNone/>
-              <a:defRPr sz="5400" b="1" kern="1200">
-                <a:solidFill>
-                  <a:srgbClr val="FEFEFE"/>
-                </a:solidFill>
-                <a:latin typeface="+mj-lt"/>
-                <a:ea typeface="+mj-ea"/>
-                <a:cs typeface="+mj-cs"/>
-              </a:defRPr>
-            </a:lvl1pPr>
-            <a:lvl2pPr eaLnBrk="1" hangingPunct="1">
-              <a:defRPr>
-                <a:solidFill>
-                  <a:schemeClr val="tx2"/>
-                </a:solidFill>
-              </a:defRPr>
-            </a:lvl2pPr>
-            <a:lvl3pPr eaLnBrk="1" hangingPunct="1">
-              <a:defRPr>
-                <a:solidFill>
-                  <a:schemeClr val="tx2"/>
-                </a:solidFill>
-              </a:defRPr>
-            </a:lvl3pPr>
-            <a:lvl4pPr eaLnBrk="1" hangingPunct="1">
-              <a:defRPr>
-                <a:solidFill>
-                  <a:schemeClr val="tx2"/>
-                </a:solidFill>
-              </a:defRPr>
-            </a:lvl4pPr>
-            <a:lvl5pPr eaLnBrk="1" hangingPunct="1">
-              <a:defRPr>
-                <a:solidFill>
-                  <a:schemeClr val="tx2"/>
-                </a:solidFill>
-              </a:defRPr>
-            </a:lvl5pPr>
-            <a:lvl6pPr eaLnBrk="1" hangingPunct="1">
-              <a:defRPr>
-                <a:solidFill>
-                  <a:schemeClr val="tx2"/>
-                </a:solidFill>
-              </a:defRPr>
-            </a:lvl6pPr>
-            <a:lvl7pPr eaLnBrk="1" hangingPunct="1">
-              <a:defRPr>
-                <a:solidFill>
-                  <a:schemeClr val="tx2"/>
-                </a:solidFill>
-              </a:defRPr>
-            </a:lvl7pPr>
-            <a:lvl8pPr eaLnBrk="1" hangingPunct="1">
-              <a:defRPr>
-                <a:solidFill>
-                  <a:schemeClr val="tx2"/>
-                </a:solidFill>
-              </a:defRPr>
-            </a:lvl8pPr>
-            <a:lvl9pPr eaLnBrk="1" hangingPunct="1">
-              <a:defRPr>
-                <a:solidFill>
-                  <a:schemeClr val="tx2"/>
-                </a:solidFill>
-              </a:defRPr>
-            </a:lvl9pPr>
-          </a:lstStyle>
-          <a:p>
-            <a:pPr algn="ctr"/>
-            <a:r>
-              <a:rPr lang="es-AR" sz="7200" spc="300" dirty="0" smtClean="0">
-                <a:solidFill>
-                  <a:schemeClr val="tx1"/>
-                </a:solidFill>
-                <a:effectLst>
-                  <a:outerShdw blurRad="38100" dist="38100" dir="2700000" algn="tl">
-                    <a:srgbClr val="000000">
-                      <a:alpha val="43137"/>
-                    </a:srgbClr>
-                  </a:outerShdw>
-                </a:effectLst>
-              </a:rPr>
-              <a:t>Presentación de Funcionalidad </a:t>
-            </a:r>
-            <a:endParaRPr lang="es-AR" sz="7200" spc="300" dirty="0">
-              <a:solidFill>
-                <a:schemeClr val="tx1"/>
-              </a:solidFill>
-              <a:effectLst>
-                <a:outerShdw blurRad="38100" dist="38100" dir="2700000" algn="tl">
-                  <a:srgbClr val="000000">
-                    <a:alpha val="43137"/>
-                  </a:srgbClr>
-                </a:outerShdw>
-              </a:effectLst>
-            </a:endParaRPr>
-          </a:p>
-        </p:txBody>
-      </p:sp>
-      <p:sp>
-        <p:nvSpPr>
-          <p:cNvPr id="47" name="Left Bracket"/>
-          <p:cNvSpPr txBox="1"/>
-          <p:nvPr/>
-        </p:nvSpPr>
-        <p:spPr>
-          <a:xfrm>
-            <a:off x="5163590" y="1741534"/>
-            <a:ext cx="1080745" cy="3154710"/>
-          </a:xfrm>
-          <a:prstGeom prst="rect">
-            <a:avLst/>
-          </a:prstGeom>
-          <a:noFill/>
-        </p:spPr>
-        <p:txBody>
-          <a:bodyPr wrap="none" rtlCol="0">
-            <a:spAutoFit/>
-          </a:bodyPr>
-          <a:lstStyle/>
-          <a:p>
-            <a:r>
-              <a:rPr lang="en-US" sz="19900" dirty="0" smtClean="0">
-                <a:solidFill>
-                  <a:schemeClr val="tx1">
-                    <a:lumMod val="95000"/>
-                  </a:schemeClr>
-                </a:solidFill>
-                <a:effectLst>
-                  <a:outerShdw blurRad="38100" dist="38100" dir="2700000" algn="tl">
-                    <a:srgbClr val="000000">
-                      <a:alpha val="43137"/>
-                    </a:srgbClr>
-                  </a:outerShdw>
-                </a:effectLst>
-              </a:rPr>
-              <a:t>[</a:t>
-            </a:r>
-            <a:endParaRPr lang="en-US" sz="19900" dirty="0">
-              <a:solidFill>
-                <a:schemeClr val="tx1">
-                  <a:lumMod val="95000"/>
-                </a:schemeClr>
-              </a:solidFill>
-              <a:effectLst>
-                <a:outerShdw blurRad="38100" dist="38100" dir="2700000" algn="tl">
-                  <a:srgbClr val="000000">
-                    <a:alpha val="43137"/>
-                  </a:srgbClr>
-                </a:outerShdw>
-              </a:effectLst>
-            </a:endParaRPr>
-          </a:p>
-        </p:txBody>
-      </p:sp>
-      <p:sp>
-        <p:nvSpPr>
-          <p:cNvPr id="48" name="Right Bracket"/>
-          <p:cNvSpPr txBox="1"/>
-          <p:nvPr/>
-        </p:nvSpPr>
-        <p:spPr>
-          <a:xfrm>
-            <a:off x="6230113" y="1741534"/>
-            <a:ext cx="1080745" cy="3154710"/>
-          </a:xfrm>
-          <a:prstGeom prst="rect">
-            <a:avLst/>
-          </a:prstGeom>
-          <a:noFill/>
-        </p:spPr>
-        <p:txBody>
-          <a:bodyPr wrap="none" rtlCol="0">
-            <a:spAutoFit/>
-          </a:bodyPr>
-          <a:lstStyle/>
-          <a:p>
-            <a:r>
-              <a:rPr lang="en-US" sz="19900" dirty="0">
-                <a:solidFill>
-                  <a:schemeClr val="tx1">
-                    <a:lumMod val="95000"/>
-                  </a:schemeClr>
-                </a:solidFill>
-                <a:effectLst>
-                  <a:outerShdw blurRad="38100" dist="38100" dir="2700000" algn="tl">
-                    <a:srgbClr val="000000">
-                      <a:alpha val="43137"/>
-                    </a:srgbClr>
-                  </a:outerShdw>
-                </a:effectLst>
-              </a:rPr>
-              <a:t>]</a:t>
-            </a:r>
-          </a:p>
-        </p:txBody>
-      </p:sp>
-    </p:spTree>
-    <p:extLst>
-      <p:ext uri="{BB962C8B-B14F-4D97-AF65-F5344CB8AC3E}">
-        <p14:creationId xmlns:p14="http://schemas.microsoft.com/office/powerpoint/2010/main" val="3189637303"/>
-      </p:ext>
-    </p:extLst>
-  </p:cSld>
-  <p:clrMapOvr>
-    <a:masterClrMapping/>
-  </p:clrMapOvr>
-  <mc:AlternateContent xmlns:mc="http://schemas.openxmlformats.org/markup-compatibility/2006" xmlns:p14="http://schemas.microsoft.com/office/powerpoint/2010/main">
-    <mc:Choice Requires="p14">
-      <p:transition spd="slow" p14:dur="800">
-        <p14:flythrough/>
-      </p:transition>
-    </mc:Choice>
-    <mc:Fallback xmlns="">
-      <p:transition spd="slow">
-        <p:fade/>
-      </p:transition>
-    </mc:Fallback>
-  </mc:AlternateContent>
-  <p:timing>
-    <p:tnLst>
-      <p:par>
-        <p:cTn id="1" dur="indefinite" restart="never" nodeType="tmRoot">
-          <p:childTnLst>
-            <p:seq concurrent="1" nextAc="seek">
-              <p:cTn id="2" dur="indefinite" nodeType="mainSeq">
-                <p:childTnLst>
-                  <p:par>
-                    <p:cTn id="3" fill="hold">
-                      <p:stCondLst>
-                        <p:cond delay="indefinite"/>
-                      </p:stCondLst>
-                      <p:childTnLst>
-                        <p:par>
-                          <p:cTn id="4" fill="hold">
-                            <p:stCondLst>
-                              <p:cond delay="0"/>
-                            </p:stCondLst>
-                            <p:childTnLst>
-                              <p:par>
-                                <p:cTn id="5" presetID="10" presetClass="entr" presetSubtype="0" fill="hold" grpId="0" nodeType="clickEffect">
-                                  <p:stCondLst>
-                                    <p:cond delay="500"/>
-                                  </p:stCondLst>
-                                  <p:childTnLst>
-                                    <p:set>
-                                      <p:cBhvr>
-                                        <p:cTn id="6" dur="1" fill="hold">
-                                          <p:stCondLst>
-                                            <p:cond delay="0"/>
-                                          </p:stCondLst>
-                                        </p:cTn>
-                                        <p:tgtEl>
-                                          <p:spTgt spid="48"/>
-                                        </p:tgtEl>
-                                        <p:attrNameLst>
-                                          <p:attrName>style.visibility</p:attrName>
-                                        </p:attrNameLst>
-                                      </p:cBhvr>
-                                      <p:to>
-                                        <p:strVal val="visible"/>
-                                      </p:to>
-                                    </p:set>
-                                    <p:animEffect transition="in" filter="fade">
-                                      <p:cBhvr>
-                                        <p:cTn id="7" dur="500"/>
-                                        <p:tgtEl>
-                                          <p:spTgt spid="48"/>
-                                        </p:tgtEl>
-                                      </p:cBhvr>
-                                    </p:animEffect>
-                                  </p:childTnLst>
-                                </p:cTn>
-                              </p:par>
-                              <p:par>
-                                <p:cTn id="8" presetID="10" presetClass="entr" presetSubtype="0" fill="hold" grpId="1" nodeType="withEffect">
-                                  <p:stCondLst>
-                                    <p:cond delay="500"/>
-                                  </p:stCondLst>
-                                  <p:childTnLst>
-                                    <p:set>
-                                      <p:cBhvr>
-                                        <p:cTn id="9" dur="1" fill="hold">
-                                          <p:stCondLst>
-                                            <p:cond delay="0"/>
-                                          </p:stCondLst>
-                                        </p:cTn>
-                                        <p:tgtEl>
-                                          <p:spTgt spid="47"/>
-                                        </p:tgtEl>
-                                        <p:attrNameLst>
-                                          <p:attrName>style.visibility</p:attrName>
-                                        </p:attrNameLst>
-                                      </p:cBhvr>
-                                      <p:to>
-                                        <p:strVal val="visible"/>
-                                      </p:to>
-                                    </p:set>
-                                    <p:animEffect transition="in" filter="fade">
-                                      <p:cBhvr>
-                                        <p:cTn id="10" dur="500"/>
-                                        <p:tgtEl>
-                                          <p:spTgt spid="47"/>
-                                        </p:tgtEl>
-                                      </p:cBhvr>
-                                    </p:animEffect>
-                                  </p:childTnLst>
-                                </p:cTn>
-                              </p:par>
-                            </p:childTnLst>
-                          </p:cTn>
-                        </p:par>
-                        <p:par>
-                          <p:cTn id="11" fill="hold">
-                            <p:stCondLst>
-                              <p:cond delay="1000"/>
-                            </p:stCondLst>
-                            <p:childTnLst>
-                              <p:par>
-                                <p:cTn id="12" presetID="42" presetClass="path" presetSubtype="0" accel="50000" decel="50000" fill="hold" grpId="0" nodeType="afterEffect">
-                                  <p:stCondLst>
-                                    <p:cond delay="0"/>
-                                  </p:stCondLst>
-                                  <p:childTnLst>
-                                    <p:animMotion origin="layout" path="M 1.45833E-6 3.7037E-6 L -0.3069 -0.00324 " pathEditMode="relative" rAng="0" ptsTypes="AA">
-                                      <p:cBhvr>
-                                        <p:cTn id="13" dur="1000" fill="hold"/>
-                                        <p:tgtEl>
-                                          <p:spTgt spid="47"/>
-                                        </p:tgtEl>
-                                        <p:attrNameLst>
-                                          <p:attrName>ppt_x</p:attrName>
-                                          <p:attrName>ppt_y</p:attrName>
-                                        </p:attrNameLst>
-                                      </p:cBhvr>
-                                      <p:rCtr x="-15352" y="-162"/>
-                                    </p:animMotion>
-                                  </p:childTnLst>
-                                </p:cTn>
-                              </p:par>
-                              <p:par>
-                                <p:cTn id="14" presetID="42" presetClass="path" presetSubtype="0" accel="50000" decel="50000" fill="hold" grpId="1" nodeType="withEffect">
-                                  <p:stCondLst>
-                                    <p:cond delay="0"/>
-                                  </p:stCondLst>
-                                  <p:childTnLst>
-                                    <p:animMotion origin="layout" path="M 1.66667E-6 3.7037E-6 L 0.28698 0.00231 " pathEditMode="relative" rAng="0" ptsTypes="AA">
-                                      <p:cBhvr>
-                                        <p:cTn id="15" dur="1100" fill="hold"/>
-                                        <p:tgtEl>
-                                          <p:spTgt spid="48"/>
-                                        </p:tgtEl>
-                                        <p:attrNameLst>
-                                          <p:attrName>ppt_x</p:attrName>
-                                          <p:attrName>ppt_y</p:attrName>
-                                        </p:attrNameLst>
-                                      </p:cBhvr>
-                                      <p:rCtr x="14349" y="116"/>
-                                    </p:animMotion>
-                                  </p:childTnLst>
-                                </p:cTn>
-                              </p:par>
-                              <p:par>
-                                <p:cTn id="16" presetID="16" presetClass="entr" presetSubtype="37" fill="hold" grpId="0" nodeType="withEffect">
-                                  <p:stCondLst>
-                                    <p:cond delay="200"/>
-                                  </p:stCondLst>
-                                  <p:childTnLst>
-                                    <p:set>
-                                      <p:cBhvr>
-                                        <p:cTn id="17" dur="1" fill="hold">
-                                          <p:stCondLst>
-                                            <p:cond delay="0"/>
-                                          </p:stCondLst>
-                                        </p:cTn>
-                                        <p:tgtEl>
-                                          <p:spTgt spid="46"/>
-                                        </p:tgtEl>
-                                        <p:attrNameLst>
-                                          <p:attrName>style.visibility</p:attrName>
-                                        </p:attrNameLst>
-                                      </p:cBhvr>
-                                      <p:to>
-                                        <p:strVal val="visible"/>
-                                      </p:to>
-                                    </p:set>
-                                    <p:animEffect transition="in" filter="barn(outVertical)">
-                                      <p:cBhvr>
-                                        <p:cTn id="18" dur="800"/>
-                                        <p:tgtEl>
-                                          <p:spTgt spid="46"/>
-                                        </p:tgtEl>
-                                      </p:cBhvr>
-                                    </p:animEffect>
-                                  </p:childTnLst>
-                                </p:cTn>
-                              </p:par>
-                            </p:childTnLst>
-                          </p:cTn>
-                        </p:par>
-                      </p:childTnLst>
-                    </p:cTn>
-                  </p:par>
-                </p:childTnLst>
-              </p:cTn>
-              <p:prevCondLst>
-                <p:cond evt="onPrev" delay="0">
-                  <p:tgtEl>
-                    <p:sldTgt/>
-                  </p:tgtEl>
-                </p:cond>
-              </p:prevCondLst>
-              <p:nextCondLst>
-                <p:cond evt="onNext" delay="0">
-                  <p:tgtEl>
-                    <p:sldTgt/>
-                  </p:tgtEl>
-                </p:cond>
-              </p:nextCondLst>
-            </p:seq>
-          </p:childTnLst>
-        </p:cTn>
-      </p:par>
-    </p:tnLst>
-    <p:bldLst>
-      <p:bldP spid="46" grpId="0"/>
-      <p:bldP spid="47" grpId="0"/>
-      <p:bldP spid="47" grpId="1"/>
-      <p:bldP spid="48" grpId="0"/>
-      <p:bldP spid="48" grpId="1"/>
-    </p:bldLst>
-  </p:timing>
-</p:sld>
-</file>
-
-<file path=ppt/slides/slide11.xml><?xml version="1.0" encoding="utf-8"?>
 <p:sld xmlns:a="http://schemas.openxmlformats.org/drawingml/2006/main" xmlns:r="http://schemas.openxmlformats.org/officeDocument/2006/relationships" xmlns:p="http://schemas.openxmlformats.org/presentationml/2006/main">
   <p:cSld>
     <p:spTree>
@@ -15243,7 +14823,7 @@
 </p:sld>
 </file>
 
-<file path=ppt/slides/slide12.xml><?xml version="1.0" encoding="utf-8"?>
+<file path=ppt/slides/slide11.xml><?xml version="1.0" encoding="utf-8"?>
 <p:sld xmlns:a="http://schemas.openxmlformats.org/drawingml/2006/main" xmlns:r="http://schemas.openxmlformats.org/officeDocument/2006/relationships" xmlns:p="http://schemas.openxmlformats.org/presentationml/2006/main">
   <p:cSld>
     <p:spTree>
@@ -23776,7 +23356,7 @@
       </p:grpSpPr>
       <p:sp>
         <p:nvSpPr>
-          <p:cNvPr id="55" name="Rectángulo 54"/>
+          <p:cNvPr id="26" name="Rectángulo 25"/>
           <p:cNvSpPr/>
           <p:nvPr/>
         </p:nvSpPr>
@@ -23831,35 +23411,109 @@
       </p:sp>
       <p:sp>
         <p:nvSpPr>
-          <p:cNvPr id="2" name="Título 1"/>
-          <p:cNvSpPr>
-            <a:spLocks noGrp="1"/>
+          <p:cNvPr id="28" name="Título 1"/>
+          <p:cNvSpPr txBox="1">
+            <a:spLocks/>
           </p:cNvSpPr>
-          <p:nvPr>
-            <p:ph type="title"/>
-          </p:nvPr>
+          <p:nvPr/>
         </p:nvSpPr>
         <p:spPr>
           <a:xfrm>
-            <a:off x="1695449" y="192581"/>
-            <a:ext cx="7600952" cy="783264"/>
+            <a:off x="1607517" y="228600"/>
+            <a:ext cx="8836646" cy="813148"/>
           </a:xfrm>
+          <a:prstGeom prst="rect">
+            <a:avLst/>
+          </a:prstGeom>
         </p:spPr>
         <p:txBody>
-          <a:bodyPr/>
-          <a:lstStyle/>
-          <a:p>
-            <a:r>
-              <a:rPr lang="es-AR" sz="3600" dirty="0" smtClean="0"/>
-              <a:t>Documentación de Proyecto</a:t>
-            </a:r>
-            <a:endParaRPr lang="es-AR" sz="3600" dirty="0"/>
+          <a:bodyPr vert="horz" lIns="91440" tIns="45720" rIns="91440" bIns="45720" rtlCol="0" anchor="t">
+            <a:noAutofit/>
+          </a:bodyPr>
+          <a:lstStyle>
+            <a:lvl1pPr algn="l" defTabSz="457200" rtl="0" eaLnBrk="1" latinLnBrk="0" hangingPunct="1">
+              <a:spcBef>
+                <a:spcPct val="0"/>
+              </a:spcBef>
+              <a:buNone/>
+              <a:defRPr sz="4200" b="0" i="0" kern="1200">
+                <a:solidFill>
+                  <a:schemeClr val="tx2"/>
+                </a:solidFill>
+                <a:latin typeface="+mj-lt"/>
+                <a:ea typeface="+mj-ea"/>
+                <a:cs typeface="+mj-cs"/>
+              </a:defRPr>
+            </a:lvl1pPr>
+            <a:lvl2pPr eaLnBrk="1" hangingPunct="1">
+              <a:defRPr>
+                <a:solidFill>
+                  <a:schemeClr val="tx2"/>
+                </a:solidFill>
+              </a:defRPr>
+            </a:lvl2pPr>
+            <a:lvl3pPr eaLnBrk="1" hangingPunct="1">
+              <a:defRPr>
+                <a:solidFill>
+                  <a:schemeClr val="tx2"/>
+                </a:solidFill>
+              </a:defRPr>
+            </a:lvl3pPr>
+            <a:lvl4pPr eaLnBrk="1" hangingPunct="1">
+              <a:defRPr>
+                <a:solidFill>
+                  <a:schemeClr val="tx2"/>
+                </a:solidFill>
+              </a:defRPr>
+            </a:lvl4pPr>
+            <a:lvl5pPr eaLnBrk="1" hangingPunct="1">
+              <a:defRPr>
+                <a:solidFill>
+                  <a:schemeClr val="tx2"/>
+                </a:solidFill>
+              </a:defRPr>
+            </a:lvl5pPr>
+            <a:lvl6pPr eaLnBrk="1" hangingPunct="1">
+              <a:defRPr>
+                <a:solidFill>
+                  <a:schemeClr val="tx2"/>
+                </a:solidFill>
+              </a:defRPr>
+            </a:lvl6pPr>
+            <a:lvl7pPr eaLnBrk="1" hangingPunct="1">
+              <a:defRPr>
+                <a:solidFill>
+                  <a:schemeClr val="tx2"/>
+                </a:solidFill>
+              </a:defRPr>
+            </a:lvl7pPr>
+            <a:lvl8pPr eaLnBrk="1" hangingPunct="1">
+              <a:defRPr>
+                <a:solidFill>
+                  <a:schemeClr val="tx2"/>
+                </a:solidFill>
+              </a:defRPr>
+            </a:lvl8pPr>
+            <a:lvl9pPr eaLnBrk="1" hangingPunct="1">
+              <a:defRPr>
+                <a:solidFill>
+                  <a:schemeClr val="tx2"/>
+                </a:solidFill>
+              </a:defRPr>
+            </a:lvl9pPr>
+          </a:lstStyle>
+          <a:p>
+            <a:r>
+              <a:rPr lang="es-AR" dirty="0" smtClean="0"/>
+              <a:t>Demo del sistema</a:t>
+            </a:r>
+            <a:endParaRPr lang="es-AR" dirty="0"/>
           </a:p>
         </p:txBody>
       </p:sp>
       <p:pic>
         <p:nvPicPr>
-          <p:cNvPr id="56" name="Imagen 55"/>
+          <p:cNvPr id="29" name="Imagen 28"/>
           <p:cNvPicPr>
             <a:picLocks noChangeAspect="1"/>
           </p:cNvPicPr>
@@ -23880,7 +23534,7 @@
         </p:blipFill>
         <p:spPr>
           <a:xfrm>
-            <a:off x="365501" y="0"/>
+            <a:off x="289301" y="0"/>
             <a:ext cx="1151372" cy="1163031"/>
           </a:xfrm>
           <a:prstGeom prst="rect">
@@ -23890,151 +23544,146 @@
       </p:pic>
       <p:sp>
         <p:nvSpPr>
-          <p:cNvPr id="101" name="Rectángulo redondeado 100"/>
-          <p:cNvSpPr/>
+          <p:cNvPr id="46" name="Título 1"/>
+          <p:cNvSpPr txBox="1">
+            <a:spLocks/>
+          </p:cNvSpPr>
           <p:nvPr/>
         </p:nvSpPr>
         <p:spPr>
           <a:xfrm>
-            <a:off x="3131576" y="1372444"/>
-            <a:ext cx="8445908" cy="1859076"/>
+            <a:off x="2061029" y="2257795"/>
+            <a:ext cx="8157028" cy="2342410"/>
           </a:xfrm>
-          <a:prstGeom prst="roundRect">
-            <a:avLst>
-              <a:gd name="adj" fmla="val 2548"/>
-            </a:avLst>
+          <a:prstGeom prst="rect">
+            <a:avLst/>
           </a:prstGeom>
-          <a:solidFill>
-            <a:schemeClr val="tx2"/>
-          </a:solidFill>
-          <a:ln w="38100"/>
+          <a:effectLst>
+            <a:outerShdw blurRad="50800" dir="14400000">
+              <a:srgbClr val="000000">
+                <a:alpha val="60000"/>
+              </a:srgbClr>
+            </a:outerShdw>
+          </a:effectLst>
         </p:spPr>
-        <p:style>
-          <a:lnRef idx="2">
-            <a:schemeClr val="accent1">
-              <a:shade val="50000"/>
-            </a:schemeClr>
-          </a:lnRef>
-          <a:fillRef idx="1">
-            <a:schemeClr val="accent1"/>
-          </a:fillRef>
-          <a:effectRef idx="0">
-            <a:schemeClr val="accent1"/>
-          </a:effectRef>
-          <a:fontRef idx="minor">
-            <a:schemeClr val="lt1"/>
-          </a:fontRef>
-        </p:style>
         <p:txBody>
-          <a:bodyPr rtlCol="0" anchor="ctr"/>
-          <a:lstStyle/>
+          <a:bodyPr vert="horz" lIns="91440" tIns="45720" rIns="91440" bIns="45720" rtlCol="0" anchor="b">
+            <a:noAutofit/>
+          </a:bodyPr>
+          <a:lstStyle>
+            <a:lvl1pPr algn="l" defTabSz="457200" rtl="0" eaLnBrk="1" latinLnBrk="0" hangingPunct="1">
+              <a:spcBef>
+                <a:spcPct val="0"/>
+              </a:spcBef>
+              <a:buNone/>
+              <a:defRPr sz="5400" b="1" kern="1200">
+                <a:solidFill>
+                  <a:srgbClr val="FEFEFE"/>
+                </a:solidFill>
+                <a:latin typeface="+mj-lt"/>
+                <a:ea typeface="+mj-ea"/>
+                <a:cs typeface="+mj-cs"/>
+              </a:defRPr>
+            </a:lvl1pPr>
+            <a:lvl2pPr eaLnBrk="1" hangingPunct="1">
+              <a:defRPr>
+                <a:solidFill>
+                  <a:schemeClr val="tx2"/>
+                </a:solidFill>
+              </a:defRPr>
+            </a:lvl2pPr>
+            <a:lvl3pPr eaLnBrk="1" hangingPunct="1">
+              <a:defRPr>
+                <a:solidFill>
+                  <a:schemeClr val="tx2"/>
+                </a:solidFill>
+              </a:defRPr>
+            </a:lvl3pPr>
+            <a:lvl4pPr eaLnBrk="1" hangingPunct="1">
+              <a:defRPr>
+                <a:solidFill>
+                  <a:schemeClr val="tx2"/>
+                </a:solidFill>
+              </a:defRPr>
+            </a:lvl4pPr>
+            <a:lvl5pPr eaLnBrk="1" hangingPunct="1">
+              <a:defRPr>
+                <a:solidFill>
+                  <a:schemeClr val="tx2"/>
+                </a:solidFill>
+              </a:defRPr>
+            </a:lvl5pPr>
+            <a:lvl6pPr eaLnBrk="1" hangingPunct="1">
+              <a:defRPr>
+                <a:solidFill>
+                  <a:schemeClr val="tx2"/>
+                </a:solidFill>
+              </a:defRPr>
+            </a:lvl6pPr>
+            <a:lvl7pPr eaLnBrk="1" hangingPunct="1">
+              <a:defRPr>
+                <a:solidFill>
+                  <a:schemeClr val="tx2"/>
+                </a:solidFill>
+              </a:defRPr>
+            </a:lvl7pPr>
+            <a:lvl8pPr eaLnBrk="1" hangingPunct="1">
+              <a:defRPr>
+                <a:solidFill>
+                  <a:schemeClr val="tx2"/>
+                </a:solidFill>
+              </a:defRPr>
+            </a:lvl8pPr>
+            <a:lvl9pPr eaLnBrk="1" hangingPunct="1">
+              <a:defRPr>
+                <a:solidFill>
+                  <a:schemeClr val="tx2"/>
+                </a:solidFill>
+              </a:defRPr>
+            </a:lvl9pPr>
+          </a:lstStyle>
           <a:p>
             <a:pPr algn="ctr"/>
-            <a:endParaRPr lang="es-ES"/>
+            <a:r>
+              <a:rPr lang="es-AR" sz="7200" spc="300" dirty="0" smtClean="0">
+                <a:solidFill>
+                  <a:schemeClr val="tx1"/>
+                </a:solidFill>
+                <a:effectLst>
+                  <a:outerShdw blurRad="38100" dist="38100" dir="2700000" algn="tl">
+                    <a:srgbClr val="000000">
+                      <a:alpha val="43137"/>
+                    </a:srgbClr>
+                  </a:outerShdw>
+                </a:effectLst>
+              </a:rPr>
+              <a:t>Presentación de Funcionalidad </a:t>
+            </a:r>
+            <a:endParaRPr lang="es-AR" sz="7200" spc="300" dirty="0">
+              <a:solidFill>
+                <a:schemeClr val="tx1"/>
+              </a:solidFill>
+              <a:effectLst>
+                <a:outerShdw blurRad="38100" dist="38100" dir="2700000" algn="tl">
+                  <a:srgbClr val="000000">
+                    <a:alpha val="43137"/>
+                  </a:srgbClr>
+                </a:outerShdw>
+              </a:effectLst>
+            </a:endParaRPr>
           </a:p>
         </p:txBody>
       </p:sp>
-      <p:grpSp>
-        <p:nvGrpSpPr>
-          <p:cNvPr id="102" name="Grupo 101"/>
-          <p:cNvGrpSpPr/>
-          <p:nvPr/>
-        </p:nvGrpSpPr>
-        <p:grpSpPr>
-          <a:xfrm>
-            <a:off x="3445479" y="1519380"/>
-            <a:ext cx="2936188" cy="504919"/>
-            <a:chOff x="808384" y="2186609"/>
-            <a:chExt cx="1764552" cy="727581"/>
-          </a:xfrm>
-        </p:grpSpPr>
-        <p:sp>
-          <p:nvSpPr>
-            <p:cNvPr id="103" name="Rectángulo redondeado 102"/>
-            <p:cNvSpPr/>
-            <p:nvPr/>
-          </p:nvSpPr>
-          <p:spPr>
-            <a:xfrm>
-              <a:off x="808384" y="2186609"/>
-              <a:ext cx="1764552" cy="727581"/>
-            </a:xfrm>
-            <a:prstGeom prst="roundRect">
-              <a:avLst/>
-            </a:prstGeom>
-            <a:ln w="38100">
-              <a:solidFill>
-                <a:schemeClr val="tx1">
-                  <a:lumMod val="75000"/>
-                </a:schemeClr>
-              </a:solidFill>
-            </a:ln>
-          </p:spPr>
-          <p:style>
-            <a:lnRef idx="1">
-              <a:schemeClr val="accent1"/>
-            </a:lnRef>
-            <a:fillRef idx="3">
-              <a:schemeClr val="accent1"/>
-            </a:fillRef>
-            <a:effectRef idx="2">
-              <a:schemeClr val="accent1"/>
-            </a:effectRef>
-            <a:fontRef idx="minor">
-              <a:schemeClr val="lt1"/>
-            </a:fontRef>
-          </p:style>
-          <p:txBody>
-            <a:bodyPr rtlCol="0" anchor="ctr"/>
-            <a:lstStyle/>
-            <a:p>
-              <a:pPr algn="ctr"/>
-              <a:endParaRPr lang="es-ES" b="1" dirty="0"/>
-            </a:p>
-          </p:txBody>
-        </p:sp>
-        <p:sp>
-          <p:nvSpPr>
-            <p:cNvPr id="104" name="CuadroTexto 103"/>
-            <p:cNvSpPr txBox="1"/>
-            <p:nvPr/>
-          </p:nvSpPr>
-          <p:spPr>
-            <a:xfrm>
-              <a:off x="881921" y="2283156"/>
-              <a:ext cx="1552873" cy="488559"/>
-            </a:xfrm>
-            <a:prstGeom prst="rect">
-              <a:avLst/>
-            </a:prstGeom>
-            <a:noFill/>
-          </p:spPr>
-          <p:txBody>
-            <a:bodyPr wrap="square" rtlCol="0">
-              <a:spAutoFit/>
-            </a:bodyPr>
-            <a:lstStyle/>
-            <a:p>
-              <a:pPr algn="ctr"/>
-              <a:r>
-                <a:rPr lang="es-AR" dirty="0" smtClean="0"/>
-                <a:t>CALENDARIZACIÓN</a:t>
-              </a:r>
-              <a:endParaRPr lang="es-ES" dirty="0"/>
-            </a:p>
-          </p:txBody>
-        </p:sp>
-      </p:grpSp>
       <p:sp>
         <p:nvSpPr>
-          <p:cNvPr id="105" name="CuadroTexto 104"/>
+          <p:cNvPr id="47" name="Left Bracket"/>
           <p:cNvSpPr txBox="1"/>
           <p:nvPr/>
         </p:nvSpPr>
         <p:spPr>
           <a:xfrm>
-            <a:off x="425247" y="2071089"/>
-            <a:ext cx="2669458" cy="400110"/>
+            <a:off x="5163590" y="1741534"/>
+            <a:ext cx="1080745" cy="3154710"/>
           </a:xfrm>
           <a:prstGeom prst="rect">
             <a:avLst/>
@@ -24042,14 +23691,18 @@
           <a:noFill/>
         </p:spPr>
         <p:txBody>
-          <a:bodyPr wrap="square" rtlCol="0">
+          <a:bodyPr wrap="none" rtlCol="0">
             <a:spAutoFit/>
           </a:bodyPr>
           <a:lstStyle/>
           <a:p>
-            <a:pPr algn="ctr"/>
-            <a:r>
-              <a:rPr lang="es-AR" sz="2000" b="1" dirty="0" smtClean="0">
+            <a:r>
+              <a:rPr lang="en-US" sz="19900" dirty="0" smtClean="0">
+                <a:solidFill>
+                  <a:schemeClr val="tx1">
+                    <a:lumMod val="95000"/>
+                  </a:schemeClr>
+                </a:solidFill>
                 <a:effectLst>
                   <a:outerShdw blurRad="38100" dist="38100" dir="2700000" algn="tl">
                     <a:srgbClr val="000000">
@@ -24057,13 +23710,15 @@
                     </a:srgbClr>
                   </a:outerShdw>
                 </a:effectLst>
-                <a:latin typeface="Segoe UI" panose="020B0502040204020203" pitchFamily="34" charset="0"/>
-                <a:ea typeface="Segoe UI" panose="020B0502040204020203" pitchFamily="34" charset="0"/>
-                <a:cs typeface="Segoe UI" panose="020B0502040204020203" pitchFamily="34" charset="0"/>
               </a:rPr>
-              <a:t>PLANIFICACIÓN</a:t>
-            </a:r>
-            <a:endParaRPr lang="es-ES" sz="2000" b="1" dirty="0">
+              <a:t>[</a:t>
+            </a:r>
+            <a:endParaRPr lang="en-US" sz="19900" dirty="0">
+              <a:solidFill>
+                <a:schemeClr val="tx1">
+                  <a:lumMod val="95000"/>
+                </a:schemeClr>
+              </a:solidFill>
               <a:effectLst>
                 <a:outerShdw blurRad="38100" dist="38100" dir="2700000" algn="tl">
                   <a:srgbClr val="000000">
@@ -24071,569 +23726,20 @@
                   </a:srgbClr>
                 </a:outerShdw>
               </a:effectLst>
-              <a:latin typeface="Segoe UI" panose="020B0502040204020203" pitchFamily="34" charset="0"/>
-              <a:ea typeface="Segoe UI" panose="020B0502040204020203" pitchFamily="34" charset="0"/>
-              <a:cs typeface="Segoe UI" panose="020B0502040204020203" pitchFamily="34" charset="0"/>
             </a:endParaRPr>
           </a:p>
         </p:txBody>
       </p:sp>
-      <p:grpSp>
-        <p:nvGrpSpPr>
-          <p:cNvPr id="106" name="Grupo 105"/>
-          <p:cNvGrpSpPr/>
-          <p:nvPr/>
-        </p:nvGrpSpPr>
-        <p:grpSpPr>
-          <a:xfrm>
-            <a:off x="6621621" y="1511774"/>
-            <a:ext cx="1519903" cy="504919"/>
-            <a:chOff x="808384" y="2186609"/>
-            <a:chExt cx="1764552" cy="727581"/>
-          </a:xfrm>
-        </p:grpSpPr>
-        <p:sp>
-          <p:nvSpPr>
-            <p:cNvPr id="107" name="Rectángulo redondeado 106"/>
-            <p:cNvSpPr/>
-            <p:nvPr/>
-          </p:nvSpPr>
-          <p:spPr>
-            <a:xfrm>
-              <a:off x="808384" y="2186609"/>
-              <a:ext cx="1764552" cy="727581"/>
-            </a:xfrm>
-            <a:prstGeom prst="roundRect">
-              <a:avLst/>
-            </a:prstGeom>
-            <a:ln w="38100">
-              <a:solidFill>
-                <a:schemeClr val="tx1">
-                  <a:lumMod val="75000"/>
-                </a:schemeClr>
-              </a:solidFill>
-            </a:ln>
-          </p:spPr>
-          <p:style>
-            <a:lnRef idx="1">
-              <a:schemeClr val="accent1"/>
-            </a:lnRef>
-            <a:fillRef idx="3">
-              <a:schemeClr val="accent1"/>
-            </a:fillRef>
-            <a:effectRef idx="2">
-              <a:schemeClr val="accent1"/>
-            </a:effectRef>
-            <a:fontRef idx="minor">
-              <a:schemeClr val="lt1"/>
-            </a:fontRef>
-          </p:style>
-          <p:txBody>
-            <a:bodyPr rtlCol="0" anchor="ctr"/>
-            <a:lstStyle/>
-            <a:p>
-              <a:pPr algn="ctr"/>
-              <a:endParaRPr lang="es-ES" dirty="0"/>
-            </a:p>
-          </p:txBody>
-        </p:sp>
-        <p:sp>
-          <p:nvSpPr>
-            <p:cNvPr id="108" name="CuadroTexto 107"/>
-            <p:cNvSpPr txBox="1"/>
-            <p:nvPr/>
-          </p:nvSpPr>
-          <p:spPr>
-            <a:xfrm>
-              <a:off x="901784" y="2301460"/>
-              <a:ext cx="1597229" cy="488559"/>
-            </a:xfrm>
-            <a:prstGeom prst="rect">
-              <a:avLst/>
-            </a:prstGeom>
-            <a:noFill/>
-          </p:spPr>
-          <p:txBody>
-            <a:bodyPr wrap="square" rtlCol="0">
-              <a:spAutoFit/>
-            </a:bodyPr>
-            <a:lstStyle/>
-            <a:p>
-              <a:pPr algn="ctr"/>
-              <a:r>
-                <a:rPr lang="es-AR" dirty="0" smtClean="0"/>
-                <a:t>WBS</a:t>
-              </a:r>
-              <a:endParaRPr lang="es-ES" dirty="0"/>
-            </a:p>
-          </p:txBody>
-        </p:sp>
-      </p:grpSp>
-      <p:grpSp>
-        <p:nvGrpSpPr>
-          <p:cNvPr id="109" name="Grupo 108"/>
-          <p:cNvGrpSpPr/>
-          <p:nvPr/>
-        </p:nvGrpSpPr>
-        <p:grpSpPr>
-          <a:xfrm>
-            <a:off x="3405931" y="2253344"/>
-            <a:ext cx="1526680" cy="774000"/>
-            <a:chOff x="808384" y="2186609"/>
-            <a:chExt cx="1650409" cy="727581"/>
-          </a:xfrm>
-        </p:grpSpPr>
-        <p:sp>
-          <p:nvSpPr>
-            <p:cNvPr id="110" name="Rectángulo redondeado 109"/>
-            <p:cNvSpPr/>
-            <p:nvPr/>
-          </p:nvSpPr>
-          <p:spPr>
-            <a:xfrm>
-              <a:off x="808384" y="2186609"/>
-              <a:ext cx="1650409" cy="727581"/>
-            </a:xfrm>
-            <a:prstGeom prst="roundRect">
-              <a:avLst/>
-            </a:prstGeom>
-            <a:ln w="38100">
-              <a:solidFill>
-                <a:schemeClr val="tx1">
-                  <a:lumMod val="75000"/>
-                </a:schemeClr>
-              </a:solidFill>
-            </a:ln>
-          </p:spPr>
-          <p:style>
-            <a:lnRef idx="1">
-              <a:schemeClr val="accent1"/>
-            </a:lnRef>
-            <a:fillRef idx="3">
-              <a:schemeClr val="accent1"/>
-            </a:fillRef>
-            <a:effectRef idx="2">
-              <a:schemeClr val="accent1"/>
-            </a:effectRef>
-            <a:fontRef idx="minor">
-              <a:schemeClr val="lt1"/>
-            </a:fontRef>
-          </p:style>
-          <p:txBody>
-            <a:bodyPr rtlCol="0" anchor="ctr"/>
-            <a:lstStyle/>
-            <a:p>
-              <a:pPr algn="ctr"/>
-              <a:endParaRPr lang="es-ES" dirty="0"/>
-            </a:p>
-          </p:txBody>
-        </p:sp>
-        <p:sp>
-          <p:nvSpPr>
-            <p:cNvPr id="111" name="CuadroTexto 110"/>
-            <p:cNvSpPr txBox="1"/>
-            <p:nvPr/>
-          </p:nvSpPr>
-          <p:spPr>
-            <a:xfrm>
-              <a:off x="914224" y="2258045"/>
-              <a:ext cx="1396293" cy="607568"/>
-            </a:xfrm>
-            <a:prstGeom prst="rect">
-              <a:avLst/>
-            </a:prstGeom>
-            <a:noFill/>
-          </p:spPr>
-          <p:txBody>
-            <a:bodyPr wrap="square" rtlCol="0">
-              <a:spAutoFit/>
-            </a:bodyPr>
-            <a:lstStyle/>
-            <a:p>
-              <a:pPr algn="ctr"/>
-              <a:r>
-                <a:rPr lang="es-AR" dirty="0" smtClean="0"/>
-                <a:t>PLAN DE RIESGOS</a:t>
-              </a:r>
-              <a:endParaRPr lang="es-ES" dirty="0"/>
-            </a:p>
-          </p:txBody>
-        </p:sp>
-      </p:grpSp>
-      <p:grpSp>
-        <p:nvGrpSpPr>
-          <p:cNvPr id="112" name="Grupo 111"/>
-          <p:cNvGrpSpPr/>
-          <p:nvPr/>
-        </p:nvGrpSpPr>
-        <p:grpSpPr>
-          <a:xfrm>
-            <a:off x="6825066" y="2271144"/>
-            <a:ext cx="1717793" cy="748431"/>
-            <a:chOff x="808384" y="2186609"/>
-            <a:chExt cx="1702175" cy="727581"/>
-          </a:xfrm>
-        </p:grpSpPr>
-        <p:sp>
-          <p:nvSpPr>
-            <p:cNvPr id="113" name="Rectángulo redondeado 112"/>
-            <p:cNvSpPr/>
-            <p:nvPr/>
-          </p:nvSpPr>
-          <p:spPr>
-            <a:xfrm>
-              <a:off x="808384" y="2186609"/>
-              <a:ext cx="1702175" cy="727581"/>
-            </a:xfrm>
-            <a:prstGeom prst="roundRect">
-              <a:avLst/>
-            </a:prstGeom>
-            <a:ln w="38100">
-              <a:solidFill>
-                <a:schemeClr val="tx1">
-                  <a:lumMod val="75000"/>
-                </a:schemeClr>
-              </a:solidFill>
-            </a:ln>
-          </p:spPr>
-          <p:style>
-            <a:lnRef idx="1">
-              <a:schemeClr val="accent1"/>
-            </a:lnRef>
-            <a:fillRef idx="3">
-              <a:schemeClr val="accent1"/>
-            </a:fillRef>
-            <a:effectRef idx="2">
-              <a:schemeClr val="accent1"/>
-            </a:effectRef>
-            <a:fontRef idx="minor">
-              <a:schemeClr val="lt1"/>
-            </a:fontRef>
-          </p:style>
-          <p:txBody>
-            <a:bodyPr rtlCol="0" anchor="ctr"/>
-            <a:lstStyle/>
-            <a:p>
-              <a:pPr algn="ctr"/>
-              <a:endParaRPr lang="es-ES" dirty="0"/>
-            </a:p>
-          </p:txBody>
-        </p:sp>
-        <p:sp>
-          <p:nvSpPr>
-            <p:cNvPr id="114" name="CuadroTexto 113"/>
-            <p:cNvSpPr txBox="1"/>
-            <p:nvPr/>
-          </p:nvSpPr>
-          <p:spPr>
-            <a:xfrm>
-              <a:off x="913844" y="2240293"/>
-              <a:ext cx="1552873" cy="628325"/>
-            </a:xfrm>
-            <a:prstGeom prst="rect">
-              <a:avLst/>
-            </a:prstGeom>
-            <a:noFill/>
-          </p:spPr>
-          <p:txBody>
-            <a:bodyPr wrap="square" rtlCol="0">
-              <a:spAutoFit/>
-            </a:bodyPr>
-            <a:lstStyle/>
-            <a:p>
-              <a:pPr algn="ctr"/>
-              <a:r>
-                <a:rPr lang="es-AR" dirty="0" smtClean="0"/>
-                <a:t>PLAN DE NEGOCIO</a:t>
-              </a:r>
-              <a:endParaRPr lang="es-ES" dirty="0"/>
-            </a:p>
-          </p:txBody>
-        </p:sp>
-      </p:grpSp>
-      <p:grpSp>
-        <p:nvGrpSpPr>
-          <p:cNvPr id="115" name="Grupo 114"/>
-          <p:cNvGrpSpPr/>
-          <p:nvPr/>
-        </p:nvGrpSpPr>
-        <p:grpSpPr>
-          <a:xfrm>
-            <a:off x="5089817" y="2257371"/>
-            <a:ext cx="1546552" cy="774000"/>
-            <a:chOff x="808384" y="2186609"/>
-            <a:chExt cx="1683457" cy="1210324"/>
-          </a:xfrm>
-        </p:grpSpPr>
-        <p:sp>
-          <p:nvSpPr>
-            <p:cNvPr id="116" name="Rectángulo redondeado 115"/>
-            <p:cNvSpPr/>
-            <p:nvPr/>
-          </p:nvSpPr>
-          <p:spPr>
-            <a:xfrm>
-              <a:off x="808384" y="2186609"/>
-              <a:ext cx="1683457" cy="1210324"/>
-            </a:xfrm>
-            <a:prstGeom prst="roundRect">
-              <a:avLst/>
-            </a:prstGeom>
-            <a:ln w="38100">
-              <a:solidFill>
-                <a:schemeClr val="tx1">
-                  <a:lumMod val="75000"/>
-                </a:schemeClr>
-              </a:solidFill>
-            </a:ln>
-          </p:spPr>
-          <p:style>
-            <a:lnRef idx="1">
-              <a:schemeClr val="accent1"/>
-            </a:lnRef>
-            <a:fillRef idx="3">
-              <a:schemeClr val="accent1"/>
-            </a:fillRef>
-            <a:effectRef idx="2">
-              <a:schemeClr val="accent1"/>
-            </a:effectRef>
-            <a:fontRef idx="minor">
-              <a:schemeClr val="lt1"/>
-            </a:fontRef>
-          </p:style>
-          <p:txBody>
-            <a:bodyPr rtlCol="0" anchor="ctr"/>
-            <a:lstStyle/>
-            <a:p>
-              <a:pPr algn="ctr"/>
-              <a:endParaRPr lang="es-ES" dirty="0"/>
-            </a:p>
-          </p:txBody>
-        </p:sp>
-        <p:sp>
-          <p:nvSpPr>
-            <p:cNvPr id="117" name="CuadroTexto 116"/>
-            <p:cNvSpPr txBox="1"/>
-            <p:nvPr/>
-          </p:nvSpPr>
-          <p:spPr>
-            <a:xfrm>
-              <a:off x="957685" y="2286417"/>
-              <a:ext cx="1451239" cy="1010685"/>
-            </a:xfrm>
-            <a:prstGeom prst="rect">
-              <a:avLst/>
-            </a:prstGeom>
-            <a:noFill/>
-          </p:spPr>
-          <p:txBody>
-            <a:bodyPr wrap="square" rtlCol="0">
-              <a:spAutoFit/>
-            </a:bodyPr>
-            <a:lstStyle/>
-            <a:p>
-              <a:pPr algn="ctr"/>
-              <a:r>
-                <a:rPr lang="es-AR" dirty="0" smtClean="0"/>
-                <a:t>PLAN DE TESTING</a:t>
-              </a:r>
-              <a:endParaRPr lang="es-ES" dirty="0"/>
-            </a:p>
-          </p:txBody>
-        </p:sp>
-      </p:grpSp>
-      <p:grpSp>
-        <p:nvGrpSpPr>
-          <p:cNvPr id="119" name="Grupo 118"/>
-          <p:cNvGrpSpPr/>
-          <p:nvPr/>
-        </p:nvGrpSpPr>
-        <p:grpSpPr>
-          <a:xfrm>
-            <a:off x="8461928" y="1511774"/>
-            <a:ext cx="2835938" cy="504919"/>
-            <a:chOff x="808384" y="2186609"/>
-            <a:chExt cx="1764552" cy="727581"/>
-          </a:xfrm>
-        </p:grpSpPr>
-        <p:sp>
-          <p:nvSpPr>
-            <p:cNvPr id="120" name="Rectángulo redondeado 119"/>
-            <p:cNvSpPr/>
-            <p:nvPr/>
-          </p:nvSpPr>
-          <p:spPr>
-            <a:xfrm>
-              <a:off x="808384" y="2186609"/>
-              <a:ext cx="1764552" cy="727581"/>
-            </a:xfrm>
-            <a:prstGeom prst="roundRect">
-              <a:avLst/>
-            </a:prstGeom>
-            <a:ln w="38100">
-              <a:solidFill>
-                <a:schemeClr val="tx1">
-                  <a:lumMod val="75000"/>
-                </a:schemeClr>
-              </a:solidFill>
-            </a:ln>
-          </p:spPr>
-          <p:style>
-            <a:lnRef idx="1">
-              <a:schemeClr val="accent1"/>
-            </a:lnRef>
-            <a:fillRef idx="3">
-              <a:schemeClr val="accent1"/>
-            </a:fillRef>
-            <a:effectRef idx="2">
-              <a:schemeClr val="accent1"/>
-            </a:effectRef>
-            <a:fontRef idx="minor">
-              <a:schemeClr val="lt1"/>
-            </a:fontRef>
-          </p:style>
-          <p:txBody>
-            <a:bodyPr rtlCol="0" anchor="ctr"/>
-            <a:lstStyle/>
-            <a:p>
-              <a:pPr algn="ctr"/>
-              <a:endParaRPr lang="es-ES" dirty="0"/>
-            </a:p>
-          </p:txBody>
-        </p:sp>
-        <p:sp>
-          <p:nvSpPr>
-            <p:cNvPr id="121" name="CuadroTexto 120"/>
-            <p:cNvSpPr txBox="1"/>
-            <p:nvPr/>
-          </p:nvSpPr>
-          <p:spPr>
-            <a:xfrm>
-              <a:off x="858740" y="2304048"/>
-              <a:ext cx="1651819" cy="488559"/>
-            </a:xfrm>
-            <a:prstGeom prst="rect">
-              <a:avLst/>
-            </a:prstGeom>
-            <a:noFill/>
-          </p:spPr>
-          <p:txBody>
-            <a:bodyPr wrap="square" rtlCol="0">
-              <a:spAutoFit/>
-            </a:bodyPr>
-            <a:lstStyle/>
-            <a:p>
-              <a:pPr algn="ctr"/>
-              <a:r>
-                <a:rPr lang="es-AR" dirty="0" smtClean="0"/>
-                <a:t>PLAN DE MÉTRICAS</a:t>
-              </a:r>
-              <a:endParaRPr lang="es-ES" dirty="0"/>
-            </a:p>
-          </p:txBody>
-        </p:sp>
-      </p:grpSp>
-      <p:grpSp>
-        <p:nvGrpSpPr>
-          <p:cNvPr id="122" name="Grupo 121"/>
-          <p:cNvGrpSpPr/>
-          <p:nvPr/>
-        </p:nvGrpSpPr>
-        <p:grpSpPr>
-          <a:xfrm>
-            <a:off x="8663364" y="2275790"/>
-            <a:ext cx="2634502" cy="744709"/>
-            <a:chOff x="808383" y="2186609"/>
-            <a:chExt cx="2301741" cy="727581"/>
-          </a:xfrm>
-        </p:grpSpPr>
-        <p:sp>
-          <p:nvSpPr>
-            <p:cNvPr id="123" name="Rectángulo redondeado 122"/>
-            <p:cNvSpPr/>
-            <p:nvPr/>
-          </p:nvSpPr>
-          <p:spPr>
-            <a:xfrm>
-              <a:off x="808383" y="2186609"/>
-              <a:ext cx="2301741" cy="727581"/>
-            </a:xfrm>
-            <a:prstGeom prst="roundRect">
-              <a:avLst/>
-            </a:prstGeom>
-            <a:ln w="38100">
-              <a:solidFill>
-                <a:schemeClr val="tx1">
-                  <a:lumMod val="75000"/>
-                </a:schemeClr>
-              </a:solidFill>
-            </a:ln>
-          </p:spPr>
-          <p:style>
-            <a:lnRef idx="1">
-              <a:schemeClr val="accent1"/>
-            </a:lnRef>
-            <a:fillRef idx="3">
-              <a:schemeClr val="accent1"/>
-            </a:fillRef>
-            <a:effectRef idx="2">
-              <a:schemeClr val="accent1"/>
-            </a:effectRef>
-            <a:fontRef idx="minor">
-              <a:schemeClr val="lt1"/>
-            </a:fontRef>
-          </p:style>
-          <p:txBody>
-            <a:bodyPr rtlCol="0" anchor="ctr"/>
-            <a:lstStyle/>
-            <a:p>
-              <a:pPr algn="ctr"/>
-              <a:endParaRPr lang="es-ES" dirty="0"/>
-            </a:p>
-          </p:txBody>
-        </p:sp>
-        <p:sp>
-          <p:nvSpPr>
-            <p:cNvPr id="124" name="CuadroTexto 123"/>
-            <p:cNvSpPr txBox="1"/>
-            <p:nvPr/>
-          </p:nvSpPr>
-          <p:spPr>
-            <a:xfrm>
-              <a:off x="919029" y="2240293"/>
-              <a:ext cx="2152440" cy="631466"/>
-            </a:xfrm>
-            <a:prstGeom prst="rect">
-              <a:avLst/>
-            </a:prstGeom>
-            <a:noFill/>
-          </p:spPr>
-          <p:txBody>
-            <a:bodyPr wrap="square" rtlCol="0">
-              <a:spAutoFit/>
-            </a:bodyPr>
-            <a:lstStyle/>
-            <a:p>
-              <a:pPr algn="ctr"/>
-              <a:r>
-                <a:rPr lang="es-AR" dirty="0" smtClean="0"/>
-                <a:t>PLAN DE CONFIGURACIÓN</a:t>
-              </a:r>
-              <a:endParaRPr lang="es-ES" dirty="0"/>
-            </a:p>
-          </p:txBody>
-        </p:sp>
-      </p:grpSp>
       <p:sp>
         <p:nvSpPr>
-          <p:cNvPr id="130" name="CuadroTexto 129"/>
+          <p:cNvPr id="48" name="Right Bracket"/>
           <p:cNvSpPr txBox="1"/>
           <p:nvPr/>
         </p:nvSpPr>
         <p:spPr>
           <a:xfrm>
-            <a:off x="700063" y="3390287"/>
-            <a:ext cx="1990772" cy="707886"/>
+            <a:off x="6230113" y="1741534"/>
+            <a:ext cx="1080745" cy="3154710"/>
           </a:xfrm>
           <a:prstGeom prst="rect">
             <a:avLst/>
@@ -24641,14 +23747,18 @@
           <a:noFill/>
         </p:spPr>
         <p:txBody>
-          <a:bodyPr wrap="square" rtlCol="0">
+          <a:bodyPr wrap="none" rtlCol="0">
             <a:spAutoFit/>
           </a:bodyPr>
           <a:lstStyle/>
           <a:p>
-            <a:pPr algn="ctr"/>
-            <a:r>
-              <a:rPr lang="es-AR" sz="2000" b="1" dirty="0" smtClean="0">
+            <a:r>
+              <a:rPr lang="en-US" sz="19900" dirty="0">
+                <a:solidFill>
+                  <a:schemeClr val="tx1">
+                    <a:lumMod val="95000"/>
+                  </a:schemeClr>
+                </a:solidFill>
                 <a:effectLst>
                   <a:outerShdw blurRad="38100" dist="38100" dir="2700000" algn="tl">
                     <a:srgbClr val="000000">
@@ -24656,857 +23766,16 @@
                     </a:srgbClr>
                   </a:outerShdw>
                 </a:effectLst>
-                <a:latin typeface="Segoe UI" panose="020B0502040204020203" pitchFamily="34" charset="0"/>
-                <a:ea typeface="Segoe UI" panose="020B0502040204020203" pitchFamily="34" charset="0"/>
-                <a:cs typeface="Segoe UI" panose="020B0502040204020203" pitchFamily="34" charset="0"/>
               </a:rPr>
-              <a:t>IMPACTO </a:t>
-            </a:r>
-          </a:p>
-          <a:p>
-            <a:pPr algn="ctr"/>
-            <a:r>
-              <a:rPr lang="es-AR" sz="2000" b="1" dirty="0" smtClean="0">
-                <a:effectLst>
-                  <a:outerShdw blurRad="38100" dist="38100" dir="2700000" algn="tl">
-                    <a:srgbClr val="000000">
-                      <a:alpha val="43137"/>
-                    </a:srgbClr>
-                  </a:outerShdw>
-                </a:effectLst>
-                <a:latin typeface="Segoe UI" panose="020B0502040204020203" pitchFamily="34" charset="0"/>
-                <a:ea typeface="Segoe UI" panose="020B0502040204020203" pitchFamily="34" charset="0"/>
-                <a:cs typeface="Segoe UI" panose="020B0502040204020203" pitchFamily="34" charset="0"/>
-              </a:rPr>
-              <a:t>AMBIENTAL</a:t>
-            </a:r>
-            <a:endParaRPr lang="es-ES" sz="2000" b="1" dirty="0">
-              <a:effectLst>
-                <a:outerShdw blurRad="38100" dist="38100" dir="2700000" algn="tl">
-                  <a:srgbClr val="000000">
-                    <a:alpha val="43137"/>
-                  </a:srgbClr>
-                </a:outerShdw>
-              </a:effectLst>
-              <a:latin typeface="Segoe UI" panose="020B0502040204020203" pitchFamily="34" charset="0"/>
-              <a:ea typeface="Segoe UI" panose="020B0502040204020203" pitchFamily="34" charset="0"/>
-              <a:cs typeface="Segoe UI" panose="020B0502040204020203" pitchFamily="34" charset="0"/>
-            </a:endParaRPr>
+              <a:t>]</a:t>
+            </a:r>
           </a:p>
         </p:txBody>
       </p:sp>
-      <p:sp>
-        <p:nvSpPr>
-          <p:cNvPr id="134" name="CuadroTexto 133"/>
-          <p:cNvSpPr txBox="1"/>
-          <p:nvPr/>
-        </p:nvSpPr>
-        <p:spPr>
-          <a:xfrm>
-            <a:off x="50996" y="4483281"/>
-            <a:ext cx="3157108" cy="707886"/>
-          </a:xfrm>
-          <a:prstGeom prst="rect">
-            <a:avLst/>
-          </a:prstGeom>
-          <a:noFill/>
-        </p:spPr>
-        <p:txBody>
-          <a:bodyPr wrap="square" rtlCol="0">
-            <a:spAutoFit/>
-          </a:bodyPr>
-          <a:lstStyle/>
-          <a:p>
-            <a:pPr algn="ctr"/>
-            <a:r>
-              <a:rPr lang="es-AR" sz="2000" b="1" dirty="0" smtClean="0">
-                <a:effectLst>
-                  <a:outerShdw blurRad="38100" dist="38100" dir="2700000" algn="tl">
-                    <a:srgbClr val="000000">
-                      <a:alpha val="43137"/>
-                    </a:srgbClr>
-                  </a:outerShdw>
-                </a:effectLst>
-                <a:latin typeface="Segoe UI" panose="020B0502040204020203" pitchFamily="34" charset="0"/>
-                <a:ea typeface="Segoe UI" panose="020B0502040204020203" pitchFamily="34" charset="0"/>
-                <a:cs typeface="Segoe UI" panose="020B0502040204020203" pitchFamily="34" charset="0"/>
-              </a:rPr>
-              <a:t>SEGUIMIENTO DE PROYECTO</a:t>
-            </a:r>
-            <a:endParaRPr lang="es-ES" sz="2000" b="1" dirty="0">
-              <a:effectLst>
-                <a:outerShdw blurRad="38100" dist="38100" dir="2700000" algn="tl">
-                  <a:srgbClr val="000000">
-                    <a:alpha val="43137"/>
-                  </a:srgbClr>
-                </a:outerShdw>
-              </a:effectLst>
-              <a:latin typeface="Segoe UI" panose="020B0502040204020203" pitchFamily="34" charset="0"/>
-              <a:ea typeface="Segoe UI" panose="020B0502040204020203" pitchFamily="34" charset="0"/>
-              <a:cs typeface="Segoe UI" panose="020B0502040204020203" pitchFamily="34" charset="0"/>
-            </a:endParaRPr>
-          </a:p>
-        </p:txBody>
-      </p:sp>
-      <p:sp>
-        <p:nvSpPr>
-          <p:cNvPr id="152" name="CuadroTexto 151"/>
-          <p:cNvSpPr txBox="1"/>
-          <p:nvPr/>
-        </p:nvSpPr>
-        <p:spPr>
-          <a:xfrm>
-            <a:off x="76663" y="5621009"/>
-            <a:ext cx="3157108" cy="707886"/>
-          </a:xfrm>
-          <a:prstGeom prst="rect">
-            <a:avLst/>
-          </a:prstGeom>
-          <a:noFill/>
-        </p:spPr>
-        <p:txBody>
-          <a:bodyPr wrap="square" rtlCol="0">
-            <a:spAutoFit/>
-          </a:bodyPr>
-          <a:lstStyle/>
-          <a:p>
-            <a:pPr algn="ctr"/>
-            <a:r>
-              <a:rPr lang="es-AR" sz="2000" b="1" dirty="0" smtClean="0">
-                <a:effectLst>
-                  <a:outerShdw blurRad="38100" dist="38100" dir="2700000" algn="tl">
-                    <a:srgbClr val="000000">
-                      <a:alpha val="43137"/>
-                    </a:srgbClr>
-                  </a:outerShdw>
-                </a:effectLst>
-                <a:latin typeface="Segoe UI" panose="020B0502040204020203" pitchFamily="34" charset="0"/>
-                <a:ea typeface="Segoe UI" panose="020B0502040204020203" pitchFamily="34" charset="0"/>
-                <a:cs typeface="Segoe UI" panose="020B0502040204020203" pitchFamily="34" charset="0"/>
-              </a:rPr>
-              <a:t>CAPACITACIONES/</a:t>
-            </a:r>
-          </a:p>
-          <a:p>
-            <a:pPr algn="ctr"/>
-            <a:r>
-              <a:rPr lang="es-AR" sz="2000" b="1" dirty="0" smtClean="0">
-                <a:effectLst>
-                  <a:outerShdw blurRad="38100" dist="38100" dir="2700000" algn="tl">
-                    <a:srgbClr val="000000">
-                      <a:alpha val="43137"/>
-                    </a:srgbClr>
-                  </a:outerShdw>
-                </a:effectLst>
-                <a:latin typeface="Segoe UI" panose="020B0502040204020203" pitchFamily="34" charset="0"/>
-                <a:ea typeface="Segoe UI" panose="020B0502040204020203" pitchFamily="34" charset="0"/>
-                <a:cs typeface="Segoe UI" panose="020B0502040204020203" pitchFamily="34" charset="0"/>
-              </a:rPr>
-              <a:t>INVESTIGACIONES</a:t>
-            </a:r>
-            <a:endParaRPr lang="es-ES" sz="2000" b="1" dirty="0">
-              <a:effectLst>
-                <a:outerShdw blurRad="38100" dist="38100" dir="2700000" algn="tl">
-                  <a:srgbClr val="000000">
-                    <a:alpha val="43137"/>
-                  </a:srgbClr>
-                </a:outerShdw>
-              </a:effectLst>
-              <a:latin typeface="Segoe UI" panose="020B0502040204020203" pitchFamily="34" charset="0"/>
-              <a:ea typeface="Segoe UI" panose="020B0502040204020203" pitchFamily="34" charset="0"/>
-              <a:cs typeface="Segoe UI" panose="020B0502040204020203" pitchFamily="34" charset="0"/>
-            </a:endParaRPr>
-          </a:p>
-        </p:txBody>
-      </p:sp>
-      <p:sp>
-        <p:nvSpPr>
-          <p:cNvPr id="166" name="Rectángulo redondeado 165"/>
-          <p:cNvSpPr/>
-          <p:nvPr/>
-        </p:nvSpPr>
-        <p:spPr>
-          <a:xfrm>
-            <a:off x="3131576" y="3356751"/>
-            <a:ext cx="8445908" cy="862810"/>
-          </a:xfrm>
-          <a:prstGeom prst="roundRect">
-            <a:avLst>
-              <a:gd name="adj" fmla="val 2548"/>
-            </a:avLst>
-          </a:prstGeom>
-          <a:solidFill>
-            <a:schemeClr val="tx2"/>
-          </a:solidFill>
-          <a:ln w="38100"/>
-        </p:spPr>
-        <p:style>
-          <a:lnRef idx="2">
-            <a:schemeClr val="accent1">
-              <a:shade val="50000"/>
-            </a:schemeClr>
-          </a:lnRef>
-          <a:fillRef idx="1">
-            <a:schemeClr val="accent1"/>
-          </a:fillRef>
-          <a:effectRef idx="0">
-            <a:schemeClr val="accent1"/>
-          </a:effectRef>
-          <a:fontRef idx="minor">
-            <a:schemeClr val="lt1"/>
-          </a:fontRef>
-        </p:style>
-        <p:txBody>
-          <a:bodyPr rtlCol="0" anchor="ctr"/>
-          <a:lstStyle/>
-          <a:p>
-            <a:pPr algn="ctr"/>
-            <a:endParaRPr lang="es-ES"/>
-          </a:p>
-        </p:txBody>
-      </p:sp>
-      <p:grpSp>
-        <p:nvGrpSpPr>
-          <p:cNvPr id="170" name="Grupo 169"/>
-          <p:cNvGrpSpPr/>
-          <p:nvPr/>
-        </p:nvGrpSpPr>
-        <p:grpSpPr>
-          <a:xfrm>
-            <a:off x="5075068" y="3485314"/>
-            <a:ext cx="4529781" cy="550024"/>
-            <a:chOff x="808384" y="2186609"/>
-            <a:chExt cx="1764552" cy="727581"/>
-          </a:xfrm>
-        </p:grpSpPr>
-        <p:sp>
-          <p:nvSpPr>
-            <p:cNvPr id="171" name="Rectángulo redondeado 170"/>
-            <p:cNvSpPr/>
-            <p:nvPr/>
-          </p:nvSpPr>
-          <p:spPr>
-            <a:xfrm>
-              <a:off x="808384" y="2186609"/>
-              <a:ext cx="1764552" cy="727581"/>
-            </a:xfrm>
-            <a:prstGeom prst="roundRect">
-              <a:avLst/>
-            </a:prstGeom>
-            <a:ln w="38100">
-              <a:solidFill>
-                <a:schemeClr val="tx1">
-                  <a:lumMod val="75000"/>
-                </a:schemeClr>
-              </a:solidFill>
-            </a:ln>
-          </p:spPr>
-          <p:style>
-            <a:lnRef idx="1">
-              <a:schemeClr val="accent1"/>
-            </a:lnRef>
-            <a:fillRef idx="3">
-              <a:schemeClr val="accent1"/>
-            </a:fillRef>
-            <a:effectRef idx="2">
-              <a:schemeClr val="accent1"/>
-            </a:effectRef>
-            <a:fontRef idx="minor">
-              <a:schemeClr val="lt1"/>
-            </a:fontRef>
-          </p:style>
-          <p:txBody>
-            <a:bodyPr rtlCol="0" anchor="ctr"/>
-            <a:lstStyle/>
-            <a:p>
-              <a:pPr algn="ctr"/>
-              <a:endParaRPr lang="es-ES" dirty="0"/>
-            </a:p>
-          </p:txBody>
-        </p:sp>
-        <p:sp>
-          <p:nvSpPr>
-            <p:cNvPr id="172" name="CuadroTexto 171"/>
-            <p:cNvSpPr txBox="1"/>
-            <p:nvPr/>
-          </p:nvSpPr>
-          <p:spPr>
-            <a:xfrm>
-              <a:off x="914223" y="2258045"/>
-              <a:ext cx="1552873" cy="488559"/>
-            </a:xfrm>
-            <a:prstGeom prst="rect">
-              <a:avLst/>
-            </a:prstGeom>
-            <a:noFill/>
-          </p:spPr>
-          <p:txBody>
-            <a:bodyPr wrap="square" rtlCol="0">
-              <a:spAutoFit/>
-            </a:bodyPr>
-            <a:lstStyle/>
-            <a:p>
-              <a:pPr algn="ctr"/>
-              <a:r>
-                <a:rPr lang="es-AR" dirty="0" smtClean="0"/>
-                <a:t>INFORME IMPACTO AMBIENTAL</a:t>
-              </a:r>
-              <a:endParaRPr lang="es-ES" dirty="0"/>
-            </a:p>
-          </p:txBody>
-        </p:sp>
-      </p:grpSp>
-      <p:sp>
-        <p:nvSpPr>
-          <p:cNvPr id="173" name="Rectángulo redondeado 172"/>
-          <p:cNvSpPr/>
-          <p:nvPr/>
-        </p:nvSpPr>
-        <p:spPr>
-          <a:xfrm>
-            <a:off x="3117003" y="4372156"/>
-            <a:ext cx="8445908" cy="862810"/>
-          </a:xfrm>
-          <a:prstGeom prst="roundRect">
-            <a:avLst>
-              <a:gd name="adj" fmla="val 2548"/>
-            </a:avLst>
-          </a:prstGeom>
-          <a:solidFill>
-            <a:schemeClr val="tx2"/>
-          </a:solidFill>
-          <a:ln w="38100"/>
-        </p:spPr>
-        <p:style>
-          <a:lnRef idx="2">
-            <a:schemeClr val="accent1">
-              <a:shade val="50000"/>
-            </a:schemeClr>
-          </a:lnRef>
-          <a:fillRef idx="1">
-            <a:schemeClr val="accent1"/>
-          </a:fillRef>
-          <a:effectRef idx="0">
-            <a:schemeClr val="accent1"/>
-          </a:effectRef>
-          <a:fontRef idx="minor">
-            <a:schemeClr val="lt1"/>
-          </a:fontRef>
-        </p:style>
-        <p:txBody>
-          <a:bodyPr rtlCol="0" anchor="ctr"/>
-          <a:lstStyle/>
-          <a:p>
-            <a:pPr algn="ctr"/>
-            <a:endParaRPr lang="es-ES"/>
-          </a:p>
-        </p:txBody>
-      </p:sp>
-      <p:grpSp>
-        <p:nvGrpSpPr>
-          <p:cNvPr id="174" name="Grupo 173"/>
-          <p:cNvGrpSpPr/>
-          <p:nvPr/>
-        </p:nvGrpSpPr>
-        <p:grpSpPr>
-          <a:xfrm>
-            <a:off x="3239276" y="4493406"/>
-            <a:ext cx="1711053" cy="550024"/>
-            <a:chOff x="808384" y="2186609"/>
-            <a:chExt cx="1764552" cy="727581"/>
-          </a:xfrm>
-        </p:grpSpPr>
-        <p:sp>
-          <p:nvSpPr>
-            <p:cNvPr id="175" name="Rectángulo redondeado 174"/>
-            <p:cNvSpPr/>
-            <p:nvPr/>
-          </p:nvSpPr>
-          <p:spPr>
-            <a:xfrm>
-              <a:off x="808384" y="2186609"/>
-              <a:ext cx="1764552" cy="727581"/>
-            </a:xfrm>
-            <a:prstGeom prst="roundRect">
-              <a:avLst/>
-            </a:prstGeom>
-            <a:ln w="38100">
-              <a:solidFill>
-                <a:schemeClr val="tx1">
-                  <a:lumMod val="75000"/>
-                </a:schemeClr>
-              </a:solidFill>
-            </a:ln>
-          </p:spPr>
-          <p:style>
-            <a:lnRef idx="1">
-              <a:schemeClr val="accent1"/>
-            </a:lnRef>
-            <a:fillRef idx="3">
-              <a:schemeClr val="accent1"/>
-            </a:fillRef>
-            <a:effectRef idx="2">
-              <a:schemeClr val="accent1"/>
-            </a:effectRef>
-            <a:fontRef idx="minor">
-              <a:schemeClr val="lt1"/>
-            </a:fontRef>
-          </p:style>
-          <p:txBody>
-            <a:bodyPr rtlCol="0" anchor="ctr"/>
-            <a:lstStyle/>
-            <a:p>
-              <a:pPr algn="ctr"/>
-              <a:endParaRPr lang="es-ES" dirty="0"/>
-            </a:p>
-          </p:txBody>
-        </p:sp>
-        <p:sp>
-          <p:nvSpPr>
-            <p:cNvPr id="176" name="CuadroTexto 175"/>
-            <p:cNvSpPr txBox="1"/>
-            <p:nvPr/>
-          </p:nvSpPr>
-          <p:spPr>
-            <a:xfrm>
-              <a:off x="872297" y="2336081"/>
-              <a:ext cx="1594799" cy="488559"/>
-            </a:xfrm>
-            <a:prstGeom prst="rect">
-              <a:avLst/>
-            </a:prstGeom>
-            <a:noFill/>
-          </p:spPr>
-          <p:txBody>
-            <a:bodyPr wrap="square" rtlCol="0">
-              <a:spAutoFit/>
-            </a:bodyPr>
-            <a:lstStyle/>
-            <a:p>
-              <a:pPr algn="ctr"/>
-              <a:r>
-                <a:rPr lang="es-AR" dirty="0" smtClean="0"/>
-                <a:t>MÉTRICAS</a:t>
-              </a:r>
-              <a:endParaRPr lang="es-ES" dirty="0"/>
-            </a:p>
-          </p:txBody>
-        </p:sp>
-      </p:grpSp>
-      <p:grpSp>
-        <p:nvGrpSpPr>
-          <p:cNvPr id="177" name="Grupo 176"/>
-          <p:cNvGrpSpPr/>
-          <p:nvPr/>
-        </p:nvGrpSpPr>
-        <p:grpSpPr>
-          <a:xfrm>
-            <a:off x="5126699" y="4502881"/>
-            <a:ext cx="2541003" cy="550024"/>
-            <a:chOff x="808384" y="2186609"/>
-            <a:chExt cx="1658712" cy="727581"/>
-          </a:xfrm>
-        </p:grpSpPr>
-        <p:sp>
-          <p:nvSpPr>
-            <p:cNvPr id="178" name="Rectángulo redondeado 177"/>
-            <p:cNvSpPr/>
-            <p:nvPr/>
-          </p:nvSpPr>
-          <p:spPr>
-            <a:xfrm>
-              <a:off x="808384" y="2186609"/>
-              <a:ext cx="1630379" cy="727581"/>
-            </a:xfrm>
-            <a:prstGeom prst="roundRect">
-              <a:avLst/>
-            </a:prstGeom>
-            <a:ln w="38100">
-              <a:solidFill>
-                <a:schemeClr val="tx1">
-                  <a:lumMod val="75000"/>
-                </a:schemeClr>
-              </a:solidFill>
-            </a:ln>
-          </p:spPr>
-          <p:style>
-            <a:lnRef idx="1">
-              <a:schemeClr val="accent1"/>
-            </a:lnRef>
-            <a:fillRef idx="3">
-              <a:schemeClr val="accent1"/>
-            </a:fillRef>
-            <a:effectRef idx="2">
-              <a:schemeClr val="accent1"/>
-            </a:effectRef>
-            <a:fontRef idx="minor">
-              <a:schemeClr val="lt1"/>
-            </a:fontRef>
-          </p:style>
-          <p:txBody>
-            <a:bodyPr rtlCol="0" anchor="ctr"/>
-            <a:lstStyle/>
-            <a:p>
-              <a:pPr algn="ctr"/>
-              <a:endParaRPr lang="es-ES" dirty="0"/>
-            </a:p>
-          </p:txBody>
-        </p:sp>
-        <p:sp>
-          <p:nvSpPr>
-            <p:cNvPr id="179" name="CuadroTexto 178"/>
-            <p:cNvSpPr txBox="1"/>
-            <p:nvPr/>
-          </p:nvSpPr>
-          <p:spPr>
-            <a:xfrm>
-              <a:off x="808384" y="2316572"/>
-              <a:ext cx="1658712" cy="488559"/>
-            </a:xfrm>
-            <a:prstGeom prst="rect">
-              <a:avLst/>
-            </a:prstGeom>
-            <a:noFill/>
-          </p:spPr>
-          <p:txBody>
-            <a:bodyPr wrap="square" rtlCol="0">
-              <a:spAutoFit/>
-            </a:bodyPr>
-            <a:lstStyle/>
-            <a:p>
-              <a:pPr algn="ctr"/>
-              <a:r>
-                <a:rPr lang="es-AR" dirty="0" smtClean="0"/>
-                <a:t>RETROSPECTIVAS</a:t>
-              </a:r>
-              <a:endParaRPr lang="es-ES" dirty="0"/>
-            </a:p>
-          </p:txBody>
-        </p:sp>
-      </p:grpSp>
-      <p:grpSp>
-        <p:nvGrpSpPr>
-          <p:cNvPr id="180" name="Grupo 179"/>
-          <p:cNvGrpSpPr/>
-          <p:nvPr/>
-        </p:nvGrpSpPr>
-        <p:grpSpPr>
-          <a:xfrm>
-            <a:off x="7793169" y="4498312"/>
-            <a:ext cx="3599648" cy="545118"/>
-            <a:chOff x="808384" y="2186610"/>
-            <a:chExt cx="1764552" cy="671854"/>
-          </a:xfrm>
-        </p:grpSpPr>
-        <p:sp>
-          <p:nvSpPr>
-            <p:cNvPr id="181" name="Rectángulo redondeado 180"/>
-            <p:cNvSpPr/>
-            <p:nvPr/>
-          </p:nvSpPr>
-          <p:spPr>
-            <a:xfrm>
-              <a:off x="808384" y="2186610"/>
-              <a:ext cx="1764552" cy="671854"/>
-            </a:xfrm>
-            <a:prstGeom prst="roundRect">
-              <a:avLst/>
-            </a:prstGeom>
-            <a:ln w="38100">
-              <a:solidFill>
-                <a:schemeClr val="tx1">
-                  <a:lumMod val="75000"/>
-                </a:schemeClr>
-              </a:solidFill>
-            </a:ln>
-          </p:spPr>
-          <p:style>
-            <a:lnRef idx="1">
-              <a:schemeClr val="accent1"/>
-            </a:lnRef>
-            <a:fillRef idx="3">
-              <a:schemeClr val="accent1"/>
-            </a:fillRef>
-            <a:effectRef idx="2">
-              <a:schemeClr val="accent1"/>
-            </a:effectRef>
-            <a:fontRef idx="minor">
-              <a:schemeClr val="lt1"/>
-            </a:fontRef>
-          </p:style>
-          <p:txBody>
-            <a:bodyPr rtlCol="0" anchor="ctr"/>
-            <a:lstStyle/>
-            <a:p>
-              <a:pPr algn="ctr"/>
-              <a:endParaRPr lang="es-ES" dirty="0"/>
-            </a:p>
-          </p:txBody>
-        </p:sp>
-        <p:sp>
-          <p:nvSpPr>
-            <p:cNvPr id="182" name="CuadroTexto 181"/>
-            <p:cNvSpPr txBox="1"/>
-            <p:nvPr/>
-          </p:nvSpPr>
-          <p:spPr>
-            <a:xfrm>
-              <a:off x="829661" y="2312577"/>
-              <a:ext cx="1743274" cy="455199"/>
-            </a:xfrm>
-            <a:prstGeom prst="rect">
-              <a:avLst/>
-            </a:prstGeom>
-            <a:noFill/>
-          </p:spPr>
-          <p:txBody>
-            <a:bodyPr wrap="square" rtlCol="0">
-              <a:spAutoFit/>
-            </a:bodyPr>
-            <a:lstStyle/>
-            <a:p>
-              <a:pPr algn="ctr"/>
-              <a:r>
-                <a:rPr lang="es-AR" dirty="0" smtClean="0"/>
-                <a:t>SEGUIMIENTO DE RIESGOS</a:t>
-              </a:r>
-              <a:endParaRPr lang="es-ES" dirty="0"/>
-            </a:p>
-          </p:txBody>
-        </p:sp>
-      </p:grpSp>
-      <p:sp>
-        <p:nvSpPr>
-          <p:cNvPr id="183" name="Rectángulo redondeado 182"/>
-          <p:cNvSpPr/>
-          <p:nvPr/>
-        </p:nvSpPr>
-        <p:spPr>
-          <a:xfrm>
-            <a:off x="3131576" y="5431078"/>
-            <a:ext cx="8445908" cy="958068"/>
-          </a:xfrm>
-          <a:prstGeom prst="roundRect">
-            <a:avLst>
-              <a:gd name="adj" fmla="val 2548"/>
-            </a:avLst>
-          </a:prstGeom>
-          <a:solidFill>
-            <a:schemeClr val="tx2"/>
-          </a:solidFill>
-          <a:ln w="38100"/>
-        </p:spPr>
-        <p:style>
-          <a:lnRef idx="2">
-            <a:schemeClr val="accent1">
-              <a:shade val="50000"/>
-            </a:schemeClr>
-          </a:lnRef>
-          <a:fillRef idx="1">
-            <a:schemeClr val="accent1"/>
-          </a:fillRef>
-          <a:effectRef idx="0">
-            <a:schemeClr val="accent1"/>
-          </a:effectRef>
-          <a:fontRef idx="minor">
-            <a:schemeClr val="lt1"/>
-          </a:fontRef>
-        </p:style>
-        <p:txBody>
-          <a:bodyPr rtlCol="0" anchor="ctr"/>
-          <a:lstStyle/>
-          <a:p>
-            <a:pPr algn="ctr"/>
-            <a:endParaRPr lang="es-ES"/>
-          </a:p>
-        </p:txBody>
-      </p:sp>
-      <p:grpSp>
-        <p:nvGrpSpPr>
-          <p:cNvPr id="184" name="Grupo 183"/>
-          <p:cNvGrpSpPr/>
-          <p:nvPr/>
-        </p:nvGrpSpPr>
-        <p:grpSpPr>
-          <a:xfrm>
-            <a:off x="3301251" y="5640937"/>
-            <a:ext cx="3253789" cy="508061"/>
-            <a:chOff x="808384" y="2186609"/>
-            <a:chExt cx="1764552" cy="727581"/>
-          </a:xfrm>
-        </p:grpSpPr>
-        <p:sp>
-          <p:nvSpPr>
-            <p:cNvPr id="185" name="Rectángulo redondeado 184"/>
-            <p:cNvSpPr/>
-            <p:nvPr/>
-          </p:nvSpPr>
-          <p:spPr>
-            <a:xfrm>
-              <a:off x="808384" y="2186609"/>
-              <a:ext cx="1764552" cy="727581"/>
-            </a:xfrm>
-            <a:prstGeom prst="roundRect">
-              <a:avLst/>
-            </a:prstGeom>
-            <a:ln w="38100">
-              <a:solidFill>
-                <a:schemeClr val="tx1">
-                  <a:lumMod val="75000"/>
-                </a:schemeClr>
-              </a:solidFill>
-            </a:ln>
-          </p:spPr>
-          <p:style>
-            <a:lnRef idx="1">
-              <a:schemeClr val="accent1"/>
-            </a:lnRef>
-            <a:fillRef idx="3">
-              <a:schemeClr val="accent1"/>
-            </a:fillRef>
-            <a:effectRef idx="2">
-              <a:schemeClr val="accent1"/>
-            </a:effectRef>
-            <a:fontRef idx="minor">
-              <a:schemeClr val="lt1"/>
-            </a:fontRef>
-          </p:style>
-          <p:txBody>
-            <a:bodyPr rtlCol="0" anchor="ctr"/>
-            <a:lstStyle/>
-            <a:p>
-              <a:pPr algn="ctr"/>
-              <a:endParaRPr lang="es-ES" dirty="0"/>
-            </a:p>
-          </p:txBody>
-        </p:sp>
-        <p:sp>
-          <p:nvSpPr>
-            <p:cNvPr id="186" name="CuadroTexto 185"/>
-            <p:cNvSpPr txBox="1"/>
-            <p:nvPr/>
-          </p:nvSpPr>
-          <p:spPr>
-            <a:xfrm>
-              <a:off x="914223" y="2298382"/>
-              <a:ext cx="1552873" cy="528911"/>
-            </a:xfrm>
-            <a:prstGeom prst="rect">
-              <a:avLst/>
-            </a:prstGeom>
-            <a:noFill/>
-          </p:spPr>
-          <p:txBody>
-            <a:bodyPr wrap="square" rtlCol="0">
-              <a:spAutoFit/>
-            </a:bodyPr>
-            <a:lstStyle/>
-            <a:p>
-              <a:pPr algn="ctr"/>
-              <a:r>
-                <a:rPr lang="es-AR" dirty="0" smtClean="0"/>
-                <a:t>ALGORITMOS FIXTURE</a:t>
-              </a:r>
-              <a:endParaRPr lang="es-ES" dirty="0"/>
-            </a:p>
-          </p:txBody>
-        </p:sp>
-      </p:grpSp>
-      <p:grpSp>
-        <p:nvGrpSpPr>
-          <p:cNvPr id="187" name="Grupo 186"/>
-          <p:cNvGrpSpPr/>
-          <p:nvPr/>
-        </p:nvGrpSpPr>
-        <p:grpSpPr>
-          <a:xfrm>
-            <a:off x="6839639" y="5626971"/>
-            <a:ext cx="4566207" cy="535992"/>
-            <a:chOff x="808384" y="2186609"/>
-            <a:chExt cx="1764552" cy="727581"/>
-          </a:xfrm>
-        </p:grpSpPr>
-        <p:sp>
-          <p:nvSpPr>
-            <p:cNvPr id="188" name="Rectángulo redondeado 187"/>
-            <p:cNvSpPr/>
-            <p:nvPr/>
-          </p:nvSpPr>
-          <p:spPr>
-            <a:xfrm>
-              <a:off x="808384" y="2186609"/>
-              <a:ext cx="1764552" cy="727581"/>
-            </a:xfrm>
-            <a:prstGeom prst="roundRect">
-              <a:avLst/>
-            </a:prstGeom>
-            <a:ln w="38100">
-              <a:solidFill>
-                <a:schemeClr val="tx1">
-                  <a:lumMod val="75000"/>
-                </a:schemeClr>
-              </a:solidFill>
-            </a:ln>
-          </p:spPr>
-          <p:style>
-            <a:lnRef idx="1">
-              <a:schemeClr val="accent1"/>
-            </a:lnRef>
-            <a:fillRef idx="3">
-              <a:schemeClr val="accent1"/>
-            </a:fillRef>
-            <a:effectRef idx="2">
-              <a:schemeClr val="accent1"/>
-            </a:effectRef>
-            <a:fontRef idx="minor">
-              <a:schemeClr val="lt1"/>
-            </a:fontRef>
-          </p:style>
-          <p:txBody>
-            <a:bodyPr rtlCol="0" anchor="ctr"/>
-            <a:lstStyle/>
-            <a:p>
-              <a:pPr algn="ctr"/>
-              <a:endParaRPr lang="es-ES" dirty="0"/>
-            </a:p>
-          </p:txBody>
-        </p:sp>
-        <p:sp>
-          <p:nvSpPr>
-            <p:cNvPr id="189" name="CuadroTexto 188"/>
-            <p:cNvSpPr txBox="1"/>
-            <p:nvPr/>
-          </p:nvSpPr>
-          <p:spPr>
-            <a:xfrm>
-              <a:off x="914223" y="2337321"/>
-              <a:ext cx="1552873" cy="501349"/>
-            </a:xfrm>
-            <a:prstGeom prst="rect">
-              <a:avLst/>
-            </a:prstGeom>
-            <a:noFill/>
-          </p:spPr>
-          <p:txBody>
-            <a:bodyPr wrap="square" rtlCol="0">
-              <a:spAutoFit/>
-            </a:bodyPr>
-            <a:lstStyle/>
-            <a:p>
-              <a:pPr algn="ctr"/>
-              <a:r>
-                <a:rPr lang="es-AR" dirty="0" smtClean="0"/>
-                <a:t>TECNOLOGÍAS DE DESARROLLO</a:t>
-              </a:r>
-              <a:endParaRPr lang="es-ES" dirty="0"/>
-            </a:p>
-          </p:txBody>
-        </p:sp>
-      </p:grpSp>
     </p:spTree>
     <p:extLst>
       <p:ext uri="{BB962C8B-B14F-4D97-AF65-F5344CB8AC3E}">
-        <p14:creationId xmlns:p14="http://schemas.microsoft.com/office/powerpoint/2010/main" val="3212380929"/>
+        <p14:creationId xmlns:p14="http://schemas.microsoft.com/office/powerpoint/2010/main" val="3189637303"/>
       </p:ext>
     </p:extLst>
   </p:cSld>
@@ -25528,9 +23797,215 @@
   <p:timing>
     <p:tnLst>
       <p:par>
-        <p:cTn id="1" dur="indefinite" restart="never" nodeType="tmRoot"/>
+        <p:cTn id="1" dur="indefinite" restart="never" nodeType="tmRoot">
+          <p:childTnLst>
+            <p:seq concurrent="1" nextAc="seek">
+              <p:cTn id="2" dur="indefinite" nodeType="mainSeq">
+                <p:childTnLst>
+                  <p:par>
+                    <p:cTn id="3" fill="hold">
+                      <p:stCondLst>
+                        <p:cond delay="indefinite"/>
+                      </p:stCondLst>
+                      <p:childTnLst>
+                        <p:par>
+                          <p:cTn id="4" fill="hold">
+                            <p:stCondLst>
+                              <p:cond delay="0"/>
+                            </p:stCondLst>
+                            <p:childTnLst>
+                              <p:par>
+                                <p:cTn id="5" presetID="10" presetClass="entr" presetSubtype="0" fill="hold" grpId="0" nodeType="clickEffect">
+                                  <p:stCondLst>
+                                    <p:cond delay="500"/>
+                                  </p:stCondLst>
+                                  <p:childTnLst>
+                                    <p:set>
+                                      <p:cBhvr>
+                                        <p:cTn id="6" dur="1" fill="hold">
+                                          <p:stCondLst>
+                                            <p:cond delay="0"/>
+                                          </p:stCondLst>
+                                        </p:cTn>
+                                        <p:tgtEl>
+                                          <p:spTgt spid="48"/>
+                                        </p:tgtEl>
+                                        <p:attrNameLst>
+                                          <p:attrName>style.visibility</p:attrName>
+                                        </p:attrNameLst>
+                                      </p:cBhvr>
+                                      <p:to>
+                                        <p:strVal val="visible"/>
+                                      </p:to>
+                                    </p:set>
+                                    <p:animEffect transition="in" filter="fade">
+                                      <p:cBhvr>
+                                        <p:cTn id="7" dur="500"/>
+                                        <p:tgtEl>
+                                          <p:spTgt spid="48"/>
+                                        </p:tgtEl>
+                                      </p:cBhvr>
+                                    </p:animEffect>
+                                  </p:childTnLst>
+                                </p:cTn>
+                              </p:par>
+                              <p:par>
+                                <p:cTn id="8" presetID="10" presetClass="entr" presetSubtype="0" fill="hold" grpId="1" nodeType="withEffect">
+                                  <p:stCondLst>
+                                    <p:cond delay="500"/>
+                                  </p:stCondLst>
+                                  <p:childTnLst>
+                                    <p:set>
+                                      <p:cBhvr>
+                                        <p:cTn id="9" dur="1" fill="hold">
+                                          <p:stCondLst>
+                                            <p:cond delay="0"/>
+                                          </p:stCondLst>
+                                        </p:cTn>
+                                        <p:tgtEl>
+                                          <p:spTgt spid="47"/>
+                                        </p:tgtEl>
+                                        <p:attrNameLst>
+                                          <p:attrName>style.visibility</p:attrName>
+                                        </p:attrNameLst>
+                                      </p:cBhvr>
+                                      <p:to>
+                                        <p:strVal val="visible"/>
+                                      </p:to>
+                                    </p:set>
+                                    <p:animEffect transition="in" filter="fade">
+                                      <p:cBhvr>
+                                        <p:cTn id="10" dur="500"/>
+                                        <p:tgtEl>
+                                          <p:spTgt spid="47"/>
+                                        </p:tgtEl>
+                                      </p:cBhvr>
+                                    </p:animEffect>
+                                  </p:childTnLst>
+                                </p:cTn>
+                              </p:par>
+                            </p:childTnLst>
+                          </p:cTn>
+                        </p:par>
+                        <p:par>
+                          <p:cTn id="11" fill="hold">
+                            <p:stCondLst>
+                              <p:cond delay="1000"/>
+                            </p:stCondLst>
+                            <p:childTnLst>
+                              <p:par>
+                                <p:cTn id="12" presetID="42" presetClass="path" presetSubtype="0" accel="50000" decel="50000" fill="hold" grpId="0" nodeType="afterEffect">
+                                  <p:stCondLst>
+                                    <p:cond delay="0"/>
+                                  </p:stCondLst>
+                                  <p:childTnLst>
+                                    <p:animMotion origin="layout" path="M 1.45833E-6 3.7037E-6 L -0.3069 -0.00324 " pathEditMode="relative" rAng="0" ptsTypes="AA">
+                                      <p:cBhvr>
+                                        <p:cTn id="13" dur="1000" fill="hold"/>
+                                        <p:tgtEl>
+                                          <p:spTgt spid="47"/>
+                                        </p:tgtEl>
+                                        <p:attrNameLst>
+                                          <p:attrName>ppt_x</p:attrName>
+                                          <p:attrName>ppt_y</p:attrName>
+                                        </p:attrNameLst>
+                                      </p:cBhvr>
+                                      <p:rCtr x="-15352" y="-162"/>
+                                    </p:animMotion>
+                                  </p:childTnLst>
+                                </p:cTn>
+                              </p:par>
+                              <p:par>
+                                <p:cTn id="14" presetID="42" presetClass="path" presetSubtype="0" accel="50000" decel="50000" fill="hold" grpId="1" nodeType="withEffect">
+                                  <p:stCondLst>
+                                    <p:cond delay="0"/>
+                                  </p:stCondLst>
+                                  <p:childTnLst>
+                                    <p:animMotion origin="layout" path="M 1.66667E-6 3.7037E-6 L 0.28698 0.00231 " pathEditMode="relative" rAng="0" ptsTypes="AA">
+                                      <p:cBhvr>
+                                        <p:cTn id="15" dur="1100" fill="hold"/>
+                                        <p:tgtEl>
+                                          <p:spTgt spid="48"/>
+                                        </p:tgtEl>
+                                        <p:attrNameLst>
+                                          <p:attrName>ppt_x</p:attrName>
+                                          <p:attrName>ppt_y</p:attrName>
+                                        </p:attrNameLst>
+                                      </p:cBhvr>
+                                      <p:rCtr x="14349" y="116"/>
+                                    </p:animMotion>
+                                  </p:childTnLst>
+                                </p:cTn>
+                              </p:par>
+                              <p:par>
+                                <p:cTn id="16" presetID="16" presetClass="entr" presetSubtype="37" fill="hold" grpId="0" nodeType="withEffect">
+                                  <p:stCondLst>
+                                    <p:cond delay="200"/>
+                                  </p:stCondLst>
+                                  <p:childTnLst>
+                                    <p:set>
+                                      <p:cBhvr>
+                                        <p:cTn id="17" dur="1" fill="hold">
+                                          <p:stCondLst>
+                                            <p:cond delay="0"/>
+                                          </p:stCondLst>
+                                        </p:cTn>
+                                        <p:tgtEl>
+                                          <p:spTgt spid="46"/>
+                                        </p:tgtEl>
+                                        <p:attrNameLst>
+                                          <p:attrName>style.visibility</p:attrName>
+                                        </p:attrNameLst>
+                                      </p:cBhvr>
+                                      <p:to>
+                                        <p:strVal val="visible"/>
+                                      </p:to>
+                                    </p:set>
+                                    <p:animEffect transition="in" filter="barn(outVertical)">
+                                      <p:cBhvr>
+                                        <p:cTn id="18" dur="800"/>
+                                        <p:tgtEl>
+                                          <p:spTgt spid="46"/>
+                                        </p:tgtEl>
+                                      </p:cBhvr>
+                                    </p:animEffect>
+                                  </p:childTnLst>
+                                </p:cTn>
+                              </p:par>
+                            </p:childTnLst>
+                          </p:cTn>
+                        </p:par>
+                      </p:childTnLst>
+                    </p:cTn>
+                  </p:par>
+                </p:childTnLst>
+              </p:cTn>
+              <p:prevCondLst>
+                <p:cond evt="onPrev" delay="0">
+                  <p:tgtEl>
+                    <p:sldTgt/>
+                  </p:tgtEl>
+                </p:cond>
+              </p:prevCondLst>
+              <p:nextCondLst>
+                <p:cond evt="onNext" delay="0">
+                  <p:tgtEl>
+                    <p:sldTgt/>
+                  </p:tgtEl>
+                </p:cond>
+              </p:nextCondLst>
+            </p:seq>
+          </p:childTnLst>
+        </p:cTn>
       </p:par>
     </p:tnLst>
+    <p:bldLst>
+      <p:bldP spid="46" grpId="0"/>
+      <p:bldP spid="47" grpId="0"/>
+      <p:bldP spid="47" grpId="1"/>
+      <p:bldP spid="48" grpId="0"/>
+      <p:bldP spid="48" grpId="1"/>
+    </p:bldLst>
   </p:timing>
 </p:sld>
 </file>
@@ -25554,33 +24029,54 @@
       </p:grpSpPr>
       <p:sp>
         <p:nvSpPr>
-          <p:cNvPr id="55" name="Rectángulo 54"/>
+          <p:cNvPr id="2" name="Título 1"/>
+          <p:cNvSpPr>
+            <a:spLocks noGrp="1"/>
+          </p:cNvSpPr>
+          <p:nvPr>
+            <p:ph type="title"/>
+          </p:nvPr>
+        </p:nvSpPr>
+        <p:spPr>
+          <a:xfrm>
+            <a:off x="583048" y="27049"/>
+            <a:ext cx="9404723" cy="1400530"/>
+          </a:xfrm>
+        </p:spPr>
+        <p:txBody>
+          <a:bodyPr/>
+          <a:lstStyle/>
+          <a:p>
+            <a:r>
+              <a:rPr lang="es-ES" dirty="0" smtClean="0"/>
+              <a:t>Nuestra experiencia</a:t>
+            </a:r>
+            <a:endParaRPr lang="es-ES" dirty="0"/>
+          </a:p>
+        </p:txBody>
+      </p:sp>
+      <p:sp>
+        <p:nvSpPr>
+          <p:cNvPr id="4" name="Rectángulo redondeado 3"/>
           <p:cNvSpPr/>
           <p:nvPr/>
         </p:nvSpPr>
         <p:spPr>
           <a:xfrm>
-            <a:off x="1" y="1"/>
-            <a:ext cx="10444162" cy="1152000"/>
+            <a:off x="134322" y="1427579"/>
+            <a:ext cx="4027775" cy="5107065"/>
           </a:xfrm>
-          <a:prstGeom prst="rect">
-            <a:avLst/>
+          <a:prstGeom prst="roundRect">
+            <a:avLst>
+              <a:gd name="adj" fmla="val 2548"/>
+            </a:avLst>
           </a:prstGeom>
           <a:solidFill>
-            <a:schemeClr val="accent1">
-              <a:alpha val="37000"/>
+            <a:schemeClr val="tx1">
+              <a:lumMod val="95000"/>
             </a:schemeClr>
           </a:solidFill>
-          <a:ln>
-            <a:noFill/>
-          </a:ln>
-          <a:effectLst>
-            <a:outerShdw blurRad="50800" dist="38100" dir="2700000" algn="tl" rotWithShape="0">
-              <a:prstClr val="black">
-                <a:alpha val="40000"/>
-              </a:prstClr>
-            </a:outerShdw>
-          </a:effectLst>
+          <a:ln w="57150"/>
         </p:spPr>
         <p:style>
           <a:lnRef idx="2">
@@ -25609,73 +24105,14 @@
       </p:sp>
       <p:sp>
         <p:nvSpPr>
-          <p:cNvPr id="2" name="Título 1"/>
-          <p:cNvSpPr>
-            <a:spLocks noGrp="1"/>
-          </p:cNvSpPr>
-          <p:nvPr>
-            <p:ph type="title"/>
-          </p:nvPr>
-        </p:nvSpPr>
-        <p:spPr>
-          <a:xfrm>
-            <a:off x="1695449" y="192581"/>
-            <a:ext cx="7600952" cy="783264"/>
-          </a:xfrm>
-        </p:spPr>
-        <p:txBody>
-          <a:bodyPr/>
-          <a:lstStyle/>
-          <a:p>
-            <a:r>
-              <a:rPr lang="es-AR" sz="3600" dirty="0" smtClean="0"/>
-              <a:t>Documentación de Producto</a:t>
-            </a:r>
-            <a:endParaRPr lang="es-AR" sz="3600" dirty="0"/>
-          </a:p>
-        </p:txBody>
-      </p:sp>
-      <p:pic>
-        <p:nvPicPr>
-          <p:cNvPr id="56" name="Imagen 55"/>
-          <p:cNvPicPr>
-            <a:picLocks noChangeAspect="1"/>
-          </p:cNvPicPr>
-          <p:nvPr/>
-        </p:nvPicPr>
-        <p:blipFill>
-          <a:blip r:embed="rId3">
-            <a:grayscl/>
-            <a:extLst>
-              <a:ext uri="{28A0092B-C50C-407E-A947-70E740481C1C}">
-                <a14:useLocalDpi xmlns:a14="http://schemas.microsoft.com/office/drawing/2010/main" val="0"/>
-              </a:ext>
-            </a:extLst>
-          </a:blip>
-          <a:stretch>
-            <a:fillRect/>
-          </a:stretch>
-        </p:blipFill>
-        <p:spPr>
-          <a:xfrm>
-            <a:off x="365501" y="0"/>
-            <a:ext cx="1151372" cy="1163031"/>
-          </a:xfrm>
-          <a:prstGeom prst="rect">
-            <a:avLst/>
-          </a:prstGeom>
-        </p:spPr>
-      </p:pic>
-      <p:sp>
-        <p:nvSpPr>
-          <p:cNvPr id="101" name="Rectángulo redondeado 100"/>
+          <p:cNvPr id="93" name="Rectángulo redondeado 92"/>
           <p:cNvSpPr/>
           <p:nvPr/>
         </p:nvSpPr>
         <p:spPr>
           <a:xfrm>
-            <a:off x="3878826" y="1372444"/>
-            <a:ext cx="7698658" cy="736109"/>
+            <a:off x="4162097" y="1427579"/>
+            <a:ext cx="4161781" cy="5107065"/>
           </a:xfrm>
           <a:prstGeom prst="roundRect">
             <a:avLst>
@@ -25683,9 +24120,11 @@
             </a:avLst>
           </a:prstGeom>
           <a:solidFill>
-            <a:schemeClr val="tx2"/>
+            <a:schemeClr val="tx1">
+              <a:lumMod val="95000"/>
+            </a:schemeClr>
           </a:solidFill>
-          <a:ln w="38100"/>
+          <a:ln w="57150"/>
         </p:spPr>
         <p:style>
           <a:lnRef idx="2">
@@ -25712,213 +24151,16 @@
           </a:p>
         </p:txBody>
       </p:sp>
-      <p:grpSp>
-        <p:nvGrpSpPr>
-          <p:cNvPr id="102" name="Grupo 101"/>
-          <p:cNvGrpSpPr/>
-          <p:nvPr/>
-        </p:nvGrpSpPr>
-        <p:grpSpPr>
-          <a:xfrm>
-            <a:off x="6325075" y="1477220"/>
-            <a:ext cx="2936188" cy="469925"/>
-            <a:chOff x="808384" y="2167100"/>
-            <a:chExt cx="1764552" cy="727581"/>
-          </a:xfrm>
-        </p:grpSpPr>
-        <p:sp>
-          <p:nvSpPr>
-            <p:cNvPr id="103" name="Rectángulo redondeado 102"/>
-            <p:cNvSpPr/>
-            <p:nvPr/>
-          </p:nvSpPr>
-          <p:spPr>
-            <a:xfrm>
-              <a:off x="808384" y="2167100"/>
-              <a:ext cx="1764552" cy="727581"/>
-            </a:xfrm>
-            <a:prstGeom prst="roundRect">
-              <a:avLst/>
-            </a:prstGeom>
-            <a:ln w="38100">
-              <a:solidFill>
-                <a:schemeClr val="tx1">
-                  <a:lumMod val="75000"/>
-                </a:schemeClr>
-              </a:solidFill>
-            </a:ln>
-          </p:spPr>
-          <p:style>
-            <a:lnRef idx="1">
-              <a:schemeClr val="accent1"/>
-            </a:lnRef>
-            <a:fillRef idx="3">
-              <a:schemeClr val="accent1"/>
-            </a:fillRef>
-            <a:effectRef idx="2">
-              <a:schemeClr val="accent1"/>
-            </a:effectRef>
-            <a:fontRef idx="minor">
-              <a:schemeClr val="lt1"/>
-            </a:fontRef>
-          </p:style>
-          <p:txBody>
-            <a:bodyPr rtlCol="0" anchor="ctr"/>
-            <a:lstStyle/>
-            <a:p>
-              <a:pPr algn="ctr"/>
-              <a:endParaRPr lang="es-ES" dirty="0"/>
-            </a:p>
-          </p:txBody>
-        </p:sp>
-        <p:sp>
-          <p:nvSpPr>
-            <p:cNvPr id="104" name="CuadroTexto 103"/>
-            <p:cNvSpPr txBox="1"/>
-            <p:nvPr/>
-          </p:nvSpPr>
-          <p:spPr>
-            <a:xfrm>
-              <a:off x="899647" y="2276344"/>
-              <a:ext cx="1552873" cy="488559"/>
-            </a:xfrm>
-            <a:prstGeom prst="rect">
-              <a:avLst/>
-            </a:prstGeom>
-            <a:noFill/>
-          </p:spPr>
-          <p:txBody>
-            <a:bodyPr wrap="square" rtlCol="0">
-              <a:spAutoFit/>
-            </a:bodyPr>
-            <a:lstStyle/>
-            <a:p>
-              <a:pPr algn="ctr"/>
-              <a:r>
-                <a:rPr lang="es-AR" dirty="0" smtClean="0"/>
-                <a:t>ESTUDIO INICIAL</a:t>
-              </a:r>
-              <a:endParaRPr lang="es-ES" dirty="0"/>
-            </a:p>
-          </p:txBody>
-        </p:sp>
-      </p:grpSp>
       <p:sp>
         <p:nvSpPr>
-          <p:cNvPr id="105" name="CuadroTexto 104"/>
-          <p:cNvSpPr txBox="1"/>
-          <p:nvPr/>
-        </p:nvSpPr>
-        <p:spPr>
-          <a:xfrm>
-            <a:off x="876389" y="1579459"/>
-            <a:ext cx="2669458" cy="400110"/>
-          </a:xfrm>
-          <a:prstGeom prst="rect">
-            <a:avLst/>
-          </a:prstGeom>
-          <a:noFill/>
-        </p:spPr>
-        <p:txBody>
-          <a:bodyPr wrap="square" rtlCol="0">
-            <a:spAutoFit/>
-          </a:bodyPr>
-          <a:lstStyle/>
-          <a:p>
-            <a:pPr algn="ctr"/>
-            <a:r>
-              <a:rPr lang="es-AR" sz="2000" b="1" dirty="0" smtClean="0">
-                <a:effectLst>
-                  <a:outerShdw blurRad="38100" dist="38100" dir="2700000" algn="tl">
-                    <a:srgbClr val="000000">
-                      <a:alpha val="43137"/>
-                    </a:srgbClr>
-                  </a:outerShdw>
-                </a:effectLst>
-                <a:latin typeface="Segoe UI" panose="020B0502040204020203" pitchFamily="34" charset="0"/>
-                <a:ea typeface="Segoe UI" panose="020B0502040204020203" pitchFamily="34" charset="0"/>
-                <a:cs typeface="Segoe UI" panose="020B0502040204020203" pitchFamily="34" charset="0"/>
-              </a:rPr>
-              <a:t>ESTUDIO INICIAL</a:t>
-            </a:r>
-            <a:endParaRPr lang="es-ES" sz="2000" b="1" dirty="0">
-              <a:effectLst>
-                <a:outerShdw blurRad="38100" dist="38100" dir="2700000" algn="tl">
-                  <a:srgbClr val="000000">
-                    <a:alpha val="43137"/>
-                  </a:srgbClr>
-                </a:outerShdw>
-              </a:effectLst>
-              <a:latin typeface="Segoe UI" panose="020B0502040204020203" pitchFamily="34" charset="0"/>
-              <a:ea typeface="Segoe UI" panose="020B0502040204020203" pitchFamily="34" charset="0"/>
-              <a:cs typeface="Segoe UI" panose="020B0502040204020203" pitchFamily="34" charset="0"/>
-            </a:endParaRPr>
-          </a:p>
-        </p:txBody>
-      </p:sp>
-      <p:sp>
-        <p:nvSpPr>
-          <p:cNvPr id="130" name="CuadroTexto 129"/>
-          <p:cNvSpPr txBox="1"/>
-          <p:nvPr/>
-        </p:nvSpPr>
-        <p:spPr>
-          <a:xfrm>
-            <a:off x="953173" y="2449119"/>
-            <a:ext cx="2601188" cy="400110"/>
-          </a:xfrm>
-          <a:prstGeom prst="rect">
-            <a:avLst/>
-          </a:prstGeom>
-          <a:noFill/>
-        </p:spPr>
-        <p:txBody>
-          <a:bodyPr wrap="square" rtlCol="0">
-            <a:spAutoFit/>
-          </a:bodyPr>
-          <a:lstStyle/>
-          <a:p>
-            <a:pPr algn="ctr"/>
-            <a:r>
-              <a:rPr lang="es-AR" sz="2000" b="1" dirty="0" smtClean="0">
-                <a:effectLst>
-                  <a:outerShdw blurRad="38100" dist="38100" dir="2700000" algn="tl">
-                    <a:srgbClr val="000000">
-                      <a:alpha val="43137"/>
-                    </a:srgbClr>
-                  </a:outerShdw>
-                </a:effectLst>
-                <a:latin typeface="Segoe UI" panose="020B0502040204020203" pitchFamily="34" charset="0"/>
-                <a:ea typeface="Segoe UI" panose="020B0502040204020203" pitchFamily="34" charset="0"/>
-                <a:cs typeface="Segoe UI" panose="020B0502040204020203" pitchFamily="34" charset="0"/>
-              </a:rPr>
-              <a:t>REQUERIMIENTOS</a:t>
-            </a:r>
-            <a:endParaRPr lang="es-ES" sz="2000" b="1" dirty="0">
-              <a:effectLst>
-                <a:outerShdw blurRad="38100" dist="38100" dir="2700000" algn="tl">
-                  <a:srgbClr val="000000">
-                    <a:alpha val="43137"/>
-                  </a:srgbClr>
-                </a:outerShdw>
-              </a:effectLst>
-              <a:latin typeface="Segoe UI" panose="020B0502040204020203" pitchFamily="34" charset="0"/>
-              <a:ea typeface="Segoe UI" panose="020B0502040204020203" pitchFamily="34" charset="0"/>
-              <a:cs typeface="Segoe UI" panose="020B0502040204020203" pitchFamily="34" charset="0"/>
-            </a:endParaRPr>
-          </a:p>
-        </p:txBody>
-      </p:sp>
-      <p:sp>
-        <p:nvSpPr>
-          <p:cNvPr id="166" name="Rectángulo redondeado 165"/>
+          <p:cNvPr id="97" name="Rectángulo redondeado 96"/>
           <p:cNvSpPr/>
           <p:nvPr/>
         </p:nvSpPr>
         <p:spPr>
           <a:xfrm>
-            <a:off x="3878826" y="2222067"/>
-            <a:ext cx="7698658" cy="820779"/>
+            <a:off x="8323878" y="1427579"/>
+            <a:ext cx="3744783" cy="5107065"/>
           </a:xfrm>
           <a:prstGeom prst="roundRect">
             <a:avLst>
@@ -25926,9 +24168,11 @@
             </a:avLst>
           </a:prstGeom>
           <a:solidFill>
-            <a:schemeClr val="tx2"/>
+            <a:schemeClr val="tx1">
+              <a:lumMod val="95000"/>
+            </a:schemeClr>
           </a:solidFill>
-          <a:ln w="38100"/>
+          <a:ln w="57150"/>
         </p:spPr>
         <p:style>
           <a:lnRef idx="2">
@@ -25955,198 +24199,16 @@
           </a:p>
         </p:txBody>
       </p:sp>
-      <p:grpSp>
-        <p:nvGrpSpPr>
-          <p:cNvPr id="170" name="Grupo 169"/>
-          <p:cNvGrpSpPr/>
-          <p:nvPr/>
-        </p:nvGrpSpPr>
-        <p:grpSpPr>
-          <a:xfrm>
-            <a:off x="4173794" y="2350872"/>
-            <a:ext cx="3170903" cy="498357"/>
-            <a:chOff x="808384" y="2186609"/>
-            <a:chExt cx="1764552" cy="727581"/>
-          </a:xfrm>
-        </p:grpSpPr>
-        <p:sp>
-          <p:nvSpPr>
-            <p:cNvPr id="171" name="Rectángulo redondeado 170"/>
-            <p:cNvSpPr/>
-            <p:nvPr/>
-          </p:nvSpPr>
-          <p:spPr>
-            <a:xfrm>
-              <a:off x="808384" y="2186609"/>
-              <a:ext cx="1764552" cy="727581"/>
-            </a:xfrm>
-            <a:prstGeom prst="roundRect">
-              <a:avLst/>
-            </a:prstGeom>
-            <a:ln w="38100">
-              <a:solidFill>
-                <a:schemeClr val="tx1">
-                  <a:lumMod val="75000"/>
-                </a:schemeClr>
-              </a:solidFill>
-            </a:ln>
-          </p:spPr>
-          <p:style>
-            <a:lnRef idx="1">
-              <a:schemeClr val="accent1"/>
-            </a:lnRef>
-            <a:fillRef idx="3">
-              <a:schemeClr val="accent1"/>
-            </a:fillRef>
-            <a:effectRef idx="2">
-              <a:schemeClr val="accent1"/>
-            </a:effectRef>
-            <a:fontRef idx="minor">
-              <a:schemeClr val="lt1"/>
-            </a:fontRef>
-          </p:style>
-          <p:txBody>
-            <a:bodyPr rtlCol="0" anchor="ctr"/>
-            <a:lstStyle/>
-            <a:p>
-              <a:pPr algn="ctr"/>
-              <a:endParaRPr lang="es-ES" dirty="0"/>
-            </a:p>
-          </p:txBody>
-        </p:sp>
-        <p:sp>
-          <p:nvSpPr>
-            <p:cNvPr id="172" name="CuadroTexto 171"/>
-            <p:cNvSpPr txBox="1"/>
-            <p:nvPr/>
-          </p:nvSpPr>
-          <p:spPr>
-            <a:xfrm>
-              <a:off x="914223" y="2316572"/>
-              <a:ext cx="1552873" cy="488559"/>
-            </a:xfrm>
-            <a:prstGeom prst="rect">
-              <a:avLst/>
-            </a:prstGeom>
-            <a:noFill/>
-          </p:spPr>
-          <p:txBody>
-            <a:bodyPr wrap="square" rtlCol="0">
-              <a:spAutoFit/>
-            </a:bodyPr>
-            <a:lstStyle/>
-            <a:p>
-              <a:pPr algn="ctr"/>
-              <a:r>
-                <a:rPr lang="es-AR" dirty="0" smtClean="0"/>
-                <a:t>PRODUCT BACKLOG</a:t>
-              </a:r>
-              <a:endParaRPr lang="es-ES" dirty="0"/>
-            </a:p>
-          </p:txBody>
-        </p:sp>
-      </p:grpSp>
-      <p:grpSp>
-        <p:nvGrpSpPr>
-          <p:cNvPr id="52" name="Grupo 51"/>
-          <p:cNvGrpSpPr/>
-          <p:nvPr/>
-        </p:nvGrpSpPr>
-        <p:grpSpPr>
-          <a:xfrm>
-            <a:off x="7667701" y="2357898"/>
-            <a:ext cx="3585317" cy="674636"/>
-            <a:chOff x="808384" y="2186609"/>
-            <a:chExt cx="1764552" cy="984941"/>
-          </a:xfrm>
-        </p:grpSpPr>
-        <p:sp>
-          <p:nvSpPr>
-            <p:cNvPr id="53" name="Rectángulo redondeado 52"/>
-            <p:cNvSpPr/>
-            <p:nvPr/>
-          </p:nvSpPr>
-          <p:spPr>
-            <a:xfrm>
-              <a:off x="808384" y="2186609"/>
-              <a:ext cx="1764552" cy="727581"/>
-            </a:xfrm>
-            <a:prstGeom prst="roundRect">
-              <a:avLst/>
-            </a:prstGeom>
-            <a:ln w="38100">
-              <a:solidFill>
-                <a:schemeClr val="tx1">
-                  <a:lumMod val="75000"/>
-                </a:schemeClr>
-              </a:solidFill>
-            </a:ln>
-          </p:spPr>
-          <p:style>
-            <a:lnRef idx="1">
-              <a:schemeClr val="accent1"/>
-            </a:lnRef>
-            <a:fillRef idx="3">
-              <a:schemeClr val="accent1"/>
-            </a:fillRef>
-            <a:effectRef idx="2">
-              <a:schemeClr val="accent1"/>
-            </a:effectRef>
-            <a:fontRef idx="minor">
-              <a:schemeClr val="lt1"/>
-            </a:fontRef>
-          </p:style>
-          <p:txBody>
-            <a:bodyPr rtlCol="0" anchor="ctr"/>
-            <a:lstStyle/>
-            <a:p>
-              <a:pPr algn="ctr"/>
-              <a:endParaRPr lang="es-ES" dirty="0"/>
-            </a:p>
-          </p:txBody>
-        </p:sp>
-        <p:sp>
-          <p:nvSpPr>
-            <p:cNvPr id="54" name="CuadroTexto 53"/>
-            <p:cNvSpPr txBox="1"/>
-            <p:nvPr/>
-          </p:nvSpPr>
-          <p:spPr>
-            <a:xfrm>
-              <a:off x="914223" y="2316572"/>
-              <a:ext cx="1552873" cy="854978"/>
-            </a:xfrm>
-            <a:prstGeom prst="rect">
-              <a:avLst/>
-            </a:prstGeom>
-            <a:noFill/>
-          </p:spPr>
-          <p:txBody>
-            <a:bodyPr wrap="square" rtlCol="0">
-              <a:spAutoFit/>
-            </a:bodyPr>
-            <a:lstStyle/>
-            <a:p>
-              <a:pPr algn="ctr"/>
-              <a:r>
-                <a:rPr lang="es-AR" dirty="0" smtClean="0"/>
-                <a:t>ESPECIFICACION DE RQS</a:t>
-              </a:r>
-              <a:endParaRPr lang="es-ES" dirty="0"/>
-            </a:p>
-          </p:txBody>
-        </p:sp>
-      </p:grpSp>
       <p:sp>
         <p:nvSpPr>
-          <p:cNvPr id="61" name="CuadroTexto 60"/>
+          <p:cNvPr id="96" name="CuadroTexto 95"/>
           <p:cNvSpPr txBox="1"/>
           <p:nvPr/>
         </p:nvSpPr>
         <p:spPr>
           <a:xfrm>
-            <a:off x="876389" y="3112887"/>
-            <a:ext cx="2601188" cy="707886"/>
+            <a:off x="378373" y="1765737"/>
+            <a:ext cx="3783724" cy="4247317"/>
           </a:xfrm>
           <a:prstGeom prst="rect">
             <a:avLst/>
@@ -26159,9 +24221,65 @@
           </a:bodyPr>
           <a:lstStyle/>
           <a:p>
-            <a:pPr algn="ctr"/>
-            <a:r>
-              <a:rPr lang="es-AR" sz="2000" b="1" dirty="0" smtClean="0">
+            <a:pPr marL="285750" indent="-285750">
+              <a:buFont typeface="Wingdings" panose="05000000000000000000" pitchFamily="2" charset="2"/>
+              <a:buChar char="ü"/>
+            </a:pPr>
+            <a:r>
+              <a:rPr lang="es-ES" dirty="0" smtClean="0">
+                <a:solidFill>
+                  <a:schemeClr val="tx1">
+                    <a:lumMod val="50000"/>
+                  </a:schemeClr>
+                </a:solidFill>
+              </a:rPr>
+              <a:t>Horas dedicadas al proyecto</a:t>
+            </a:r>
+          </a:p>
+          <a:p>
+            <a:pPr marL="742950" lvl="1" indent="-285750">
+              <a:buFont typeface="Arial" panose="020B0604020202020204" pitchFamily="34" charset="0"/>
+              <a:buChar char="•"/>
+            </a:pPr>
+            <a:r>
+              <a:rPr lang="es-ES" dirty="0" smtClean="0">
+                <a:solidFill>
+                  <a:schemeClr val="tx1">
+                    <a:lumMod val="50000"/>
+                  </a:schemeClr>
+                </a:solidFill>
+              </a:rPr>
+              <a:t>1260 horas.  315 c/u.</a:t>
+            </a:r>
+          </a:p>
+          <a:p>
+            <a:pPr marL="285750" indent="-285750">
+              <a:buFont typeface="Wingdings" panose="05000000000000000000" pitchFamily="2" charset="2"/>
+              <a:buChar char="ü"/>
+            </a:pPr>
+            <a:r>
+              <a:rPr lang="es-ES" dirty="0" smtClean="0">
+                <a:solidFill>
+                  <a:schemeClr val="tx1">
+                    <a:lumMod val="50000"/>
+                  </a:schemeClr>
+                </a:solidFill>
+              </a:rPr>
+              <a:t>Adaptar metodología.</a:t>
+            </a:r>
+          </a:p>
+          <a:p>
+            <a:pPr marL="285750" indent="-285750">
+              <a:buFont typeface="Wingdings" panose="05000000000000000000" pitchFamily="2" charset="2"/>
+              <a:buChar char="ü"/>
+            </a:pPr>
+            <a:r>
+              <a:rPr lang="es-ES" b="1" dirty="0" smtClean="0">
+                <a:solidFill>
+                  <a:schemeClr val="tx1">
+                    <a:lumMod val="50000"/>
+                  </a:schemeClr>
+                </a:solidFill>
                 <a:effectLst>
                   <a:outerShdw blurRad="38100" dist="38100" dir="2700000" algn="tl">
                     <a:srgbClr val="000000">
@@ -26169,13 +24287,147 @@
                     </a:srgbClr>
                   </a:outerShdw>
                 </a:effectLst>
-                <a:latin typeface="Segoe UI" panose="020B0502040204020203" pitchFamily="34" charset="0"/>
-                <a:ea typeface="Segoe UI" panose="020B0502040204020203" pitchFamily="34" charset="0"/>
-                <a:cs typeface="Segoe UI" panose="020B0502040204020203" pitchFamily="34" charset="0"/>
               </a:rPr>
-              <a:t>NORMAS DE DESARROLLO</a:t>
-            </a:r>
-            <a:endParaRPr lang="es-ES" sz="2000" b="1" dirty="0">
+              <a:t>Trabajo en Equipo</a:t>
+            </a:r>
+          </a:p>
+          <a:p>
+            <a:pPr marL="285750" indent="-285750">
+              <a:buFont typeface="Wingdings" panose="05000000000000000000" pitchFamily="2" charset="2"/>
+              <a:buChar char="ü"/>
+            </a:pPr>
+            <a:r>
+              <a:rPr lang="es-ES" b="1" dirty="0" smtClean="0">
+                <a:solidFill>
+                  <a:schemeClr val="tx1">
+                    <a:lumMod val="50000"/>
+                  </a:schemeClr>
+                </a:solidFill>
+                <a:effectLst>
+                  <a:outerShdw blurRad="38100" dist="38100" dir="2700000" algn="tl">
+                    <a:srgbClr val="000000">
+                      <a:alpha val="43137"/>
+                    </a:srgbClr>
+                  </a:outerShdw>
+                </a:effectLst>
+              </a:rPr>
+              <a:t>Compromiso</a:t>
+            </a:r>
+          </a:p>
+          <a:p>
+            <a:pPr marL="285750" indent="-285750">
+              <a:buFont typeface="Wingdings" panose="05000000000000000000" pitchFamily="2" charset="2"/>
+              <a:buChar char="ü"/>
+            </a:pPr>
+            <a:r>
+              <a:rPr lang="es-ES" dirty="0" smtClean="0">
+                <a:solidFill>
+                  <a:schemeClr val="tx1">
+                    <a:lumMod val="50000"/>
+                  </a:schemeClr>
+                </a:solidFill>
+              </a:rPr>
+              <a:t>Sprint 0</a:t>
+            </a:r>
+          </a:p>
+          <a:p>
+            <a:pPr marL="742950" lvl="1" indent="-285750">
+              <a:buFont typeface="Arial" panose="020B0604020202020204" pitchFamily="34" charset="0"/>
+              <a:buChar char="•"/>
+            </a:pPr>
+            <a:r>
+              <a:rPr lang="es-ES" dirty="0" smtClean="0">
+                <a:solidFill>
+                  <a:schemeClr val="tx1">
+                    <a:lumMod val="50000"/>
+                  </a:schemeClr>
+                </a:solidFill>
+              </a:rPr>
+              <a:t>Estudio inicial</a:t>
+            </a:r>
+          </a:p>
+          <a:p>
+            <a:pPr marL="742950" lvl="1" indent="-285750">
+              <a:buFont typeface="Arial" panose="020B0604020202020204" pitchFamily="34" charset="0"/>
+              <a:buChar char="•"/>
+            </a:pPr>
+            <a:r>
+              <a:rPr lang="es-ES" dirty="0" smtClean="0">
+                <a:solidFill>
+                  <a:schemeClr val="tx1">
+                    <a:lumMod val="50000"/>
+                  </a:schemeClr>
+                </a:solidFill>
+              </a:rPr>
+              <a:t>Definir los requerimientos</a:t>
+            </a:r>
+          </a:p>
+          <a:p>
+            <a:pPr marL="285750" indent="-285750">
+              <a:buFont typeface="Wingdings" panose="05000000000000000000" pitchFamily="2" charset="2"/>
+              <a:buChar char="ü"/>
+            </a:pPr>
+            <a:r>
+              <a:rPr lang="es-ES" dirty="0" smtClean="0">
+                <a:solidFill>
+                  <a:schemeClr val="tx1">
+                    <a:lumMod val="50000"/>
+                  </a:schemeClr>
+                </a:solidFill>
+              </a:rPr>
+              <a:t>Documentación y modelos</a:t>
+            </a:r>
+          </a:p>
+          <a:p>
+            <a:pPr marL="285750" indent="-285750">
+              <a:buFont typeface="Wingdings" panose="05000000000000000000" pitchFamily="2" charset="2"/>
+              <a:buChar char="ü"/>
+            </a:pPr>
+            <a:endParaRPr lang="es-ES" dirty="0" smtClean="0">
+              <a:solidFill>
+                <a:schemeClr val="tx1">
+                  <a:lumMod val="50000"/>
+                </a:schemeClr>
+              </a:solidFill>
+            </a:endParaRPr>
+          </a:p>
+          <a:p>
+            <a:pPr marL="285750" indent="-285750">
+              <a:buFont typeface="Arial" panose="020B0604020202020204" pitchFamily="34" charset="0"/>
+              <a:buChar char="•"/>
+            </a:pPr>
+            <a:endParaRPr lang="es-ES" dirty="0" smtClean="0">
+              <a:solidFill>
+                <a:schemeClr val="tx1">
+                  <a:lumMod val="50000"/>
+                </a:schemeClr>
+              </a:solidFill>
+            </a:endParaRPr>
+          </a:p>
+          <a:p>
+            <a:pPr marL="285750" indent="-285750">
+              <a:buFont typeface="Arial" panose="020B0604020202020204" pitchFamily="34" charset="0"/>
+              <a:buChar char="•"/>
+            </a:pPr>
+            <a:endParaRPr lang="es-ES" dirty="0" smtClean="0">
+              <a:solidFill>
+                <a:schemeClr val="tx1">
+                  <a:lumMod val="50000"/>
+                </a:schemeClr>
+              </a:solidFill>
+            </a:endParaRPr>
+          </a:p>
+          <a:p>
+            <a:pPr marL="285750" indent="-285750">
+              <a:buFont typeface="Arial" panose="020B0604020202020204" pitchFamily="34" charset="0"/>
+              <a:buChar char="•"/>
+            </a:pPr>
+            <a:endParaRPr lang="es-ES" b="1" dirty="0" smtClean="0">
+              <a:solidFill>
+                <a:schemeClr val="tx1">
+                  <a:lumMod val="50000"/>
+                </a:schemeClr>
+              </a:solidFill>
               <a:effectLst>
                 <a:outerShdw blurRad="38100" dist="38100" dir="2700000" algn="tl">
                   <a:srgbClr val="000000">
@@ -26183,206 +24435,46 @@
                   </a:srgbClr>
                 </a:outerShdw>
               </a:effectLst>
-              <a:latin typeface="Segoe UI" panose="020B0502040204020203" pitchFamily="34" charset="0"/>
-              <a:ea typeface="Segoe UI" panose="020B0502040204020203" pitchFamily="34" charset="0"/>
-              <a:cs typeface="Segoe UI" panose="020B0502040204020203" pitchFamily="34" charset="0"/>
+            </a:endParaRPr>
+          </a:p>
+          <a:p>
+            <a:pPr marL="285750" indent="-285750">
+              <a:buFont typeface="Arial" panose="020B0604020202020204" pitchFamily="34" charset="0"/>
+              <a:buChar char="•"/>
+            </a:pPr>
+            <a:endParaRPr lang="es-ES" dirty="0" smtClean="0">
+              <a:solidFill>
+                <a:schemeClr val="tx1">
+                  <a:lumMod val="50000"/>
+                </a:schemeClr>
+              </a:solidFill>
+            </a:endParaRPr>
+          </a:p>
+          <a:p>
+            <a:pPr marL="285750" indent="-285750">
+              <a:buFont typeface="Wingdings" panose="05000000000000000000" pitchFamily="2" charset="2"/>
+              <a:buChar char="ü"/>
+            </a:pPr>
+            <a:endParaRPr lang="es-ES" dirty="0" smtClean="0">
+              <a:solidFill>
+                <a:schemeClr val="tx1">
+                  <a:lumMod val="50000"/>
+                </a:schemeClr>
+              </a:solidFill>
             </a:endParaRPr>
           </a:p>
         </p:txBody>
       </p:sp>
       <p:sp>
         <p:nvSpPr>
-          <p:cNvPr id="78" name="Rectángulo redondeado 77"/>
-          <p:cNvSpPr/>
-          <p:nvPr/>
-        </p:nvSpPr>
-        <p:spPr>
-          <a:xfrm>
-            <a:off x="3878826" y="3191742"/>
-            <a:ext cx="7698658" cy="736109"/>
-          </a:xfrm>
-          <a:prstGeom prst="roundRect">
-            <a:avLst>
-              <a:gd name="adj" fmla="val 2548"/>
-            </a:avLst>
-          </a:prstGeom>
-          <a:solidFill>
-            <a:schemeClr val="tx2"/>
-          </a:solidFill>
-          <a:ln w="38100"/>
-        </p:spPr>
-        <p:style>
-          <a:lnRef idx="2">
-            <a:schemeClr val="accent1">
-              <a:shade val="50000"/>
-            </a:schemeClr>
-          </a:lnRef>
-          <a:fillRef idx="1">
-            <a:schemeClr val="accent1"/>
-          </a:fillRef>
-          <a:effectRef idx="0">
-            <a:schemeClr val="accent1"/>
-          </a:effectRef>
-          <a:fontRef idx="minor">
-            <a:schemeClr val="lt1"/>
-          </a:fontRef>
-        </p:style>
-        <p:txBody>
-          <a:bodyPr rtlCol="0" anchor="ctr"/>
-          <a:lstStyle/>
-          <a:p>
-            <a:pPr algn="ctr"/>
-            <a:endParaRPr lang="es-ES"/>
-          </a:p>
-        </p:txBody>
-      </p:sp>
-      <p:grpSp>
-        <p:nvGrpSpPr>
-          <p:cNvPr id="79" name="Grupo 78"/>
-          <p:cNvGrpSpPr/>
-          <p:nvPr/>
-        </p:nvGrpSpPr>
-        <p:grpSpPr>
-          <a:xfrm>
-            <a:off x="5899355" y="3296518"/>
-            <a:ext cx="4026310" cy="469925"/>
-            <a:chOff x="808384" y="2167100"/>
-            <a:chExt cx="1764552" cy="727581"/>
-          </a:xfrm>
-        </p:grpSpPr>
-        <p:sp>
-          <p:nvSpPr>
-            <p:cNvPr id="80" name="Rectángulo redondeado 79"/>
-            <p:cNvSpPr/>
-            <p:nvPr/>
-          </p:nvSpPr>
-          <p:spPr>
-            <a:xfrm>
-              <a:off x="808384" y="2167100"/>
-              <a:ext cx="1764552" cy="727581"/>
-            </a:xfrm>
-            <a:prstGeom prst="roundRect">
-              <a:avLst/>
-            </a:prstGeom>
-            <a:ln w="38100">
-              <a:solidFill>
-                <a:schemeClr val="tx1">
-                  <a:lumMod val="75000"/>
-                </a:schemeClr>
-              </a:solidFill>
-            </a:ln>
-          </p:spPr>
-          <p:style>
-            <a:lnRef idx="1">
-              <a:schemeClr val="accent1"/>
-            </a:lnRef>
-            <a:fillRef idx="3">
-              <a:schemeClr val="accent1"/>
-            </a:fillRef>
-            <a:effectRef idx="2">
-              <a:schemeClr val="accent1"/>
-            </a:effectRef>
-            <a:fontRef idx="minor">
-              <a:schemeClr val="lt1"/>
-            </a:fontRef>
-          </p:style>
-          <p:txBody>
-            <a:bodyPr rtlCol="0" anchor="ctr"/>
-            <a:lstStyle/>
-            <a:p>
-              <a:pPr algn="ctr"/>
-              <a:endParaRPr lang="es-ES" dirty="0"/>
-            </a:p>
-          </p:txBody>
-        </p:sp>
-        <p:sp>
-          <p:nvSpPr>
-            <p:cNvPr id="81" name="CuadroTexto 80"/>
-            <p:cNvSpPr txBox="1"/>
-            <p:nvPr/>
-          </p:nvSpPr>
-          <p:spPr>
-            <a:xfrm>
-              <a:off x="899647" y="2276344"/>
-              <a:ext cx="1552873" cy="571834"/>
-            </a:xfrm>
-            <a:prstGeom prst="rect">
-              <a:avLst/>
-            </a:prstGeom>
-            <a:noFill/>
-          </p:spPr>
-          <p:txBody>
-            <a:bodyPr wrap="square" rtlCol="0">
-              <a:spAutoFit/>
-            </a:bodyPr>
-            <a:lstStyle/>
-            <a:p>
-              <a:pPr algn="ctr"/>
-              <a:r>
-                <a:rPr lang="es-AR" dirty="0" smtClean="0"/>
-                <a:t>NORMAS DE DESARROLLO</a:t>
-              </a:r>
-              <a:endParaRPr lang="es-ES" dirty="0"/>
-            </a:p>
-          </p:txBody>
-        </p:sp>
-      </p:grpSp>
-      <p:sp>
-        <p:nvSpPr>
-          <p:cNvPr id="82" name="Rectángulo redondeado 81"/>
-          <p:cNvSpPr/>
-          <p:nvPr/>
-        </p:nvSpPr>
-        <p:spPr>
-          <a:xfrm>
-            <a:off x="3878826" y="4071767"/>
-            <a:ext cx="7698658" cy="736109"/>
-          </a:xfrm>
-          <a:prstGeom prst="roundRect">
-            <a:avLst>
-              <a:gd name="adj" fmla="val 2548"/>
-            </a:avLst>
-          </a:prstGeom>
-          <a:solidFill>
-            <a:schemeClr val="tx2"/>
-          </a:solidFill>
-          <a:ln w="38100"/>
-        </p:spPr>
-        <p:style>
-          <a:lnRef idx="2">
-            <a:schemeClr val="accent1">
-              <a:shade val="50000"/>
-            </a:schemeClr>
-          </a:lnRef>
-          <a:fillRef idx="1">
-            <a:schemeClr val="accent1"/>
-          </a:fillRef>
-          <a:effectRef idx="0">
-            <a:schemeClr val="accent1"/>
-          </a:effectRef>
-          <a:fontRef idx="minor">
-            <a:schemeClr val="lt1"/>
-          </a:fontRef>
-        </p:style>
-        <p:txBody>
-          <a:bodyPr rtlCol="0" anchor="ctr"/>
-          <a:lstStyle/>
-          <a:p>
-            <a:pPr algn="ctr"/>
-            <a:endParaRPr lang="es-ES"/>
-          </a:p>
-        </p:txBody>
-      </p:sp>
-      <p:sp>
-        <p:nvSpPr>
-          <p:cNvPr id="86" name="CuadroTexto 85"/>
+          <p:cNvPr id="99" name="CuadroTexto 98"/>
           <p:cNvSpPr txBox="1"/>
           <p:nvPr/>
         </p:nvSpPr>
         <p:spPr>
           <a:xfrm>
-            <a:off x="891137" y="4225815"/>
-            <a:ext cx="2601188" cy="400110"/>
+            <a:off x="4335360" y="1857452"/>
+            <a:ext cx="3783724" cy="2031325"/>
           </a:xfrm>
           <a:prstGeom prst="rect">
             <a:avLst/>
@@ -26395,23 +24487,71 @@
           </a:bodyPr>
           <a:lstStyle/>
           <a:p>
-            <a:pPr algn="ctr"/>
-            <a:r>
-              <a:rPr lang="es-AR" sz="2000" b="1" dirty="0" smtClean="0">
-                <a:effectLst>
-                  <a:outerShdw blurRad="38100" dist="38100" dir="2700000" algn="tl">
-                    <a:srgbClr val="000000">
-                      <a:alpha val="43137"/>
-                    </a:srgbClr>
-                  </a:outerShdw>
-                </a:effectLst>
-                <a:latin typeface="Segoe UI" panose="020B0502040204020203" pitchFamily="34" charset="0"/>
-                <a:ea typeface="Segoe UI" panose="020B0502040204020203" pitchFamily="34" charset="0"/>
-                <a:cs typeface="Segoe UI" panose="020B0502040204020203" pitchFamily="34" charset="0"/>
+            <a:pPr marL="285750" indent="-285750">
+              <a:buFont typeface="Wingdings" panose="05000000000000000000" pitchFamily="2" charset="2"/>
+              <a:buChar char="ü"/>
+            </a:pPr>
+            <a:r>
+              <a:rPr lang="es-ES" dirty="0" smtClean="0">
+                <a:solidFill>
+                  <a:schemeClr val="tx1">
+                    <a:lumMod val="50000"/>
+                  </a:schemeClr>
+                </a:solidFill>
               </a:rPr>
-              <a:t>MODELADO</a:t>
-            </a:r>
-            <a:endParaRPr lang="es-ES" sz="2000" b="1" dirty="0">
+              <a:t>Horas dedicadas al proyecto</a:t>
+            </a:r>
+          </a:p>
+          <a:p>
+            <a:pPr marL="285750" indent="-285750">
+              <a:buFont typeface="Wingdings" panose="05000000000000000000" pitchFamily="2" charset="2"/>
+              <a:buChar char="ü"/>
+            </a:pPr>
+            <a:endParaRPr lang="es-ES" dirty="0" smtClean="0">
+              <a:solidFill>
+                <a:schemeClr val="tx1">
+                  <a:lumMod val="50000"/>
+                </a:schemeClr>
+              </a:solidFill>
+            </a:endParaRPr>
+          </a:p>
+          <a:p>
+            <a:pPr marL="285750" indent="-285750">
+              <a:buFont typeface="Arial" panose="020B0604020202020204" pitchFamily="34" charset="0"/>
+              <a:buChar char="•"/>
+            </a:pPr>
+            <a:endParaRPr lang="es-ES" dirty="0" smtClean="0">
+              <a:solidFill>
+                <a:schemeClr val="tx1">
+                  <a:lumMod val="50000"/>
+                </a:schemeClr>
+              </a:solidFill>
+            </a:endParaRPr>
+          </a:p>
+          <a:p>
+            <a:pPr marL="285750" indent="-285750">
+              <a:buFont typeface="Arial" panose="020B0604020202020204" pitchFamily="34" charset="0"/>
+              <a:buChar char="•"/>
+            </a:pPr>
+            <a:endParaRPr lang="es-ES" dirty="0" smtClean="0">
+              <a:solidFill>
+                <a:schemeClr val="tx1">
+                  <a:lumMod val="50000"/>
+                </a:schemeClr>
+              </a:solidFill>
+            </a:endParaRPr>
+          </a:p>
+          <a:p>
+            <a:pPr marL="285750" indent="-285750">
+              <a:buFont typeface="Arial" panose="020B0604020202020204" pitchFamily="34" charset="0"/>
+              <a:buChar char="•"/>
+            </a:pPr>
+            <a:endParaRPr lang="es-ES" b="1" dirty="0" smtClean="0">
+              <a:solidFill>
+                <a:schemeClr val="tx1">
+                  <a:lumMod val="50000"/>
+                </a:schemeClr>
+              </a:solidFill>
               <a:effectLst>
                 <a:outerShdw blurRad="38100" dist="38100" dir="2700000" algn="tl">
                   <a:srgbClr val="000000">
@@ -26419,753 +24559,32 @@
                   </a:srgbClr>
                 </a:outerShdw>
               </a:effectLst>
-              <a:latin typeface="Segoe UI" panose="020B0502040204020203" pitchFamily="34" charset="0"/>
-              <a:ea typeface="Segoe UI" panose="020B0502040204020203" pitchFamily="34" charset="0"/>
-              <a:cs typeface="Segoe UI" panose="020B0502040204020203" pitchFamily="34" charset="0"/>
             </a:endParaRPr>
           </a:p>
-        </p:txBody>
-      </p:sp>
-      <p:grpSp>
-        <p:nvGrpSpPr>
-          <p:cNvPr id="87" name="Grupo 86"/>
-          <p:cNvGrpSpPr/>
-          <p:nvPr/>
-        </p:nvGrpSpPr>
-        <p:grpSpPr>
-          <a:xfrm>
-            <a:off x="4096979" y="4172640"/>
-            <a:ext cx="976465" cy="498357"/>
-            <a:chOff x="808384" y="2186609"/>
-            <a:chExt cx="1764552" cy="727581"/>
-          </a:xfrm>
-        </p:grpSpPr>
-        <p:sp>
-          <p:nvSpPr>
-            <p:cNvPr id="88" name="Rectángulo redondeado 87"/>
-            <p:cNvSpPr/>
-            <p:nvPr/>
-          </p:nvSpPr>
-          <p:spPr>
-            <a:xfrm>
-              <a:off x="808384" y="2186609"/>
-              <a:ext cx="1764552" cy="727581"/>
-            </a:xfrm>
-            <a:prstGeom prst="roundRect">
-              <a:avLst/>
-            </a:prstGeom>
-            <a:ln w="38100">
+          <a:p>
+            <a:pPr marL="285750" indent="-285750">
+              <a:buFont typeface="Arial" panose="020B0604020202020204" pitchFamily="34" charset="0"/>
+              <a:buChar char="•"/>
+            </a:pPr>
+            <a:endParaRPr lang="es-ES" dirty="0" smtClean="0">
               <a:solidFill>
                 <a:schemeClr val="tx1">
-                  <a:lumMod val="75000"/>
+                  <a:lumMod val="50000"/>
                 </a:schemeClr>
               </a:solidFill>
-            </a:ln>
-          </p:spPr>
-          <p:style>
-            <a:lnRef idx="1">
-              <a:schemeClr val="accent1"/>
-            </a:lnRef>
-            <a:fillRef idx="3">
-              <a:schemeClr val="accent1"/>
-            </a:fillRef>
-            <a:effectRef idx="2">
-              <a:schemeClr val="accent1"/>
-            </a:effectRef>
-            <a:fontRef idx="minor">
-              <a:schemeClr val="lt1"/>
-            </a:fontRef>
-          </p:style>
-          <p:txBody>
-            <a:bodyPr rtlCol="0" anchor="ctr"/>
-            <a:lstStyle/>
-            <a:p>
-              <a:pPr algn="ctr"/>
-              <a:endParaRPr lang="es-ES" dirty="0"/>
-            </a:p>
-          </p:txBody>
-        </p:sp>
-        <p:sp>
-          <p:nvSpPr>
-            <p:cNvPr id="89" name="CuadroTexto 88"/>
-            <p:cNvSpPr txBox="1"/>
-            <p:nvPr/>
-          </p:nvSpPr>
-          <p:spPr>
-            <a:xfrm>
-              <a:off x="914223" y="2316572"/>
-              <a:ext cx="1552873" cy="539210"/>
-            </a:xfrm>
-            <a:prstGeom prst="rect">
-              <a:avLst/>
-            </a:prstGeom>
-            <a:noFill/>
-          </p:spPr>
-          <p:txBody>
-            <a:bodyPr wrap="square" rtlCol="0">
-              <a:spAutoFit/>
-            </a:bodyPr>
-            <a:lstStyle/>
-            <a:p>
-              <a:pPr algn="ctr"/>
-              <a:r>
-                <a:rPr lang="es-AR" dirty="0" smtClean="0"/>
-                <a:t>DER</a:t>
-              </a:r>
-              <a:endParaRPr lang="es-ES" dirty="0"/>
-            </a:p>
-          </p:txBody>
-        </p:sp>
-      </p:grpSp>
-      <p:grpSp>
-        <p:nvGrpSpPr>
-          <p:cNvPr id="90" name="Grupo 89"/>
-          <p:cNvGrpSpPr/>
-          <p:nvPr/>
-        </p:nvGrpSpPr>
-        <p:grpSpPr>
-          <a:xfrm>
-            <a:off x="5266325" y="4183179"/>
-            <a:ext cx="4039181" cy="735349"/>
-            <a:chOff x="808384" y="2186609"/>
-            <a:chExt cx="1764552" cy="1073580"/>
-          </a:xfrm>
-        </p:grpSpPr>
-        <p:sp>
-          <p:nvSpPr>
-            <p:cNvPr id="91" name="Rectángulo redondeado 90"/>
-            <p:cNvSpPr/>
-            <p:nvPr/>
-          </p:nvSpPr>
-          <p:spPr>
-            <a:xfrm>
-              <a:off x="808384" y="2186609"/>
-              <a:ext cx="1764552" cy="727581"/>
-            </a:xfrm>
-            <a:prstGeom prst="roundRect">
-              <a:avLst/>
-            </a:prstGeom>
-            <a:ln w="38100">
+            </a:endParaRPr>
+          </a:p>
+          <a:p>
+            <a:pPr marL="285750" indent="-285750">
+              <a:buFont typeface="Wingdings" panose="05000000000000000000" pitchFamily="2" charset="2"/>
+              <a:buChar char="ü"/>
+            </a:pPr>
+            <a:endParaRPr lang="es-ES" dirty="0" smtClean="0">
               <a:solidFill>
                 <a:schemeClr val="tx1">
-                  <a:lumMod val="75000"/>
+                  <a:lumMod val="50000"/>
                 </a:schemeClr>
               </a:solidFill>
-            </a:ln>
-          </p:spPr>
-          <p:style>
-            <a:lnRef idx="1">
-              <a:schemeClr val="accent1"/>
-            </a:lnRef>
-            <a:fillRef idx="3">
-              <a:schemeClr val="accent1"/>
-            </a:fillRef>
-            <a:effectRef idx="2">
-              <a:schemeClr val="accent1"/>
-            </a:effectRef>
-            <a:fontRef idx="minor">
-              <a:schemeClr val="lt1"/>
-            </a:fontRef>
-          </p:style>
-          <p:txBody>
-            <a:bodyPr rtlCol="0" anchor="ctr"/>
-            <a:lstStyle/>
-            <a:p>
-              <a:pPr algn="ctr"/>
-              <a:endParaRPr lang="es-ES" dirty="0"/>
-            </a:p>
-          </p:txBody>
-        </p:sp>
-        <p:sp>
-          <p:nvSpPr>
-            <p:cNvPr id="92" name="CuadroTexto 91"/>
-            <p:cNvSpPr txBox="1"/>
-            <p:nvPr/>
-          </p:nvSpPr>
-          <p:spPr>
-            <a:xfrm>
-              <a:off x="914223" y="2316572"/>
-              <a:ext cx="1552873" cy="943617"/>
-            </a:xfrm>
-            <a:prstGeom prst="rect">
-              <a:avLst/>
-            </a:prstGeom>
-            <a:noFill/>
-          </p:spPr>
-          <p:txBody>
-            <a:bodyPr wrap="square" rtlCol="0">
-              <a:spAutoFit/>
-            </a:bodyPr>
-            <a:lstStyle/>
-            <a:p>
-              <a:pPr algn="ctr"/>
-              <a:r>
-                <a:rPr lang="es-AR" dirty="0" smtClean="0"/>
-                <a:t>DOCUMENTO ARQUITECTURA</a:t>
-              </a:r>
-              <a:endParaRPr lang="es-ES" dirty="0"/>
-            </a:p>
-          </p:txBody>
-        </p:sp>
-      </p:grpSp>
-      <p:grpSp>
-        <p:nvGrpSpPr>
-          <p:cNvPr id="96" name="Grupo 95"/>
-          <p:cNvGrpSpPr/>
-          <p:nvPr/>
-        </p:nvGrpSpPr>
-        <p:grpSpPr>
-          <a:xfrm>
-            <a:off x="9446660" y="4172639"/>
-            <a:ext cx="1850602" cy="735349"/>
-            <a:chOff x="808384" y="2186609"/>
-            <a:chExt cx="1764552" cy="1073580"/>
-          </a:xfrm>
-        </p:grpSpPr>
-        <p:sp>
-          <p:nvSpPr>
-            <p:cNvPr id="97" name="Rectángulo redondeado 96"/>
-            <p:cNvSpPr/>
-            <p:nvPr/>
-          </p:nvSpPr>
-          <p:spPr>
-            <a:xfrm>
-              <a:off x="808384" y="2186609"/>
-              <a:ext cx="1764552" cy="727581"/>
-            </a:xfrm>
-            <a:prstGeom prst="roundRect">
-              <a:avLst/>
-            </a:prstGeom>
-            <a:ln w="38100">
-              <a:solidFill>
-                <a:schemeClr val="tx1">
-                  <a:lumMod val="75000"/>
-                </a:schemeClr>
-              </a:solidFill>
-            </a:ln>
-          </p:spPr>
-          <p:style>
-            <a:lnRef idx="1">
-              <a:schemeClr val="accent1"/>
-            </a:lnRef>
-            <a:fillRef idx="3">
-              <a:schemeClr val="accent1"/>
-            </a:fillRef>
-            <a:effectRef idx="2">
-              <a:schemeClr val="accent1"/>
-            </a:effectRef>
-            <a:fontRef idx="minor">
-              <a:schemeClr val="lt1"/>
-            </a:fontRef>
-          </p:style>
-          <p:txBody>
-            <a:bodyPr rtlCol="0" anchor="ctr"/>
-            <a:lstStyle/>
-            <a:p>
-              <a:pPr algn="ctr"/>
-              <a:endParaRPr lang="es-ES" dirty="0"/>
-            </a:p>
-          </p:txBody>
-        </p:sp>
-        <p:sp>
-          <p:nvSpPr>
-            <p:cNvPr id="98" name="CuadroTexto 97"/>
-            <p:cNvSpPr txBox="1"/>
-            <p:nvPr/>
-          </p:nvSpPr>
-          <p:spPr>
-            <a:xfrm>
-              <a:off x="914223" y="2316572"/>
-              <a:ext cx="1552872" cy="943617"/>
-            </a:xfrm>
-            <a:prstGeom prst="rect">
-              <a:avLst/>
-            </a:prstGeom>
-            <a:noFill/>
-          </p:spPr>
-          <p:txBody>
-            <a:bodyPr wrap="square" rtlCol="0">
-              <a:spAutoFit/>
-            </a:bodyPr>
-            <a:lstStyle/>
-            <a:p>
-              <a:pPr algn="ctr"/>
-              <a:r>
-                <a:rPr lang="es-AR" dirty="0" smtClean="0"/>
-                <a:t>MODELOS</a:t>
-              </a:r>
-              <a:endParaRPr lang="es-ES" dirty="0"/>
-            </a:p>
-          </p:txBody>
-        </p:sp>
-      </p:grpSp>
-      <p:sp>
-        <p:nvSpPr>
-          <p:cNvPr id="99" name="Rectángulo redondeado 98"/>
-          <p:cNvSpPr/>
-          <p:nvPr/>
-        </p:nvSpPr>
-        <p:spPr>
-          <a:xfrm>
-            <a:off x="3871800" y="4930579"/>
-            <a:ext cx="7698658" cy="736109"/>
-          </a:xfrm>
-          <a:prstGeom prst="roundRect">
-            <a:avLst>
-              <a:gd name="adj" fmla="val 2548"/>
-            </a:avLst>
-          </a:prstGeom>
-          <a:solidFill>
-            <a:schemeClr val="tx2"/>
-          </a:solidFill>
-          <a:ln w="38100"/>
-        </p:spPr>
-        <p:style>
-          <a:lnRef idx="2">
-            <a:schemeClr val="accent1">
-              <a:shade val="50000"/>
-            </a:schemeClr>
-          </a:lnRef>
-          <a:fillRef idx="1">
-            <a:schemeClr val="accent1"/>
-          </a:fillRef>
-          <a:effectRef idx="0">
-            <a:schemeClr val="accent1"/>
-          </a:effectRef>
-          <a:fontRef idx="minor">
-            <a:schemeClr val="lt1"/>
-          </a:fontRef>
-        </p:style>
-        <p:txBody>
-          <a:bodyPr rtlCol="0" anchor="ctr"/>
-          <a:lstStyle/>
-          <a:p>
-            <a:pPr algn="ctr"/>
-            <a:endParaRPr lang="es-ES"/>
-          </a:p>
-        </p:txBody>
-      </p:sp>
-      <p:grpSp>
-        <p:nvGrpSpPr>
-          <p:cNvPr id="100" name="Grupo 99"/>
-          <p:cNvGrpSpPr/>
-          <p:nvPr/>
-        </p:nvGrpSpPr>
-        <p:grpSpPr>
-          <a:xfrm>
-            <a:off x="4028695" y="5033759"/>
-            <a:ext cx="4221520" cy="469925"/>
-            <a:chOff x="808384" y="2167100"/>
-            <a:chExt cx="1764552" cy="727581"/>
-          </a:xfrm>
-        </p:grpSpPr>
-        <p:sp>
-          <p:nvSpPr>
-            <p:cNvPr id="118" name="Rectángulo redondeado 117"/>
-            <p:cNvSpPr/>
-            <p:nvPr/>
-          </p:nvSpPr>
-          <p:spPr>
-            <a:xfrm>
-              <a:off x="808384" y="2167100"/>
-              <a:ext cx="1764552" cy="727581"/>
-            </a:xfrm>
-            <a:prstGeom prst="roundRect">
-              <a:avLst/>
-            </a:prstGeom>
-            <a:ln w="38100">
-              <a:solidFill>
-                <a:schemeClr val="tx1">
-                  <a:lumMod val="75000"/>
-                </a:schemeClr>
-              </a:solidFill>
-            </a:ln>
-          </p:spPr>
-          <p:style>
-            <a:lnRef idx="1">
-              <a:schemeClr val="accent1"/>
-            </a:lnRef>
-            <a:fillRef idx="3">
-              <a:schemeClr val="accent1"/>
-            </a:fillRef>
-            <a:effectRef idx="2">
-              <a:schemeClr val="accent1"/>
-            </a:effectRef>
-            <a:fontRef idx="minor">
-              <a:schemeClr val="lt1"/>
-            </a:fontRef>
-          </p:style>
-          <p:txBody>
-            <a:bodyPr rtlCol="0" anchor="ctr"/>
-            <a:lstStyle/>
-            <a:p>
-              <a:pPr algn="ctr"/>
-              <a:endParaRPr lang="es-ES" dirty="0"/>
-            </a:p>
-          </p:txBody>
-        </p:sp>
-        <p:sp>
-          <p:nvSpPr>
-            <p:cNvPr id="125" name="CuadroTexto 124"/>
-            <p:cNvSpPr txBox="1"/>
-            <p:nvPr/>
-          </p:nvSpPr>
-          <p:spPr>
-            <a:xfrm>
-              <a:off x="887527" y="2276344"/>
-              <a:ext cx="1643072" cy="571834"/>
-            </a:xfrm>
-            <a:prstGeom prst="rect">
-              <a:avLst/>
-            </a:prstGeom>
-            <a:noFill/>
-          </p:spPr>
-          <p:txBody>
-            <a:bodyPr wrap="square" rtlCol="0">
-              <a:spAutoFit/>
-            </a:bodyPr>
-            <a:lstStyle/>
-            <a:p>
-              <a:pPr algn="ctr"/>
-              <a:r>
-                <a:rPr lang="es-AR" dirty="0" smtClean="0"/>
-                <a:t>CASOS DE PRUEBA FUNCIONALES</a:t>
-              </a:r>
-              <a:endParaRPr lang="es-ES" dirty="0"/>
-            </a:p>
-          </p:txBody>
-        </p:sp>
-      </p:grpSp>
-      <p:sp>
-        <p:nvSpPr>
-          <p:cNvPr id="126" name="Rectángulo redondeado 125"/>
-          <p:cNvSpPr/>
-          <p:nvPr/>
-        </p:nvSpPr>
-        <p:spPr>
-          <a:xfrm>
-            <a:off x="3871800" y="5810604"/>
-            <a:ext cx="7698658" cy="736109"/>
-          </a:xfrm>
-          <a:prstGeom prst="roundRect">
-            <a:avLst>
-              <a:gd name="adj" fmla="val 2548"/>
-            </a:avLst>
-          </a:prstGeom>
-          <a:solidFill>
-            <a:schemeClr val="tx2"/>
-          </a:solidFill>
-          <a:ln w="38100"/>
-        </p:spPr>
-        <p:style>
-          <a:lnRef idx="2">
-            <a:schemeClr val="accent1">
-              <a:shade val="50000"/>
-            </a:schemeClr>
-          </a:lnRef>
-          <a:fillRef idx="1">
-            <a:schemeClr val="accent1"/>
-          </a:fillRef>
-          <a:effectRef idx="0">
-            <a:schemeClr val="accent1"/>
-          </a:effectRef>
-          <a:fontRef idx="minor">
-            <a:schemeClr val="lt1"/>
-          </a:fontRef>
-        </p:style>
-        <p:txBody>
-          <a:bodyPr rtlCol="0" anchor="ctr"/>
-          <a:lstStyle/>
-          <a:p>
-            <a:pPr algn="ctr"/>
-            <a:endParaRPr lang="es-ES"/>
-          </a:p>
-        </p:txBody>
-      </p:sp>
-      <p:grpSp>
-        <p:nvGrpSpPr>
-          <p:cNvPr id="131" name="Grupo 130"/>
-          <p:cNvGrpSpPr/>
-          <p:nvPr/>
-        </p:nvGrpSpPr>
-        <p:grpSpPr>
-          <a:xfrm>
-            <a:off x="5259299" y="5922016"/>
-            <a:ext cx="4435848" cy="498357"/>
-            <a:chOff x="808384" y="2186609"/>
-            <a:chExt cx="1764552" cy="727581"/>
-          </a:xfrm>
-        </p:grpSpPr>
-        <p:sp>
-          <p:nvSpPr>
-            <p:cNvPr id="132" name="Rectángulo redondeado 131"/>
-            <p:cNvSpPr/>
-            <p:nvPr/>
-          </p:nvSpPr>
-          <p:spPr>
-            <a:xfrm>
-              <a:off x="808384" y="2186609"/>
-              <a:ext cx="1764552" cy="727581"/>
-            </a:xfrm>
-            <a:prstGeom prst="roundRect">
-              <a:avLst/>
-            </a:prstGeom>
-            <a:ln w="38100">
-              <a:solidFill>
-                <a:schemeClr val="tx1">
-                  <a:lumMod val="75000"/>
-                </a:schemeClr>
-              </a:solidFill>
-            </a:ln>
-          </p:spPr>
-          <p:style>
-            <a:lnRef idx="1">
-              <a:schemeClr val="accent1"/>
-            </a:lnRef>
-            <a:fillRef idx="3">
-              <a:schemeClr val="accent1"/>
-            </a:fillRef>
-            <a:effectRef idx="2">
-              <a:schemeClr val="accent1"/>
-            </a:effectRef>
-            <a:fontRef idx="minor">
-              <a:schemeClr val="lt1"/>
-            </a:fontRef>
-          </p:style>
-          <p:txBody>
-            <a:bodyPr rtlCol="0" anchor="ctr"/>
-            <a:lstStyle/>
-            <a:p>
-              <a:pPr algn="ctr"/>
-              <a:endParaRPr lang="es-ES" dirty="0"/>
-            </a:p>
-          </p:txBody>
-        </p:sp>
-        <p:sp>
-          <p:nvSpPr>
-            <p:cNvPr id="133" name="CuadroTexto 132"/>
-            <p:cNvSpPr txBox="1"/>
-            <p:nvPr/>
-          </p:nvSpPr>
-          <p:spPr>
-            <a:xfrm>
-              <a:off x="914223" y="2316572"/>
-              <a:ext cx="1552873" cy="539210"/>
-            </a:xfrm>
-            <a:prstGeom prst="rect">
-              <a:avLst/>
-            </a:prstGeom>
-            <a:noFill/>
-          </p:spPr>
-          <p:txBody>
-            <a:bodyPr wrap="square" rtlCol="0">
-              <a:spAutoFit/>
-            </a:bodyPr>
-            <a:lstStyle/>
-            <a:p>
-              <a:pPr algn="ctr"/>
-              <a:r>
-                <a:rPr lang="es-AR" dirty="0" smtClean="0"/>
-                <a:t>ESBOZO MANUAL DE USUARIO</a:t>
-              </a:r>
-              <a:endParaRPr lang="es-ES" dirty="0"/>
-            </a:p>
-          </p:txBody>
-        </p:sp>
-      </p:grpSp>
-      <p:sp>
-        <p:nvSpPr>
-          <p:cNvPr id="138" name="CuadroTexto 137"/>
-          <p:cNvSpPr txBox="1"/>
-          <p:nvPr/>
-        </p:nvSpPr>
-        <p:spPr>
-          <a:xfrm>
-            <a:off x="891988" y="5105913"/>
-            <a:ext cx="2601188" cy="400110"/>
-          </a:xfrm>
-          <a:prstGeom prst="rect">
-            <a:avLst/>
-          </a:prstGeom>
-          <a:noFill/>
-        </p:spPr>
-        <p:txBody>
-          <a:bodyPr wrap="square" rtlCol="0">
-            <a:spAutoFit/>
-          </a:bodyPr>
-          <a:lstStyle/>
-          <a:p>
-            <a:pPr algn="ctr"/>
-            <a:r>
-              <a:rPr lang="es-AR" sz="2000" b="1" dirty="0" smtClean="0">
-                <a:effectLst>
-                  <a:outerShdw blurRad="38100" dist="38100" dir="2700000" algn="tl">
-                    <a:srgbClr val="000000">
-                      <a:alpha val="43137"/>
-                    </a:srgbClr>
-                  </a:outerShdw>
-                </a:effectLst>
-                <a:latin typeface="Segoe UI" panose="020B0502040204020203" pitchFamily="34" charset="0"/>
-                <a:ea typeface="Segoe UI" panose="020B0502040204020203" pitchFamily="34" charset="0"/>
-                <a:cs typeface="Segoe UI" panose="020B0502040204020203" pitchFamily="34" charset="0"/>
-              </a:rPr>
-              <a:t>TESTING</a:t>
-            </a:r>
-            <a:endParaRPr lang="es-ES" sz="2000" b="1" dirty="0">
-              <a:effectLst>
-                <a:outerShdw blurRad="38100" dist="38100" dir="2700000" algn="tl">
-                  <a:srgbClr val="000000">
-                    <a:alpha val="43137"/>
-                  </a:srgbClr>
-                </a:outerShdw>
-              </a:effectLst>
-              <a:latin typeface="Segoe UI" panose="020B0502040204020203" pitchFamily="34" charset="0"/>
-              <a:ea typeface="Segoe UI" panose="020B0502040204020203" pitchFamily="34" charset="0"/>
-              <a:cs typeface="Segoe UI" panose="020B0502040204020203" pitchFamily="34" charset="0"/>
-            </a:endParaRPr>
-          </a:p>
-        </p:txBody>
-      </p:sp>
-      <p:grpSp>
-        <p:nvGrpSpPr>
-          <p:cNvPr id="139" name="Grupo 138"/>
-          <p:cNvGrpSpPr/>
-          <p:nvPr/>
-        </p:nvGrpSpPr>
-        <p:grpSpPr>
-          <a:xfrm>
-            <a:off x="8446158" y="5022294"/>
-            <a:ext cx="2871313" cy="716889"/>
-            <a:chOff x="808384" y="2167100"/>
-            <a:chExt cx="1764552" cy="1109953"/>
-          </a:xfrm>
-        </p:grpSpPr>
-        <p:sp>
-          <p:nvSpPr>
-            <p:cNvPr id="140" name="Rectángulo redondeado 139"/>
-            <p:cNvSpPr/>
-            <p:nvPr/>
-          </p:nvSpPr>
-          <p:spPr>
-            <a:xfrm>
-              <a:off x="808384" y="2167100"/>
-              <a:ext cx="1764552" cy="727581"/>
-            </a:xfrm>
-            <a:prstGeom prst="roundRect">
-              <a:avLst/>
-            </a:prstGeom>
-            <a:ln w="38100">
-              <a:solidFill>
-                <a:schemeClr val="tx1">
-                  <a:lumMod val="75000"/>
-                </a:schemeClr>
-              </a:solidFill>
-            </a:ln>
-          </p:spPr>
-          <p:style>
-            <a:lnRef idx="1">
-              <a:schemeClr val="accent1"/>
-            </a:lnRef>
-            <a:fillRef idx="3">
-              <a:schemeClr val="accent1"/>
-            </a:fillRef>
-            <a:effectRef idx="2">
-              <a:schemeClr val="accent1"/>
-            </a:effectRef>
-            <a:fontRef idx="minor">
-              <a:schemeClr val="lt1"/>
-            </a:fontRef>
-          </p:style>
-          <p:txBody>
-            <a:bodyPr rtlCol="0" anchor="ctr"/>
-            <a:lstStyle/>
-            <a:p>
-              <a:pPr algn="ctr"/>
-              <a:endParaRPr lang="es-ES" dirty="0"/>
-            </a:p>
-          </p:txBody>
-        </p:sp>
-        <p:sp>
-          <p:nvSpPr>
-            <p:cNvPr id="141" name="CuadroTexto 140"/>
-            <p:cNvSpPr txBox="1"/>
-            <p:nvPr/>
-          </p:nvSpPr>
-          <p:spPr>
-            <a:xfrm>
-              <a:off x="899647" y="2276344"/>
-              <a:ext cx="1552873" cy="1000709"/>
-            </a:xfrm>
-            <a:prstGeom prst="rect">
-              <a:avLst/>
-            </a:prstGeom>
-            <a:noFill/>
-          </p:spPr>
-          <p:txBody>
-            <a:bodyPr wrap="square" rtlCol="0">
-              <a:spAutoFit/>
-            </a:bodyPr>
-            <a:lstStyle/>
-            <a:p>
-              <a:pPr algn="ctr"/>
-              <a:r>
-                <a:rPr lang="es-AR" dirty="0" smtClean="0"/>
-                <a:t>RESULTADOS TESTING</a:t>
-              </a:r>
-              <a:endParaRPr lang="es-ES" dirty="0"/>
-            </a:p>
-          </p:txBody>
-        </p:sp>
-      </p:grpSp>
-      <p:sp>
-        <p:nvSpPr>
-          <p:cNvPr id="145" name="CuadroTexto 144"/>
-          <p:cNvSpPr txBox="1"/>
-          <p:nvPr/>
-        </p:nvSpPr>
-        <p:spPr>
-          <a:xfrm>
-            <a:off x="831463" y="5852484"/>
-            <a:ext cx="2601188" cy="707886"/>
-          </a:xfrm>
-          <a:prstGeom prst="rect">
-            <a:avLst/>
-          </a:prstGeom>
-          <a:noFill/>
-        </p:spPr>
-        <p:txBody>
-          <a:bodyPr wrap="square" rtlCol="0">
-            <a:spAutoFit/>
-          </a:bodyPr>
-          <a:lstStyle/>
-          <a:p>
-            <a:pPr algn="ctr"/>
-            <a:r>
-              <a:rPr lang="es-AR" sz="2000" b="1" dirty="0" smtClean="0">
-                <a:effectLst>
-                  <a:outerShdw blurRad="38100" dist="38100" dir="2700000" algn="tl">
-                    <a:srgbClr val="000000">
-                      <a:alpha val="43137"/>
-                    </a:srgbClr>
-                  </a:outerShdw>
-                </a:effectLst>
-                <a:latin typeface="Segoe UI" panose="020B0502040204020203" pitchFamily="34" charset="0"/>
-                <a:ea typeface="Segoe UI" panose="020B0502040204020203" pitchFamily="34" charset="0"/>
-                <a:cs typeface="Segoe UI" panose="020B0502040204020203" pitchFamily="34" charset="0"/>
-              </a:rPr>
-              <a:t>MANUAL DE USUARIO</a:t>
-            </a:r>
-            <a:endParaRPr lang="es-ES" sz="2000" b="1" dirty="0">
-              <a:effectLst>
-                <a:outerShdw blurRad="38100" dist="38100" dir="2700000" algn="tl">
-                  <a:srgbClr val="000000">
-                    <a:alpha val="43137"/>
-                  </a:srgbClr>
-                </a:outerShdw>
-              </a:effectLst>
-              <a:latin typeface="Segoe UI" panose="020B0502040204020203" pitchFamily="34" charset="0"/>
-              <a:ea typeface="Segoe UI" panose="020B0502040204020203" pitchFamily="34" charset="0"/>
-              <a:cs typeface="Segoe UI" panose="020B0502040204020203" pitchFamily="34" charset="0"/>
             </a:endParaRPr>
           </a:p>
         </p:txBody>
@@ -27173,32 +24592,16 @@
     </p:spTree>
     <p:extLst>
       <p:ext uri="{BB962C8B-B14F-4D97-AF65-F5344CB8AC3E}">
-        <p14:creationId xmlns:p14="http://schemas.microsoft.com/office/powerpoint/2010/main" val="3413739198"/>
+        <p14:creationId xmlns:p14="http://schemas.microsoft.com/office/powerpoint/2010/main" val="2906716954"/>
       </p:ext>
     </p:extLst>
   </p:cSld>
   <p:clrMapOvr>
     <a:masterClrMapping/>
   </p:clrMapOvr>
-  <mc:AlternateContent xmlns:mc="http://schemas.openxmlformats.org/markup-compatibility/2006" xmlns:p14="http://schemas.microsoft.com/office/powerpoint/2010/main">
-    <mc:Choice Requires="p14">
-      <p:transition spd="slow" p14:dur="800">
-        <p14:flythrough/>
-      </p:transition>
-    </mc:Choice>
-    <mc:Fallback xmlns="">
-      <p:transition spd="slow">
-        <p:fade/>
-      </p:transition>
-    </mc:Fallback>
-  </mc:AlternateContent>
-  <p:timing>
-    <p:tnLst>
-      <p:par>
-        <p:cTn id="1" dur="indefinite" restart="never" nodeType="tmRoot"/>
-      </p:par>
-    </p:tnLst>
-  </p:timing>
+  <p:transition spd="med">
+    <p:fade/>
+  </p:transition>
 </p:sld>
 </file>
 
@@ -27696,15 +25099,7 @@
                   <a:schemeClr val="bg1"/>
                 </a:solidFill>
               </a:rPr>
-              <a:t>Le deberíamos haber dado más importancia a las inspecciones de </a:t>
-            </a:r>
-            <a:r>
-              <a:rPr lang="es-AR" sz="1600" b="1" smtClean="0">
-                <a:solidFill>
-                  <a:schemeClr val="bg1"/>
-                </a:solidFill>
-              </a:rPr>
-              <a:t>código.</a:t>
+              <a:t>Le deberíamos haber dado más importancia a las inspecciones de código.</a:t>
             </a:r>
             <a:endParaRPr lang="es-AR" sz="1600" b="1" dirty="0">
               <a:solidFill>
@@ -27829,13 +25224,13 @@
   <p:clrMapOvr>
     <a:masterClrMapping/>
   </p:clrMapOvr>
-  <mc:AlternateContent xmlns:mc="http://schemas.openxmlformats.org/markup-compatibility/2006">
-    <mc:Choice xmlns:p14="http://schemas.microsoft.com/office/powerpoint/2010/main" Requires="p14">
+  <mc:AlternateContent xmlns:mc="http://schemas.openxmlformats.org/markup-compatibility/2006" xmlns:p14="http://schemas.microsoft.com/office/powerpoint/2010/main">
+    <mc:Choice Requires="p14">
       <p:transition spd="slow" p14:dur="800">
         <p14:flythrough/>
       </p:transition>
     </mc:Choice>
-    <mc:Fallback>
+    <mc:Fallback xmlns="">
       <p:transition spd="slow">
         <p:fade/>
       </p:transition>

--- a/trunk/Documentacion/Presentación Regularidad/Presentación Regularidad.pptx
+++ b/trunk/Documentacion/Presentación Regularidad/Presentación Regularidad.pptx
@@ -5,7 +5,7 @@
     <p:sldMasterId id="2147484788" r:id="rId1"/>
   </p:sldMasterIdLst>
   <p:notesMasterIdLst>
-    <p:notesMasterId r:id="rId13"/>
+    <p:notesMasterId r:id="rId12"/>
   </p:notesMasterIdLst>
   <p:sldIdLst>
     <p:sldId id="297" r:id="rId2"/>
@@ -16,9 +16,8 @@
     <p:sldId id="302" r:id="rId7"/>
     <p:sldId id="303" r:id="rId8"/>
     <p:sldId id="305" r:id="rId9"/>
-    <p:sldId id="304" r:id="rId10"/>
-    <p:sldId id="282" r:id="rId11"/>
-    <p:sldId id="274" r:id="rId12"/>
+    <p:sldId id="282" r:id="rId10"/>
+    <p:sldId id="274" r:id="rId11"/>
   </p:sldIdLst>
   <p:sldSz cx="12192000" cy="6858000"/>
   <p:notesSz cx="6858000" cy="9144000"/>
@@ -895,6 +894,925 @@
 </dgm:colorsDef>
 </file>
 
+<file path=ppt/diagrams/colors2.xml><?xml version="1.0" encoding="utf-8"?>
+<dgm:colorsDef xmlns:dgm="http://schemas.openxmlformats.org/drawingml/2006/diagram" xmlns:a="http://schemas.openxmlformats.org/drawingml/2006/main" uniqueId="urn:microsoft.com/office/officeart/2005/8/colors/colorful1">
+  <dgm:title val=""/>
+  <dgm:desc val=""/>
+  <dgm:catLst>
+    <dgm:cat type="colorful" pri="10100"/>
+  </dgm:catLst>
+  <dgm:styleLbl name="node0">
+    <dgm:fillClrLst meth="repeat">
+      <a:schemeClr val="accent1"/>
+    </dgm:fillClrLst>
+    <dgm:linClrLst meth="repeat">
+      <a:schemeClr val="lt1"/>
+    </dgm:linClrLst>
+    <dgm:effectClrLst/>
+    <dgm:txLinClrLst/>
+    <dgm:txFillClrLst/>
+    <dgm:txEffectClrLst/>
+  </dgm:styleLbl>
+  <dgm:styleLbl name="node1">
+    <dgm:fillClrLst meth="repeat">
+      <a:schemeClr val="accent2"/>
+      <a:schemeClr val="accent3"/>
+      <a:schemeClr val="accent4"/>
+      <a:schemeClr val="accent5"/>
+      <a:schemeClr val="accent6"/>
+    </dgm:fillClrLst>
+    <dgm:linClrLst meth="repeat">
+      <a:schemeClr val="lt1"/>
+    </dgm:linClrLst>
+    <dgm:effectClrLst/>
+    <dgm:txLinClrLst/>
+    <dgm:txFillClrLst/>
+    <dgm:txEffectClrLst/>
+  </dgm:styleLbl>
+  <dgm:styleLbl name="alignNode1">
+    <dgm:fillClrLst meth="repeat">
+      <a:schemeClr val="accent2"/>
+      <a:schemeClr val="accent3"/>
+      <a:schemeClr val="accent4"/>
+      <a:schemeClr val="accent5"/>
+      <a:schemeClr val="accent6"/>
+    </dgm:fillClrLst>
+    <dgm:linClrLst meth="repeat">
+      <a:schemeClr val="accent2"/>
+      <a:schemeClr val="accent3"/>
+      <a:schemeClr val="accent4"/>
+      <a:schemeClr val="accent5"/>
+      <a:schemeClr val="accent6"/>
+    </dgm:linClrLst>
+    <dgm:effectClrLst/>
+    <dgm:txLinClrLst/>
+    <dgm:txFillClrLst/>
+    <dgm:txEffectClrLst/>
+  </dgm:styleLbl>
+  <dgm:styleLbl name="lnNode1">
+    <dgm:fillClrLst meth="repeat">
+      <a:schemeClr val="accent2"/>
+      <a:schemeClr val="accent3"/>
+      <a:schemeClr val="accent4"/>
+      <a:schemeClr val="accent5"/>
+      <a:schemeClr val="accent6"/>
+    </dgm:fillClrLst>
+    <dgm:linClrLst meth="repeat">
+      <a:schemeClr val="lt1"/>
+    </dgm:linClrLst>
+    <dgm:effectClrLst/>
+    <dgm:txLinClrLst/>
+    <dgm:txFillClrLst/>
+    <dgm:txEffectClrLst/>
+  </dgm:styleLbl>
+  <dgm:styleLbl name="vennNode1">
+    <dgm:fillClrLst meth="repeat">
+      <a:schemeClr val="accent2">
+        <a:alpha val="50000"/>
+      </a:schemeClr>
+      <a:schemeClr val="accent3">
+        <a:alpha val="50000"/>
+      </a:schemeClr>
+      <a:schemeClr val="accent4">
+        <a:alpha val="50000"/>
+      </a:schemeClr>
+      <a:schemeClr val="accent5">
+        <a:alpha val="50000"/>
+      </a:schemeClr>
+      <a:schemeClr val="accent6">
+        <a:alpha val="50000"/>
+      </a:schemeClr>
+    </dgm:fillClrLst>
+    <dgm:linClrLst meth="repeat">
+      <a:schemeClr val="lt1"/>
+    </dgm:linClrLst>
+    <dgm:effectClrLst/>
+    <dgm:txLinClrLst/>
+    <dgm:txFillClrLst/>
+    <dgm:txEffectClrLst/>
+  </dgm:styleLbl>
+  <dgm:styleLbl name="node2">
+    <dgm:fillClrLst>
+      <a:schemeClr val="accent2"/>
+    </dgm:fillClrLst>
+    <dgm:linClrLst meth="repeat">
+      <a:schemeClr val="lt1"/>
+    </dgm:linClrLst>
+    <dgm:effectClrLst/>
+    <dgm:txLinClrLst/>
+    <dgm:txFillClrLst/>
+    <dgm:txEffectClrLst/>
+  </dgm:styleLbl>
+  <dgm:styleLbl name="node3">
+    <dgm:fillClrLst>
+      <a:schemeClr val="accent3"/>
+    </dgm:fillClrLst>
+    <dgm:linClrLst meth="repeat">
+      <a:schemeClr val="lt1"/>
+    </dgm:linClrLst>
+    <dgm:effectClrLst/>
+    <dgm:txLinClrLst/>
+    <dgm:txFillClrLst/>
+    <dgm:txEffectClrLst/>
+  </dgm:styleLbl>
+  <dgm:styleLbl name="node4">
+    <dgm:fillClrLst>
+      <a:schemeClr val="accent4"/>
+    </dgm:fillClrLst>
+    <dgm:linClrLst meth="repeat">
+      <a:schemeClr val="lt1"/>
+    </dgm:linClrLst>
+    <dgm:effectClrLst/>
+    <dgm:txLinClrLst/>
+    <dgm:txFillClrLst/>
+    <dgm:txEffectClrLst/>
+  </dgm:styleLbl>
+  <dgm:styleLbl name="fgImgPlace1">
+    <dgm:fillClrLst meth="repeat">
+      <a:schemeClr val="accent2">
+        <a:tint val="50000"/>
+      </a:schemeClr>
+      <a:schemeClr val="accent3">
+        <a:tint val="50000"/>
+      </a:schemeClr>
+      <a:schemeClr val="accent4">
+        <a:tint val="50000"/>
+      </a:schemeClr>
+      <a:schemeClr val="accent5">
+        <a:tint val="50000"/>
+      </a:schemeClr>
+      <a:schemeClr val="accent6">
+        <a:tint val="50000"/>
+      </a:schemeClr>
+    </dgm:fillClrLst>
+    <dgm:linClrLst meth="repeat">
+      <a:schemeClr val="lt1"/>
+    </dgm:linClrLst>
+    <dgm:effectClrLst/>
+    <dgm:txLinClrLst/>
+    <dgm:txFillClrLst meth="repeat">
+      <a:schemeClr val="lt1"/>
+    </dgm:txFillClrLst>
+    <dgm:txEffectClrLst/>
+  </dgm:styleLbl>
+  <dgm:styleLbl name="alignImgPlace1">
+    <dgm:fillClrLst>
+      <a:schemeClr val="accent1">
+        <a:tint val="50000"/>
+      </a:schemeClr>
+      <a:schemeClr val="accent2">
+        <a:tint val="20000"/>
+      </a:schemeClr>
+    </dgm:fillClrLst>
+    <dgm:linClrLst meth="repeat">
+      <a:schemeClr val="lt1"/>
+    </dgm:linClrLst>
+    <dgm:effectClrLst/>
+    <dgm:txLinClrLst/>
+    <dgm:txFillClrLst meth="repeat">
+      <a:schemeClr val="lt1"/>
+    </dgm:txFillClrLst>
+    <dgm:txEffectClrLst/>
+  </dgm:styleLbl>
+  <dgm:styleLbl name="bgImgPlace1">
+    <dgm:fillClrLst>
+      <a:schemeClr val="accent1">
+        <a:tint val="50000"/>
+      </a:schemeClr>
+      <a:schemeClr val="accent2">
+        <a:tint val="20000"/>
+      </a:schemeClr>
+    </dgm:fillClrLst>
+    <dgm:linClrLst meth="repeat">
+      <a:schemeClr val="lt1"/>
+    </dgm:linClrLst>
+    <dgm:effectClrLst/>
+    <dgm:txLinClrLst/>
+    <dgm:txFillClrLst meth="repeat">
+      <a:schemeClr val="lt1"/>
+    </dgm:txFillClrLst>
+    <dgm:txEffectClrLst/>
+  </dgm:styleLbl>
+  <dgm:styleLbl name="sibTrans2D1">
+    <dgm:fillClrLst meth="repeat">
+      <a:schemeClr val="accent2"/>
+      <a:schemeClr val="accent3"/>
+      <a:schemeClr val="accent4"/>
+      <a:schemeClr val="accent5"/>
+      <a:schemeClr val="accent6"/>
+    </dgm:fillClrLst>
+    <dgm:linClrLst meth="cycle">
+      <a:schemeClr val="lt1"/>
+    </dgm:linClrLst>
+    <dgm:effectClrLst/>
+    <dgm:txLinClrLst/>
+    <dgm:txFillClrLst/>
+    <dgm:txEffectClrLst/>
+  </dgm:styleLbl>
+  <dgm:styleLbl name="fgSibTrans2D1">
+    <dgm:fillClrLst meth="repeat">
+      <a:schemeClr val="accent2"/>
+      <a:schemeClr val="accent3"/>
+      <a:schemeClr val="accent4"/>
+      <a:schemeClr val="accent5"/>
+      <a:schemeClr val="accent6"/>
+    </dgm:fillClrLst>
+    <dgm:linClrLst meth="cycle">
+      <a:schemeClr val="lt1"/>
+    </dgm:linClrLst>
+    <dgm:effectClrLst/>
+    <dgm:txLinClrLst/>
+    <dgm:txFillClrLst meth="repeat">
+      <a:schemeClr val="lt1"/>
+    </dgm:txFillClrLst>
+    <dgm:txEffectClrLst/>
+  </dgm:styleLbl>
+  <dgm:styleLbl name="bgSibTrans2D1">
+    <dgm:fillClrLst meth="repeat">
+      <a:schemeClr val="accent2"/>
+      <a:schemeClr val="accent3"/>
+      <a:schemeClr val="accent4"/>
+      <a:schemeClr val="accent5"/>
+      <a:schemeClr val="accent6"/>
+    </dgm:fillClrLst>
+    <dgm:linClrLst meth="cycle">
+      <a:schemeClr val="lt1"/>
+    </dgm:linClrLst>
+    <dgm:effectClrLst/>
+    <dgm:txLinClrLst/>
+    <dgm:txFillClrLst meth="repeat">
+      <a:schemeClr val="lt1"/>
+    </dgm:txFillClrLst>
+    <dgm:txEffectClrLst/>
+  </dgm:styleLbl>
+  <dgm:styleLbl name="sibTrans1D1">
+    <dgm:fillClrLst meth="repeat">
+      <a:schemeClr val="accent2"/>
+      <a:schemeClr val="accent3"/>
+      <a:schemeClr val="accent4"/>
+      <a:schemeClr val="accent5"/>
+      <a:schemeClr val="accent6"/>
+    </dgm:fillClrLst>
+    <dgm:linClrLst meth="repeat">
+      <a:schemeClr val="accent2"/>
+      <a:schemeClr val="accent3"/>
+      <a:schemeClr val="accent4"/>
+      <a:schemeClr val="accent5"/>
+      <a:schemeClr val="accent6"/>
+    </dgm:linClrLst>
+    <dgm:effectClrLst/>
+    <dgm:txLinClrLst/>
+    <dgm:txFillClrLst meth="repeat">
+      <a:schemeClr val="tx1"/>
+    </dgm:txFillClrLst>
+    <dgm:txEffectClrLst/>
+  </dgm:styleLbl>
+  <dgm:styleLbl name="callout">
+    <dgm:fillClrLst meth="repeat">
+      <a:schemeClr val="accent2"/>
+    </dgm:fillClrLst>
+    <dgm:linClrLst meth="repeat">
+      <a:schemeClr val="accent2">
+        <a:tint val="50000"/>
+      </a:schemeClr>
+    </dgm:linClrLst>
+    <dgm:effectClrLst/>
+    <dgm:txLinClrLst/>
+    <dgm:txFillClrLst meth="repeat">
+      <a:schemeClr val="tx1"/>
+    </dgm:txFillClrLst>
+    <dgm:txEffectClrLst/>
+  </dgm:styleLbl>
+  <dgm:styleLbl name="asst0">
+    <dgm:fillClrLst meth="repeat">
+      <a:schemeClr val="accent1"/>
+    </dgm:fillClrLst>
+    <dgm:linClrLst meth="repeat">
+      <a:schemeClr val="lt1"/>
+    </dgm:linClrLst>
+    <dgm:effectClrLst/>
+    <dgm:txLinClrLst/>
+    <dgm:txFillClrLst/>
+    <dgm:txEffectClrLst/>
+  </dgm:styleLbl>
+  <dgm:styleLbl name="asst1">
+    <dgm:fillClrLst meth="repeat">
+      <a:schemeClr val="accent2"/>
+    </dgm:fillClrLst>
+    <dgm:linClrLst meth="repeat">
+      <a:schemeClr val="lt1"/>
+    </dgm:linClrLst>
+    <dgm:effectClrLst/>
+    <dgm:txLinClrLst/>
+    <dgm:txFillClrLst/>
+    <dgm:txEffectClrLst/>
+  </dgm:styleLbl>
+  <dgm:styleLbl name="asst2">
+    <dgm:fillClrLst>
+      <a:schemeClr val="accent3"/>
+    </dgm:fillClrLst>
+    <dgm:linClrLst meth="repeat">
+      <a:schemeClr val="lt1"/>
+    </dgm:linClrLst>
+    <dgm:effectClrLst/>
+    <dgm:txLinClrLst/>
+    <dgm:txFillClrLst/>
+    <dgm:txEffectClrLst/>
+  </dgm:styleLbl>
+  <dgm:styleLbl name="asst3">
+    <dgm:fillClrLst>
+      <a:schemeClr val="accent4"/>
+    </dgm:fillClrLst>
+    <dgm:linClrLst meth="repeat">
+      <a:schemeClr val="lt1"/>
+    </dgm:linClrLst>
+    <dgm:effectClrLst/>
+    <dgm:txLinClrLst/>
+    <dgm:txFillClrLst/>
+    <dgm:txEffectClrLst/>
+  </dgm:styleLbl>
+  <dgm:styleLbl name="asst4">
+    <dgm:fillClrLst>
+      <a:schemeClr val="accent5"/>
+    </dgm:fillClrLst>
+    <dgm:linClrLst meth="repeat">
+      <a:schemeClr val="lt1"/>
+    </dgm:linClrLst>
+    <dgm:effectClrLst/>
+    <dgm:txLinClrLst/>
+    <dgm:txFillClrLst/>
+    <dgm:txEffectClrLst/>
+  </dgm:styleLbl>
+  <dgm:styleLbl name="parChTrans2D1">
+    <dgm:fillClrLst meth="repeat">
+      <a:schemeClr val="accent2"/>
+    </dgm:fillClrLst>
+    <dgm:linClrLst meth="repeat">
+      <a:schemeClr val="lt1"/>
+    </dgm:linClrLst>
+    <dgm:effectClrLst/>
+    <dgm:txLinClrLst/>
+    <dgm:txFillClrLst meth="repeat">
+      <a:schemeClr val="lt1"/>
+    </dgm:txFillClrLst>
+    <dgm:txEffectClrLst/>
+  </dgm:styleLbl>
+  <dgm:styleLbl name="parChTrans2D2">
+    <dgm:fillClrLst meth="repeat">
+      <a:schemeClr val="accent3"/>
+    </dgm:fillClrLst>
+    <dgm:linClrLst meth="repeat">
+      <a:schemeClr val="lt1"/>
+    </dgm:linClrLst>
+    <dgm:effectClrLst/>
+    <dgm:txLinClrLst/>
+    <dgm:txFillClrLst/>
+    <dgm:txEffectClrLst/>
+  </dgm:styleLbl>
+  <dgm:styleLbl name="parChTrans2D3">
+    <dgm:fillClrLst meth="repeat">
+      <a:schemeClr val="accent4"/>
+    </dgm:fillClrLst>
+    <dgm:linClrLst meth="repeat">
+      <a:schemeClr val="lt1"/>
+    </dgm:linClrLst>
+    <dgm:effectClrLst/>
+    <dgm:txLinClrLst/>
+    <dgm:txFillClrLst/>
+    <dgm:txEffectClrLst/>
+  </dgm:styleLbl>
+  <dgm:styleLbl name="parChTrans2D4">
+    <dgm:fillClrLst meth="repeat">
+      <a:schemeClr val="accent5"/>
+    </dgm:fillClrLst>
+    <dgm:linClrLst meth="repeat">
+      <a:schemeClr val="lt1"/>
+    </dgm:linClrLst>
+    <dgm:effectClrLst/>
+    <dgm:txLinClrLst/>
+    <dgm:txFillClrLst meth="repeat">
+      <a:schemeClr val="lt1"/>
+    </dgm:txFillClrLst>
+    <dgm:txEffectClrLst/>
+  </dgm:styleLbl>
+  <dgm:styleLbl name="parChTrans1D1">
+    <dgm:fillClrLst meth="repeat">
+      <a:schemeClr val="accent2"/>
+    </dgm:fillClrLst>
+    <dgm:linClrLst meth="repeat">
+      <a:schemeClr val="accent1"/>
+    </dgm:linClrLst>
+    <dgm:effectClrLst/>
+    <dgm:txLinClrLst/>
+    <dgm:txFillClrLst meth="repeat">
+      <a:schemeClr val="tx1"/>
+    </dgm:txFillClrLst>
+    <dgm:txEffectClrLst/>
+  </dgm:styleLbl>
+  <dgm:styleLbl name="parChTrans1D2">
+    <dgm:fillClrLst meth="repeat">
+      <a:schemeClr val="accent3">
+        <a:tint val="90000"/>
+      </a:schemeClr>
+    </dgm:fillClrLst>
+    <dgm:linClrLst meth="repeat">
+      <a:schemeClr val="accent2"/>
+    </dgm:linClrLst>
+    <dgm:effectClrLst/>
+    <dgm:txLinClrLst/>
+    <dgm:txFillClrLst meth="repeat">
+      <a:schemeClr val="tx1"/>
+    </dgm:txFillClrLst>
+    <dgm:txEffectClrLst/>
+  </dgm:styleLbl>
+  <dgm:styleLbl name="parChTrans1D3">
+    <dgm:fillClrLst meth="repeat">
+      <a:schemeClr val="accent4">
+        <a:tint val="70000"/>
+      </a:schemeClr>
+    </dgm:fillClrLst>
+    <dgm:linClrLst meth="repeat">
+      <a:schemeClr val="accent3"/>
+    </dgm:linClrLst>
+    <dgm:effectClrLst/>
+    <dgm:txLinClrLst/>
+    <dgm:txFillClrLst meth="repeat">
+      <a:schemeClr val="tx1"/>
+    </dgm:txFillClrLst>
+    <dgm:txEffectClrLst/>
+  </dgm:styleLbl>
+  <dgm:styleLbl name="parChTrans1D4">
+    <dgm:fillClrLst meth="repeat">
+      <a:schemeClr val="accent5">
+        <a:tint val="50000"/>
+      </a:schemeClr>
+    </dgm:fillClrLst>
+    <dgm:linClrLst meth="repeat">
+      <a:schemeClr val="accent4"/>
+    </dgm:linClrLst>
+    <dgm:effectClrLst/>
+    <dgm:txLinClrLst/>
+    <dgm:txFillClrLst meth="repeat">
+      <a:schemeClr val="tx1"/>
+    </dgm:txFillClrLst>
+    <dgm:txEffectClrLst/>
+  </dgm:styleLbl>
+  <dgm:styleLbl name="fgAcc1">
+    <dgm:fillClrLst meth="repeat">
+      <a:schemeClr val="lt1">
+        <a:alpha val="90000"/>
+      </a:schemeClr>
+    </dgm:fillClrLst>
+    <dgm:linClrLst meth="repeat">
+      <a:schemeClr val="accent2"/>
+      <a:schemeClr val="accent3"/>
+      <a:schemeClr val="accent4"/>
+      <a:schemeClr val="accent5"/>
+      <a:schemeClr val="accent6"/>
+    </dgm:linClrLst>
+    <dgm:effectClrLst/>
+    <dgm:txLinClrLst/>
+    <dgm:txFillClrLst meth="repeat">
+      <a:schemeClr val="dk1"/>
+    </dgm:txFillClrLst>
+    <dgm:txEffectClrLst/>
+  </dgm:styleLbl>
+  <dgm:styleLbl name="conFgAcc1">
+    <dgm:fillClrLst meth="repeat">
+      <a:schemeClr val="lt1">
+        <a:alpha val="90000"/>
+      </a:schemeClr>
+    </dgm:fillClrLst>
+    <dgm:linClrLst meth="repeat">
+      <a:schemeClr val="accent2"/>
+      <a:schemeClr val="accent3"/>
+      <a:schemeClr val="accent4"/>
+      <a:schemeClr val="accent5"/>
+      <a:schemeClr val="accent6"/>
+    </dgm:linClrLst>
+    <dgm:effectClrLst/>
+    <dgm:txLinClrLst/>
+    <dgm:txFillClrLst meth="repeat">
+      <a:schemeClr val="dk1"/>
+    </dgm:txFillClrLst>
+    <dgm:txEffectClrLst/>
+  </dgm:styleLbl>
+  <dgm:styleLbl name="alignAcc1">
+    <dgm:fillClrLst meth="repeat">
+      <a:schemeClr val="lt1">
+        <a:alpha val="90000"/>
+      </a:schemeClr>
+    </dgm:fillClrLst>
+    <dgm:linClrLst meth="repeat">
+      <a:schemeClr val="accent2"/>
+      <a:schemeClr val="accent3"/>
+      <a:schemeClr val="accent4"/>
+      <a:schemeClr val="accent5"/>
+      <a:schemeClr val="accent6"/>
+    </dgm:linClrLst>
+    <dgm:effectClrLst/>
+    <dgm:txLinClrLst/>
+    <dgm:txFillClrLst meth="repeat">
+      <a:schemeClr val="dk1"/>
+    </dgm:txFillClrLst>
+    <dgm:txEffectClrLst/>
+  </dgm:styleLbl>
+  <dgm:styleLbl name="trAlignAcc1">
+    <dgm:fillClrLst meth="repeat">
+      <a:schemeClr val="lt1">
+        <a:alpha val="40000"/>
+      </a:schemeClr>
+    </dgm:fillClrLst>
+    <dgm:linClrLst meth="repeat">
+      <a:schemeClr val="accent1"/>
+    </dgm:linClrLst>
+    <dgm:effectClrLst/>
+    <dgm:txLinClrLst/>
+    <dgm:txFillClrLst meth="repeat">
+      <a:schemeClr val="dk1"/>
+    </dgm:txFillClrLst>
+    <dgm:txEffectClrLst/>
+  </dgm:styleLbl>
+  <dgm:styleLbl name="bgAcc1">
+    <dgm:fillClrLst meth="repeat">
+      <a:schemeClr val="lt1">
+        <a:alpha val="90000"/>
+      </a:schemeClr>
+    </dgm:fillClrLst>
+    <dgm:linClrLst meth="repeat">
+      <a:schemeClr val="accent2"/>
+      <a:schemeClr val="accent3"/>
+      <a:schemeClr val="accent4"/>
+      <a:schemeClr val="accent5"/>
+      <a:schemeClr val="accent6"/>
+    </dgm:linClrLst>
+    <dgm:effectClrLst/>
+    <dgm:txLinClrLst/>
+    <dgm:txFillClrLst meth="repeat">
+      <a:schemeClr val="dk1"/>
+    </dgm:txFillClrLst>
+    <dgm:txEffectClrLst/>
+  </dgm:styleLbl>
+  <dgm:styleLbl name="solidFgAcc1">
+    <dgm:fillClrLst meth="repeat">
+      <a:schemeClr val="lt1"/>
+    </dgm:fillClrLst>
+    <dgm:linClrLst meth="repeat">
+      <a:schemeClr val="accent2"/>
+      <a:schemeClr val="accent3"/>
+      <a:schemeClr val="accent4"/>
+      <a:schemeClr val="accent5"/>
+      <a:schemeClr val="accent6"/>
+    </dgm:linClrLst>
+    <dgm:effectClrLst/>
+    <dgm:txLinClrLst/>
+    <dgm:txFillClrLst meth="repeat">
+      <a:schemeClr val="dk1"/>
+    </dgm:txFillClrLst>
+    <dgm:txEffectClrLst/>
+  </dgm:styleLbl>
+  <dgm:styleLbl name="solidAlignAcc1">
+    <dgm:fillClrLst meth="repeat">
+      <a:schemeClr val="lt1"/>
+    </dgm:fillClrLst>
+    <dgm:linClrLst meth="repeat">
+      <a:schemeClr val="accent2"/>
+      <a:schemeClr val="accent3"/>
+      <a:schemeClr val="accent4"/>
+      <a:schemeClr val="accent5"/>
+      <a:schemeClr val="accent6"/>
+    </dgm:linClrLst>
+    <dgm:effectClrLst/>
+    <dgm:txLinClrLst/>
+    <dgm:txFillClrLst meth="repeat">
+      <a:schemeClr val="dk1"/>
+    </dgm:txFillClrLst>
+    <dgm:txEffectClrLst/>
+  </dgm:styleLbl>
+  <dgm:styleLbl name="solidBgAcc1">
+    <dgm:fillClrLst meth="repeat">
+      <a:schemeClr val="lt1"/>
+    </dgm:fillClrLst>
+    <dgm:linClrLst meth="repeat">
+      <a:schemeClr val="accent2"/>
+      <a:schemeClr val="accent3"/>
+      <a:schemeClr val="accent4"/>
+      <a:schemeClr val="accent5"/>
+      <a:schemeClr val="accent6"/>
+    </dgm:linClrLst>
+    <dgm:effectClrLst/>
+    <dgm:txLinClrLst/>
+    <dgm:txFillClrLst meth="repeat">
+      <a:schemeClr val="dk1"/>
+    </dgm:txFillClrLst>
+    <dgm:txEffectClrLst/>
+  </dgm:styleLbl>
+  <dgm:styleLbl name="fgAccFollowNode1">
+    <dgm:fillClrLst meth="repeat">
+      <a:schemeClr val="accent2">
+        <a:tint val="40000"/>
+        <a:alpha val="90000"/>
+      </a:schemeClr>
+      <a:schemeClr val="accent3">
+        <a:tint val="40000"/>
+        <a:alpha val="90000"/>
+      </a:schemeClr>
+      <a:schemeClr val="accent4">
+        <a:tint val="40000"/>
+        <a:alpha val="90000"/>
+      </a:schemeClr>
+      <a:schemeClr val="accent5">
+        <a:tint val="40000"/>
+        <a:alpha val="90000"/>
+      </a:schemeClr>
+      <a:schemeClr val="accent6">
+        <a:tint val="40000"/>
+        <a:alpha val="90000"/>
+      </a:schemeClr>
+    </dgm:fillClrLst>
+    <dgm:linClrLst meth="repeat">
+      <a:schemeClr val="accent2">
+        <a:tint val="40000"/>
+        <a:alpha val="90000"/>
+      </a:schemeClr>
+      <a:schemeClr val="accent3">
+        <a:tint val="40000"/>
+        <a:alpha val="90000"/>
+      </a:schemeClr>
+      <a:schemeClr val="accent4">
+        <a:tint val="40000"/>
+        <a:alpha val="90000"/>
+      </a:schemeClr>
+      <a:schemeClr val="accent5">
+        <a:tint val="40000"/>
+        <a:alpha val="90000"/>
+      </a:schemeClr>
+      <a:schemeClr val="accent6">
+        <a:tint val="40000"/>
+        <a:alpha val="90000"/>
+      </a:schemeClr>
+    </dgm:linClrLst>
+    <dgm:effectClrLst/>
+    <dgm:txLinClrLst/>
+    <dgm:txFillClrLst meth="repeat">
+      <a:schemeClr val="dk1"/>
+    </dgm:txFillClrLst>
+    <dgm:txEffectClrLst/>
+  </dgm:styleLbl>
+  <dgm:styleLbl name="alignAccFollowNode1">
+    <dgm:fillClrLst meth="repeat">
+      <a:schemeClr val="accent2">
+        <a:tint val="40000"/>
+        <a:alpha val="90000"/>
+      </a:schemeClr>
+      <a:schemeClr val="accent3">
+        <a:tint val="40000"/>
+        <a:alpha val="90000"/>
+      </a:schemeClr>
+      <a:schemeClr val="accent4">
+        <a:tint val="40000"/>
+        <a:alpha val="90000"/>
+      </a:schemeClr>
+      <a:schemeClr val="accent5">
+        <a:tint val="40000"/>
+        <a:alpha val="90000"/>
+      </a:schemeClr>
+      <a:schemeClr val="accent6">
+        <a:tint val="40000"/>
+        <a:alpha val="90000"/>
+      </a:schemeClr>
+    </dgm:fillClrLst>
+    <dgm:linClrLst meth="repeat">
+      <a:schemeClr val="accent2">
+        <a:tint val="40000"/>
+        <a:alpha val="90000"/>
+      </a:schemeClr>
+      <a:schemeClr val="accent3">
+        <a:tint val="40000"/>
+        <a:alpha val="90000"/>
+      </a:schemeClr>
+      <a:schemeClr val="accent4">
+        <a:tint val="40000"/>
+        <a:alpha val="90000"/>
+      </a:schemeClr>
+      <a:schemeClr val="accent5">
+        <a:tint val="40000"/>
+        <a:alpha val="90000"/>
+      </a:schemeClr>
+      <a:schemeClr val="accent6">
+        <a:tint val="40000"/>
+        <a:alpha val="90000"/>
+      </a:schemeClr>
+    </dgm:linClrLst>
+    <dgm:effectClrLst/>
+    <dgm:txLinClrLst/>
+    <dgm:txFillClrLst meth="repeat">
+      <a:schemeClr val="dk1"/>
+    </dgm:txFillClrLst>
+    <dgm:txEffectClrLst/>
+  </dgm:styleLbl>
+  <dgm:styleLbl name="bgAccFollowNode1">
+    <dgm:fillClrLst meth="repeat">
+      <a:schemeClr val="accent2">
+        <a:tint val="40000"/>
+        <a:alpha val="90000"/>
+      </a:schemeClr>
+      <a:schemeClr val="accent3">
+        <a:tint val="40000"/>
+        <a:alpha val="90000"/>
+      </a:schemeClr>
+      <a:schemeClr val="accent4">
+        <a:tint val="40000"/>
+        <a:alpha val="90000"/>
+      </a:schemeClr>
+      <a:schemeClr val="accent5">
+        <a:tint val="40000"/>
+        <a:alpha val="90000"/>
+      </a:schemeClr>
+      <a:schemeClr val="accent6">
+        <a:tint val="40000"/>
+        <a:alpha val="90000"/>
+      </a:schemeClr>
+    </dgm:fillClrLst>
+    <dgm:linClrLst meth="repeat">
+      <a:schemeClr val="accent2">
+        <a:tint val="40000"/>
+        <a:alpha val="90000"/>
+      </a:schemeClr>
+      <a:schemeClr val="accent3">
+        <a:tint val="40000"/>
+        <a:alpha val="90000"/>
+      </a:schemeClr>
+      <a:schemeClr val="accent4">
+        <a:tint val="40000"/>
+        <a:alpha val="90000"/>
+      </a:schemeClr>
+      <a:schemeClr val="accent5">
+        <a:tint val="40000"/>
+        <a:alpha val="90000"/>
+      </a:schemeClr>
+      <a:schemeClr val="accent6">
+        <a:tint val="40000"/>
+        <a:alpha val="90000"/>
+      </a:schemeClr>
+    </dgm:linClrLst>
+    <dgm:effectClrLst/>
+    <dgm:txLinClrLst/>
+    <dgm:txFillClrLst meth="repeat">
+      <a:schemeClr val="dk1"/>
+    </dgm:txFillClrLst>
+    <dgm:txEffectClrLst/>
+  </dgm:styleLbl>
+  <dgm:styleLbl name="fgAcc0">
+    <dgm:fillClrLst meth="repeat">
+      <a:schemeClr val="lt1">
+        <a:alpha val="90000"/>
+      </a:schemeClr>
+    </dgm:fillClrLst>
+    <dgm:linClrLst>
+      <a:schemeClr val="accent1"/>
+    </dgm:linClrLst>
+    <dgm:effectClrLst/>
+    <dgm:txLinClrLst/>
+    <dgm:txFillClrLst meth="repeat">
+      <a:schemeClr val="dk1"/>
+    </dgm:txFillClrLst>
+    <dgm:txEffectClrLst/>
+  </dgm:styleLbl>
+  <dgm:styleLbl name="fgAcc2">
+    <dgm:fillClrLst meth="repeat">
+      <a:schemeClr val="lt1">
+        <a:alpha val="90000"/>
+      </a:schemeClr>
+    </dgm:fillClrLst>
+    <dgm:linClrLst>
+      <a:schemeClr val="accent2"/>
+    </dgm:linClrLst>
+    <dgm:effectClrLst/>
+    <dgm:txLinClrLst/>
+    <dgm:txFillClrLst meth="repeat">
+      <a:schemeClr val="dk1"/>
+    </dgm:txFillClrLst>
+    <dgm:txEffectClrLst/>
+  </dgm:styleLbl>
+  <dgm:styleLbl name="fgAcc3">
+    <dgm:fillClrLst meth="repeat">
+      <a:schemeClr val="lt1">
+        <a:alpha val="90000"/>
+      </a:schemeClr>
+    </dgm:fillClrLst>
+    <dgm:linClrLst>
+      <a:schemeClr val="accent3"/>
+    </dgm:linClrLst>
+    <dgm:effectClrLst/>
+    <dgm:txLinClrLst/>
+    <dgm:txFillClrLst meth="repeat">
+      <a:schemeClr val="dk1"/>
+    </dgm:txFillClrLst>
+    <dgm:txEffectClrLst/>
+  </dgm:styleLbl>
+  <dgm:styleLbl name="fgAcc4">
+    <dgm:fillClrLst meth="repeat">
+      <a:schemeClr val="lt1">
+        <a:alpha val="90000"/>
+      </a:schemeClr>
+    </dgm:fillClrLst>
+    <dgm:linClrLst>
+      <a:schemeClr val="accent4"/>
+    </dgm:linClrLst>
+    <dgm:effectClrLst/>
+    <dgm:txLinClrLst/>
+    <dgm:txFillClrLst meth="repeat">
+      <a:schemeClr val="dk1"/>
+    </dgm:txFillClrLst>
+    <dgm:txEffectClrLst/>
+  </dgm:styleLbl>
+  <dgm:styleLbl name="bgShp">
+    <dgm:fillClrLst meth="repeat">
+      <a:schemeClr val="accent2">
+        <a:tint val="40000"/>
+      </a:schemeClr>
+    </dgm:fillClrLst>
+    <dgm:linClrLst meth="repeat">
+      <a:schemeClr val="dk1"/>
+    </dgm:linClrLst>
+    <dgm:effectClrLst/>
+    <dgm:txLinClrLst/>
+    <dgm:txFillClrLst meth="repeat">
+      <a:schemeClr val="dk1"/>
+    </dgm:txFillClrLst>
+    <dgm:txEffectClrLst/>
+  </dgm:styleLbl>
+  <dgm:styleLbl name="dkBgShp">
+    <dgm:fillClrLst meth="repeat">
+      <a:schemeClr val="accent2">
+        <a:shade val="90000"/>
+      </a:schemeClr>
+    </dgm:fillClrLst>
+    <dgm:linClrLst meth="repeat">
+      <a:schemeClr val="dk1"/>
+    </dgm:linClrLst>
+    <dgm:effectClrLst/>
+    <dgm:txLinClrLst/>
+    <dgm:txFillClrLst meth="repeat">
+      <a:schemeClr val="lt1"/>
+    </dgm:txFillClrLst>
+    <dgm:txEffectClrLst/>
+  </dgm:styleLbl>
+  <dgm:styleLbl name="trBgShp">
+    <dgm:fillClrLst meth="repeat">
+      <a:schemeClr val="accent1">
+        <a:tint val="50000"/>
+        <a:alpha val="40000"/>
+      </a:schemeClr>
+    </dgm:fillClrLst>
+    <dgm:linClrLst meth="repeat">
+      <a:schemeClr val="accent2"/>
+    </dgm:linClrLst>
+    <dgm:effectClrLst/>
+    <dgm:txLinClrLst/>
+    <dgm:txFillClrLst meth="repeat">
+      <a:schemeClr val="lt1"/>
+    </dgm:txFillClrLst>
+    <dgm:txEffectClrLst/>
+  </dgm:styleLbl>
+  <dgm:styleLbl name="fgShp">
+    <dgm:fillClrLst meth="repeat">
+      <a:schemeClr val="accent2">
+        <a:tint val="40000"/>
+      </a:schemeClr>
+    </dgm:fillClrLst>
+    <dgm:linClrLst meth="repeat">
+      <a:schemeClr val="lt1"/>
+    </dgm:linClrLst>
+    <dgm:effectClrLst/>
+    <dgm:txLinClrLst/>
+    <dgm:txFillClrLst meth="repeat">
+      <a:schemeClr val="dk1"/>
+    </dgm:txFillClrLst>
+    <dgm:txEffectClrLst/>
+  </dgm:styleLbl>
+  <dgm:styleLbl name="revTx">
+    <dgm:fillClrLst meth="repeat">
+      <a:schemeClr val="lt1">
+        <a:alpha val="0"/>
+      </a:schemeClr>
+    </dgm:fillClrLst>
+    <dgm:linClrLst meth="repeat">
+      <a:schemeClr val="dk1">
+        <a:alpha val="0"/>
+      </a:schemeClr>
+    </dgm:linClrLst>
+    <dgm:effectClrLst/>
+    <dgm:txLinClrLst/>
+    <dgm:txFillClrLst meth="repeat">
+      <a:schemeClr val="tx1"/>
+    </dgm:txFillClrLst>
+    <dgm:txEffectClrLst/>
+  </dgm:styleLbl>
+</dgm:colorsDef>
+</file>
+
 <file path=ppt/diagrams/data1.xml><?xml version="1.0" encoding="utf-8"?>
 <dgm:dataModel xmlns:dgm="http://schemas.openxmlformats.org/drawingml/2006/diagram" xmlns:a="http://schemas.openxmlformats.org/drawingml/2006/main">
   <dgm:ptLst>
@@ -1050,7 +1968,7 @@
               </a:effectLst>
               <a:latin typeface="+mj-lt"/>
             </a:rPr>
-            <a:t>Documentación</a:t>
+            <a:t>Demo del Sistema</a:t>
           </a:r>
           <a:endParaRPr lang="es-AR" sz="2400" b="1" dirty="0">
             <a:effectLst>
@@ -1077,61 +1995,6 @@
       </dgm:t>
     </dgm:pt>
     <dgm:pt modelId="{96FB850B-B335-48CE-B430-B6081AEAE01B}" type="sibTrans" cxnId="{5F551111-A843-46D4-BC9C-9F8F25D08C4A}">
-      <dgm:prSet/>
-      <dgm:spPr/>
-      <dgm:t>
-        <a:bodyPr/>
-        <a:lstStyle/>
-        <a:p>
-          <a:endParaRPr lang="es-AR" sz="2400" b="0"/>
-        </a:p>
-      </dgm:t>
-    </dgm:pt>
-    <dgm:pt modelId="{97425DC4-60D6-4553-87B1-27C4EE78C06C}">
-      <dgm:prSet phldrT="[Texto]" custT="1"/>
-      <dgm:spPr/>
-      <dgm:t>
-        <a:bodyPr/>
-        <a:lstStyle/>
-        <a:p>
-          <a:r>
-            <a:rPr lang="es-AR" sz="2400" b="1" dirty="0" smtClean="0">
-              <a:effectLst>
-                <a:outerShdw blurRad="38100" dist="38100" dir="2700000" algn="tl">
-                  <a:srgbClr val="000000">
-                    <a:alpha val="43137"/>
-                  </a:srgbClr>
-                </a:outerShdw>
-              </a:effectLst>
-              <a:latin typeface="+mj-lt"/>
-            </a:rPr>
-            <a:t>Demo del Sistema</a:t>
-          </a:r>
-          <a:endParaRPr lang="es-AR" sz="2400" b="1" dirty="0">
-            <a:effectLst>
-              <a:outerShdw blurRad="38100" dist="38100" dir="2700000" algn="tl">
-                <a:srgbClr val="000000">
-                  <a:alpha val="43137"/>
-                </a:srgbClr>
-              </a:outerShdw>
-            </a:effectLst>
-            <a:latin typeface="+mj-lt"/>
-          </a:endParaRPr>
-        </a:p>
-      </dgm:t>
-    </dgm:pt>
-    <dgm:pt modelId="{792253A6-0A98-4317-9765-5E5C758928A6}" type="parTrans" cxnId="{5B1175E8-52D2-4D01-8D95-17AE45314EBF}">
-      <dgm:prSet/>
-      <dgm:spPr/>
-      <dgm:t>
-        <a:bodyPr/>
-        <a:lstStyle/>
-        <a:p>
-          <a:endParaRPr lang="es-AR" sz="2400" b="0"/>
-        </a:p>
-      </dgm:t>
-    </dgm:pt>
-    <dgm:pt modelId="{5D5E874D-6FE9-4FDB-B240-496979DAF614}" type="sibTrans" cxnId="{5B1175E8-52D2-4D01-8D95-17AE45314EBF}">
       <dgm:prSet/>
       <dgm:spPr/>
       <dgm:t>
@@ -1194,6 +2057,61 @@
         <a:lstStyle/>
         <a:p>
           <a:endParaRPr lang="es-ES" sz="2400" b="0"/>
+        </a:p>
+      </dgm:t>
+    </dgm:pt>
+    <dgm:pt modelId="{97425DC4-60D6-4553-87B1-27C4EE78C06C}">
+      <dgm:prSet phldrT="[Texto]" custT="1"/>
+      <dgm:spPr/>
+      <dgm:t>
+        <a:bodyPr/>
+        <a:lstStyle/>
+        <a:p>
+          <a:r>
+            <a:rPr lang="es-AR" sz="2400" b="1" dirty="0" smtClean="0">
+              <a:effectLst>
+                <a:outerShdw blurRad="38100" dist="38100" dir="2700000" algn="tl">
+                  <a:srgbClr val="000000">
+                    <a:alpha val="43137"/>
+                  </a:srgbClr>
+                </a:outerShdw>
+              </a:effectLst>
+              <a:latin typeface="+mj-lt"/>
+            </a:rPr>
+            <a:t>Reflexiones Generales</a:t>
+          </a:r>
+          <a:endParaRPr lang="es-AR" sz="2400" b="1" dirty="0">
+            <a:effectLst>
+              <a:outerShdw blurRad="38100" dist="38100" dir="2700000" algn="tl">
+                <a:srgbClr val="000000">
+                  <a:alpha val="43137"/>
+                </a:srgbClr>
+              </a:outerShdw>
+            </a:effectLst>
+            <a:latin typeface="+mj-lt"/>
+          </a:endParaRPr>
+        </a:p>
+      </dgm:t>
+    </dgm:pt>
+    <dgm:pt modelId="{5D5E874D-6FE9-4FDB-B240-496979DAF614}" type="sibTrans" cxnId="{5B1175E8-52D2-4D01-8D95-17AE45314EBF}">
+      <dgm:prSet/>
+      <dgm:spPr/>
+      <dgm:t>
+        <a:bodyPr/>
+        <a:lstStyle/>
+        <a:p>
+          <a:endParaRPr lang="es-AR" sz="2400" b="0"/>
+        </a:p>
+      </dgm:t>
+    </dgm:pt>
+    <dgm:pt modelId="{792253A6-0A98-4317-9765-5E5C758928A6}" type="parTrans" cxnId="{5B1175E8-52D2-4D01-8D95-17AE45314EBF}">
+      <dgm:prSet/>
+      <dgm:spPr/>
+      <dgm:t>
+        <a:bodyPr/>
+        <a:lstStyle/>
+        <a:p>
+          <a:endParaRPr lang="es-AR" sz="2400" b="0"/>
         </a:p>
       </dgm:t>
     </dgm:pt>
@@ -1506,6 +2424,920 @@
   <dgm:extLst>
     <a:ext uri="http://schemas.microsoft.com/office/drawing/2008/diagram">
       <dsp:dataModelExt xmlns:dsp="http://schemas.microsoft.com/office/drawing/2008/diagram" relId="rId8" minVer="http://schemas.openxmlformats.org/drawingml/2006/diagram"/>
+    </a:ext>
+  </dgm:extLst>
+</dgm:dataModel>
+</file>
+
+<file path=ppt/diagrams/data2.xml><?xml version="1.0" encoding="utf-8"?>
+<dgm:dataModel xmlns:dgm="http://schemas.openxmlformats.org/drawingml/2006/diagram" xmlns:a="http://schemas.openxmlformats.org/drawingml/2006/main">
+  <dgm:ptLst>
+    <dgm:pt modelId="{495701B9-E705-4E93-B57A-2A649F31390D}" type="doc">
+      <dgm:prSet loTypeId="urn:microsoft.com/office/officeart/2005/8/layout/hList1" loCatId="list" qsTypeId="urn:microsoft.com/office/officeart/2005/8/quickstyle/simple4" qsCatId="simple" csTypeId="urn:microsoft.com/office/officeart/2005/8/colors/colorful1" csCatId="colorful" phldr="1"/>
+      <dgm:spPr/>
+      <dgm:t>
+        <a:bodyPr/>
+        <a:lstStyle/>
+        <a:p>
+          <a:endParaRPr lang="es-ES"/>
+        </a:p>
+      </dgm:t>
+    </dgm:pt>
+    <dgm:pt modelId="{AD70081C-AA5E-497B-9F82-D93D0CD60344}">
+      <dgm:prSet phldrT="[Texto]" custT="1"/>
+      <dgm:spPr/>
+      <dgm:t>
+        <a:bodyPr/>
+        <a:lstStyle/>
+        <a:p>
+          <a:r>
+            <a:rPr lang="es-ES" sz="2000" dirty="0" smtClean="0"/>
+            <a:t>Horas dedicadas al proyecto</a:t>
+          </a:r>
+          <a:endParaRPr lang="es-ES" sz="2000" dirty="0"/>
+        </a:p>
+      </dgm:t>
+    </dgm:pt>
+    <dgm:pt modelId="{78D0C34E-9C67-4353-992C-E109622ABFAF}" type="parTrans" cxnId="{D83585CB-094C-46A4-B235-E0B80C8A1E17}">
+      <dgm:prSet/>
+      <dgm:spPr/>
+      <dgm:t>
+        <a:bodyPr/>
+        <a:lstStyle/>
+        <a:p>
+          <a:endParaRPr lang="es-ES"/>
+        </a:p>
+      </dgm:t>
+    </dgm:pt>
+    <dgm:pt modelId="{2CA1A2C4-2324-4B26-B15C-9B2089B0F101}" type="sibTrans" cxnId="{D83585CB-094C-46A4-B235-E0B80C8A1E17}">
+      <dgm:prSet/>
+      <dgm:spPr/>
+      <dgm:t>
+        <a:bodyPr/>
+        <a:lstStyle/>
+        <a:p>
+          <a:endParaRPr lang="es-ES"/>
+        </a:p>
+      </dgm:t>
+    </dgm:pt>
+    <dgm:pt modelId="{F0129FAB-6E66-4073-A1F2-B3D2AF24D571}">
+      <dgm:prSet phldrT="[Texto]"/>
+      <dgm:spPr/>
+      <dgm:t>
+        <a:bodyPr/>
+        <a:lstStyle/>
+        <a:p>
+          <a:r>
+            <a:rPr lang="es-ES" dirty="0" smtClean="0"/>
+            <a:t> </a:t>
+          </a:r>
+          <a:endParaRPr lang="es-ES" dirty="0"/>
+        </a:p>
+      </dgm:t>
+    </dgm:pt>
+    <dgm:pt modelId="{0664ECA8-8E0B-4619-96D5-3691904F0AC1}" type="parTrans" cxnId="{A049DD30-196A-44AE-96AC-E13654FC40FA}">
+      <dgm:prSet/>
+      <dgm:spPr/>
+      <dgm:t>
+        <a:bodyPr/>
+        <a:lstStyle/>
+        <a:p>
+          <a:endParaRPr lang="es-ES"/>
+        </a:p>
+      </dgm:t>
+    </dgm:pt>
+    <dgm:pt modelId="{E4538D3C-7518-4B63-9474-5B9B26091A0A}" type="sibTrans" cxnId="{A049DD30-196A-44AE-96AC-E13654FC40FA}">
+      <dgm:prSet/>
+      <dgm:spPr/>
+      <dgm:t>
+        <a:bodyPr/>
+        <a:lstStyle/>
+        <a:p>
+          <a:endParaRPr lang="es-ES"/>
+        </a:p>
+      </dgm:t>
+    </dgm:pt>
+    <dgm:pt modelId="{6AE484A8-CED1-400D-B3D0-2314605F0CD8}">
+      <dgm:prSet phldrT="[Texto]" custT="1"/>
+      <dgm:spPr/>
+      <dgm:t>
+        <a:bodyPr/>
+        <a:lstStyle/>
+        <a:p>
+          <a:r>
+            <a:rPr lang="es-AR" sz="2000" dirty="0" smtClean="0"/>
+            <a:t>Definir Criterios de Hecho</a:t>
+          </a:r>
+          <a:endParaRPr lang="es-ES" sz="2000" dirty="0"/>
+        </a:p>
+      </dgm:t>
+    </dgm:pt>
+    <dgm:pt modelId="{8B7E97C0-44D9-4D9B-B167-66DEDDFE4F07}" type="parTrans" cxnId="{42894641-D438-4831-8478-50AEF4165660}">
+      <dgm:prSet/>
+      <dgm:spPr/>
+      <dgm:t>
+        <a:bodyPr/>
+        <a:lstStyle/>
+        <a:p>
+          <a:endParaRPr lang="es-ES"/>
+        </a:p>
+      </dgm:t>
+    </dgm:pt>
+    <dgm:pt modelId="{F822F8C6-5C2F-4043-AA95-23B2A20CE662}" type="sibTrans" cxnId="{42894641-D438-4831-8478-50AEF4165660}">
+      <dgm:prSet/>
+      <dgm:spPr/>
+      <dgm:t>
+        <a:bodyPr/>
+        <a:lstStyle/>
+        <a:p>
+          <a:endParaRPr lang="es-ES"/>
+        </a:p>
+      </dgm:t>
+    </dgm:pt>
+    <dgm:pt modelId="{992F3F8B-FD22-4F65-B752-8C9A5D3D4DE6}">
+      <dgm:prSet phldrT="[Texto]"/>
+      <dgm:spPr/>
+      <dgm:t>
+        <a:bodyPr/>
+        <a:lstStyle/>
+        <a:p>
+          <a:r>
+            <a:rPr lang="es-ES" dirty="0" smtClean="0"/>
+            <a:t> </a:t>
+          </a:r>
+          <a:endParaRPr lang="es-ES" dirty="0"/>
+        </a:p>
+      </dgm:t>
+    </dgm:pt>
+    <dgm:pt modelId="{D090F7C8-7581-4C6C-B2BB-C6FE90FFA125}" type="parTrans" cxnId="{69DD1595-7805-46F6-9EC3-BCE2D9D17355}">
+      <dgm:prSet/>
+      <dgm:spPr/>
+      <dgm:t>
+        <a:bodyPr/>
+        <a:lstStyle/>
+        <a:p>
+          <a:endParaRPr lang="es-ES"/>
+        </a:p>
+      </dgm:t>
+    </dgm:pt>
+    <dgm:pt modelId="{E5F06758-FE6E-4504-981C-8424EB034746}" type="sibTrans" cxnId="{69DD1595-7805-46F6-9EC3-BCE2D9D17355}">
+      <dgm:prSet/>
+      <dgm:spPr/>
+      <dgm:t>
+        <a:bodyPr/>
+        <a:lstStyle/>
+        <a:p>
+          <a:endParaRPr lang="es-ES"/>
+        </a:p>
+      </dgm:t>
+    </dgm:pt>
+    <dgm:pt modelId="{18D4FAB6-F4EC-4183-858B-7F8268DE77A5}">
+      <dgm:prSet phldrT="[Texto]" custT="1"/>
+      <dgm:spPr/>
+      <dgm:t>
+        <a:bodyPr/>
+        <a:lstStyle/>
+        <a:p>
+          <a:r>
+            <a:rPr lang="es-AR" sz="2000" dirty="0" smtClean="0"/>
+            <a:t>Aumentar cantidad de días de trabajo</a:t>
+          </a:r>
+          <a:endParaRPr lang="es-ES" sz="2000" dirty="0"/>
+        </a:p>
+      </dgm:t>
+    </dgm:pt>
+    <dgm:pt modelId="{6CB0C22E-C5CB-4486-BD9C-E2E112731247}" type="parTrans" cxnId="{46B004B2-E126-484F-AE0B-1618B4E77700}">
+      <dgm:prSet/>
+      <dgm:spPr/>
+      <dgm:t>
+        <a:bodyPr/>
+        <a:lstStyle/>
+        <a:p>
+          <a:endParaRPr lang="es-ES"/>
+        </a:p>
+      </dgm:t>
+    </dgm:pt>
+    <dgm:pt modelId="{9D4D9253-78BF-4683-AC1A-0F769FC0BF1E}" type="sibTrans" cxnId="{46B004B2-E126-484F-AE0B-1618B4E77700}">
+      <dgm:prSet/>
+      <dgm:spPr/>
+      <dgm:t>
+        <a:bodyPr/>
+        <a:lstStyle/>
+        <a:p>
+          <a:endParaRPr lang="es-ES"/>
+        </a:p>
+      </dgm:t>
+    </dgm:pt>
+    <dgm:pt modelId="{F129DB5A-3168-441A-B54F-8C87C5F93A9C}">
+      <dgm:prSet custT="1"/>
+      <dgm:spPr/>
+      <dgm:t>
+        <a:bodyPr/>
+        <a:lstStyle/>
+        <a:p>
+          <a:r>
+            <a:rPr lang="es-ES" sz="2000" dirty="0" smtClean="0"/>
+            <a:t>1260 horas.  315 c/u.</a:t>
+          </a:r>
+          <a:endParaRPr lang="es-ES" sz="2000" dirty="0" smtClean="0"/>
+        </a:p>
+      </dgm:t>
+    </dgm:pt>
+    <dgm:pt modelId="{65CD33B2-7873-4C48-9D40-A75EFC9E5114}" type="parTrans" cxnId="{FDB8CCD2-1C10-4106-BCFC-944734251738}">
+      <dgm:prSet/>
+      <dgm:spPr/>
+      <dgm:t>
+        <a:bodyPr/>
+        <a:lstStyle/>
+        <a:p>
+          <a:endParaRPr lang="es-ES"/>
+        </a:p>
+      </dgm:t>
+    </dgm:pt>
+    <dgm:pt modelId="{0BF1BA8E-2F03-401D-825D-8A33C7B7E673}" type="sibTrans" cxnId="{FDB8CCD2-1C10-4106-BCFC-944734251738}">
+      <dgm:prSet/>
+      <dgm:spPr/>
+      <dgm:t>
+        <a:bodyPr/>
+        <a:lstStyle/>
+        <a:p>
+          <a:endParaRPr lang="es-ES"/>
+        </a:p>
+      </dgm:t>
+    </dgm:pt>
+    <dgm:pt modelId="{BB3F20A5-0AA6-4DE0-9870-63577625B175}">
+      <dgm:prSet custT="1"/>
+      <dgm:spPr/>
+      <dgm:t>
+        <a:bodyPr/>
+        <a:lstStyle/>
+        <a:p>
+          <a:r>
+            <a:rPr lang="es-ES" sz="2000" dirty="0" smtClean="0"/>
+            <a:t>Adaptar metodología.</a:t>
+          </a:r>
+          <a:endParaRPr lang="es-ES" sz="2000" dirty="0" smtClean="0"/>
+        </a:p>
+      </dgm:t>
+    </dgm:pt>
+    <dgm:pt modelId="{8D83EDC9-170F-4122-9C8E-E2E74D1C8AF8}" type="parTrans" cxnId="{923AAA88-B030-483D-916C-1941A9A9F73A}">
+      <dgm:prSet/>
+      <dgm:spPr/>
+      <dgm:t>
+        <a:bodyPr/>
+        <a:lstStyle/>
+        <a:p>
+          <a:endParaRPr lang="es-ES"/>
+        </a:p>
+      </dgm:t>
+    </dgm:pt>
+    <dgm:pt modelId="{3D1AF4E6-F677-41E3-AE95-AA8EB65FF359}" type="sibTrans" cxnId="{923AAA88-B030-483D-916C-1941A9A9F73A}">
+      <dgm:prSet/>
+      <dgm:spPr/>
+      <dgm:t>
+        <a:bodyPr/>
+        <a:lstStyle/>
+        <a:p>
+          <a:endParaRPr lang="es-ES"/>
+        </a:p>
+      </dgm:t>
+    </dgm:pt>
+    <dgm:pt modelId="{368C5BB9-CA1B-4729-9232-1334C86D3031}">
+      <dgm:prSet custT="1"/>
+      <dgm:spPr/>
+      <dgm:t>
+        <a:bodyPr/>
+        <a:lstStyle/>
+        <a:p>
+          <a:r>
+            <a:rPr lang="es-ES" sz="2000" b="1" dirty="0" smtClean="0">
+              <a:effectLst>
+                <a:outerShdw blurRad="38100" dist="38100" dir="2700000" algn="tl">
+                  <a:srgbClr val="000000">
+                    <a:alpha val="43137"/>
+                  </a:srgbClr>
+                </a:outerShdw>
+              </a:effectLst>
+            </a:rPr>
+            <a:t>Trabajo en Equipo</a:t>
+          </a:r>
+          <a:endParaRPr lang="es-ES" sz="2000" b="1" dirty="0" smtClean="0">
+            <a:effectLst>
+              <a:outerShdw blurRad="38100" dist="38100" dir="2700000" algn="tl">
+                <a:srgbClr val="000000">
+                  <a:alpha val="43137"/>
+                </a:srgbClr>
+              </a:outerShdw>
+            </a:effectLst>
+          </a:endParaRPr>
+        </a:p>
+      </dgm:t>
+    </dgm:pt>
+    <dgm:pt modelId="{7DBEC80D-D0F6-42F2-AEBF-C8B12AF99469}" type="parTrans" cxnId="{76BAD1CD-8D5C-4247-B522-69C0B57CC50E}">
+      <dgm:prSet/>
+      <dgm:spPr/>
+      <dgm:t>
+        <a:bodyPr/>
+        <a:lstStyle/>
+        <a:p>
+          <a:endParaRPr lang="es-ES"/>
+        </a:p>
+      </dgm:t>
+    </dgm:pt>
+    <dgm:pt modelId="{9F81A30D-8AFE-47EB-9FCB-0403CBB32355}" type="sibTrans" cxnId="{76BAD1CD-8D5C-4247-B522-69C0B57CC50E}">
+      <dgm:prSet/>
+      <dgm:spPr/>
+      <dgm:t>
+        <a:bodyPr/>
+        <a:lstStyle/>
+        <a:p>
+          <a:endParaRPr lang="es-ES"/>
+        </a:p>
+      </dgm:t>
+    </dgm:pt>
+    <dgm:pt modelId="{7757B4BA-F37C-40A5-9BBC-208826652FB6}">
+      <dgm:prSet custT="1"/>
+      <dgm:spPr/>
+      <dgm:t>
+        <a:bodyPr/>
+        <a:lstStyle/>
+        <a:p>
+          <a:r>
+            <a:rPr lang="es-ES" sz="2000" b="1" dirty="0" smtClean="0">
+              <a:effectLst>
+                <a:outerShdw blurRad="38100" dist="38100" dir="2700000" algn="tl">
+                  <a:srgbClr val="000000">
+                    <a:alpha val="43137"/>
+                  </a:srgbClr>
+                </a:outerShdw>
+              </a:effectLst>
+            </a:rPr>
+            <a:t>Compromiso</a:t>
+          </a:r>
+          <a:endParaRPr lang="es-ES" sz="2000" b="1" dirty="0" smtClean="0">
+            <a:effectLst>
+              <a:outerShdw blurRad="38100" dist="38100" dir="2700000" algn="tl">
+                <a:srgbClr val="000000">
+                  <a:alpha val="43137"/>
+                </a:srgbClr>
+              </a:outerShdw>
+            </a:effectLst>
+          </a:endParaRPr>
+        </a:p>
+      </dgm:t>
+    </dgm:pt>
+    <dgm:pt modelId="{8056D9A1-A916-4560-90A1-399FBBDAB72C}" type="parTrans" cxnId="{CE92D16C-59D8-44FA-9343-89FA3129CDDB}">
+      <dgm:prSet/>
+      <dgm:spPr/>
+      <dgm:t>
+        <a:bodyPr/>
+        <a:lstStyle/>
+        <a:p>
+          <a:endParaRPr lang="es-ES"/>
+        </a:p>
+      </dgm:t>
+    </dgm:pt>
+    <dgm:pt modelId="{9345534D-25C4-4866-92A9-69B3E74C4AD1}" type="sibTrans" cxnId="{CE92D16C-59D8-44FA-9343-89FA3129CDDB}">
+      <dgm:prSet/>
+      <dgm:spPr/>
+      <dgm:t>
+        <a:bodyPr/>
+        <a:lstStyle/>
+        <a:p>
+          <a:endParaRPr lang="es-ES"/>
+        </a:p>
+      </dgm:t>
+    </dgm:pt>
+    <dgm:pt modelId="{8B8F2305-D355-40E6-9983-AE61D564C189}">
+      <dgm:prSet custT="1"/>
+      <dgm:spPr/>
+      <dgm:t>
+        <a:bodyPr/>
+        <a:lstStyle/>
+        <a:p>
+          <a:r>
+            <a:rPr lang="es-ES" sz="2000" smtClean="0"/>
+            <a:t>Sprint 0</a:t>
+          </a:r>
+          <a:endParaRPr lang="es-ES" sz="2000" dirty="0" smtClean="0"/>
+        </a:p>
+      </dgm:t>
+    </dgm:pt>
+    <dgm:pt modelId="{B760E11B-199B-48FF-AC87-5D07EA892E1C}" type="parTrans" cxnId="{4745A3FF-4C88-43C4-9F19-4F432F9F1A77}">
+      <dgm:prSet/>
+      <dgm:spPr/>
+      <dgm:t>
+        <a:bodyPr/>
+        <a:lstStyle/>
+        <a:p>
+          <a:endParaRPr lang="es-ES"/>
+        </a:p>
+      </dgm:t>
+    </dgm:pt>
+    <dgm:pt modelId="{889C15E6-E9DE-4473-8F5D-6AA384F53366}" type="sibTrans" cxnId="{4745A3FF-4C88-43C4-9F19-4F432F9F1A77}">
+      <dgm:prSet/>
+      <dgm:spPr/>
+      <dgm:t>
+        <a:bodyPr/>
+        <a:lstStyle/>
+        <a:p>
+          <a:endParaRPr lang="es-ES"/>
+        </a:p>
+      </dgm:t>
+    </dgm:pt>
+    <dgm:pt modelId="{159B0D20-F4C1-4346-BC8E-6B2B1ECB2BA5}">
+      <dgm:prSet custT="1"/>
+      <dgm:spPr/>
+      <dgm:t>
+        <a:bodyPr/>
+        <a:lstStyle/>
+        <a:p>
+          <a:r>
+            <a:rPr lang="es-ES" sz="2000" smtClean="0"/>
+            <a:t>Estudio inicial</a:t>
+          </a:r>
+          <a:endParaRPr lang="es-ES" sz="2000" dirty="0" smtClean="0"/>
+        </a:p>
+      </dgm:t>
+    </dgm:pt>
+    <dgm:pt modelId="{ED99513E-642B-4B3D-AB42-616C4C653B6B}" type="parTrans" cxnId="{8AF4D6E3-6762-4F6D-9C98-DC0906FDA99F}">
+      <dgm:prSet/>
+      <dgm:spPr/>
+      <dgm:t>
+        <a:bodyPr/>
+        <a:lstStyle/>
+        <a:p>
+          <a:endParaRPr lang="es-ES"/>
+        </a:p>
+      </dgm:t>
+    </dgm:pt>
+    <dgm:pt modelId="{FE553383-781C-42E5-B85B-F3A5241E5ACF}" type="sibTrans" cxnId="{8AF4D6E3-6762-4F6D-9C98-DC0906FDA99F}">
+      <dgm:prSet/>
+      <dgm:spPr/>
+      <dgm:t>
+        <a:bodyPr/>
+        <a:lstStyle/>
+        <a:p>
+          <a:endParaRPr lang="es-ES"/>
+        </a:p>
+      </dgm:t>
+    </dgm:pt>
+    <dgm:pt modelId="{57825768-6D8D-4C2D-A156-A1006A4C9839}">
+      <dgm:prSet custT="1"/>
+      <dgm:spPr/>
+      <dgm:t>
+        <a:bodyPr/>
+        <a:lstStyle/>
+        <a:p>
+          <a:r>
+            <a:rPr lang="es-ES" sz="2000" dirty="0" smtClean="0"/>
+            <a:t>Definir los requerimientos</a:t>
+          </a:r>
+          <a:endParaRPr lang="es-ES" sz="2000" dirty="0" smtClean="0"/>
+        </a:p>
+      </dgm:t>
+    </dgm:pt>
+    <dgm:pt modelId="{9FA81354-48C4-44F4-874A-F53D65E1CAAF}" type="parTrans" cxnId="{F59E66FC-0B20-4AC0-91B0-E7DD352D770C}">
+      <dgm:prSet/>
+      <dgm:spPr/>
+      <dgm:t>
+        <a:bodyPr/>
+        <a:lstStyle/>
+        <a:p>
+          <a:endParaRPr lang="es-ES"/>
+        </a:p>
+      </dgm:t>
+    </dgm:pt>
+    <dgm:pt modelId="{DCBE432A-E773-4EA7-A371-89DCC1B3C8E4}" type="sibTrans" cxnId="{F59E66FC-0B20-4AC0-91B0-E7DD352D770C}">
+      <dgm:prSet/>
+      <dgm:spPr/>
+      <dgm:t>
+        <a:bodyPr/>
+        <a:lstStyle/>
+        <a:p>
+          <a:endParaRPr lang="es-ES"/>
+        </a:p>
+      </dgm:t>
+    </dgm:pt>
+    <dgm:pt modelId="{EDDA57E2-CB83-49FC-A915-D12A26FF6C3E}">
+      <dgm:prSet custT="1"/>
+      <dgm:spPr/>
+      <dgm:t>
+        <a:bodyPr/>
+        <a:lstStyle/>
+        <a:p>
+          <a:r>
+            <a:rPr lang="es-ES" sz="2000" dirty="0" smtClean="0"/>
+            <a:t>Documentación y modelos</a:t>
+          </a:r>
+          <a:endParaRPr lang="es-ES" sz="2000" dirty="0" smtClean="0"/>
+        </a:p>
+      </dgm:t>
+    </dgm:pt>
+    <dgm:pt modelId="{A6070A15-1C59-46B9-A566-94B790E5BF86}" type="parTrans" cxnId="{79E73EB5-6E05-4253-864B-34F6BE79997E}">
+      <dgm:prSet/>
+      <dgm:spPr/>
+      <dgm:t>
+        <a:bodyPr/>
+        <a:lstStyle/>
+        <a:p>
+          <a:endParaRPr lang="es-ES"/>
+        </a:p>
+      </dgm:t>
+    </dgm:pt>
+    <dgm:pt modelId="{39FAF25B-1470-49A0-AA49-80EDFEE6DFC2}" type="sibTrans" cxnId="{79E73EB5-6E05-4253-864B-34F6BE79997E}">
+      <dgm:prSet/>
+      <dgm:spPr/>
+      <dgm:t>
+        <a:bodyPr/>
+        <a:lstStyle/>
+        <a:p>
+          <a:endParaRPr lang="es-ES"/>
+        </a:p>
+      </dgm:t>
+    </dgm:pt>
+    <dgm:pt modelId="{71BB67A3-DA7B-486F-B4E1-8D784EE5B4C1}">
+      <dgm:prSet phldrT="[Texto]">
+        <dgm:style>
+          <a:lnRef idx="1">
+            <a:schemeClr val="accent1"/>
+          </a:lnRef>
+          <a:fillRef idx="3">
+            <a:schemeClr val="accent1"/>
+          </a:fillRef>
+          <a:effectRef idx="2">
+            <a:schemeClr val="accent1"/>
+          </a:effectRef>
+          <a:fontRef idx="minor">
+            <a:schemeClr val="lt1"/>
+          </a:fontRef>
+        </dgm:style>
+      </dgm:prSet>
+      <dgm:spPr/>
+      <dgm:t>
+        <a:bodyPr/>
+        <a:lstStyle/>
+        <a:p>
+          <a:r>
+            <a:rPr lang="es-ES" dirty="0" smtClean="0"/>
+            <a:t> </a:t>
+          </a:r>
+          <a:endParaRPr lang="es-ES" dirty="0"/>
+        </a:p>
+      </dgm:t>
+    </dgm:pt>
+    <dgm:pt modelId="{A100BE82-B86F-4A82-9DBC-05CAA7B758CE}" type="sibTrans" cxnId="{0E3D3CA0-D5FA-470B-9DBC-416DEB8363AF}">
+      <dgm:prSet/>
+      <dgm:spPr/>
+      <dgm:t>
+        <a:bodyPr/>
+        <a:lstStyle/>
+        <a:p>
+          <a:endParaRPr lang="es-ES"/>
+        </a:p>
+      </dgm:t>
+    </dgm:pt>
+    <dgm:pt modelId="{6F39D485-12D3-4E09-98EC-EFD596426D0C}" type="parTrans" cxnId="{0E3D3CA0-D5FA-470B-9DBC-416DEB8363AF}">
+      <dgm:prSet/>
+      <dgm:spPr/>
+      <dgm:t>
+        <a:bodyPr/>
+        <a:lstStyle/>
+        <a:p>
+          <a:endParaRPr lang="es-ES"/>
+        </a:p>
+      </dgm:t>
+    </dgm:pt>
+    <dgm:pt modelId="{30907CEF-82FC-4E6C-B489-F293C9A4ECEF}">
+      <dgm:prSet phldrT="[Texto]"/>
+      <dgm:spPr/>
+      <dgm:t>
+        <a:bodyPr/>
+        <a:lstStyle/>
+        <a:p>
+          <a:endParaRPr lang="es-ES" sz="500" dirty="0"/>
+        </a:p>
+      </dgm:t>
+    </dgm:pt>
+    <dgm:pt modelId="{A530D23F-1C41-481F-8CCE-821C72BBD00D}" type="parTrans" cxnId="{EBAF55E3-F551-45E5-BC34-6ADE7C5BF786}">
+      <dgm:prSet/>
+      <dgm:spPr/>
+      <dgm:t>
+        <a:bodyPr/>
+        <a:lstStyle/>
+        <a:p>
+          <a:endParaRPr lang="es-ES"/>
+        </a:p>
+      </dgm:t>
+    </dgm:pt>
+    <dgm:pt modelId="{BA5168D6-4EBF-4D0C-A85D-F087017877FA}" type="sibTrans" cxnId="{EBAF55E3-F551-45E5-BC34-6ADE7C5BF786}">
+      <dgm:prSet/>
+      <dgm:spPr/>
+      <dgm:t>
+        <a:bodyPr/>
+        <a:lstStyle/>
+        <a:p>
+          <a:endParaRPr lang="es-ES"/>
+        </a:p>
+      </dgm:t>
+    </dgm:pt>
+    <dgm:pt modelId="{FC87B7B9-455D-4C02-8ECA-1E434E5688F2}">
+      <dgm:prSet phldrT="[Texto]" custT="1"/>
+      <dgm:spPr/>
+      <dgm:t>
+        <a:bodyPr/>
+        <a:lstStyle/>
+        <a:p>
+          <a:r>
+            <a:rPr lang="es-AR" sz="2000" dirty="0" err="1" smtClean="0"/>
+            <a:t>Testing</a:t>
+          </a:r>
+          <a:r>
+            <a:rPr lang="es-AR" sz="2000" dirty="0" smtClean="0"/>
+            <a:t> automatizado</a:t>
+          </a:r>
+          <a:endParaRPr lang="es-ES" sz="2000" dirty="0"/>
+        </a:p>
+      </dgm:t>
+    </dgm:pt>
+    <dgm:pt modelId="{5BC6CC6E-C367-47BC-AD71-076242D9A1AF}" type="parTrans" cxnId="{FE3E877C-791E-432D-A1D3-69CD40571BFD}">
+      <dgm:prSet/>
+      <dgm:spPr/>
+      <dgm:t>
+        <a:bodyPr/>
+        <a:lstStyle/>
+        <a:p>
+          <a:endParaRPr lang="es-ES"/>
+        </a:p>
+      </dgm:t>
+    </dgm:pt>
+    <dgm:pt modelId="{7F0140BF-A14F-4308-B61C-2E07BF377D78}" type="sibTrans" cxnId="{FE3E877C-791E-432D-A1D3-69CD40571BFD}">
+      <dgm:prSet/>
+      <dgm:spPr/>
+      <dgm:t>
+        <a:bodyPr/>
+        <a:lstStyle/>
+        <a:p>
+          <a:endParaRPr lang="es-ES"/>
+        </a:p>
+      </dgm:t>
+    </dgm:pt>
+    <dgm:pt modelId="{A6CD5FB2-A40F-49DA-972C-68A4E673509A}">
+      <dgm:prSet phldrT="[Texto]" custT="1"/>
+      <dgm:spPr/>
+      <dgm:t>
+        <a:bodyPr/>
+        <a:lstStyle/>
+        <a:p>
+          <a:r>
+            <a:rPr lang="es-AR" sz="2000" dirty="0" smtClean="0"/>
+            <a:t>Revisiones de código</a:t>
+          </a:r>
+          <a:endParaRPr lang="es-ES" sz="2000" dirty="0"/>
+        </a:p>
+      </dgm:t>
+    </dgm:pt>
+    <dgm:pt modelId="{72EBDCCE-1289-499D-856B-0DA3AD3AF6F4}" type="parTrans" cxnId="{ADDEA844-DA23-48EE-AF0E-202BC9A02603}">
+      <dgm:prSet/>
+      <dgm:spPr/>
+      <dgm:t>
+        <a:bodyPr/>
+        <a:lstStyle/>
+        <a:p>
+          <a:endParaRPr lang="es-ES"/>
+        </a:p>
+      </dgm:t>
+    </dgm:pt>
+    <dgm:pt modelId="{6794E768-372A-4482-9719-C065C091BEDB}" type="sibTrans" cxnId="{ADDEA844-DA23-48EE-AF0E-202BC9A02603}">
+      <dgm:prSet/>
+      <dgm:spPr/>
+      <dgm:t>
+        <a:bodyPr/>
+        <a:lstStyle/>
+        <a:p>
+          <a:endParaRPr lang="es-ES"/>
+        </a:p>
+      </dgm:t>
+    </dgm:pt>
+    <dgm:pt modelId="{687D51C9-451B-4FDE-A95E-9A5928EF4658}">
+      <dgm:prSet phldrT="[Texto]" custT="1"/>
+      <dgm:spPr/>
+      <dgm:t>
+        <a:bodyPr/>
+        <a:lstStyle/>
+        <a:p>
+          <a:r>
+            <a:rPr lang="es-AR" sz="2000" dirty="0" smtClean="0"/>
+            <a:t>Trabajar en las cosas que hicimos mal</a:t>
+          </a:r>
+          <a:endParaRPr lang="es-ES" sz="2000" dirty="0"/>
+        </a:p>
+      </dgm:t>
+    </dgm:pt>
+    <dgm:pt modelId="{F74B4A2B-E83F-46C3-90E9-6D8D92262E59}" type="parTrans" cxnId="{9B220E99-1539-4268-9B44-290C5934CF9D}">
+      <dgm:prSet/>
+      <dgm:spPr/>
+      <dgm:t>
+        <a:bodyPr/>
+        <a:lstStyle/>
+        <a:p>
+          <a:endParaRPr lang="es-ES"/>
+        </a:p>
+      </dgm:t>
+    </dgm:pt>
+    <dgm:pt modelId="{AC324F37-B10C-4F3D-ABC8-9C1033BE564B}" type="sibTrans" cxnId="{9B220E99-1539-4268-9B44-290C5934CF9D}">
+      <dgm:prSet/>
+      <dgm:spPr/>
+      <dgm:t>
+        <a:bodyPr/>
+        <a:lstStyle/>
+        <a:p>
+          <a:endParaRPr lang="es-ES"/>
+        </a:p>
+      </dgm:t>
+    </dgm:pt>
+    <dgm:pt modelId="{3B27A5CC-FC68-43CB-9781-BE262CC165B4}" type="pres">
+      <dgm:prSet presAssocID="{495701B9-E705-4E93-B57A-2A649F31390D}" presName="Name0" presStyleCnt="0">
+        <dgm:presLayoutVars>
+          <dgm:dir/>
+          <dgm:animLvl val="lvl"/>
+          <dgm:resizeHandles val="exact"/>
+        </dgm:presLayoutVars>
+      </dgm:prSet>
+      <dgm:spPr/>
+    </dgm:pt>
+    <dgm:pt modelId="{7A309515-942F-43BA-9C1F-B0D3F243173A}" type="pres">
+      <dgm:prSet presAssocID="{71BB67A3-DA7B-486F-B4E1-8D784EE5B4C1}" presName="composite" presStyleCnt="0"/>
+      <dgm:spPr/>
+    </dgm:pt>
+    <dgm:pt modelId="{F6E8144D-F280-4FAC-BA79-C70692AE6D30}" type="pres">
+      <dgm:prSet presAssocID="{71BB67A3-DA7B-486F-B4E1-8D784EE5B4C1}" presName="parTx" presStyleLbl="alignNode1" presStyleIdx="0" presStyleCnt="3" custScaleX="128517" custScaleY="201299">
+        <dgm:presLayoutVars>
+          <dgm:chMax val="0"/>
+          <dgm:chPref val="0"/>
+          <dgm:bulletEnabled val="1"/>
+        </dgm:presLayoutVars>
+      </dgm:prSet>
+      <dgm:spPr/>
+      <dgm:t>
+        <a:bodyPr/>
+        <a:lstStyle/>
+        <a:p>
+          <a:endParaRPr lang="es-ES"/>
+        </a:p>
+      </dgm:t>
+    </dgm:pt>
+    <dgm:pt modelId="{1FEBF249-450E-44F5-BC8E-AAC6681168F5}" type="pres">
+      <dgm:prSet presAssocID="{71BB67A3-DA7B-486F-B4E1-8D784EE5B4C1}" presName="desTx" presStyleLbl="alignAccFollowNode1" presStyleIdx="0" presStyleCnt="3" custScaleX="128517" custScaleY="93167">
+        <dgm:presLayoutVars>
+          <dgm:bulletEnabled val="1"/>
+        </dgm:presLayoutVars>
+      </dgm:prSet>
+      <dgm:spPr/>
+      <dgm:t>
+        <a:bodyPr/>
+        <a:lstStyle/>
+        <a:p>
+          <a:endParaRPr lang="es-ES"/>
+        </a:p>
+      </dgm:t>
+    </dgm:pt>
+    <dgm:pt modelId="{BA921E38-780B-4F72-AA5C-8D77FE4C2E2E}" type="pres">
+      <dgm:prSet presAssocID="{A100BE82-B86F-4A82-9DBC-05CAA7B758CE}" presName="space" presStyleCnt="0"/>
+      <dgm:spPr/>
+    </dgm:pt>
+    <dgm:pt modelId="{D76B2A8B-8641-4484-93E5-DBBD31DEDCBD}" type="pres">
+      <dgm:prSet presAssocID="{F0129FAB-6E66-4073-A1F2-B3D2AF24D571}" presName="composite" presStyleCnt="0"/>
+      <dgm:spPr/>
+    </dgm:pt>
+    <dgm:pt modelId="{A3CFD6C5-7EA3-4FB3-839C-1B4C04E13AFB}" type="pres">
+      <dgm:prSet presAssocID="{F0129FAB-6E66-4073-A1F2-B3D2AF24D571}" presName="parTx" presStyleLbl="alignNode1" presStyleIdx="1" presStyleCnt="3" custScaleY="201299">
+        <dgm:presLayoutVars>
+          <dgm:chMax val="0"/>
+          <dgm:chPref val="0"/>
+          <dgm:bulletEnabled val="1"/>
+        </dgm:presLayoutVars>
+      </dgm:prSet>
+      <dgm:spPr/>
+      <dgm:t>
+        <a:bodyPr/>
+        <a:lstStyle/>
+        <a:p>
+          <a:endParaRPr lang="es-ES"/>
+        </a:p>
+      </dgm:t>
+    </dgm:pt>
+    <dgm:pt modelId="{5BA996D8-3E8D-41A6-A33D-6094E4758714}" type="pres">
+      <dgm:prSet presAssocID="{F0129FAB-6E66-4073-A1F2-B3D2AF24D571}" presName="desTx" presStyleLbl="alignAccFollowNode1" presStyleIdx="1" presStyleCnt="3" custScaleY="93167">
+        <dgm:presLayoutVars>
+          <dgm:bulletEnabled val="1"/>
+        </dgm:presLayoutVars>
+      </dgm:prSet>
+      <dgm:spPr/>
+      <dgm:t>
+        <a:bodyPr/>
+        <a:lstStyle/>
+        <a:p>
+          <a:endParaRPr lang="es-ES"/>
+        </a:p>
+      </dgm:t>
+    </dgm:pt>
+    <dgm:pt modelId="{71864362-401B-447A-B6AB-701E5BAB880E}" type="pres">
+      <dgm:prSet presAssocID="{E4538D3C-7518-4B63-9474-5B9B26091A0A}" presName="space" presStyleCnt="0"/>
+      <dgm:spPr/>
+    </dgm:pt>
+    <dgm:pt modelId="{69516DA4-F9FD-43AB-B540-795CD2293797}" type="pres">
+      <dgm:prSet presAssocID="{992F3F8B-FD22-4F65-B752-8C9A5D3D4DE6}" presName="composite" presStyleCnt="0"/>
+      <dgm:spPr/>
+    </dgm:pt>
+    <dgm:pt modelId="{54A17BD6-0407-479E-B85E-B9C4291EBBC6}" type="pres">
+      <dgm:prSet presAssocID="{992F3F8B-FD22-4F65-B752-8C9A5D3D4DE6}" presName="parTx" presStyleLbl="alignNode1" presStyleIdx="2" presStyleCnt="3" custScaleY="201299">
+        <dgm:presLayoutVars>
+          <dgm:chMax val="0"/>
+          <dgm:chPref val="0"/>
+          <dgm:bulletEnabled val="1"/>
+        </dgm:presLayoutVars>
+      </dgm:prSet>
+      <dgm:spPr/>
+      <dgm:t>
+        <a:bodyPr/>
+        <a:lstStyle/>
+        <a:p>
+          <a:endParaRPr lang="es-ES"/>
+        </a:p>
+      </dgm:t>
+    </dgm:pt>
+    <dgm:pt modelId="{AC9D2233-2C8E-4E3C-82F6-341D903A1134}" type="pres">
+      <dgm:prSet presAssocID="{992F3F8B-FD22-4F65-B752-8C9A5D3D4DE6}" presName="desTx" presStyleLbl="alignAccFollowNode1" presStyleIdx="2" presStyleCnt="3" custScaleY="93167">
+        <dgm:presLayoutVars>
+          <dgm:bulletEnabled val="1"/>
+        </dgm:presLayoutVars>
+      </dgm:prSet>
+      <dgm:spPr/>
+      <dgm:t>
+        <a:bodyPr/>
+        <a:lstStyle/>
+        <a:p>
+          <a:endParaRPr lang="es-ES"/>
+        </a:p>
+      </dgm:t>
+    </dgm:pt>
+  </dgm:ptLst>
+  <dgm:cxnLst>
+    <dgm:cxn modelId="{42894641-D438-4831-8478-50AEF4165660}" srcId="{F0129FAB-6E66-4073-A1F2-B3D2AF24D571}" destId="{6AE484A8-CED1-400D-B3D0-2314605F0CD8}" srcOrd="0" destOrd="0" parTransId="{8B7E97C0-44D9-4D9B-B167-66DEDDFE4F07}" sibTransId="{F822F8C6-5C2F-4043-AA95-23B2A20CE662}"/>
+    <dgm:cxn modelId="{209E701B-A88D-48D2-8548-8BE0FAA73719}" type="presOf" srcId="{8B8F2305-D355-40E6-9983-AE61D564C189}" destId="{1FEBF249-450E-44F5-BC8E-AAC6681168F5}" srcOrd="0" destOrd="5" presId="urn:microsoft.com/office/officeart/2005/8/layout/hList1"/>
+    <dgm:cxn modelId="{EBAF55E3-F551-45E5-BC34-6ADE7C5BF786}" srcId="{F0129FAB-6E66-4073-A1F2-B3D2AF24D571}" destId="{30907CEF-82FC-4E6C-B489-F293C9A4ECEF}" srcOrd="3" destOrd="0" parTransId="{A530D23F-1C41-481F-8CCE-821C72BBD00D}" sibTransId="{BA5168D6-4EBF-4D0C-A85D-F087017877FA}"/>
+    <dgm:cxn modelId="{D83585CB-094C-46A4-B235-E0B80C8A1E17}" srcId="{71BB67A3-DA7B-486F-B4E1-8D784EE5B4C1}" destId="{AD70081C-AA5E-497B-9F82-D93D0CD60344}" srcOrd="0" destOrd="0" parTransId="{78D0C34E-9C67-4353-992C-E109622ABFAF}" sibTransId="{2CA1A2C4-2324-4B26-B15C-9B2089B0F101}"/>
+    <dgm:cxn modelId="{9743341E-C402-4975-B425-6E6768E04733}" type="presOf" srcId="{BB3F20A5-0AA6-4DE0-9870-63577625B175}" destId="{1FEBF249-450E-44F5-BC8E-AAC6681168F5}" srcOrd="0" destOrd="2" presId="urn:microsoft.com/office/officeart/2005/8/layout/hList1"/>
+    <dgm:cxn modelId="{F59E66FC-0B20-4AC0-91B0-E7DD352D770C}" srcId="{8B8F2305-D355-40E6-9983-AE61D564C189}" destId="{57825768-6D8D-4C2D-A156-A1006A4C9839}" srcOrd="1" destOrd="0" parTransId="{9FA81354-48C4-44F4-874A-F53D65E1CAAF}" sibTransId="{DCBE432A-E773-4EA7-A371-89DCC1B3C8E4}"/>
+    <dgm:cxn modelId="{A3ADB5D9-FF74-406E-B752-E2FD2688256A}" type="presOf" srcId="{159B0D20-F4C1-4346-BC8E-6B2B1ECB2BA5}" destId="{1FEBF249-450E-44F5-BC8E-AAC6681168F5}" srcOrd="0" destOrd="6" presId="urn:microsoft.com/office/officeart/2005/8/layout/hList1"/>
+    <dgm:cxn modelId="{4745A3FF-4C88-43C4-9F19-4F432F9F1A77}" srcId="{71BB67A3-DA7B-486F-B4E1-8D784EE5B4C1}" destId="{8B8F2305-D355-40E6-9983-AE61D564C189}" srcOrd="4" destOrd="0" parTransId="{B760E11B-199B-48FF-AC87-5D07EA892E1C}" sibTransId="{889C15E6-E9DE-4473-8F5D-6AA384F53366}"/>
+    <dgm:cxn modelId="{754172CB-0751-4887-9860-35D9AE6573A0}" type="presOf" srcId="{71BB67A3-DA7B-486F-B4E1-8D784EE5B4C1}" destId="{F6E8144D-F280-4FAC-BA79-C70692AE6D30}" srcOrd="0" destOrd="0" presId="urn:microsoft.com/office/officeart/2005/8/layout/hList1"/>
+    <dgm:cxn modelId="{5F407CCC-2498-4038-BA57-940A8CF1E1EC}" type="presOf" srcId="{AD70081C-AA5E-497B-9F82-D93D0CD60344}" destId="{1FEBF249-450E-44F5-BC8E-AAC6681168F5}" srcOrd="0" destOrd="0" presId="urn:microsoft.com/office/officeart/2005/8/layout/hList1"/>
+    <dgm:cxn modelId="{A049DD30-196A-44AE-96AC-E13654FC40FA}" srcId="{495701B9-E705-4E93-B57A-2A649F31390D}" destId="{F0129FAB-6E66-4073-A1F2-B3D2AF24D571}" srcOrd="1" destOrd="0" parTransId="{0664ECA8-8E0B-4619-96D5-3691904F0AC1}" sibTransId="{E4538D3C-7518-4B63-9474-5B9B26091A0A}"/>
+    <dgm:cxn modelId="{7F9903EA-5A2F-48E5-A21F-1A10E741A241}" type="presOf" srcId="{992F3F8B-FD22-4F65-B752-8C9A5D3D4DE6}" destId="{54A17BD6-0407-479E-B85E-B9C4291EBBC6}" srcOrd="0" destOrd="0" presId="urn:microsoft.com/office/officeart/2005/8/layout/hList1"/>
+    <dgm:cxn modelId="{DCAAC28B-DE50-4945-B6D8-7D8990F0D78C}" type="presOf" srcId="{18D4FAB6-F4EC-4183-858B-7F8268DE77A5}" destId="{AC9D2233-2C8E-4E3C-82F6-341D903A1134}" srcOrd="0" destOrd="0" presId="urn:microsoft.com/office/officeart/2005/8/layout/hList1"/>
+    <dgm:cxn modelId="{8152FBB3-DD6B-4338-950C-0F3CC07CECA9}" type="presOf" srcId="{EDDA57E2-CB83-49FC-A915-D12A26FF6C3E}" destId="{1FEBF249-450E-44F5-BC8E-AAC6681168F5}" srcOrd="0" destOrd="8" presId="urn:microsoft.com/office/officeart/2005/8/layout/hList1"/>
+    <dgm:cxn modelId="{ADDEA844-DA23-48EE-AF0E-202BC9A02603}" srcId="{F0129FAB-6E66-4073-A1F2-B3D2AF24D571}" destId="{A6CD5FB2-A40F-49DA-972C-68A4E673509A}" srcOrd="2" destOrd="0" parTransId="{72EBDCCE-1289-499D-856B-0DA3AD3AF6F4}" sibTransId="{6794E768-372A-4482-9719-C065C091BEDB}"/>
+    <dgm:cxn modelId="{46B004B2-E126-484F-AE0B-1618B4E77700}" srcId="{992F3F8B-FD22-4F65-B752-8C9A5D3D4DE6}" destId="{18D4FAB6-F4EC-4183-858B-7F8268DE77A5}" srcOrd="0" destOrd="0" parTransId="{6CB0C22E-C5CB-4486-BD9C-E2E112731247}" sibTransId="{9D4D9253-78BF-4683-AC1A-0F769FC0BF1E}"/>
+    <dgm:cxn modelId="{F7F27BD9-7260-49F8-A332-D3231D84889A}" type="presOf" srcId="{7757B4BA-F37C-40A5-9BBC-208826652FB6}" destId="{1FEBF249-450E-44F5-BC8E-AAC6681168F5}" srcOrd="0" destOrd="4" presId="urn:microsoft.com/office/officeart/2005/8/layout/hList1"/>
+    <dgm:cxn modelId="{CE92D16C-59D8-44FA-9343-89FA3129CDDB}" srcId="{71BB67A3-DA7B-486F-B4E1-8D784EE5B4C1}" destId="{7757B4BA-F37C-40A5-9BBC-208826652FB6}" srcOrd="3" destOrd="0" parTransId="{8056D9A1-A916-4560-90A1-399FBBDAB72C}" sibTransId="{9345534D-25C4-4866-92A9-69B3E74C4AD1}"/>
+    <dgm:cxn modelId="{06ECF3FA-1F4A-4942-AADC-FAB34A0B7787}" type="presOf" srcId="{368C5BB9-CA1B-4729-9232-1334C86D3031}" destId="{1FEBF249-450E-44F5-BC8E-AAC6681168F5}" srcOrd="0" destOrd="3" presId="urn:microsoft.com/office/officeart/2005/8/layout/hList1"/>
+    <dgm:cxn modelId="{F512224C-BC5F-48E1-BE61-C1BD0B909274}" type="presOf" srcId="{687D51C9-451B-4FDE-A95E-9A5928EF4658}" destId="{AC9D2233-2C8E-4E3C-82F6-341D903A1134}" srcOrd="0" destOrd="1" presId="urn:microsoft.com/office/officeart/2005/8/layout/hList1"/>
+    <dgm:cxn modelId="{923AAA88-B030-483D-916C-1941A9A9F73A}" srcId="{71BB67A3-DA7B-486F-B4E1-8D784EE5B4C1}" destId="{BB3F20A5-0AA6-4DE0-9870-63577625B175}" srcOrd="1" destOrd="0" parTransId="{8D83EDC9-170F-4122-9C8E-E2E74D1C8AF8}" sibTransId="{3D1AF4E6-F677-41E3-AE95-AA8EB65FF359}"/>
+    <dgm:cxn modelId="{DADADC05-2389-47E4-9850-9F97503396A7}" type="presOf" srcId="{57825768-6D8D-4C2D-A156-A1006A4C9839}" destId="{1FEBF249-450E-44F5-BC8E-AAC6681168F5}" srcOrd="0" destOrd="7" presId="urn:microsoft.com/office/officeart/2005/8/layout/hList1"/>
+    <dgm:cxn modelId="{E034B464-4327-44AD-985C-F0A86ED66CE9}" type="presOf" srcId="{FC87B7B9-455D-4C02-8ECA-1E434E5688F2}" destId="{5BA996D8-3E8D-41A6-A33D-6094E4758714}" srcOrd="0" destOrd="1" presId="urn:microsoft.com/office/officeart/2005/8/layout/hList1"/>
+    <dgm:cxn modelId="{0E3D3CA0-D5FA-470B-9DBC-416DEB8363AF}" srcId="{495701B9-E705-4E93-B57A-2A649F31390D}" destId="{71BB67A3-DA7B-486F-B4E1-8D784EE5B4C1}" srcOrd="0" destOrd="0" parTransId="{6F39D485-12D3-4E09-98EC-EFD596426D0C}" sibTransId="{A100BE82-B86F-4A82-9DBC-05CAA7B758CE}"/>
+    <dgm:cxn modelId="{FE3E877C-791E-432D-A1D3-69CD40571BFD}" srcId="{F0129FAB-6E66-4073-A1F2-B3D2AF24D571}" destId="{FC87B7B9-455D-4C02-8ECA-1E434E5688F2}" srcOrd="1" destOrd="0" parTransId="{5BC6CC6E-C367-47BC-AD71-076242D9A1AF}" sibTransId="{7F0140BF-A14F-4308-B61C-2E07BF377D78}"/>
+    <dgm:cxn modelId="{D6FA378E-CF84-467C-A10B-60166CDEA29B}" type="presOf" srcId="{6AE484A8-CED1-400D-B3D0-2314605F0CD8}" destId="{5BA996D8-3E8D-41A6-A33D-6094E4758714}" srcOrd="0" destOrd="0" presId="urn:microsoft.com/office/officeart/2005/8/layout/hList1"/>
+    <dgm:cxn modelId="{9B220E99-1539-4268-9B44-290C5934CF9D}" srcId="{992F3F8B-FD22-4F65-B752-8C9A5D3D4DE6}" destId="{687D51C9-451B-4FDE-A95E-9A5928EF4658}" srcOrd="1" destOrd="0" parTransId="{F74B4A2B-E83F-46C3-90E9-6D8D92262E59}" sibTransId="{AC324F37-B10C-4F3D-ABC8-9C1033BE564B}"/>
+    <dgm:cxn modelId="{79E73EB5-6E05-4253-864B-34F6BE79997E}" srcId="{71BB67A3-DA7B-486F-B4E1-8D784EE5B4C1}" destId="{EDDA57E2-CB83-49FC-A915-D12A26FF6C3E}" srcOrd="5" destOrd="0" parTransId="{A6070A15-1C59-46B9-A566-94B790E5BF86}" sibTransId="{39FAF25B-1470-49A0-AA49-80EDFEE6DFC2}"/>
+    <dgm:cxn modelId="{76BAD1CD-8D5C-4247-B522-69C0B57CC50E}" srcId="{71BB67A3-DA7B-486F-B4E1-8D784EE5B4C1}" destId="{368C5BB9-CA1B-4729-9232-1334C86D3031}" srcOrd="2" destOrd="0" parTransId="{7DBEC80D-D0F6-42F2-AEBF-C8B12AF99469}" sibTransId="{9F81A30D-8AFE-47EB-9FCB-0403CBB32355}"/>
+    <dgm:cxn modelId="{BCECC232-F90F-4F44-9D68-7C1544230806}" type="presOf" srcId="{F129DB5A-3168-441A-B54F-8C87C5F93A9C}" destId="{1FEBF249-450E-44F5-BC8E-AAC6681168F5}" srcOrd="0" destOrd="1" presId="urn:microsoft.com/office/officeart/2005/8/layout/hList1"/>
+    <dgm:cxn modelId="{AC678BC1-16BC-4DE7-9199-E43594906AEC}" type="presOf" srcId="{A6CD5FB2-A40F-49DA-972C-68A4E673509A}" destId="{5BA996D8-3E8D-41A6-A33D-6094E4758714}" srcOrd="0" destOrd="2" presId="urn:microsoft.com/office/officeart/2005/8/layout/hList1"/>
+    <dgm:cxn modelId="{8AF4D6E3-6762-4F6D-9C98-DC0906FDA99F}" srcId="{8B8F2305-D355-40E6-9983-AE61D564C189}" destId="{159B0D20-F4C1-4346-BC8E-6B2B1ECB2BA5}" srcOrd="0" destOrd="0" parTransId="{ED99513E-642B-4B3D-AB42-616C4C653B6B}" sibTransId="{FE553383-781C-42E5-B85B-F3A5241E5ACF}"/>
+    <dgm:cxn modelId="{77968A7F-DCC6-43BE-9BFC-6854BC66255F}" type="presOf" srcId="{495701B9-E705-4E93-B57A-2A649F31390D}" destId="{3B27A5CC-FC68-43CB-9781-BE262CC165B4}" srcOrd="0" destOrd="0" presId="urn:microsoft.com/office/officeart/2005/8/layout/hList1"/>
+    <dgm:cxn modelId="{69DD1595-7805-46F6-9EC3-BCE2D9D17355}" srcId="{495701B9-E705-4E93-B57A-2A649F31390D}" destId="{992F3F8B-FD22-4F65-B752-8C9A5D3D4DE6}" srcOrd="2" destOrd="0" parTransId="{D090F7C8-7581-4C6C-B2BB-C6FE90FFA125}" sibTransId="{E5F06758-FE6E-4504-981C-8424EB034746}"/>
+    <dgm:cxn modelId="{FDB8CCD2-1C10-4106-BCFC-944734251738}" srcId="{AD70081C-AA5E-497B-9F82-D93D0CD60344}" destId="{F129DB5A-3168-441A-B54F-8C87C5F93A9C}" srcOrd="0" destOrd="0" parTransId="{65CD33B2-7873-4C48-9D40-A75EFC9E5114}" sibTransId="{0BF1BA8E-2F03-401D-825D-8A33C7B7E673}"/>
+    <dgm:cxn modelId="{F9B86647-354D-494A-A3C2-3DED1A53C982}" type="presOf" srcId="{30907CEF-82FC-4E6C-B489-F293C9A4ECEF}" destId="{5BA996D8-3E8D-41A6-A33D-6094E4758714}" srcOrd="0" destOrd="3" presId="urn:microsoft.com/office/officeart/2005/8/layout/hList1"/>
+    <dgm:cxn modelId="{2A3A75EF-E0AE-41F9-BA2C-C3A891C663FD}" type="presOf" srcId="{F0129FAB-6E66-4073-A1F2-B3D2AF24D571}" destId="{A3CFD6C5-7EA3-4FB3-839C-1B4C04E13AFB}" srcOrd="0" destOrd="0" presId="urn:microsoft.com/office/officeart/2005/8/layout/hList1"/>
+    <dgm:cxn modelId="{702D3735-B2C0-43A2-A0B6-C66DF39CCE56}" type="presParOf" srcId="{3B27A5CC-FC68-43CB-9781-BE262CC165B4}" destId="{7A309515-942F-43BA-9C1F-B0D3F243173A}" srcOrd="0" destOrd="0" presId="urn:microsoft.com/office/officeart/2005/8/layout/hList1"/>
+    <dgm:cxn modelId="{A8FDE370-3141-45BE-B987-B637C683181C}" type="presParOf" srcId="{7A309515-942F-43BA-9C1F-B0D3F243173A}" destId="{F6E8144D-F280-4FAC-BA79-C70692AE6D30}" srcOrd="0" destOrd="0" presId="urn:microsoft.com/office/officeart/2005/8/layout/hList1"/>
+    <dgm:cxn modelId="{7068B07E-6AD8-49D4-9B50-EE58DBED3B44}" type="presParOf" srcId="{7A309515-942F-43BA-9C1F-B0D3F243173A}" destId="{1FEBF249-450E-44F5-BC8E-AAC6681168F5}" srcOrd="1" destOrd="0" presId="urn:microsoft.com/office/officeart/2005/8/layout/hList1"/>
+    <dgm:cxn modelId="{4E729B0D-1257-48AF-845F-887ACC47F037}" type="presParOf" srcId="{3B27A5CC-FC68-43CB-9781-BE262CC165B4}" destId="{BA921E38-780B-4F72-AA5C-8D77FE4C2E2E}" srcOrd="1" destOrd="0" presId="urn:microsoft.com/office/officeart/2005/8/layout/hList1"/>
+    <dgm:cxn modelId="{8E67C40A-A517-4DD4-8465-E6EFA667478B}" type="presParOf" srcId="{3B27A5CC-FC68-43CB-9781-BE262CC165B4}" destId="{D76B2A8B-8641-4484-93E5-DBBD31DEDCBD}" srcOrd="2" destOrd="0" presId="urn:microsoft.com/office/officeart/2005/8/layout/hList1"/>
+    <dgm:cxn modelId="{3CE40A20-3C37-40C0-8142-1996C06F8C17}" type="presParOf" srcId="{D76B2A8B-8641-4484-93E5-DBBD31DEDCBD}" destId="{A3CFD6C5-7EA3-4FB3-839C-1B4C04E13AFB}" srcOrd="0" destOrd="0" presId="urn:microsoft.com/office/officeart/2005/8/layout/hList1"/>
+    <dgm:cxn modelId="{5D396808-CDA0-4312-BB9F-0A73DF8BFB1D}" type="presParOf" srcId="{D76B2A8B-8641-4484-93E5-DBBD31DEDCBD}" destId="{5BA996D8-3E8D-41A6-A33D-6094E4758714}" srcOrd="1" destOrd="0" presId="urn:microsoft.com/office/officeart/2005/8/layout/hList1"/>
+    <dgm:cxn modelId="{17802538-F70F-4B82-9868-07FBE14CFF13}" type="presParOf" srcId="{3B27A5CC-FC68-43CB-9781-BE262CC165B4}" destId="{71864362-401B-447A-B6AB-701E5BAB880E}" srcOrd="3" destOrd="0" presId="urn:microsoft.com/office/officeart/2005/8/layout/hList1"/>
+    <dgm:cxn modelId="{8F413C33-5986-45F7-B386-E5FB23646C9A}" type="presParOf" srcId="{3B27A5CC-FC68-43CB-9781-BE262CC165B4}" destId="{69516DA4-F9FD-43AB-B540-795CD2293797}" srcOrd="4" destOrd="0" presId="urn:microsoft.com/office/officeart/2005/8/layout/hList1"/>
+    <dgm:cxn modelId="{B6FA8A27-73E5-4A25-A76D-75B717AAAE78}" type="presParOf" srcId="{69516DA4-F9FD-43AB-B540-795CD2293797}" destId="{54A17BD6-0407-479E-B85E-B9C4291EBBC6}" srcOrd="0" destOrd="0" presId="urn:microsoft.com/office/officeart/2005/8/layout/hList1"/>
+    <dgm:cxn modelId="{FF0E32AE-DBEB-48F8-B390-6DC9AF8F3736}" type="presParOf" srcId="{69516DA4-F9FD-43AB-B540-795CD2293797}" destId="{AC9D2233-2C8E-4E3C-82F6-341D903A1134}" srcOrd="1" destOrd="0" presId="urn:microsoft.com/office/officeart/2005/8/layout/hList1"/>
+  </dgm:cxnLst>
+  <dgm:bg/>
+  <dgm:whole/>
+  <dgm:extLst>
+    <a:ext uri="http://schemas.microsoft.com/office/drawing/2008/diagram">
+      <dsp:dataModelExt xmlns:dsp="http://schemas.microsoft.com/office/drawing/2008/diagram" relId="rId7" minVer="http://schemas.openxmlformats.org/drawingml/2006/diagram"/>
     </a:ext>
   </dgm:extLst>
 </dgm:dataModel>
@@ -1937,7 +3769,7 @@
               </a:effectLst>
               <a:latin typeface="+mj-lt"/>
             </a:rPr>
-            <a:t>Documentación</a:t>
+            <a:t>Demo del Sistema</a:t>
           </a:r>
           <a:endParaRPr lang="es-AR" sz="2400" b="1" kern="1200" dirty="0">
             <a:effectLst>
@@ -2079,7 +3911,7 @@
               </a:effectLst>
               <a:latin typeface="+mj-lt"/>
             </a:rPr>
-            <a:t>Demo del Sistema</a:t>
+            <a:t>Reflexiones Generales</a:t>
           </a:r>
           <a:endParaRPr lang="es-AR" sz="2400" b="1" kern="1200" dirty="0">
             <a:effectLst>
@@ -2286,6 +4118,805 @@
         </a:effectRef>
         <a:fontRef idx="minor"/>
       </dsp:style>
+    </dsp:sp>
+  </dsp:spTree>
+</dsp:drawing>
+</file>
+
+<file path=ppt/diagrams/drawing2.xml><?xml version="1.0" encoding="utf-8"?>
+<dsp:drawing xmlns:dgm="http://schemas.openxmlformats.org/drawingml/2006/diagram" xmlns:dsp="http://schemas.microsoft.com/office/drawing/2008/diagram" xmlns:a="http://schemas.openxmlformats.org/drawingml/2006/main">
+  <dsp:spTree>
+    <dsp:nvGrpSpPr>
+      <dsp:cNvPr id="0" name=""/>
+      <dsp:cNvGrpSpPr/>
+    </dsp:nvGrpSpPr>
+    <dsp:grpSpPr/>
+    <dsp:sp modelId="{F6E8144D-F280-4FAC-BA79-C70692AE6D30}">
+      <dsp:nvSpPr>
+        <dsp:cNvPr id="0" name=""/>
+        <dsp:cNvSpPr/>
+      </dsp:nvSpPr>
+      <dsp:spPr>
+        <a:xfrm>
+          <a:off x="4434" y="5936"/>
+          <a:ext cx="4108281" cy="927585"/>
+        </a:xfrm>
+        <a:prstGeom prst="rect">
+          <a:avLst/>
+        </a:prstGeom>
+        <a:gradFill rotWithShape="1">
+          <a:gsLst>
+            <a:gs pos="0">
+              <a:schemeClr val="accent1">
+                <a:tint val="98000"/>
+                <a:lumMod val="114000"/>
+              </a:schemeClr>
+            </a:gs>
+            <a:gs pos="100000">
+              <a:schemeClr val="accent1">
+                <a:shade val="90000"/>
+                <a:lumMod val="84000"/>
+              </a:schemeClr>
+            </a:gs>
+          </a:gsLst>
+          <a:lin ang="5400000" scaled="0"/>
+        </a:gradFill>
+        <a:ln w="9525" cap="rnd" cmpd="sng" algn="ctr">
+          <a:solidFill>
+            <a:schemeClr val="accent1"/>
+          </a:solidFill>
+          <a:prstDash val="solid"/>
+        </a:ln>
+        <a:effectLst>
+          <a:outerShdw blurRad="38100" dist="25400" dir="5400000" rotWithShape="0">
+            <a:srgbClr val="000000">
+              <a:alpha val="45000"/>
+            </a:srgbClr>
+          </a:outerShdw>
+        </a:effectLst>
+      </dsp:spPr>
+      <dsp:style>
+        <a:lnRef idx="1">
+          <a:schemeClr val="accent1"/>
+        </a:lnRef>
+        <a:fillRef idx="3">
+          <a:schemeClr val="accent1"/>
+        </a:fillRef>
+        <a:effectRef idx="2">
+          <a:schemeClr val="accent1"/>
+        </a:effectRef>
+        <a:fontRef idx="minor">
+          <a:schemeClr val="lt1"/>
+        </a:fontRef>
+      </dsp:style>
+      <dsp:txBody>
+        <a:bodyPr spcFirstLastPara="0" vert="horz" wrap="square" lIns="113792" tIns="65024" rIns="113792" bIns="65024" numCol="1" spcCol="1270" anchor="ctr" anchorCtr="0">
+          <a:noAutofit/>
+        </a:bodyPr>
+        <a:lstStyle/>
+        <a:p>
+          <a:pPr lvl="0" algn="ctr" defTabSz="711200">
+            <a:lnSpc>
+              <a:spcPct val="90000"/>
+            </a:lnSpc>
+            <a:spcBef>
+              <a:spcPct val="0"/>
+            </a:spcBef>
+            <a:spcAft>
+              <a:spcPct val="35000"/>
+            </a:spcAft>
+          </a:pPr>
+          <a:r>
+            <a:rPr lang="es-ES" sz="1600" kern="1200" dirty="0" smtClean="0"/>
+            <a:t> </a:t>
+          </a:r>
+          <a:endParaRPr lang="es-ES" sz="1600" kern="1200" dirty="0"/>
+        </a:p>
+      </dsp:txBody>
+      <dsp:txXfrm>
+        <a:off x="4434" y="5936"/>
+        <a:ext cx="4108281" cy="927585"/>
+      </dsp:txXfrm>
+    </dsp:sp>
+    <dsp:sp modelId="{1FEBF249-450E-44F5-BC8E-AAC6681168F5}">
+      <dsp:nvSpPr>
+        <dsp:cNvPr id="0" name=""/>
+        <dsp:cNvSpPr/>
+      </dsp:nvSpPr>
+      <dsp:spPr>
+        <a:xfrm>
+          <a:off x="4434" y="856184"/>
+          <a:ext cx="4108281" cy="4255570"/>
+        </a:xfrm>
+        <a:prstGeom prst="rect">
+          <a:avLst/>
+        </a:prstGeom>
+        <a:solidFill>
+          <a:schemeClr val="accent2">
+            <a:tint val="40000"/>
+            <a:alpha val="90000"/>
+            <a:hueOff val="0"/>
+            <a:satOff val="0"/>
+            <a:lumOff val="0"/>
+            <a:alphaOff val="0"/>
+          </a:schemeClr>
+        </a:solidFill>
+        <a:ln w="9525" cap="rnd" cmpd="sng" algn="ctr">
+          <a:solidFill>
+            <a:schemeClr val="accent2">
+              <a:tint val="40000"/>
+              <a:alpha val="90000"/>
+              <a:hueOff val="0"/>
+              <a:satOff val="0"/>
+              <a:lumOff val="0"/>
+              <a:alphaOff val="0"/>
+            </a:schemeClr>
+          </a:solidFill>
+          <a:prstDash val="solid"/>
+        </a:ln>
+        <a:effectLst/>
+      </dsp:spPr>
+      <dsp:style>
+        <a:lnRef idx="1">
+          <a:scrgbClr r="0" g="0" b="0"/>
+        </a:lnRef>
+        <a:fillRef idx="1">
+          <a:scrgbClr r="0" g="0" b="0"/>
+        </a:fillRef>
+        <a:effectRef idx="0">
+          <a:scrgbClr r="0" g="0" b="0"/>
+        </a:effectRef>
+        <a:fontRef idx="minor"/>
+      </dsp:style>
+      <dsp:txBody>
+        <a:bodyPr spcFirstLastPara="0" vert="horz" wrap="square" lIns="106680" tIns="106680" rIns="142240" bIns="160020" numCol="1" spcCol="1270" anchor="t" anchorCtr="0">
+          <a:noAutofit/>
+        </a:bodyPr>
+        <a:lstStyle/>
+        <a:p>
+          <a:pPr marL="228600" lvl="1" indent="-228600" algn="l" defTabSz="889000">
+            <a:lnSpc>
+              <a:spcPct val="90000"/>
+            </a:lnSpc>
+            <a:spcBef>
+              <a:spcPct val="0"/>
+            </a:spcBef>
+            <a:spcAft>
+              <a:spcPct val="15000"/>
+            </a:spcAft>
+            <a:buChar char="••"/>
+          </a:pPr>
+          <a:r>
+            <a:rPr lang="es-ES" sz="2000" kern="1200" dirty="0" smtClean="0"/>
+            <a:t>Horas dedicadas al proyecto</a:t>
+          </a:r>
+          <a:endParaRPr lang="es-ES" sz="2000" kern="1200" dirty="0"/>
+        </a:p>
+        <a:p>
+          <a:pPr marL="457200" lvl="2" indent="-228600" algn="l" defTabSz="889000">
+            <a:lnSpc>
+              <a:spcPct val="90000"/>
+            </a:lnSpc>
+            <a:spcBef>
+              <a:spcPct val="0"/>
+            </a:spcBef>
+            <a:spcAft>
+              <a:spcPct val="15000"/>
+            </a:spcAft>
+            <a:buChar char="••"/>
+          </a:pPr>
+          <a:r>
+            <a:rPr lang="es-ES" sz="2000" kern="1200" dirty="0" smtClean="0"/>
+            <a:t>1260 horas.  315 c/u.</a:t>
+          </a:r>
+          <a:endParaRPr lang="es-ES" sz="2000" kern="1200" dirty="0" smtClean="0"/>
+        </a:p>
+        <a:p>
+          <a:pPr marL="228600" lvl="1" indent="-228600" algn="l" defTabSz="889000">
+            <a:lnSpc>
+              <a:spcPct val="90000"/>
+            </a:lnSpc>
+            <a:spcBef>
+              <a:spcPct val="0"/>
+            </a:spcBef>
+            <a:spcAft>
+              <a:spcPct val="15000"/>
+            </a:spcAft>
+            <a:buChar char="••"/>
+          </a:pPr>
+          <a:r>
+            <a:rPr lang="es-ES" sz="2000" kern="1200" dirty="0" smtClean="0"/>
+            <a:t>Adaptar metodología.</a:t>
+          </a:r>
+          <a:endParaRPr lang="es-ES" sz="2000" kern="1200" dirty="0" smtClean="0"/>
+        </a:p>
+        <a:p>
+          <a:pPr marL="228600" lvl="1" indent="-228600" algn="l" defTabSz="889000">
+            <a:lnSpc>
+              <a:spcPct val="90000"/>
+            </a:lnSpc>
+            <a:spcBef>
+              <a:spcPct val="0"/>
+            </a:spcBef>
+            <a:spcAft>
+              <a:spcPct val="15000"/>
+            </a:spcAft>
+            <a:buChar char="••"/>
+          </a:pPr>
+          <a:r>
+            <a:rPr lang="es-ES" sz="2000" b="1" kern="1200" dirty="0" smtClean="0">
+              <a:effectLst>
+                <a:outerShdw blurRad="38100" dist="38100" dir="2700000" algn="tl">
+                  <a:srgbClr val="000000">
+                    <a:alpha val="43137"/>
+                  </a:srgbClr>
+                </a:outerShdw>
+              </a:effectLst>
+            </a:rPr>
+            <a:t>Trabajo en Equipo</a:t>
+          </a:r>
+          <a:endParaRPr lang="es-ES" sz="2000" b="1" kern="1200" dirty="0" smtClean="0">
+            <a:effectLst>
+              <a:outerShdw blurRad="38100" dist="38100" dir="2700000" algn="tl">
+                <a:srgbClr val="000000">
+                  <a:alpha val="43137"/>
+                </a:srgbClr>
+              </a:outerShdw>
+            </a:effectLst>
+          </a:endParaRPr>
+        </a:p>
+        <a:p>
+          <a:pPr marL="228600" lvl="1" indent="-228600" algn="l" defTabSz="889000">
+            <a:lnSpc>
+              <a:spcPct val="90000"/>
+            </a:lnSpc>
+            <a:spcBef>
+              <a:spcPct val="0"/>
+            </a:spcBef>
+            <a:spcAft>
+              <a:spcPct val="15000"/>
+            </a:spcAft>
+            <a:buChar char="••"/>
+          </a:pPr>
+          <a:r>
+            <a:rPr lang="es-ES" sz="2000" b="1" kern="1200" dirty="0" smtClean="0">
+              <a:effectLst>
+                <a:outerShdw blurRad="38100" dist="38100" dir="2700000" algn="tl">
+                  <a:srgbClr val="000000">
+                    <a:alpha val="43137"/>
+                  </a:srgbClr>
+                </a:outerShdw>
+              </a:effectLst>
+            </a:rPr>
+            <a:t>Compromiso</a:t>
+          </a:r>
+          <a:endParaRPr lang="es-ES" sz="2000" b="1" kern="1200" dirty="0" smtClean="0">
+            <a:effectLst>
+              <a:outerShdw blurRad="38100" dist="38100" dir="2700000" algn="tl">
+                <a:srgbClr val="000000">
+                  <a:alpha val="43137"/>
+                </a:srgbClr>
+              </a:outerShdw>
+            </a:effectLst>
+          </a:endParaRPr>
+        </a:p>
+        <a:p>
+          <a:pPr marL="228600" lvl="1" indent="-228600" algn="l" defTabSz="889000">
+            <a:lnSpc>
+              <a:spcPct val="90000"/>
+            </a:lnSpc>
+            <a:spcBef>
+              <a:spcPct val="0"/>
+            </a:spcBef>
+            <a:spcAft>
+              <a:spcPct val="15000"/>
+            </a:spcAft>
+            <a:buChar char="••"/>
+          </a:pPr>
+          <a:r>
+            <a:rPr lang="es-ES" sz="2000" kern="1200" smtClean="0"/>
+            <a:t>Sprint 0</a:t>
+          </a:r>
+          <a:endParaRPr lang="es-ES" sz="2000" kern="1200" dirty="0" smtClean="0"/>
+        </a:p>
+        <a:p>
+          <a:pPr marL="457200" lvl="2" indent="-228600" algn="l" defTabSz="889000">
+            <a:lnSpc>
+              <a:spcPct val="90000"/>
+            </a:lnSpc>
+            <a:spcBef>
+              <a:spcPct val="0"/>
+            </a:spcBef>
+            <a:spcAft>
+              <a:spcPct val="15000"/>
+            </a:spcAft>
+            <a:buChar char="••"/>
+          </a:pPr>
+          <a:r>
+            <a:rPr lang="es-ES" sz="2000" kern="1200" smtClean="0"/>
+            <a:t>Estudio inicial</a:t>
+          </a:r>
+          <a:endParaRPr lang="es-ES" sz="2000" kern="1200" dirty="0" smtClean="0"/>
+        </a:p>
+        <a:p>
+          <a:pPr marL="457200" lvl="2" indent="-228600" algn="l" defTabSz="889000">
+            <a:lnSpc>
+              <a:spcPct val="90000"/>
+            </a:lnSpc>
+            <a:spcBef>
+              <a:spcPct val="0"/>
+            </a:spcBef>
+            <a:spcAft>
+              <a:spcPct val="15000"/>
+            </a:spcAft>
+            <a:buChar char="••"/>
+          </a:pPr>
+          <a:r>
+            <a:rPr lang="es-ES" sz="2000" kern="1200" dirty="0" smtClean="0"/>
+            <a:t>Definir los requerimientos</a:t>
+          </a:r>
+          <a:endParaRPr lang="es-ES" sz="2000" kern="1200" dirty="0" smtClean="0"/>
+        </a:p>
+        <a:p>
+          <a:pPr marL="228600" lvl="1" indent="-228600" algn="l" defTabSz="889000">
+            <a:lnSpc>
+              <a:spcPct val="90000"/>
+            </a:lnSpc>
+            <a:spcBef>
+              <a:spcPct val="0"/>
+            </a:spcBef>
+            <a:spcAft>
+              <a:spcPct val="15000"/>
+            </a:spcAft>
+            <a:buChar char="••"/>
+          </a:pPr>
+          <a:r>
+            <a:rPr lang="es-ES" sz="2000" kern="1200" dirty="0" smtClean="0"/>
+            <a:t>Documentación y modelos</a:t>
+          </a:r>
+          <a:endParaRPr lang="es-ES" sz="2000" kern="1200" dirty="0" smtClean="0"/>
+        </a:p>
+      </dsp:txBody>
+      <dsp:txXfrm>
+        <a:off x="4434" y="856184"/>
+        <a:ext cx="4108281" cy="4255570"/>
+      </dsp:txXfrm>
+    </dsp:sp>
+    <dsp:sp modelId="{A3CFD6C5-7EA3-4FB3-839C-1B4C04E13AFB}">
+      <dsp:nvSpPr>
+        <dsp:cNvPr id="0" name=""/>
+        <dsp:cNvSpPr/>
+      </dsp:nvSpPr>
+      <dsp:spPr>
+        <a:xfrm>
+          <a:off x="4560251" y="5936"/>
+          <a:ext cx="3196683" cy="927585"/>
+        </a:xfrm>
+        <a:prstGeom prst="rect">
+          <a:avLst/>
+        </a:prstGeom>
+        <a:gradFill rotWithShape="0">
+          <a:gsLst>
+            <a:gs pos="0">
+              <a:schemeClr val="accent3">
+                <a:hueOff val="0"/>
+                <a:satOff val="0"/>
+                <a:lumOff val="0"/>
+                <a:alphaOff val="0"/>
+                <a:tint val="98000"/>
+                <a:lumMod val="114000"/>
+              </a:schemeClr>
+            </a:gs>
+            <a:gs pos="100000">
+              <a:schemeClr val="accent3">
+                <a:hueOff val="0"/>
+                <a:satOff val="0"/>
+                <a:lumOff val="0"/>
+                <a:alphaOff val="0"/>
+                <a:shade val="90000"/>
+                <a:lumMod val="84000"/>
+              </a:schemeClr>
+            </a:gs>
+          </a:gsLst>
+          <a:lin ang="5400000" scaled="0"/>
+        </a:gradFill>
+        <a:ln w="9525" cap="rnd" cmpd="sng" algn="ctr">
+          <a:solidFill>
+            <a:schemeClr val="accent3">
+              <a:hueOff val="0"/>
+              <a:satOff val="0"/>
+              <a:lumOff val="0"/>
+              <a:alphaOff val="0"/>
+            </a:schemeClr>
+          </a:solidFill>
+          <a:prstDash val="solid"/>
+        </a:ln>
+        <a:effectLst>
+          <a:outerShdw blurRad="38100" dist="25400" dir="5400000" rotWithShape="0">
+            <a:srgbClr val="000000">
+              <a:alpha val="45000"/>
+            </a:srgbClr>
+          </a:outerShdw>
+        </a:effectLst>
+      </dsp:spPr>
+      <dsp:style>
+        <a:lnRef idx="1">
+          <a:scrgbClr r="0" g="0" b="0"/>
+        </a:lnRef>
+        <a:fillRef idx="3">
+          <a:scrgbClr r="0" g="0" b="0"/>
+        </a:fillRef>
+        <a:effectRef idx="2">
+          <a:scrgbClr r="0" g="0" b="0"/>
+        </a:effectRef>
+        <a:fontRef idx="minor">
+          <a:schemeClr val="lt1"/>
+        </a:fontRef>
+      </dsp:style>
+      <dsp:txBody>
+        <a:bodyPr spcFirstLastPara="0" vert="horz" wrap="square" lIns="113792" tIns="65024" rIns="113792" bIns="65024" numCol="1" spcCol="1270" anchor="ctr" anchorCtr="0">
+          <a:noAutofit/>
+        </a:bodyPr>
+        <a:lstStyle/>
+        <a:p>
+          <a:pPr lvl="0" algn="ctr" defTabSz="711200">
+            <a:lnSpc>
+              <a:spcPct val="90000"/>
+            </a:lnSpc>
+            <a:spcBef>
+              <a:spcPct val="0"/>
+            </a:spcBef>
+            <a:spcAft>
+              <a:spcPct val="35000"/>
+            </a:spcAft>
+          </a:pPr>
+          <a:r>
+            <a:rPr lang="es-ES" sz="1600" kern="1200" dirty="0" smtClean="0"/>
+            <a:t> </a:t>
+          </a:r>
+          <a:endParaRPr lang="es-ES" sz="1600" kern="1200" dirty="0"/>
+        </a:p>
+      </dsp:txBody>
+      <dsp:txXfrm>
+        <a:off x="4560251" y="5936"/>
+        <a:ext cx="3196683" cy="927585"/>
+      </dsp:txXfrm>
+    </dsp:sp>
+    <dsp:sp modelId="{5BA996D8-3E8D-41A6-A33D-6094E4758714}">
+      <dsp:nvSpPr>
+        <dsp:cNvPr id="0" name=""/>
+        <dsp:cNvSpPr/>
+      </dsp:nvSpPr>
+      <dsp:spPr>
+        <a:xfrm>
+          <a:off x="4560251" y="856184"/>
+          <a:ext cx="3196683" cy="4255570"/>
+        </a:xfrm>
+        <a:prstGeom prst="rect">
+          <a:avLst/>
+        </a:prstGeom>
+        <a:solidFill>
+          <a:schemeClr val="accent3">
+            <a:tint val="40000"/>
+            <a:alpha val="90000"/>
+            <a:hueOff val="0"/>
+            <a:satOff val="0"/>
+            <a:lumOff val="0"/>
+            <a:alphaOff val="0"/>
+          </a:schemeClr>
+        </a:solidFill>
+        <a:ln w="9525" cap="rnd" cmpd="sng" algn="ctr">
+          <a:solidFill>
+            <a:schemeClr val="accent3">
+              <a:tint val="40000"/>
+              <a:alpha val="90000"/>
+              <a:hueOff val="0"/>
+              <a:satOff val="0"/>
+              <a:lumOff val="0"/>
+              <a:alphaOff val="0"/>
+            </a:schemeClr>
+          </a:solidFill>
+          <a:prstDash val="solid"/>
+        </a:ln>
+        <a:effectLst/>
+      </dsp:spPr>
+      <dsp:style>
+        <a:lnRef idx="1">
+          <a:scrgbClr r="0" g="0" b="0"/>
+        </a:lnRef>
+        <a:fillRef idx="1">
+          <a:scrgbClr r="0" g="0" b="0"/>
+        </a:fillRef>
+        <a:effectRef idx="0">
+          <a:scrgbClr r="0" g="0" b="0"/>
+        </a:effectRef>
+        <a:fontRef idx="minor"/>
+      </dsp:style>
+      <dsp:txBody>
+        <a:bodyPr spcFirstLastPara="0" vert="horz" wrap="square" lIns="106680" tIns="106680" rIns="142240" bIns="160020" numCol="1" spcCol="1270" anchor="t" anchorCtr="0">
+          <a:noAutofit/>
+        </a:bodyPr>
+        <a:lstStyle/>
+        <a:p>
+          <a:pPr marL="228600" lvl="1" indent="-228600" algn="l" defTabSz="889000">
+            <a:lnSpc>
+              <a:spcPct val="90000"/>
+            </a:lnSpc>
+            <a:spcBef>
+              <a:spcPct val="0"/>
+            </a:spcBef>
+            <a:spcAft>
+              <a:spcPct val="15000"/>
+            </a:spcAft>
+            <a:buChar char="••"/>
+          </a:pPr>
+          <a:r>
+            <a:rPr lang="es-AR" sz="2000" kern="1200" dirty="0" smtClean="0"/>
+            <a:t>Definir Criterios de Hecho</a:t>
+          </a:r>
+          <a:endParaRPr lang="es-ES" sz="2000" kern="1200" dirty="0"/>
+        </a:p>
+        <a:p>
+          <a:pPr marL="228600" lvl="1" indent="-228600" algn="l" defTabSz="889000">
+            <a:lnSpc>
+              <a:spcPct val="90000"/>
+            </a:lnSpc>
+            <a:spcBef>
+              <a:spcPct val="0"/>
+            </a:spcBef>
+            <a:spcAft>
+              <a:spcPct val="15000"/>
+            </a:spcAft>
+            <a:buChar char="••"/>
+          </a:pPr>
+          <a:r>
+            <a:rPr lang="es-AR" sz="2000" kern="1200" dirty="0" err="1" smtClean="0"/>
+            <a:t>Testing</a:t>
+          </a:r>
+          <a:r>
+            <a:rPr lang="es-AR" sz="2000" kern="1200" dirty="0" smtClean="0"/>
+            <a:t> automatizado</a:t>
+          </a:r>
+          <a:endParaRPr lang="es-ES" sz="2000" kern="1200" dirty="0"/>
+        </a:p>
+        <a:p>
+          <a:pPr marL="228600" lvl="1" indent="-228600" algn="l" defTabSz="889000">
+            <a:lnSpc>
+              <a:spcPct val="90000"/>
+            </a:lnSpc>
+            <a:spcBef>
+              <a:spcPct val="0"/>
+            </a:spcBef>
+            <a:spcAft>
+              <a:spcPct val="15000"/>
+            </a:spcAft>
+            <a:buChar char="••"/>
+          </a:pPr>
+          <a:r>
+            <a:rPr lang="es-AR" sz="2000" kern="1200" dirty="0" smtClean="0"/>
+            <a:t>Revisiones de código</a:t>
+          </a:r>
+          <a:endParaRPr lang="es-ES" sz="2000" kern="1200" dirty="0"/>
+        </a:p>
+        <a:p>
+          <a:pPr marL="57150" lvl="1" indent="-57150" algn="l" defTabSz="222250">
+            <a:lnSpc>
+              <a:spcPct val="90000"/>
+            </a:lnSpc>
+            <a:spcBef>
+              <a:spcPct val="0"/>
+            </a:spcBef>
+            <a:spcAft>
+              <a:spcPct val="15000"/>
+            </a:spcAft>
+            <a:buChar char="••"/>
+          </a:pPr>
+          <a:endParaRPr lang="es-ES" sz="500" kern="1200" dirty="0"/>
+        </a:p>
+      </dsp:txBody>
+      <dsp:txXfrm>
+        <a:off x="4560251" y="856184"/>
+        <a:ext cx="3196683" cy="4255570"/>
+      </dsp:txXfrm>
+    </dsp:sp>
+    <dsp:sp modelId="{54A17BD6-0407-479E-B85E-B9C4291EBBC6}">
+      <dsp:nvSpPr>
+        <dsp:cNvPr id="0" name=""/>
+        <dsp:cNvSpPr/>
+      </dsp:nvSpPr>
+      <dsp:spPr>
+        <a:xfrm>
+          <a:off x="8204470" y="5936"/>
+          <a:ext cx="3196683" cy="927585"/>
+        </a:xfrm>
+        <a:prstGeom prst="rect">
+          <a:avLst/>
+        </a:prstGeom>
+        <a:gradFill rotWithShape="0">
+          <a:gsLst>
+            <a:gs pos="0">
+              <a:schemeClr val="accent4">
+                <a:hueOff val="0"/>
+                <a:satOff val="0"/>
+                <a:lumOff val="0"/>
+                <a:alphaOff val="0"/>
+                <a:tint val="98000"/>
+                <a:lumMod val="114000"/>
+              </a:schemeClr>
+            </a:gs>
+            <a:gs pos="100000">
+              <a:schemeClr val="accent4">
+                <a:hueOff val="0"/>
+                <a:satOff val="0"/>
+                <a:lumOff val="0"/>
+                <a:alphaOff val="0"/>
+                <a:shade val="90000"/>
+                <a:lumMod val="84000"/>
+              </a:schemeClr>
+            </a:gs>
+          </a:gsLst>
+          <a:lin ang="5400000" scaled="0"/>
+        </a:gradFill>
+        <a:ln w="9525" cap="rnd" cmpd="sng" algn="ctr">
+          <a:solidFill>
+            <a:schemeClr val="accent4">
+              <a:hueOff val="0"/>
+              <a:satOff val="0"/>
+              <a:lumOff val="0"/>
+              <a:alphaOff val="0"/>
+            </a:schemeClr>
+          </a:solidFill>
+          <a:prstDash val="solid"/>
+        </a:ln>
+        <a:effectLst>
+          <a:outerShdw blurRad="38100" dist="25400" dir="5400000" rotWithShape="0">
+            <a:srgbClr val="000000">
+              <a:alpha val="45000"/>
+            </a:srgbClr>
+          </a:outerShdw>
+        </a:effectLst>
+      </dsp:spPr>
+      <dsp:style>
+        <a:lnRef idx="1">
+          <a:scrgbClr r="0" g="0" b="0"/>
+        </a:lnRef>
+        <a:fillRef idx="3">
+          <a:scrgbClr r="0" g="0" b="0"/>
+        </a:fillRef>
+        <a:effectRef idx="2">
+          <a:scrgbClr r="0" g="0" b="0"/>
+        </a:effectRef>
+        <a:fontRef idx="minor">
+          <a:schemeClr val="lt1"/>
+        </a:fontRef>
+      </dsp:style>
+      <dsp:txBody>
+        <a:bodyPr spcFirstLastPara="0" vert="horz" wrap="square" lIns="113792" tIns="65024" rIns="113792" bIns="65024" numCol="1" spcCol="1270" anchor="ctr" anchorCtr="0">
+          <a:noAutofit/>
+        </a:bodyPr>
+        <a:lstStyle/>
+        <a:p>
+          <a:pPr lvl="0" algn="ctr" defTabSz="711200">
+            <a:lnSpc>
+              <a:spcPct val="90000"/>
+            </a:lnSpc>
+            <a:spcBef>
+              <a:spcPct val="0"/>
+            </a:spcBef>
+            <a:spcAft>
+              <a:spcPct val="35000"/>
+            </a:spcAft>
+          </a:pPr>
+          <a:r>
+            <a:rPr lang="es-ES" sz="1600" kern="1200" dirty="0" smtClean="0"/>
+            <a:t> </a:t>
+          </a:r>
+          <a:endParaRPr lang="es-ES" sz="1600" kern="1200" dirty="0"/>
+        </a:p>
+      </dsp:txBody>
+      <dsp:txXfrm>
+        <a:off x="8204470" y="5936"/>
+        <a:ext cx="3196683" cy="927585"/>
+      </dsp:txXfrm>
+    </dsp:sp>
+    <dsp:sp modelId="{AC9D2233-2C8E-4E3C-82F6-341D903A1134}">
+      <dsp:nvSpPr>
+        <dsp:cNvPr id="0" name=""/>
+        <dsp:cNvSpPr/>
+      </dsp:nvSpPr>
+      <dsp:spPr>
+        <a:xfrm>
+          <a:off x="8204470" y="856184"/>
+          <a:ext cx="3196683" cy="4255570"/>
+        </a:xfrm>
+        <a:prstGeom prst="rect">
+          <a:avLst/>
+        </a:prstGeom>
+        <a:solidFill>
+          <a:schemeClr val="accent4">
+            <a:tint val="40000"/>
+            <a:alpha val="90000"/>
+            <a:hueOff val="0"/>
+            <a:satOff val="0"/>
+            <a:lumOff val="0"/>
+            <a:alphaOff val="0"/>
+          </a:schemeClr>
+        </a:solidFill>
+        <a:ln w="9525" cap="rnd" cmpd="sng" algn="ctr">
+          <a:solidFill>
+            <a:schemeClr val="accent4">
+              <a:tint val="40000"/>
+              <a:alpha val="90000"/>
+              <a:hueOff val="0"/>
+              <a:satOff val="0"/>
+              <a:lumOff val="0"/>
+              <a:alphaOff val="0"/>
+            </a:schemeClr>
+          </a:solidFill>
+          <a:prstDash val="solid"/>
+        </a:ln>
+        <a:effectLst/>
+      </dsp:spPr>
+      <dsp:style>
+        <a:lnRef idx="1">
+          <a:scrgbClr r="0" g="0" b="0"/>
+        </a:lnRef>
+        <a:fillRef idx="1">
+          <a:scrgbClr r="0" g="0" b="0"/>
+        </a:fillRef>
+        <a:effectRef idx="0">
+          <a:scrgbClr r="0" g="0" b="0"/>
+        </a:effectRef>
+        <a:fontRef idx="minor"/>
+      </dsp:style>
+      <dsp:txBody>
+        <a:bodyPr spcFirstLastPara="0" vert="horz" wrap="square" lIns="106680" tIns="106680" rIns="142240" bIns="160020" numCol="1" spcCol="1270" anchor="t" anchorCtr="0">
+          <a:noAutofit/>
+        </a:bodyPr>
+        <a:lstStyle/>
+        <a:p>
+          <a:pPr marL="228600" lvl="1" indent="-228600" algn="l" defTabSz="889000">
+            <a:lnSpc>
+              <a:spcPct val="90000"/>
+            </a:lnSpc>
+            <a:spcBef>
+              <a:spcPct val="0"/>
+            </a:spcBef>
+            <a:spcAft>
+              <a:spcPct val="15000"/>
+            </a:spcAft>
+            <a:buChar char="••"/>
+          </a:pPr>
+          <a:r>
+            <a:rPr lang="es-AR" sz="2000" kern="1200" dirty="0" smtClean="0"/>
+            <a:t>Aumentar cantidad de días de trabajo</a:t>
+          </a:r>
+          <a:endParaRPr lang="es-ES" sz="2000" kern="1200" dirty="0"/>
+        </a:p>
+        <a:p>
+          <a:pPr marL="228600" lvl="1" indent="-228600" algn="l" defTabSz="889000">
+            <a:lnSpc>
+              <a:spcPct val="90000"/>
+            </a:lnSpc>
+            <a:spcBef>
+              <a:spcPct val="0"/>
+            </a:spcBef>
+            <a:spcAft>
+              <a:spcPct val="15000"/>
+            </a:spcAft>
+            <a:buChar char="••"/>
+          </a:pPr>
+          <a:r>
+            <a:rPr lang="es-AR" sz="2000" kern="1200" dirty="0" smtClean="0"/>
+            <a:t>Trabajar en las cosas que hicimos mal</a:t>
+          </a:r>
+          <a:endParaRPr lang="es-ES" sz="2000" kern="1200" dirty="0"/>
+        </a:p>
+      </dsp:txBody>
+      <dsp:txXfrm>
+        <a:off x="8204470" y="856184"/>
+        <a:ext cx="3196683" cy="4255570"/>
+      </dsp:txXfrm>
     </dsp:sp>
   </dsp:spTree>
 </dsp:drawing>
@@ -3569,6 +6200,223 @@
 </dgm:layoutDef>
 </file>
 
+<file path=ppt/diagrams/layout2.xml><?xml version="1.0" encoding="utf-8"?>
+<dgm:layoutDef xmlns:dgm="http://schemas.openxmlformats.org/drawingml/2006/diagram" xmlns:a="http://schemas.openxmlformats.org/drawingml/2006/main" uniqueId="urn:microsoft.com/office/officeart/2005/8/layout/hList1">
+  <dgm:title val=""/>
+  <dgm:desc val=""/>
+  <dgm:catLst>
+    <dgm:cat type="list" pri="5000"/>
+    <dgm:cat type="convert" pri="5000"/>
+  </dgm:catLst>
+  <dgm:sampData>
+    <dgm:dataModel>
+      <dgm:ptLst>
+        <dgm:pt modelId="0" type="doc"/>
+        <dgm:pt modelId="1">
+          <dgm:prSet phldr="1"/>
+        </dgm:pt>
+        <dgm:pt modelId="11">
+          <dgm:prSet phldr="1"/>
+        </dgm:pt>
+        <dgm:pt modelId="12">
+          <dgm:prSet phldr="1"/>
+        </dgm:pt>
+        <dgm:pt modelId="2">
+          <dgm:prSet phldr="1"/>
+        </dgm:pt>
+        <dgm:pt modelId="21">
+          <dgm:prSet phldr="1"/>
+        </dgm:pt>
+        <dgm:pt modelId="22">
+          <dgm:prSet phldr="1"/>
+        </dgm:pt>
+        <dgm:pt modelId="3">
+          <dgm:prSet phldr="1"/>
+        </dgm:pt>
+        <dgm:pt modelId="31">
+          <dgm:prSet phldr="1"/>
+        </dgm:pt>
+        <dgm:pt modelId="32">
+          <dgm:prSet phldr="1"/>
+        </dgm:pt>
+      </dgm:ptLst>
+      <dgm:cxnLst>
+        <dgm:cxn modelId="4" srcId="0" destId="1" srcOrd="0" destOrd="0"/>
+        <dgm:cxn modelId="5" srcId="0" destId="2" srcOrd="1" destOrd="0"/>
+        <dgm:cxn modelId="6" srcId="0" destId="3" srcOrd="2" destOrd="0"/>
+        <dgm:cxn modelId="13" srcId="1" destId="11" srcOrd="0" destOrd="0"/>
+        <dgm:cxn modelId="14" srcId="1" destId="12" srcOrd="1" destOrd="0"/>
+        <dgm:cxn modelId="23" srcId="2" destId="21" srcOrd="0" destOrd="0"/>
+        <dgm:cxn modelId="24" srcId="2" destId="22" srcOrd="1" destOrd="0"/>
+        <dgm:cxn modelId="33" srcId="3" destId="31" srcOrd="0" destOrd="0"/>
+        <dgm:cxn modelId="34" srcId="3" destId="32" srcOrd="1" destOrd="0"/>
+      </dgm:cxnLst>
+      <dgm:bg/>
+      <dgm:whole/>
+    </dgm:dataModel>
+  </dgm:sampData>
+  <dgm:styleData>
+    <dgm:dataModel>
+      <dgm:ptLst>
+        <dgm:pt modelId="0" type="doc"/>
+        <dgm:pt modelId="1">
+          <dgm:prSet phldr="1"/>
+        </dgm:pt>
+        <dgm:pt modelId="2">
+          <dgm:prSet phldr="1"/>
+        </dgm:pt>
+      </dgm:ptLst>
+      <dgm:cxnLst>
+        <dgm:cxn modelId="3" srcId="0" destId="1" srcOrd="0" destOrd="0"/>
+        <dgm:cxn modelId="4" srcId="0" destId="2" srcOrd="1" destOrd="0"/>
+      </dgm:cxnLst>
+      <dgm:bg/>
+      <dgm:whole/>
+    </dgm:dataModel>
+  </dgm:styleData>
+  <dgm:clrData>
+    <dgm:dataModel>
+      <dgm:ptLst>
+        <dgm:pt modelId="0" type="doc"/>
+        <dgm:pt modelId="1">
+          <dgm:prSet phldr="1"/>
+        </dgm:pt>
+        <dgm:pt modelId="2">
+          <dgm:prSet phldr="1"/>
+        </dgm:pt>
+        <dgm:pt modelId="3">
+          <dgm:prSet phldr="1"/>
+        </dgm:pt>
+        <dgm:pt modelId="4">
+          <dgm:prSet phldr="1"/>
+        </dgm:pt>
+      </dgm:ptLst>
+      <dgm:cxnLst>
+        <dgm:cxn modelId="5" srcId="0" destId="1" srcOrd="0" destOrd="0"/>
+        <dgm:cxn modelId="6" srcId="0" destId="2" srcOrd="1" destOrd="0"/>
+        <dgm:cxn modelId="7" srcId="0" destId="3" srcOrd="2" destOrd="0"/>
+        <dgm:cxn modelId="8" srcId="0" destId="4" srcOrd="3" destOrd="0"/>
+      </dgm:cxnLst>
+      <dgm:bg/>
+      <dgm:whole/>
+    </dgm:dataModel>
+  </dgm:clrData>
+  <dgm:layoutNode name="Name0">
+    <dgm:varLst>
+      <dgm:dir/>
+      <dgm:animLvl val="lvl"/>
+      <dgm:resizeHandles val="exact"/>
+    </dgm:varLst>
+    <dgm:choose name="Name1">
+      <dgm:if name="Name2" func="var" arg="dir" op="equ" val="norm">
+        <dgm:alg type="lin"/>
+      </dgm:if>
+      <dgm:else name="Name3">
+        <dgm:alg type="lin">
+          <dgm:param type="linDir" val="fromR"/>
+        </dgm:alg>
+      </dgm:else>
+    </dgm:choose>
+    <dgm:shape xmlns:r="http://schemas.openxmlformats.org/officeDocument/2006/relationships" r:blip="">
+      <dgm:adjLst/>
+    </dgm:shape>
+    <dgm:presOf/>
+    <dgm:constrLst>
+      <dgm:constr type="h" for="ch" forName="composite" refType="h"/>
+      <dgm:constr type="w" for="ch" forName="composite" refType="w"/>
+      <dgm:constr type="w" for="des" forName="parTx"/>
+      <dgm:constr type="h" for="des" forName="parTx" op="equ"/>
+      <dgm:constr type="w" for="des" forName="desTx"/>
+      <dgm:constr type="h" for="des" forName="desTx" op="equ"/>
+      <dgm:constr type="primFontSz" for="des" forName="parTx" val="65"/>
+      <dgm:constr type="secFontSz" for="des" forName="desTx" refType="primFontSz" refFor="des" refForName="parTx" op="equ"/>
+      <dgm:constr type="h" for="des" forName="parTx" refType="primFontSz" refFor="des" refForName="parTx" fact="0.8"/>
+      <dgm:constr type="h" for="des" forName="desTx" refType="primFontSz" refFor="des" refForName="parTx" fact="1.22"/>
+      <dgm:constr type="w" for="ch" forName="space" refType="w" refFor="ch" refForName="composite" op="equ" fact="0.14"/>
+    </dgm:constrLst>
+    <dgm:ruleLst>
+      <dgm:rule type="w" for="ch" forName="composite" val="0" fact="NaN" max="NaN"/>
+      <dgm:rule type="primFontSz" for="des" forName="parTx" val="5" fact="NaN" max="NaN"/>
+    </dgm:ruleLst>
+    <dgm:forEach name="Name4" axis="ch" ptType="node">
+      <dgm:layoutNode name="composite">
+        <dgm:alg type="composite"/>
+        <dgm:shape xmlns:r="http://schemas.openxmlformats.org/officeDocument/2006/relationships" r:blip="">
+          <dgm:adjLst/>
+        </dgm:shape>
+        <dgm:presOf/>
+        <dgm:constrLst>
+          <dgm:constr type="l" for="ch" forName="parTx"/>
+          <dgm:constr type="w" for="ch" forName="parTx" refType="w"/>
+          <dgm:constr type="t" for="ch" forName="parTx"/>
+          <dgm:constr type="l" for="ch" forName="desTx"/>
+          <dgm:constr type="w" for="ch" forName="desTx" refType="w" refFor="ch" refForName="parTx"/>
+          <dgm:constr type="t" for="ch" forName="desTx" refType="h" refFor="ch" refForName="parTx"/>
+        </dgm:constrLst>
+        <dgm:ruleLst>
+          <dgm:rule type="h" val="INF" fact="NaN" max="NaN"/>
+        </dgm:ruleLst>
+        <dgm:layoutNode name="parTx" styleLbl="alignNode1">
+          <dgm:varLst>
+            <dgm:chMax val="0"/>
+            <dgm:chPref val="0"/>
+            <dgm:bulletEnabled val="1"/>
+          </dgm:varLst>
+          <dgm:alg type="tx"/>
+          <dgm:shape xmlns:r="http://schemas.openxmlformats.org/officeDocument/2006/relationships" type="rect" r:blip="">
+            <dgm:adjLst/>
+          </dgm:shape>
+          <dgm:presOf axis="self" ptType="node"/>
+          <dgm:constrLst>
+            <dgm:constr type="h" refType="w" op="lte" fact="0.4"/>
+            <dgm:constr type="h"/>
+            <dgm:constr type="tMarg" refType="primFontSz" fact="0.32"/>
+            <dgm:constr type="bMarg" refType="primFontSz" fact="0.32"/>
+          </dgm:constrLst>
+          <dgm:ruleLst>
+            <dgm:rule type="h" val="INF" fact="NaN" max="NaN"/>
+          </dgm:ruleLst>
+        </dgm:layoutNode>
+        <dgm:layoutNode name="desTx" styleLbl="alignAccFollowNode1">
+          <dgm:varLst>
+            <dgm:bulletEnabled val="1"/>
+          </dgm:varLst>
+          <dgm:alg type="tx">
+            <dgm:param type="stBulletLvl" val="1"/>
+          </dgm:alg>
+          <dgm:shape xmlns:r="http://schemas.openxmlformats.org/officeDocument/2006/relationships" type="rect" r:blip="">
+            <dgm:adjLst/>
+          </dgm:shape>
+          <dgm:presOf axis="des" ptType="node"/>
+          <dgm:constrLst>
+            <dgm:constr type="secFontSz" val="65"/>
+            <dgm:constr type="primFontSz" refType="secFontSz"/>
+            <dgm:constr type="h"/>
+            <dgm:constr type="lMarg" refType="primFontSz" fact="0.42"/>
+            <dgm:constr type="tMarg" refType="primFontSz" fact="0.42"/>
+            <dgm:constr type="bMarg" refType="primFontSz" fact="0.63"/>
+          </dgm:constrLst>
+          <dgm:ruleLst>
+            <dgm:rule type="h" val="INF" fact="NaN" max="NaN"/>
+          </dgm:ruleLst>
+        </dgm:layoutNode>
+      </dgm:layoutNode>
+      <dgm:forEach name="Name5" axis="followSib" ptType="sibTrans" cnt="1">
+        <dgm:layoutNode name="space">
+          <dgm:alg type="sp"/>
+          <dgm:shape xmlns:r="http://schemas.openxmlformats.org/officeDocument/2006/relationships" r:blip="">
+            <dgm:adjLst/>
+          </dgm:shape>
+          <dgm:presOf/>
+          <dgm:constrLst/>
+          <dgm:ruleLst/>
+        </dgm:layoutNode>
+      </dgm:forEach>
+    </dgm:forEach>
+  </dgm:layoutNode>
+</dgm:layoutDef>
+</file>
+
 <file path=ppt/diagrams/quickStyle1.xml><?xml version="1.0" encoding="utf-8"?>
 <dgm:styleDef xmlns:dgm="http://schemas.openxmlformats.org/drawingml/2006/diagram" xmlns:a="http://schemas.openxmlformats.org/drawingml/2006/main" uniqueId="urn:microsoft.com/office/officeart/2005/8/quickstyle/simple1">
   <dgm:title val=""/>
@@ -4575,6 +7423,1040 @@
         <a:scrgbClr r="0" g="0" b="0"/>
       </a:fillRef>
       <a:effectRef idx="0">
+        <a:scrgbClr r="0" g="0" b="0"/>
+      </a:effectRef>
+      <a:fontRef idx="minor"/>
+    </dgm:style>
+  </dgm:styleLbl>
+  <dgm:styleLbl name="revTx">
+    <dgm:scene3d>
+      <a:camera prst="orthographicFront"/>
+      <a:lightRig rig="threePt" dir="t"/>
+    </dgm:scene3d>
+    <dgm:sp3d/>
+    <dgm:txPr/>
+    <dgm:style>
+      <a:lnRef idx="0">
+        <a:scrgbClr r="0" g="0" b="0"/>
+      </a:lnRef>
+      <a:fillRef idx="0">
+        <a:scrgbClr r="0" g="0" b="0"/>
+      </a:fillRef>
+      <a:effectRef idx="0">
+        <a:scrgbClr r="0" g="0" b="0"/>
+      </a:effectRef>
+      <a:fontRef idx="minor"/>
+    </dgm:style>
+  </dgm:styleLbl>
+</dgm:styleDef>
+</file>
+
+<file path=ppt/diagrams/quickStyle2.xml><?xml version="1.0" encoding="utf-8"?>
+<dgm:styleDef xmlns:dgm="http://schemas.openxmlformats.org/drawingml/2006/diagram" xmlns:a="http://schemas.openxmlformats.org/drawingml/2006/main" uniqueId="urn:microsoft.com/office/officeart/2005/8/quickstyle/simple4">
+  <dgm:title val=""/>
+  <dgm:desc val=""/>
+  <dgm:catLst>
+    <dgm:cat type="simple" pri="10400"/>
+  </dgm:catLst>
+  <dgm:scene3d>
+    <a:camera prst="orthographicFront"/>
+    <a:lightRig rig="threePt" dir="t"/>
+  </dgm:scene3d>
+  <dgm:styleLbl name="node0">
+    <dgm:scene3d>
+      <a:camera prst="orthographicFront"/>
+      <a:lightRig rig="threePt" dir="t"/>
+    </dgm:scene3d>
+    <dgm:sp3d/>
+    <dgm:txPr/>
+    <dgm:style>
+      <a:lnRef idx="0">
+        <a:scrgbClr r="0" g="0" b="0"/>
+      </a:lnRef>
+      <a:fillRef idx="3">
+        <a:scrgbClr r="0" g="0" b="0"/>
+      </a:fillRef>
+      <a:effectRef idx="2">
+        <a:scrgbClr r="0" g="0" b="0"/>
+      </a:effectRef>
+      <a:fontRef idx="minor">
+        <a:schemeClr val="lt1"/>
+      </a:fontRef>
+    </dgm:style>
+  </dgm:styleLbl>
+  <dgm:styleLbl name="lnNode1">
+    <dgm:scene3d>
+      <a:camera prst="orthographicFront"/>
+      <a:lightRig rig="threePt" dir="t"/>
+    </dgm:scene3d>
+    <dgm:sp3d/>
+    <dgm:txPr/>
+    <dgm:style>
+      <a:lnRef idx="1">
+        <a:scrgbClr r="0" g="0" b="0"/>
+      </a:lnRef>
+      <a:fillRef idx="3">
+        <a:scrgbClr r="0" g="0" b="0"/>
+      </a:fillRef>
+      <a:effectRef idx="2">
+        <a:scrgbClr r="0" g="0" b="0"/>
+      </a:effectRef>
+      <a:fontRef idx="minor">
+        <a:schemeClr val="lt1"/>
+      </a:fontRef>
+    </dgm:style>
+  </dgm:styleLbl>
+  <dgm:styleLbl name="vennNode1">
+    <dgm:scene3d>
+      <a:camera prst="orthographicFront"/>
+      <a:lightRig rig="threePt" dir="t"/>
+    </dgm:scene3d>
+    <dgm:sp3d/>
+    <dgm:txPr/>
+    <dgm:style>
+      <a:lnRef idx="0">
+        <a:scrgbClr r="0" g="0" b="0"/>
+      </a:lnRef>
+      <a:fillRef idx="3">
+        <a:scrgbClr r="0" g="0" b="0"/>
+      </a:fillRef>
+      <a:effectRef idx="0">
+        <a:scrgbClr r="0" g="0" b="0"/>
+      </a:effectRef>
+      <a:fontRef idx="minor">
+        <a:schemeClr val="tx1"/>
+      </a:fontRef>
+    </dgm:style>
+  </dgm:styleLbl>
+  <dgm:styleLbl name="alignNode1">
+    <dgm:scene3d>
+      <a:camera prst="orthographicFront"/>
+      <a:lightRig rig="threePt" dir="t"/>
+    </dgm:scene3d>
+    <dgm:sp3d/>
+    <dgm:txPr/>
+    <dgm:style>
+      <a:lnRef idx="1">
+        <a:scrgbClr r="0" g="0" b="0"/>
+      </a:lnRef>
+      <a:fillRef idx="3">
+        <a:scrgbClr r="0" g="0" b="0"/>
+      </a:fillRef>
+      <a:effectRef idx="2">
+        <a:scrgbClr r="0" g="0" b="0"/>
+      </a:effectRef>
+      <a:fontRef idx="minor">
+        <a:schemeClr val="lt1"/>
+      </a:fontRef>
+    </dgm:style>
+  </dgm:styleLbl>
+  <dgm:styleLbl name="node1">
+    <dgm:scene3d>
+      <a:camera prst="orthographicFront"/>
+      <a:lightRig rig="threePt" dir="t"/>
+    </dgm:scene3d>
+    <dgm:sp3d/>
+    <dgm:txPr/>
+    <dgm:style>
+      <a:lnRef idx="0">
+        <a:scrgbClr r="0" g="0" b="0"/>
+      </a:lnRef>
+      <a:fillRef idx="3">
+        <a:scrgbClr r="0" g="0" b="0"/>
+      </a:fillRef>
+      <a:effectRef idx="2">
+        <a:scrgbClr r="0" g="0" b="0"/>
+      </a:effectRef>
+      <a:fontRef idx="minor">
+        <a:schemeClr val="lt1"/>
+      </a:fontRef>
+    </dgm:style>
+  </dgm:styleLbl>
+  <dgm:styleLbl name="node2">
+    <dgm:scene3d>
+      <a:camera prst="orthographicFront"/>
+      <a:lightRig rig="threePt" dir="t"/>
+    </dgm:scene3d>
+    <dgm:sp3d/>
+    <dgm:txPr/>
+    <dgm:style>
+      <a:lnRef idx="0">
+        <a:scrgbClr r="0" g="0" b="0"/>
+      </a:lnRef>
+      <a:fillRef idx="3">
+        <a:scrgbClr r="0" g="0" b="0"/>
+      </a:fillRef>
+      <a:effectRef idx="2">
+        <a:scrgbClr r="0" g="0" b="0"/>
+      </a:effectRef>
+      <a:fontRef idx="minor">
+        <a:schemeClr val="lt1"/>
+      </a:fontRef>
+    </dgm:style>
+  </dgm:styleLbl>
+  <dgm:styleLbl name="node3">
+    <dgm:scene3d>
+      <a:camera prst="orthographicFront"/>
+      <a:lightRig rig="threePt" dir="t"/>
+    </dgm:scene3d>
+    <dgm:sp3d/>
+    <dgm:txPr/>
+    <dgm:style>
+      <a:lnRef idx="0">
+        <a:scrgbClr r="0" g="0" b="0"/>
+      </a:lnRef>
+      <a:fillRef idx="3">
+        <a:scrgbClr r="0" g="0" b="0"/>
+      </a:fillRef>
+      <a:effectRef idx="2">
+        <a:scrgbClr r="0" g="0" b="0"/>
+      </a:effectRef>
+      <a:fontRef idx="minor">
+        <a:schemeClr val="lt1"/>
+      </a:fontRef>
+    </dgm:style>
+  </dgm:styleLbl>
+  <dgm:styleLbl name="node4">
+    <dgm:scene3d>
+      <a:camera prst="orthographicFront"/>
+      <a:lightRig rig="threePt" dir="t"/>
+    </dgm:scene3d>
+    <dgm:sp3d/>
+    <dgm:txPr/>
+    <dgm:style>
+      <a:lnRef idx="0">
+        <a:scrgbClr r="0" g="0" b="0"/>
+      </a:lnRef>
+      <a:fillRef idx="3">
+        <a:scrgbClr r="0" g="0" b="0"/>
+      </a:fillRef>
+      <a:effectRef idx="2">
+        <a:scrgbClr r="0" g="0" b="0"/>
+      </a:effectRef>
+      <a:fontRef idx="minor">
+        <a:schemeClr val="lt1"/>
+      </a:fontRef>
+    </dgm:style>
+  </dgm:styleLbl>
+  <dgm:styleLbl name="fgImgPlace1">
+    <dgm:scene3d>
+      <a:camera prst="orthographicFront"/>
+      <a:lightRig rig="threePt" dir="t"/>
+    </dgm:scene3d>
+    <dgm:sp3d/>
+    <dgm:txPr/>
+    <dgm:style>
+      <a:lnRef idx="0">
+        <a:scrgbClr r="0" g="0" b="0"/>
+      </a:lnRef>
+      <a:fillRef idx="1">
+        <a:scrgbClr r="0" g="0" b="0"/>
+      </a:fillRef>
+      <a:effectRef idx="2">
+        <a:scrgbClr r="0" g="0" b="0"/>
+      </a:effectRef>
+      <a:fontRef idx="minor"/>
+    </dgm:style>
+  </dgm:styleLbl>
+  <dgm:styleLbl name="alignImgPlace1">
+    <dgm:scene3d>
+      <a:camera prst="orthographicFront"/>
+      <a:lightRig rig="threePt" dir="t"/>
+    </dgm:scene3d>
+    <dgm:sp3d/>
+    <dgm:txPr/>
+    <dgm:style>
+      <a:lnRef idx="0">
+        <a:scrgbClr r="0" g="0" b="0"/>
+      </a:lnRef>
+      <a:fillRef idx="1">
+        <a:scrgbClr r="0" g="0" b="0"/>
+      </a:fillRef>
+      <a:effectRef idx="2">
+        <a:scrgbClr r="0" g="0" b="0"/>
+      </a:effectRef>
+      <a:fontRef idx="minor"/>
+    </dgm:style>
+  </dgm:styleLbl>
+  <dgm:styleLbl name="bgImgPlace1">
+    <dgm:scene3d>
+      <a:camera prst="orthographicFront"/>
+      <a:lightRig rig="threePt" dir="t"/>
+    </dgm:scene3d>
+    <dgm:sp3d/>
+    <dgm:txPr/>
+    <dgm:style>
+      <a:lnRef idx="0">
+        <a:scrgbClr r="0" g="0" b="0"/>
+      </a:lnRef>
+      <a:fillRef idx="1">
+        <a:scrgbClr r="0" g="0" b="0"/>
+      </a:fillRef>
+      <a:effectRef idx="2">
+        <a:scrgbClr r="0" g="0" b="0"/>
+      </a:effectRef>
+      <a:fontRef idx="minor"/>
+    </dgm:style>
+  </dgm:styleLbl>
+  <dgm:styleLbl name="sibTrans2D1">
+    <dgm:scene3d>
+      <a:camera prst="orthographicFront"/>
+      <a:lightRig rig="threePt" dir="t"/>
+    </dgm:scene3d>
+    <dgm:sp3d/>
+    <dgm:txPr/>
+    <dgm:style>
+      <a:lnRef idx="0">
+        <a:scrgbClr r="0" g="0" b="0"/>
+      </a:lnRef>
+      <a:fillRef idx="3">
+        <a:scrgbClr r="0" g="0" b="0"/>
+      </a:fillRef>
+      <a:effectRef idx="2">
+        <a:scrgbClr r="0" g="0" b="0"/>
+      </a:effectRef>
+      <a:fontRef idx="minor">
+        <a:schemeClr val="lt1"/>
+      </a:fontRef>
+    </dgm:style>
+  </dgm:styleLbl>
+  <dgm:styleLbl name="fgSibTrans2D1">
+    <dgm:scene3d>
+      <a:camera prst="orthographicFront"/>
+      <a:lightRig rig="threePt" dir="t"/>
+    </dgm:scene3d>
+    <dgm:sp3d/>
+    <dgm:txPr/>
+    <dgm:style>
+      <a:lnRef idx="0">
+        <a:scrgbClr r="0" g="0" b="0"/>
+      </a:lnRef>
+      <a:fillRef idx="3">
+        <a:scrgbClr r="0" g="0" b="0"/>
+      </a:fillRef>
+      <a:effectRef idx="2">
+        <a:scrgbClr r="0" g="0" b="0"/>
+      </a:effectRef>
+      <a:fontRef idx="minor">
+        <a:schemeClr val="lt1"/>
+      </a:fontRef>
+    </dgm:style>
+  </dgm:styleLbl>
+  <dgm:styleLbl name="bgSibTrans2D1">
+    <dgm:scene3d>
+      <a:camera prst="orthographicFront"/>
+      <a:lightRig rig="threePt" dir="t"/>
+    </dgm:scene3d>
+    <dgm:sp3d/>
+    <dgm:txPr/>
+    <dgm:style>
+      <a:lnRef idx="0">
+        <a:scrgbClr r="0" g="0" b="0"/>
+      </a:lnRef>
+      <a:fillRef idx="3">
+        <a:scrgbClr r="0" g="0" b="0"/>
+      </a:fillRef>
+      <a:effectRef idx="2">
+        <a:scrgbClr r="0" g="0" b="0"/>
+      </a:effectRef>
+      <a:fontRef idx="minor">
+        <a:schemeClr val="lt1"/>
+      </a:fontRef>
+    </dgm:style>
+  </dgm:styleLbl>
+  <dgm:styleLbl name="sibTrans1D1">
+    <dgm:scene3d>
+      <a:camera prst="orthographicFront"/>
+      <a:lightRig rig="threePt" dir="t"/>
+    </dgm:scene3d>
+    <dgm:sp3d/>
+    <dgm:txPr/>
+    <dgm:style>
+      <a:lnRef idx="1">
+        <a:scrgbClr r="0" g="0" b="0"/>
+      </a:lnRef>
+      <a:fillRef idx="0">
+        <a:scrgbClr r="0" g="0" b="0"/>
+      </a:fillRef>
+      <a:effectRef idx="0">
+        <a:scrgbClr r="0" g="0" b="0"/>
+      </a:effectRef>
+      <a:fontRef idx="minor"/>
+    </dgm:style>
+  </dgm:styleLbl>
+  <dgm:styleLbl name="callout">
+    <dgm:scene3d>
+      <a:camera prst="orthographicFront"/>
+      <a:lightRig rig="threePt" dir="t"/>
+    </dgm:scene3d>
+    <dgm:sp3d/>
+    <dgm:txPr/>
+    <dgm:style>
+      <a:lnRef idx="2">
+        <a:scrgbClr r="0" g="0" b="0"/>
+      </a:lnRef>
+      <a:fillRef idx="1">
+        <a:scrgbClr r="0" g="0" b="0"/>
+      </a:fillRef>
+      <a:effectRef idx="1">
+        <a:scrgbClr r="0" g="0" b="0"/>
+      </a:effectRef>
+      <a:fontRef idx="minor"/>
+    </dgm:style>
+  </dgm:styleLbl>
+  <dgm:styleLbl name="asst0">
+    <dgm:scene3d>
+      <a:camera prst="orthographicFront"/>
+      <a:lightRig rig="threePt" dir="t"/>
+    </dgm:scene3d>
+    <dgm:sp3d/>
+    <dgm:txPr/>
+    <dgm:style>
+      <a:lnRef idx="0">
+        <a:scrgbClr r="0" g="0" b="0"/>
+      </a:lnRef>
+      <a:fillRef idx="3">
+        <a:scrgbClr r="0" g="0" b="0"/>
+      </a:fillRef>
+      <a:effectRef idx="2">
+        <a:scrgbClr r="0" g="0" b="0"/>
+      </a:effectRef>
+      <a:fontRef idx="minor">
+        <a:schemeClr val="lt1"/>
+      </a:fontRef>
+    </dgm:style>
+  </dgm:styleLbl>
+  <dgm:styleLbl name="asst1">
+    <dgm:scene3d>
+      <a:camera prst="orthographicFront"/>
+      <a:lightRig rig="threePt" dir="t"/>
+    </dgm:scene3d>
+    <dgm:sp3d/>
+    <dgm:txPr/>
+    <dgm:style>
+      <a:lnRef idx="0">
+        <a:scrgbClr r="0" g="0" b="0"/>
+      </a:lnRef>
+      <a:fillRef idx="3">
+        <a:scrgbClr r="0" g="0" b="0"/>
+      </a:fillRef>
+      <a:effectRef idx="2">
+        <a:scrgbClr r="0" g="0" b="0"/>
+      </a:effectRef>
+      <a:fontRef idx="minor">
+        <a:schemeClr val="lt1"/>
+      </a:fontRef>
+    </dgm:style>
+  </dgm:styleLbl>
+  <dgm:styleLbl name="asst2">
+    <dgm:scene3d>
+      <a:camera prst="orthographicFront"/>
+      <a:lightRig rig="threePt" dir="t"/>
+    </dgm:scene3d>
+    <dgm:sp3d/>
+    <dgm:txPr/>
+    <dgm:style>
+      <a:lnRef idx="0">
+        <a:scrgbClr r="0" g="0" b="0"/>
+      </a:lnRef>
+      <a:fillRef idx="3">
+        <a:scrgbClr r="0" g="0" b="0"/>
+      </a:fillRef>
+      <a:effectRef idx="2">
+        <a:scrgbClr r="0" g="0" b="0"/>
+      </a:effectRef>
+      <a:fontRef idx="minor">
+        <a:schemeClr val="lt1"/>
+      </a:fontRef>
+    </dgm:style>
+  </dgm:styleLbl>
+  <dgm:styleLbl name="asst3">
+    <dgm:scene3d>
+      <a:camera prst="orthographicFront"/>
+      <a:lightRig rig="threePt" dir="t"/>
+    </dgm:scene3d>
+    <dgm:sp3d/>
+    <dgm:txPr/>
+    <dgm:style>
+      <a:lnRef idx="0">
+        <a:scrgbClr r="0" g="0" b="0"/>
+      </a:lnRef>
+      <a:fillRef idx="3">
+        <a:scrgbClr r="0" g="0" b="0"/>
+      </a:fillRef>
+      <a:effectRef idx="2">
+        <a:scrgbClr r="0" g="0" b="0"/>
+      </a:effectRef>
+      <a:fontRef idx="minor">
+        <a:schemeClr val="lt1"/>
+      </a:fontRef>
+    </dgm:style>
+  </dgm:styleLbl>
+  <dgm:styleLbl name="asst4">
+    <dgm:scene3d>
+      <a:camera prst="orthographicFront"/>
+      <a:lightRig rig="threePt" dir="t"/>
+    </dgm:scene3d>
+    <dgm:sp3d/>
+    <dgm:txPr/>
+    <dgm:style>
+      <a:lnRef idx="0">
+        <a:scrgbClr r="0" g="0" b="0"/>
+      </a:lnRef>
+      <a:fillRef idx="3">
+        <a:scrgbClr r="0" g="0" b="0"/>
+      </a:fillRef>
+      <a:effectRef idx="2">
+        <a:scrgbClr r="0" g="0" b="0"/>
+      </a:effectRef>
+      <a:fontRef idx="minor">
+        <a:schemeClr val="lt1"/>
+      </a:fontRef>
+    </dgm:style>
+  </dgm:styleLbl>
+  <dgm:styleLbl name="parChTrans2D1">
+    <dgm:scene3d>
+      <a:camera prst="orthographicFront"/>
+      <a:lightRig rig="threePt" dir="t"/>
+    </dgm:scene3d>
+    <dgm:sp3d/>
+    <dgm:txPr/>
+    <dgm:style>
+      <a:lnRef idx="0">
+        <a:scrgbClr r="0" g="0" b="0"/>
+      </a:lnRef>
+      <a:fillRef idx="3">
+        <a:scrgbClr r="0" g="0" b="0"/>
+      </a:fillRef>
+      <a:effectRef idx="2">
+        <a:scrgbClr r="0" g="0" b="0"/>
+      </a:effectRef>
+      <a:fontRef idx="minor">
+        <a:schemeClr val="lt1"/>
+      </a:fontRef>
+    </dgm:style>
+  </dgm:styleLbl>
+  <dgm:styleLbl name="parChTrans2D2">
+    <dgm:scene3d>
+      <a:camera prst="orthographicFront"/>
+      <a:lightRig rig="threePt" dir="t"/>
+    </dgm:scene3d>
+    <dgm:sp3d/>
+    <dgm:txPr/>
+    <dgm:style>
+      <a:lnRef idx="0">
+        <a:scrgbClr r="0" g="0" b="0"/>
+      </a:lnRef>
+      <a:fillRef idx="3">
+        <a:scrgbClr r="0" g="0" b="0"/>
+      </a:fillRef>
+      <a:effectRef idx="2">
+        <a:scrgbClr r="0" g="0" b="0"/>
+      </a:effectRef>
+      <a:fontRef idx="minor">
+        <a:schemeClr val="lt1"/>
+      </a:fontRef>
+    </dgm:style>
+  </dgm:styleLbl>
+  <dgm:styleLbl name="parChTrans2D3">
+    <dgm:scene3d>
+      <a:camera prst="orthographicFront"/>
+      <a:lightRig rig="threePt" dir="t"/>
+    </dgm:scene3d>
+    <dgm:sp3d/>
+    <dgm:txPr/>
+    <dgm:style>
+      <a:lnRef idx="1">
+        <a:scrgbClr r="0" g="0" b="0"/>
+      </a:lnRef>
+      <a:fillRef idx="3">
+        <a:scrgbClr r="0" g="0" b="0"/>
+      </a:fillRef>
+      <a:effectRef idx="2">
+        <a:scrgbClr r="0" g="0" b="0"/>
+      </a:effectRef>
+      <a:fontRef idx="minor">
+        <a:schemeClr val="lt1"/>
+      </a:fontRef>
+    </dgm:style>
+  </dgm:styleLbl>
+  <dgm:styleLbl name="parChTrans2D4">
+    <dgm:scene3d>
+      <a:camera prst="orthographicFront"/>
+      <a:lightRig rig="threePt" dir="t"/>
+    </dgm:scene3d>
+    <dgm:sp3d/>
+    <dgm:txPr/>
+    <dgm:style>
+      <a:lnRef idx="1">
+        <a:scrgbClr r="0" g="0" b="0"/>
+      </a:lnRef>
+      <a:fillRef idx="3">
+        <a:scrgbClr r="0" g="0" b="0"/>
+      </a:fillRef>
+      <a:effectRef idx="2">
+        <a:scrgbClr r="0" g="0" b="0"/>
+      </a:effectRef>
+      <a:fontRef idx="minor">
+        <a:schemeClr val="lt1"/>
+      </a:fontRef>
+    </dgm:style>
+  </dgm:styleLbl>
+  <dgm:styleLbl name="parChTrans1D1">
+    <dgm:scene3d>
+      <a:camera prst="orthographicFront"/>
+      <a:lightRig rig="threePt" dir="t"/>
+    </dgm:scene3d>
+    <dgm:sp3d/>
+    <dgm:txPr/>
+    <dgm:style>
+      <a:lnRef idx="1">
+        <a:scrgbClr r="0" g="0" b="0"/>
+      </a:lnRef>
+      <a:fillRef idx="0">
+        <a:scrgbClr r="0" g="0" b="0"/>
+      </a:fillRef>
+      <a:effectRef idx="0">
+        <a:scrgbClr r="0" g="0" b="0"/>
+      </a:effectRef>
+      <a:fontRef idx="minor"/>
+    </dgm:style>
+  </dgm:styleLbl>
+  <dgm:styleLbl name="parChTrans1D2">
+    <dgm:scene3d>
+      <a:camera prst="orthographicFront"/>
+      <a:lightRig rig="threePt" dir="t"/>
+    </dgm:scene3d>
+    <dgm:sp3d/>
+    <dgm:txPr/>
+    <dgm:style>
+      <a:lnRef idx="1">
+        <a:scrgbClr r="0" g="0" b="0"/>
+      </a:lnRef>
+      <a:fillRef idx="0">
+        <a:scrgbClr r="0" g="0" b="0"/>
+      </a:fillRef>
+      <a:effectRef idx="0">
+        <a:scrgbClr r="0" g="0" b="0"/>
+      </a:effectRef>
+      <a:fontRef idx="minor"/>
+    </dgm:style>
+  </dgm:styleLbl>
+  <dgm:styleLbl name="parChTrans1D3">
+    <dgm:scene3d>
+      <a:camera prst="orthographicFront"/>
+      <a:lightRig rig="threePt" dir="t"/>
+    </dgm:scene3d>
+    <dgm:sp3d/>
+    <dgm:txPr/>
+    <dgm:style>
+      <a:lnRef idx="1">
+        <a:scrgbClr r="0" g="0" b="0"/>
+      </a:lnRef>
+      <a:fillRef idx="0">
+        <a:scrgbClr r="0" g="0" b="0"/>
+      </a:fillRef>
+      <a:effectRef idx="0">
+        <a:scrgbClr r="0" g="0" b="0"/>
+      </a:effectRef>
+      <a:fontRef idx="minor"/>
+    </dgm:style>
+  </dgm:styleLbl>
+  <dgm:styleLbl name="parChTrans1D4">
+    <dgm:scene3d>
+      <a:camera prst="orthographicFront"/>
+      <a:lightRig rig="threePt" dir="t"/>
+    </dgm:scene3d>
+    <dgm:sp3d/>
+    <dgm:txPr/>
+    <dgm:style>
+      <a:lnRef idx="1">
+        <a:scrgbClr r="0" g="0" b="0"/>
+      </a:lnRef>
+      <a:fillRef idx="0">
+        <a:scrgbClr r="0" g="0" b="0"/>
+      </a:fillRef>
+      <a:effectRef idx="0">
+        <a:scrgbClr r="0" g="0" b="0"/>
+      </a:effectRef>
+      <a:fontRef idx="minor"/>
+    </dgm:style>
+  </dgm:styleLbl>
+  <dgm:styleLbl name="fgAcc1">
+    <dgm:scene3d>
+      <a:camera prst="orthographicFront"/>
+      <a:lightRig rig="threePt" dir="t"/>
+    </dgm:scene3d>
+    <dgm:sp3d/>
+    <dgm:txPr/>
+    <dgm:style>
+      <a:lnRef idx="1">
+        <a:scrgbClr r="0" g="0" b="0"/>
+      </a:lnRef>
+      <a:fillRef idx="1">
+        <a:scrgbClr r="0" g="0" b="0"/>
+      </a:fillRef>
+      <a:effectRef idx="0">
+        <a:scrgbClr r="0" g="0" b="0"/>
+      </a:effectRef>
+      <a:fontRef idx="minor"/>
+    </dgm:style>
+  </dgm:styleLbl>
+  <dgm:styleLbl name="conFgAcc1">
+    <dgm:scene3d>
+      <a:camera prst="orthographicFront"/>
+      <a:lightRig rig="threePt" dir="t"/>
+    </dgm:scene3d>
+    <dgm:sp3d/>
+    <dgm:txPr/>
+    <dgm:style>
+      <a:lnRef idx="1">
+        <a:scrgbClr r="0" g="0" b="0"/>
+      </a:lnRef>
+      <a:fillRef idx="1">
+        <a:scrgbClr r="0" g="0" b="0"/>
+      </a:fillRef>
+      <a:effectRef idx="0">
+        <a:scrgbClr r="0" g="0" b="0"/>
+      </a:effectRef>
+      <a:fontRef idx="minor"/>
+    </dgm:style>
+  </dgm:styleLbl>
+  <dgm:styleLbl name="alignAcc1">
+    <dgm:scene3d>
+      <a:camera prst="orthographicFront"/>
+      <a:lightRig rig="threePt" dir="t"/>
+    </dgm:scene3d>
+    <dgm:sp3d/>
+    <dgm:txPr/>
+    <dgm:style>
+      <a:lnRef idx="1">
+        <a:scrgbClr r="0" g="0" b="0"/>
+      </a:lnRef>
+      <a:fillRef idx="1">
+        <a:scrgbClr r="0" g="0" b="0"/>
+      </a:fillRef>
+      <a:effectRef idx="0">
+        <a:scrgbClr r="0" g="0" b="0"/>
+      </a:effectRef>
+      <a:fontRef idx="minor"/>
+    </dgm:style>
+  </dgm:styleLbl>
+  <dgm:styleLbl name="trAlignAcc1">
+    <dgm:scene3d>
+      <a:camera prst="orthographicFront"/>
+      <a:lightRig rig="threePt" dir="t"/>
+    </dgm:scene3d>
+    <dgm:sp3d/>
+    <dgm:txPr/>
+    <dgm:style>
+      <a:lnRef idx="1">
+        <a:scrgbClr r="0" g="0" b="0"/>
+      </a:lnRef>
+      <a:fillRef idx="1">
+        <a:scrgbClr r="0" g="0" b="0"/>
+      </a:fillRef>
+      <a:effectRef idx="0">
+        <a:scrgbClr r="0" g="0" b="0"/>
+      </a:effectRef>
+      <a:fontRef idx="minor"/>
+    </dgm:style>
+  </dgm:styleLbl>
+  <dgm:styleLbl name="bgAcc1">
+    <dgm:scene3d>
+      <a:camera prst="orthographicFront"/>
+      <a:lightRig rig="threePt" dir="t"/>
+    </dgm:scene3d>
+    <dgm:sp3d/>
+    <dgm:txPr/>
+    <dgm:style>
+      <a:lnRef idx="1">
+        <a:scrgbClr r="0" g="0" b="0"/>
+      </a:lnRef>
+      <a:fillRef idx="1">
+        <a:scrgbClr r="0" g="0" b="0"/>
+      </a:fillRef>
+      <a:effectRef idx="0">
+        <a:scrgbClr r="0" g="0" b="0"/>
+      </a:effectRef>
+      <a:fontRef idx="minor"/>
+    </dgm:style>
+  </dgm:styleLbl>
+  <dgm:styleLbl name="solidFgAcc1">
+    <dgm:scene3d>
+      <a:camera prst="orthographicFront"/>
+      <a:lightRig rig="threePt" dir="t"/>
+    </dgm:scene3d>
+    <dgm:sp3d/>
+    <dgm:txPr/>
+    <dgm:style>
+      <a:lnRef idx="1">
+        <a:scrgbClr r="0" g="0" b="0"/>
+      </a:lnRef>
+      <a:fillRef idx="1">
+        <a:scrgbClr r="0" g="0" b="0"/>
+      </a:fillRef>
+      <a:effectRef idx="0">
+        <a:scrgbClr r="0" g="0" b="0"/>
+      </a:effectRef>
+      <a:fontRef idx="minor"/>
+    </dgm:style>
+  </dgm:styleLbl>
+  <dgm:styleLbl name="solidAlignAcc1">
+    <dgm:scene3d>
+      <a:camera prst="orthographicFront"/>
+      <a:lightRig rig="threePt" dir="t"/>
+    </dgm:scene3d>
+    <dgm:sp3d/>
+    <dgm:txPr/>
+    <dgm:style>
+      <a:lnRef idx="1">
+        <a:scrgbClr r="0" g="0" b="0"/>
+      </a:lnRef>
+      <a:fillRef idx="1">
+        <a:scrgbClr r="0" g="0" b="0"/>
+      </a:fillRef>
+      <a:effectRef idx="0">
+        <a:scrgbClr r="0" g="0" b="0"/>
+      </a:effectRef>
+      <a:fontRef idx="minor"/>
+    </dgm:style>
+  </dgm:styleLbl>
+  <dgm:styleLbl name="solidBgAcc1">
+    <dgm:scene3d>
+      <a:camera prst="orthographicFront"/>
+      <a:lightRig rig="threePt" dir="t"/>
+    </dgm:scene3d>
+    <dgm:sp3d/>
+    <dgm:txPr/>
+    <dgm:style>
+      <a:lnRef idx="1">
+        <a:scrgbClr r="0" g="0" b="0"/>
+      </a:lnRef>
+      <a:fillRef idx="1">
+        <a:scrgbClr r="0" g="0" b="0"/>
+      </a:fillRef>
+      <a:effectRef idx="0">
+        <a:scrgbClr r="0" g="0" b="0"/>
+      </a:effectRef>
+      <a:fontRef idx="minor"/>
+    </dgm:style>
+  </dgm:styleLbl>
+  <dgm:styleLbl name="fgAccFollowNode1">
+    <dgm:scene3d>
+      <a:camera prst="orthographicFront"/>
+      <a:lightRig rig="threePt" dir="t"/>
+    </dgm:scene3d>
+    <dgm:sp3d/>
+    <dgm:txPr/>
+    <dgm:style>
+      <a:lnRef idx="1">
+        <a:scrgbClr r="0" g="0" b="0"/>
+      </a:lnRef>
+      <a:fillRef idx="1">
+        <a:scrgbClr r="0" g="0" b="0"/>
+      </a:fillRef>
+      <a:effectRef idx="0">
+        <a:scrgbClr r="0" g="0" b="0"/>
+      </a:effectRef>
+      <a:fontRef idx="minor"/>
+    </dgm:style>
+  </dgm:styleLbl>
+  <dgm:styleLbl name="alignAccFollowNode1">
+    <dgm:scene3d>
+      <a:camera prst="orthographicFront"/>
+      <a:lightRig rig="threePt" dir="t"/>
+    </dgm:scene3d>
+    <dgm:sp3d/>
+    <dgm:txPr/>
+    <dgm:style>
+      <a:lnRef idx="1">
+        <a:scrgbClr r="0" g="0" b="0"/>
+      </a:lnRef>
+      <a:fillRef idx="1">
+        <a:scrgbClr r="0" g="0" b="0"/>
+      </a:fillRef>
+      <a:effectRef idx="0">
+        <a:scrgbClr r="0" g="0" b="0"/>
+      </a:effectRef>
+      <a:fontRef idx="minor"/>
+    </dgm:style>
+  </dgm:styleLbl>
+  <dgm:styleLbl name="bgAccFollowNode1">
+    <dgm:scene3d>
+      <a:camera prst="orthographicFront"/>
+      <a:lightRig rig="threePt" dir="t"/>
+    </dgm:scene3d>
+    <dgm:sp3d/>
+    <dgm:txPr/>
+    <dgm:style>
+      <a:lnRef idx="1">
+        <a:scrgbClr r="0" g="0" b="0"/>
+      </a:lnRef>
+      <a:fillRef idx="1">
+        <a:scrgbClr r="0" g="0" b="0"/>
+      </a:fillRef>
+      <a:effectRef idx="0">
+        <a:scrgbClr r="0" g="0" b="0"/>
+      </a:effectRef>
+      <a:fontRef idx="minor"/>
+    </dgm:style>
+  </dgm:styleLbl>
+  <dgm:styleLbl name="fgAcc0">
+    <dgm:scene3d>
+      <a:camera prst="orthographicFront"/>
+      <a:lightRig rig="threePt" dir="t"/>
+    </dgm:scene3d>
+    <dgm:sp3d/>
+    <dgm:txPr/>
+    <dgm:style>
+      <a:lnRef idx="1">
+        <a:scrgbClr r="0" g="0" b="0"/>
+      </a:lnRef>
+      <a:fillRef idx="1">
+        <a:scrgbClr r="0" g="0" b="0"/>
+      </a:fillRef>
+      <a:effectRef idx="0">
+        <a:scrgbClr r="0" g="0" b="0"/>
+      </a:effectRef>
+      <a:fontRef idx="minor"/>
+    </dgm:style>
+  </dgm:styleLbl>
+  <dgm:styleLbl name="fgAcc2">
+    <dgm:scene3d>
+      <a:camera prst="orthographicFront"/>
+      <a:lightRig rig="threePt" dir="t"/>
+    </dgm:scene3d>
+    <dgm:sp3d/>
+    <dgm:txPr/>
+    <dgm:style>
+      <a:lnRef idx="1">
+        <a:scrgbClr r="0" g="0" b="0"/>
+      </a:lnRef>
+      <a:fillRef idx="1">
+        <a:scrgbClr r="0" g="0" b="0"/>
+      </a:fillRef>
+      <a:effectRef idx="0">
+        <a:scrgbClr r="0" g="0" b="0"/>
+      </a:effectRef>
+      <a:fontRef idx="minor"/>
+    </dgm:style>
+  </dgm:styleLbl>
+  <dgm:styleLbl name="fgAcc3">
+    <dgm:scene3d>
+      <a:camera prst="orthographicFront"/>
+      <a:lightRig rig="threePt" dir="t"/>
+    </dgm:scene3d>
+    <dgm:sp3d/>
+    <dgm:txPr/>
+    <dgm:style>
+      <a:lnRef idx="1">
+        <a:scrgbClr r="0" g="0" b="0"/>
+      </a:lnRef>
+      <a:fillRef idx="1">
+        <a:scrgbClr r="0" g="0" b="0"/>
+      </a:fillRef>
+      <a:effectRef idx="0">
+        <a:scrgbClr r="0" g="0" b="0"/>
+      </a:effectRef>
+      <a:fontRef idx="minor"/>
+    </dgm:style>
+  </dgm:styleLbl>
+  <dgm:styleLbl name="fgAcc4">
+    <dgm:scene3d>
+      <a:camera prst="orthographicFront"/>
+      <a:lightRig rig="threePt" dir="t"/>
+    </dgm:scene3d>
+    <dgm:sp3d/>
+    <dgm:txPr/>
+    <dgm:style>
+      <a:lnRef idx="1">
+        <a:scrgbClr r="0" g="0" b="0"/>
+      </a:lnRef>
+      <a:fillRef idx="1">
+        <a:scrgbClr r="0" g="0" b="0"/>
+      </a:fillRef>
+      <a:effectRef idx="0">
+        <a:scrgbClr r="0" g="0" b="0"/>
+      </a:effectRef>
+      <a:fontRef idx="minor"/>
+    </dgm:style>
+  </dgm:styleLbl>
+  <dgm:styleLbl name="bgShp">
+    <dgm:scene3d>
+      <a:camera prst="orthographicFront"/>
+      <a:lightRig rig="threePt" dir="t"/>
+    </dgm:scene3d>
+    <dgm:sp3d/>
+    <dgm:txPr/>
+    <dgm:style>
+      <a:lnRef idx="0">
+        <a:scrgbClr r="0" g="0" b="0"/>
+      </a:lnRef>
+      <a:fillRef idx="1">
+        <a:scrgbClr r="0" g="0" b="0"/>
+      </a:fillRef>
+      <a:effectRef idx="2">
+        <a:scrgbClr r="0" g="0" b="0"/>
+      </a:effectRef>
+      <a:fontRef idx="minor"/>
+    </dgm:style>
+  </dgm:styleLbl>
+  <dgm:styleLbl name="dkBgShp">
+    <dgm:scene3d>
+      <a:camera prst="orthographicFront"/>
+      <a:lightRig rig="threePt" dir="t"/>
+    </dgm:scene3d>
+    <dgm:sp3d/>
+    <dgm:txPr/>
+    <dgm:style>
+      <a:lnRef idx="0">
+        <a:scrgbClr r="0" g="0" b="0"/>
+      </a:lnRef>
+      <a:fillRef idx="1">
+        <a:scrgbClr r="0" g="0" b="0"/>
+      </a:fillRef>
+      <a:effectRef idx="2">
+        <a:scrgbClr r="0" g="0" b="0"/>
+      </a:effectRef>
+      <a:fontRef idx="minor"/>
+    </dgm:style>
+  </dgm:styleLbl>
+  <dgm:styleLbl name="trBgShp">
+    <dgm:scene3d>
+      <a:camera prst="orthographicFront"/>
+      <a:lightRig rig="threePt" dir="t"/>
+    </dgm:scene3d>
+    <dgm:sp3d/>
+    <dgm:txPr/>
+    <dgm:style>
+      <a:lnRef idx="0">
+        <a:scrgbClr r="0" g="0" b="0"/>
+      </a:lnRef>
+      <a:fillRef idx="1">
+        <a:scrgbClr r="0" g="0" b="0"/>
+      </a:fillRef>
+      <a:effectRef idx="0">
+        <a:scrgbClr r="0" g="0" b="0"/>
+      </a:effectRef>
+      <a:fontRef idx="minor"/>
+    </dgm:style>
+  </dgm:styleLbl>
+  <dgm:styleLbl name="fgShp">
+    <dgm:scene3d>
+      <a:camera prst="orthographicFront"/>
+      <a:lightRig rig="threePt" dir="t"/>
+    </dgm:scene3d>
+    <dgm:sp3d/>
+    <dgm:txPr/>
+    <dgm:style>
+      <a:lnRef idx="0">
+        <a:scrgbClr r="0" g="0" b="0"/>
+      </a:lnRef>
+      <a:fillRef idx="3">
+        <a:scrgbClr r="0" g="0" b="0"/>
+      </a:fillRef>
+      <a:effectRef idx="2">
         <a:scrgbClr r="0" g="0" b="0"/>
       </a:effectRef>
       <a:fontRef idx="minor"/>
@@ -5037,90 +8919,6 @@
 </p:notes>
 </file>
 
-<file path=ppt/notesSlides/notesSlide10.xml><?xml version="1.0" encoding="utf-8"?>
-<p:notes xmlns:a="http://schemas.openxmlformats.org/drawingml/2006/main" xmlns:r="http://schemas.openxmlformats.org/officeDocument/2006/relationships" xmlns:p="http://schemas.openxmlformats.org/presentationml/2006/main">
-  <p:cSld>
-    <p:spTree>
-      <p:nvGrpSpPr>
-        <p:cNvPr id="1" name=""/>
-        <p:cNvGrpSpPr/>
-        <p:nvPr/>
-      </p:nvGrpSpPr>
-      <p:grpSpPr>
-        <a:xfrm>
-          <a:off x="0" y="0"/>
-          <a:ext cx="0" cy="0"/>
-          <a:chOff x="0" y="0"/>
-          <a:chExt cx="0" cy="0"/>
-        </a:xfrm>
-      </p:grpSpPr>
-      <p:sp>
-        <p:nvSpPr>
-          <p:cNvPr id="2" name="Marcador de imagen de diapositiva 1"/>
-          <p:cNvSpPr>
-            <a:spLocks noGrp="1" noRot="1" noChangeAspect="1"/>
-          </p:cNvSpPr>
-          <p:nvPr>
-            <p:ph type="sldImg"/>
-          </p:nvPr>
-        </p:nvSpPr>
-        <p:spPr/>
-      </p:sp>
-      <p:sp>
-        <p:nvSpPr>
-          <p:cNvPr id="3" name="Marcador de notas 2"/>
-          <p:cNvSpPr>
-            <a:spLocks noGrp="1"/>
-          </p:cNvSpPr>
-          <p:nvPr>
-            <p:ph type="body" idx="1"/>
-          </p:nvPr>
-        </p:nvSpPr>
-        <p:spPr/>
-        <p:txBody>
-          <a:bodyPr/>
-          <a:lstStyle/>
-          <a:p>
-            <a:endParaRPr lang="es-ES" dirty="0"/>
-          </a:p>
-        </p:txBody>
-      </p:sp>
-      <p:sp>
-        <p:nvSpPr>
-          <p:cNvPr id="4" name="Marcador de número de diapositiva 3"/>
-          <p:cNvSpPr>
-            <a:spLocks noGrp="1"/>
-          </p:cNvSpPr>
-          <p:nvPr>
-            <p:ph type="sldNum" sz="quarter" idx="10"/>
-          </p:nvPr>
-        </p:nvSpPr>
-        <p:spPr/>
-        <p:txBody>
-          <a:bodyPr/>
-          <a:lstStyle/>
-          <a:p>
-            <a:fld id="{C1D7BF53-A8BD-41DF-AC66-90ABD219E666}" type="slidenum">
-              <a:rPr lang="es-ES" smtClean="0"/>
-              <a:t>11</a:t>
-            </a:fld>
-            <a:endParaRPr lang="es-ES"/>
-          </a:p>
-        </p:txBody>
-      </p:sp>
-    </p:spTree>
-    <p:extLst>
-      <p:ext uri="{BB962C8B-B14F-4D97-AF65-F5344CB8AC3E}">
-        <p14:creationId xmlns:p14="http://schemas.microsoft.com/office/powerpoint/2010/main" val="10461130"/>
-      </p:ext>
-    </p:extLst>
-  </p:cSld>
-  <p:clrMapOvr>
-    <a:masterClrMapping/>
-  </p:clrMapOvr>
-</p:notes>
-</file>
-
 <file path=ppt/notesSlides/notesSlide2.xml><?xml version="1.0" encoding="utf-8"?>
 <p:notes xmlns:a="http://schemas.openxmlformats.org/drawingml/2006/main" xmlns:r="http://schemas.openxmlformats.org/officeDocument/2006/relationships" xmlns:p="http://schemas.openxmlformats.org/presentationml/2006/main">
   <p:cSld>
@@ -6015,7 +9813,400 @@
           <a:bodyPr/>
           <a:lstStyle/>
           <a:p>
-            <a:endParaRPr lang="es-ES"/>
+            <a:pPr marL="285750" indent="-285750">
+              <a:buFont typeface="Arial" panose="020B0604020202020204" pitchFamily="34" charset="0"/>
+              <a:buChar char="•"/>
+            </a:pPr>
+            <a:r>
+              <a:rPr lang="es-AR" sz="1200" b="1" dirty="0" smtClean="0">
+                <a:solidFill>
+                  <a:schemeClr val="bg1"/>
+                </a:solidFill>
+              </a:rPr>
+              <a:t>(+)Cantidad Horas trabajadas</a:t>
+            </a:r>
+          </a:p>
+          <a:p>
+            <a:pPr marL="285750" indent="-285750">
+              <a:buFont typeface="Arial" panose="020B0604020202020204" pitchFamily="34" charset="0"/>
+              <a:buChar char="•"/>
+            </a:pPr>
+            <a:r>
+              <a:rPr lang="es-AR" sz="1200" b="1" dirty="0" smtClean="0">
+                <a:solidFill>
+                  <a:schemeClr val="bg1"/>
+                </a:solidFill>
+              </a:rPr>
+              <a:t>Metodología -&gt; </a:t>
+            </a:r>
+            <a:r>
+              <a:rPr lang="es-AR" sz="1200" b="1" dirty="0" err="1" smtClean="0">
+                <a:solidFill>
+                  <a:schemeClr val="bg1"/>
+                </a:solidFill>
+              </a:rPr>
+              <a:t>Scrum</a:t>
+            </a:r>
+            <a:r>
+              <a:rPr lang="es-AR" sz="1200" b="1" dirty="0" smtClean="0">
+                <a:solidFill>
+                  <a:schemeClr val="bg1"/>
+                </a:solidFill>
+              </a:rPr>
+              <a:t>. Tomamos las practicas que nos servían a nosotros.</a:t>
+            </a:r>
+          </a:p>
+          <a:p>
+            <a:pPr marL="285750" indent="-285750">
+              <a:buFont typeface="Arial" panose="020B0604020202020204" pitchFamily="34" charset="0"/>
+              <a:buChar char="•"/>
+            </a:pPr>
+            <a:r>
+              <a:rPr lang="es-AR" sz="1200" b="1" dirty="0" smtClean="0">
+                <a:solidFill>
+                  <a:schemeClr val="bg1"/>
+                </a:solidFill>
+              </a:rPr>
+              <a:t>TRABAJO EN EQUIPO! COMPROMISO! Mejoro la comunicación, siempre estuvimos juntos físicamente en el mismo lugar. -&gt; Avanzar mucho mas rápido y reduce el re trabajo. </a:t>
+            </a:r>
+          </a:p>
+          <a:p>
+            <a:pPr marL="285750" indent="-285750">
+              <a:buFont typeface="Arial" panose="020B0604020202020204" pitchFamily="34" charset="0"/>
+              <a:buChar char="•"/>
+            </a:pPr>
+            <a:r>
+              <a:rPr lang="es-AR" sz="1200" b="1" dirty="0" smtClean="0">
+                <a:solidFill>
+                  <a:schemeClr val="bg1"/>
+                </a:solidFill>
+              </a:rPr>
+              <a:t>Se respetó la planificación. Se le dedico las horas </a:t>
+            </a:r>
+            <a:r>
+              <a:rPr lang="es-AR" sz="1200" b="1" dirty="0" err="1" smtClean="0">
+                <a:solidFill>
+                  <a:schemeClr val="bg1"/>
+                </a:solidFill>
+              </a:rPr>
+              <a:t>semanals</a:t>
+            </a:r>
+            <a:r>
+              <a:rPr lang="es-AR" sz="1200" b="1" dirty="0" smtClean="0">
+                <a:solidFill>
+                  <a:schemeClr val="bg1"/>
+                </a:solidFill>
+              </a:rPr>
+              <a:t> acordadas</a:t>
+            </a:r>
+          </a:p>
+          <a:p>
+            <a:pPr marL="285750" indent="-285750">
+              <a:buFont typeface="Arial" panose="020B0604020202020204" pitchFamily="34" charset="0"/>
+              <a:buChar char="•"/>
+            </a:pPr>
+            <a:r>
+              <a:rPr lang="es-AR" sz="1200" b="1" dirty="0" smtClean="0">
+                <a:solidFill>
+                  <a:schemeClr val="bg1"/>
+                </a:solidFill>
+              </a:rPr>
+              <a:t>Nos sirvió realizar el estudio inicial y analizar los </a:t>
+            </a:r>
+            <a:r>
+              <a:rPr lang="es-AR" sz="1200" b="1" dirty="0" err="1" smtClean="0">
+                <a:solidFill>
+                  <a:schemeClr val="bg1"/>
+                </a:solidFill>
+              </a:rPr>
+              <a:t>rqs</a:t>
+            </a:r>
+            <a:r>
+              <a:rPr lang="es-AR" sz="1200" b="1" dirty="0" smtClean="0">
+                <a:solidFill>
+                  <a:schemeClr val="bg1"/>
+                </a:solidFill>
+              </a:rPr>
+              <a:t> antes de programar (analizar bien el dominio, </a:t>
+            </a:r>
+            <a:r>
+              <a:rPr lang="es-AR" sz="1200" b="1" dirty="0" err="1" smtClean="0">
+                <a:solidFill>
+                  <a:schemeClr val="bg1"/>
+                </a:solidFill>
+              </a:rPr>
+              <a:t>nors</a:t>
+            </a:r>
+            <a:r>
+              <a:rPr lang="es-AR" sz="1200" b="1" dirty="0" smtClean="0">
+                <a:solidFill>
+                  <a:schemeClr val="bg1"/>
+                </a:solidFill>
+              </a:rPr>
+              <a:t> sirvió tomarnos dos meses – sprint 0) ANALIZAR NECESIDADES, RQS, COMO ENCARAR LA SOLUCION.. </a:t>
+            </a:r>
+          </a:p>
+          <a:p>
+            <a:pPr marL="285750" indent="-285750">
+              <a:buFont typeface="Arial" panose="020B0604020202020204" pitchFamily="34" charset="0"/>
+              <a:buChar char="•"/>
+            </a:pPr>
+            <a:r>
+              <a:rPr lang="es-AR" sz="1200" b="1" dirty="0" err="1" smtClean="0">
+                <a:solidFill>
+                  <a:schemeClr val="bg1"/>
+                </a:solidFill>
+              </a:rPr>
+              <a:t>Restruccturacion</a:t>
+            </a:r>
+            <a:r>
+              <a:rPr lang="es-AR" sz="1200" b="1" dirty="0" smtClean="0">
+                <a:solidFill>
+                  <a:schemeClr val="bg1"/>
+                </a:solidFill>
+              </a:rPr>
+              <a:t> de código -&gt; se le dedico tiempo. Un sprint</a:t>
+            </a:r>
+          </a:p>
+          <a:p>
+            <a:pPr marL="285750" indent="-285750">
+              <a:buFont typeface="Arial" panose="020B0604020202020204" pitchFamily="34" charset="0"/>
+              <a:buChar char="•"/>
+            </a:pPr>
+            <a:r>
+              <a:rPr lang="es-AR" sz="1200" b="1" dirty="0" smtClean="0">
+                <a:solidFill>
+                  <a:schemeClr val="bg1"/>
+                </a:solidFill>
+              </a:rPr>
+              <a:t>Tenemos la </a:t>
+            </a:r>
+            <a:r>
+              <a:rPr lang="es-AR" sz="1200" b="1" dirty="0" err="1" smtClean="0">
+                <a:solidFill>
+                  <a:schemeClr val="bg1"/>
+                </a:solidFill>
+              </a:rPr>
+              <a:t>doc</a:t>
+            </a:r>
+            <a:r>
+              <a:rPr lang="es-AR" sz="1200" b="1" dirty="0" smtClean="0">
+                <a:solidFill>
+                  <a:schemeClr val="bg1"/>
+                </a:solidFill>
+              </a:rPr>
+              <a:t> actualizada y consistente nos facilito la construcción de nuestro producto y eso va a ayudarnos en un futuro para el mantenimiento.</a:t>
+            </a:r>
+          </a:p>
+          <a:p>
+            <a:pPr marL="285750" indent="-285750">
+              <a:buFont typeface="Arial" panose="020B0604020202020204" pitchFamily="34" charset="0"/>
+              <a:buChar char="•"/>
+            </a:pPr>
+            <a:endParaRPr lang="es-AR" b="1" dirty="0" smtClean="0">
+              <a:solidFill>
+                <a:schemeClr val="bg1"/>
+              </a:solidFill>
+            </a:endParaRPr>
+          </a:p>
+          <a:p>
+            <a:pPr marL="285750" indent="-285750">
+              <a:buFont typeface="Arial" panose="020B0604020202020204" pitchFamily="34" charset="0"/>
+              <a:buChar char="•"/>
+            </a:pPr>
+            <a:r>
+              <a:rPr lang="es-AR" sz="1200" b="1" dirty="0" smtClean="0">
+                <a:solidFill>
+                  <a:schemeClr val="bg1"/>
+                </a:solidFill>
+              </a:rPr>
+              <a:t>(-)Nos falto definir con detalle un Criterio de Hecho (Nos faltó un </a:t>
+            </a:r>
+            <a:r>
+              <a:rPr lang="es-AR" sz="1200" b="1" dirty="0" err="1" smtClean="0">
+                <a:solidFill>
+                  <a:schemeClr val="bg1"/>
+                </a:solidFill>
+              </a:rPr>
+              <a:t>product</a:t>
+            </a:r>
+            <a:r>
+              <a:rPr lang="es-AR" sz="1200" b="1" dirty="0" smtClean="0">
+                <a:solidFill>
+                  <a:schemeClr val="bg1"/>
+                </a:solidFill>
+              </a:rPr>
+              <a:t> </a:t>
+            </a:r>
+            <a:r>
+              <a:rPr lang="es-AR" sz="1200" b="1" dirty="0" err="1" smtClean="0">
+                <a:solidFill>
+                  <a:schemeClr val="bg1"/>
+                </a:solidFill>
+              </a:rPr>
+              <a:t>owner</a:t>
+            </a:r>
+            <a:r>
+              <a:rPr lang="es-AR" sz="1200" b="1" dirty="0" smtClean="0">
+                <a:solidFill>
+                  <a:schemeClr val="bg1"/>
+                </a:solidFill>
+              </a:rPr>
+              <a:t> mas formal). Definir un punto de cuando las cosas están listas.</a:t>
+            </a:r>
+          </a:p>
+          <a:p>
+            <a:pPr marL="285750" indent="-285750">
+              <a:buFont typeface="Arial" panose="020B0604020202020204" pitchFamily="34" charset="0"/>
+              <a:buChar char="•"/>
+            </a:pPr>
+            <a:r>
+              <a:rPr lang="es-AR" sz="1200" b="1" dirty="0" err="1" smtClean="0">
+                <a:solidFill>
+                  <a:schemeClr val="bg1"/>
+                </a:solidFill>
+              </a:rPr>
+              <a:t>Testing</a:t>
+            </a:r>
+            <a:r>
+              <a:rPr lang="es-AR" sz="1200" b="1" dirty="0" smtClean="0">
+                <a:solidFill>
+                  <a:schemeClr val="bg1"/>
+                </a:solidFill>
+              </a:rPr>
+              <a:t>!!!!!! No le dedicamos tiempo a la automatización de CP que era la idea inicial. Hicimos </a:t>
+            </a:r>
+            <a:r>
+              <a:rPr lang="es-AR" sz="1200" b="1" dirty="0" err="1" smtClean="0">
+                <a:solidFill>
+                  <a:schemeClr val="bg1"/>
+                </a:solidFill>
+              </a:rPr>
+              <a:t>testing</a:t>
+            </a:r>
+            <a:r>
+              <a:rPr lang="es-AR" sz="1200" b="1" dirty="0" smtClean="0">
+                <a:solidFill>
+                  <a:schemeClr val="bg1"/>
+                </a:solidFill>
+              </a:rPr>
+              <a:t> manual solo. </a:t>
+            </a:r>
+          </a:p>
+          <a:p>
+            <a:pPr marL="285750" indent="-285750">
+              <a:buFont typeface="Arial" panose="020B0604020202020204" pitchFamily="34" charset="0"/>
+              <a:buChar char="•"/>
+            </a:pPr>
+            <a:r>
+              <a:rPr lang="es-AR" sz="1200" b="1" dirty="0" smtClean="0">
+                <a:solidFill>
+                  <a:schemeClr val="bg1"/>
+                </a:solidFill>
+              </a:rPr>
+              <a:t>Le deberíamos haber dado más importancia a las inspecciones de código.</a:t>
+            </a:r>
+          </a:p>
+          <a:p>
+            <a:pPr marL="285750" indent="-285750">
+              <a:buFont typeface="Arial" panose="020B0604020202020204" pitchFamily="34" charset="0"/>
+              <a:buChar char="•"/>
+            </a:pPr>
+            <a:endParaRPr lang="es-AR" sz="1200" b="1" dirty="0" smtClean="0">
+              <a:solidFill>
+                <a:schemeClr val="bg1"/>
+              </a:solidFill>
+            </a:endParaRPr>
+          </a:p>
+          <a:p>
+            <a:pPr marL="285750" indent="-285750">
+              <a:buFont typeface="Arial" panose="020B0604020202020204" pitchFamily="34" charset="0"/>
+              <a:buChar char="•"/>
+            </a:pPr>
+            <a:r>
+              <a:rPr lang="es-AR" sz="1200" b="1" dirty="0" smtClean="0">
+                <a:solidFill>
+                  <a:schemeClr val="bg1"/>
+                </a:solidFill>
+              </a:rPr>
+              <a:t>Mejorar (++)</a:t>
+            </a:r>
+          </a:p>
+          <a:p>
+            <a:pPr marL="285750" indent="-285750">
+              <a:buFont typeface="Arial" panose="020B0604020202020204" pitchFamily="34" charset="0"/>
+              <a:buChar char="•"/>
+            </a:pPr>
+            <a:r>
+              <a:rPr lang="es-AR" sz="1200" b="1" dirty="0" smtClean="0">
+                <a:solidFill>
+                  <a:schemeClr val="bg1"/>
+                </a:solidFill>
+              </a:rPr>
+              <a:t>Como vamos a seguir.. Como forma de trabajo.. Dedicarle mas horas a trabajar juntos (Seguir trabajando con las cosas positivas y tratar de mejorar en los aspectos negativos)</a:t>
+            </a:r>
+          </a:p>
+          <a:p>
+            <a:pPr marL="285750" indent="-285750">
+              <a:buFont typeface="Arial" panose="020B0604020202020204" pitchFamily="34" charset="0"/>
+              <a:buChar char="•"/>
+            </a:pPr>
+            <a:r>
+              <a:rPr lang="es-AR" sz="1200" b="1" dirty="0" smtClean="0">
+                <a:solidFill>
+                  <a:schemeClr val="bg1"/>
+                </a:solidFill>
+              </a:rPr>
+              <a:t>Hoy lo vemos como algo mucho mas factible y nos gustaría arrancar un emprendimiento propio y por tal motivo hicimos un PLAN DE NEGOCIO!!!! (</a:t>
+            </a:r>
+            <a:r>
+              <a:rPr lang="es-AR" sz="1200" b="1" dirty="0" err="1" smtClean="0">
+                <a:solidFill>
+                  <a:schemeClr val="bg1"/>
+                </a:solidFill>
+              </a:rPr>
+              <a:t>fACU</a:t>
+            </a:r>
+            <a:r>
+              <a:rPr lang="es-AR" sz="1200" b="1" dirty="0" smtClean="0">
+                <a:solidFill>
+                  <a:schemeClr val="bg1"/>
+                </a:solidFill>
+              </a:rPr>
+              <a:t>)</a:t>
+            </a:r>
+          </a:p>
+          <a:p>
+            <a:pPr marL="285750" indent="-285750">
+              <a:buFont typeface="Arial" panose="020B0604020202020204" pitchFamily="34" charset="0"/>
+              <a:buChar char="•"/>
+            </a:pPr>
+            <a:endParaRPr lang="es-AR" b="1" dirty="0" smtClean="0">
+              <a:solidFill>
+                <a:schemeClr val="bg1"/>
+              </a:solidFill>
+            </a:endParaRPr>
+          </a:p>
+          <a:p>
+            <a:pPr marL="285750" indent="-285750">
+              <a:buFont typeface="Arial" panose="020B0604020202020204" pitchFamily="34" charset="0"/>
+              <a:buChar char="•"/>
+            </a:pPr>
+            <a:endParaRPr lang="es-AR" b="1" dirty="0" smtClean="0">
+              <a:solidFill>
+                <a:schemeClr val="bg1"/>
+              </a:solidFill>
+            </a:endParaRPr>
+          </a:p>
+          <a:p>
+            <a:pPr marL="285750" indent="-285750">
+              <a:buFont typeface="Arial" panose="020B0604020202020204" pitchFamily="34" charset="0"/>
+              <a:buChar char="•"/>
+            </a:pPr>
+            <a:endParaRPr lang="es-AR" dirty="0" smtClean="0"/>
+          </a:p>
+          <a:p>
+            <a:endParaRPr lang="es-ES" dirty="0"/>
           </a:p>
         </p:txBody>
       </p:sp>
@@ -6099,221 +10290,6 @@
           <a:bodyPr/>
           <a:lstStyle/>
           <a:p>
-            <a:r>
-              <a:rPr lang="es-ES" dirty="0" smtClean="0"/>
-              <a:t>Administrar Campeonato: incluye gestionar</a:t>
-            </a:r>
-            <a:r>
-              <a:rPr lang="es-ES" baseline="0" dirty="0" smtClean="0"/>
-              <a:t> un campeonato y sus ediciones, tipos de cancha, generar distintas diagramaciones (fixture todos contra todos, por zonas, </a:t>
-            </a:r>
-            <a:r>
-              <a:rPr lang="es-ES" baseline="0" dirty="0" err="1" smtClean="0"/>
-              <a:t>etc</a:t>
-            </a:r>
-            <a:r>
-              <a:rPr lang="es-ES" baseline="0" dirty="0" smtClean="0"/>
-              <a:t>)</a:t>
-            </a:r>
-          </a:p>
-          <a:p>
-            <a:endParaRPr lang="es-ES" baseline="0" dirty="0" smtClean="0"/>
-          </a:p>
-          <a:p>
-            <a:r>
-              <a:rPr lang="es-ES" dirty="0" smtClean="0"/>
-              <a:t>Administrar</a:t>
-            </a:r>
-            <a:r>
-              <a:rPr lang="es-ES" baseline="0" dirty="0" smtClean="0"/>
-              <a:t> Partidos:</a:t>
-            </a:r>
-            <a:r>
-              <a:rPr lang="es-AR" sz="1200" kern="1200" dirty="0" smtClean="0">
-                <a:solidFill>
-                  <a:schemeClr val="tx1"/>
-                </a:solidFill>
-                <a:effectLst/>
-                <a:latin typeface="+mn-lt"/>
-                <a:ea typeface="+mn-ea"/>
-                <a:cs typeface="+mn-cs"/>
-              </a:rPr>
-              <a:t>Registrar resultado de los partidos: cantidad de goles convertidos, tipos de goles, tarjetas, tiempo de juego y faltas cometidas por jugador, desempeño de árbitros</a:t>
-            </a:r>
-          </a:p>
-          <a:p>
-            <a:endParaRPr lang="es-AR" sz="1200" kern="1200" dirty="0" smtClean="0">
-              <a:solidFill>
-                <a:schemeClr val="tx1"/>
-              </a:solidFill>
-              <a:effectLst/>
-              <a:latin typeface="+mn-lt"/>
-              <a:ea typeface="+mn-ea"/>
-              <a:cs typeface="+mn-cs"/>
-            </a:endParaRPr>
-          </a:p>
-          <a:p>
-            <a:pPr lvl="0"/>
-            <a:r>
-              <a:rPr lang="es-AR" sz="1200" kern="1200" dirty="0" smtClean="0">
-                <a:solidFill>
-                  <a:schemeClr val="tx1"/>
-                </a:solidFill>
-                <a:effectLst/>
-                <a:latin typeface="+mn-lt"/>
-                <a:ea typeface="+mn-ea"/>
-                <a:cs typeface="+mn-cs"/>
-              </a:rPr>
-              <a:t>Generar</a:t>
-            </a:r>
-            <a:r>
-              <a:rPr lang="es-AR" sz="1200" kern="1200" baseline="0" dirty="0" smtClean="0">
-                <a:solidFill>
-                  <a:schemeClr val="tx1"/>
-                </a:solidFill>
-                <a:effectLst/>
-                <a:latin typeface="+mn-lt"/>
-                <a:ea typeface="+mn-ea"/>
-                <a:cs typeface="+mn-cs"/>
-              </a:rPr>
-              <a:t> todo tipo de estadísticas</a:t>
-            </a:r>
-            <a:r>
-              <a:rPr lang="es-AR" sz="1200" kern="1200" dirty="0" smtClean="0">
-                <a:solidFill>
-                  <a:schemeClr val="tx1"/>
-                </a:solidFill>
-                <a:effectLst/>
-                <a:latin typeface="+mn-lt"/>
-                <a:ea typeface="+mn-ea"/>
-                <a:cs typeface="+mn-cs"/>
-              </a:rPr>
-              <a:t> por equipo: tabla de posiciones (partidos jugados, partidos ganados, partidos empatados, partidos perdidos, goles a favor, goles en contra, puntos obtenidos), tipo de goles convertidos, resultados de local y de visitante. </a:t>
-            </a:r>
-            <a:endParaRPr lang="es-ES" sz="1200" kern="1200" dirty="0" smtClean="0">
-              <a:solidFill>
-                <a:schemeClr val="tx1"/>
-              </a:solidFill>
-              <a:effectLst/>
-              <a:latin typeface="+mn-lt"/>
-              <a:ea typeface="+mn-ea"/>
-              <a:cs typeface="+mn-cs"/>
-            </a:endParaRPr>
-          </a:p>
-          <a:p>
-            <a:pPr lvl="0"/>
-            <a:r>
-              <a:rPr lang="es-AR" sz="1200" kern="1200" dirty="0" smtClean="0">
-                <a:solidFill>
-                  <a:schemeClr val="tx1"/>
-                </a:solidFill>
-                <a:effectLst/>
-                <a:latin typeface="+mn-lt"/>
-                <a:ea typeface="+mn-ea"/>
-                <a:cs typeface="+mn-cs"/>
-              </a:rPr>
-              <a:t>Consultar resultados por cada fecha.</a:t>
-            </a:r>
-            <a:endParaRPr lang="es-ES" sz="1200" kern="1200" dirty="0" smtClean="0">
-              <a:solidFill>
-                <a:schemeClr val="tx1"/>
-              </a:solidFill>
-              <a:effectLst/>
-              <a:latin typeface="+mn-lt"/>
-              <a:ea typeface="+mn-ea"/>
-              <a:cs typeface="+mn-cs"/>
-            </a:endParaRPr>
-          </a:p>
-          <a:p>
-            <a:pPr lvl="0"/>
-            <a:r>
-              <a:rPr lang="es-AR" sz="1200" kern="1200" dirty="0" smtClean="0">
-                <a:solidFill>
-                  <a:schemeClr val="tx1"/>
-                </a:solidFill>
-                <a:effectLst/>
-                <a:latin typeface="+mn-lt"/>
-                <a:ea typeface="+mn-ea"/>
-                <a:cs typeface="+mn-cs"/>
-              </a:rPr>
-              <a:t>Generación de estadísticas por jugador: ranking de jugadores, goleadores, tarjetas rojas y amarillas obtenidas.</a:t>
-            </a:r>
-            <a:endParaRPr lang="es-ES" sz="1200" kern="1200" dirty="0" smtClean="0">
-              <a:solidFill>
-                <a:schemeClr val="tx1"/>
-              </a:solidFill>
-              <a:effectLst/>
-              <a:latin typeface="+mn-lt"/>
-              <a:ea typeface="+mn-ea"/>
-              <a:cs typeface="+mn-cs"/>
-            </a:endParaRPr>
-          </a:p>
-          <a:p>
-            <a:endParaRPr lang="es-ES" dirty="0" smtClean="0"/>
-          </a:p>
-          <a:p>
-            <a:r>
-              <a:rPr lang="es-AR" sz="1200" kern="1200" dirty="0" smtClean="0">
-                <a:solidFill>
-                  <a:schemeClr val="tx1"/>
-                </a:solidFill>
-                <a:effectLst/>
-                <a:latin typeface="+mn-lt"/>
-                <a:ea typeface="+mn-ea"/>
-                <a:cs typeface="+mn-cs"/>
-              </a:rPr>
-              <a:t>Generación de un portal de noticias que cada torneo podrá administrar.</a:t>
-            </a:r>
-          </a:p>
-          <a:p>
-            <a:endParaRPr lang="es-AR" sz="1200" kern="1200" dirty="0" smtClean="0">
-              <a:solidFill>
-                <a:schemeClr val="tx1"/>
-              </a:solidFill>
-              <a:effectLst/>
-              <a:latin typeface="+mn-lt"/>
-              <a:ea typeface="+mn-ea"/>
-              <a:cs typeface="+mn-cs"/>
-            </a:endParaRPr>
-          </a:p>
-          <a:p>
-            <a:r>
-              <a:rPr lang="es-AR" sz="1200" kern="1200" dirty="0" smtClean="0">
-                <a:solidFill>
-                  <a:schemeClr val="tx1"/>
-                </a:solidFill>
-                <a:effectLst/>
-                <a:latin typeface="+mn-lt"/>
-                <a:ea typeface="+mn-ea"/>
-                <a:cs typeface="+mn-cs"/>
-              </a:rPr>
-              <a:t>Gestión de usuarios, administrar los distintos accesos</a:t>
-            </a:r>
-            <a:r>
-              <a:rPr lang="es-AR" sz="1200" kern="1200" baseline="0" dirty="0" smtClean="0">
-                <a:solidFill>
-                  <a:schemeClr val="tx1"/>
-                </a:solidFill>
-                <a:effectLst/>
-                <a:latin typeface="+mn-lt"/>
-                <a:ea typeface="+mn-ea"/>
-                <a:cs typeface="+mn-cs"/>
-              </a:rPr>
-              <a:t> a la información, para cada tipo de usuario.</a:t>
-            </a:r>
-          </a:p>
-          <a:p>
-            <a:endParaRPr lang="es-AR" sz="1200" kern="1200" baseline="0" dirty="0" smtClean="0">
-              <a:solidFill>
-                <a:schemeClr val="tx1"/>
-              </a:solidFill>
-              <a:effectLst/>
-              <a:latin typeface="+mn-lt"/>
-              <a:ea typeface="+mn-ea"/>
-              <a:cs typeface="+mn-cs"/>
-            </a:endParaRPr>
-          </a:p>
-          <a:p>
             <a:endParaRPr lang="es-ES" dirty="0"/>
           </a:p>
         </p:txBody>
@@ -6337,14 +10313,14 @@
               <a:rPr lang="es-ES" smtClean="0"/>
               <a:t>9</a:t>
             </a:fld>
-            <a:endParaRPr lang="es-ES"/>
+            <a:endParaRPr lang="es-ES" dirty="0"/>
           </a:p>
         </p:txBody>
       </p:sp>
     </p:spTree>
     <p:extLst>
       <p:ext uri="{BB962C8B-B14F-4D97-AF65-F5344CB8AC3E}">
-        <p14:creationId xmlns:p14="http://schemas.microsoft.com/office/powerpoint/2010/main" val="1485502202"/>
+        <p14:creationId xmlns:p14="http://schemas.microsoft.com/office/powerpoint/2010/main" val="2354830964"/>
       </p:ext>
     </p:extLst>
   </p:cSld>
@@ -6421,14 +10397,14 @@
               <a:rPr lang="es-ES" smtClean="0"/>
               <a:t>10</a:t>
             </a:fld>
-            <a:endParaRPr lang="es-ES" dirty="0"/>
+            <a:endParaRPr lang="es-ES"/>
           </a:p>
         </p:txBody>
       </p:sp>
     </p:spTree>
     <p:extLst>
       <p:ext uri="{BB962C8B-B14F-4D97-AF65-F5344CB8AC3E}">
-        <p14:creationId xmlns:p14="http://schemas.microsoft.com/office/powerpoint/2010/main" val="2354830964"/>
+        <p14:creationId xmlns:p14="http://schemas.microsoft.com/office/powerpoint/2010/main" val="10461130"/>
       </p:ext>
     </p:extLst>
   </p:cSld>
@@ -13486,1421 +17462,6 @@
       </p:grpSpPr>
       <p:sp>
         <p:nvSpPr>
-          <p:cNvPr id="2" name="Título 1"/>
-          <p:cNvSpPr>
-            <a:spLocks noGrp="1"/>
-          </p:cNvSpPr>
-          <p:nvPr>
-            <p:ph type="title"/>
-          </p:nvPr>
-        </p:nvSpPr>
-        <p:spPr>
-          <a:xfrm>
-            <a:off x="2247899" y="192581"/>
-            <a:ext cx="9172198" cy="970450"/>
-          </a:xfrm>
-        </p:spPr>
-        <p:txBody>
-          <a:bodyPr/>
-          <a:lstStyle/>
-          <a:p>
-            <a:r>
-              <a:rPr lang="es-AR" dirty="0" smtClean="0">
-                <a:latin typeface="Calibri" panose="020F0502020204030204" pitchFamily="34" charset="0"/>
-              </a:rPr>
-              <a:t>¿</a:t>
-            </a:r>
-            <a:r>
-              <a:rPr lang="es-AR" dirty="0" smtClean="0"/>
-              <a:t>Cómo Seguimos</a:t>
-            </a:r>
-            <a:r>
-              <a:rPr lang="es-AR" dirty="0" smtClean="0">
-                <a:latin typeface="Calibri" panose="020F0502020204030204" pitchFamily="34" charset="0"/>
-              </a:rPr>
-              <a:t>?</a:t>
-            </a:r>
-            <a:endParaRPr lang="es-AR" dirty="0">
-              <a:latin typeface="Calibri" panose="020F0502020204030204" pitchFamily="34" charset="0"/>
-            </a:endParaRPr>
-          </a:p>
-        </p:txBody>
-      </p:sp>
-      <p:pic>
-        <p:nvPicPr>
-          <p:cNvPr id="5" name="Imagen 4"/>
-          <p:cNvPicPr>
-            <a:picLocks noChangeAspect="1"/>
-          </p:cNvPicPr>
-          <p:nvPr/>
-        </p:nvPicPr>
-        <p:blipFill>
-          <a:blip r:embed="rId3">
-            <a:grayscl/>
-            <a:extLst>
-              <a:ext uri="{28A0092B-C50C-407E-A947-70E740481C1C}">
-                <a14:useLocalDpi xmlns:a14="http://schemas.microsoft.com/office/drawing/2010/main" val="0"/>
-              </a:ext>
-            </a:extLst>
-          </a:blip>
-          <a:stretch>
-            <a:fillRect/>
-          </a:stretch>
-        </p:blipFill>
-        <p:spPr>
-          <a:xfrm>
-            <a:off x="422650" y="0"/>
-            <a:ext cx="1780799" cy="1798832"/>
-          </a:xfrm>
-          <a:prstGeom prst="rect">
-            <a:avLst/>
-          </a:prstGeom>
-        </p:spPr>
-      </p:pic>
-      <p:cxnSp>
-        <p:nvCxnSpPr>
-          <p:cNvPr id="10" name="Conector recto de flecha 9"/>
-          <p:cNvCxnSpPr>
-            <a:stCxn id="45" idx="6"/>
-          </p:cNvCxnSpPr>
-          <p:nvPr/>
-        </p:nvCxnSpPr>
-        <p:spPr>
-          <a:xfrm flipV="1">
-            <a:off x="1520672" y="2689182"/>
-            <a:ext cx="9166378" cy="17560"/>
-          </a:xfrm>
-          <a:prstGeom prst="straightConnector1">
-            <a:avLst/>
-          </a:prstGeom>
-          <a:ln w="146050">
-            <a:tailEnd type="triangle"/>
-          </a:ln>
-        </p:spPr>
-        <p:style>
-          <a:lnRef idx="3">
-            <a:schemeClr val="accent1"/>
-          </a:lnRef>
-          <a:fillRef idx="0">
-            <a:schemeClr val="accent1"/>
-          </a:fillRef>
-          <a:effectRef idx="2">
-            <a:schemeClr val="accent1"/>
-          </a:effectRef>
-          <a:fontRef idx="minor">
-            <a:schemeClr val="tx1"/>
-          </a:fontRef>
-        </p:style>
-      </p:cxnSp>
-      <p:sp>
-        <p:nvSpPr>
-          <p:cNvPr id="45" name="Elipse 44"/>
-          <p:cNvSpPr/>
-          <p:nvPr/>
-        </p:nvSpPr>
-        <p:spPr>
-          <a:xfrm>
-            <a:off x="293496" y="2102115"/>
-            <a:ext cx="1227176" cy="1209254"/>
-          </a:xfrm>
-          <a:prstGeom prst="ellipse">
-            <a:avLst/>
-          </a:prstGeom>
-          <a:ln w="57150">
-            <a:solidFill>
-              <a:schemeClr val="accent1">
-                <a:lumMod val="75000"/>
-              </a:schemeClr>
-            </a:solidFill>
-          </a:ln>
-        </p:spPr>
-        <p:style>
-          <a:lnRef idx="1">
-            <a:schemeClr val="accent1"/>
-          </a:lnRef>
-          <a:fillRef idx="3">
-            <a:schemeClr val="accent1"/>
-          </a:fillRef>
-          <a:effectRef idx="2">
-            <a:schemeClr val="accent1"/>
-          </a:effectRef>
-          <a:fontRef idx="minor">
-            <a:schemeClr val="lt1"/>
-          </a:fontRef>
-        </p:style>
-        <p:txBody>
-          <a:bodyPr rtlCol="0" anchor="ctr"/>
-          <a:lstStyle/>
-          <a:p>
-            <a:pPr algn="ctr"/>
-            <a:endParaRPr lang="es-ES" dirty="0"/>
-          </a:p>
-        </p:txBody>
-      </p:sp>
-      <p:sp>
-        <p:nvSpPr>
-          <p:cNvPr id="41" name="CuadroTexto 40"/>
-          <p:cNvSpPr txBox="1"/>
-          <p:nvPr/>
-        </p:nvSpPr>
-        <p:spPr>
-          <a:xfrm>
-            <a:off x="122047" y="2396795"/>
-            <a:ext cx="1600200" cy="584775"/>
-          </a:xfrm>
-          <a:prstGeom prst="rect">
-            <a:avLst/>
-          </a:prstGeom>
-          <a:noFill/>
-        </p:spPr>
-        <p:txBody>
-          <a:bodyPr wrap="square" rtlCol="0">
-            <a:spAutoFit/>
-          </a:bodyPr>
-          <a:lstStyle/>
-          <a:p>
-            <a:pPr algn="ctr"/>
-            <a:r>
-              <a:rPr lang="es-AR" sz="3200" b="1" dirty="0" smtClean="0">
-                <a:solidFill>
-                  <a:schemeClr val="tx1">
-                    <a:lumMod val="95000"/>
-                  </a:schemeClr>
-                </a:solidFill>
-                <a:latin typeface="+mj-lt"/>
-              </a:rPr>
-              <a:t>Hoy</a:t>
-            </a:r>
-            <a:endParaRPr lang="es-ES" sz="3200" b="1" dirty="0">
-              <a:solidFill>
-                <a:schemeClr val="tx1">
-                  <a:lumMod val="95000"/>
-                </a:schemeClr>
-              </a:solidFill>
-              <a:latin typeface="+mj-lt"/>
-            </a:endParaRPr>
-          </a:p>
-        </p:txBody>
-      </p:sp>
-      <p:sp>
-        <p:nvSpPr>
-          <p:cNvPr id="26" name="Elipse 25"/>
-          <p:cNvSpPr/>
-          <p:nvPr/>
-        </p:nvSpPr>
-        <p:spPr>
-          <a:xfrm>
-            <a:off x="10683900" y="2059405"/>
-            <a:ext cx="1227176" cy="1209254"/>
-          </a:xfrm>
-          <a:prstGeom prst="ellipse">
-            <a:avLst/>
-          </a:prstGeom>
-          <a:ln w="57150">
-            <a:solidFill>
-              <a:schemeClr val="accent1">
-                <a:lumMod val="75000"/>
-              </a:schemeClr>
-            </a:solidFill>
-          </a:ln>
-        </p:spPr>
-        <p:style>
-          <a:lnRef idx="1">
-            <a:schemeClr val="accent1"/>
-          </a:lnRef>
-          <a:fillRef idx="3">
-            <a:schemeClr val="accent1"/>
-          </a:fillRef>
-          <a:effectRef idx="2">
-            <a:schemeClr val="accent1"/>
-          </a:effectRef>
-          <a:fontRef idx="minor">
-            <a:schemeClr val="lt1"/>
-          </a:fontRef>
-        </p:style>
-        <p:txBody>
-          <a:bodyPr rtlCol="0" anchor="ctr"/>
-          <a:lstStyle/>
-          <a:p>
-            <a:pPr algn="ctr"/>
-            <a:endParaRPr lang="es-ES" dirty="0"/>
-          </a:p>
-        </p:txBody>
-      </p:sp>
-      <p:sp>
-        <p:nvSpPr>
-          <p:cNvPr id="27" name="CuadroTexto 26"/>
-          <p:cNvSpPr txBox="1"/>
-          <p:nvPr/>
-        </p:nvSpPr>
-        <p:spPr>
-          <a:xfrm>
-            <a:off x="10512451" y="2354085"/>
-            <a:ext cx="1600200" cy="584775"/>
-          </a:xfrm>
-          <a:prstGeom prst="rect">
-            <a:avLst/>
-          </a:prstGeom>
-          <a:noFill/>
-        </p:spPr>
-        <p:txBody>
-          <a:bodyPr wrap="square" rtlCol="0">
-            <a:spAutoFit/>
-          </a:bodyPr>
-          <a:lstStyle/>
-          <a:p>
-            <a:pPr algn="ctr"/>
-            <a:r>
-              <a:rPr lang="es-AR" sz="3200" b="1" dirty="0" smtClean="0">
-                <a:solidFill>
-                  <a:schemeClr val="tx1">
-                    <a:lumMod val="95000"/>
-                  </a:schemeClr>
-                </a:solidFill>
-                <a:latin typeface="+mj-lt"/>
-              </a:rPr>
-              <a:t>Fin</a:t>
-            </a:r>
-            <a:endParaRPr lang="es-ES" sz="3200" b="1" dirty="0">
-              <a:solidFill>
-                <a:schemeClr val="tx1">
-                  <a:lumMod val="95000"/>
-                </a:schemeClr>
-              </a:solidFill>
-              <a:latin typeface="+mj-lt"/>
-            </a:endParaRPr>
-          </a:p>
-        </p:txBody>
-      </p:sp>
-      <p:grpSp>
-        <p:nvGrpSpPr>
-          <p:cNvPr id="75" name="Grupo 74"/>
-          <p:cNvGrpSpPr/>
-          <p:nvPr/>
-        </p:nvGrpSpPr>
-        <p:grpSpPr>
-          <a:xfrm>
-            <a:off x="3766397" y="3603756"/>
-            <a:ext cx="1969985" cy="809599"/>
-            <a:chOff x="672018" y="2186610"/>
-            <a:chExt cx="1909601" cy="665405"/>
-          </a:xfrm>
-        </p:grpSpPr>
-        <p:sp>
-          <p:nvSpPr>
-            <p:cNvPr id="79" name="Rectángulo redondeado 78"/>
-            <p:cNvSpPr/>
-            <p:nvPr/>
-          </p:nvSpPr>
-          <p:spPr>
-            <a:xfrm>
-              <a:off x="672018" y="2186610"/>
-              <a:ext cx="1909601" cy="665405"/>
-            </a:xfrm>
-            <a:prstGeom prst="roundRect">
-              <a:avLst/>
-            </a:prstGeom>
-            <a:ln w="38100">
-              <a:solidFill>
-                <a:schemeClr val="tx1">
-                  <a:lumMod val="75000"/>
-                </a:schemeClr>
-              </a:solidFill>
-            </a:ln>
-          </p:spPr>
-          <p:style>
-            <a:lnRef idx="1">
-              <a:schemeClr val="accent1"/>
-            </a:lnRef>
-            <a:fillRef idx="3">
-              <a:schemeClr val="accent1"/>
-            </a:fillRef>
-            <a:effectRef idx="2">
-              <a:schemeClr val="accent1"/>
-            </a:effectRef>
-            <a:fontRef idx="minor">
-              <a:schemeClr val="lt1"/>
-            </a:fontRef>
-          </p:style>
-          <p:txBody>
-            <a:bodyPr rtlCol="0" anchor="ctr"/>
-            <a:lstStyle/>
-            <a:p>
-              <a:pPr algn="ctr"/>
-              <a:endParaRPr lang="es-ES" dirty="0"/>
-            </a:p>
-          </p:txBody>
-        </p:sp>
-        <p:sp>
-          <p:nvSpPr>
-            <p:cNvPr id="93" name="CuadroTexto 92"/>
-            <p:cNvSpPr txBox="1"/>
-            <p:nvPr/>
-          </p:nvSpPr>
-          <p:spPr>
-            <a:xfrm>
-              <a:off x="853795" y="2243217"/>
-              <a:ext cx="1533540" cy="581808"/>
-            </a:xfrm>
-            <a:prstGeom prst="rect">
-              <a:avLst/>
-            </a:prstGeom>
-            <a:noFill/>
-          </p:spPr>
-          <p:txBody>
-            <a:bodyPr wrap="square" rtlCol="0">
-              <a:spAutoFit/>
-            </a:bodyPr>
-            <a:lstStyle/>
-            <a:p>
-              <a:r>
-                <a:rPr lang="es-AR" sz="2000" dirty="0" smtClean="0"/>
-                <a:t>Administrar Estadísticas</a:t>
-              </a:r>
-              <a:endParaRPr lang="es-ES" sz="2000" dirty="0"/>
-            </a:p>
-          </p:txBody>
-        </p:sp>
-      </p:grpSp>
-      <p:grpSp>
-        <p:nvGrpSpPr>
-          <p:cNvPr id="95" name="Grupo 94"/>
-          <p:cNvGrpSpPr/>
-          <p:nvPr/>
-        </p:nvGrpSpPr>
-        <p:grpSpPr>
-          <a:xfrm>
-            <a:off x="5323298" y="3267860"/>
-            <a:ext cx="616301" cy="590081"/>
-            <a:chOff x="2196257" y="5395872"/>
-            <a:chExt cx="616301" cy="590081"/>
-          </a:xfrm>
-        </p:grpSpPr>
-        <p:sp>
-          <p:nvSpPr>
-            <p:cNvPr id="96" name="Elipse 95"/>
-            <p:cNvSpPr/>
-            <p:nvPr/>
-          </p:nvSpPr>
-          <p:spPr>
-            <a:xfrm>
-              <a:off x="2196257" y="5395872"/>
-              <a:ext cx="615783" cy="590081"/>
-            </a:xfrm>
-            <a:prstGeom prst="ellipse">
-              <a:avLst/>
-            </a:prstGeom>
-            <a:solidFill>
-              <a:schemeClr val="tx1">
-                <a:lumMod val="85000"/>
-              </a:schemeClr>
-            </a:solidFill>
-          </p:spPr>
-          <p:style>
-            <a:lnRef idx="2">
-              <a:schemeClr val="accent1">
-                <a:shade val="50000"/>
-              </a:schemeClr>
-            </a:lnRef>
-            <a:fillRef idx="1">
-              <a:schemeClr val="accent1"/>
-            </a:fillRef>
-            <a:effectRef idx="0">
-              <a:schemeClr val="accent1"/>
-            </a:effectRef>
-            <a:fontRef idx="minor">
-              <a:schemeClr val="lt1"/>
-            </a:fontRef>
-          </p:style>
-          <p:txBody>
-            <a:bodyPr rtlCol="0" anchor="ctr"/>
-            <a:lstStyle/>
-            <a:p>
-              <a:pPr algn="ctr"/>
-              <a:endParaRPr lang="es-ES" dirty="0"/>
-            </a:p>
-          </p:txBody>
-        </p:sp>
-        <p:pic>
-          <p:nvPicPr>
-            <p:cNvPr id="110" name="Imagen 109"/>
-            <p:cNvPicPr>
-              <a:picLocks noChangeAspect="1"/>
-            </p:cNvPicPr>
-            <p:nvPr/>
-          </p:nvPicPr>
-          <p:blipFill>
-            <a:blip r:embed="rId4">
-              <a:extLst>
-                <a:ext uri="{28A0092B-C50C-407E-A947-70E740481C1C}">
-                  <a14:useLocalDpi xmlns:a14="http://schemas.microsoft.com/office/drawing/2010/main" val="0"/>
-                </a:ext>
-              </a:extLst>
-            </a:blip>
-            <a:stretch>
-              <a:fillRect/>
-            </a:stretch>
-          </p:blipFill>
-          <p:spPr>
-            <a:xfrm>
-              <a:off x="2278153" y="5426888"/>
-              <a:ext cx="534405" cy="534405"/>
-            </a:xfrm>
-            <a:prstGeom prst="rect">
-              <a:avLst/>
-            </a:prstGeom>
-          </p:spPr>
-        </p:pic>
-      </p:grpSp>
-      <p:grpSp>
-        <p:nvGrpSpPr>
-          <p:cNvPr id="111" name="Grupo 110"/>
-          <p:cNvGrpSpPr/>
-          <p:nvPr/>
-        </p:nvGrpSpPr>
-        <p:grpSpPr>
-          <a:xfrm>
-            <a:off x="5988382" y="3572104"/>
-            <a:ext cx="2550488" cy="803603"/>
-            <a:chOff x="808383" y="2186610"/>
-            <a:chExt cx="2011331" cy="683916"/>
-          </a:xfrm>
-        </p:grpSpPr>
-        <p:sp>
-          <p:nvSpPr>
-            <p:cNvPr id="112" name="Rectángulo redondeado 111"/>
-            <p:cNvSpPr/>
-            <p:nvPr/>
-          </p:nvSpPr>
-          <p:spPr>
-            <a:xfrm>
-              <a:off x="808383" y="2186610"/>
-              <a:ext cx="1964840" cy="683916"/>
-            </a:xfrm>
-            <a:prstGeom prst="roundRect">
-              <a:avLst/>
-            </a:prstGeom>
-            <a:ln w="38100">
-              <a:solidFill>
-                <a:schemeClr val="tx1">
-                  <a:lumMod val="75000"/>
-                </a:schemeClr>
-              </a:solidFill>
-            </a:ln>
-          </p:spPr>
-          <p:style>
-            <a:lnRef idx="1">
-              <a:schemeClr val="accent1"/>
-            </a:lnRef>
-            <a:fillRef idx="3">
-              <a:schemeClr val="accent1"/>
-            </a:fillRef>
-            <a:effectRef idx="2">
-              <a:schemeClr val="accent1"/>
-            </a:effectRef>
-            <a:fontRef idx="minor">
-              <a:schemeClr val="lt1"/>
-            </a:fontRef>
-          </p:style>
-          <p:txBody>
-            <a:bodyPr rtlCol="0" anchor="ctr"/>
-            <a:lstStyle/>
-            <a:p>
-              <a:pPr algn="ctr"/>
-              <a:endParaRPr lang="es-ES" dirty="0"/>
-            </a:p>
-          </p:txBody>
-        </p:sp>
-        <p:sp>
-          <p:nvSpPr>
-            <p:cNvPr id="113" name="CuadroTexto 112"/>
-            <p:cNvSpPr txBox="1"/>
-            <p:nvPr/>
-          </p:nvSpPr>
-          <p:spPr>
-            <a:xfrm>
-              <a:off x="827405" y="2224494"/>
-              <a:ext cx="1992309" cy="581808"/>
-            </a:xfrm>
-            <a:prstGeom prst="rect">
-              <a:avLst/>
-            </a:prstGeom>
-            <a:noFill/>
-          </p:spPr>
-          <p:txBody>
-            <a:bodyPr wrap="square" rtlCol="0">
-              <a:spAutoFit/>
-            </a:bodyPr>
-            <a:lstStyle/>
-            <a:p>
-              <a:r>
-                <a:rPr lang="es-AR" sz="2000" dirty="0" smtClean="0"/>
-                <a:t>Administrar </a:t>
-              </a:r>
-            </a:p>
-            <a:p>
-              <a:r>
-                <a:rPr lang="es-AR" sz="2000" dirty="0" smtClean="0"/>
-                <a:t>Portal de Noticias</a:t>
-              </a:r>
-              <a:endParaRPr lang="es-ES" sz="2000" dirty="0"/>
-            </a:p>
-          </p:txBody>
-        </p:sp>
-      </p:grpSp>
-      <p:grpSp>
-        <p:nvGrpSpPr>
-          <p:cNvPr id="114" name="Grupo 113"/>
-          <p:cNvGrpSpPr/>
-          <p:nvPr/>
-        </p:nvGrpSpPr>
-        <p:grpSpPr>
-          <a:xfrm>
-            <a:off x="7779604" y="3349263"/>
-            <a:ext cx="615783" cy="590081"/>
-            <a:chOff x="4673222" y="2135099"/>
-            <a:chExt cx="615783" cy="590081"/>
-          </a:xfrm>
-        </p:grpSpPr>
-        <p:sp>
-          <p:nvSpPr>
-            <p:cNvPr id="115" name="Elipse 114"/>
-            <p:cNvSpPr/>
-            <p:nvPr/>
-          </p:nvSpPr>
-          <p:spPr>
-            <a:xfrm>
-              <a:off x="4673222" y="2135099"/>
-              <a:ext cx="615783" cy="590081"/>
-            </a:xfrm>
-            <a:prstGeom prst="ellipse">
-              <a:avLst/>
-            </a:prstGeom>
-            <a:solidFill>
-              <a:schemeClr val="tx1">
-                <a:lumMod val="85000"/>
-              </a:schemeClr>
-            </a:solidFill>
-          </p:spPr>
-          <p:style>
-            <a:lnRef idx="2">
-              <a:schemeClr val="accent1">
-                <a:shade val="50000"/>
-              </a:schemeClr>
-            </a:lnRef>
-            <a:fillRef idx="1">
-              <a:schemeClr val="accent1"/>
-            </a:fillRef>
-            <a:effectRef idx="0">
-              <a:schemeClr val="accent1"/>
-            </a:effectRef>
-            <a:fontRef idx="minor">
-              <a:schemeClr val="lt1"/>
-            </a:fontRef>
-          </p:style>
-          <p:txBody>
-            <a:bodyPr rtlCol="0" anchor="ctr"/>
-            <a:lstStyle/>
-            <a:p>
-              <a:pPr algn="ctr"/>
-              <a:endParaRPr lang="es-ES" dirty="0"/>
-            </a:p>
-          </p:txBody>
-        </p:sp>
-        <p:pic>
-          <p:nvPicPr>
-            <p:cNvPr id="116" name="Imagen 115"/>
-            <p:cNvPicPr>
-              <a:picLocks noChangeAspect="1"/>
-            </p:cNvPicPr>
-            <p:nvPr/>
-          </p:nvPicPr>
-          <p:blipFill>
-            <a:blip r:embed="rId5">
-              <a:extLst>
-                <a:ext uri="{28A0092B-C50C-407E-A947-70E740481C1C}">
-                  <a14:useLocalDpi xmlns:a14="http://schemas.microsoft.com/office/drawing/2010/main" val="0"/>
-                </a:ext>
-              </a:extLst>
-            </a:blip>
-            <a:stretch>
-              <a:fillRect/>
-            </a:stretch>
-          </p:blipFill>
-          <p:spPr>
-            <a:xfrm>
-              <a:off x="4792725" y="2182073"/>
-              <a:ext cx="453027" cy="453027"/>
-            </a:xfrm>
-            <a:prstGeom prst="rect">
-              <a:avLst/>
-            </a:prstGeom>
-          </p:spPr>
-        </p:pic>
-      </p:grpSp>
-      <p:grpSp>
-        <p:nvGrpSpPr>
-          <p:cNvPr id="117" name="Grupo 116"/>
-          <p:cNvGrpSpPr/>
-          <p:nvPr/>
-        </p:nvGrpSpPr>
-        <p:grpSpPr>
-          <a:xfrm>
-            <a:off x="6002516" y="4727530"/>
-            <a:ext cx="2392871" cy="881611"/>
-            <a:chOff x="746716" y="2186610"/>
-            <a:chExt cx="2024339" cy="710591"/>
-          </a:xfrm>
-        </p:grpSpPr>
-        <p:sp>
-          <p:nvSpPr>
-            <p:cNvPr id="118" name="Rectángulo redondeado 117"/>
-            <p:cNvSpPr/>
-            <p:nvPr/>
-          </p:nvSpPr>
-          <p:spPr>
-            <a:xfrm>
-              <a:off x="808383" y="2186610"/>
-              <a:ext cx="1962672" cy="710591"/>
-            </a:xfrm>
-            <a:prstGeom prst="roundRect">
-              <a:avLst/>
-            </a:prstGeom>
-            <a:ln w="38100">
-              <a:solidFill>
-                <a:schemeClr val="tx1">
-                  <a:lumMod val="75000"/>
-                </a:schemeClr>
-              </a:solidFill>
-            </a:ln>
-          </p:spPr>
-          <p:style>
-            <a:lnRef idx="1">
-              <a:schemeClr val="accent1"/>
-            </a:lnRef>
-            <a:fillRef idx="3">
-              <a:schemeClr val="accent1"/>
-            </a:fillRef>
-            <a:effectRef idx="2">
-              <a:schemeClr val="accent1"/>
-            </a:effectRef>
-            <a:fontRef idx="minor">
-              <a:schemeClr val="lt1"/>
-            </a:fontRef>
-          </p:style>
-          <p:txBody>
-            <a:bodyPr rtlCol="0" anchor="ctr"/>
-            <a:lstStyle/>
-            <a:p>
-              <a:pPr algn="ctr"/>
-              <a:endParaRPr lang="es-ES" dirty="0"/>
-            </a:p>
-          </p:txBody>
-        </p:sp>
-        <p:sp>
-          <p:nvSpPr>
-            <p:cNvPr id="119" name="CuadroTexto 118"/>
-            <p:cNvSpPr txBox="1"/>
-            <p:nvPr/>
-          </p:nvSpPr>
-          <p:spPr>
-            <a:xfrm>
-              <a:off x="746716" y="2286054"/>
-              <a:ext cx="2005471" cy="598724"/>
-            </a:xfrm>
-            <a:prstGeom prst="rect">
-              <a:avLst/>
-            </a:prstGeom>
-            <a:noFill/>
-          </p:spPr>
-          <p:txBody>
-            <a:bodyPr wrap="square" rtlCol="0">
-              <a:spAutoFit/>
-            </a:bodyPr>
-            <a:lstStyle/>
-            <a:p>
-              <a:pPr algn="ctr"/>
-              <a:r>
-                <a:rPr lang="es-AR" sz="1900" dirty="0" smtClean="0"/>
-                <a:t>Personalización  de Campeonatos</a:t>
-              </a:r>
-              <a:endParaRPr lang="es-ES" sz="1900" dirty="0"/>
-            </a:p>
-          </p:txBody>
-        </p:sp>
-      </p:grpSp>
-      <p:grpSp>
-        <p:nvGrpSpPr>
-          <p:cNvPr id="120" name="Grupo 119"/>
-          <p:cNvGrpSpPr/>
-          <p:nvPr/>
-        </p:nvGrpSpPr>
-        <p:grpSpPr>
-          <a:xfrm>
-            <a:off x="7929644" y="4432489"/>
-            <a:ext cx="615783" cy="590081"/>
-            <a:chOff x="5197117" y="3277380"/>
-            <a:chExt cx="615783" cy="590081"/>
-          </a:xfrm>
-        </p:grpSpPr>
-        <p:sp>
-          <p:nvSpPr>
-            <p:cNvPr id="121" name="Elipse 120"/>
-            <p:cNvSpPr/>
-            <p:nvPr/>
-          </p:nvSpPr>
-          <p:spPr>
-            <a:xfrm>
-              <a:off x="5197117" y="3277380"/>
-              <a:ext cx="615783" cy="590081"/>
-            </a:xfrm>
-            <a:prstGeom prst="ellipse">
-              <a:avLst/>
-            </a:prstGeom>
-            <a:solidFill>
-              <a:schemeClr val="tx1">
-                <a:lumMod val="85000"/>
-              </a:schemeClr>
-            </a:solidFill>
-          </p:spPr>
-          <p:style>
-            <a:lnRef idx="2">
-              <a:schemeClr val="accent1">
-                <a:shade val="50000"/>
-              </a:schemeClr>
-            </a:lnRef>
-            <a:fillRef idx="1">
-              <a:schemeClr val="accent1"/>
-            </a:fillRef>
-            <a:effectRef idx="0">
-              <a:schemeClr val="accent1"/>
-            </a:effectRef>
-            <a:fontRef idx="minor">
-              <a:schemeClr val="lt1"/>
-            </a:fontRef>
-          </p:style>
-          <p:txBody>
-            <a:bodyPr rtlCol="0" anchor="ctr"/>
-            <a:lstStyle/>
-            <a:p>
-              <a:pPr algn="ctr"/>
-              <a:endParaRPr lang="es-ES" dirty="0"/>
-            </a:p>
-          </p:txBody>
-        </p:sp>
-        <p:pic>
-          <p:nvPicPr>
-            <p:cNvPr id="122" name="Picture 2" descr="Website design symbol"/>
-            <p:cNvPicPr>
-              <a:picLocks noChangeAspect="1" noChangeArrowheads="1"/>
-            </p:cNvPicPr>
-            <p:nvPr/>
-          </p:nvPicPr>
-          <p:blipFill>
-            <a:blip r:embed="rId6">
-              <a:extLst>
-                <a:ext uri="{28A0092B-C50C-407E-A947-70E740481C1C}">
-                  <a14:useLocalDpi xmlns:a14="http://schemas.microsoft.com/office/drawing/2010/main" val="0"/>
-                </a:ext>
-              </a:extLst>
-            </a:blip>
-            <a:srcRect/>
-            <a:stretch>
-              <a:fillRect/>
-            </a:stretch>
-          </p:blipFill>
-          <p:spPr bwMode="auto">
-            <a:xfrm>
-              <a:off x="5317880" y="3349754"/>
-              <a:ext cx="395681" cy="395681"/>
-            </a:xfrm>
-            <a:prstGeom prst="rect">
-              <a:avLst/>
-            </a:prstGeom>
-            <a:noFill/>
-            <a:extLst>
-              <a:ext uri="{909E8E84-426E-40DD-AFC4-6F175D3DCCD1}">
-                <a14:hiddenFill xmlns:a14="http://schemas.microsoft.com/office/drawing/2010/main">
-                  <a:solidFill>
-                    <a:srgbClr val="FFFFFF"/>
-                  </a:solidFill>
-                </a14:hiddenFill>
-              </a:ext>
-            </a:extLst>
-          </p:spPr>
-        </p:pic>
-      </p:grpSp>
-      <p:grpSp>
-        <p:nvGrpSpPr>
-          <p:cNvPr id="3" name="Grupo 2"/>
-          <p:cNvGrpSpPr/>
-          <p:nvPr/>
-        </p:nvGrpSpPr>
-        <p:grpSpPr>
-          <a:xfrm>
-            <a:off x="1324873" y="3359060"/>
-            <a:ext cx="2249832" cy="2625441"/>
-            <a:chOff x="1122983" y="3084212"/>
-            <a:chExt cx="2249832" cy="2625441"/>
-          </a:xfrm>
-        </p:grpSpPr>
-        <p:sp>
-          <p:nvSpPr>
-            <p:cNvPr id="123" name="Rectángulo redondeado 122"/>
-            <p:cNvSpPr/>
-            <p:nvPr/>
-          </p:nvSpPr>
-          <p:spPr>
-            <a:xfrm>
-              <a:off x="1122983" y="3084212"/>
-              <a:ext cx="2249832" cy="2625441"/>
-            </a:xfrm>
-            <a:prstGeom prst="roundRect">
-              <a:avLst>
-                <a:gd name="adj" fmla="val 5132"/>
-              </a:avLst>
-            </a:prstGeom>
-            <a:ln/>
-          </p:spPr>
-          <p:style>
-            <a:lnRef idx="1">
-              <a:schemeClr val="accent4"/>
-            </a:lnRef>
-            <a:fillRef idx="3">
-              <a:schemeClr val="accent4"/>
-            </a:fillRef>
-            <a:effectRef idx="2">
-              <a:schemeClr val="accent4"/>
-            </a:effectRef>
-            <a:fontRef idx="minor">
-              <a:schemeClr val="lt1"/>
-            </a:fontRef>
-          </p:style>
-          <p:txBody>
-            <a:bodyPr rtlCol="0" anchor="ctr"/>
-            <a:lstStyle/>
-            <a:p>
-              <a:pPr algn="ctr"/>
-              <a:endParaRPr lang="es-ES" dirty="0"/>
-            </a:p>
-          </p:txBody>
-        </p:sp>
-        <p:sp>
-          <p:nvSpPr>
-            <p:cNvPr id="124" name="CuadroTexto 123"/>
-            <p:cNvSpPr txBox="1"/>
-            <p:nvPr/>
-          </p:nvSpPr>
-          <p:spPr>
-            <a:xfrm>
-              <a:off x="1300667" y="3596457"/>
-              <a:ext cx="1891254" cy="1384995"/>
-            </a:xfrm>
-            <a:prstGeom prst="rect">
-              <a:avLst/>
-            </a:prstGeom>
-            <a:noFill/>
-          </p:spPr>
-          <p:txBody>
-            <a:bodyPr wrap="square" rtlCol="0">
-              <a:spAutoFit/>
-            </a:bodyPr>
-            <a:lstStyle/>
-            <a:p>
-              <a:pPr algn="ctr"/>
-              <a:r>
-                <a:rPr lang="es-AR" sz="2800" dirty="0" smtClean="0"/>
-                <a:t>Sitio Web</a:t>
-              </a:r>
-            </a:p>
-            <a:p>
-              <a:pPr algn="ctr"/>
-              <a:r>
-                <a:rPr lang="es-AR" sz="2800" dirty="0" smtClean="0"/>
-                <a:t>del </a:t>
-              </a:r>
-            </a:p>
-            <a:p>
-              <a:pPr algn="ctr"/>
-              <a:r>
-                <a:rPr lang="es-AR" sz="2800" dirty="0" smtClean="0"/>
-                <a:t>Torneo</a:t>
-              </a:r>
-              <a:endParaRPr lang="es-ES" sz="2800" dirty="0"/>
-            </a:p>
-          </p:txBody>
-        </p:sp>
-      </p:grpSp>
-      <p:grpSp>
-        <p:nvGrpSpPr>
-          <p:cNvPr id="125" name="Grupo 124"/>
-          <p:cNvGrpSpPr/>
-          <p:nvPr/>
-        </p:nvGrpSpPr>
-        <p:grpSpPr>
-          <a:xfrm>
-            <a:off x="3766398" y="4764583"/>
-            <a:ext cx="1969984" cy="844558"/>
-            <a:chOff x="4896332" y="3650070"/>
-            <a:chExt cx="1764552" cy="727581"/>
-          </a:xfrm>
-        </p:grpSpPr>
-        <p:sp>
-          <p:nvSpPr>
-            <p:cNvPr id="126" name="Rectángulo redondeado 125"/>
-            <p:cNvSpPr/>
-            <p:nvPr/>
-          </p:nvSpPr>
-          <p:spPr>
-            <a:xfrm>
-              <a:off x="4896332" y="3650070"/>
-              <a:ext cx="1764552" cy="727581"/>
-            </a:xfrm>
-            <a:prstGeom prst="roundRect">
-              <a:avLst/>
-            </a:prstGeom>
-            <a:ln w="38100">
-              <a:solidFill>
-                <a:schemeClr val="tx1">
-                  <a:lumMod val="75000"/>
-                </a:schemeClr>
-              </a:solidFill>
-            </a:ln>
-          </p:spPr>
-          <p:style>
-            <a:lnRef idx="1">
-              <a:schemeClr val="accent1"/>
-            </a:lnRef>
-            <a:fillRef idx="3">
-              <a:schemeClr val="accent1"/>
-            </a:fillRef>
-            <a:effectRef idx="2">
-              <a:schemeClr val="accent1"/>
-            </a:effectRef>
-            <a:fontRef idx="minor">
-              <a:schemeClr val="lt1"/>
-            </a:fontRef>
-          </p:style>
-          <p:txBody>
-            <a:bodyPr rtlCol="0" anchor="ctr"/>
-            <a:lstStyle/>
-            <a:p>
-              <a:pPr algn="ctr"/>
-              <a:endParaRPr lang="es-ES" dirty="0"/>
-            </a:p>
-          </p:txBody>
-        </p:sp>
-        <p:sp>
-          <p:nvSpPr>
-            <p:cNvPr id="127" name="CuadroTexto 126"/>
-            <p:cNvSpPr txBox="1"/>
-            <p:nvPr/>
-          </p:nvSpPr>
-          <p:spPr>
-            <a:xfrm>
-              <a:off x="4982885" y="3735273"/>
-              <a:ext cx="1552873" cy="581808"/>
-            </a:xfrm>
-            <a:prstGeom prst="rect">
-              <a:avLst/>
-            </a:prstGeom>
-            <a:noFill/>
-          </p:spPr>
-          <p:txBody>
-            <a:bodyPr wrap="square" rtlCol="0">
-              <a:spAutoFit/>
-            </a:bodyPr>
-            <a:lstStyle/>
-            <a:p>
-              <a:r>
-                <a:rPr lang="es-AR" sz="2000" dirty="0" smtClean="0"/>
-                <a:t>Administrar Sanciones</a:t>
-              </a:r>
-              <a:endParaRPr lang="es-ES" sz="2000" dirty="0"/>
-            </a:p>
-          </p:txBody>
-        </p:sp>
-      </p:grpSp>
-      <p:grpSp>
-        <p:nvGrpSpPr>
-          <p:cNvPr id="128" name="Grupo 127"/>
-          <p:cNvGrpSpPr/>
-          <p:nvPr/>
-        </p:nvGrpSpPr>
-        <p:grpSpPr>
-          <a:xfrm>
-            <a:off x="5372599" y="4542363"/>
-            <a:ext cx="615783" cy="590081"/>
-            <a:chOff x="9010237" y="5143910"/>
-            <a:chExt cx="615783" cy="590081"/>
-          </a:xfrm>
-        </p:grpSpPr>
-        <p:sp>
-          <p:nvSpPr>
-            <p:cNvPr id="129" name="Elipse 128"/>
-            <p:cNvSpPr/>
-            <p:nvPr/>
-          </p:nvSpPr>
-          <p:spPr>
-            <a:xfrm>
-              <a:off x="9010237" y="5143910"/>
-              <a:ext cx="615783" cy="590081"/>
-            </a:xfrm>
-            <a:prstGeom prst="ellipse">
-              <a:avLst/>
-            </a:prstGeom>
-            <a:solidFill>
-              <a:schemeClr val="tx1">
-                <a:lumMod val="85000"/>
-              </a:schemeClr>
-            </a:solidFill>
-          </p:spPr>
-          <p:style>
-            <a:lnRef idx="2">
-              <a:schemeClr val="accent1">
-                <a:shade val="50000"/>
-              </a:schemeClr>
-            </a:lnRef>
-            <a:fillRef idx="1">
-              <a:schemeClr val="accent1"/>
-            </a:fillRef>
-            <a:effectRef idx="0">
-              <a:schemeClr val="accent1"/>
-            </a:effectRef>
-            <a:fontRef idx="minor">
-              <a:schemeClr val="lt1"/>
-            </a:fontRef>
-          </p:style>
-          <p:txBody>
-            <a:bodyPr rtlCol="0" anchor="ctr"/>
-            <a:lstStyle/>
-            <a:p>
-              <a:pPr algn="ctr"/>
-              <a:endParaRPr lang="es-ES" dirty="0"/>
-            </a:p>
-          </p:txBody>
-        </p:sp>
-        <p:pic>
-          <p:nvPicPr>
-            <p:cNvPr id="130" name="Imagen 129"/>
-            <p:cNvPicPr>
-              <a:picLocks noChangeAspect="1"/>
-            </p:cNvPicPr>
-            <p:nvPr/>
-          </p:nvPicPr>
-          <p:blipFill>
-            <a:blip r:embed="rId7">
-              <a:extLst>
-                <a:ext uri="{28A0092B-C50C-407E-A947-70E740481C1C}">
-                  <a14:useLocalDpi xmlns:a14="http://schemas.microsoft.com/office/drawing/2010/main" val="0"/>
-                </a:ext>
-              </a:extLst>
-            </a:blip>
-            <a:stretch>
-              <a:fillRect/>
-            </a:stretch>
-          </p:blipFill>
-          <p:spPr>
-            <a:xfrm>
-              <a:off x="9106078" y="5215415"/>
-              <a:ext cx="438235" cy="438235"/>
-            </a:xfrm>
-            <a:prstGeom prst="rect">
-              <a:avLst/>
-            </a:prstGeom>
-          </p:spPr>
-        </p:pic>
-      </p:grpSp>
-      <p:grpSp>
-        <p:nvGrpSpPr>
-          <p:cNvPr id="131" name="Grupo 130"/>
-          <p:cNvGrpSpPr/>
-          <p:nvPr/>
-        </p:nvGrpSpPr>
-        <p:grpSpPr>
-          <a:xfrm>
-            <a:off x="8742871" y="3562900"/>
-            <a:ext cx="2060311" cy="809599"/>
-            <a:chOff x="672018" y="2186610"/>
-            <a:chExt cx="1909601" cy="665405"/>
-          </a:xfrm>
-        </p:grpSpPr>
-        <p:sp>
-          <p:nvSpPr>
-            <p:cNvPr id="132" name="Rectángulo redondeado 131"/>
-            <p:cNvSpPr/>
-            <p:nvPr/>
-          </p:nvSpPr>
-          <p:spPr>
-            <a:xfrm>
-              <a:off x="672018" y="2186610"/>
-              <a:ext cx="1909601" cy="665405"/>
-            </a:xfrm>
-            <a:prstGeom prst="roundRect">
-              <a:avLst/>
-            </a:prstGeom>
-            <a:ln w="38100">
-              <a:solidFill>
-                <a:schemeClr val="tx1">
-                  <a:lumMod val="75000"/>
-                </a:schemeClr>
-              </a:solidFill>
-            </a:ln>
-          </p:spPr>
-          <p:style>
-            <a:lnRef idx="1">
-              <a:schemeClr val="accent1"/>
-            </a:lnRef>
-            <a:fillRef idx="3">
-              <a:schemeClr val="accent1"/>
-            </a:fillRef>
-            <a:effectRef idx="2">
-              <a:schemeClr val="accent1"/>
-            </a:effectRef>
-            <a:fontRef idx="minor">
-              <a:schemeClr val="lt1"/>
-            </a:fontRef>
-          </p:style>
-          <p:txBody>
-            <a:bodyPr rtlCol="0" anchor="ctr"/>
-            <a:lstStyle/>
-            <a:p>
-              <a:pPr algn="ctr"/>
-              <a:endParaRPr lang="es-ES" dirty="0"/>
-            </a:p>
-          </p:txBody>
-        </p:sp>
-        <p:sp>
-          <p:nvSpPr>
-            <p:cNvPr id="133" name="CuadroTexto 132"/>
-            <p:cNvSpPr txBox="1"/>
-            <p:nvPr/>
-          </p:nvSpPr>
-          <p:spPr>
-            <a:xfrm>
-              <a:off x="721148" y="2243217"/>
-              <a:ext cx="1666188" cy="581808"/>
-            </a:xfrm>
-            <a:prstGeom prst="rect">
-              <a:avLst/>
-            </a:prstGeom>
-            <a:noFill/>
-          </p:spPr>
-          <p:txBody>
-            <a:bodyPr wrap="square" rtlCol="0">
-              <a:spAutoFit/>
-            </a:bodyPr>
-            <a:lstStyle/>
-            <a:p>
-              <a:r>
-                <a:rPr lang="es-AR" sz="2000" dirty="0" smtClean="0"/>
-                <a:t>Actualizar Documentos</a:t>
-              </a:r>
-              <a:endParaRPr lang="es-ES" sz="2000" dirty="0"/>
-            </a:p>
-          </p:txBody>
-        </p:sp>
-      </p:grpSp>
-      <p:grpSp>
-        <p:nvGrpSpPr>
-          <p:cNvPr id="134" name="Grupo 133"/>
-          <p:cNvGrpSpPr/>
-          <p:nvPr/>
-        </p:nvGrpSpPr>
-        <p:grpSpPr>
-          <a:xfrm>
-            <a:off x="8762403" y="4753185"/>
-            <a:ext cx="2040779" cy="809599"/>
-            <a:chOff x="672018" y="2186610"/>
-            <a:chExt cx="1909601" cy="665405"/>
-          </a:xfrm>
-        </p:grpSpPr>
-        <p:sp>
-          <p:nvSpPr>
-            <p:cNvPr id="135" name="Rectángulo redondeado 134"/>
-            <p:cNvSpPr/>
-            <p:nvPr/>
-          </p:nvSpPr>
-          <p:spPr>
-            <a:xfrm>
-              <a:off x="672018" y="2186610"/>
-              <a:ext cx="1909601" cy="665405"/>
-            </a:xfrm>
-            <a:prstGeom prst="roundRect">
-              <a:avLst/>
-            </a:prstGeom>
-            <a:ln w="38100">
-              <a:solidFill>
-                <a:schemeClr val="tx1">
-                  <a:lumMod val="75000"/>
-                </a:schemeClr>
-              </a:solidFill>
-            </a:ln>
-          </p:spPr>
-          <p:style>
-            <a:lnRef idx="1">
-              <a:schemeClr val="accent1"/>
-            </a:lnRef>
-            <a:fillRef idx="3">
-              <a:schemeClr val="accent1"/>
-            </a:fillRef>
-            <a:effectRef idx="2">
-              <a:schemeClr val="accent1"/>
-            </a:effectRef>
-            <a:fontRef idx="minor">
-              <a:schemeClr val="lt1"/>
-            </a:fontRef>
-          </p:style>
-          <p:txBody>
-            <a:bodyPr rtlCol="0" anchor="ctr"/>
-            <a:lstStyle/>
-            <a:p>
-              <a:pPr algn="ctr"/>
-              <a:endParaRPr lang="es-ES" dirty="0"/>
-            </a:p>
-          </p:txBody>
-        </p:sp>
-        <p:sp>
-          <p:nvSpPr>
-            <p:cNvPr id="136" name="CuadroTexto 135"/>
-            <p:cNvSpPr txBox="1"/>
-            <p:nvPr/>
-          </p:nvSpPr>
-          <p:spPr>
-            <a:xfrm>
-              <a:off x="853795" y="2243217"/>
-              <a:ext cx="1533540" cy="581808"/>
-            </a:xfrm>
-            <a:prstGeom prst="rect">
-              <a:avLst/>
-            </a:prstGeom>
-            <a:noFill/>
-          </p:spPr>
-          <p:txBody>
-            <a:bodyPr wrap="square" rtlCol="0">
-              <a:spAutoFit/>
-            </a:bodyPr>
-            <a:lstStyle/>
-            <a:p>
-              <a:r>
-                <a:rPr lang="es-AR" sz="2000" dirty="0" smtClean="0"/>
-                <a:t>Manual de Usuario</a:t>
-              </a:r>
-              <a:endParaRPr lang="es-ES" sz="2000" dirty="0"/>
-            </a:p>
-          </p:txBody>
-        </p:sp>
-      </p:grpSp>
-    </p:spTree>
-    <p:extLst>
-      <p:ext uri="{BB962C8B-B14F-4D97-AF65-F5344CB8AC3E}">
-        <p14:creationId xmlns:p14="http://schemas.microsoft.com/office/powerpoint/2010/main" val="733049031"/>
-      </p:ext>
-    </p:extLst>
-  </p:cSld>
-  <p:clrMapOvr>
-    <a:masterClrMapping/>
-  </p:clrMapOvr>
-  <mc:AlternateContent xmlns:mc="http://schemas.openxmlformats.org/markup-compatibility/2006" xmlns:p14="http://schemas.microsoft.com/office/powerpoint/2010/main">
-    <mc:Choice Requires="p14">
-      <p:transition spd="slow" p14:dur="800">
-        <p14:flythrough/>
-      </p:transition>
-    </mc:Choice>
-    <mc:Fallback xmlns="">
-      <p:transition spd="slow">
-        <p:fade/>
-      </p:transition>
-    </mc:Fallback>
-  </mc:AlternateContent>
-  <p:timing>
-    <p:tnLst>
-      <p:par>
-        <p:cTn id="1" dur="indefinite" restart="never" nodeType="tmRoot"/>
-      </p:par>
-    </p:tnLst>
-  </p:timing>
-</p:sld>
-</file>
-
-<file path=ppt/slides/slide11.xml><?xml version="1.0" encoding="utf-8"?>
-<p:sld xmlns:a="http://schemas.openxmlformats.org/drawingml/2006/main" xmlns:r="http://schemas.openxmlformats.org/officeDocument/2006/relationships" xmlns:p="http://schemas.openxmlformats.org/presentationml/2006/main">
-  <p:cSld>
-    <p:spTree>
-      <p:nvGrpSpPr>
-        <p:cNvPr id="1" name=""/>
-        <p:cNvGrpSpPr/>
-        <p:nvPr/>
-      </p:nvGrpSpPr>
-      <p:grpSpPr>
-        <a:xfrm>
-          <a:off x="0" y="0"/>
-          <a:ext cx="0" cy="0"/>
-          <a:chOff x="0" y="0"/>
-          <a:chExt cx="0" cy="0"/>
-        </a:xfrm>
-      </p:grpSpPr>
-      <p:sp>
-        <p:nvSpPr>
-          <p:cNvPr id="2" name="Título 1"/>
-          <p:cNvSpPr>
-            <a:spLocks noGrp="1"/>
-          </p:cNvSpPr>
-          <p:nvPr>
-            <p:ph type="title"/>
-          </p:nvPr>
-        </p:nvSpPr>
-        <p:spPr>
-          <a:xfrm>
-            <a:off x="2247899" y="192581"/>
-            <a:ext cx="9172198" cy="970450"/>
-          </a:xfrm>
-        </p:spPr>
-        <p:txBody>
-          <a:bodyPr/>
-          <a:lstStyle/>
-          <a:p>
-            <a:r>
-              <a:rPr lang="es-AR" dirty="0" smtClean="0"/>
-              <a:t>Fin</a:t>
-            </a:r>
-            <a:endParaRPr lang="es-AR" dirty="0"/>
-          </a:p>
-        </p:txBody>
-      </p:sp>
-      <p:pic>
-        <p:nvPicPr>
-          <p:cNvPr id="5" name="Imagen 4"/>
-          <p:cNvPicPr>
-            <a:picLocks noChangeAspect="1"/>
-          </p:cNvPicPr>
-          <p:nvPr/>
-        </p:nvPicPr>
-        <p:blipFill>
-          <a:blip r:embed="rId3">
-            <a:grayscl/>
-            <a:extLst>
-              <a:ext uri="{28A0092B-C50C-407E-A947-70E740481C1C}">
-                <a14:useLocalDpi xmlns:a14="http://schemas.microsoft.com/office/drawing/2010/main" val="0"/>
-              </a:ext>
-            </a:extLst>
-          </a:blip>
-          <a:stretch>
-            <a:fillRect/>
-          </a:stretch>
-        </p:blipFill>
-        <p:spPr>
-          <a:xfrm>
-            <a:off x="422650" y="0"/>
-            <a:ext cx="1780799" cy="1798832"/>
-          </a:xfrm>
-          <a:prstGeom prst="rect">
-            <a:avLst/>
-          </a:prstGeom>
-        </p:spPr>
-      </p:pic>
-      <p:sp>
-        <p:nvSpPr>
           <p:cNvPr id="23" name="CuadroTexto 22"/>
           <p:cNvSpPr txBox="1"/>
           <p:nvPr/>
@@ -15116,6 +17677,194 @@
           </a:p>
         </p:txBody>
       </p:sp>
+      <p:sp>
+        <p:nvSpPr>
+          <p:cNvPr id="9" name="Rectángulo 8"/>
+          <p:cNvSpPr/>
+          <p:nvPr/>
+        </p:nvSpPr>
+        <p:spPr>
+          <a:xfrm>
+            <a:off x="1" y="1"/>
+            <a:ext cx="10444162" cy="1152000"/>
+          </a:xfrm>
+          <a:prstGeom prst="rect">
+            <a:avLst/>
+          </a:prstGeom>
+          <a:solidFill>
+            <a:schemeClr val="accent1">
+              <a:alpha val="37000"/>
+            </a:schemeClr>
+          </a:solidFill>
+          <a:ln>
+            <a:noFill/>
+          </a:ln>
+          <a:effectLst>
+            <a:outerShdw blurRad="50800" dist="38100" dir="2700000" algn="tl" rotWithShape="0">
+              <a:prstClr val="black">
+                <a:alpha val="40000"/>
+              </a:prstClr>
+            </a:outerShdw>
+          </a:effectLst>
+        </p:spPr>
+        <p:style>
+          <a:lnRef idx="2">
+            <a:schemeClr val="accent1">
+              <a:shade val="50000"/>
+            </a:schemeClr>
+          </a:lnRef>
+          <a:fillRef idx="1">
+            <a:schemeClr val="accent1"/>
+          </a:fillRef>
+          <a:effectRef idx="0">
+            <a:schemeClr val="accent1"/>
+          </a:effectRef>
+          <a:fontRef idx="minor">
+            <a:schemeClr val="lt1"/>
+          </a:fontRef>
+        </p:style>
+        <p:txBody>
+          <a:bodyPr rtlCol="0" anchor="ctr"/>
+          <a:lstStyle/>
+          <a:p>
+            <a:pPr algn="ctr"/>
+            <a:endParaRPr lang="es-ES"/>
+          </a:p>
+        </p:txBody>
+      </p:sp>
+      <p:sp>
+        <p:nvSpPr>
+          <p:cNvPr id="10" name="Título 1"/>
+          <p:cNvSpPr txBox="1">
+            <a:spLocks/>
+          </p:cNvSpPr>
+          <p:nvPr/>
+        </p:nvSpPr>
+        <p:spPr>
+          <a:xfrm>
+            <a:off x="1607517" y="228600"/>
+            <a:ext cx="8836646" cy="813148"/>
+          </a:xfrm>
+          <a:prstGeom prst="rect">
+            <a:avLst/>
+          </a:prstGeom>
+        </p:spPr>
+        <p:txBody>
+          <a:bodyPr vert="horz" lIns="91440" tIns="45720" rIns="91440" bIns="45720" rtlCol="0" anchor="t">
+            <a:noAutofit/>
+          </a:bodyPr>
+          <a:lstStyle>
+            <a:lvl1pPr algn="l" defTabSz="457200" rtl="0" eaLnBrk="1" latinLnBrk="0" hangingPunct="1">
+              <a:spcBef>
+                <a:spcPct val="0"/>
+              </a:spcBef>
+              <a:buNone/>
+              <a:defRPr sz="4200" b="0" i="0" kern="1200">
+                <a:solidFill>
+                  <a:schemeClr val="tx2"/>
+                </a:solidFill>
+                <a:latin typeface="+mj-lt"/>
+                <a:ea typeface="+mj-ea"/>
+                <a:cs typeface="+mj-cs"/>
+              </a:defRPr>
+            </a:lvl1pPr>
+            <a:lvl2pPr eaLnBrk="1" hangingPunct="1">
+              <a:defRPr>
+                <a:solidFill>
+                  <a:schemeClr val="tx2"/>
+                </a:solidFill>
+              </a:defRPr>
+            </a:lvl2pPr>
+            <a:lvl3pPr eaLnBrk="1" hangingPunct="1">
+              <a:defRPr>
+                <a:solidFill>
+                  <a:schemeClr val="tx2"/>
+                </a:solidFill>
+              </a:defRPr>
+            </a:lvl3pPr>
+            <a:lvl4pPr eaLnBrk="1" hangingPunct="1">
+              <a:defRPr>
+                <a:solidFill>
+                  <a:schemeClr val="tx2"/>
+                </a:solidFill>
+              </a:defRPr>
+            </a:lvl4pPr>
+            <a:lvl5pPr eaLnBrk="1" hangingPunct="1">
+              <a:defRPr>
+                <a:solidFill>
+                  <a:schemeClr val="tx2"/>
+                </a:solidFill>
+              </a:defRPr>
+            </a:lvl5pPr>
+            <a:lvl6pPr eaLnBrk="1" hangingPunct="1">
+              <a:defRPr>
+                <a:solidFill>
+                  <a:schemeClr val="tx2"/>
+                </a:solidFill>
+              </a:defRPr>
+            </a:lvl6pPr>
+            <a:lvl7pPr eaLnBrk="1" hangingPunct="1">
+              <a:defRPr>
+                <a:solidFill>
+                  <a:schemeClr val="tx2"/>
+                </a:solidFill>
+              </a:defRPr>
+            </a:lvl7pPr>
+            <a:lvl8pPr eaLnBrk="1" hangingPunct="1">
+              <a:defRPr>
+                <a:solidFill>
+                  <a:schemeClr val="tx2"/>
+                </a:solidFill>
+              </a:defRPr>
+            </a:lvl8pPr>
+            <a:lvl9pPr eaLnBrk="1" hangingPunct="1">
+              <a:defRPr>
+                <a:solidFill>
+                  <a:schemeClr val="tx2"/>
+                </a:solidFill>
+              </a:defRPr>
+            </a:lvl9pPr>
+          </a:lstStyle>
+          <a:p>
+            <a:r>
+              <a:rPr lang="es-AR" dirty="0" smtClean="0"/>
+              <a:t>Fin</a:t>
+            </a:r>
+            <a:endParaRPr lang="es-AR" dirty="0"/>
+          </a:p>
+        </p:txBody>
+      </p:sp>
+      <p:pic>
+        <p:nvPicPr>
+          <p:cNvPr id="11" name="Imagen 10"/>
+          <p:cNvPicPr>
+            <a:picLocks noChangeAspect="1"/>
+          </p:cNvPicPr>
+          <p:nvPr/>
+        </p:nvPicPr>
+        <p:blipFill>
+          <a:blip r:embed="rId3">
+            <a:grayscl/>
+            <a:extLst>
+              <a:ext uri="{28A0092B-C50C-407E-A947-70E740481C1C}">
+                <a14:useLocalDpi xmlns:a14="http://schemas.microsoft.com/office/drawing/2010/main" val="0"/>
+              </a:ext>
+            </a:extLst>
+          </a:blip>
+          <a:stretch>
+            <a:fillRect/>
+          </a:stretch>
+        </p:blipFill>
+        <p:spPr>
+          <a:xfrm>
+            <a:off x="289301" y="0"/>
+            <a:ext cx="1151372" cy="1163031"/>
+          </a:xfrm>
+          <a:prstGeom prst="rect">
+            <a:avLst/>
+          </a:prstGeom>
+        </p:spPr>
+      </p:pic>
     </p:spTree>
     <p:extLst>
       <p:ext uri="{BB962C8B-B14F-4D97-AF65-F5344CB8AC3E}">
@@ -16339,7 +19088,7 @@
           <p:nvPr>
             <p:extLst>
               <p:ext uri="{D42A27DB-BD31-4B8C-83A1-F6EECF244321}">
-                <p14:modId xmlns:p14="http://schemas.microsoft.com/office/powerpoint/2010/main" val="2041262391"/>
+                <p14:modId xmlns:p14="http://schemas.microsoft.com/office/powerpoint/2010/main" val="3971280466"/>
               </p:ext>
             </p:extLst>
           </p:nvPr>
@@ -24027,604 +26776,164 @@
           <a:chExt cx="0" cy="0"/>
         </a:xfrm>
       </p:grpSpPr>
-      <p:sp>
-        <p:nvSpPr>
-          <p:cNvPr id="2" name="Título 1"/>
-          <p:cNvSpPr>
-            <a:spLocks noGrp="1"/>
-          </p:cNvSpPr>
+      <p:graphicFrame>
+        <p:nvGraphicFramePr>
+          <p:cNvPr id="3" name="Diagrama 2"/>
+          <p:cNvGraphicFramePr/>
           <p:nvPr>
-            <p:ph type="title"/>
+            <p:extLst>
+              <p:ext uri="{D42A27DB-BD31-4B8C-83A1-F6EECF244321}">
+                <p14:modId xmlns:p14="http://schemas.microsoft.com/office/powerpoint/2010/main" val="2659034934"/>
+              </p:ext>
+            </p:extLst>
           </p:nvPr>
-        </p:nvSpPr>
-        <p:spPr>
+        </p:nvGraphicFramePr>
+        <p:xfrm>
+          <a:off x="317577" y="1427579"/>
+          <a:ext cx="11405588" cy="5117691"/>
+        </p:xfrm>
+        <a:graphic>
+          <a:graphicData uri="http://schemas.openxmlformats.org/drawingml/2006/diagram">
+            <dgm:relIds xmlns:dgm="http://schemas.openxmlformats.org/drawingml/2006/diagram" xmlns:r="http://schemas.openxmlformats.org/officeDocument/2006/relationships" r:dm="rId3" r:lo="rId4" r:qs="rId5" r:cs="rId6"/>
+          </a:graphicData>
+        </a:graphic>
+      </p:graphicFrame>
+      <p:pic>
+        <p:nvPicPr>
+          <p:cNvPr id="1030" name="Picture 6" descr="http://bighappyface.com/Happy%20Face.png"/>
+          <p:cNvPicPr>
+            <a:picLocks noChangeAspect="1" noChangeArrowheads="1"/>
+          </p:cNvPicPr>
+          <p:nvPr/>
+        </p:nvPicPr>
+        <p:blipFill>
+          <a:blip r:embed="rId8">
+            <a:extLst>
+              <a:ext uri="{28A0092B-C50C-407E-A947-70E740481C1C}">
+                <a14:useLocalDpi xmlns:a14="http://schemas.microsoft.com/office/drawing/2010/main" val="0"/>
+              </a:ext>
+            </a:extLst>
+          </a:blip>
+          <a:srcRect/>
+          <a:stretch>
+            <a:fillRect/>
+          </a:stretch>
+        </p:blipFill>
+        <p:spPr bwMode="auto">
           <a:xfrm>
-            <a:off x="583048" y="27049"/>
-            <a:ext cx="9404723" cy="1400530"/>
-          </a:xfrm>
-        </p:spPr>
-        <p:txBody>
-          <a:bodyPr/>
-          <a:lstStyle/>
-          <a:p>
-            <a:r>
-              <a:rPr lang="es-ES" dirty="0" smtClean="0"/>
-              <a:t>Nuestra experiencia</a:t>
-            </a:r>
-            <a:endParaRPr lang="es-ES" dirty="0"/>
-          </a:p>
-        </p:txBody>
-      </p:sp>
-      <p:sp>
-        <p:nvSpPr>
-          <p:cNvPr id="4" name="Rectángulo redondeado 3"/>
-          <p:cNvSpPr/>
-          <p:nvPr/>
-        </p:nvSpPr>
-        <p:spPr>
-          <a:xfrm>
-            <a:off x="134322" y="1427579"/>
-            <a:ext cx="4027775" cy="5107065"/>
-          </a:xfrm>
-          <a:prstGeom prst="roundRect">
-            <a:avLst>
-              <a:gd name="adj" fmla="val 2548"/>
-            </a:avLst>
-          </a:prstGeom>
-          <a:solidFill>
-            <a:schemeClr val="tx1">
-              <a:lumMod val="95000"/>
-            </a:schemeClr>
-          </a:solidFill>
-          <a:ln w="57150"/>
-        </p:spPr>
-        <p:style>
-          <a:lnRef idx="2">
-            <a:schemeClr val="accent1">
-              <a:shade val="50000"/>
-            </a:schemeClr>
-          </a:lnRef>
-          <a:fillRef idx="1">
-            <a:schemeClr val="accent1"/>
-          </a:fillRef>
-          <a:effectRef idx="0">
-            <a:schemeClr val="accent1"/>
-          </a:effectRef>
-          <a:fontRef idx="minor">
-            <a:schemeClr val="lt1"/>
-          </a:fontRef>
-        </p:style>
-        <p:txBody>
-          <a:bodyPr rtlCol="0" anchor="ctr"/>
-          <a:lstStyle/>
-          <a:p>
-            <a:pPr algn="ctr"/>
-            <a:endParaRPr lang="es-ES"/>
-          </a:p>
-        </p:txBody>
-      </p:sp>
-      <p:sp>
-        <p:nvSpPr>
-          <p:cNvPr id="93" name="Rectángulo redondeado 92"/>
-          <p:cNvSpPr/>
-          <p:nvPr/>
-        </p:nvSpPr>
-        <p:spPr>
-          <a:xfrm>
-            <a:off x="4162097" y="1427579"/>
-            <a:ext cx="4161781" cy="5107065"/>
-          </a:xfrm>
-          <a:prstGeom prst="roundRect">
-            <a:avLst>
-              <a:gd name="adj" fmla="val 2548"/>
-            </a:avLst>
-          </a:prstGeom>
-          <a:solidFill>
-            <a:schemeClr val="tx1">
-              <a:lumMod val="95000"/>
-            </a:schemeClr>
-          </a:solidFill>
-          <a:ln w="57150"/>
-        </p:spPr>
-        <p:style>
-          <a:lnRef idx="2">
-            <a:schemeClr val="accent1">
-              <a:shade val="50000"/>
-            </a:schemeClr>
-          </a:lnRef>
-          <a:fillRef idx="1">
-            <a:schemeClr val="accent1"/>
-          </a:fillRef>
-          <a:effectRef idx="0">
-            <a:schemeClr val="accent1"/>
-          </a:effectRef>
-          <a:fontRef idx="minor">
-            <a:schemeClr val="lt1"/>
-          </a:fontRef>
-        </p:style>
-        <p:txBody>
-          <a:bodyPr rtlCol="0" anchor="ctr"/>
-          <a:lstStyle/>
-          <a:p>
-            <a:pPr algn="ctr"/>
-            <a:endParaRPr lang="es-ES"/>
-          </a:p>
-        </p:txBody>
-      </p:sp>
-      <p:sp>
-        <p:nvSpPr>
-          <p:cNvPr id="97" name="Rectángulo redondeado 96"/>
-          <p:cNvSpPr/>
-          <p:nvPr/>
-        </p:nvSpPr>
-        <p:spPr>
-          <a:xfrm>
-            <a:off x="8323878" y="1427579"/>
-            <a:ext cx="3744783" cy="5107065"/>
-          </a:xfrm>
-          <a:prstGeom prst="roundRect">
-            <a:avLst>
-              <a:gd name="adj" fmla="val 2548"/>
-            </a:avLst>
-          </a:prstGeom>
-          <a:solidFill>
-            <a:schemeClr val="tx1">
-              <a:lumMod val="95000"/>
-            </a:schemeClr>
-          </a:solidFill>
-          <a:ln w="57150"/>
-        </p:spPr>
-        <p:style>
-          <a:lnRef idx="2">
-            <a:schemeClr val="accent1">
-              <a:shade val="50000"/>
-            </a:schemeClr>
-          </a:lnRef>
-          <a:fillRef idx="1">
-            <a:schemeClr val="accent1"/>
-          </a:fillRef>
-          <a:effectRef idx="0">
-            <a:schemeClr val="accent1"/>
-          </a:effectRef>
-          <a:fontRef idx="minor">
-            <a:schemeClr val="lt1"/>
-          </a:fontRef>
-        </p:style>
-        <p:txBody>
-          <a:bodyPr rtlCol="0" anchor="ctr"/>
-          <a:lstStyle/>
-          <a:p>
-            <a:pPr algn="ctr"/>
-            <a:endParaRPr lang="es-ES"/>
-          </a:p>
-        </p:txBody>
-      </p:sp>
-      <p:sp>
-        <p:nvSpPr>
-          <p:cNvPr id="96" name="CuadroTexto 95"/>
-          <p:cNvSpPr txBox="1"/>
-          <p:nvPr/>
-        </p:nvSpPr>
-        <p:spPr>
-          <a:xfrm>
-            <a:off x="378373" y="1765737"/>
-            <a:ext cx="3783724" cy="4247317"/>
+            <a:off x="2074350" y="1518385"/>
+            <a:ext cx="659665" cy="659665"/>
           </a:xfrm>
           <a:prstGeom prst="rect">
             <a:avLst/>
           </a:prstGeom>
           <a:noFill/>
+          <a:effectLst>
+            <a:outerShdw blurRad="50800" dist="38100" dir="5400000" algn="t" rotWithShape="0">
+              <a:prstClr val="black">
+                <a:alpha val="40000"/>
+              </a:prstClr>
+            </a:outerShdw>
+          </a:effectLst>
+          <a:extLst>
+            <a:ext uri="{909E8E84-426E-40DD-AFC4-6F175D3DCCD1}">
+              <a14:hiddenFill xmlns:a14="http://schemas.microsoft.com/office/drawing/2010/main">
+                <a:solidFill>
+                  <a:srgbClr val="FFFFFF"/>
+                </a:solidFill>
+              </a14:hiddenFill>
+            </a:ext>
+          </a:extLst>
         </p:spPr>
-        <p:txBody>
-          <a:bodyPr wrap="square" rtlCol="0">
-            <a:spAutoFit/>
-          </a:bodyPr>
-          <a:lstStyle/>
-          <a:p>
-            <a:pPr marL="285750" indent="-285750">
-              <a:buFont typeface="Wingdings" panose="05000000000000000000" pitchFamily="2" charset="2"/>
-              <a:buChar char="ü"/>
-            </a:pPr>
-            <a:r>
-              <a:rPr lang="es-ES" dirty="0" smtClean="0">
-                <a:solidFill>
-                  <a:schemeClr val="tx1">
-                    <a:lumMod val="50000"/>
-                  </a:schemeClr>
-                </a:solidFill>
-              </a:rPr>
-              <a:t>Horas dedicadas al proyecto</a:t>
-            </a:r>
-          </a:p>
-          <a:p>
-            <a:pPr marL="742950" lvl="1" indent="-285750">
-              <a:buFont typeface="Arial" panose="020B0604020202020204" pitchFamily="34" charset="0"/>
-              <a:buChar char="•"/>
-            </a:pPr>
-            <a:r>
-              <a:rPr lang="es-ES" dirty="0" smtClean="0">
-                <a:solidFill>
-                  <a:schemeClr val="tx1">
-                    <a:lumMod val="50000"/>
-                  </a:schemeClr>
-                </a:solidFill>
-              </a:rPr>
-              <a:t>1260 horas.  315 c/u.</a:t>
-            </a:r>
-          </a:p>
-          <a:p>
-            <a:pPr marL="285750" indent="-285750">
-              <a:buFont typeface="Wingdings" panose="05000000000000000000" pitchFamily="2" charset="2"/>
-              <a:buChar char="ü"/>
-            </a:pPr>
-            <a:r>
-              <a:rPr lang="es-ES" dirty="0" smtClean="0">
-                <a:solidFill>
-                  <a:schemeClr val="tx1">
-                    <a:lumMod val="50000"/>
-                  </a:schemeClr>
-                </a:solidFill>
-              </a:rPr>
-              <a:t>Adaptar metodología.</a:t>
-            </a:r>
-          </a:p>
-          <a:p>
-            <a:pPr marL="285750" indent="-285750">
-              <a:buFont typeface="Wingdings" panose="05000000000000000000" pitchFamily="2" charset="2"/>
-              <a:buChar char="ü"/>
-            </a:pPr>
-            <a:r>
-              <a:rPr lang="es-ES" b="1" dirty="0" smtClean="0">
-                <a:solidFill>
-                  <a:schemeClr val="tx1">
-                    <a:lumMod val="50000"/>
-                  </a:schemeClr>
-                </a:solidFill>
-                <a:effectLst>
-                  <a:outerShdw blurRad="38100" dist="38100" dir="2700000" algn="tl">
-                    <a:srgbClr val="000000">
-                      <a:alpha val="43137"/>
-                    </a:srgbClr>
-                  </a:outerShdw>
-                </a:effectLst>
-              </a:rPr>
-              <a:t>Trabajo en Equipo</a:t>
-            </a:r>
-          </a:p>
-          <a:p>
-            <a:pPr marL="285750" indent="-285750">
-              <a:buFont typeface="Wingdings" panose="05000000000000000000" pitchFamily="2" charset="2"/>
-              <a:buChar char="ü"/>
-            </a:pPr>
-            <a:r>
-              <a:rPr lang="es-ES" b="1" dirty="0" smtClean="0">
-                <a:solidFill>
-                  <a:schemeClr val="tx1">
-                    <a:lumMod val="50000"/>
-                  </a:schemeClr>
-                </a:solidFill>
-                <a:effectLst>
-                  <a:outerShdw blurRad="38100" dist="38100" dir="2700000" algn="tl">
-                    <a:srgbClr val="000000">
-                      <a:alpha val="43137"/>
-                    </a:srgbClr>
-                  </a:outerShdw>
-                </a:effectLst>
-              </a:rPr>
-              <a:t>Compromiso</a:t>
-            </a:r>
-          </a:p>
-          <a:p>
-            <a:pPr marL="285750" indent="-285750">
-              <a:buFont typeface="Wingdings" panose="05000000000000000000" pitchFamily="2" charset="2"/>
-              <a:buChar char="ü"/>
-            </a:pPr>
-            <a:r>
-              <a:rPr lang="es-ES" dirty="0" smtClean="0">
-                <a:solidFill>
-                  <a:schemeClr val="tx1">
-                    <a:lumMod val="50000"/>
-                  </a:schemeClr>
-                </a:solidFill>
-              </a:rPr>
-              <a:t>Sprint 0</a:t>
-            </a:r>
-          </a:p>
-          <a:p>
-            <a:pPr marL="742950" lvl="1" indent="-285750">
-              <a:buFont typeface="Arial" panose="020B0604020202020204" pitchFamily="34" charset="0"/>
-              <a:buChar char="•"/>
-            </a:pPr>
-            <a:r>
-              <a:rPr lang="es-ES" dirty="0" smtClean="0">
-                <a:solidFill>
-                  <a:schemeClr val="tx1">
-                    <a:lumMod val="50000"/>
-                  </a:schemeClr>
-                </a:solidFill>
-              </a:rPr>
-              <a:t>Estudio inicial</a:t>
-            </a:r>
-          </a:p>
-          <a:p>
-            <a:pPr marL="742950" lvl="1" indent="-285750">
-              <a:buFont typeface="Arial" panose="020B0604020202020204" pitchFamily="34" charset="0"/>
-              <a:buChar char="•"/>
-            </a:pPr>
-            <a:r>
-              <a:rPr lang="es-ES" dirty="0" smtClean="0">
-                <a:solidFill>
-                  <a:schemeClr val="tx1">
-                    <a:lumMod val="50000"/>
-                  </a:schemeClr>
-                </a:solidFill>
-              </a:rPr>
-              <a:t>Definir los requerimientos</a:t>
-            </a:r>
-          </a:p>
-          <a:p>
-            <a:pPr marL="285750" indent="-285750">
-              <a:buFont typeface="Wingdings" panose="05000000000000000000" pitchFamily="2" charset="2"/>
-              <a:buChar char="ü"/>
-            </a:pPr>
-            <a:r>
-              <a:rPr lang="es-ES" dirty="0" smtClean="0">
-                <a:solidFill>
-                  <a:schemeClr val="tx1">
-                    <a:lumMod val="50000"/>
-                  </a:schemeClr>
-                </a:solidFill>
-              </a:rPr>
-              <a:t>Documentación y modelos</a:t>
-            </a:r>
-          </a:p>
-          <a:p>
-            <a:pPr marL="285750" indent="-285750">
-              <a:buFont typeface="Wingdings" panose="05000000000000000000" pitchFamily="2" charset="2"/>
-              <a:buChar char="ü"/>
-            </a:pPr>
-            <a:endParaRPr lang="es-ES" dirty="0" smtClean="0">
-              <a:solidFill>
-                <a:schemeClr val="tx1">
-                  <a:lumMod val="50000"/>
-                </a:schemeClr>
-              </a:solidFill>
-            </a:endParaRPr>
-          </a:p>
-          <a:p>
-            <a:pPr marL="285750" indent="-285750">
-              <a:buFont typeface="Arial" panose="020B0604020202020204" pitchFamily="34" charset="0"/>
-              <a:buChar char="•"/>
-            </a:pPr>
-            <a:endParaRPr lang="es-ES" dirty="0" smtClean="0">
-              <a:solidFill>
-                <a:schemeClr val="tx1">
-                  <a:lumMod val="50000"/>
-                </a:schemeClr>
-              </a:solidFill>
-            </a:endParaRPr>
-          </a:p>
-          <a:p>
-            <a:pPr marL="285750" indent="-285750">
-              <a:buFont typeface="Arial" panose="020B0604020202020204" pitchFamily="34" charset="0"/>
-              <a:buChar char="•"/>
-            </a:pPr>
-            <a:endParaRPr lang="es-ES" dirty="0" smtClean="0">
-              <a:solidFill>
-                <a:schemeClr val="tx1">
-                  <a:lumMod val="50000"/>
-                </a:schemeClr>
-              </a:solidFill>
-            </a:endParaRPr>
-          </a:p>
-          <a:p>
-            <a:pPr marL="285750" indent="-285750">
-              <a:buFont typeface="Arial" panose="020B0604020202020204" pitchFamily="34" charset="0"/>
-              <a:buChar char="•"/>
-            </a:pPr>
-            <a:endParaRPr lang="es-ES" b="1" dirty="0" smtClean="0">
-              <a:solidFill>
-                <a:schemeClr val="tx1">
-                  <a:lumMod val="50000"/>
-                </a:schemeClr>
-              </a:solidFill>
-              <a:effectLst>
-                <a:outerShdw blurRad="38100" dist="38100" dir="2700000" algn="tl">
-                  <a:srgbClr val="000000">
-                    <a:alpha val="43137"/>
-                  </a:srgbClr>
-                </a:outerShdw>
-              </a:effectLst>
-            </a:endParaRPr>
-          </a:p>
-          <a:p>
-            <a:pPr marL="285750" indent="-285750">
-              <a:buFont typeface="Arial" panose="020B0604020202020204" pitchFamily="34" charset="0"/>
-              <a:buChar char="•"/>
-            </a:pPr>
-            <a:endParaRPr lang="es-ES" dirty="0" smtClean="0">
-              <a:solidFill>
-                <a:schemeClr val="tx1">
-                  <a:lumMod val="50000"/>
-                </a:schemeClr>
-              </a:solidFill>
-            </a:endParaRPr>
-          </a:p>
-          <a:p>
-            <a:pPr marL="285750" indent="-285750">
-              <a:buFont typeface="Wingdings" panose="05000000000000000000" pitchFamily="2" charset="2"/>
-              <a:buChar char="ü"/>
-            </a:pPr>
-            <a:endParaRPr lang="es-ES" dirty="0" smtClean="0">
-              <a:solidFill>
-                <a:schemeClr val="tx1">
-                  <a:lumMod val="50000"/>
-                </a:schemeClr>
-              </a:solidFill>
-            </a:endParaRPr>
-          </a:p>
-        </p:txBody>
-      </p:sp>
-      <p:sp>
-        <p:nvSpPr>
-          <p:cNvPr id="99" name="CuadroTexto 98"/>
-          <p:cNvSpPr txBox="1"/>
+      </p:pic>
+      <p:pic>
+        <p:nvPicPr>
+          <p:cNvPr id="5" name="Imagen 4"/>
+          <p:cNvPicPr>
+            <a:picLocks noChangeAspect="1"/>
+          </p:cNvPicPr>
           <p:nvPr/>
-        </p:nvSpPr>
+        </p:nvPicPr>
+        <p:blipFill>
+          <a:blip r:embed="rId9">
+            <a:extLst>
+              <a:ext uri="{28A0092B-C50C-407E-A947-70E740481C1C}">
+                <a14:useLocalDpi xmlns:a14="http://schemas.microsoft.com/office/drawing/2010/main" val="0"/>
+              </a:ext>
+            </a:extLst>
+          </a:blip>
+          <a:stretch>
+            <a:fillRect/>
+          </a:stretch>
+        </p:blipFill>
         <p:spPr>
           <a:xfrm>
-            <a:off x="4335360" y="1857452"/>
-            <a:ext cx="3783724" cy="2031325"/>
+            <a:off x="6127942" y="1505143"/>
+            <a:ext cx="672908" cy="672908"/>
+          </a:xfrm>
+          <a:prstGeom prst="rect">
+            <a:avLst/>
+          </a:prstGeom>
+          <a:effectLst>
+            <a:outerShdw blurRad="50800" dist="38100" dir="5400000" algn="t" rotWithShape="0">
+              <a:prstClr val="black">
+                <a:alpha val="40000"/>
+              </a:prstClr>
+            </a:outerShdw>
+          </a:effectLst>
+        </p:spPr>
+      </p:pic>
+      <p:pic>
+        <p:nvPicPr>
+          <p:cNvPr id="1034" name="Picture 10" descr="http://www.clipartbest.com/cliparts/ncE/7K7/ncE7K7nLi.png"/>
+          <p:cNvPicPr>
+            <a:picLocks noChangeAspect="1" noChangeArrowheads="1"/>
+          </p:cNvPicPr>
+          <p:nvPr/>
+        </p:nvPicPr>
+        <p:blipFill>
+          <a:blip r:embed="rId10">
+            <a:extLst>
+              <a:ext uri="{28A0092B-C50C-407E-A947-70E740481C1C}">
+                <a14:useLocalDpi xmlns:a14="http://schemas.microsoft.com/office/drawing/2010/main" val="0"/>
+              </a:ext>
+            </a:extLst>
+          </a:blip>
+          <a:srcRect/>
+          <a:stretch>
+            <a:fillRect/>
+          </a:stretch>
+        </p:blipFill>
+        <p:spPr bwMode="auto">
+          <a:xfrm>
+            <a:off x="9791893" y="1488871"/>
+            <a:ext cx="672907" cy="718691"/>
           </a:xfrm>
           <a:prstGeom prst="rect">
             <a:avLst/>
           </a:prstGeom>
           <a:noFill/>
+          <a:effectLst>
+            <a:outerShdw blurRad="50800" dist="38100" dir="5400000" algn="t" rotWithShape="0">
+              <a:prstClr val="black">
+                <a:alpha val="40000"/>
+              </a:prstClr>
+            </a:outerShdw>
+          </a:effectLst>
+          <a:extLst>
+            <a:ext uri="{909E8E84-426E-40DD-AFC4-6F175D3DCCD1}">
+              <a14:hiddenFill xmlns:a14="http://schemas.microsoft.com/office/drawing/2010/main">
+                <a:solidFill>
+                  <a:srgbClr val="FFFFFF"/>
+                </a:solidFill>
+              </a14:hiddenFill>
+            </a:ext>
+          </a:extLst>
         </p:spPr>
-        <p:txBody>
-          <a:bodyPr wrap="square" rtlCol="0">
-            <a:spAutoFit/>
-          </a:bodyPr>
-          <a:lstStyle/>
-          <a:p>
-            <a:pPr marL="285750" indent="-285750">
-              <a:buFont typeface="Wingdings" panose="05000000000000000000" pitchFamily="2" charset="2"/>
-              <a:buChar char="ü"/>
-            </a:pPr>
-            <a:r>
-              <a:rPr lang="es-ES" dirty="0" smtClean="0">
-                <a:solidFill>
-                  <a:schemeClr val="tx1">
-                    <a:lumMod val="50000"/>
-                  </a:schemeClr>
-                </a:solidFill>
-              </a:rPr>
-              <a:t>Horas dedicadas al proyecto</a:t>
-            </a:r>
-          </a:p>
-          <a:p>
-            <a:pPr marL="285750" indent="-285750">
-              <a:buFont typeface="Wingdings" panose="05000000000000000000" pitchFamily="2" charset="2"/>
-              <a:buChar char="ü"/>
-            </a:pPr>
-            <a:endParaRPr lang="es-ES" dirty="0" smtClean="0">
-              <a:solidFill>
-                <a:schemeClr val="tx1">
-                  <a:lumMod val="50000"/>
-                </a:schemeClr>
-              </a:solidFill>
-            </a:endParaRPr>
-          </a:p>
-          <a:p>
-            <a:pPr marL="285750" indent="-285750">
-              <a:buFont typeface="Arial" panose="020B0604020202020204" pitchFamily="34" charset="0"/>
-              <a:buChar char="•"/>
-            </a:pPr>
-            <a:endParaRPr lang="es-ES" dirty="0" smtClean="0">
-              <a:solidFill>
-                <a:schemeClr val="tx1">
-                  <a:lumMod val="50000"/>
-                </a:schemeClr>
-              </a:solidFill>
-            </a:endParaRPr>
-          </a:p>
-          <a:p>
-            <a:pPr marL="285750" indent="-285750">
-              <a:buFont typeface="Arial" panose="020B0604020202020204" pitchFamily="34" charset="0"/>
-              <a:buChar char="•"/>
-            </a:pPr>
-            <a:endParaRPr lang="es-ES" dirty="0" smtClean="0">
-              <a:solidFill>
-                <a:schemeClr val="tx1">
-                  <a:lumMod val="50000"/>
-                </a:schemeClr>
-              </a:solidFill>
-            </a:endParaRPr>
-          </a:p>
-          <a:p>
-            <a:pPr marL="285750" indent="-285750">
-              <a:buFont typeface="Arial" panose="020B0604020202020204" pitchFamily="34" charset="0"/>
-              <a:buChar char="•"/>
-            </a:pPr>
-            <a:endParaRPr lang="es-ES" b="1" dirty="0" smtClean="0">
-              <a:solidFill>
-                <a:schemeClr val="tx1">
-                  <a:lumMod val="50000"/>
-                </a:schemeClr>
-              </a:solidFill>
-              <a:effectLst>
-                <a:outerShdw blurRad="38100" dist="38100" dir="2700000" algn="tl">
-                  <a:srgbClr val="000000">
-                    <a:alpha val="43137"/>
-                  </a:srgbClr>
-                </a:outerShdw>
-              </a:effectLst>
-            </a:endParaRPr>
-          </a:p>
-          <a:p>
-            <a:pPr marL="285750" indent="-285750">
-              <a:buFont typeface="Arial" panose="020B0604020202020204" pitchFamily="34" charset="0"/>
-              <a:buChar char="•"/>
-            </a:pPr>
-            <a:endParaRPr lang="es-ES" dirty="0" smtClean="0">
-              <a:solidFill>
-                <a:schemeClr val="tx1">
-                  <a:lumMod val="50000"/>
-                </a:schemeClr>
-              </a:solidFill>
-            </a:endParaRPr>
-          </a:p>
-          <a:p>
-            <a:pPr marL="285750" indent="-285750">
-              <a:buFont typeface="Wingdings" panose="05000000000000000000" pitchFamily="2" charset="2"/>
-              <a:buChar char="ü"/>
-            </a:pPr>
-            <a:endParaRPr lang="es-ES" dirty="0" smtClean="0">
-              <a:solidFill>
-                <a:schemeClr val="tx1">
-                  <a:lumMod val="50000"/>
-                </a:schemeClr>
-              </a:solidFill>
-            </a:endParaRPr>
-          </a:p>
-        </p:txBody>
-      </p:sp>
-    </p:spTree>
-    <p:extLst>
-      <p:ext uri="{BB962C8B-B14F-4D97-AF65-F5344CB8AC3E}">
-        <p14:creationId xmlns:p14="http://schemas.microsoft.com/office/powerpoint/2010/main" val="2906716954"/>
-      </p:ext>
-    </p:extLst>
-  </p:cSld>
-  <p:clrMapOvr>
-    <a:masterClrMapping/>
-  </p:clrMapOvr>
-  <p:transition spd="med">
-    <p:fade/>
-  </p:transition>
-</p:sld>
-</file>
-
-<file path=ppt/slides/slide9.xml><?xml version="1.0" encoding="utf-8"?>
-<p:sld xmlns:a="http://schemas.openxmlformats.org/drawingml/2006/main" xmlns:r="http://schemas.openxmlformats.org/officeDocument/2006/relationships" xmlns:p="http://schemas.openxmlformats.org/presentationml/2006/main">
-  <p:cSld>
-    <p:spTree>
-      <p:nvGrpSpPr>
-        <p:cNvPr id="1" name=""/>
-        <p:cNvGrpSpPr/>
-        <p:nvPr/>
-      </p:nvGrpSpPr>
-      <p:grpSpPr>
-        <a:xfrm>
-          <a:off x="0" y="0"/>
-          <a:ext cx="0" cy="0"/>
-          <a:chOff x="0" y="0"/>
-          <a:chExt cx="0" cy="0"/>
-        </a:xfrm>
-      </p:grpSpPr>
+      </p:pic>
       <p:sp>
         <p:nvSpPr>
-          <p:cNvPr id="55" name="Rectángulo 54"/>
+          <p:cNvPr id="17" name="Rectángulo 16"/>
           <p:cNvSpPr/>
           <p:nvPr/>
         </p:nvSpPr>
@@ -24679,46 +26988,116 @@
       </p:sp>
       <p:sp>
         <p:nvSpPr>
-          <p:cNvPr id="2" name="Título 1"/>
-          <p:cNvSpPr>
-            <a:spLocks noGrp="1"/>
+          <p:cNvPr id="18" name="Título 1"/>
+          <p:cNvSpPr txBox="1">
+            <a:spLocks/>
           </p:cNvSpPr>
-          <p:nvPr>
-            <p:ph type="title"/>
-          </p:nvPr>
+          <p:nvPr/>
         </p:nvSpPr>
         <p:spPr>
           <a:xfrm>
-            <a:off x="1695449" y="192581"/>
-            <a:ext cx="7600952" cy="783264"/>
+            <a:off x="1607517" y="228600"/>
+            <a:ext cx="8836646" cy="813148"/>
           </a:xfrm>
+          <a:prstGeom prst="rect">
+            <a:avLst/>
+          </a:prstGeom>
         </p:spPr>
         <p:txBody>
-          <a:bodyPr/>
-          <a:lstStyle/>
+          <a:bodyPr vert="horz" lIns="91440" tIns="45720" rIns="91440" bIns="45720" rtlCol="0" anchor="t">
+            <a:noAutofit/>
+          </a:bodyPr>
+          <a:lstStyle>
+            <a:lvl1pPr algn="l" defTabSz="457200" rtl="0" eaLnBrk="1" latinLnBrk="0" hangingPunct="1">
+              <a:spcBef>
+                <a:spcPct val="0"/>
+              </a:spcBef>
+              <a:buNone/>
+              <a:defRPr sz="4200" b="0" i="0" kern="1200">
+                <a:solidFill>
+                  <a:schemeClr val="tx2"/>
+                </a:solidFill>
+                <a:latin typeface="+mj-lt"/>
+                <a:ea typeface="+mj-ea"/>
+                <a:cs typeface="+mj-cs"/>
+              </a:defRPr>
+            </a:lvl1pPr>
+            <a:lvl2pPr eaLnBrk="1" hangingPunct="1">
+              <a:defRPr>
+                <a:solidFill>
+                  <a:schemeClr val="tx2"/>
+                </a:solidFill>
+              </a:defRPr>
+            </a:lvl2pPr>
+            <a:lvl3pPr eaLnBrk="1" hangingPunct="1">
+              <a:defRPr>
+                <a:solidFill>
+                  <a:schemeClr val="tx2"/>
+                </a:solidFill>
+              </a:defRPr>
+            </a:lvl3pPr>
+            <a:lvl4pPr eaLnBrk="1" hangingPunct="1">
+              <a:defRPr>
+                <a:solidFill>
+                  <a:schemeClr val="tx2"/>
+                </a:solidFill>
+              </a:defRPr>
+            </a:lvl4pPr>
+            <a:lvl5pPr eaLnBrk="1" hangingPunct="1">
+              <a:defRPr>
+                <a:solidFill>
+                  <a:schemeClr val="tx2"/>
+                </a:solidFill>
+              </a:defRPr>
+            </a:lvl5pPr>
+            <a:lvl6pPr eaLnBrk="1" hangingPunct="1">
+              <a:defRPr>
+                <a:solidFill>
+                  <a:schemeClr val="tx2"/>
+                </a:solidFill>
+              </a:defRPr>
+            </a:lvl6pPr>
+            <a:lvl7pPr eaLnBrk="1" hangingPunct="1">
+              <a:defRPr>
+                <a:solidFill>
+                  <a:schemeClr val="tx2"/>
+                </a:solidFill>
+              </a:defRPr>
+            </a:lvl7pPr>
+            <a:lvl8pPr eaLnBrk="1" hangingPunct="1">
+              <a:defRPr>
+                <a:solidFill>
+                  <a:schemeClr val="tx2"/>
+                </a:solidFill>
+              </a:defRPr>
+            </a:lvl8pPr>
+            <a:lvl9pPr eaLnBrk="1" hangingPunct="1">
+              <a:defRPr>
+                <a:solidFill>
+                  <a:schemeClr val="tx2"/>
+                </a:solidFill>
+              </a:defRPr>
+            </a:lvl9pPr>
+          </a:lstStyle>
           <a:p>
             <a:r>
-              <a:rPr lang="es-AR" sz="3600" dirty="0" err="1" smtClean="0"/>
-              <a:t>Restrospectiva</a:t>
+              <a:rPr lang="es-AR" dirty="0" smtClean="0"/>
+              <a:t>Conclusiones Generales</a:t>
             </a:r>
-            <a:r>
-              <a:rPr lang="es-AR" sz="3600" dirty="0" smtClean="0"/>
-              <a:t>  (Reflexión o Experiencias)</a:t>
-            </a:r>
-            <a:endParaRPr lang="es-AR" sz="3600" dirty="0"/>
+            <a:endParaRPr lang="es-AR" dirty="0"/>
           </a:p>
         </p:txBody>
       </p:sp>
       <p:pic>
         <p:nvPicPr>
-          <p:cNvPr id="56" name="Imagen 55"/>
+          <p:cNvPr id="19" name="Imagen 18"/>
           <p:cNvPicPr>
             <a:picLocks noChangeAspect="1"/>
           </p:cNvPicPr>
           <p:nvPr/>
         </p:nvPicPr>
         <p:blipFill>
-          <a:blip r:embed="rId3">
+          <a:blip r:embed="rId11">
             <a:grayscl/>
             <a:extLst>
               <a:ext uri="{28A0092B-C50C-407E-A947-70E740481C1C}">
@@ -24732,7 +27111,7 @@
         </p:blipFill>
         <p:spPr>
           <a:xfrm>
-            <a:off x="365501" y="0"/>
+            <a:off x="289301" y="0"/>
             <a:ext cx="1151372" cy="1163031"/>
           </a:xfrm>
           <a:prstGeom prst="rect">
@@ -24740,26 +27119,1309 @@
           </a:prstGeom>
         </p:spPr>
       </p:pic>
+    </p:spTree>
+    <p:extLst>
+      <p:ext uri="{BB962C8B-B14F-4D97-AF65-F5344CB8AC3E}">
+        <p14:creationId xmlns:p14="http://schemas.microsoft.com/office/powerpoint/2010/main" val="2906716954"/>
+      </p:ext>
+    </p:extLst>
+  </p:cSld>
+  <p:clrMapOvr>
+    <a:masterClrMapping/>
+  </p:clrMapOvr>
+  <p:transition spd="med">
+    <p:fade/>
+  </p:transition>
+  <p:timing>
+    <p:tnLst>
+      <p:par>
+        <p:cTn id="1" dur="indefinite" restart="never" nodeType="tmRoot"/>
+      </p:par>
+    </p:tnLst>
+  </p:timing>
+</p:sld>
+</file>
+
+<file path=ppt/slides/slide9.xml><?xml version="1.0" encoding="utf-8"?>
+<p:sld xmlns:a="http://schemas.openxmlformats.org/drawingml/2006/main" xmlns:r="http://schemas.openxmlformats.org/officeDocument/2006/relationships" xmlns:p="http://schemas.openxmlformats.org/presentationml/2006/main">
+  <p:cSld>
+    <p:spTree>
+      <p:nvGrpSpPr>
+        <p:cNvPr id="1" name=""/>
+        <p:cNvGrpSpPr/>
+        <p:nvPr/>
+      </p:nvGrpSpPr>
+      <p:grpSpPr>
+        <a:xfrm>
+          <a:off x="0" y="0"/>
+          <a:ext cx="0" cy="0"/>
+          <a:chOff x="0" y="0"/>
+          <a:chExt cx="0" cy="0"/>
+        </a:xfrm>
+      </p:grpSpPr>
+      <p:cxnSp>
+        <p:nvCxnSpPr>
+          <p:cNvPr id="10" name="Conector recto de flecha 9"/>
+          <p:cNvCxnSpPr>
+            <a:stCxn id="45" idx="6"/>
+          </p:cNvCxnSpPr>
+          <p:nvPr/>
+        </p:nvCxnSpPr>
+        <p:spPr>
+          <a:xfrm flipV="1">
+            <a:off x="1520672" y="2689182"/>
+            <a:ext cx="9166378" cy="17560"/>
+          </a:xfrm>
+          <a:prstGeom prst="straightConnector1">
+            <a:avLst/>
+          </a:prstGeom>
+          <a:ln w="146050">
+            <a:tailEnd type="triangle"/>
+          </a:ln>
+        </p:spPr>
+        <p:style>
+          <a:lnRef idx="3">
+            <a:schemeClr val="accent1"/>
+          </a:lnRef>
+          <a:fillRef idx="0">
+            <a:schemeClr val="accent1"/>
+          </a:fillRef>
+          <a:effectRef idx="2">
+            <a:schemeClr val="accent1"/>
+          </a:effectRef>
+          <a:fontRef idx="minor">
+            <a:schemeClr val="tx1"/>
+          </a:fontRef>
+        </p:style>
+      </p:cxnSp>
       <p:sp>
         <p:nvSpPr>
-          <p:cNvPr id="101" name="Rectángulo redondeado 100"/>
+          <p:cNvPr id="45" name="Elipse 44"/>
           <p:cNvSpPr/>
           <p:nvPr/>
         </p:nvSpPr>
         <p:spPr>
           <a:xfrm>
-            <a:off x="1112397" y="1355611"/>
-            <a:ext cx="10397613" cy="5839536"/>
+            <a:off x="293496" y="2102115"/>
+            <a:ext cx="1227176" cy="1209254"/>
           </a:xfrm>
-          <a:prstGeom prst="roundRect">
-            <a:avLst>
-              <a:gd name="adj" fmla="val 2548"/>
-            </a:avLst>
+          <a:prstGeom prst="ellipse">
+            <a:avLst/>
+          </a:prstGeom>
+          <a:ln w="57150">
+            <a:solidFill>
+              <a:schemeClr val="accent1">
+                <a:lumMod val="75000"/>
+              </a:schemeClr>
+            </a:solidFill>
+          </a:ln>
+        </p:spPr>
+        <p:style>
+          <a:lnRef idx="1">
+            <a:schemeClr val="accent1"/>
+          </a:lnRef>
+          <a:fillRef idx="3">
+            <a:schemeClr val="accent1"/>
+          </a:fillRef>
+          <a:effectRef idx="2">
+            <a:schemeClr val="accent1"/>
+          </a:effectRef>
+          <a:fontRef idx="minor">
+            <a:schemeClr val="lt1"/>
+          </a:fontRef>
+        </p:style>
+        <p:txBody>
+          <a:bodyPr rtlCol="0" anchor="ctr"/>
+          <a:lstStyle/>
+          <a:p>
+            <a:pPr algn="ctr"/>
+            <a:endParaRPr lang="es-ES" dirty="0"/>
+          </a:p>
+        </p:txBody>
+      </p:sp>
+      <p:sp>
+        <p:nvSpPr>
+          <p:cNvPr id="41" name="CuadroTexto 40"/>
+          <p:cNvSpPr txBox="1"/>
+          <p:nvPr/>
+        </p:nvSpPr>
+        <p:spPr>
+          <a:xfrm>
+            <a:off x="122047" y="2396795"/>
+            <a:ext cx="1600200" cy="584775"/>
+          </a:xfrm>
+          <a:prstGeom prst="rect">
+            <a:avLst/>
+          </a:prstGeom>
+          <a:noFill/>
+        </p:spPr>
+        <p:txBody>
+          <a:bodyPr wrap="square" rtlCol="0">
+            <a:spAutoFit/>
+          </a:bodyPr>
+          <a:lstStyle/>
+          <a:p>
+            <a:pPr algn="ctr"/>
+            <a:r>
+              <a:rPr lang="es-AR" sz="3200" b="1" dirty="0" smtClean="0">
+                <a:solidFill>
+                  <a:schemeClr val="tx1">
+                    <a:lumMod val="95000"/>
+                  </a:schemeClr>
+                </a:solidFill>
+                <a:latin typeface="+mj-lt"/>
+              </a:rPr>
+              <a:t>Hoy</a:t>
+            </a:r>
+            <a:endParaRPr lang="es-ES" sz="3200" b="1" dirty="0">
+              <a:solidFill>
+                <a:schemeClr val="tx1">
+                  <a:lumMod val="95000"/>
+                </a:schemeClr>
+              </a:solidFill>
+              <a:latin typeface="+mj-lt"/>
+            </a:endParaRPr>
+          </a:p>
+        </p:txBody>
+      </p:sp>
+      <p:sp>
+        <p:nvSpPr>
+          <p:cNvPr id="26" name="Elipse 25"/>
+          <p:cNvSpPr/>
+          <p:nvPr/>
+        </p:nvSpPr>
+        <p:spPr>
+          <a:xfrm>
+            <a:off x="10683900" y="2059405"/>
+            <a:ext cx="1227176" cy="1209254"/>
+          </a:xfrm>
+          <a:prstGeom prst="ellipse">
+            <a:avLst/>
+          </a:prstGeom>
+          <a:ln w="57150">
+            <a:solidFill>
+              <a:schemeClr val="accent1">
+                <a:lumMod val="75000"/>
+              </a:schemeClr>
+            </a:solidFill>
+          </a:ln>
+        </p:spPr>
+        <p:style>
+          <a:lnRef idx="1">
+            <a:schemeClr val="accent1"/>
+          </a:lnRef>
+          <a:fillRef idx="3">
+            <a:schemeClr val="accent1"/>
+          </a:fillRef>
+          <a:effectRef idx="2">
+            <a:schemeClr val="accent1"/>
+          </a:effectRef>
+          <a:fontRef idx="minor">
+            <a:schemeClr val="lt1"/>
+          </a:fontRef>
+        </p:style>
+        <p:txBody>
+          <a:bodyPr rtlCol="0" anchor="ctr"/>
+          <a:lstStyle/>
+          <a:p>
+            <a:pPr algn="ctr"/>
+            <a:endParaRPr lang="es-ES" dirty="0"/>
+          </a:p>
+        </p:txBody>
+      </p:sp>
+      <p:sp>
+        <p:nvSpPr>
+          <p:cNvPr id="27" name="CuadroTexto 26"/>
+          <p:cNvSpPr txBox="1"/>
+          <p:nvPr/>
+        </p:nvSpPr>
+        <p:spPr>
+          <a:xfrm>
+            <a:off x="10512451" y="2354085"/>
+            <a:ext cx="1600200" cy="584775"/>
+          </a:xfrm>
+          <a:prstGeom prst="rect">
+            <a:avLst/>
+          </a:prstGeom>
+          <a:noFill/>
+        </p:spPr>
+        <p:txBody>
+          <a:bodyPr wrap="square" rtlCol="0">
+            <a:spAutoFit/>
+          </a:bodyPr>
+          <a:lstStyle/>
+          <a:p>
+            <a:pPr algn="ctr"/>
+            <a:r>
+              <a:rPr lang="es-AR" sz="3200" b="1" dirty="0" smtClean="0">
+                <a:solidFill>
+                  <a:schemeClr val="tx1">
+                    <a:lumMod val="95000"/>
+                  </a:schemeClr>
+                </a:solidFill>
+                <a:latin typeface="+mj-lt"/>
+              </a:rPr>
+              <a:t>Fin</a:t>
+            </a:r>
+            <a:endParaRPr lang="es-ES" sz="3200" b="1" dirty="0">
+              <a:solidFill>
+                <a:schemeClr val="tx1">
+                  <a:lumMod val="95000"/>
+                </a:schemeClr>
+              </a:solidFill>
+              <a:latin typeface="+mj-lt"/>
+            </a:endParaRPr>
+          </a:p>
+        </p:txBody>
+      </p:sp>
+      <p:grpSp>
+        <p:nvGrpSpPr>
+          <p:cNvPr id="75" name="Grupo 74"/>
+          <p:cNvGrpSpPr/>
+          <p:nvPr/>
+        </p:nvGrpSpPr>
+        <p:grpSpPr>
+          <a:xfrm>
+            <a:off x="3766397" y="3603756"/>
+            <a:ext cx="1969985" cy="809599"/>
+            <a:chOff x="672018" y="2186610"/>
+            <a:chExt cx="1909601" cy="665405"/>
+          </a:xfrm>
+        </p:grpSpPr>
+        <p:sp>
+          <p:nvSpPr>
+            <p:cNvPr id="79" name="Rectángulo redondeado 78"/>
+            <p:cNvSpPr/>
+            <p:nvPr/>
+          </p:nvSpPr>
+          <p:spPr>
+            <a:xfrm>
+              <a:off x="672018" y="2186610"/>
+              <a:ext cx="1909601" cy="665405"/>
+            </a:xfrm>
+            <a:prstGeom prst="roundRect">
+              <a:avLst/>
+            </a:prstGeom>
+            <a:ln w="38100">
+              <a:solidFill>
+                <a:schemeClr val="tx1">
+                  <a:lumMod val="75000"/>
+                </a:schemeClr>
+              </a:solidFill>
+            </a:ln>
+          </p:spPr>
+          <p:style>
+            <a:lnRef idx="1">
+              <a:schemeClr val="accent1"/>
+            </a:lnRef>
+            <a:fillRef idx="3">
+              <a:schemeClr val="accent1"/>
+            </a:fillRef>
+            <a:effectRef idx="2">
+              <a:schemeClr val="accent1"/>
+            </a:effectRef>
+            <a:fontRef idx="minor">
+              <a:schemeClr val="lt1"/>
+            </a:fontRef>
+          </p:style>
+          <p:txBody>
+            <a:bodyPr rtlCol="0" anchor="ctr"/>
+            <a:lstStyle/>
+            <a:p>
+              <a:pPr algn="ctr"/>
+              <a:endParaRPr lang="es-ES" dirty="0"/>
+            </a:p>
+          </p:txBody>
+        </p:sp>
+        <p:sp>
+          <p:nvSpPr>
+            <p:cNvPr id="93" name="CuadroTexto 92"/>
+            <p:cNvSpPr txBox="1"/>
+            <p:nvPr/>
+          </p:nvSpPr>
+          <p:spPr>
+            <a:xfrm>
+              <a:off x="853795" y="2243217"/>
+              <a:ext cx="1533540" cy="581808"/>
+            </a:xfrm>
+            <a:prstGeom prst="rect">
+              <a:avLst/>
+            </a:prstGeom>
+            <a:noFill/>
+          </p:spPr>
+          <p:txBody>
+            <a:bodyPr wrap="square" rtlCol="0">
+              <a:spAutoFit/>
+            </a:bodyPr>
+            <a:lstStyle/>
+            <a:p>
+              <a:r>
+                <a:rPr lang="es-AR" sz="2000" dirty="0" smtClean="0"/>
+                <a:t>Administrar Estadísticas</a:t>
+              </a:r>
+              <a:endParaRPr lang="es-ES" sz="2000" dirty="0"/>
+            </a:p>
+          </p:txBody>
+        </p:sp>
+      </p:grpSp>
+      <p:grpSp>
+        <p:nvGrpSpPr>
+          <p:cNvPr id="95" name="Grupo 94"/>
+          <p:cNvGrpSpPr/>
+          <p:nvPr/>
+        </p:nvGrpSpPr>
+        <p:grpSpPr>
+          <a:xfrm>
+            <a:off x="5323298" y="3267860"/>
+            <a:ext cx="616301" cy="590081"/>
+            <a:chOff x="2196257" y="5395872"/>
+            <a:chExt cx="616301" cy="590081"/>
+          </a:xfrm>
+        </p:grpSpPr>
+        <p:sp>
+          <p:nvSpPr>
+            <p:cNvPr id="96" name="Elipse 95"/>
+            <p:cNvSpPr/>
+            <p:nvPr/>
+          </p:nvSpPr>
+          <p:spPr>
+            <a:xfrm>
+              <a:off x="2196257" y="5395872"/>
+              <a:ext cx="615783" cy="590081"/>
+            </a:xfrm>
+            <a:prstGeom prst="ellipse">
+              <a:avLst/>
+            </a:prstGeom>
+            <a:solidFill>
+              <a:schemeClr val="tx1">
+                <a:lumMod val="85000"/>
+              </a:schemeClr>
+            </a:solidFill>
+          </p:spPr>
+          <p:style>
+            <a:lnRef idx="2">
+              <a:schemeClr val="accent1">
+                <a:shade val="50000"/>
+              </a:schemeClr>
+            </a:lnRef>
+            <a:fillRef idx="1">
+              <a:schemeClr val="accent1"/>
+            </a:fillRef>
+            <a:effectRef idx="0">
+              <a:schemeClr val="accent1"/>
+            </a:effectRef>
+            <a:fontRef idx="minor">
+              <a:schemeClr val="lt1"/>
+            </a:fontRef>
+          </p:style>
+          <p:txBody>
+            <a:bodyPr rtlCol="0" anchor="ctr"/>
+            <a:lstStyle/>
+            <a:p>
+              <a:pPr algn="ctr"/>
+              <a:endParaRPr lang="es-ES" dirty="0"/>
+            </a:p>
+          </p:txBody>
+        </p:sp>
+        <p:pic>
+          <p:nvPicPr>
+            <p:cNvPr id="110" name="Imagen 109"/>
+            <p:cNvPicPr>
+              <a:picLocks noChangeAspect="1"/>
+            </p:cNvPicPr>
+            <p:nvPr/>
+          </p:nvPicPr>
+          <p:blipFill>
+            <a:blip r:embed="rId3">
+              <a:extLst>
+                <a:ext uri="{28A0092B-C50C-407E-A947-70E740481C1C}">
+                  <a14:useLocalDpi xmlns:a14="http://schemas.microsoft.com/office/drawing/2010/main" val="0"/>
+                </a:ext>
+              </a:extLst>
+            </a:blip>
+            <a:stretch>
+              <a:fillRect/>
+            </a:stretch>
+          </p:blipFill>
+          <p:spPr>
+            <a:xfrm>
+              <a:off x="2278153" y="5426888"/>
+              <a:ext cx="534405" cy="534405"/>
+            </a:xfrm>
+            <a:prstGeom prst="rect">
+              <a:avLst/>
+            </a:prstGeom>
+          </p:spPr>
+        </p:pic>
+      </p:grpSp>
+      <p:grpSp>
+        <p:nvGrpSpPr>
+          <p:cNvPr id="111" name="Grupo 110"/>
+          <p:cNvGrpSpPr/>
+          <p:nvPr/>
+        </p:nvGrpSpPr>
+        <p:grpSpPr>
+          <a:xfrm>
+            <a:off x="5988382" y="3572104"/>
+            <a:ext cx="2550488" cy="803603"/>
+            <a:chOff x="808383" y="2186610"/>
+            <a:chExt cx="2011331" cy="683916"/>
+          </a:xfrm>
+        </p:grpSpPr>
+        <p:sp>
+          <p:nvSpPr>
+            <p:cNvPr id="112" name="Rectángulo redondeado 111"/>
+            <p:cNvSpPr/>
+            <p:nvPr/>
+          </p:nvSpPr>
+          <p:spPr>
+            <a:xfrm>
+              <a:off x="808383" y="2186610"/>
+              <a:ext cx="1964840" cy="683916"/>
+            </a:xfrm>
+            <a:prstGeom prst="roundRect">
+              <a:avLst/>
+            </a:prstGeom>
+            <a:ln w="38100">
+              <a:solidFill>
+                <a:schemeClr val="tx1">
+                  <a:lumMod val="75000"/>
+                </a:schemeClr>
+              </a:solidFill>
+            </a:ln>
+          </p:spPr>
+          <p:style>
+            <a:lnRef idx="1">
+              <a:schemeClr val="accent1"/>
+            </a:lnRef>
+            <a:fillRef idx="3">
+              <a:schemeClr val="accent1"/>
+            </a:fillRef>
+            <a:effectRef idx="2">
+              <a:schemeClr val="accent1"/>
+            </a:effectRef>
+            <a:fontRef idx="minor">
+              <a:schemeClr val="lt1"/>
+            </a:fontRef>
+          </p:style>
+          <p:txBody>
+            <a:bodyPr rtlCol="0" anchor="ctr"/>
+            <a:lstStyle/>
+            <a:p>
+              <a:pPr algn="ctr"/>
+              <a:endParaRPr lang="es-ES" dirty="0"/>
+            </a:p>
+          </p:txBody>
+        </p:sp>
+        <p:sp>
+          <p:nvSpPr>
+            <p:cNvPr id="113" name="CuadroTexto 112"/>
+            <p:cNvSpPr txBox="1"/>
+            <p:nvPr/>
+          </p:nvSpPr>
+          <p:spPr>
+            <a:xfrm>
+              <a:off x="827405" y="2224494"/>
+              <a:ext cx="1992309" cy="581808"/>
+            </a:xfrm>
+            <a:prstGeom prst="rect">
+              <a:avLst/>
+            </a:prstGeom>
+            <a:noFill/>
+          </p:spPr>
+          <p:txBody>
+            <a:bodyPr wrap="square" rtlCol="0">
+              <a:spAutoFit/>
+            </a:bodyPr>
+            <a:lstStyle/>
+            <a:p>
+              <a:r>
+                <a:rPr lang="es-AR" sz="2000" dirty="0" smtClean="0"/>
+                <a:t>Administrar </a:t>
+              </a:r>
+            </a:p>
+            <a:p>
+              <a:r>
+                <a:rPr lang="es-AR" sz="2000" dirty="0" smtClean="0"/>
+                <a:t>Portal de Noticias</a:t>
+              </a:r>
+              <a:endParaRPr lang="es-ES" sz="2000" dirty="0"/>
+            </a:p>
+          </p:txBody>
+        </p:sp>
+      </p:grpSp>
+      <p:grpSp>
+        <p:nvGrpSpPr>
+          <p:cNvPr id="114" name="Grupo 113"/>
+          <p:cNvGrpSpPr/>
+          <p:nvPr/>
+        </p:nvGrpSpPr>
+        <p:grpSpPr>
+          <a:xfrm>
+            <a:off x="7779604" y="3349263"/>
+            <a:ext cx="615783" cy="590081"/>
+            <a:chOff x="4673222" y="2135099"/>
+            <a:chExt cx="615783" cy="590081"/>
+          </a:xfrm>
+        </p:grpSpPr>
+        <p:sp>
+          <p:nvSpPr>
+            <p:cNvPr id="115" name="Elipse 114"/>
+            <p:cNvSpPr/>
+            <p:nvPr/>
+          </p:nvSpPr>
+          <p:spPr>
+            <a:xfrm>
+              <a:off x="4673222" y="2135099"/>
+              <a:ext cx="615783" cy="590081"/>
+            </a:xfrm>
+            <a:prstGeom prst="ellipse">
+              <a:avLst/>
+            </a:prstGeom>
+            <a:solidFill>
+              <a:schemeClr val="tx1">
+                <a:lumMod val="85000"/>
+              </a:schemeClr>
+            </a:solidFill>
+          </p:spPr>
+          <p:style>
+            <a:lnRef idx="2">
+              <a:schemeClr val="accent1">
+                <a:shade val="50000"/>
+              </a:schemeClr>
+            </a:lnRef>
+            <a:fillRef idx="1">
+              <a:schemeClr val="accent1"/>
+            </a:fillRef>
+            <a:effectRef idx="0">
+              <a:schemeClr val="accent1"/>
+            </a:effectRef>
+            <a:fontRef idx="minor">
+              <a:schemeClr val="lt1"/>
+            </a:fontRef>
+          </p:style>
+          <p:txBody>
+            <a:bodyPr rtlCol="0" anchor="ctr"/>
+            <a:lstStyle/>
+            <a:p>
+              <a:pPr algn="ctr"/>
+              <a:endParaRPr lang="es-ES" dirty="0"/>
+            </a:p>
+          </p:txBody>
+        </p:sp>
+        <p:pic>
+          <p:nvPicPr>
+            <p:cNvPr id="116" name="Imagen 115"/>
+            <p:cNvPicPr>
+              <a:picLocks noChangeAspect="1"/>
+            </p:cNvPicPr>
+            <p:nvPr/>
+          </p:nvPicPr>
+          <p:blipFill>
+            <a:blip r:embed="rId4">
+              <a:extLst>
+                <a:ext uri="{28A0092B-C50C-407E-A947-70E740481C1C}">
+                  <a14:useLocalDpi xmlns:a14="http://schemas.microsoft.com/office/drawing/2010/main" val="0"/>
+                </a:ext>
+              </a:extLst>
+            </a:blip>
+            <a:stretch>
+              <a:fillRect/>
+            </a:stretch>
+          </p:blipFill>
+          <p:spPr>
+            <a:xfrm>
+              <a:off x="4792725" y="2182073"/>
+              <a:ext cx="453027" cy="453027"/>
+            </a:xfrm>
+            <a:prstGeom prst="rect">
+              <a:avLst/>
+            </a:prstGeom>
+          </p:spPr>
+        </p:pic>
+      </p:grpSp>
+      <p:grpSp>
+        <p:nvGrpSpPr>
+          <p:cNvPr id="117" name="Grupo 116"/>
+          <p:cNvGrpSpPr/>
+          <p:nvPr/>
+        </p:nvGrpSpPr>
+        <p:grpSpPr>
+          <a:xfrm>
+            <a:off x="6002516" y="4727530"/>
+            <a:ext cx="2392871" cy="881611"/>
+            <a:chOff x="746716" y="2186610"/>
+            <a:chExt cx="2024339" cy="710591"/>
+          </a:xfrm>
+        </p:grpSpPr>
+        <p:sp>
+          <p:nvSpPr>
+            <p:cNvPr id="118" name="Rectángulo redondeado 117"/>
+            <p:cNvSpPr/>
+            <p:nvPr/>
+          </p:nvSpPr>
+          <p:spPr>
+            <a:xfrm>
+              <a:off x="808383" y="2186610"/>
+              <a:ext cx="1962672" cy="710591"/>
+            </a:xfrm>
+            <a:prstGeom prst="roundRect">
+              <a:avLst/>
+            </a:prstGeom>
+            <a:ln w="38100">
+              <a:solidFill>
+                <a:schemeClr val="tx1">
+                  <a:lumMod val="75000"/>
+                </a:schemeClr>
+              </a:solidFill>
+            </a:ln>
+          </p:spPr>
+          <p:style>
+            <a:lnRef idx="1">
+              <a:schemeClr val="accent1"/>
+            </a:lnRef>
+            <a:fillRef idx="3">
+              <a:schemeClr val="accent1"/>
+            </a:fillRef>
+            <a:effectRef idx="2">
+              <a:schemeClr val="accent1"/>
+            </a:effectRef>
+            <a:fontRef idx="minor">
+              <a:schemeClr val="lt1"/>
+            </a:fontRef>
+          </p:style>
+          <p:txBody>
+            <a:bodyPr rtlCol="0" anchor="ctr"/>
+            <a:lstStyle/>
+            <a:p>
+              <a:pPr algn="ctr"/>
+              <a:endParaRPr lang="es-ES" dirty="0"/>
+            </a:p>
+          </p:txBody>
+        </p:sp>
+        <p:sp>
+          <p:nvSpPr>
+            <p:cNvPr id="119" name="CuadroTexto 118"/>
+            <p:cNvSpPr txBox="1"/>
+            <p:nvPr/>
+          </p:nvSpPr>
+          <p:spPr>
+            <a:xfrm>
+              <a:off x="746716" y="2286054"/>
+              <a:ext cx="2005471" cy="598724"/>
+            </a:xfrm>
+            <a:prstGeom prst="rect">
+              <a:avLst/>
+            </a:prstGeom>
+            <a:noFill/>
+          </p:spPr>
+          <p:txBody>
+            <a:bodyPr wrap="square" rtlCol="0">
+              <a:spAutoFit/>
+            </a:bodyPr>
+            <a:lstStyle/>
+            <a:p>
+              <a:pPr algn="ctr"/>
+              <a:r>
+                <a:rPr lang="es-AR" sz="1900" dirty="0" smtClean="0"/>
+                <a:t>Personalización  de Campeonatos</a:t>
+              </a:r>
+              <a:endParaRPr lang="es-ES" sz="1900" dirty="0"/>
+            </a:p>
+          </p:txBody>
+        </p:sp>
+      </p:grpSp>
+      <p:grpSp>
+        <p:nvGrpSpPr>
+          <p:cNvPr id="120" name="Grupo 119"/>
+          <p:cNvGrpSpPr/>
+          <p:nvPr/>
+        </p:nvGrpSpPr>
+        <p:grpSpPr>
+          <a:xfrm>
+            <a:off x="7929644" y="4432489"/>
+            <a:ext cx="615783" cy="590081"/>
+            <a:chOff x="5197117" y="3277380"/>
+            <a:chExt cx="615783" cy="590081"/>
+          </a:xfrm>
+        </p:grpSpPr>
+        <p:sp>
+          <p:nvSpPr>
+            <p:cNvPr id="121" name="Elipse 120"/>
+            <p:cNvSpPr/>
+            <p:nvPr/>
+          </p:nvSpPr>
+          <p:spPr>
+            <a:xfrm>
+              <a:off x="5197117" y="3277380"/>
+              <a:ext cx="615783" cy="590081"/>
+            </a:xfrm>
+            <a:prstGeom prst="ellipse">
+              <a:avLst/>
+            </a:prstGeom>
+            <a:solidFill>
+              <a:schemeClr val="tx1">
+                <a:lumMod val="85000"/>
+              </a:schemeClr>
+            </a:solidFill>
+          </p:spPr>
+          <p:style>
+            <a:lnRef idx="2">
+              <a:schemeClr val="accent1">
+                <a:shade val="50000"/>
+              </a:schemeClr>
+            </a:lnRef>
+            <a:fillRef idx="1">
+              <a:schemeClr val="accent1"/>
+            </a:fillRef>
+            <a:effectRef idx="0">
+              <a:schemeClr val="accent1"/>
+            </a:effectRef>
+            <a:fontRef idx="minor">
+              <a:schemeClr val="lt1"/>
+            </a:fontRef>
+          </p:style>
+          <p:txBody>
+            <a:bodyPr rtlCol="0" anchor="ctr"/>
+            <a:lstStyle/>
+            <a:p>
+              <a:pPr algn="ctr"/>
+              <a:endParaRPr lang="es-ES" dirty="0"/>
+            </a:p>
+          </p:txBody>
+        </p:sp>
+        <p:pic>
+          <p:nvPicPr>
+            <p:cNvPr id="122" name="Picture 2" descr="Website design symbol"/>
+            <p:cNvPicPr>
+              <a:picLocks noChangeAspect="1" noChangeArrowheads="1"/>
+            </p:cNvPicPr>
+            <p:nvPr/>
+          </p:nvPicPr>
+          <p:blipFill>
+            <a:blip r:embed="rId5">
+              <a:extLst>
+                <a:ext uri="{28A0092B-C50C-407E-A947-70E740481C1C}">
+                  <a14:useLocalDpi xmlns:a14="http://schemas.microsoft.com/office/drawing/2010/main" val="0"/>
+                </a:ext>
+              </a:extLst>
+            </a:blip>
+            <a:srcRect/>
+            <a:stretch>
+              <a:fillRect/>
+            </a:stretch>
+          </p:blipFill>
+          <p:spPr bwMode="auto">
+            <a:xfrm>
+              <a:off x="5317880" y="3349754"/>
+              <a:ext cx="395681" cy="395681"/>
+            </a:xfrm>
+            <a:prstGeom prst="rect">
+              <a:avLst/>
+            </a:prstGeom>
+            <a:noFill/>
+            <a:extLst>
+              <a:ext uri="{909E8E84-426E-40DD-AFC4-6F175D3DCCD1}">
+                <a14:hiddenFill xmlns:a14="http://schemas.microsoft.com/office/drawing/2010/main">
+                  <a:solidFill>
+                    <a:srgbClr val="FFFFFF"/>
+                  </a:solidFill>
+                </a14:hiddenFill>
+              </a:ext>
+            </a:extLst>
+          </p:spPr>
+        </p:pic>
+      </p:grpSp>
+      <p:grpSp>
+        <p:nvGrpSpPr>
+          <p:cNvPr id="3" name="Grupo 2"/>
+          <p:cNvGrpSpPr/>
+          <p:nvPr/>
+        </p:nvGrpSpPr>
+        <p:grpSpPr>
+          <a:xfrm>
+            <a:off x="1324873" y="3359060"/>
+            <a:ext cx="2249832" cy="2625441"/>
+            <a:chOff x="1122983" y="3084212"/>
+            <a:chExt cx="2249832" cy="2625441"/>
+          </a:xfrm>
+        </p:grpSpPr>
+        <p:sp>
+          <p:nvSpPr>
+            <p:cNvPr id="123" name="Rectángulo redondeado 122"/>
+            <p:cNvSpPr/>
+            <p:nvPr/>
+          </p:nvSpPr>
+          <p:spPr>
+            <a:xfrm>
+              <a:off x="1122983" y="3084212"/>
+              <a:ext cx="2249832" cy="2625441"/>
+            </a:xfrm>
+            <a:prstGeom prst="roundRect">
+              <a:avLst>
+                <a:gd name="adj" fmla="val 5132"/>
+              </a:avLst>
+            </a:prstGeom>
+            <a:ln/>
+          </p:spPr>
+          <p:style>
+            <a:lnRef idx="1">
+              <a:schemeClr val="accent4"/>
+            </a:lnRef>
+            <a:fillRef idx="3">
+              <a:schemeClr val="accent4"/>
+            </a:fillRef>
+            <a:effectRef idx="2">
+              <a:schemeClr val="accent4"/>
+            </a:effectRef>
+            <a:fontRef idx="minor">
+              <a:schemeClr val="lt1"/>
+            </a:fontRef>
+          </p:style>
+          <p:txBody>
+            <a:bodyPr rtlCol="0" anchor="ctr"/>
+            <a:lstStyle/>
+            <a:p>
+              <a:pPr algn="ctr"/>
+              <a:endParaRPr lang="es-ES" dirty="0"/>
+            </a:p>
+          </p:txBody>
+        </p:sp>
+        <p:sp>
+          <p:nvSpPr>
+            <p:cNvPr id="124" name="CuadroTexto 123"/>
+            <p:cNvSpPr txBox="1"/>
+            <p:nvPr/>
+          </p:nvSpPr>
+          <p:spPr>
+            <a:xfrm>
+              <a:off x="1300667" y="3596457"/>
+              <a:ext cx="1891254" cy="1384995"/>
+            </a:xfrm>
+            <a:prstGeom prst="rect">
+              <a:avLst/>
+            </a:prstGeom>
+            <a:noFill/>
+          </p:spPr>
+          <p:txBody>
+            <a:bodyPr wrap="square" rtlCol="0">
+              <a:spAutoFit/>
+            </a:bodyPr>
+            <a:lstStyle/>
+            <a:p>
+              <a:pPr algn="ctr"/>
+              <a:r>
+                <a:rPr lang="es-AR" sz="2800" dirty="0" smtClean="0"/>
+                <a:t>Sitio Web</a:t>
+              </a:r>
+            </a:p>
+            <a:p>
+              <a:pPr algn="ctr"/>
+              <a:r>
+                <a:rPr lang="es-AR" sz="2800" dirty="0" smtClean="0"/>
+                <a:t>del </a:t>
+              </a:r>
+            </a:p>
+            <a:p>
+              <a:pPr algn="ctr"/>
+              <a:r>
+                <a:rPr lang="es-AR" sz="2800" dirty="0" smtClean="0"/>
+                <a:t>Torneo</a:t>
+              </a:r>
+              <a:endParaRPr lang="es-ES" sz="2800" dirty="0"/>
+            </a:p>
+          </p:txBody>
+        </p:sp>
+      </p:grpSp>
+      <p:grpSp>
+        <p:nvGrpSpPr>
+          <p:cNvPr id="125" name="Grupo 124"/>
+          <p:cNvGrpSpPr/>
+          <p:nvPr/>
+        </p:nvGrpSpPr>
+        <p:grpSpPr>
+          <a:xfrm>
+            <a:off x="3766398" y="4764583"/>
+            <a:ext cx="1969984" cy="844558"/>
+            <a:chOff x="4896332" y="3650070"/>
+            <a:chExt cx="1764552" cy="727581"/>
+          </a:xfrm>
+        </p:grpSpPr>
+        <p:sp>
+          <p:nvSpPr>
+            <p:cNvPr id="126" name="Rectángulo redondeado 125"/>
+            <p:cNvSpPr/>
+            <p:nvPr/>
+          </p:nvSpPr>
+          <p:spPr>
+            <a:xfrm>
+              <a:off x="4896332" y="3650070"/>
+              <a:ext cx="1764552" cy="727581"/>
+            </a:xfrm>
+            <a:prstGeom prst="roundRect">
+              <a:avLst/>
+            </a:prstGeom>
+            <a:ln w="38100">
+              <a:solidFill>
+                <a:schemeClr val="tx1">
+                  <a:lumMod val="75000"/>
+                </a:schemeClr>
+              </a:solidFill>
+            </a:ln>
+          </p:spPr>
+          <p:style>
+            <a:lnRef idx="1">
+              <a:schemeClr val="accent1"/>
+            </a:lnRef>
+            <a:fillRef idx="3">
+              <a:schemeClr val="accent1"/>
+            </a:fillRef>
+            <a:effectRef idx="2">
+              <a:schemeClr val="accent1"/>
+            </a:effectRef>
+            <a:fontRef idx="minor">
+              <a:schemeClr val="lt1"/>
+            </a:fontRef>
+          </p:style>
+          <p:txBody>
+            <a:bodyPr rtlCol="0" anchor="ctr"/>
+            <a:lstStyle/>
+            <a:p>
+              <a:pPr algn="ctr"/>
+              <a:endParaRPr lang="es-ES" dirty="0"/>
+            </a:p>
+          </p:txBody>
+        </p:sp>
+        <p:sp>
+          <p:nvSpPr>
+            <p:cNvPr id="127" name="CuadroTexto 126"/>
+            <p:cNvSpPr txBox="1"/>
+            <p:nvPr/>
+          </p:nvSpPr>
+          <p:spPr>
+            <a:xfrm>
+              <a:off x="4982885" y="3735273"/>
+              <a:ext cx="1552873" cy="581808"/>
+            </a:xfrm>
+            <a:prstGeom prst="rect">
+              <a:avLst/>
+            </a:prstGeom>
+            <a:noFill/>
+          </p:spPr>
+          <p:txBody>
+            <a:bodyPr wrap="square" rtlCol="0">
+              <a:spAutoFit/>
+            </a:bodyPr>
+            <a:lstStyle/>
+            <a:p>
+              <a:r>
+                <a:rPr lang="es-AR" sz="2000" dirty="0" smtClean="0"/>
+                <a:t>Administrar Sanciones</a:t>
+              </a:r>
+              <a:endParaRPr lang="es-ES" sz="2000" dirty="0"/>
+            </a:p>
+          </p:txBody>
+        </p:sp>
+      </p:grpSp>
+      <p:grpSp>
+        <p:nvGrpSpPr>
+          <p:cNvPr id="128" name="Grupo 127"/>
+          <p:cNvGrpSpPr/>
+          <p:nvPr/>
+        </p:nvGrpSpPr>
+        <p:grpSpPr>
+          <a:xfrm>
+            <a:off x="5372599" y="4542363"/>
+            <a:ext cx="615783" cy="590081"/>
+            <a:chOff x="9010237" y="5143910"/>
+            <a:chExt cx="615783" cy="590081"/>
+          </a:xfrm>
+        </p:grpSpPr>
+        <p:sp>
+          <p:nvSpPr>
+            <p:cNvPr id="129" name="Elipse 128"/>
+            <p:cNvSpPr/>
+            <p:nvPr/>
+          </p:nvSpPr>
+          <p:spPr>
+            <a:xfrm>
+              <a:off x="9010237" y="5143910"/>
+              <a:ext cx="615783" cy="590081"/>
+            </a:xfrm>
+            <a:prstGeom prst="ellipse">
+              <a:avLst/>
+            </a:prstGeom>
+            <a:solidFill>
+              <a:schemeClr val="tx1">
+                <a:lumMod val="85000"/>
+              </a:schemeClr>
+            </a:solidFill>
+          </p:spPr>
+          <p:style>
+            <a:lnRef idx="2">
+              <a:schemeClr val="accent1">
+                <a:shade val="50000"/>
+              </a:schemeClr>
+            </a:lnRef>
+            <a:fillRef idx="1">
+              <a:schemeClr val="accent1"/>
+            </a:fillRef>
+            <a:effectRef idx="0">
+              <a:schemeClr val="accent1"/>
+            </a:effectRef>
+            <a:fontRef idx="minor">
+              <a:schemeClr val="lt1"/>
+            </a:fontRef>
+          </p:style>
+          <p:txBody>
+            <a:bodyPr rtlCol="0" anchor="ctr"/>
+            <a:lstStyle/>
+            <a:p>
+              <a:pPr algn="ctr"/>
+              <a:endParaRPr lang="es-ES" dirty="0"/>
+            </a:p>
+          </p:txBody>
+        </p:sp>
+        <p:pic>
+          <p:nvPicPr>
+            <p:cNvPr id="130" name="Imagen 129"/>
+            <p:cNvPicPr>
+              <a:picLocks noChangeAspect="1"/>
+            </p:cNvPicPr>
+            <p:nvPr/>
+          </p:nvPicPr>
+          <p:blipFill>
+            <a:blip r:embed="rId6">
+              <a:extLst>
+                <a:ext uri="{28A0092B-C50C-407E-A947-70E740481C1C}">
+                  <a14:useLocalDpi xmlns:a14="http://schemas.microsoft.com/office/drawing/2010/main" val="0"/>
+                </a:ext>
+              </a:extLst>
+            </a:blip>
+            <a:stretch>
+              <a:fillRect/>
+            </a:stretch>
+          </p:blipFill>
+          <p:spPr>
+            <a:xfrm>
+              <a:off x="9106078" y="5215415"/>
+              <a:ext cx="438235" cy="438235"/>
+            </a:xfrm>
+            <a:prstGeom prst="rect">
+              <a:avLst/>
+            </a:prstGeom>
+          </p:spPr>
+        </p:pic>
+      </p:grpSp>
+      <p:grpSp>
+        <p:nvGrpSpPr>
+          <p:cNvPr id="131" name="Grupo 130"/>
+          <p:cNvGrpSpPr/>
+          <p:nvPr/>
+        </p:nvGrpSpPr>
+        <p:grpSpPr>
+          <a:xfrm>
+            <a:off x="8742871" y="3562900"/>
+            <a:ext cx="2060311" cy="809599"/>
+            <a:chOff x="672018" y="2186610"/>
+            <a:chExt cx="1909601" cy="665405"/>
+          </a:xfrm>
+        </p:grpSpPr>
+        <p:sp>
+          <p:nvSpPr>
+            <p:cNvPr id="132" name="Rectángulo redondeado 131"/>
+            <p:cNvSpPr/>
+            <p:nvPr/>
+          </p:nvSpPr>
+          <p:spPr>
+            <a:xfrm>
+              <a:off x="672018" y="2186610"/>
+              <a:ext cx="1909601" cy="665405"/>
+            </a:xfrm>
+            <a:prstGeom prst="roundRect">
+              <a:avLst/>
+            </a:prstGeom>
+            <a:ln w="38100">
+              <a:solidFill>
+                <a:schemeClr val="tx1">
+                  <a:lumMod val="75000"/>
+                </a:schemeClr>
+              </a:solidFill>
+            </a:ln>
+          </p:spPr>
+          <p:style>
+            <a:lnRef idx="1">
+              <a:schemeClr val="accent1"/>
+            </a:lnRef>
+            <a:fillRef idx="3">
+              <a:schemeClr val="accent1"/>
+            </a:fillRef>
+            <a:effectRef idx="2">
+              <a:schemeClr val="accent1"/>
+            </a:effectRef>
+            <a:fontRef idx="minor">
+              <a:schemeClr val="lt1"/>
+            </a:fontRef>
+          </p:style>
+          <p:txBody>
+            <a:bodyPr rtlCol="0" anchor="ctr"/>
+            <a:lstStyle/>
+            <a:p>
+              <a:pPr algn="ctr"/>
+              <a:endParaRPr lang="es-ES" dirty="0"/>
+            </a:p>
+          </p:txBody>
+        </p:sp>
+        <p:sp>
+          <p:nvSpPr>
+            <p:cNvPr id="133" name="CuadroTexto 132"/>
+            <p:cNvSpPr txBox="1"/>
+            <p:nvPr/>
+          </p:nvSpPr>
+          <p:spPr>
+            <a:xfrm>
+              <a:off x="721148" y="2243217"/>
+              <a:ext cx="1666188" cy="581808"/>
+            </a:xfrm>
+            <a:prstGeom prst="rect">
+              <a:avLst/>
+            </a:prstGeom>
+            <a:noFill/>
+          </p:spPr>
+          <p:txBody>
+            <a:bodyPr wrap="square" rtlCol="0">
+              <a:spAutoFit/>
+            </a:bodyPr>
+            <a:lstStyle/>
+            <a:p>
+              <a:r>
+                <a:rPr lang="es-AR" sz="2000" dirty="0" smtClean="0"/>
+                <a:t>Actualizar Documentos</a:t>
+              </a:r>
+              <a:endParaRPr lang="es-ES" sz="2000" dirty="0"/>
+            </a:p>
+          </p:txBody>
+        </p:sp>
+      </p:grpSp>
+      <p:grpSp>
+        <p:nvGrpSpPr>
+          <p:cNvPr id="134" name="Grupo 133"/>
+          <p:cNvGrpSpPr/>
+          <p:nvPr/>
+        </p:nvGrpSpPr>
+        <p:grpSpPr>
+          <a:xfrm>
+            <a:off x="8762403" y="4753185"/>
+            <a:ext cx="2040779" cy="809599"/>
+            <a:chOff x="672018" y="2186610"/>
+            <a:chExt cx="1909601" cy="665405"/>
+          </a:xfrm>
+        </p:grpSpPr>
+        <p:sp>
+          <p:nvSpPr>
+            <p:cNvPr id="135" name="Rectángulo redondeado 134"/>
+            <p:cNvSpPr/>
+            <p:nvPr/>
+          </p:nvSpPr>
+          <p:spPr>
+            <a:xfrm>
+              <a:off x="672018" y="2186610"/>
+              <a:ext cx="1909601" cy="665405"/>
+            </a:xfrm>
+            <a:prstGeom prst="roundRect">
+              <a:avLst/>
+            </a:prstGeom>
+            <a:ln w="38100">
+              <a:solidFill>
+                <a:schemeClr val="tx1">
+                  <a:lumMod val="75000"/>
+                </a:schemeClr>
+              </a:solidFill>
+            </a:ln>
+          </p:spPr>
+          <p:style>
+            <a:lnRef idx="1">
+              <a:schemeClr val="accent1"/>
+            </a:lnRef>
+            <a:fillRef idx="3">
+              <a:schemeClr val="accent1"/>
+            </a:fillRef>
+            <a:effectRef idx="2">
+              <a:schemeClr val="accent1"/>
+            </a:effectRef>
+            <a:fontRef idx="minor">
+              <a:schemeClr val="lt1"/>
+            </a:fontRef>
+          </p:style>
+          <p:txBody>
+            <a:bodyPr rtlCol="0" anchor="ctr"/>
+            <a:lstStyle/>
+            <a:p>
+              <a:pPr algn="ctr"/>
+              <a:endParaRPr lang="es-ES" dirty="0"/>
+            </a:p>
+          </p:txBody>
+        </p:sp>
+        <p:sp>
+          <p:nvSpPr>
+            <p:cNvPr id="136" name="CuadroTexto 135"/>
+            <p:cNvSpPr txBox="1"/>
+            <p:nvPr/>
+          </p:nvSpPr>
+          <p:spPr>
+            <a:xfrm>
+              <a:off x="853795" y="2243217"/>
+              <a:ext cx="1533540" cy="581808"/>
+            </a:xfrm>
+            <a:prstGeom prst="rect">
+              <a:avLst/>
+            </a:prstGeom>
+            <a:noFill/>
+          </p:spPr>
+          <p:txBody>
+            <a:bodyPr wrap="square" rtlCol="0">
+              <a:spAutoFit/>
+            </a:bodyPr>
+            <a:lstStyle/>
+            <a:p>
+              <a:r>
+                <a:rPr lang="es-AR" sz="2000" dirty="0" smtClean="0"/>
+                <a:t>Manual de Usuario</a:t>
+              </a:r>
+              <a:endParaRPr lang="es-ES" sz="2000" dirty="0"/>
+            </a:p>
+          </p:txBody>
+        </p:sp>
+      </p:grpSp>
+      <p:sp>
+        <p:nvSpPr>
+          <p:cNvPr id="43" name="Rectángulo 42"/>
+          <p:cNvSpPr/>
+          <p:nvPr/>
+        </p:nvSpPr>
+        <p:spPr>
+          <a:xfrm>
+            <a:off x="1" y="1"/>
+            <a:ext cx="10444162" cy="1152000"/>
+          </a:xfrm>
+          <a:prstGeom prst="rect">
+            <a:avLst/>
           </a:prstGeom>
           <a:solidFill>
-            <a:schemeClr val="tx2"/>
+            <a:schemeClr val="accent1">
+              <a:alpha val="37000"/>
+            </a:schemeClr>
           </a:solidFill>
-          <a:ln w="38100"/>
+          <a:ln>
+            <a:noFill/>
+          </a:ln>
+          <a:effectLst>
+            <a:outerShdw blurRad="50800" dist="38100" dir="2700000" algn="tl" rotWithShape="0">
+              <a:prstClr val="black">
+                <a:alpha val="40000"/>
+              </a:prstClr>
+            </a:outerShdw>
+          </a:effectLst>
         </p:spPr>
         <p:style>
           <a:lnRef idx="2">
@@ -24788,436 +28450,155 @@
       </p:sp>
       <p:sp>
         <p:nvSpPr>
-          <p:cNvPr id="3" name="CuadroTexto 2"/>
-          <p:cNvSpPr txBox="1"/>
+          <p:cNvPr id="44" name="Título 1"/>
+          <p:cNvSpPr txBox="1">
+            <a:spLocks/>
+          </p:cNvSpPr>
           <p:nvPr/>
         </p:nvSpPr>
         <p:spPr>
           <a:xfrm>
-            <a:off x="1516873" y="1366641"/>
-            <a:ext cx="9588662" cy="7140416"/>
+            <a:off x="1607517" y="228600"/>
+            <a:ext cx="8836646" cy="813148"/>
           </a:xfrm>
           <a:prstGeom prst="rect">
             <a:avLst/>
           </a:prstGeom>
-          <a:noFill/>
         </p:spPr>
         <p:txBody>
-          <a:bodyPr wrap="square" rtlCol="0">
-            <a:spAutoFit/>
+          <a:bodyPr vert="horz" lIns="91440" tIns="45720" rIns="91440" bIns="45720" rtlCol="0" anchor="t">
+            <a:noAutofit/>
           </a:bodyPr>
-          <a:lstStyle/>
-          <a:p>
-            <a:pPr marL="285750" indent="-285750">
-              <a:buFont typeface="Arial" panose="020B0604020202020204" pitchFamily="34" charset="0"/>
-              <a:buChar char="•"/>
-            </a:pPr>
+          <a:lstStyle>
+            <a:lvl1pPr algn="l" defTabSz="457200" rtl="0" eaLnBrk="1" latinLnBrk="0" hangingPunct="1">
+              <a:spcBef>
+                <a:spcPct val="0"/>
+              </a:spcBef>
+              <a:buNone/>
+              <a:defRPr sz="4200" b="0" i="0" kern="1200">
+                <a:solidFill>
+                  <a:schemeClr val="tx2"/>
+                </a:solidFill>
+                <a:latin typeface="+mj-lt"/>
+                <a:ea typeface="+mj-ea"/>
+                <a:cs typeface="+mj-cs"/>
+              </a:defRPr>
+            </a:lvl1pPr>
+            <a:lvl2pPr eaLnBrk="1" hangingPunct="1">
+              <a:defRPr>
+                <a:solidFill>
+                  <a:schemeClr val="tx2"/>
+                </a:solidFill>
+              </a:defRPr>
+            </a:lvl2pPr>
+            <a:lvl3pPr eaLnBrk="1" hangingPunct="1">
+              <a:defRPr>
+                <a:solidFill>
+                  <a:schemeClr val="tx2"/>
+                </a:solidFill>
+              </a:defRPr>
+            </a:lvl3pPr>
+            <a:lvl4pPr eaLnBrk="1" hangingPunct="1">
+              <a:defRPr>
+                <a:solidFill>
+                  <a:schemeClr val="tx2"/>
+                </a:solidFill>
+              </a:defRPr>
+            </a:lvl4pPr>
+            <a:lvl5pPr eaLnBrk="1" hangingPunct="1">
+              <a:defRPr>
+                <a:solidFill>
+                  <a:schemeClr val="tx2"/>
+                </a:solidFill>
+              </a:defRPr>
+            </a:lvl5pPr>
+            <a:lvl6pPr eaLnBrk="1" hangingPunct="1">
+              <a:defRPr>
+                <a:solidFill>
+                  <a:schemeClr val="tx2"/>
+                </a:solidFill>
+              </a:defRPr>
+            </a:lvl6pPr>
+            <a:lvl7pPr eaLnBrk="1" hangingPunct="1">
+              <a:defRPr>
+                <a:solidFill>
+                  <a:schemeClr val="tx2"/>
+                </a:solidFill>
+              </a:defRPr>
+            </a:lvl7pPr>
+            <a:lvl8pPr eaLnBrk="1" hangingPunct="1">
+              <a:defRPr>
+                <a:solidFill>
+                  <a:schemeClr val="tx2"/>
+                </a:solidFill>
+              </a:defRPr>
+            </a:lvl8pPr>
+            <a:lvl9pPr eaLnBrk="1" hangingPunct="1">
+              <a:defRPr>
+                <a:solidFill>
+                  <a:schemeClr val="tx2"/>
+                </a:solidFill>
+              </a:defRPr>
+            </a:lvl9pPr>
+          </a:lstStyle>
+          <a:p>
             <a:r>
-              <a:rPr lang="es-AR" sz="1600" b="1" dirty="0" smtClean="0">
-                <a:solidFill>
-                  <a:schemeClr val="bg1"/>
-                </a:solidFill>
+              <a:rPr lang="es-AR" dirty="0" smtClean="0">
+                <a:latin typeface="Calibri" panose="020F0502020204030204" pitchFamily="34" charset="0"/>
               </a:rPr>
-              <a:t>(+)Cantidad Horas trabajadas</a:t>
-            </a:r>
-          </a:p>
-          <a:p>
-            <a:pPr marL="285750" indent="-285750">
-              <a:buFont typeface="Arial" panose="020B0604020202020204" pitchFamily="34" charset="0"/>
-              <a:buChar char="•"/>
-            </a:pPr>
-            <a:r>
-              <a:rPr lang="es-AR" sz="1600" b="1" dirty="0" smtClean="0">
-                <a:solidFill>
-                  <a:schemeClr val="bg1"/>
-                </a:solidFill>
-              </a:rPr>
-              <a:t>Metodología -&gt; </a:t>
+              <a:t>¿</a:t>
             </a:r>
             <a:r>
-              <a:rPr lang="es-AR" sz="1600" b="1" dirty="0" err="1" smtClean="0">
-                <a:solidFill>
-                  <a:schemeClr val="bg1"/>
-                </a:solidFill>
-              </a:rPr>
-              <a:t>Scrum</a:t>
+              <a:rPr lang="es-AR" dirty="0" smtClean="0"/>
+              <a:t>Cómo Seguimos</a:t>
             </a:r>
             <a:r>
-              <a:rPr lang="es-AR" sz="1600" b="1" dirty="0" smtClean="0">
-                <a:solidFill>
-                  <a:schemeClr val="bg1"/>
-                </a:solidFill>
+              <a:rPr lang="es-AR" dirty="0" smtClean="0">
+                <a:latin typeface="Calibri" panose="020F0502020204030204" pitchFamily="34" charset="0"/>
               </a:rPr>
-              <a:t>. Tomamos las practicas que nos servían a nosotros.</a:t>
+              <a:t>?</a:t>
             </a:r>
-          </a:p>
-          <a:p>
-            <a:pPr marL="285750" indent="-285750">
-              <a:buFont typeface="Arial" panose="020B0604020202020204" pitchFamily="34" charset="0"/>
-              <a:buChar char="•"/>
-            </a:pPr>
-            <a:r>
-              <a:rPr lang="es-AR" sz="1600" b="1" dirty="0" smtClean="0">
-                <a:solidFill>
-                  <a:schemeClr val="bg1"/>
-                </a:solidFill>
-              </a:rPr>
-              <a:t>TRABAJO EN EQUIPO! COMPROMISO! Mejoro la comunicación, siempre estuvimos juntos físicamente en el mismo lugar. -&gt; Avanzar mucho mas rápido y reduce el re trabajo. </a:t>
-            </a:r>
-          </a:p>
-          <a:p>
-            <a:pPr marL="285750" indent="-285750">
-              <a:buFont typeface="Arial" panose="020B0604020202020204" pitchFamily="34" charset="0"/>
-              <a:buChar char="•"/>
-            </a:pPr>
-            <a:r>
-              <a:rPr lang="es-AR" sz="1600" b="1" dirty="0" smtClean="0">
-                <a:solidFill>
-                  <a:schemeClr val="bg1"/>
-                </a:solidFill>
-              </a:rPr>
-              <a:t>Se respetó la planificación. Se le dedico las horas </a:t>
-            </a:r>
-            <a:r>
-              <a:rPr lang="es-AR" sz="1600" b="1" dirty="0" err="1" smtClean="0">
-                <a:solidFill>
-                  <a:schemeClr val="bg1"/>
-                </a:solidFill>
-              </a:rPr>
-              <a:t>semanals</a:t>
-            </a:r>
-            <a:r>
-              <a:rPr lang="es-AR" sz="1600" b="1" dirty="0" smtClean="0">
-                <a:solidFill>
-                  <a:schemeClr val="bg1"/>
-                </a:solidFill>
-              </a:rPr>
-              <a:t> acordadas</a:t>
-            </a:r>
-          </a:p>
-          <a:p>
-            <a:pPr marL="285750" indent="-285750">
-              <a:buFont typeface="Arial" panose="020B0604020202020204" pitchFamily="34" charset="0"/>
-              <a:buChar char="•"/>
-            </a:pPr>
-            <a:r>
-              <a:rPr lang="es-AR" sz="1600" b="1" dirty="0" smtClean="0">
-                <a:solidFill>
-                  <a:schemeClr val="bg1"/>
-                </a:solidFill>
-              </a:rPr>
-              <a:t>Nos sirvió realizar el estudio inicial y analizar los </a:t>
-            </a:r>
-            <a:r>
-              <a:rPr lang="es-AR" sz="1600" b="1" dirty="0" err="1" smtClean="0">
-                <a:solidFill>
-                  <a:schemeClr val="bg1"/>
-                </a:solidFill>
-              </a:rPr>
-              <a:t>rqs</a:t>
-            </a:r>
-            <a:r>
-              <a:rPr lang="es-AR" sz="1600" b="1" dirty="0" smtClean="0">
-                <a:solidFill>
-                  <a:schemeClr val="bg1"/>
-                </a:solidFill>
-              </a:rPr>
-              <a:t> antes de programar (analizar bien el dominio, </a:t>
-            </a:r>
-            <a:r>
-              <a:rPr lang="es-AR" sz="1600" b="1" dirty="0" err="1" smtClean="0">
-                <a:solidFill>
-                  <a:schemeClr val="bg1"/>
-                </a:solidFill>
-              </a:rPr>
-              <a:t>nors</a:t>
-            </a:r>
-            <a:r>
-              <a:rPr lang="es-AR" sz="1600" b="1" dirty="0" smtClean="0">
-                <a:solidFill>
-                  <a:schemeClr val="bg1"/>
-                </a:solidFill>
-              </a:rPr>
-              <a:t> sirvió tomarnos dos meses – sprint 0) ANALIZAR NECESIDADES, RQS, COMO ENCARAR LA SOLUCION.. </a:t>
-            </a:r>
-          </a:p>
-          <a:p>
-            <a:pPr marL="285750" indent="-285750">
-              <a:buFont typeface="Arial" panose="020B0604020202020204" pitchFamily="34" charset="0"/>
-              <a:buChar char="•"/>
-            </a:pPr>
-            <a:r>
-              <a:rPr lang="es-AR" sz="1600" b="1" dirty="0" err="1" smtClean="0">
-                <a:solidFill>
-                  <a:schemeClr val="bg1"/>
-                </a:solidFill>
-              </a:rPr>
-              <a:t>Restruccturacion</a:t>
-            </a:r>
-            <a:r>
-              <a:rPr lang="es-AR" sz="1600" b="1" dirty="0" smtClean="0">
-                <a:solidFill>
-                  <a:schemeClr val="bg1"/>
-                </a:solidFill>
-              </a:rPr>
-              <a:t> de código -&gt; se le dedico tiempo. Un sprint</a:t>
-            </a:r>
-          </a:p>
-          <a:p>
-            <a:pPr marL="285750" indent="-285750">
-              <a:buFont typeface="Arial" panose="020B0604020202020204" pitchFamily="34" charset="0"/>
-              <a:buChar char="•"/>
-            </a:pPr>
-            <a:r>
-              <a:rPr lang="es-AR" sz="1600" b="1" dirty="0" smtClean="0">
-                <a:solidFill>
-                  <a:schemeClr val="bg1"/>
-                </a:solidFill>
-              </a:rPr>
-              <a:t>Tenemos la </a:t>
-            </a:r>
-            <a:r>
-              <a:rPr lang="es-AR" sz="1600" b="1" dirty="0" err="1" smtClean="0">
-                <a:solidFill>
-                  <a:schemeClr val="bg1"/>
-                </a:solidFill>
-              </a:rPr>
-              <a:t>doc</a:t>
-            </a:r>
-            <a:r>
-              <a:rPr lang="es-AR" sz="1600" b="1" dirty="0" smtClean="0">
-                <a:solidFill>
-                  <a:schemeClr val="bg1"/>
-                </a:solidFill>
-              </a:rPr>
-              <a:t> actualizada y consistente nos facilito la construcción de nuestro producto y eso va a ayudarnos en un futuro para el mantenimiento.</a:t>
-            </a:r>
-          </a:p>
-          <a:p>
-            <a:pPr marL="285750" indent="-285750">
-              <a:buFont typeface="Arial" panose="020B0604020202020204" pitchFamily="34" charset="0"/>
-              <a:buChar char="•"/>
-            </a:pPr>
-            <a:endParaRPr lang="es-AR" b="1" dirty="0">
-              <a:solidFill>
-                <a:schemeClr val="bg1"/>
-              </a:solidFill>
+            <a:endParaRPr lang="es-AR" dirty="0">
+              <a:latin typeface="Calibri" panose="020F0502020204030204" pitchFamily="34" charset="0"/>
             </a:endParaRPr>
-          </a:p>
-          <a:p>
-            <a:pPr marL="285750" indent="-285750">
-              <a:buFont typeface="Arial" panose="020B0604020202020204" pitchFamily="34" charset="0"/>
-              <a:buChar char="•"/>
-            </a:pPr>
-            <a:r>
-              <a:rPr lang="es-AR" sz="1600" b="1" dirty="0" smtClean="0">
-                <a:solidFill>
-                  <a:schemeClr val="bg1"/>
-                </a:solidFill>
-              </a:rPr>
-              <a:t>(-)Nos falto definir con detalle un Criterio de Hecho (Nos faltó un </a:t>
-            </a:r>
-            <a:r>
-              <a:rPr lang="es-AR" sz="1600" b="1" dirty="0" err="1" smtClean="0">
-                <a:solidFill>
-                  <a:schemeClr val="bg1"/>
-                </a:solidFill>
-              </a:rPr>
-              <a:t>product</a:t>
-            </a:r>
-            <a:r>
-              <a:rPr lang="es-AR" sz="1600" b="1" dirty="0" smtClean="0">
-                <a:solidFill>
-                  <a:schemeClr val="bg1"/>
-                </a:solidFill>
-              </a:rPr>
-              <a:t> </a:t>
-            </a:r>
-            <a:r>
-              <a:rPr lang="es-AR" sz="1600" b="1" dirty="0" err="1" smtClean="0">
-                <a:solidFill>
-                  <a:schemeClr val="bg1"/>
-                </a:solidFill>
-              </a:rPr>
-              <a:t>owner</a:t>
-            </a:r>
-            <a:r>
-              <a:rPr lang="es-AR" sz="1600" b="1" dirty="0" smtClean="0">
-                <a:solidFill>
-                  <a:schemeClr val="bg1"/>
-                </a:solidFill>
-              </a:rPr>
-              <a:t> mas formal). Definir un punto de cuando las cosas están listas.</a:t>
-            </a:r>
-          </a:p>
-          <a:p>
-            <a:pPr marL="285750" indent="-285750">
-              <a:buFont typeface="Arial" panose="020B0604020202020204" pitchFamily="34" charset="0"/>
-              <a:buChar char="•"/>
-            </a:pPr>
-            <a:r>
-              <a:rPr lang="es-AR" sz="1600" b="1" dirty="0" err="1" smtClean="0">
-                <a:solidFill>
-                  <a:schemeClr val="bg1"/>
-                </a:solidFill>
-              </a:rPr>
-              <a:t>Testing</a:t>
-            </a:r>
-            <a:r>
-              <a:rPr lang="es-AR" sz="1600" b="1" dirty="0" smtClean="0">
-                <a:solidFill>
-                  <a:schemeClr val="bg1"/>
-                </a:solidFill>
-              </a:rPr>
-              <a:t>!!!!!! No le dedicamos tiempo a la automatización de CP que era la idea inicial. Hicimos </a:t>
-            </a:r>
-            <a:r>
-              <a:rPr lang="es-AR" sz="1600" b="1" dirty="0" err="1" smtClean="0">
-                <a:solidFill>
-                  <a:schemeClr val="bg1"/>
-                </a:solidFill>
-              </a:rPr>
-              <a:t>testing</a:t>
-            </a:r>
-            <a:r>
-              <a:rPr lang="es-AR" sz="1600" b="1" dirty="0" smtClean="0">
-                <a:solidFill>
-                  <a:schemeClr val="bg1"/>
-                </a:solidFill>
-              </a:rPr>
-              <a:t> manual solo. </a:t>
-            </a:r>
-          </a:p>
-          <a:p>
-            <a:pPr marL="285750" indent="-285750">
-              <a:buFont typeface="Arial" panose="020B0604020202020204" pitchFamily="34" charset="0"/>
-              <a:buChar char="•"/>
-            </a:pPr>
-            <a:r>
-              <a:rPr lang="es-AR" sz="1600" b="1" dirty="0" smtClean="0">
-                <a:solidFill>
-                  <a:schemeClr val="bg1"/>
-                </a:solidFill>
-              </a:rPr>
-              <a:t>Le deberíamos haber dado más importancia a las inspecciones de código.</a:t>
-            </a:r>
-            <a:endParaRPr lang="es-AR" sz="1600" b="1" dirty="0">
-              <a:solidFill>
-                <a:schemeClr val="bg1"/>
-              </a:solidFill>
-            </a:endParaRPr>
-          </a:p>
-          <a:p>
-            <a:pPr marL="285750" indent="-285750">
-              <a:buFont typeface="Arial" panose="020B0604020202020204" pitchFamily="34" charset="0"/>
-              <a:buChar char="•"/>
-            </a:pPr>
-            <a:endParaRPr lang="es-AR" sz="1600" b="1" dirty="0" smtClean="0">
-              <a:solidFill>
-                <a:schemeClr val="bg1"/>
-              </a:solidFill>
-            </a:endParaRPr>
-          </a:p>
-          <a:p>
-            <a:pPr marL="285750" indent="-285750">
-              <a:buFont typeface="Arial" panose="020B0604020202020204" pitchFamily="34" charset="0"/>
-              <a:buChar char="•"/>
-            </a:pPr>
-            <a:r>
-              <a:rPr lang="es-AR" sz="1600" b="1" dirty="0" smtClean="0">
-                <a:solidFill>
-                  <a:schemeClr val="bg1"/>
-                </a:solidFill>
-              </a:rPr>
-              <a:t>Mejorar (++)</a:t>
-            </a:r>
-          </a:p>
-          <a:p>
-            <a:pPr marL="285750" indent="-285750">
-              <a:buFont typeface="Arial" panose="020B0604020202020204" pitchFamily="34" charset="0"/>
-              <a:buChar char="•"/>
-            </a:pPr>
-            <a:r>
-              <a:rPr lang="es-AR" sz="1600" b="1" dirty="0" smtClean="0">
-                <a:solidFill>
-                  <a:schemeClr val="bg1"/>
-                </a:solidFill>
-              </a:rPr>
-              <a:t>Como vamos a seguir.. Como forma de trabajo.. Dedicarle mas horas a trabajar juntos (Seguir trabajando con las cosas positivas y tratar de mejorar en los aspectos negativos)</a:t>
-            </a:r>
-          </a:p>
-          <a:p>
-            <a:pPr marL="285750" indent="-285750">
-              <a:buFont typeface="Arial" panose="020B0604020202020204" pitchFamily="34" charset="0"/>
-              <a:buChar char="•"/>
-            </a:pPr>
-            <a:r>
-              <a:rPr lang="es-AR" sz="1600" b="1" dirty="0" smtClean="0">
-                <a:solidFill>
-                  <a:schemeClr val="bg1"/>
-                </a:solidFill>
-              </a:rPr>
-              <a:t>Hoy lo vemos como algo mucho mas factible y nos gustaría arrancar un emprendimiento propio y por tal motivo hicimos un PLAN DE NEGOCIO!!!! (</a:t>
-            </a:r>
-            <a:r>
-              <a:rPr lang="es-AR" sz="1600" b="1" dirty="0" err="1" smtClean="0">
-                <a:solidFill>
-                  <a:schemeClr val="bg1"/>
-                </a:solidFill>
-              </a:rPr>
-              <a:t>fACU</a:t>
-            </a:r>
-            <a:r>
-              <a:rPr lang="es-AR" sz="1600" b="1" dirty="0" smtClean="0">
-                <a:solidFill>
-                  <a:schemeClr val="bg1"/>
-                </a:solidFill>
-              </a:rPr>
-              <a:t>)</a:t>
-            </a:r>
-          </a:p>
-          <a:p>
-            <a:pPr marL="285750" indent="-285750">
-              <a:buFont typeface="Arial" panose="020B0604020202020204" pitchFamily="34" charset="0"/>
-              <a:buChar char="•"/>
-            </a:pPr>
-            <a:endParaRPr lang="es-AR" b="1" dirty="0" smtClean="0">
-              <a:solidFill>
-                <a:schemeClr val="bg1"/>
-              </a:solidFill>
-            </a:endParaRPr>
-          </a:p>
-          <a:p>
-            <a:pPr marL="285750" indent="-285750">
-              <a:buFont typeface="Arial" panose="020B0604020202020204" pitchFamily="34" charset="0"/>
-              <a:buChar char="•"/>
-            </a:pPr>
-            <a:endParaRPr lang="es-AR" b="1" dirty="0" smtClean="0">
-              <a:solidFill>
-                <a:schemeClr val="bg1"/>
-              </a:solidFill>
-            </a:endParaRPr>
-          </a:p>
-          <a:p>
-            <a:pPr marL="285750" indent="-285750">
-              <a:buFont typeface="Arial" panose="020B0604020202020204" pitchFamily="34" charset="0"/>
-              <a:buChar char="•"/>
-            </a:pPr>
-            <a:endParaRPr lang="es-AR" dirty="0" smtClean="0"/>
-          </a:p>
-          <a:p>
-            <a:pPr marL="285750" indent="-285750">
-              <a:buFont typeface="Arial" panose="020B0604020202020204" pitchFamily="34" charset="0"/>
-              <a:buChar char="•"/>
-            </a:pPr>
-            <a:endParaRPr lang="es-ES" dirty="0"/>
           </a:p>
         </p:txBody>
       </p:sp>
+      <p:pic>
+        <p:nvPicPr>
+          <p:cNvPr id="46" name="Imagen 45"/>
+          <p:cNvPicPr>
+            <a:picLocks noChangeAspect="1"/>
+          </p:cNvPicPr>
+          <p:nvPr/>
+        </p:nvPicPr>
+        <p:blipFill>
+          <a:blip r:embed="rId7">
+            <a:grayscl/>
+            <a:extLst>
+              <a:ext uri="{28A0092B-C50C-407E-A947-70E740481C1C}">
+                <a14:useLocalDpi xmlns:a14="http://schemas.microsoft.com/office/drawing/2010/main" val="0"/>
+              </a:ext>
+            </a:extLst>
+          </a:blip>
+          <a:stretch>
+            <a:fillRect/>
+          </a:stretch>
+        </p:blipFill>
+        <p:spPr>
+          <a:xfrm>
+            <a:off x="289301" y="0"/>
+            <a:ext cx="1151372" cy="1163031"/>
+          </a:xfrm>
+          <a:prstGeom prst="rect">
+            <a:avLst/>
+          </a:prstGeom>
+        </p:spPr>
+      </p:pic>
     </p:spTree>
     <p:extLst>
       <p:ext uri="{BB962C8B-B14F-4D97-AF65-F5344CB8AC3E}">
-        <p14:creationId xmlns:p14="http://schemas.microsoft.com/office/powerpoint/2010/main" val="704355331"/>
+        <p14:creationId xmlns:p14="http://schemas.microsoft.com/office/powerpoint/2010/main" val="733049031"/>
       </p:ext>
     </p:extLst>
   </p:cSld>
